--- a/AcceleratedDatabaseRecovery/AcceleratedDatabaseRecovery.pptx
+++ b/AcceleratedDatabaseRecovery/AcceleratedDatabaseRecovery.pptx
@@ -22,19 +22,21 @@
     <p:sldId id="273" r:id="rId16"/>
     <p:sldId id="274" r:id="rId17"/>
     <p:sldId id="275" r:id="rId18"/>
-    <p:sldId id="276" r:id="rId19"/>
-    <p:sldId id="291" r:id="rId20"/>
-    <p:sldId id="277" r:id="rId21"/>
-    <p:sldId id="278" r:id="rId22"/>
-    <p:sldId id="280" r:id="rId23"/>
-    <p:sldId id="281" r:id="rId24"/>
-    <p:sldId id="283" r:id="rId25"/>
-    <p:sldId id="284" r:id="rId26"/>
-    <p:sldId id="286" r:id="rId27"/>
-    <p:sldId id="285" r:id="rId28"/>
-    <p:sldId id="287" r:id="rId29"/>
-    <p:sldId id="288" r:id="rId30"/>
-    <p:sldId id="289" r:id="rId31"/>
+    <p:sldId id="292" r:id="rId19"/>
+    <p:sldId id="276" r:id="rId20"/>
+    <p:sldId id="291" r:id="rId21"/>
+    <p:sldId id="277" r:id="rId22"/>
+    <p:sldId id="278" r:id="rId23"/>
+    <p:sldId id="280" r:id="rId24"/>
+    <p:sldId id="281" r:id="rId25"/>
+    <p:sldId id="283" r:id="rId26"/>
+    <p:sldId id="284" r:id="rId27"/>
+    <p:sldId id="293" r:id="rId28"/>
+    <p:sldId id="286" r:id="rId29"/>
+    <p:sldId id="285" r:id="rId30"/>
+    <p:sldId id="287" r:id="rId31"/>
+    <p:sldId id="288" r:id="rId32"/>
+    <p:sldId id="289" r:id="rId33"/>
   </p:sldIdLst>
   <p:sldSz cx="12192000" cy="6858000"/>
   <p:notesSz cx="6858000" cy="9144000"/>
@@ -311,7 +313,7 @@
           <a:p>
             <a:fld id="{48A87A34-81AB-432B-8DAE-1953F412C126}" type="datetimeFigureOut">
               <a:rPr lang="en-US" dirty="0"/>
-              <a:t>6/19/2019</a:t>
+              <a:t>6/20/2019</a:t>
             </a:fld>
             <a:endParaRPr lang="en-US" dirty="0"/>
           </a:p>
@@ -572,7 +574,7 @@
           <a:p>
             <a:fld id="{48A87A34-81AB-432B-8DAE-1953F412C126}" type="datetimeFigureOut">
               <a:rPr lang="en-US" dirty="0"/>
-              <a:t>6/19/2019</a:t>
+              <a:t>6/20/2019</a:t>
             </a:fld>
             <a:endParaRPr lang="en-US" dirty="0"/>
           </a:p>
@@ -799,7 +801,7 @@
             <a:fld id="{48A87A34-81AB-432B-8DAE-1953F412C126}" type="datetimeFigureOut">
               <a:rPr lang="en-US" dirty="0"/>
               <a:pPr/>
-              <a:t>6/19/2019</a:t>
+              <a:t>6/20/2019</a:t>
             </a:fld>
             <a:endParaRPr lang="en-US" dirty="0"/>
           </a:p>
@@ -1105,7 +1107,7 @@
             <a:fld id="{48A87A34-81AB-432B-8DAE-1953F412C126}" type="datetimeFigureOut">
               <a:rPr lang="en-US" dirty="0"/>
               <a:pPr/>
-              <a:t>6/19/2019</a:t>
+              <a:t>6/20/2019</a:t>
             </a:fld>
             <a:endParaRPr lang="en-US" dirty="0"/>
           </a:p>
@@ -1574,7 +1576,7 @@
             <a:fld id="{48A87A34-81AB-432B-8DAE-1953F412C126}" type="datetimeFigureOut">
               <a:rPr lang="en-US" dirty="0"/>
               <a:pPr/>
-              <a:t>6/19/2019</a:t>
+              <a:t>6/20/2019</a:t>
             </a:fld>
             <a:endParaRPr lang="en-US" dirty="0"/>
           </a:p>
@@ -2116,7 +2118,7 @@
           <a:p>
             <a:fld id="{48A87A34-81AB-432B-8DAE-1953F412C126}" type="datetimeFigureOut">
               <a:rPr lang="en-US" dirty="0"/>
-              <a:t>6/19/2019</a:t>
+              <a:t>6/20/2019</a:t>
             </a:fld>
             <a:endParaRPr lang="en-US" dirty="0"/>
           </a:p>
@@ -2882,7 +2884,7 @@
           <a:p>
             <a:fld id="{48A87A34-81AB-432B-8DAE-1953F412C126}" type="datetimeFigureOut">
               <a:rPr lang="en-US" dirty="0"/>
-              <a:t>6/19/2019</a:t>
+              <a:t>6/20/2019</a:t>
             </a:fld>
             <a:endParaRPr lang="en-US" dirty="0"/>
           </a:p>
@@ -3052,7 +3054,7 @@
           <a:p>
             <a:fld id="{48A87A34-81AB-432B-8DAE-1953F412C126}" type="datetimeFigureOut">
               <a:rPr lang="en-US" dirty="0"/>
-              <a:t>6/19/2019</a:t>
+              <a:t>6/20/2019</a:t>
             </a:fld>
             <a:endParaRPr lang="en-US" dirty="0"/>
           </a:p>
@@ -3271,7 +3273,7 @@
             <a:fld id="{48A87A34-81AB-432B-8DAE-1953F412C126}" type="datetimeFigureOut">
               <a:rPr lang="en-US" dirty="0"/>
               <a:pPr/>
-              <a:t>6/19/2019</a:t>
+              <a:t>6/20/2019</a:t>
             </a:fld>
             <a:endParaRPr lang="en-US" dirty="0"/>
           </a:p>
@@ -3446,7 +3448,7 @@
           <a:p>
             <a:fld id="{48A87A34-81AB-432B-8DAE-1953F412C126}" type="datetimeFigureOut">
               <a:rPr lang="en-US" dirty="0"/>
-              <a:t>6/19/2019</a:t>
+              <a:t>6/20/2019</a:t>
             </a:fld>
             <a:endParaRPr lang="en-US" dirty="0"/>
           </a:p>
@@ -3731,7 +3733,7 @@
             <a:fld id="{48A87A34-81AB-432B-8DAE-1953F412C126}" type="datetimeFigureOut">
               <a:rPr lang="en-US" dirty="0"/>
               <a:pPr/>
-              <a:t>6/19/2019</a:t>
+              <a:t>6/20/2019</a:t>
             </a:fld>
             <a:endParaRPr lang="en-US" dirty="0"/>
           </a:p>
@@ -3968,7 +3970,7 @@
           <a:p>
             <a:fld id="{48A87A34-81AB-432B-8DAE-1953F412C126}" type="datetimeFigureOut">
               <a:rPr lang="en-US" dirty="0"/>
-              <a:t>6/19/2019</a:t>
+              <a:t>6/20/2019</a:t>
             </a:fld>
             <a:endParaRPr lang="en-US" dirty="0"/>
           </a:p>
@@ -4342,7 +4344,7 @@
           <a:p>
             <a:fld id="{48A87A34-81AB-432B-8DAE-1953F412C126}" type="datetimeFigureOut">
               <a:rPr lang="en-US" dirty="0"/>
-              <a:t>6/19/2019</a:t>
+              <a:t>6/20/2019</a:t>
             </a:fld>
             <a:endParaRPr lang="en-US" dirty="0"/>
           </a:p>
@@ -4455,7 +4457,7 @@
           <a:p>
             <a:fld id="{48A87A34-81AB-432B-8DAE-1953F412C126}" type="datetimeFigureOut">
               <a:rPr lang="en-US" dirty="0"/>
-              <a:t>6/19/2019</a:t>
+              <a:t>6/20/2019</a:t>
             </a:fld>
             <a:endParaRPr lang="en-US" dirty="0"/>
           </a:p>
@@ -4545,7 +4547,7 @@
           <a:p>
             <a:fld id="{48A87A34-81AB-432B-8DAE-1953F412C126}" type="datetimeFigureOut">
               <a:rPr lang="en-US" dirty="0"/>
-              <a:t>6/19/2019</a:t>
+              <a:t>6/20/2019</a:t>
             </a:fld>
             <a:endParaRPr lang="en-US" dirty="0"/>
           </a:p>
@@ -4789,7 +4791,7 @@
           <a:p>
             <a:fld id="{48A87A34-81AB-432B-8DAE-1953F412C126}" type="datetimeFigureOut">
               <a:rPr lang="en-US" dirty="0"/>
-              <a:t>6/19/2019</a:t>
+              <a:t>6/20/2019</a:t>
             </a:fld>
             <a:endParaRPr lang="en-US" dirty="0"/>
           </a:p>
@@ -5040,7 +5042,7 @@
           <a:p>
             <a:fld id="{48A87A34-81AB-432B-8DAE-1953F412C126}" type="datetimeFigureOut">
               <a:rPr lang="en-US" dirty="0"/>
-              <a:t>6/19/2019</a:t>
+              <a:t>6/20/2019</a:t>
             </a:fld>
             <a:endParaRPr lang="en-US" dirty="0"/>
           </a:p>
@@ -5279,7 +5281,7 @@
             <a:fld id="{48A87A34-81AB-432B-8DAE-1953F412C126}" type="datetimeFigureOut">
               <a:rPr lang="en-US" dirty="0"/>
               <a:pPr/>
-              <a:t>6/19/2019</a:t>
+              <a:t>6/20/2019</a:t>
             </a:fld>
             <a:endParaRPr lang="en-US" dirty="0"/>
           </a:p>
@@ -5732,12 +5734,20 @@
         </p:nvSpPr>
         <p:spPr/>
         <p:txBody>
-          <a:bodyPr/>
+          <a:bodyPr>
+            <a:normAutofit fontScale="92500" lnSpcReduction="10000"/>
+          </a:bodyPr>
           <a:lstStyle/>
           <a:p>
             <a:r>
               <a:rPr lang="en-US" dirty="0"/>
               <a:t>The Future of the Transaction Log</a:t>
+            </a:r>
+          </a:p>
+          <a:p>
+            <a:r>
+              <a:rPr lang="en-US" dirty="0"/>
+              <a:t>SQL Saturday Iowa City – June 22, 2019</a:t>
             </a:r>
           </a:p>
         </p:txBody>
@@ -10632,7 +10642,7 @@
           <p:cNvPr id="2" name="Title 1">
             <a:extLst>
               <a:ext uri="{FF2B5EF4-FFF2-40B4-BE49-F238E27FC236}">
-                <a16:creationId xmlns:a16="http://schemas.microsoft.com/office/drawing/2014/main" id="{CB70A3CD-839B-4127-AC96-7C4BC3692DC9}"/>
+                <a16:creationId xmlns:a16="http://schemas.microsoft.com/office/drawing/2014/main" id="{52BF9599-A513-49D4-A60F-25B49020760F}"/>
               </a:ext>
             </a:extLst>
           </p:cNvPr>
@@ -10650,48 +10660,44 @@
           <a:p>
             <a:r>
               <a:rPr lang="en-US" dirty="0"/>
-              <a:t>And Now…</a:t>
-            </a:r>
-            <a:r>
-              <a:rPr lang="en-US" dirty="0">
-                <a:solidFill>
-                  <a:schemeClr val="bg1"/>
-                </a:solidFill>
-              </a:rPr>
-              <a:t>The Future</a:t>
-            </a:r>
-          </a:p>
-        </p:txBody>
-      </p:sp>
-      <p:sp>
-        <p:nvSpPr>
-          <p:cNvPr id="3" name="Content Placeholder 2">
+              <a:t>What It Looks Like in the Error Log</a:t>
+            </a:r>
+          </a:p>
+        </p:txBody>
+      </p:sp>
+      <p:pic>
+        <p:nvPicPr>
+          <p:cNvPr id="5" name="Content Placeholder 4" descr="A screenshot of a cell phone&#10;&#10;Description automatically generated">
             <a:extLst>
               <a:ext uri="{FF2B5EF4-FFF2-40B4-BE49-F238E27FC236}">
-                <a16:creationId xmlns:a16="http://schemas.microsoft.com/office/drawing/2014/main" id="{3540C278-2FA7-44C2-BF94-9FFE859BC6D5}"/>
+                <a16:creationId xmlns:a16="http://schemas.microsoft.com/office/drawing/2014/main" id="{340D66D7-5D47-4E4E-879A-EC6A3D6199CC}"/>
               </a:ext>
             </a:extLst>
           </p:cNvPr>
-          <p:cNvSpPr>
-            <a:spLocks noGrp="1"/>
-          </p:cNvSpPr>
+          <p:cNvPicPr>
+            <a:picLocks noGrp="1" noChangeAspect="1"/>
+          </p:cNvPicPr>
           <p:nvPr>
             <p:ph idx="1"/>
           </p:nvPr>
-        </p:nvSpPr>
-        <p:spPr/>
-        <p:txBody>
-          <a:bodyPr/>
-          <a:lstStyle/>
-          <a:p>
-            <a:endParaRPr lang="en-US"/>
-          </a:p>
-        </p:txBody>
-      </p:sp>
+        </p:nvPicPr>
+        <p:blipFill>
+          <a:blip r:embed="rId2"/>
+          <a:stretch>
+            <a:fillRect/>
+          </a:stretch>
+        </p:blipFill>
+        <p:spPr>
+          <a:xfrm>
+            <a:off x="1019896" y="3221268"/>
+            <a:ext cx="10152207" cy="415463"/>
+          </a:xfrm>
+        </p:spPr>
+      </p:pic>
     </p:spTree>
     <p:extLst>
       <p:ext uri="{BB962C8B-B14F-4D97-AF65-F5344CB8AC3E}">
-        <p14:creationId xmlns:p14="http://schemas.microsoft.com/office/powerpoint/2010/main" val="875545394"/>
+        <p14:creationId xmlns:p14="http://schemas.microsoft.com/office/powerpoint/2010/main" val="3289257908"/>
       </p:ext>
     </p:extLst>
   </p:cSld>
@@ -10741,7 +10747,7 @@
           <a:p>
             <a:r>
               <a:rPr lang="en-US" dirty="0"/>
-              <a:t>What You’ve All Been Waiting For!!!</a:t>
+              <a:t>And Now…</a:t>
             </a:r>
             <a:r>
               <a:rPr lang="en-US" dirty="0">
@@ -10782,7 +10788,7 @@
     </p:spTree>
     <p:extLst>
       <p:ext uri="{BB962C8B-B14F-4D97-AF65-F5344CB8AC3E}">
-        <p14:creationId xmlns:p14="http://schemas.microsoft.com/office/powerpoint/2010/main" val="541400311"/>
+        <p14:creationId xmlns:p14="http://schemas.microsoft.com/office/powerpoint/2010/main" val="875545394"/>
       </p:ext>
     </p:extLst>
   </p:cSld>
@@ -10954,6 +10960,97 @@
           <p:cNvPr id="2" name="Title 1">
             <a:extLst>
               <a:ext uri="{FF2B5EF4-FFF2-40B4-BE49-F238E27FC236}">
+                <a16:creationId xmlns:a16="http://schemas.microsoft.com/office/drawing/2014/main" id="{CB70A3CD-839B-4127-AC96-7C4BC3692DC9}"/>
+              </a:ext>
+            </a:extLst>
+          </p:cNvPr>
+          <p:cNvSpPr>
+            <a:spLocks noGrp="1"/>
+          </p:cNvSpPr>
+          <p:nvPr>
+            <p:ph type="title"/>
+          </p:nvPr>
+        </p:nvSpPr>
+        <p:spPr/>
+        <p:txBody>
+          <a:bodyPr/>
+          <a:lstStyle/>
+          <a:p>
+            <a:r>
+              <a:rPr lang="en-US" dirty="0"/>
+              <a:t>What You’ve All Been Waiting For!!!</a:t>
+            </a:r>
+            <a:r>
+              <a:rPr lang="en-US" dirty="0">
+                <a:solidFill>
+                  <a:schemeClr val="bg1"/>
+                </a:solidFill>
+              </a:rPr>
+              <a:t>The Future</a:t>
+            </a:r>
+          </a:p>
+        </p:txBody>
+      </p:sp>
+      <p:sp>
+        <p:nvSpPr>
+          <p:cNvPr id="3" name="Content Placeholder 2">
+            <a:extLst>
+              <a:ext uri="{FF2B5EF4-FFF2-40B4-BE49-F238E27FC236}">
+                <a16:creationId xmlns:a16="http://schemas.microsoft.com/office/drawing/2014/main" id="{3540C278-2FA7-44C2-BF94-9FFE859BC6D5}"/>
+              </a:ext>
+            </a:extLst>
+          </p:cNvPr>
+          <p:cNvSpPr>
+            <a:spLocks noGrp="1"/>
+          </p:cNvSpPr>
+          <p:nvPr>
+            <p:ph idx="1"/>
+          </p:nvPr>
+        </p:nvSpPr>
+        <p:spPr/>
+        <p:txBody>
+          <a:bodyPr/>
+          <a:lstStyle/>
+          <a:p>
+            <a:endParaRPr lang="en-US"/>
+          </a:p>
+        </p:txBody>
+      </p:sp>
+    </p:spTree>
+    <p:extLst>
+      <p:ext uri="{BB962C8B-B14F-4D97-AF65-F5344CB8AC3E}">
+        <p14:creationId xmlns:p14="http://schemas.microsoft.com/office/powerpoint/2010/main" val="541400311"/>
+      </p:ext>
+    </p:extLst>
+  </p:cSld>
+  <p:clrMapOvr>
+    <a:masterClrMapping/>
+  </p:clrMapOvr>
+</p:sld>
+</file>
+
+<file path=ppt/slides/slide21.xml><?xml version="1.0" encoding="utf-8"?>
+<p:sld xmlns:a="http://schemas.openxmlformats.org/drawingml/2006/main" xmlns:r="http://schemas.openxmlformats.org/officeDocument/2006/relationships" xmlns:p="http://schemas.openxmlformats.org/presentationml/2006/main">
+  <p:cSld>
+    <p:spTree>
+      <p:nvGrpSpPr>
+        <p:cNvPr id="1" name=""/>
+        <p:cNvGrpSpPr/>
+        <p:nvPr/>
+      </p:nvGrpSpPr>
+      <p:grpSpPr>
+        <a:xfrm>
+          <a:off x="0" y="0"/>
+          <a:ext cx="0" cy="0"/>
+          <a:chOff x="0" y="0"/>
+          <a:chExt cx="0" cy="0"/>
+        </a:xfrm>
+      </p:grpSpPr>
+      <p:sp>
+        <p:nvSpPr>
+          <p:cNvPr id="2" name="Title 1">
+            <a:extLst>
+              <a:ext uri="{FF2B5EF4-FFF2-40B4-BE49-F238E27FC236}">
                 <a16:creationId xmlns:a16="http://schemas.microsoft.com/office/drawing/2014/main" id="{326B402B-2734-41DD-97C0-CC76BCA5BA48}"/>
               </a:ext>
             </a:extLst>
@@ -11031,126 +11128,6 @@
 </p:sld>
 </file>
 
-<file path=ppt/slides/slide21.xml><?xml version="1.0" encoding="utf-8"?>
-<p:sld xmlns:a="http://schemas.openxmlformats.org/drawingml/2006/main" xmlns:r="http://schemas.openxmlformats.org/officeDocument/2006/relationships" xmlns:p="http://schemas.openxmlformats.org/presentationml/2006/main">
-  <p:cSld>
-    <p:spTree>
-      <p:nvGrpSpPr>
-        <p:cNvPr id="1" name=""/>
-        <p:cNvGrpSpPr/>
-        <p:nvPr/>
-      </p:nvGrpSpPr>
-      <p:grpSpPr>
-        <a:xfrm>
-          <a:off x="0" y="0"/>
-          <a:ext cx="0" cy="0"/>
-          <a:chOff x="0" y="0"/>
-          <a:chExt cx="0" cy="0"/>
-        </a:xfrm>
-      </p:grpSpPr>
-      <p:sp>
-        <p:nvSpPr>
-          <p:cNvPr id="2" name="Title 1">
-            <a:extLst>
-              <a:ext uri="{FF2B5EF4-FFF2-40B4-BE49-F238E27FC236}">
-                <a16:creationId xmlns:a16="http://schemas.microsoft.com/office/drawing/2014/main" id="{D5F93F99-B394-4B74-BA16-EB6D86689D16}"/>
-              </a:ext>
-            </a:extLst>
-          </p:cNvPr>
-          <p:cNvSpPr>
-            <a:spLocks noGrp="1"/>
-          </p:cNvSpPr>
-          <p:nvPr>
-            <p:ph type="title"/>
-          </p:nvPr>
-        </p:nvSpPr>
-        <p:spPr/>
-        <p:txBody>
-          <a:bodyPr/>
-          <a:lstStyle/>
-          <a:p>
-            <a:r>
-              <a:rPr lang="en-US" dirty="0"/>
-              <a:t>Accelerated Database Recovery – New Concepts</a:t>
-            </a:r>
-          </a:p>
-        </p:txBody>
-      </p:sp>
-      <p:sp>
-        <p:nvSpPr>
-          <p:cNvPr id="3" name="Content Placeholder 2">
-            <a:extLst>
-              <a:ext uri="{FF2B5EF4-FFF2-40B4-BE49-F238E27FC236}">
-                <a16:creationId xmlns:a16="http://schemas.microsoft.com/office/drawing/2014/main" id="{AAB51152-CECE-41CC-A547-F144C28B2EFE}"/>
-              </a:ext>
-            </a:extLst>
-          </p:cNvPr>
-          <p:cNvSpPr>
-            <a:spLocks noGrp="1"/>
-          </p:cNvSpPr>
-          <p:nvPr>
-            <p:ph idx="1"/>
-          </p:nvPr>
-        </p:nvSpPr>
-        <p:spPr/>
-        <p:txBody>
-          <a:bodyPr/>
-          <a:lstStyle/>
-          <a:p>
-            <a:pPr marL="0" indent="0">
-              <a:buNone/>
-            </a:pPr>
-            <a:r>
-              <a:rPr lang="en-US" dirty="0"/>
-              <a:t>Persisted Version Store (PVS) – contains previous versions of modified rows, stored in the user database</a:t>
-            </a:r>
-          </a:p>
-          <a:p>
-            <a:pPr marL="0" indent="0">
-              <a:buNone/>
-            </a:pPr>
-            <a:r>
-              <a:rPr lang="en-US" dirty="0"/>
-              <a:t>Logical revert – On rollback, running transactions pull row version from the PVS</a:t>
-            </a:r>
-          </a:p>
-          <a:p>
-            <a:pPr marL="0" indent="0">
-              <a:buNone/>
-            </a:pPr>
-            <a:r>
-              <a:rPr lang="en-US" dirty="0" err="1"/>
-              <a:t>sLog</a:t>
-            </a:r>
-            <a:r>
-              <a:rPr lang="en-US" dirty="0"/>
-              <a:t> – In-memory log stream that stores non-versioned activity (locks for DDL, metadata cache invalidation, and bulk activity)</a:t>
-            </a:r>
-          </a:p>
-          <a:p>
-            <a:pPr marL="0" indent="0">
-              <a:buNone/>
-            </a:pPr>
-            <a:r>
-              <a:rPr lang="en-US" dirty="0"/>
-              <a:t>Cleaner – periodic process that cleans up unneeded row versions</a:t>
-            </a:r>
-          </a:p>
-        </p:txBody>
-      </p:sp>
-    </p:spTree>
-    <p:extLst>
-      <p:ext uri="{BB962C8B-B14F-4D97-AF65-F5344CB8AC3E}">
-        <p14:creationId xmlns:p14="http://schemas.microsoft.com/office/powerpoint/2010/main" val="1583242087"/>
-      </p:ext>
-    </p:extLst>
-  </p:cSld>
-  <p:clrMapOvr>
-    <a:masterClrMapping/>
-  </p:clrMapOvr>
-</p:sld>
-</file>
-
 <file path=ppt/slides/slide22.xml><?xml version="1.0" encoding="utf-8"?>
 <p:sld xmlns:a="http://schemas.openxmlformats.org/drawingml/2006/main" xmlns:r="http://schemas.openxmlformats.org/officeDocument/2006/relationships" xmlns:p="http://schemas.openxmlformats.org/presentationml/2006/main">
   <p:cSld>
@@ -11170,7 +11147,13 @@
       </p:grpSpPr>
       <p:sp>
         <p:nvSpPr>
-          <p:cNvPr id="2" name="Title 1"/>
+          <p:cNvPr id="2" name="Title 1">
+            <a:extLst>
+              <a:ext uri="{FF2B5EF4-FFF2-40B4-BE49-F238E27FC236}">
+                <a16:creationId xmlns:a16="http://schemas.microsoft.com/office/drawing/2014/main" id="{D5F93F99-B394-4B74-BA16-EB6D86689D16}"/>
+              </a:ext>
+            </a:extLst>
+          </p:cNvPr>
           <p:cNvSpPr>
             <a:spLocks noGrp="1"/>
           </p:cNvSpPr>
@@ -11185,14 +11168,20 @@
           <a:p>
             <a:r>
               <a:rPr lang="en-US" dirty="0"/>
-              <a:t>ADR Analysis</a:t>
-            </a:r>
-          </a:p>
-        </p:txBody>
-      </p:sp>
-      <p:sp>
-        <p:nvSpPr>
-          <p:cNvPr id="3" name="Content Placeholder 2"/>
+              <a:t>Accelerated Database Recovery – New Concepts</a:t>
+            </a:r>
+          </a:p>
+        </p:txBody>
+      </p:sp>
+      <p:sp>
+        <p:nvSpPr>
+          <p:cNvPr id="3" name="Content Placeholder 2">
+            <a:extLst>
+              <a:ext uri="{FF2B5EF4-FFF2-40B4-BE49-F238E27FC236}">
+                <a16:creationId xmlns:a16="http://schemas.microsoft.com/office/drawing/2014/main" id="{AAB51152-CECE-41CC-A547-F144C28B2EFE}"/>
+              </a:ext>
+            </a:extLst>
+          </p:cNvPr>
           <p:cNvSpPr>
             <a:spLocks noGrp="1"/>
           </p:cNvSpPr>
@@ -11205,610 +11194,43 @@
           <a:bodyPr/>
           <a:lstStyle/>
           <a:p>
-            <a:endParaRPr lang="en-US" dirty="0"/>
-          </a:p>
-        </p:txBody>
-      </p:sp>
-      <p:sp>
-        <p:nvSpPr>
-          <p:cNvPr id="4" name="Rounded Rectangle 3"/>
-          <p:cNvSpPr/>
-          <p:nvPr/>
-        </p:nvSpPr>
-        <p:spPr>
-          <a:xfrm>
-            <a:off x="1681843" y="3396342"/>
-            <a:ext cx="1877786" cy="1404257"/>
-          </a:xfrm>
-          <a:prstGeom prst="roundRect">
-            <a:avLst/>
-          </a:prstGeom>
-        </p:spPr>
-        <p:style>
-          <a:lnRef idx="2">
-            <a:schemeClr val="accent1">
-              <a:shade val="50000"/>
-            </a:schemeClr>
-          </a:lnRef>
-          <a:fillRef idx="1">
-            <a:schemeClr val="accent1"/>
-          </a:fillRef>
-          <a:effectRef idx="0">
-            <a:schemeClr val="accent1"/>
-          </a:effectRef>
-          <a:fontRef idx="minor">
-            <a:schemeClr val="lt1"/>
-          </a:fontRef>
-        </p:style>
-        <p:txBody>
-          <a:bodyPr rtlCol="0" anchor="ctr"/>
-          <a:lstStyle/>
-          <a:p>
-            <a:pPr algn="ctr"/>
-            <a:endParaRPr lang="en-US"/>
-          </a:p>
-        </p:txBody>
-      </p:sp>
-      <p:sp>
-        <p:nvSpPr>
-          <p:cNvPr id="5" name="TextBox 4"/>
-          <p:cNvSpPr txBox="1"/>
-          <p:nvPr/>
-        </p:nvSpPr>
-        <p:spPr>
-          <a:xfrm>
-            <a:off x="1930854" y="3913805"/>
-            <a:ext cx="1379764" cy="369332"/>
-          </a:xfrm>
-          <a:prstGeom prst="rect">
-            <a:avLst/>
-          </a:prstGeom>
-          <a:noFill/>
-        </p:spPr>
-        <p:txBody>
-          <a:bodyPr wrap="square" rtlCol="0">
-            <a:spAutoFit/>
-          </a:bodyPr>
-          <a:lstStyle/>
-          <a:p>
-            <a:pPr algn="ctr"/>
-            <a:r>
-              <a:rPr lang="en-US" dirty="0"/>
-              <a:t>VLF1</a:t>
-            </a:r>
-          </a:p>
-        </p:txBody>
-      </p:sp>
-      <p:sp>
-        <p:nvSpPr>
-          <p:cNvPr id="6" name="TextBox 5"/>
-          <p:cNvSpPr txBox="1"/>
-          <p:nvPr/>
-        </p:nvSpPr>
-        <p:spPr>
-          <a:xfrm>
-            <a:off x="1930854" y="4880317"/>
-            <a:ext cx="1379764" cy="369332"/>
-          </a:xfrm>
-          <a:prstGeom prst="rect">
-            <a:avLst/>
-          </a:prstGeom>
-          <a:noFill/>
-        </p:spPr>
-        <p:txBody>
-          <a:bodyPr wrap="square" rtlCol="0">
-            <a:spAutoFit/>
-          </a:bodyPr>
-          <a:lstStyle/>
-          <a:p>
-            <a:pPr algn="ctr"/>
-            <a:r>
-              <a:rPr lang="en-US" dirty="0"/>
-              <a:t>Active</a:t>
-            </a:r>
-          </a:p>
-        </p:txBody>
-      </p:sp>
-      <p:sp>
-        <p:nvSpPr>
-          <p:cNvPr id="7" name="Rounded Rectangle 6"/>
-          <p:cNvSpPr/>
-          <p:nvPr/>
-        </p:nvSpPr>
-        <p:spPr>
-          <a:xfrm>
-            <a:off x="3699619" y="3396342"/>
-            <a:ext cx="1877786" cy="1404257"/>
-          </a:xfrm>
-          <a:prstGeom prst="roundRect">
-            <a:avLst/>
-          </a:prstGeom>
-          <a:solidFill>
-            <a:schemeClr val="accent1"/>
-          </a:solidFill>
-        </p:spPr>
-        <p:style>
-          <a:lnRef idx="2">
-            <a:schemeClr val="accent1">
-              <a:shade val="50000"/>
-            </a:schemeClr>
-          </a:lnRef>
-          <a:fillRef idx="1">
-            <a:schemeClr val="accent1"/>
-          </a:fillRef>
-          <a:effectRef idx="0">
-            <a:schemeClr val="accent1"/>
-          </a:effectRef>
-          <a:fontRef idx="minor">
-            <a:schemeClr val="lt1"/>
-          </a:fontRef>
-        </p:style>
-        <p:txBody>
-          <a:bodyPr rtlCol="0" anchor="ctr"/>
-          <a:lstStyle/>
-          <a:p>
-            <a:pPr algn="ctr"/>
-            <a:endParaRPr lang="en-US"/>
-          </a:p>
-        </p:txBody>
-      </p:sp>
-      <p:sp>
-        <p:nvSpPr>
-          <p:cNvPr id="8" name="TextBox 7"/>
-          <p:cNvSpPr txBox="1"/>
-          <p:nvPr/>
-        </p:nvSpPr>
-        <p:spPr>
-          <a:xfrm>
-            <a:off x="3948630" y="3913805"/>
-            <a:ext cx="1379764" cy="369332"/>
-          </a:xfrm>
-          <a:prstGeom prst="rect">
-            <a:avLst/>
-          </a:prstGeom>
-          <a:solidFill>
-            <a:schemeClr val="accent1"/>
-          </a:solidFill>
-        </p:spPr>
-        <p:txBody>
-          <a:bodyPr wrap="square" rtlCol="0">
-            <a:spAutoFit/>
-          </a:bodyPr>
-          <a:lstStyle/>
-          <a:p>
-            <a:pPr algn="ctr"/>
-            <a:r>
-              <a:rPr lang="en-US" dirty="0"/>
-              <a:t>VLF2</a:t>
-            </a:r>
-          </a:p>
-        </p:txBody>
-      </p:sp>
-      <p:sp>
-        <p:nvSpPr>
-          <p:cNvPr id="9" name="TextBox 8"/>
-          <p:cNvSpPr txBox="1"/>
-          <p:nvPr/>
-        </p:nvSpPr>
-        <p:spPr>
-          <a:xfrm>
-            <a:off x="3948630" y="4880317"/>
-            <a:ext cx="1379764" cy="369332"/>
-          </a:xfrm>
-          <a:prstGeom prst="rect">
-            <a:avLst/>
-          </a:prstGeom>
-          <a:noFill/>
-        </p:spPr>
-        <p:txBody>
-          <a:bodyPr wrap="square" rtlCol="0">
-            <a:spAutoFit/>
-          </a:bodyPr>
-          <a:lstStyle/>
-          <a:p>
-            <a:pPr algn="ctr"/>
-            <a:r>
-              <a:rPr lang="en-US" dirty="0"/>
-              <a:t>Free</a:t>
-            </a:r>
-          </a:p>
-        </p:txBody>
-      </p:sp>
-      <p:sp>
-        <p:nvSpPr>
-          <p:cNvPr id="10" name="Rounded Rectangle 9"/>
-          <p:cNvSpPr/>
-          <p:nvPr/>
-        </p:nvSpPr>
-        <p:spPr>
-          <a:xfrm>
-            <a:off x="5717395" y="3396342"/>
-            <a:ext cx="1877786" cy="1404257"/>
-          </a:xfrm>
-          <a:prstGeom prst="roundRect">
-            <a:avLst/>
-          </a:prstGeom>
-          <a:solidFill>
-            <a:schemeClr val="accent1"/>
-          </a:solidFill>
-        </p:spPr>
-        <p:style>
-          <a:lnRef idx="2">
-            <a:schemeClr val="accent1">
-              <a:shade val="50000"/>
-            </a:schemeClr>
-          </a:lnRef>
-          <a:fillRef idx="1">
-            <a:schemeClr val="accent1"/>
-          </a:fillRef>
-          <a:effectRef idx="0">
-            <a:schemeClr val="accent1"/>
-          </a:effectRef>
-          <a:fontRef idx="minor">
-            <a:schemeClr val="lt1"/>
-          </a:fontRef>
-        </p:style>
-        <p:txBody>
-          <a:bodyPr rtlCol="0" anchor="ctr"/>
-          <a:lstStyle/>
-          <a:p>
-            <a:pPr algn="ctr"/>
-            <a:endParaRPr lang="en-US"/>
-          </a:p>
-        </p:txBody>
-      </p:sp>
-      <p:sp>
-        <p:nvSpPr>
-          <p:cNvPr id="11" name="TextBox 10"/>
-          <p:cNvSpPr txBox="1"/>
-          <p:nvPr/>
-        </p:nvSpPr>
-        <p:spPr>
-          <a:xfrm>
-            <a:off x="5966406" y="3913805"/>
-            <a:ext cx="1379764" cy="369332"/>
-          </a:xfrm>
-          <a:prstGeom prst="rect">
-            <a:avLst/>
-          </a:prstGeom>
-          <a:noFill/>
-        </p:spPr>
-        <p:txBody>
-          <a:bodyPr wrap="square" rtlCol="0">
-            <a:spAutoFit/>
-          </a:bodyPr>
-          <a:lstStyle/>
-          <a:p>
-            <a:pPr algn="ctr"/>
-            <a:r>
-              <a:rPr lang="en-US" dirty="0"/>
-              <a:t>VLF3</a:t>
-            </a:r>
-          </a:p>
-        </p:txBody>
-      </p:sp>
-      <p:sp>
-        <p:nvSpPr>
-          <p:cNvPr id="12" name="TextBox 11"/>
-          <p:cNvSpPr txBox="1"/>
-          <p:nvPr/>
-        </p:nvSpPr>
-        <p:spPr>
-          <a:xfrm>
-            <a:off x="5966406" y="4880317"/>
-            <a:ext cx="1379764" cy="369332"/>
-          </a:xfrm>
-          <a:prstGeom prst="rect">
-            <a:avLst/>
-          </a:prstGeom>
-          <a:noFill/>
-        </p:spPr>
-        <p:txBody>
-          <a:bodyPr wrap="square" rtlCol="0">
-            <a:spAutoFit/>
-          </a:bodyPr>
-          <a:lstStyle/>
-          <a:p>
-            <a:pPr algn="ctr"/>
-            <a:r>
-              <a:rPr lang="en-US" dirty="0"/>
-              <a:t>Free</a:t>
-            </a:r>
-          </a:p>
-        </p:txBody>
-      </p:sp>
-      <p:sp>
-        <p:nvSpPr>
-          <p:cNvPr id="13" name="Rounded Rectangle 12"/>
-          <p:cNvSpPr/>
-          <p:nvPr/>
-        </p:nvSpPr>
-        <p:spPr>
-          <a:xfrm>
-            <a:off x="7735171" y="3396342"/>
-            <a:ext cx="1877786" cy="1404257"/>
-          </a:xfrm>
-          <a:prstGeom prst="roundRect">
-            <a:avLst/>
-          </a:prstGeom>
-          <a:solidFill>
-            <a:schemeClr val="accent1"/>
-          </a:solidFill>
-        </p:spPr>
-        <p:style>
-          <a:lnRef idx="2">
-            <a:schemeClr val="accent1">
-              <a:shade val="50000"/>
-            </a:schemeClr>
-          </a:lnRef>
-          <a:fillRef idx="1">
-            <a:schemeClr val="accent1"/>
-          </a:fillRef>
-          <a:effectRef idx="0">
-            <a:schemeClr val="accent1"/>
-          </a:effectRef>
-          <a:fontRef idx="minor">
-            <a:schemeClr val="lt1"/>
-          </a:fontRef>
-        </p:style>
-        <p:txBody>
-          <a:bodyPr rtlCol="0" anchor="ctr"/>
-          <a:lstStyle/>
-          <a:p>
-            <a:pPr algn="ctr"/>
-            <a:endParaRPr lang="en-US"/>
-          </a:p>
-        </p:txBody>
-      </p:sp>
-      <p:sp>
-        <p:nvSpPr>
-          <p:cNvPr id="14" name="TextBox 13"/>
-          <p:cNvSpPr txBox="1"/>
-          <p:nvPr/>
-        </p:nvSpPr>
-        <p:spPr>
-          <a:xfrm>
-            <a:off x="7984182" y="3913805"/>
-            <a:ext cx="1379764" cy="369332"/>
-          </a:xfrm>
-          <a:prstGeom prst="rect">
-            <a:avLst/>
-          </a:prstGeom>
-          <a:solidFill>
-            <a:schemeClr val="accent1"/>
-          </a:solidFill>
-        </p:spPr>
-        <p:txBody>
-          <a:bodyPr wrap="square" rtlCol="0">
-            <a:spAutoFit/>
-          </a:bodyPr>
-          <a:lstStyle/>
-          <a:p>
-            <a:pPr algn="ctr"/>
-            <a:r>
-              <a:rPr lang="en-US" dirty="0"/>
-              <a:t>VLF4</a:t>
-            </a:r>
-          </a:p>
-        </p:txBody>
-      </p:sp>
-      <p:sp>
-        <p:nvSpPr>
-          <p:cNvPr id="15" name="TextBox 14"/>
-          <p:cNvSpPr txBox="1"/>
-          <p:nvPr/>
-        </p:nvSpPr>
-        <p:spPr>
-          <a:xfrm>
-            <a:off x="7984182" y="4880317"/>
-            <a:ext cx="1379764" cy="369332"/>
-          </a:xfrm>
-          <a:prstGeom prst="rect">
-            <a:avLst/>
-          </a:prstGeom>
-          <a:noFill/>
-        </p:spPr>
-        <p:txBody>
-          <a:bodyPr wrap="square" rtlCol="0">
-            <a:spAutoFit/>
-          </a:bodyPr>
-          <a:lstStyle/>
-          <a:p>
-            <a:pPr algn="ctr"/>
-            <a:r>
-              <a:rPr lang="en-US" dirty="0"/>
-              <a:t>Free</a:t>
-            </a:r>
-          </a:p>
-        </p:txBody>
-      </p:sp>
-      <p:cxnSp>
-        <p:nvCxnSpPr>
-          <p:cNvPr id="17" name="Straight Connector 16">
-            <a:extLst>
-              <a:ext uri="{FF2B5EF4-FFF2-40B4-BE49-F238E27FC236}">
-                <a16:creationId xmlns:a16="http://schemas.microsoft.com/office/drawing/2014/main" id="{FE7940C7-DF00-44F2-956B-C22CB644D43E}"/>
-              </a:ext>
-            </a:extLst>
-          </p:cNvPr>
-          <p:cNvCxnSpPr/>
-          <p:nvPr/>
-        </p:nvCxnSpPr>
-        <p:spPr>
-          <a:xfrm>
-            <a:off x="6705600" y="2699084"/>
-            <a:ext cx="0" cy="2662990"/>
-          </a:xfrm>
-          <a:prstGeom prst="line">
-            <a:avLst/>
-          </a:prstGeom>
-        </p:spPr>
-        <p:style>
-          <a:lnRef idx="3">
-            <a:schemeClr val="dk1"/>
-          </a:lnRef>
-          <a:fillRef idx="0">
-            <a:schemeClr val="dk1"/>
-          </a:fillRef>
-          <a:effectRef idx="2">
-            <a:schemeClr val="dk1"/>
-          </a:effectRef>
-          <a:fontRef idx="minor">
-            <a:schemeClr val="tx1"/>
-          </a:fontRef>
-        </p:style>
-      </p:cxnSp>
-      <p:sp>
-        <p:nvSpPr>
-          <p:cNvPr id="18" name="TextBox 17">
-            <a:extLst>
-              <a:ext uri="{FF2B5EF4-FFF2-40B4-BE49-F238E27FC236}">
-                <a16:creationId xmlns:a16="http://schemas.microsoft.com/office/drawing/2014/main" id="{1A60DC22-0E6B-46EC-880F-AD4F3D7F8E65}"/>
-              </a:ext>
-            </a:extLst>
-          </p:cNvPr>
-          <p:cNvSpPr txBox="1"/>
-          <p:nvPr/>
-        </p:nvSpPr>
-        <p:spPr>
-          <a:xfrm>
-            <a:off x="6753576" y="2451753"/>
-            <a:ext cx="1367741" cy="246221"/>
-          </a:xfrm>
-          <a:prstGeom prst="rect">
-            <a:avLst/>
-          </a:prstGeom>
-          <a:noFill/>
-        </p:spPr>
-        <p:txBody>
-          <a:bodyPr wrap="square" rtlCol="0">
-            <a:spAutoFit/>
-          </a:bodyPr>
-          <a:lstStyle/>
-          <a:p>
-            <a:r>
-              <a:rPr lang="en-US" sz="1000" dirty="0"/>
-              <a:t>Oldest Checkpoint</a:t>
-            </a:r>
-          </a:p>
-        </p:txBody>
-      </p:sp>
-      <p:cxnSp>
-        <p:nvCxnSpPr>
-          <p:cNvPr id="19" name="Straight Connector 18">
-            <a:extLst>
-              <a:ext uri="{FF2B5EF4-FFF2-40B4-BE49-F238E27FC236}">
-                <a16:creationId xmlns:a16="http://schemas.microsoft.com/office/drawing/2014/main" id="{029F0678-2723-4A9F-B796-2E5BC7F0B069}"/>
-              </a:ext>
-            </a:extLst>
-          </p:cNvPr>
-          <p:cNvCxnSpPr/>
-          <p:nvPr/>
-        </p:nvCxnSpPr>
-        <p:spPr>
-          <a:xfrm>
-            <a:off x="3328594" y="2699084"/>
-            <a:ext cx="0" cy="2662990"/>
-          </a:xfrm>
-          <a:prstGeom prst="line">
-            <a:avLst/>
-          </a:prstGeom>
-        </p:spPr>
-        <p:style>
-          <a:lnRef idx="3">
-            <a:schemeClr val="dk1"/>
-          </a:lnRef>
-          <a:fillRef idx="0">
-            <a:schemeClr val="dk1"/>
-          </a:fillRef>
-          <a:effectRef idx="2">
-            <a:schemeClr val="dk1"/>
-          </a:effectRef>
-          <a:fontRef idx="minor">
-            <a:schemeClr val="tx1"/>
-          </a:fontRef>
-        </p:style>
-      </p:cxnSp>
-      <p:sp>
-        <p:nvSpPr>
-          <p:cNvPr id="20" name="TextBox 19">
-            <a:extLst>
-              <a:ext uri="{FF2B5EF4-FFF2-40B4-BE49-F238E27FC236}">
-                <a16:creationId xmlns:a16="http://schemas.microsoft.com/office/drawing/2014/main" id="{8F835977-F963-44BE-8D84-0EBCD66776B1}"/>
-              </a:ext>
-            </a:extLst>
-          </p:cNvPr>
-          <p:cNvSpPr txBox="1"/>
-          <p:nvPr/>
-        </p:nvSpPr>
-        <p:spPr>
-          <a:xfrm>
-            <a:off x="3368693" y="2297864"/>
-            <a:ext cx="1596887" cy="400110"/>
-          </a:xfrm>
-          <a:prstGeom prst="rect">
-            <a:avLst/>
-          </a:prstGeom>
-          <a:noFill/>
-        </p:spPr>
-        <p:txBody>
-          <a:bodyPr wrap="square" rtlCol="0">
-            <a:spAutoFit/>
-          </a:bodyPr>
-          <a:lstStyle/>
-          <a:p>
-            <a:r>
-              <a:rPr lang="en-US" sz="1000" dirty="0"/>
-              <a:t>Oldest Uncommitted Transaction</a:t>
-            </a:r>
-          </a:p>
-        </p:txBody>
-      </p:sp>
-      <p:sp>
-        <p:nvSpPr>
-          <p:cNvPr id="21" name="Arrow: Right 20">
-            <a:extLst>
-              <a:ext uri="{FF2B5EF4-FFF2-40B4-BE49-F238E27FC236}">
-                <a16:creationId xmlns:a16="http://schemas.microsoft.com/office/drawing/2014/main" id="{3D88DB94-9337-43DB-A346-293EDAC42EC4}"/>
-              </a:ext>
-            </a:extLst>
-          </p:cNvPr>
-          <p:cNvSpPr/>
-          <p:nvPr/>
-        </p:nvSpPr>
-        <p:spPr>
-          <a:xfrm>
-            <a:off x="6705601" y="2837141"/>
-            <a:ext cx="2825092" cy="422041"/>
-          </a:xfrm>
-          <a:prstGeom prst="rightArrow">
-            <a:avLst/>
-          </a:prstGeom>
-        </p:spPr>
-        <p:style>
-          <a:lnRef idx="2">
-            <a:schemeClr val="accent1">
-              <a:shade val="50000"/>
-            </a:schemeClr>
-          </a:lnRef>
-          <a:fillRef idx="1">
-            <a:schemeClr val="accent1"/>
-          </a:fillRef>
-          <a:effectRef idx="0">
-            <a:schemeClr val="accent1"/>
-          </a:effectRef>
-          <a:fontRef idx="minor">
-            <a:schemeClr val="lt1"/>
-          </a:fontRef>
-        </p:style>
-        <p:txBody>
-          <a:bodyPr rtlCol="0" anchor="ctr"/>
-          <a:lstStyle/>
-          <a:p>
-            <a:pPr algn="ctr"/>
-            <a:r>
-              <a:rPr lang="en-US" sz="1200" dirty="0"/>
-              <a:t>Analysis</a:t>
+            <a:pPr marL="0" indent="0">
+              <a:buNone/>
+            </a:pPr>
+            <a:r>
+              <a:rPr lang="en-US" dirty="0"/>
+              <a:t>Persisted Version Store (PVS) – contains previous versions of modified rows, stored in the user database</a:t>
+            </a:r>
+          </a:p>
+          <a:p>
+            <a:pPr marL="0" indent="0">
+              <a:buNone/>
+            </a:pPr>
+            <a:r>
+              <a:rPr lang="en-US" dirty="0"/>
+              <a:t>Logical revert – On rollback, running transactions pull row version from the PVS</a:t>
+            </a:r>
+          </a:p>
+          <a:p>
+            <a:pPr marL="0" indent="0">
+              <a:buNone/>
+            </a:pPr>
+            <a:r>
+              <a:rPr lang="en-US" dirty="0" err="1"/>
+              <a:t>sLog</a:t>
+            </a:r>
+            <a:r>
+              <a:rPr lang="en-US" dirty="0"/>
+              <a:t> – In-memory log stream that stores non-versioned activity (locks for DDL, metadata cache invalidation, and bulk activity)</a:t>
+            </a:r>
+          </a:p>
+          <a:p>
+            <a:pPr marL="0" indent="0">
+              <a:buNone/>
+            </a:pPr>
+            <a:r>
+              <a:rPr lang="en-US" dirty="0"/>
+              <a:t>Cleaner – periodic process that cleans up unneeded row versions</a:t>
             </a:r>
           </a:p>
         </p:txBody>
@@ -11816,7 +11238,7 @@
     </p:spTree>
     <p:extLst>
       <p:ext uri="{BB962C8B-B14F-4D97-AF65-F5344CB8AC3E}">
-        <p14:creationId xmlns:p14="http://schemas.microsoft.com/office/powerpoint/2010/main" val="114463525"/>
+        <p14:creationId xmlns:p14="http://schemas.microsoft.com/office/powerpoint/2010/main" val="1583242087"/>
       </p:ext>
     </p:extLst>
   </p:cSld>
@@ -11860,13 +11282,8 @@
           <a:p>
             <a:r>
               <a:rPr lang="en-US" dirty="0"/>
-              <a:t>Redo From </a:t>
-            </a:r>
-            <a:r>
-              <a:rPr lang="en-US" dirty="0" err="1"/>
-              <a:t>sLog</a:t>
-            </a:r>
-            <a:endParaRPr lang="en-US" dirty="0"/>
+              <a:t>ADR Analysis</a:t>
+            </a:r>
           </a:p>
         </p:txBody>
       </p:sp>
@@ -12493,64 +11910,10 @@
           </a:p>
         </p:txBody>
       </p:sp>
-      <p:sp>
-        <p:nvSpPr>
-          <p:cNvPr id="22" name="Arrow: Right 21">
-            <a:extLst>
-              <a:ext uri="{FF2B5EF4-FFF2-40B4-BE49-F238E27FC236}">
-                <a16:creationId xmlns:a16="http://schemas.microsoft.com/office/drawing/2014/main" id="{7DADEE8C-17F7-4E89-B5E7-E97F313E2335}"/>
-              </a:ext>
-            </a:extLst>
-          </p:cNvPr>
-          <p:cNvSpPr/>
-          <p:nvPr/>
-        </p:nvSpPr>
-        <p:spPr>
-          <a:xfrm>
-            <a:off x="3310618" y="2995122"/>
-            <a:ext cx="3377006" cy="400110"/>
-          </a:xfrm>
-          <a:prstGeom prst="rightArrow">
-            <a:avLst/>
-          </a:prstGeom>
-        </p:spPr>
-        <p:style>
-          <a:lnRef idx="2">
-            <a:schemeClr val="accent1">
-              <a:shade val="50000"/>
-            </a:schemeClr>
-          </a:lnRef>
-          <a:fillRef idx="1">
-            <a:schemeClr val="accent1"/>
-          </a:fillRef>
-          <a:effectRef idx="0">
-            <a:schemeClr val="accent1"/>
-          </a:effectRef>
-          <a:fontRef idx="minor">
-            <a:schemeClr val="lt1"/>
-          </a:fontRef>
-        </p:style>
-        <p:txBody>
-          <a:bodyPr rtlCol="0" anchor="ctr"/>
-          <a:lstStyle/>
-          <a:p>
-            <a:pPr algn="ctr"/>
-            <a:r>
-              <a:rPr lang="en-US" sz="1200" dirty="0"/>
-              <a:t>Redo from </a:t>
-            </a:r>
-            <a:r>
-              <a:rPr lang="en-US" sz="1200" dirty="0" err="1"/>
-              <a:t>sLog</a:t>
-            </a:r>
-            <a:endParaRPr lang="en-US" sz="1200" dirty="0"/>
-          </a:p>
-        </p:txBody>
-      </p:sp>
     </p:spTree>
     <p:extLst>
       <p:ext uri="{BB962C8B-B14F-4D97-AF65-F5344CB8AC3E}">
-        <p14:creationId xmlns:p14="http://schemas.microsoft.com/office/powerpoint/2010/main" val="4088970748"/>
+        <p14:creationId xmlns:p14="http://schemas.microsoft.com/office/powerpoint/2010/main" val="114463525"/>
       </p:ext>
     </p:extLst>
   </p:cSld>
@@ -12598,7 +11961,7 @@
             </a:r>
             <a:r>
               <a:rPr lang="en-US" dirty="0" err="1"/>
-              <a:t>tLog</a:t>
+              <a:t>sLog</a:t>
             </a:r>
             <a:endParaRPr lang="en-US" dirty="0"/>
           </a:p>
@@ -13192,7 +12555,7 @@
         </p:nvSpPr>
         <p:spPr>
           <a:xfrm>
-            <a:off x="6723577" y="2624112"/>
+            <a:off x="6705601" y="2837141"/>
             <a:ext cx="2825092" cy="422041"/>
           </a:xfrm>
           <a:prstGeom prst="rightArrow">
@@ -13281,64 +12644,10 @@
           </a:p>
         </p:txBody>
       </p:sp>
-      <p:sp>
-        <p:nvSpPr>
-          <p:cNvPr id="23" name="Arrow: Right 22">
-            <a:extLst>
-              <a:ext uri="{FF2B5EF4-FFF2-40B4-BE49-F238E27FC236}">
-                <a16:creationId xmlns:a16="http://schemas.microsoft.com/office/drawing/2014/main" id="{7677EF5D-77B1-4A41-A17F-93EDB0BAC7A4}"/>
-              </a:ext>
-            </a:extLst>
-          </p:cNvPr>
-          <p:cNvSpPr/>
-          <p:nvPr/>
-        </p:nvSpPr>
-        <p:spPr>
-          <a:xfrm>
-            <a:off x="6708771" y="2973191"/>
-            <a:ext cx="2825092" cy="422041"/>
-          </a:xfrm>
-          <a:prstGeom prst="rightArrow">
-            <a:avLst/>
-          </a:prstGeom>
-        </p:spPr>
-        <p:style>
-          <a:lnRef idx="2">
-            <a:schemeClr val="accent1">
-              <a:shade val="50000"/>
-            </a:schemeClr>
-          </a:lnRef>
-          <a:fillRef idx="1">
-            <a:schemeClr val="accent1"/>
-          </a:fillRef>
-          <a:effectRef idx="0">
-            <a:schemeClr val="accent1"/>
-          </a:effectRef>
-          <a:fontRef idx="minor">
-            <a:schemeClr val="lt1"/>
-          </a:fontRef>
-        </p:style>
-        <p:txBody>
-          <a:bodyPr rtlCol="0" anchor="ctr"/>
-          <a:lstStyle/>
-          <a:p>
-            <a:pPr algn="ctr"/>
-            <a:r>
-              <a:rPr lang="en-US" sz="1200" dirty="0"/>
-              <a:t>Redo from </a:t>
-            </a:r>
-            <a:r>
-              <a:rPr lang="en-US" sz="1200" dirty="0" err="1"/>
-              <a:t>tLog</a:t>
-            </a:r>
-            <a:endParaRPr lang="en-US" sz="1200" dirty="0"/>
-          </a:p>
-        </p:txBody>
-      </p:sp>
     </p:spTree>
     <p:extLst>
       <p:ext uri="{BB962C8B-B14F-4D97-AF65-F5344CB8AC3E}">
-        <p14:creationId xmlns:p14="http://schemas.microsoft.com/office/powerpoint/2010/main" val="113444395"/>
+        <p14:creationId xmlns:p14="http://schemas.microsoft.com/office/powerpoint/2010/main" val="4088970748"/>
       </p:ext>
     </p:extLst>
   </p:cSld>
@@ -13386,44 +12695,31 @@
             </a:r>
             <a:r>
               <a:rPr lang="en-US" dirty="0" err="1"/>
-              <a:t>TLog</a:t>
+              <a:t>tLog</a:t>
             </a:r>
             <a:endParaRPr lang="en-US" dirty="0"/>
           </a:p>
         </p:txBody>
       </p:sp>
-      <p:pic>
-        <p:nvPicPr>
-          <p:cNvPr id="16" name="Content Placeholder 15">
-            <a:extLst>
-              <a:ext uri="{FF2B5EF4-FFF2-40B4-BE49-F238E27FC236}">
-                <a16:creationId xmlns:a16="http://schemas.microsoft.com/office/drawing/2014/main" id="{83349D77-62B8-45ED-A0B2-A917DFC06BB7}"/>
-              </a:ext>
-            </a:extLst>
-          </p:cNvPr>
-          <p:cNvPicPr>
-            <a:picLocks noGrp="1" noChangeAspect="1"/>
-          </p:cNvPicPr>
+      <p:sp>
+        <p:nvSpPr>
+          <p:cNvPr id="3" name="Content Placeholder 2"/>
+          <p:cNvSpPr>
+            <a:spLocks noGrp="1"/>
+          </p:cNvSpPr>
           <p:nvPr>
             <p:ph idx="1"/>
           </p:nvPr>
-        </p:nvPicPr>
-        <p:blipFill>
-          <a:blip r:embed="rId2"/>
-          <a:stretch>
-            <a:fillRect/>
-          </a:stretch>
-        </p:blipFill>
-        <p:spPr>
-          <a:xfrm>
-            <a:off x="4410310" y="4014041"/>
-            <a:ext cx="3371380" cy="384081"/>
-          </a:xfrm>
-          <a:prstGeom prst="rect">
-            <a:avLst/>
-          </a:prstGeom>
-        </p:spPr>
-      </p:pic>
+        </p:nvSpPr>
+        <p:spPr/>
+        <p:txBody>
+          <a:bodyPr/>
+          <a:lstStyle/>
+          <a:p>
+            <a:endParaRPr lang="en-US" dirty="0"/>
+          </a:p>
+        </p:txBody>
+      </p:sp>
       <p:sp>
         <p:nvSpPr>
           <p:cNvPr id="4" name="Rounded Rectangle 3"/>
@@ -14136,64 +13432,10 @@
           </a:p>
         </p:txBody>
       </p:sp>
-      <p:sp>
-        <p:nvSpPr>
-          <p:cNvPr id="24" name="Arrow: Left 23">
-            <a:extLst>
-              <a:ext uri="{FF2B5EF4-FFF2-40B4-BE49-F238E27FC236}">
-                <a16:creationId xmlns:a16="http://schemas.microsoft.com/office/drawing/2014/main" id="{2F015FFB-A728-40FD-9918-E3399EB39F9E}"/>
-              </a:ext>
-            </a:extLst>
-          </p:cNvPr>
-          <p:cNvSpPr/>
-          <p:nvPr/>
-        </p:nvSpPr>
-        <p:spPr>
-          <a:xfrm>
-            <a:off x="3337583" y="2651625"/>
-            <a:ext cx="3359029" cy="366484"/>
-          </a:xfrm>
-          <a:prstGeom prst="leftArrow">
-            <a:avLst/>
-          </a:prstGeom>
-        </p:spPr>
-        <p:style>
-          <a:lnRef idx="2">
-            <a:schemeClr val="accent1">
-              <a:shade val="50000"/>
-            </a:schemeClr>
-          </a:lnRef>
-          <a:fillRef idx="1">
-            <a:schemeClr val="accent1"/>
-          </a:fillRef>
-          <a:effectRef idx="0">
-            <a:schemeClr val="accent1"/>
-          </a:effectRef>
-          <a:fontRef idx="minor">
-            <a:schemeClr val="lt1"/>
-          </a:fontRef>
-        </p:style>
-        <p:txBody>
-          <a:bodyPr rtlCol="0" anchor="ctr"/>
-          <a:lstStyle/>
-          <a:p>
-            <a:pPr algn="ctr"/>
-            <a:r>
-              <a:rPr lang="en-US" sz="1200" dirty="0"/>
-              <a:t>Undo from </a:t>
-            </a:r>
-            <a:r>
-              <a:rPr lang="en-US" sz="1200" dirty="0" err="1"/>
-              <a:t>sLog</a:t>
-            </a:r>
-            <a:endParaRPr lang="en-US" sz="1200" dirty="0"/>
-          </a:p>
-        </p:txBody>
-      </p:sp>
     </p:spTree>
     <p:extLst>
       <p:ext uri="{BB962C8B-B14F-4D97-AF65-F5344CB8AC3E}">
-        <p14:creationId xmlns:p14="http://schemas.microsoft.com/office/powerpoint/2010/main" val="135472693"/>
+        <p14:creationId xmlns:p14="http://schemas.microsoft.com/office/powerpoint/2010/main" val="113444395"/>
       </p:ext>
     </p:extLst>
   </p:cSld>
@@ -14222,13 +13464,7 @@
       </p:grpSpPr>
       <p:sp>
         <p:nvSpPr>
-          <p:cNvPr id="2" name="Title 1">
-            <a:extLst>
-              <a:ext uri="{FF2B5EF4-FFF2-40B4-BE49-F238E27FC236}">
-                <a16:creationId xmlns:a16="http://schemas.microsoft.com/office/drawing/2014/main" id="{A64FEF82-C56C-4F9F-8CF9-55F1CEF9C42B}"/>
-              </a:ext>
-            </a:extLst>
-          </p:cNvPr>
+          <p:cNvPr id="2" name="Title 1"/>
           <p:cNvSpPr>
             <a:spLocks noGrp="1"/>
           </p:cNvSpPr>
@@ -14243,73 +13479,818 @@
           <a:p>
             <a:r>
               <a:rPr lang="en-US" dirty="0"/>
-              <a:t>Benefits of ADR</a:t>
-            </a:r>
-          </a:p>
-        </p:txBody>
-      </p:sp>
-      <p:sp>
-        <p:nvSpPr>
-          <p:cNvPr id="3" name="Content Placeholder 2">
+              <a:t>Redo From </a:t>
+            </a:r>
+            <a:r>
+              <a:rPr lang="en-US" dirty="0" err="1"/>
+              <a:t>TLog</a:t>
+            </a:r>
+            <a:endParaRPr lang="en-US" dirty="0"/>
+          </a:p>
+        </p:txBody>
+      </p:sp>
+      <p:pic>
+        <p:nvPicPr>
+          <p:cNvPr id="16" name="Content Placeholder 15">
             <a:extLst>
               <a:ext uri="{FF2B5EF4-FFF2-40B4-BE49-F238E27FC236}">
-                <a16:creationId xmlns:a16="http://schemas.microsoft.com/office/drawing/2014/main" id="{0C96EEF9-9FF9-4BD0-A8E3-552723263F33}"/>
+                <a16:creationId xmlns:a16="http://schemas.microsoft.com/office/drawing/2014/main" id="{83349D77-62B8-45ED-A0B2-A917DFC06BB7}"/>
               </a:ext>
             </a:extLst>
           </p:cNvPr>
-          <p:cNvSpPr>
-            <a:spLocks noGrp="1"/>
-          </p:cNvSpPr>
+          <p:cNvPicPr>
+            <a:picLocks noGrp="1" noChangeAspect="1"/>
+          </p:cNvPicPr>
           <p:nvPr>
             <p:ph idx="1"/>
           </p:nvPr>
-        </p:nvSpPr>
-        <p:spPr/>
-        <p:txBody>
-          <a:bodyPr/>
-          <a:lstStyle/>
-          <a:p>
-            <a:pPr marL="0" indent="0">
-              <a:buNone/>
-            </a:pPr>
-            <a:r>
-              <a:rPr lang="en-US" dirty="0"/>
-              <a:t>Faster crash recovery</a:t>
-            </a:r>
-          </a:p>
-          <a:p>
-            <a:pPr marL="0" indent="0">
-              <a:buNone/>
-            </a:pPr>
-            <a:r>
-              <a:rPr lang="en-US" dirty="0"/>
-              <a:t>Faster AG failover</a:t>
-            </a:r>
-          </a:p>
-          <a:p>
-            <a:pPr marL="0" indent="0">
-              <a:buNone/>
-            </a:pPr>
-            <a:r>
-              <a:rPr lang="en-US" dirty="0"/>
-              <a:t>Faster rollback</a:t>
-            </a:r>
-          </a:p>
-          <a:p>
-            <a:pPr marL="0" indent="0">
-              <a:buNone/>
-            </a:pPr>
-            <a:r>
-              <a:rPr lang="en-US" dirty="0"/>
-              <a:t>Fast log truncation means smaller logs</a:t>
-            </a:r>
+        </p:nvPicPr>
+        <p:blipFill>
+          <a:blip r:embed="rId2"/>
+          <a:stretch>
+            <a:fillRect/>
+          </a:stretch>
+        </p:blipFill>
+        <p:spPr>
+          <a:xfrm>
+            <a:off x="4410310" y="4014041"/>
+            <a:ext cx="3371380" cy="384081"/>
+          </a:xfrm>
+          <a:prstGeom prst="rect">
+            <a:avLst/>
+          </a:prstGeom>
+        </p:spPr>
+      </p:pic>
+      <p:sp>
+        <p:nvSpPr>
+          <p:cNvPr id="4" name="Rounded Rectangle 3"/>
+          <p:cNvSpPr/>
+          <p:nvPr/>
+        </p:nvSpPr>
+        <p:spPr>
+          <a:xfrm>
+            <a:off x="1681843" y="3396342"/>
+            <a:ext cx="1877786" cy="1404257"/>
+          </a:xfrm>
+          <a:prstGeom prst="roundRect">
+            <a:avLst/>
+          </a:prstGeom>
+        </p:spPr>
+        <p:style>
+          <a:lnRef idx="2">
+            <a:schemeClr val="accent1">
+              <a:shade val="50000"/>
+            </a:schemeClr>
+          </a:lnRef>
+          <a:fillRef idx="1">
+            <a:schemeClr val="accent1"/>
+          </a:fillRef>
+          <a:effectRef idx="0">
+            <a:schemeClr val="accent1"/>
+          </a:effectRef>
+          <a:fontRef idx="minor">
+            <a:schemeClr val="lt1"/>
+          </a:fontRef>
+        </p:style>
+        <p:txBody>
+          <a:bodyPr rtlCol="0" anchor="ctr"/>
+          <a:lstStyle/>
+          <a:p>
+            <a:pPr algn="ctr"/>
+            <a:endParaRPr lang="en-US"/>
+          </a:p>
+        </p:txBody>
+      </p:sp>
+      <p:sp>
+        <p:nvSpPr>
+          <p:cNvPr id="5" name="TextBox 4"/>
+          <p:cNvSpPr txBox="1"/>
+          <p:nvPr/>
+        </p:nvSpPr>
+        <p:spPr>
+          <a:xfrm>
+            <a:off x="1930854" y="3913805"/>
+            <a:ext cx="1379764" cy="369332"/>
+          </a:xfrm>
+          <a:prstGeom prst="rect">
+            <a:avLst/>
+          </a:prstGeom>
+          <a:noFill/>
+        </p:spPr>
+        <p:txBody>
+          <a:bodyPr wrap="square" rtlCol="0">
+            <a:spAutoFit/>
+          </a:bodyPr>
+          <a:lstStyle/>
+          <a:p>
+            <a:pPr algn="ctr"/>
+            <a:r>
+              <a:rPr lang="en-US" dirty="0"/>
+              <a:t>VLF1</a:t>
+            </a:r>
+          </a:p>
+        </p:txBody>
+      </p:sp>
+      <p:sp>
+        <p:nvSpPr>
+          <p:cNvPr id="6" name="TextBox 5"/>
+          <p:cNvSpPr txBox="1"/>
+          <p:nvPr/>
+        </p:nvSpPr>
+        <p:spPr>
+          <a:xfrm>
+            <a:off x="1930854" y="4880317"/>
+            <a:ext cx="1379764" cy="369332"/>
+          </a:xfrm>
+          <a:prstGeom prst="rect">
+            <a:avLst/>
+          </a:prstGeom>
+          <a:noFill/>
+        </p:spPr>
+        <p:txBody>
+          <a:bodyPr wrap="square" rtlCol="0">
+            <a:spAutoFit/>
+          </a:bodyPr>
+          <a:lstStyle/>
+          <a:p>
+            <a:pPr algn="ctr"/>
+            <a:r>
+              <a:rPr lang="en-US" dirty="0"/>
+              <a:t>Active</a:t>
+            </a:r>
+          </a:p>
+        </p:txBody>
+      </p:sp>
+      <p:sp>
+        <p:nvSpPr>
+          <p:cNvPr id="7" name="Rounded Rectangle 6"/>
+          <p:cNvSpPr/>
+          <p:nvPr/>
+        </p:nvSpPr>
+        <p:spPr>
+          <a:xfrm>
+            <a:off x="3699619" y="3396342"/>
+            <a:ext cx="1877786" cy="1404257"/>
+          </a:xfrm>
+          <a:prstGeom prst="roundRect">
+            <a:avLst/>
+          </a:prstGeom>
+          <a:solidFill>
+            <a:schemeClr val="accent1"/>
+          </a:solidFill>
+        </p:spPr>
+        <p:style>
+          <a:lnRef idx="2">
+            <a:schemeClr val="accent1">
+              <a:shade val="50000"/>
+            </a:schemeClr>
+          </a:lnRef>
+          <a:fillRef idx="1">
+            <a:schemeClr val="accent1"/>
+          </a:fillRef>
+          <a:effectRef idx="0">
+            <a:schemeClr val="accent1"/>
+          </a:effectRef>
+          <a:fontRef idx="minor">
+            <a:schemeClr val="lt1"/>
+          </a:fontRef>
+        </p:style>
+        <p:txBody>
+          <a:bodyPr rtlCol="0" anchor="ctr"/>
+          <a:lstStyle/>
+          <a:p>
+            <a:pPr algn="ctr"/>
+            <a:endParaRPr lang="en-US"/>
+          </a:p>
+        </p:txBody>
+      </p:sp>
+      <p:sp>
+        <p:nvSpPr>
+          <p:cNvPr id="8" name="TextBox 7"/>
+          <p:cNvSpPr txBox="1"/>
+          <p:nvPr/>
+        </p:nvSpPr>
+        <p:spPr>
+          <a:xfrm>
+            <a:off x="3948630" y="3913805"/>
+            <a:ext cx="1379764" cy="369332"/>
+          </a:xfrm>
+          <a:prstGeom prst="rect">
+            <a:avLst/>
+          </a:prstGeom>
+          <a:solidFill>
+            <a:schemeClr val="accent1"/>
+          </a:solidFill>
+        </p:spPr>
+        <p:txBody>
+          <a:bodyPr wrap="square" rtlCol="0">
+            <a:spAutoFit/>
+          </a:bodyPr>
+          <a:lstStyle/>
+          <a:p>
+            <a:pPr algn="ctr"/>
+            <a:r>
+              <a:rPr lang="en-US" dirty="0"/>
+              <a:t>VLF2</a:t>
+            </a:r>
+          </a:p>
+        </p:txBody>
+      </p:sp>
+      <p:sp>
+        <p:nvSpPr>
+          <p:cNvPr id="9" name="TextBox 8"/>
+          <p:cNvSpPr txBox="1"/>
+          <p:nvPr/>
+        </p:nvSpPr>
+        <p:spPr>
+          <a:xfrm>
+            <a:off x="3948630" y="4880317"/>
+            <a:ext cx="1379764" cy="369332"/>
+          </a:xfrm>
+          <a:prstGeom prst="rect">
+            <a:avLst/>
+          </a:prstGeom>
+          <a:noFill/>
+        </p:spPr>
+        <p:txBody>
+          <a:bodyPr wrap="square" rtlCol="0">
+            <a:spAutoFit/>
+          </a:bodyPr>
+          <a:lstStyle/>
+          <a:p>
+            <a:pPr algn="ctr"/>
+            <a:r>
+              <a:rPr lang="en-US" dirty="0"/>
+              <a:t>Free</a:t>
+            </a:r>
+          </a:p>
+        </p:txBody>
+      </p:sp>
+      <p:sp>
+        <p:nvSpPr>
+          <p:cNvPr id="10" name="Rounded Rectangle 9"/>
+          <p:cNvSpPr/>
+          <p:nvPr/>
+        </p:nvSpPr>
+        <p:spPr>
+          <a:xfrm>
+            <a:off x="5717395" y="3396342"/>
+            <a:ext cx="1877786" cy="1404257"/>
+          </a:xfrm>
+          <a:prstGeom prst="roundRect">
+            <a:avLst/>
+          </a:prstGeom>
+          <a:solidFill>
+            <a:schemeClr val="accent1"/>
+          </a:solidFill>
+        </p:spPr>
+        <p:style>
+          <a:lnRef idx="2">
+            <a:schemeClr val="accent1">
+              <a:shade val="50000"/>
+            </a:schemeClr>
+          </a:lnRef>
+          <a:fillRef idx="1">
+            <a:schemeClr val="accent1"/>
+          </a:fillRef>
+          <a:effectRef idx="0">
+            <a:schemeClr val="accent1"/>
+          </a:effectRef>
+          <a:fontRef idx="minor">
+            <a:schemeClr val="lt1"/>
+          </a:fontRef>
+        </p:style>
+        <p:txBody>
+          <a:bodyPr rtlCol="0" anchor="ctr"/>
+          <a:lstStyle/>
+          <a:p>
+            <a:pPr algn="ctr"/>
+            <a:endParaRPr lang="en-US"/>
+          </a:p>
+        </p:txBody>
+      </p:sp>
+      <p:sp>
+        <p:nvSpPr>
+          <p:cNvPr id="11" name="TextBox 10"/>
+          <p:cNvSpPr txBox="1"/>
+          <p:nvPr/>
+        </p:nvSpPr>
+        <p:spPr>
+          <a:xfrm>
+            <a:off x="5966406" y="3913805"/>
+            <a:ext cx="1379764" cy="369332"/>
+          </a:xfrm>
+          <a:prstGeom prst="rect">
+            <a:avLst/>
+          </a:prstGeom>
+          <a:noFill/>
+        </p:spPr>
+        <p:txBody>
+          <a:bodyPr wrap="square" rtlCol="0">
+            <a:spAutoFit/>
+          </a:bodyPr>
+          <a:lstStyle/>
+          <a:p>
+            <a:pPr algn="ctr"/>
+            <a:r>
+              <a:rPr lang="en-US" dirty="0"/>
+              <a:t>VLF3</a:t>
+            </a:r>
+          </a:p>
+        </p:txBody>
+      </p:sp>
+      <p:sp>
+        <p:nvSpPr>
+          <p:cNvPr id="12" name="TextBox 11"/>
+          <p:cNvSpPr txBox="1"/>
+          <p:nvPr/>
+        </p:nvSpPr>
+        <p:spPr>
+          <a:xfrm>
+            <a:off x="5966406" y="4880317"/>
+            <a:ext cx="1379764" cy="369332"/>
+          </a:xfrm>
+          <a:prstGeom prst="rect">
+            <a:avLst/>
+          </a:prstGeom>
+          <a:noFill/>
+        </p:spPr>
+        <p:txBody>
+          <a:bodyPr wrap="square" rtlCol="0">
+            <a:spAutoFit/>
+          </a:bodyPr>
+          <a:lstStyle/>
+          <a:p>
+            <a:pPr algn="ctr"/>
+            <a:r>
+              <a:rPr lang="en-US" dirty="0"/>
+              <a:t>Free</a:t>
+            </a:r>
+          </a:p>
+        </p:txBody>
+      </p:sp>
+      <p:sp>
+        <p:nvSpPr>
+          <p:cNvPr id="13" name="Rounded Rectangle 12"/>
+          <p:cNvSpPr/>
+          <p:nvPr/>
+        </p:nvSpPr>
+        <p:spPr>
+          <a:xfrm>
+            <a:off x="7735171" y="3396342"/>
+            <a:ext cx="1877786" cy="1404257"/>
+          </a:xfrm>
+          <a:prstGeom prst="roundRect">
+            <a:avLst/>
+          </a:prstGeom>
+          <a:solidFill>
+            <a:schemeClr val="accent1"/>
+          </a:solidFill>
+        </p:spPr>
+        <p:style>
+          <a:lnRef idx="2">
+            <a:schemeClr val="accent1">
+              <a:shade val="50000"/>
+            </a:schemeClr>
+          </a:lnRef>
+          <a:fillRef idx="1">
+            <a:schemeClr val="accent1"/>
+          </a:fillRef>
+          <a:effectRef idx="0">
+            <a:schemeClr val="accent1"/>
+          </a:effectRef>
+          <a:fontRef idx="minor">
+            <a:schemeClr val="lt1"/>
+          </a:fontRef>
+        </p:style>
+        <p:txBody>
+          <a:bodyPr rtlCol="0" anchor="ctr"/>
+          <a:lstStyle/>
+          <a:p>
+            <a:pPr algn="ctr"/>
+            <a:endParaRPr lang="en-US"/>
+          </a:p>
+        </p:txBody>
+      </p:sp>
+      <p:sp>
+        <p:nvSpPr>
+          <p:cNvPr id="14" name="TextBox 13"/>
+          <p:cNvSpPr txBox="1"/>
+          <p:nvPr/>
+        </p:nvSpPr>
+        <p:spPr>
+          <a:xfrm>
+            <a:off x="7984182" y="3913805"/>
+            <a:ext cx="1379764" cy="369332"/>
+          </a:xfrm>
+          <a:prstGeom prst="rect">
+            <a:avLst/>
+          </a:prstGeom>
+          <a:solidFill>
+            <a:schemeClr val="accent1"/>
+          </a:solidFill>
+        </p:spPr>
+        <p:txBody>
+          <a:bodyPr wrap="square" rtlCol="0">
+            <a:spAutoFit/>
+          </a:bodyPr>
+          <a:lstStyle/>
+          <a:p>
+            <a:pPr algn="ctr"/>
+            <a:r>
+              <a:rPr lang="en-US" dirty="0"/>
+              <a:t>VLF4</a:t>
+            </a:r>
+          </a:p>
+        </p:txBody>
+      </p:sp>
+      <p:sp>
+        <p:nvSpPr>
+          <p:cNvPr id="15" name="TextBox 14"/>
+          <p:cNvSpPr txBox="1"/>
+          <p:nvPr/>
+        </p:nvSpPr>
+        <p:spPr>
+          <a:xfrm>
+            <a:off x="7984182" y="4880317"/>
+            <a:ext cx="1379764" cy="369332"/>
+          </a:xfrm>
+          <a:prstGeom prst="rect">
+            <a:avLst/>
+          </a:prstGeom>
+          <a:noFill/>
+        </p:spPr>
+        <p:txBody>
+          <a:bodyPr wrap="square" rtlCol="0">
+            <a:spAutoFit/>
+          </a:bodyPr>
+          <a:lstStyle/>
+          <a:p>
+            <a:pPr algn="ctr"/>
+            <a:r>
+              <a:rPr lang="en-US" dirty="0"/>
+              <a:t>Free</a:t>
+            </a:r>
+          </a:p>
+        </p:txBody>
+      </p:sp>
+      <p:cxnSp>
+        <p:nvCxnSpPr>
+          <p:cNvPr id="17" name="Straight Connector 16">
+            <a:extLst>
+              <a:ext uri="{FF2B5EF4-FFF2-40B4-BE49-F238E27FC236}">
+                <a16:creationId xmlns:a16="http://schemas.microsoft.com/office/drawing/2014/main" id="{FE7940C7-DF00-44F2-956B-C22CB644D43E}"/>
+              </a:ext>
+            </a:extLst>
+          </p:cNvPr>
+          <p:cNvCxnSpPr/>
+          <p:nvPr/>
+        </p:nvCxnSpPr>
+        <p:spPr>
+          <a:xfrm>
+            <a:off x="6705600" y="2699084"/>
+            <a:ext cx="0" cy="2662990"/>
+          </a:xfrm>
+          <a:prstGeom prst="line">
+            <a:avLst/>
+          </a:prstGeom>
+        </p:spPr>
+        <p:style>
+          <a:lnRef idx="3">
+            <a:schemeClr val="dk1"/>
+          </a:lnRef>
+          <a:fillRef idx="0">
+            <a:schemeClr val="dk1"/>
+          </a:fillRef>
+          <a:effectRef idx="2">
+            <a:schemeClr val="dk1"/>
+          </a:effectRef>
+          <a:fontRef idx="minor">
+            <a:schemeClr val="tx1"/>
+          </a:fontRef>
+        </p:style>
+      </p:cxnSp>
+      <p:sp>
+        <p:nvSpPr>
+          <p:cNvPr id="18" name="TextBox 17">
+            <a:extLst>
+              <a:ext uri="{FF2B5EF4-FFF2-40B4-BE49-F238E27FC236}">
+                <a16:creationId xmlns:a16="http://schemas.microsoft.com/office/drawing/2014/main" id="{1A60DC22-0E6B-46EC-880F-AD4F3D7F8E65}"/>
+              </a:ext>
+            </a:extLst>
+          </p:cNvPr>
+          <p:cNvSpPr txBox="1"/>
+          <p:nvPr/>
+        </p:nvSpPr>
+        <p:spPr>
+          <a:xfrm>
+            <a:off x="6753576" y="2451753"/>
+            <a:ext cx="1367741" cy="246221"/>
+          </a:xfrm>
+          <a:prstGeom prst="rect">
+            <a:avLst/>
+          </a:prstGeom>
+          <a:noFill/>
+        </p:spPr>
+        <p:txBody>
+          <a:bodyPr wrap="square" rtlCol="0">
+            <a:spAutoFit/>
+          </a:bodyPr>
+          <a:lstStyle/>
+          <a:p>
+            <a:r>
+              <a:rPr lang="en-US" sz="1000" dirty="0"/>
+              <a:t>Oldest Checkpoint</a:t>
+            </a:r>
+          </a:p>
+        </p:txBody>
+      </p:sp>
+      <p:cxnSp>
+        <p:nvCxnSpPr>
+          <p:cNvPr id="19" name="Straight Connector 18">
+            <a:extLst>
+              <a:ext uri="{FF2B5EF4-FFF2-40B4-BE49-F238E27FC236}">
+                <a16:creationId xmlns:a16="http://schemas.microsoft.com/office/drawing/2014/main" id="{029F0678-2723-4A9F-B796-2E5BC7F0B069}"/>
+              </a:ext>
+            </a:extLst>
+          </p:cNvPr>
+          <p:cNvCxnSpPr/>
+          <p:nvPr/>
+        </p:nvCxnSpPr>
+        <p:spPr>
+          <a:xfrm>
+            <a:off x="3328594" y="2699084"/>
+            <a:ext cx="0" cy="2662990"/>
+          </a:xfrm>
+          <a:prstGeom prst="line">
+            <a:avLst/>
+          </a:prstGeom>
+        </p:spPr>
+        <p:style>
+          <a:lnRef idx="3">
+            <a:schemeClr val="dk1"/>
+          </a:lnRef>
+          <a:fillRef idx="0">
+            <a:schemeClr val="dk1"/>
+          </a:fillRef>
+          <a:effectRef idx="2">
+            <a:schemeClr val="dk1"/>
+          </a:effectRef>
+          <a:fontRef idx="minor">
+            <a:schemeClr val="tx1"/>
+          </a:fontRef>
+        </p:style>
+      </p:cxnSp>
+      <p:sp>
+        <p:nvSpPr>
+          <p:cNvPr id="20" name="TextBox 19">
+            <a:extLst>
+              <a:ext uri="{FF2B5EF4-FFF2-40B4-BE49-F238E27FC236}">
+                <a16:creationId xmlns:a16="http://schemas.microsoft.com/office/drawing/2014/main" id="{8F835977-F963-44BE-8D84-0EBCD66776B1}"/>
+              </a:ext>
+            </a:extLst>
+          </p:cNvPr>
+          <p:cNvSpPr txBox="1"/>
+          <p:nvPr/>
+        </p:nvSpPr>
+        <p:spPr>
+          <a:xfrm>
+            <a:off x="3368693" y="2297864"/>
+            <a:ext cx="1596887" cy="400110"/>
+          </a:xfrm>
+          <a:prstGeom prst="rect">
+            <a:avLst/>
+          </a:prstGeom>
+          <a:noFill/>
+        </p:spPr>
+        <p:txBody>
+          <a:bodyPr wrap="square" rtlCol="0">
+            <a:spAutoFit/>
+          </a:bodyPr>
+          <a:lstStyle/>
+          <a:p>
+            <a:r>
+              <a:rPr lang="en-US" sz="1000" dirty="0"/>
+              <a:t>Oldest Uncommitted Transaction</a:t>
+            </a:r>
+          </a:p>
+        </p:txBody>
+      </p:sp>
+      <p:sp>
+        <p:nvSpPr>
+          <p:cNvPr id="21" name="Arrow: Right 20">
+            <a:extLst>
+              <a:ext uri="{FF2B5EF4-FFF2-40B4-BE49-F238E27FC236}">
+                <a16:creationId xmlns:a16="http://schemas.microsoft.com/office/drawing/2014/main" id="{3D88DB94-9337-43DB-A346-293EDAC42EC4}"/>
+              </a:ext>
+            </a:extLst>
+          </p:cNvPr>
+          <p:cNvSpPr/>
+          <p:nvPr/>
+        </p:nvSpPr>
+        <p:spPr>
+          <a:xfrm>
+            <a:off x="6723577" y="2624112"/>
+            <a:ext cx="2825092" cy="422041"/>
+          </a:xfrm>
+          <a:prstGeom prst="rightArrow">
+            <a:avLst/>
+          </a:prstGeom>
+        </p:spPr>
+        <p:style>
+          <a:lnRef idx="2">
+            <a:schemeClr val="accent1">
+              <a:shade val="50000"/>
+            </a:schemeClr>
+          </a:lnRef>
+          <a:fillRef idx="1">
+            <a:schemeClr val="accent1"/>
+          </a:fillRef>
+          <a:effectRef idx="0">
+            <a:schemeClr val="accent1"/>
+          </a:effectRef>
+          <a:fontRef idx="minor">
+            <a:schemeClr val="lt1"/>
+          </a:fontRef>
+        </p:style>
+        <p:txBody>
+          <a:bodyPr rtlCol="0" anchor="ctr"/>
+          <a:lstStyle/>
+          <a:p>
+            <a:pPr algn="ctr"/>
+            <a:r>
+              <a:rPr lang="en-US" sz="1200" dirty="0"/>
+              <a:t>Analysis</a:t>
+            </a:r>
+          </a:p>
+        </p:txBody>
+      </p:sp>
+      <p:sp>
+        <p:nvSpPr>
+          <p:cNvPr id="22" name="Arrow: Right 21">
+            <a:extLst>
+              <a:ext uri="{FF2B5EF4-FFF2-40B4-BE49-F238E27FC236}">
+                <a16:creationId xmlns:a16="http://schemas.microsoft.com/office/drawing/2014/main" id="{7DADEE8C-17F7-4E89-B5E7-E97F313E2335}"/>
+              </a:ext>
+            </a:extLst>
+          </p:cNvPr>
+          <p:cNvSpPr/>
+          <p:nvPr/>
+        </p:nvSpPr>
+        <p:spPr>
+          <a:xfrm>
+            <a:off x="3310618" y="2995122"/>
+            <a:ext cx="3377006" cy="400110"/>
+          </a:xfrm>
+          <a:prstGeom prst="rightArrow">
+            <a:avLst/>
+          </a:prstGeom>
+        </p:spPr>
+        <p:style>
+          <a:lnRef idx="2">
+            <a:schemeClr val="accent1">
+              <a:shade val="50000"/>
+            </a:schemeClr>
+          </a:lnRef>
+          <a:fillRef idx="1">
+            <a:schemeClr val="accent1"/>
+          </a:fillRef>
+          <a:effectRef idx="0">
+            <a:schemeClr val="accent1"/>
+          </a:effectRef>
+          <a:fontRef idx="minor">
+            <a:schemeClr val="lt1"/>
+          </a:fontRef>
+        </p:style>
+        <p:txBody>
+          <a:bodyPr rtlCol="0" anchor="ctr"/>
+          <a:lstStyle/>
+          <a:p>
+            <a:pPr algn="ctr"/>
+            <a:r>
+              <a:rPr lang="en-US" sz="1200" dirty="0"/>
+              <a:t>Redo from </a:t>
+            </a:r>
+            <a:r>
+              <a:rPr lang="en-US" sz="1200" dirty="0" err="1"/>
+              <a:t>sLog</a:t>
+            </a:r>
+            <a:endParaRPr lang="en-US" sz="1200" dirty="0"/>
+          </a:p>
+        </p:txBody>
+      </p:sp>
+      <p:sp>
+        <p:nvSpPr>
+          <p:cNvPr id="23" name="Arrow: Right 22">
+            <a:extLst>
+              <a:ext uri="{FF2B5EF4-FFF2-40B4-BE49-F238E27FC236}">
+                <a16:creationId xmlns:a16="http://schemas.microsoft.com/office/drawing/2014/main" id="{7677EF5D-77B1-4A41-A17F-93EDB0BAC7A4}"/>
+              </a:ext>
+            </a:extLst>
+          </p:cNvPr>
+          <p:cNvSpPr/>
+          <p:nvPr/>
+        </p:nvSpPr>
+        <p:spPr>
+          <a:xfrm>
+            <a:off x="6708771" y="2973191"/>
+            <a:ext cx="2825092" cy="422041"/>
+          </a:xfrm>
+          <a:prstGeom prst="rightArrow">
+            <a:avLst/>
+          </a:prstGeom>
+        </p:spPr>
+        <p:style>
+          <a:lnRef idx="2">
+            <a:schemeClr val="accent1">
+              <a:shade val="50000"/>
+            </a:schemeClr>
+          </a:lnRef>
+          <a:fillRef idx="1">
+            <a:schemeClr val="accent1"/>
+          </a:fillRef>
+          <a:effectRef idx="0">
+            <a:schemeClr val="accent1"/>
+          </a:effectRef>
+          <a:fontRef idx="minor">
+            <a:schemeClr val="lt1"/>
+          </a:fontRef>
+        </p:style>
+        <p:txBody>
+          <a:bodyPr rtlCol="0" anchor="ctr"/>
+          <a:lstStyle/>
+          <a:p>
+            <a:pPr algn="ctr"/>
+            <a:r>
+              <a:rPr lang="en-US" sz="1200" dirty="0"/>
+              <a:t>Redo from </a:t>
+            </a:r>
+            <a:r>
+              <a:rPr lang="en-US" sz="1200" dirty="0" err="1"/>
+              <a:t>tLog</a:t>
+            </a:r>
+            <a:endParaRPr lang="en-US" sz="1200" dirty="0"/>
+          </a:p>
+        </p:txBody>
+      </p:sp>
+      <p:sp>
+        <p:nvSpPr>
+          <p:cNvPr id="24" name="Arrow: Left 23">
+            <a:extLst>
+              <a:ext uri="{FF2B5EF4-FFF2-40B4-BE49-F238E27FC236}">
+                <a16:creationId xmlns:a16="http://schemas.microsoft.com/office/drawing/2014/main" id="{2F015FFB-A728-40FD-9918-E3399EB39F9E}"/>
+              </a:ext>
+            </a:extLst>
+          </p:cNvPr>
+          <p:cNvSpPr/>
+          <p:nvPr/>
+        </p:nvSpPr>
+        <p:spPr>
+          <a:xfrm>
+            <a:off x="3337583" y="2651625"/>
+            <a:ext cx="3359029" cy="366484"/>
+          </a:xfrm>
+          <a:prstGeom prst="leftArrow">
+            <a:avLst/>
+          </a:prstGeom>
+        </p:spPr>
+        <p:style>
+          <a:lnRef idx="2">
+            <a:schemeClr val="accent1">
+              <a:shade val="50000"/>
+            </a:schemeClr>
+          </a:lnRef>
+          <a:fillRef idx="1">
+            <a:schemeClr val="accent1"/>
+          </a:fillRef>
+          <a:effectRef idx="0">
+            <a:schemeClr val="accent1"/>
+          </a:effectRef>
+          <a:fontRef idx="minor">
+            <a:schemeClr val="lt1"/>
+          </a:fontRef>
+        </p:style>
+        <p:txBody>
+          <a:bodyPr rtlCol="0" anchor="ctr"/>
+          <a:lstStyle/>
+          <a:p>
+            <a:pPr algn="ctr"/>
+            <a:r>
+              <a:rPr lang="en-US" sz="1200" dirty="0"/>
+              <a:t>Undo from </a:t>
+            </a:r>
+            <a:r>
+              <a:rPr lang="en-US" sz="1200" dirty="0" err="1"/>
+              <a:t>sLog</a:t>
+            </a:r>
+            <a:endParaRPr lang="en-US" sz="1200" dirty="0"/>
           </a:p>
         </p:txBody>
       </p:sp>
     </p:spTree>
     <p:extLst>
       <p:ext uri="{BB962C8B-B14F-4D97-AF65-F5344CB8AC3E}">
-        <p14:creationId xmlns:p14="http://schemas.microsoft.com/office/powerpoint/2010/main" val="15212116"/>
+        <p14:creationId xmlns:p14="http://schemas.microsoft.com/office/powerpoint/2010/main" val="135472693"/>
       </p:ext>
     </p:extLst>
   </p:cSld>
@@ -14341,7 +14322,7 @@
           <p:cNvPr id="2" name="Title 1">
             <a:extLst>
               <a:ext uri="{FF2B5EF4-FFF2-40B4-BE49-F238E27FC236}">
-                <a16:creationId xmlns:a16="http://schemas.microsoft.com/office/drawing/2014/main" id="{13D11F34-7E4B-4969-A4AA-61706463E43A}"/>
+                <a16:creationId xmlns:a16="http://schemas.microsoft.com/office/drawing/2014/main" id="{52BF9599-A513-49D4-A60F-25B49020760F}"/>
               </a:ext>
             </a:extLst>
           </p:cNvPr>
@@ -14359,1379 +14340,43 @@
           <a:p>
             <a:r>
               <a:rPr lang="en-US" dirty="0"/>
-              <a:t>Crash Recovery Demo</a:t>
-            </a:r>
-          </a:p>
-        </p:txBody>
-      </p:sp>
-      <p:sp>
-        <p:nvSpPr>
-          <p:cNvPr id="3" name="Content Placeholder 2">
+              <a:t>What It Looks Like in the Error Log</a:t>
+            </a:r>
+          </a:p>
+        </p:txBody>
+      </p:sp>
+      <p:pic>
+        <p:nvPicPr>
+          <p:cNvPr id="5" name="Content Placeholder 4">
             <a:extLst>
               <a:ext uri="{FF2B5EF4-FFF2-40B4-BE49-F238E27FC236}">
-                <a16:creationId xmlns:a16="http://schemas.microsoft.com/office/drawing/2014/main" id="{340DFCB8-280E-4684-858C-796C01EBFA5C}"/>
+                <a16:creationId xmlns:a16="http://schemas.microsoft.com/office/drawing/2014/main" id="{340D66D7-5D47-4E4E-879A-EC6A3D6199CC}"/>
               </a:ext>
             </a:extLst>
           </p:cNvPr>
-          <p:cNvSpPr>
-            <a:spLocks noGrp="1"/>
-          </p:cNvSpPr>
+          <p:cNvPicPr>
+            <a:picLocks noGrp="1" noChangeAspect="1"/>
+          </p:cNvPicPr>
           <p:nvPr>
             <p:ph idx="1"/>
           </p:nvPr>
-        </p:nvSpPr>
-        <p:spPr/>
-        <p:txBody>
-          <a:bodyPr>
-            <a:normAutofit fontScale="70000" lnSpcReduction="20000"/>
-          </a:bodyPr>
-          <a:lstStyle/>
-          <a:p>
-            <a:pPr marL="0" indent="0">
-              <a:buNone/>
-            </a:pPr>
-            <a:r>
-              <a:rPr lang="en-US" sz="2400" dirty="0">
-                <a:solidFill>
-                  <a:srgbClr val="0000FF"/>
-                </a:solidFill>
-                <a:latin typeface="Consolas" panose="020B0609020204030204" pitchFamily="49" charset="0"/>
-              </a:rPr>
-              <a:t>DECLARE</a:t>
-            </a:r>
-            <a:r>
-              <a:rPr lang="en-US" sz="2400" dirty="0">
-                <a:solidFill>
-                  <a:srgbClr val="000000"/>
-                </a:solidFill>
-                <a:latin typeface="Consolas" panose="020B0609020204030204" pitchFamily="49" charset="0"/>
-              </a:rPr>
-              <a:t> @</a:t>
-            </a:r>
-            <a:r>
-              <a:rPr lang="en-US" sz="2400" dirty="0" err="1">
-                <a:solidFill>
-                  <a:srgbClr val="000000"/>
-                </a:solidFill>
-                <a:latin typeface="Consolas" panose="020B0609020204030204" pitchFamily="49" charset="0"/>
-              </a:rPr>
-              <a:t>waitfor</a:t>
-            </a:r>
-            <a:r>
-              <a:rPr lang="en-US" sz="2400" dirty="0">
-                <a:solidFill>
-                  <a:srgbClr val="000000"/>
-                </a:solidFill>
-                <a:latin typeface="Consolas" panose="020B0609020204030204" pitchFamily="49" charset="0"/>
-              </a:rPr>
-              <a:t> </a:t>
-            </a:r>
-            <a:r>
-              <a:rPr lang="en-US" sz="2400" dirty="0">
-                <a:solidFill>
-                  <a:srgbClr val="0000FF"/>
-                </a:solidFill>
-                <a:latin typeface="Consolas" panose="020B0609020204030204" pitchFamily="49" charset="0"/>
-              </a:rPr>
-              <a:t>DATETIME</a:t>
-            </a:r>
-            <a:r>
-              <a:rPr lang="en-US" sz="2400" dirty="0">
-                <a:solidFill>
-                  <a:srgbClr val="808080"/>
-                </a:solidFill>
-                <a:latin typeface="Consolas" panose="020B0609020204030204" pitchFamily="49" charset="0"/>
-              </a:rPr>
-              <a:t>;</a:t>
-            </a:r>
-            <a:endParaRPr lang="en-US" sz="2400" dirty="0">
-              <a:solidFill>
-                <a:srgbClr val="000000"/>
-              </a:solidFill>
-              <a:latin typeface="Consolas" panose="020B0609020204030204" pitchFamily="49" charset="0"/>
-            </a:endParaRPr>
-          </a:p>
-          <a:p>
-            <a:endParaRPr lang="en-US" sz="2400" dirty="0">
-              <a:solidFill>
-                <a:srgbClr val="000000"/>
-              </a:solidFill>
-              <a:latin typeface="Consolas" panose="020B0609020204030204" pitchFamily="49" charset="0"/>
-            </a:endParaRPr>
-          </a:p>
-          <a:p>
-            <a:pPr marL="0" indent="0">
-              <a:buNone/>
-            </a:pPr>
-            <a:r>
-              <a:rPr lang="en-US" sz="2400" dirty="0">
-                <a:solidFill>
-                  <a:srgbClr val="0000FF"/>
-                </a:solidFill>
-                <a:latin typeface="Consolas" panose="020B0609020204030204" pitchFamily="49" charset="0"/>
-              </a:rPr>
-              <a:t>SELECT</a:t>
-            </a:r>
-            <a:r>
-              <a:rPr lang="en-US" sz="2400" dirty="0">
-                <a:solidFill>
-                  <a:srgbClr val="000000"/>
-                </a:solidFill>
-                <a:latin typeface="Consolas" panose="020B0609020204030204" pitchFamily="49" charset="0"/>
-              </a:rPr>
-              <a:t> @</a:t>
-            </a:r>
-            <a:r>
-              <a:rPr lang="en-US" sz="2400" dirty="0" err="1">
-                <a:solidFill>
-                  <a:srgbClr val="000000"/>
-                </a:solidFill>
-                <a:latin typeface="Consolas" panose="020B0609020204030204" pitchFamily="49" charset="0"/>
-              </a:rPr>
-              <a:t>waitfor</a:t>
-            </a:r>
-            <a:r>
-              <a:rPr lang="en-US" sz="2400" dirty="0">
-                <a:solidFill>
-                  <a:srgbClr val="000000"/>
-                </a:solidFill>
-                <a:latin typeface="Consolas" panose="020B0609020204030204" pitchFamily="49" charset="0"/>
-              </a:rPr>
-              <a:t> </a:t>
-            </a:r>
-            <a:r>
-              <a:rPr lang="en-US" sz="2400" dirty="0">
-                <a:solidFill>
-                  <a:srgbClr val="808080"/>
-                </a:solidFill>
-                <a:latin typeface="Consolas" panose="020B0609020204030204" pitchFamily="49" charset="0"/>
-              </a:rPr>
-              <a:t>=</a:t>
-            </a:r>
-            <a:r>
-              <a:rPr lang="en-US" sz="2400" dirty="0">
-                <a:solidFill>
-                  <a:srgbClr val="000000"/>
-                </a:solidFill>
-                <a:latin typeface="Consolas" panose="020B0609020204030204" pitchFamily="49" charset="0"/>
-              </a:rPr>
-              <a:t> </a:t>
-            </a:r>
-            <a:r>
-              <a:rPr lang="en-US" sz="2400" dirty="0">
-                <a:solidFill>
-                  <a:srgbClr val="FF00FF"/>
-                </a:solidFill>
-                <a:latin typeface="Consolas" panose="020B0609020204030204" pitchFamily="49" charset="0"/>
-              </a:rPr>
-              <a:t>CAST</a:t>
-            </a:r>
-            <a:r>
-              <a:rPr lang="en-US" sz="2400" dirty="0">
-                <a:solidFill>
-                  <a:srgbClr val="808080"/>
-                </a:solidFill>
-                <a:latin typeface="Consolas" panose="020B0609020204030204" pitchFamily="49" charset="0"/>
-              </a:rPr>
-              <a:t>(</a:t>
-            </a:r>
-            <a:r>
-              <a:rPr lang="en-US" sz="2400" dirty="0">
-                <a:solidFill>
-                  <a:srgbClr val="FF00FF"/>
-                </a:solidFill>
-                <a:latin typeface="Consolas" panose="020B0609020204030204" pitchFamily="49" charset="0"/>
-              </a:rPr>
-              <a:t>DATEADD</a:t>
-            </a:r>
-            <a:r>
-              <a:rPr lang="en-US" sz="2400" dirty="0">
-                <a:solidFill>
-                  <a:srgbClr val="808080"/>
-                </a:solidFill>
-                <a:latin typeface="Consolas" panose="020B0609020204030204" pitchFamily="49" charset="0"/>
-              </a:rPr>
-              <a:t>(</a:t>
-            </a:r>
-            <a:r>
-              <a:rPr lang="en-US" sz="2400" dirty="0">
-                <a:solidFill>
-                  <a:srgbClr val="FF00FF"/>
-                </a:solidFill>
-                <a:latin typeface="Consolas" panose="020B0609020204030204" pitchFamily="49" charset="0"/>
-              </a:rPr>
-              <a:t>SECOND</a:t>
-            </a:r>
-            <a:r>
-              <a:rPr lang="en-US" sz="2400" dirty="0">
-                <a:solidFill>
-                  <a:srgbClr val="808080"/>
-                </a:solidFill>
-                <a:latin typeface="Consolas" panose="020B0609020204030204" pitchFamily="49" charset="0"/>
-              </a:rPr>
-              <a:t>,</a:t>
-            </a:r>
-            <a:r>
-              <a:rPr lang="en-US" sz="2400" dirty="0">
-                <a:solidFill>
-                  <a:srgbClr val="000000"/>
-                </a:solidFill>
-                <a:latin typeface="Consolas" panose="020B0609020204030204" pitchFamily="49" charset="0"/>
-              </a:rPr>
-              <a:t> 10</a:t>
-            </a:r>
-            <a:r>
-              <a:rPr lang="en-US" sz="2400" dirty="0">
-                <a:solidFill>
-                  <a:srgbClr val="808080"/>
-                </a:solidFill>
-                <a:latin typeface="Consolas" panose="020B0609020204030204" pitchFamily="49" charset="0"/>
-              </a:rPr>
-              <a:t>,</a:t>
-            </a:r>
-            <a:r>
-              <a:rPr lang="en-US" sz="2400" dirty="0">
-                <a:solidFill>
-                  <a:srgbClr val="000000"/>
-                </a:solidFill>
-                <a:latin typeface="Consolas" panose="020B0609020204030204" pitchFamily="49" charset="0"/>
-              </a:rPr>
-              <a:t> </a:t>
-            </a:r>
-            <a:r>
-              <a:rPr lang="en-US" sz="2400" dirty="0">
-                <a:solidFill>
-                  <a:srgbClr val="FF00FF"/>
-                </a:solidFill>
-                <a:latin typeface="Consolas" panose="020B0609020204030204" pitchFamily="49" charset="0"/>
-              </a:rPr>
-              <a:t>CURRENT_TIMESTAMP</a:t>
-            </a:r>
-            <a:r>
-              <a:rPr lang="en-US" sz="2400" dirty="0">
-                <a:solidFill>
-                  <a:srgbClr val="808080"/>
-                </a:solidFill>
-                <a:latin typeface="Consolas" panose="020B0609020204030204" pitchFamily="49" charset="0"/>
-              </a:rPr>
-              <a:t>)</a:t>
-            </a:r>
-            <a:r>
-              <a:rPr lang="en-US" sz="2400" dirty="0">
-                <a:solidFill>
-                  <a:srgbClr val="000000"/>
-                </a:solidFill>
-                <a:latin typeface="Consolas" panose="020B0609020204030204" pitchFamily="49" charset="0"/>
-              </a:rPr>
-              <a:t> </a:t>
-            </a:r>
-            <a:r>
-              <a:rPr lang="en-US" sz="2400" dirty="0">
-                <a:solidFill>
-                  <a:srgbClr val="0000FF"/>
-                </a:solidFill>
-                <a:latin typeface="Consolas" panose="020B0609020204030204" pitchFamily="49" charset="0"/>
-              </a:rPr>
-              <a:t>AS</a:t>
-            </a:r>
-            <a:r>
-              <a:rPr lang="en-US" sz="2400" dirty="0">
-                <a:solidFill>
-                  <a:srgbClr val="000000"/>
-                </a:solidFill>
-                <a:latin typeface="Consolas" panose="020B0609020204030204" pitchFamily="49" charset="0"/>
-              </a:rPr>
-              <a:t> </a:t>
-            </a:r>
-            <a:r>
-              <a:rPr lang="en-US" sz="2400" dirty="0">
-                <a:solidFill>
-                  <a:srgbClr val="0000FF"/>
-                </a:solidFill>
-                <a:latin typeface="Consolas" panose="020B0609020204030204" pitchFamily="49" charset="0"/>
-              </a:rPr>
-              <a:t>TIME</a:t>
-            </a:r>
-            <a:r>
-              <a:rPr lang="en-US" sz="2400" dirty="0">
-                <a:solidFill>
-                  <a:srgbClr val="808080"/>
-                </a:solidFill>
-                <a:latin typeface="Consolas" panose="020B0609020204030204" pitchFamily="49" charset="0"/>
-              </a:rPr>
-              <a:t>);</a:t>
-            </a:r>
-            <a:endParaRPr lang="en-US" sz="2400" dirty="0">
-              <a:solidFill>
-                <a:srgbClr val="000000"/>
-              </a:solidFill>
-              <a:latin typeface="Consolas" panose="020B0609020204030204" pitchFamily="49" charset="0"/>
-            </a:endParaRPr>
-          </a:p>
-          <a:p>
-            <a:endParaRPr lang="en-US" sz="2400" dirty="0">
-              <a:solidFill>
-                <a:srgbClr val="000000"/>
-              </a:solidFill>
-              <a:latin typeface="Consolas" panose="020B0609020204030204" pitchFamily="49" charset="0"/>
-            </a:endParaRPr>
-          </a:p>
-          <a:p>
-            <a:pPr marL="0" indent="0">
-              <a:buNone/>
-            </a:pPr>
-            <a:r>
-              <a:rPr lang="en-US" sz="2400" dirty="0">
-                <a:solidFill>
-                  <a:srgbClr val="0000FF"/>
-                </a:solidFill>
-                <a:latin typeface="Consolas" panose="020B0609020204030204" pitchFamily="49" charset="0"/>
-              </a:rPr>
-              <a:t>WAITFOR</a:t>
-            </a:r>
-            <a:r>
-              <a:rPr lang="en-US" sz="2400" dirty="0">
-                <a:solidFill>
-                  <a:srgbClr val="000000"/>
-                </a:solidFill>
-                <a:latin typeface="Consolas" panose="020B0609020204030204" pitchFamily="49" charset="0"/>
-              </a:rPr>
-              <a:t> </a:t>
-            </a:r>
-            <a:r>
-              <a:rPr lang="en-US" sz="2400" dirty="0">
-                <a:solidFill>
-                  <a:srgbClr val="0000FF"/>
-                </a:solidFill>
-                <a:latin typeface="Consolas" panose="020B0609020204030204" pitchFamily="49" charset="0"/>
-              </a:rPr>
-              <a:t>TIME</a:t>
-            </a:r>
-            <a:r>
-              <a:rPr lang="en-US" sz="2400" dirty="0">
-                <a:solidFill>
-                  <a:srgbClr val="000000"/>
-                </a:solidFill>
-                <a:latin typeface="Consolas" panose="020B0609020204030204" pitchFamily="49" charset="0"/>
-              </a:rPr>
-              <a:t> @</a:t>
-            </a:r>
-            <a:r>
-              <a:rPr lang="en-US" sz="2400" dirty="0" err="1">
-                <a:solidFill>
-                  <a:srgbClr val="000000"/>
-                </a:solidFill>
-                <a:latin typeface="Consolas" panose="020B0609020204030204" pitchFamily="49" charset="0"/>
-              </a:rPr>
-              <a:t>waitfor</a:t>
-            </a:r>
-            <a:r>
-              <a:rPr lang="en-US" sz="2400" dirty="0">
-                <a:solidFill>
-                  <a:srgbClr val="808080"/>
-                </a:solidFill>
-                <a:latin typeface="Consolas" panose="020B0609020204030204" pitchFamily="49" charset="0"/>
-              </a:rPr>
-              <a:t>;</a:t>
-            </a:r>
-            <a:endParaRPr lang="en-US" sz="2400" dirty="0">
-              <a:solidFill>
-                <a:srgbClr val="000000"/>
-              </a:solidFill>
-              <a:latin typeface="Consolas" panose="020B0609020204030204" pitchFamily="49" charset="0"/>
-            </a:endParaRPr>
-          </a:p>
-          <a:p>
-            <a:endParaRPr lang="en-US" sz="2400" dirty="0">
-              <a:solidFill>
-                <a:srgbClr val="000000"/>
-              </a:solidFill>
-              <a:latin typeface="Consolas" panose="020B0609020204030204" pitchFamily="49" charset="0"/>
-            </a:endParaRPr>
-          </a:p>
-          <a:p>
-            <a:pPr marL="0" indent="0">
-              <a:buNone/>
-            </a:pPr>
-            <a:r>
-              <a:rPr lang="en-US" sz="2400" dirty="0">
-                <a:solidFill>
-                  <a:srgbClr val="0000FF"/>
-                </a:solidFill>
-                <a:latin typeface="Consolas" panose="020B0609020204030204" pitchFamily="49" charset="0"/>
-              </a:rPr>
-              <a:t>BEGIN</a:t>
-            </a:r>
-            <a:r>
-              <a:rPr lang="en-US" sz="2400" dirty="0">
-                <a:solidFill>
-                  <a:srgbClr val="000000"/>
-                </a:solidFill>
-                <a:latin typeface="Consolas" panose="020B0609020204030204" pitchFamily="49" charset="0"/>
-              </a:rPr>
-              <a:t> </a:t>
-            </a:r>
-            <a:r>
-              <a:rPr lang="en-US" sz="2400" dirty="0">
-                <a:solidFill>
-                  <a:srgbClr val="0000FF"/>
-                </a:solidFill>
-                <a:latin typeface="Consolas" panose="020B0609020204030204" pitchFamily="49" charset="0"/>
-              </a:rPr>
-              <a:t>TRANSACTION</a:t>
-            </a:r>
-            <a:endParaRPr lang="en-US" sz="2400" dirty="0">
-              <a:solidFill>
-                <a:srgbClr val="000000"/>
-              </a:solidFill>
-              <a:latin typeface="Consolas" panose="020B0609020204030204" pitchFamily="49" charset="0"/>
-            </a:endParaRPr>
-          </a:p>
-          <a:p>
-            <a:pPr marL="0" indent="0">
-              <a:buNone/>
-            </a:pPr>
-            <a:r>
-              <a:rPr lang="en-US" sz="2400" dirty="0">
-                <a:solidFill>
-                  <a:srgbClr val="0000FF"/>
-                </a:solidFill>
-                <a:latin typeface="Consolas" panose="020B0609020204030204" pitchFamily="49" charset="0"/>
-              </a:rPr>
-              <a:t>DROP</a:t>
-            </a:r>
-            <a:r>
-              <a:rPr lang="en-US" sz="2400" dirty="0">
-                <a:solidFill>
-                  <a:srgbClr val="000000"/>
-                </a:solidFill>
-                <a:latin typeface="Consolas" panose="020B0609020204030204" pitchFamily="49" charset="0"/>
-              </a:rPr>
-              <a:t> </a:t>
-            </a:r>
-            <a:r>
-              <a:rPr lang="en-US" sz="2400" dirty="0">
-                <a:solidFill>
-                  <a:srgbClr val="0000FF"/>
-                </a:solidFill>
-                <a:latin typeface="Consolas" panose="020B0609020204030204" pitchFamily="49" charset="0"/>
-              </a:rPr>
-              <a:t>TABLE</a:t>
-            </a:r>
-            <a:r>
-              <a:rPr lang="en-US" sz="2400" dirty="0">
-                <a:solidFill>
-                  <a:srgbClr val="000000"/>
-                </a:solidFill>
-                <a:latin typeface="Consolas" panose="020B0609020204030204" pitchFamily="49" charset="0"/>
-              </a:rPr>
-              <a:t> </a:t>
-            </a:r>
-            <a:r>
-              <a:rPr lang="en-US" sz="2400" dirty="0">
-                <a:solidFill>
-                  <a:srgbClr val="0000FF"/>
-                </a:solidFill>
-                <a:latin typeface="Consolas" panose="020B0609020204030204" pitchFamily="49" charset="0"/>
-              </a:rPr>
-              <a:t>IF</a:t>
-            </a:r>
-            <a:r>
-              <a:rPr lang="en-US" sz="2400" dirty="0">
-                <a:solidFill>
-                  <a:srgbClr val="000000"/>
-                </a:solidFill>
-                <a:latin typeface="Consolas" panose="020B0609020204030204" pitchFamily="49" charset="0"/>
-              </a:rPr>
-              <a:t> </a:t>
-            </a:r>
-            <a:r>
-              <a:rPr lang="en-US" sz="2400" dirty="0">
-                <a:solidFill>
-                  <a:srgbClr val="808080"/>
-                </a:solidFill>
-                <a:latin typeface="Consolas" panose="020B0609020204030204" pitchFamily="49" charset="0"/>
-              </a:rPr>
-              <a:t>EXISTS</a:t>
-            </a:r>
-            <a:r>
-              <a:rPr lang="en-US" sz="2400" dirty="0">
-                <a:solidFill>
-                  <a:srgbClr val="000000"/>
-                </a:solidFill>
-                <a:latin typeface="Consolas" panose="020B0609020204030204" pitchFamily="49" charset="0"/>
-              </a:rPr>
-              <a:t> dbo</a:t>
-            </a:r>
-            <a:r>
-              <a:rPr lang="en-US" sz="2400" dirty="0">
-                <a:solidFill>
-                  <a:srgbClr val="808080"/>
-                </a:solidFill>
-                <a:latin typeface="Consolas" panose="020B0609020204030204" pitchFamily="49" charset="0"/>
-              </a:rPr>
-              <a:t>.</a:t>
-            </a:r>
-            <a:r>
-              <a:rPr lang="en-US" sz="2400" dirty="0">
-                <a:solidFill>
-                  <a:srgbClr val="000000"/>
-                </a:solidFill>
-                <a:latin typeface="Consolas" panose="020B0609020204030204" pitchFamily="49" charset="0"/>
-              </a:rPr>
-              <a:t>fl1</a:t>
-            </a:r>
-            <a:r>
-              <a:rPr lang="en-US" sz="2400" dirty="0">
-                <a:solidFill>
-                  <a:srgbClr val="808080"/>
-                </a:solidFill>
-                <a:latin typeface="Consolas" panose="020B0609020204030204" pitchFamily="49" charset="0"/>
-              </a:rPr>
-              <a:t>,</a:t>
-            </a:r>
-            <a:r>
-              <a:rPr lang="en-US" sz="2400" dirty="0">
-                <a:solidFill>
-                  <a:srgbClr val="000000"/>
-                </a:solidFill>
-                <a:latin typeface="Consolas" panose="020B0609020204030204" pitchFamily="49" charset="0"/>
-              </a:rPr>
-              <a:t> dbo</a:t>
-            </a:r>
-            <a:r>
-              <a:rPr lang="en-US" sz="2400" dirty="0">
-                <a:solidFill>
-                  <a:srgbClr val="808080"/>
-                </a:solidFill>
-                <a:latin typeface="Consolas" panose="020B0609020204030204" pitchFamily="49" charset="0"/>
-              </a:rPr>
-              <a:t>.</a:t>
-            </a:r>
-            <a:r>
-              <a:rPr lang="en-US" sz="2400" dirty="0">
-                <a:solidFill>
-                  <a:srgbClr val="000000"/>
-                </a:solidFill>
-                <a:latin typeface="Consolas" panose="020B0609020204030204" pitchFamily="49" charset="0"/>
-              </a:rPr>
-              <a:t>fl2</a:t>
-            </a:r>
-            <a:r>
-              <a:rPr lang="en-US" sz="2400" dirty="0">
-                <a:solidFill>
-                  <a:srgbClr val="808080"/>
-                </a:solidFill>
-                <a:latin typeface="Consolas" panose="020B0609020204030204" pitchFamily="49" charset="0"/>
-              </a:rPr>
-              <a:t>,</a:t>
-            </a:r>
-            <a:r>
-              <a:rPr lang="en-US" sz="2400" dirty="0">
-                <a:solidFill>
-                  <a:srgbClr val="000000"/>
-                </a:solidFill>
-                <a:latin typeface="Consolas" panose="020B0609020204030204" pitchFamily="49" charset="0"/>
-              </a:rPr>
-              <a:t> dbo</a:t>
-            </a:r>
-            <a:r>
-              <a:rPr lang="en-US" sz="2400" dirty="0">
-                <a:solidFill>
-                  <a:srgbClr val="808080"/>
-                </a:solidFill>
-                <a:latin typeface="Consolas" panose="020B0609020204030204" pitchFamily="49" charset="0"/>
-              </a:rPr>
-              <a:t>.</a:t>
-            </a:r>
-            <a:r>
-              <a:rPr lang="en-US" sz="2400" dirty="0">
-                <a:solidFill>
-                  <a:srgbClr val="000000"/>
-                </a:solidFill>
-                <a:latin typeface="Consolas" panose="020B0609020204030204" pitchFamily="49" charset="0"/>
-              </a:rPr>
-              <a:t>fl3</a:t>
-            </a:r>
-            <a:r>
-              <a:rPr lang="en-US" sz="2400" dirty="0">
-                <a:solidFill>
-                  <a:srgbClr val="808080"/>
-                </a:solidFill>
-                <a:latin typeface="Consolas" panose="020B0609020204030204" pitchFamily="49" charset="0"/>
-              </a:rPr>
-              <a:t>;</a:t>
-            </a:r>
-            <a:endParaRPr lang="en-US" sz="2400" dirty="0">
-              <a:solidFill>
-                <a:srgbClr val="000000"/>
-              </a:solidFill>
-              <a:latin typeface="Consolas" panose="020B0609020204030204" pitchFamily="49" charset="0"/>
-            </a:endParaRPr>
-          </a:p>
-          <a:p>
-            <a:pPr marL="0" indent="0">
-              <a:buNone/>
-            </a:pPr>
-            <a:r>
-              <a:rPr lang="en-US" sz="2400" dirty="0">
-                <a:solidFill>
-                  <a:srgbClr val="0000FF"/>
-                </a:solidFill>
-                <a:latin typeface="Consolas" panose="020B0609020204030204" pitchFamily="49" charset="0"/>
-              </a:rPr>
-              <a:t>SELECT</a:t>
-            </a:r>
-            <a:r>
-              <a:rPr lang="en-US" sz="2400" dirty="0">
-                <a:solidFill>
-                  <a:srgbClr val="000000"/>
-                </a:solidFill>
-                <a:latin typeface="Consolas" panose="020B0609020204030204" pitchFamily="49" charset="0"/>
-              </a:rPr>
-              <a:t> s2</a:t>
-            </a:r>
-            <a:r>
-              <a:rPr lang="en-US" sz="2400" dirty="0">
-                <a:solidFill>
-                  <a:srgbClr val="808080"/>
-                </a:solidFill>
-                <a:latin typeface="Consolas" panose="020B0609020204030204" pitchFamily="49" charset="0"/>
-              </a:rPr>
-              <a:t>.*</a:t>
-            </a:r>
-            <a:r>
-              <a:rPr lang="en-US" sz="2400" dirty="0">
-                <a:solidFill>
-                  <a:srgbClr val="000000"/>
-                </a:solidFill>
-                <a:latin typeface="Consolas" panose="020B0609020204030204" pitchFamily="49" charset="0"/>
-              </a:rPr>
-              <a:t> </a:t>
-            </a:r>
-            <a:r>
-              <a:rPr lang="en-US" sz="2400" dirty="0">
-                <a:solidFill>
-                  <a:srgbClr val="0000FF"/>
-                </a:solidFill>
-                <a:latin typeface="Consolas" panose="020B0609020204030204" pitchFamily="49" charset="0"/>
-              </a:rPr>
-              <a:t>INTO</a:t>
-            </a:r>
-            <a:r>
-              <a:rPr lang="en-US" sz="2400" dirty="0">
-                <a:solidFill>
-                  <a:srgbClr val="000000"/>
-                </a:solidFill>
-                <a:latin typeface="Consolas" panose="020B0609020204030204" pitchFamily="49" charset="0"/>
-              </a:rPr>
-              <a:t> dbo</a:t>
-            </a:r>
-            <a:r>
-              <a:rPr lang="en-US" sz="2400" dirty="0">
-                <a:solidFill>
-                  <a:srgbClr val="808080"/>
-                </a:solidFill>
-                <a:latin typeface="Consolas" panose="020B0609020204030204" pitchFamily="49" charset="0"/>
-              </a:rPr>
-              <a:t>.</a:t>
-            </a:r>
-            <a:r>
-              <a:rPr lang="en-US" sz="2400" dirty="0">
-                <a:solidFill>
-                  <a:srgbClr val="000000"/>
-                </a:solidFill>
-                <a:latin typeface="Consolas" panose="020B0609020204030204" pitchFamily="49" charset="0"/>
-              </a:rPr>
-              <a:t>fl1 </a:t>
-            </a:r>
-            <a:r>
-              <a:rPr lang="en-US" sz="2400" dirty="0">
-                <a:solidFill>
-                  <a:srgbClr val="0000FF"/>
-                </a:solidFill>
-                <a:latin typeface="Consolas" panose="020B0609020204030204" pitchFamily="49" charset="0"/>
-              </a:rPr>
-              <a:t>FROM</a:t>
-            </a:r>
-            <a:r>
-              <a:rPr lang="en-US" sz="2400" dirty="0">
-                <a:solidFill>
-                  <a:srgbClr val="000000"/>
-                </a:solidFill>
-                <a:latin typeface="Consolas" panose="020B0609020204030204" pitchFamily="49" charset="0"/>
-              </a:rPr>
-              <a:t> </a:t>
-            </a:r>
-            <a:r>
-              <a:rPr lang="en-US" sz="2400" dirty="0" err="1">
-                <a:solidFill>
-                  <a:srgbClr val="00FF00"/>
-                </a:solidFill>
-                <a:latin typeface="Consolas" panose="020B0609020204030204" pitchFamily="49" charset="0"/>
-              </a:rPr>
-              <a:t>sys</a:t>
-            </a:r>
-            <a:r>
-              <a:rPr lang="en-US" sz="2400" dirty="0" err="1">
-                <a:solidFill>
-                  <a:srgbClr val="808080"/>
-                </a:solidFill>
-                <a:latin typeface="Consolas" panose="020B0609020204030204" pitchFamily="49" charset="0"/>
-              </a:rPr>
-              <a:t>.</a:t>
-            </a:r>
-            <a:r>
-              <a:rPr lang="en-US" sz="2400" dirty="0" err="1">
-                <a:solidFill>
-                  <a:srgbClr val="00FF00"/>
-                </a:solidFill>
-                <a:latin typeface="Consolas" panose="020B0609020204030204" pitchFamily="49" charset="0"/>
-              </a:rPr>
-              <a:t>all_columns</a:t>
-            </a:r>
-            <a:r>
-              <a:rPr lang="en-US" sz="2400" dirty="0">
-                <a:solidFill>
-                  <a:srgbClr val="000000"/>
-                </a:solidFill>
-                <a:latin typeface="Consolas" panose="020B0609020204030204" pitchFamily="49" charset="0"/>
-              </a:rPr>
-              <a:t> </a:t>
-            </a:r>
-            <a:r>
-              <a:rPr lang="en-US" sz="2400" dirty="0">
-                <a:solidFill>
-                  <a:srgbClr val="0000FF"/>
-                </a:solidFill>
-                <a:latin typeface="Consolas" panose="020B0609020204030204" pitchFamily="49" charset="0"/>
-              </a:rPr>
-              <a:t>AS</a:t>
-            </a:r>
-            <a:r>
-              <a:rPr lang="en-US" sz="2400" dirty="0">
-                <a:solidFill>
-                  <a:srgbClr val="000000"/>
-                </a:solidFill>
-                <a:latin typeface="Consolas" panose="020B0609020204030204" pitchFamily="49" charset="0"/>
-              </a:rPr>
-              <a:t> s1 </a:t>
-            </a:r>
-            <a:r>
-              <a:rPr lang="en-US" sz="2400" dirty="0">
-                <a:solidFill>
-                  <a:srgbClr val="808080"/>
-                </a:solidFill>
-                <a:latin typeface="Consolas" panose="020B0609020204030204" pitchFamily="49" charset="0"/>
-              </a:rPr>
-              <a:t>CROSS</a:t>
-            </a:r>
-            <a:r>
-              <a:rPr lang="en-US" sz="2400" dirty="0">
-                <a:solidFill>
-                  <a:srgbClr val="000000"/>
-                </a:solidFill>
-                <a:latin typeface="Consolas" panose="020B0609020204030204" pitchFamily="49" charset="0"/>
-              </a:rPr>
-              <a:t> </a:t>
-            </a:r>
-            <a:r>
-              <a:rPr lang="en-US" sz="2400" dirty="0">
-                <a:solidFill>
-                  <a:srgbClr val="808080"/>
-                </a:solidFill>
-                <a:latin typeface="Consolas" panose="020B0609020204030204" pitchFamily="49" charset="0"/>
-              </a:rPr>
-              <a:t>JOIN</a:t>
-            </a:r>
-            <a:r>
-              <a:rPr lang="en-US" sz="2400" dirty="0">
-                <a:solidFill>
-                  <a:srgbClr val="000000"/>
-                </a:solidFill>
-                <a:latin typeface="Consolas" panose="020B0609020204030204" pitchFamily="49" charset="0"/>
-              </a:rPr>
-              <a:t> </a:t>
-            </a:r>
-            <a:r>
-              <a:rPr lang="en-US" sz="2400" dirty="0" err="1">
-                <a:solidFill>
-                  <a:srgbClr val="00FF00"/>
-                </a:solidFill>
-                <a:latin typeface="Consolas" panose="020B0609020204030204" pitchFamily="49" charset="0"/>
-              </a:rPr>
-              <a:t>sys</a:t>
-            </a:r>
-            <a:r>
-              <a:rPr lang="en-US" sz="2400" dirty="0" err="1">
-                <a:solidFill>
-                  <a:srgbClr val="808080"/>
-                </a:solidFill>
-                <a:latin typeface="Consolas" panose="020B0609020204030204" pitchFamily="49" charset="0"/>
-              </a:rPr>
-              <a:t>.</a:t>
-            </a:r>
-            <a:r>
-              <a:rPr lang="en-US" sz="2400" dirty="0" err="1">
-                <a:solidFill>
-                  <a:srgbClr val="00FF00"/>
-                </a:solidFill>
-                <a:latin typeface="Consolas" panose="020B0609020204030204" pitchFamily="49" charset="0"/>
-              </a:rPr>
-              <a:t>all_objects</a:t>
-            </a:r>
-            <a:r>
-              <a:rPr lang="en-US" sz="2400" dirty="0">
-                <a:solidFill>
-                  <a:srgbClr val="000000"/>
-                </a:solidFill>
-                <a:latin typeface="Consolas" panose="020B0609020204030204" pitchFamily="49" charset="0"/>
-              </a:rPr>
-              <a:t> </a:t>
-            </a:r>
-            <a:r>
-              <a:rPr lang="en-US" sz="2400" dirty="0">
-                <a:solidFill>
-                  <a:srgbClr val="0000FF"/>
-                </a:solidFill>
-                <a:latin typeface="Consolas" panose="020B0609020204030204" pitchFamily="49" charset="0"/>
-              </a:rPr>
-              <a:t>AS</a:t>
-            </a:r>
-            <a:r>
-              <a:rPr lang="en-US" sz="2400" dirty="0">
-                <a:solidFill>
-                  <a:srgbClr val="000000"/>
-                </a:solidFill>
-                <a:latin typeface="Consolas" panose="020B0609020204030204" pitchFamily="49" charset="0"/>
-              </a:rPr>
-              <a:t> s2</a:t>
-            </a:r>
-            <a:r>
-              <a:rPr lang="en-US" sz="2400" dirty="0">
-                <a:solidFill>
-                  <a:srgbClr val="808080"/>
-                </a:solidFill>
-                <a:latin typeface="Consolas" panose="020B0609020204030204" pitchFamily="49" charset="0"/>
-              </a:rPr>
-              <a:t>;</a:t>
-            </a:r>
-            <a:endParaRPr lang="en-US" sz="2400" dirty="0">
-              <a:solidFill>
-                <a:srgbClr val="000000"/>
-              </a:solidFill>
-              <a:latin typeface="Consolas" panose="020B0609020204030204" pitchFamily="49" charset="0"/>
-            </a:endParaRPr>
-          </a:p>
-          <a:p>
-            <a:pPr marL="0" indent="0">
-              <a:buNone/>
-            </a:pPr>
-            <a:r>
-              <a:rPr lang="en-US" sz="2400" dirty="0">
-                <a:solidFill>
-                  <a:srgbClr val="0000FF"/>
-                </a:solidFill>
-                <a:latin typeface="Consolas" panose="020B0609020204030204" pitchFamily="49" charset="0"/>
-              </a:rPr>
-              <a:t>SELECT</a:t>
-            </a:r>
-            <a:r>
-              <a:rPr lang="en-US" sz="2400" dirty="0">
-                <a:solidFill>
-                  <a:srgbClr val="000000"/>
-                </a:solidFill>
-                <a:latin typeface="Consolas" panose="020B0609020204030204" pitchFamily="49" charset="0"/>
-              </a:rPr>
-              <a:t> s2</a:t>
-            </a:r>
-            <a:r>
-              <a:rPr lang="en-US" sz="2400" dirty="0">
-                <a:solidFill>
-                  <a:srgbClr val="808080"/>
-                </a:solidFill>
-                <a:latin typeface="Consolas" panose="020B0609020204030204" pitchFamily="49" charset="0"/>
-              </a:rPr>
-              <a:t>.*</a:t>
-            </a:r>
-            <a:r>
-              <a:rPr lang="en-US" sz="2400" dirty="0">
-                <a:solidFill>
-                  <a:srgbClr val="000000"/>
-                </a:solidFill>
-                <a:latin typeface="Consolas" panose="020B0609020204030204" pitchFamily="49" charset="0"/>
-              </a:rPr>
-              <a:t> </a:t>
-            </a:r>
-            <a:r>
-              <a:rPr lang="en-US" sz="2400" dirty="0">
-                <a:solidFill>
-                  <a:srgbClr val="0000FF"/>
-                </a:solidFill>
-                <a:latin typeface="Consolas" panose="020B0609020204030204" pitchFamily="49" charset="0"/>
-              </a:rPr>
-              <a:t>INTO</a:t>
-            </a:r>
-            <a:r>
-              <a:rPr lang="en-US" sz="2400" dirty="0">
-                <a:solidFill>
-                  <a:srgbClr val="000000"/>
-                </a:solidFill>
-                <a:latin typeface="Consolas" panose="020B0609020204030204" pitchFamily="49" charset="0"/>
-              </a:rPr>
-              <a:t> dbo</a:t>
-            </a:r>
-            <a:r>
-              <a:rPr lang="en-US" sz="2400" dirty="0">
-                <a:solidFill>
-                  <a:srgbClr val="808080"/>
-                </a:solidFill>
-                <a:latin typeface="Consolas" panose="020B0609020204030204" pitchFamily="49" charset="0"/>
-              </a:rPr>
-              <a:t>.</a:t>
-            </a:r>
-            <a:r>
-              <a:rPr lang="en-US" sz="2400" dirty="0">
-                <a:solidFill>
-                  <a:srgbClr val="000000"/>
-                </a:solidFill>
-                <a:latin typeface="Consolas" panose="020B0609020204030204" pitchFamily="49" charset="0"/>
-              </a:rPr>
-              <a:t>fl2 </a:t>
-            </a:r>
-            <a:r>
-              <a:rPr lang="en-US" sz="2400" dirty="0">
-                <a:solidFill>
-                  <a:srgbClr val="0000FF"/>
-                </a:solidFill>
-                <a:latin typeface="Consolas" panose="020B0609020204030204" pitchFamily="49" charset="0"/>
-              </a:rPr>
-              <a:t>FROM</a:t>
-            </a:r>
-            <a:r>
-              <a:rPr lang="en-US" sz="2400" dirty="0">
-                <a:solidFill>
-                  <a:srgbClr val="000000"/>
-                </a:solidFill>
-                <a:latin typeface="Consolas" panose="020B0609020204030204" pitchFamily="49" charset="0"/>
-              </a:rPr>
-              <a:t> </a:t>
-            </a:r>
-            <a:r>
-              <a:rPr lang="en-US" sz="2400" dirty="0" err="1">
-                <a:solidFill>
-                  <a:srgbClr val="00FF00"/>
-                </a:solidFill>
-                <a:latin typeface="Consolas" panose="020B0609020204030204" pitchFamily="49" charset="0"/>
-              </a:rPr>
-              <a:t>sys</a:t>
-            </a:r>
-            <a:r>
-              <a:rPr lang="en-US" sz="2400" dirty="0" err="1">
-                <a:solidFill>
-                  <a:srgbClr val="808080"/>
-                </a:solidFill>
-                <a:latin typeface="Consolas" panose="020B0609020204030204" pitchFamily="49" charset="0"/>
-              </a:rPr>
-              <a:t>.</a:t>
-            </a:r>
-            <a:r>
-              <a:rPr lang="en-US" sz="2400" dirty="0" err="1">
-                <a:solidFill>
-                  <a:srgbClr val="00FF00"/>
-                </a:solidFill>
-                <a:latin typeface="Consolas" panose="020B0609020204030204" pitchFamily="49" charset="0"/>
-              </a:rPr>
-              <a:t>all_columns</a:t>
-            </a:r>
-            <a:r>
-              <a:rPr lang="en-US" sz="2400" dirty="0">
-                <a:solidFill>
-                  <a:srgbClr val="000000"/>
-                </a:solidFill>
-                <a:latin typeface="Consolas" panose="020B0609020204030204" pitchFamily="49" charset="0"/>
-              </a:rPr>
-              <a:t> </a:t>
-            </a:r>
-            <a:r>
-              <a:rPr lang="en-US" sz="2400" dirty="0">
-                <a:solidFill>
-                  <a:srgbClr val="0000FF"/>
-                </a:solidFill>
-                <a:latin typeface="Consolas" panose="020B0609020204030204" pitchFamily="49" charset="0"/>
-              </a:rPr>
-              <a:t>AS</a:t>
-            </a:r>
-            <a:r>
-              <a:rPr lang="en-US" sz="2400" dirty="0">
-                <a:solidFill>
-                  <a:srgbClr val="000000"/>
-                </a:solidFill>
-                <a:latin typeface="Consolas" panose="020B0609020204030204" pitchFamily="49" charset="0"/>
-              </a:rPr>
-              <a:t> s1 </a:t>
-            </a:r>
-            <a:r>
-              <a:rPr lang="en-US" sz="2400" dirty="0">
-                <a:solidFill>
-                  <a:srgbClr val="808080"/>
-                </a:solidFill>
-                <a:latin typeface="Consolas" panose="020B0609020204030204" pitchFamily="49" charset="0"/>
-              </a:rPr>
-              <a:t>CROSS</a:t>
-            </a:r>
-            <a:r>
-              <a:rPr lang="en-US" sz="2400" dirty="0">
-                <a:solidFill>
-                  <a:srgbClr val="000000"/>
-                </a:solidFill>
-                <a:latin typeface="Consolas" panose="020B0609020204030204" pitchFamily="49" charset="0"/>
-              </a:rPr>
-              <a:t> </a:t>
-            </a:r>
-            <a:r>
-              <a:rPr lang="en-US" sz="2400" dirty="0">
-                <a:solidFill>
-                  <a:srgbClr val="808080"/>
-                </a:solidFill>
-                <a:latin typeface="Consolas" panose="020B0609020204030204" pitchFamily="49" charset="0"/>
-              </a:rPr>
-              <a:t>JOIN</a:t>
-            </a:r>
-            <a:r>
-              <a:rPr lang="en-US" sz="2400" dirty="0">
-                <a:solidFill>
-                  <a:srgbClr val="000000"/>
-                </a:solidFill>
-                <a:latin typeface="Consolas" panose="020B0609020204030204" pitchFamily="49" charset="0"/>
-              </a:rPr>
-              <a:t> </a:t>
-            </a:r>
-            <a:r>
-              <a:rPr lang="en-US" sz="2400" dirty="0" err="1">
-                <a:solidFill>
-                  <a:srgbClr val="00FF00"/>
-                </a:solidFill>
-                <a:latin typeface="Consolas" panose="020B0609020204030204" pitchFamily="49" charset="0"/>
-              </a:rPr>
-              <a:t>sys</a:t>
-            </a:r>
-            <a:r>
-              <a:rPr lang="en-US" sz="2400" dirty="0" err="1">
-                <a:solidFill>
-                  <a:srgbClr val="808080"/>
-                </a:solidFill>
-                <a:latin typeface="Consolas" panose="020B0609020204030204" pitchFamily="49" charset="0"/>
-              </a:rPr>
-              <a:t>.</a:t>
-            </a:r>
-            <a:r>
-              <a:rPr lang="en-US" sz="2400" dirty="0" err="1">
-                <a:solidFill>
-                  <a:srgbClr val="00FF00"/>
-                </a:solidFill>
-                <a:latin typeface="Consolas" panose="020B0609020204030204" pitchFamily="49" charset="0"/>
-              </a:rPr>
-              <a:t>all_objects</a:t>
-            </a:r>
-            <a:r>
-              <a:rPr lang="en-US" sz="2400" dirty="0">
-                <a:solidFill>
-                  <a:srgbClr val="000000"/>
-                </a:solidFill>
-                <a:latin typeface="Consolas" panose="020B0609020204030204" pitchFamily="49" charset="0"/>
-              </a:rPr>
-              <a:t> </a:t>
-            </a:r>
-            <a:r>
-              <a:rPr lang="en-US" sz="2400" dirty="0">
-                <a:solidFill>
-                  <a:srgbClr val="0000FF"/>
-                </a:solidFill>
-                <a:latin typeface="Consolas" panose="020B0609020204030204" pitchFamily="49" charset="0"/>
-              </a:rPr>
-              <a:t>AS</a:t>
-            </a:r>
-            <a:r>
-              <a:rPr lang="en-US" sz="2400" dirty="0">
-                <a:solidFill>
-                  <a:srgbClr val="000000"/>
-                </a:solidFill>
-                <a:latin typeface="Consolas" panose="020B0609020204030204" pitchFamily="49" charset="0"/>
-              </a:rPr>
-              <a:t> s2</a:t>
-            </a:r>
-            <a:r>
-              <a:rPr lang="en-US" sz="2400" dirty="0">
-                <a:solidFill>
-                  <a:srgbClr val="808080"/>
-                </a:solidFill>
-                <a:latin typeface="Consolas" panose="020B0609020204030204" pitchFamily="49" charset="0"/>
-              </a:rPr>
-              <a:t>;</a:t>
-            </a:r>
-            <a:endParaRPr lang="en-US" sz="2400" dirty="0">
-              <a:solidFill>
-                <a:srgbClr val="000000"/>
-              </a:solidFill>
-              <a:latin typeface="Consolas" panose="020B0609020204030204" pitchFamily="49" charset="0"/>
-            </a:endParaRPr>
-          </a:p>
-          <a:p>
-            <a:pPr marL="0" indent="0">
-              <a:buNone/>
-            </a:pPr>
-            <a:r>
-              <a:rPr lang="en-US" sz="2400" dirty="0">
-                <a:solidFill>
-                  <a:srgbClr val="0000FF"/>
-                </a:solidFill>
-                <a:latin typeface="Consolas" panose="020B0609020204030204" pitchFamily="49" charset="0"/>
-              </a:rPr>
-              <a:t>SELECT</a:t>
-            </a:r>
-            <a:r>
-              <a:rPr lang="en-US" sz="2400" dirty="0">
-                <a:solidFill>
-                  <a:srgbClr val="000000"/>
-                </a:solidFill>
-                <a:latin typeface="Consolas" panose="020B0609020204030204" pitchFamily="49" charset="0"/>
-              </a:rPr>
-              <a:t> s2</a:t>
-            </a:r>
-            <a:r>
-              <a:rPr lang="en-US" sz="2400" dirty="0">
-                <a:solidFill>
-                  <a:srgbClr val="808080"/>
-                </a:solidFill>
-                <a:latin typeface="Consolas" panose="020B0609020204030204" pitchFamily="49" charset="0"/>
-              </a:rPr>
-              <a:t>.*</a:t>
-            </a:r>
-            <a:r>
-              <a:rPr lang="en-US" sz="2400" dirty="0">
-                <a:solidFill>
-                  <a:srgbClr val="000000"/>
-                </a:solidFill>
-                <a:latin typeface="Consolas" panose="020B0609020204030204" pitchFamily="49" charset="0"/>
-              </a:rPr>
-              <a:t> </a:t>
-            </a:r>
-            <a:r>
-              <a:rPr lang="en-US" sz="2400" dirty="0">
-                <a:solidFill>
-                  <a:srgbClr val="0000FF"/>
-                </a:solidFill>
-                <a:latin typeface="Consolas" panose="020B0609020204030204" pitchFamily="49" charset="0"/>
-              </a:rPr>
-              <a:t>INTO</a:t>
-            </a:r>
-            <a:r>
-              <a:rPr lang="en-US" sz="2400" dirty="0">
-                <a:solidFill>
-                  <a:srgbClr val="000000"/>
-                </a:solidFill>
-                <a:latin typeface="Consolas" panose="020B0609020204030204" pitchFamily="49" charset="0"/>
-              </a:rPr>
-              <a:t> dbo</a:t>
-            </a:r>
-            <a:r>
-              <a:rPr lang="en-US" sz="2400" dirty="0">
-                <a:solidFill>
-                  <a:srgbClr val="808080"/>
-                </a:solidFill>
-                <a:latin typeface="Consolas" panose="020B0609020204030204" pitchFamily="49" charset="0"/>
-              </a:rPr>
-              <a:t>.</a:t>
-            </a:r>
-            <a:r>
-              <a:rPr lang="en-US" sz="2400" dirty="0">
-                <a:solidFill>
-                  <a:srgbClr val="000000"/>
-                </a:solidFill>
-                <a:latin typeface="Consolas" panose="020B0609020204030204" pitchFamily="49" charset="0"/>
-              </a:rPr>
-              <a:t>fl3 </a:t>
-            </a:r>
-            <a:r>
-              <a:rPr lang="en-US" sz="2400" dirty="0">
-                <a:solidFill>
-                  <a:srgbClr val="0000FF"/>
-                </a:solidFill>
-                <a:latin typeface="Consolas" panose="020B0609020204030204" pitchFamily="49" charset="0"/>
-              </a:rPr>
-              <a:t>FROM</a:t>
-            </a:r>
-            <a:r>
-              <a:rPr lang="en-US" sz="2400" dirty="0">
-                <a:solidFill>
-                  <a:srgbClr val="000000"/>
-                </a:solidFill>
-                <a:latin typeface="Consolas" panose="020B0609020204030204" pitchFamily="49" charset="0"/>
-              </a:rPr>
-              <a:t> </a:t>
-            </a:r>
-            <a:r>
-              <a:rPr lang="en-US" sz="2400" dirty="0" err="1">
-                <a:solidFill>
-                  <a:srgbClr val="00FF00"/>
-                </a:solidFill>
-                <a:latin typeface="Consolas" panose="020B0609020204030204" pitchFamily="49" charset="0"/>
-              </a:rPr>
-              <a:t>sys</a:t>
-            </a:r>
-            <a:r>
-              <a:rPr lang="en-US" sz="2400" dirty="0" err="1">
-                <a:solidFill>
-                  <a:srgbClr val="808080"/>
-                </a:solidFill>
-                <a:latin typeface="Consolas" panose="020B0609020204030204" pitchFamily="49" charset="0"/>
-              </a:rPr>
-              <a:t>.</a:t>
-            </a:r>
-            <a:r>
-              <a:rPr lang="en-US" sz="2400" dirty="0" err="1">
-                <a:solidFill>
-                  <a:srgbClr val="00FF00"/>
-                </a:solidFill>
-                <a:latin typeface="Consolas" panose="020B0609020204030204" pitchFamily="49" charset="0"/>
-              </a:rPr>
-              <a:t>all_columns</a:t>
-            </a:r>
-            <a:r>
-              <a:rPr lang="en-US" sz="2400" dirty="0">
-                <a:solidFill>
-                  <a:srgbClr val="000000"/>
-                </a:solidFill>
-                <a:latin typeface="Consolas" panose="020B0609020204030204" pitchFamily="49" charset="0"/>
-              </a:rPr>
-              <a:t> </a:t>
-            </a:r>
-            <a:r>
-              <a:rPr lang="en-US" sz="2400" dirty="0">
-                <a:solidFill>
-                  <a:srgbClr val="0000FF"/>
-                </a:solidFill>
-                <a:latin typeface="Consolas" panose="020B0609020204030204" pitchFamily="49" charset="0"/>
-              </a:rPr>
-              <a:t>AS</a:t>
-            </a:r>
-            <a:r>
-              <a:rPr lang="en-US" sz="2400" dirty="0">
-                <a:solidFill>
-                  <a:srgbClr val="000000"/>
-                </a:solidFill>
-                <a:latin typeface="Consolas" panose="020B0609020204030204" pitchFamily="49" charset="0"/>
-              </a:rPr>
-              <a:t> s1 </a:t>
-            </a:r>
-            <a:r>
-              <a:rPr lang="en-US" sz="2400" dirty="0">
-                <a:solidFill>
-                  <a:srgbClr val="808080"/>
-                </a:solidFill>
-                <a:latin typeface="Consolas" panose="020B0609020204030204" pitchFamily="49" charset="0"/>
-              </a:rPr>
-              <a:t>CROSS</a:t>
-            </a:r>
-            <a:r>
-              <a:rPr lang="en-US" sz="2400" dirty="0">
-                <a:solidFill>
-                  <a:srgbClr val="000000"/>
-                </a:solidFill>
-                <a:latin typeface="Consolas" panose="020B0609020204030204" pitchFamily="49" charset="0"/>
-              </a:rPr>
-              <a:t> </a:t>
-            </a:r>
-            <a:r>
-              <a:rPr lang="en-US" sz="2400" dirty="0">
-                <a:solidFill>
-                  <a:srgbClr val="808080"/>
-                </a:solidFill>
-                <a:latin typeface="Consolas" panose="020B0609020204030204" pitchFamily="49" charset="0"/>
-              </a:rPr>
-              <a:t>JOIN</a:t>
-            </a:r>
-            <a:r>
-              <a:rPr lang="en-US" sz="2400" dirty="0">
-                <a:solidFill>
-                  <a:srgbClr val="000000"/>
-                </a:solidFill>
-                <a:latin typeface="Consolas" panose="020B0609020204030204" pitchFamily="49" charset="0"/>
-              </a:rPr>
-              <a:t> </a:t>
-            </a:r>
-            <a:r>
-              <a:rPr lang="en-US" sz="2400" dirty="0" err="1">
-                <a:solidFill>
-                  <a:srgbClr val="00FF00"/>
-                </a:solidFill>
-                <a:latin typeface="Consolas" panose="020B0609020204030204" pitchFamily="49" charset="0"/>
-              </a:rPr>
-              <a:t>sys</a:t>
-            </a:r>
-            <a:r>
-              <a:rPr lang="en-US" sz="2400" dirty="0" err="1">
-                <a:solidFill>
-                  <a:srgbClr val="808080"/>
-                </a:solidFill>
-                <a:latin typeface="Consolas" panose="020B0609020204030204" pitchFamily="49" charset="0"/>
-              </a:rPr>
-              <a:t>.</a:t>
-            </a:r>
-            <a:r>
-              <a:rPr lang="en-US" sz="2400" dirty="0" err="1">
-                <a:solidFill>
-                  <a:srgbClr val="00FF00"/>
-                </a:solidFill>
-                <a:latin typeface="Consolas" panose="020B0609020204030204" pitchFamily="49" charset="0"/>
-              </a:rPr>
-              <a:t>all_objects</a:t>
-            </a:r>
-            <a:r>
-              <a:rPr lang="en-US" sz="2400" dirty="0">
-                <a:solidFill>
-                  <a:srgbClr val="000000"/>
-                </a:solidFill>
-                <a:latin typeface="Consolas" panose="020B0609020204030204" pitchFamily="49" charset="0"/>
-              </a:rPr>
-              <a:t> </a:t>
-            </a:r>
-            <a:r>
-              <a:rPr lang="en-US" sz="2400" dirty="0">
-                <a:solidFill>
-                  <a:srgbClr val="0000FF"/>
-                </a:solidFill>
-                <a:latin typeface="Consolas" panose="020B0609020204030204" pitchFamily="49" charset="0"/>
-              </a:rPr>
-              <a:t>AS</a:t>
-            </a:r>
-            <a:r>
-              <a:rPr lang="en-US" sz="2400" dirty="0">
-                <a:solidFill>
-                  <a:srgbClr val="000000"/>
-                </a:solidFill>
-                <a:latin typeface="Consolas" panose="020B0609020204030204" pitchFamily="49" charset="0"/>
-              </a:rPr>
-              <a:t> s2</a:t>
-            </a:r>
-            <a:r>
-              <a:rPr lang="en-US" sz="2400" dirty="0">
-                <a:solidFill>
-                  <a:srgbClr val="808080"/>
-                </a:solidFill>
-                <a:latin typeface="Consolas" panose="020B0609020204030204" pitchFamily="49" charset="0"/>
-              </a:rPr>
-              <a:t>;</a:t>
-            </a:r>
-            <a:endParaRPr lang="en-US" dirty="0"/>
-          </a:p>
-        </p:txBody>
-      </p:sp>
+        </p:nvPicPr>
+        <p:blipFill>
+          <a:blip r:embed="rId2"/>
+          <a:srcRect/>
+          <a:stretch/>
+        </p:blipFill>
+        <p:spPr>
+          <a:xfrm>
+            <a:off x="1019896" y="3222136"/>
+            <a:ext cx="10152207" cy="413726"/>
+          </a:xfrm>
+        </p:spPr>
+      </p:pic>
     </p:spTree>
     <p:extLst>
       <p:ext uri="{BB962C8B-B14F-4D97-AF65-F5344CB8AC3E}">
-        <p14:creationId xmlns:p14="http://schemas.microsoft.com/office/powerpoint/2010/main" val="1029606254"/>
+        <p14:creationId xmlns:p14="http://schemas.microsoft.com/office/powerpoint/2010/main" val="3847887652"/>
       </p:ext>
     </p:extLst>
   </p:cSld>
@@ -15763,7 +14408,7 @@
           <p:cNvPr id="2" name="Title 1">
             <a:extLst>
               <a:ext uri="{FF2B5EF4-FFF2-40B4-BE49-F238E27FC236}">
-                <a16:creationId xmlns:a16="http://schemas.microsoft.com/office/drawing/2014/main" id="{E79EC8D3-7E72-40B2-AF87-707FEBCCA938}"/>
+                <a16:creationId xmlns:a16="http://schemas.microsoft.com/office/drawing/2014/main" id="{A64FEF82-C56C-4F9F-8CF9-55F1CEF9C42B}"/>
               </a:ext>
             </a:extLst>
           </p:cNvPr>
@@ -15781,44 +14426,73 @@
           <a:p>
             <a:r>
               <a:rPr lang="en-US" dirty="0"/>
-              <a:t>Crash Recovery Results</a:t>
-            </a:r>
-          </a:p>
-        </p:txBody>
-      </p:sp>
-      <p:pic>
-        <p:nvPicPr>
-          <p:cNvPr id="5" name="Content Placeholder 4" descr="A screenshot of a cell phone&#10;&#10;Description automatically generated">
+              <a:t>Benefits of ADR</a:t>
+            </a:r>
+          </a:p>
+        </p:txBody>
+      </p:sp>
+      <p:sp>
+        <p:nvSpPr>
+          <p:cNvPr id="3" name="Content Placeholder 2">
             <a:extLst>
               <a:ext uri="{FF2B5EF4-FFF2-40B4-BE49-F238E27FC236}">
-                <a16:creationId xmlns:a16="http://schemas.microsoft.com/office/drawing/2014/main" id="{26D4F835-A399-47FC-B13C-0E35AA6F4311}"/>
+                <a16:creationId xmlns:a16="http://schemas.microsoft.com/office/drawing/2014/main" id="{0C96EEF9-9FF9-4BD0-A8E3-552723263F33}"/>
               </a:ext>
             </a:extLst>
           </p:cNvPr>
-          <p:cNvPicPr>
-            <a:picLocks noGrp="1" noChangeAspect="1"/>
-          </p:cNvPicPr>
+          <p:cNvSpPr>
+            <a:spLocks noGrp="1"/>
+          </p:cNvSpPr>
           <p:nvPr>
             <p:ph idx="1"/>
           </p:nvPr>
-        </p:nvPicPr>
-        <p:blipFill>
-          <a:blip r:embed="rId2"/>
-          <a:stretch>
-            <a:fillRect/>
-          </a:stretch>
-        </p:blipFill>
-        <p:spPr>
-          <a:xfrm>
-            <a:off x="2426749" y="3007098"/>
-            <a:ext cx="7338501" cy="1293028"/>
-          </a:xfrm>
-        </p:spPr>
-      </p:pic>
+        </p:nvSpPr>
+        <p:spPr/>
+        <p:txBody>
+          <a:bodyPr/>
+          <a:lstStyle/>
+          <a:p>
+            <a:pPr marL="0" indent="0">
+              <a:buNone/>
+            </a:pPr>
+            <a:r>
+              <a:rPr lang="en-US" dirty="0"/>
+              <a:t>Faster crash recovery</a:t>
+            </a:r>
+          </a:p>
+          <a:p>
+            <a:pPr marL="0" indent="0">
+              <a:buNone/>
+            </a:pPr>
+            <a:r>
+              <a:rPr lang="en-US" dirty="0"/>
+              <a:t>Faster AG failover</a:t>
+            </a:r>
+          </a:p>
+          <a:p>
+            <a:pPr marL="0" indent="0">
+              <a:buNone/>
+            </a:pPr>
+            <a:r>
+              <a:rPr lang="en-US" dirty="0"/>
+              <a:t>Faster rollback</a:t>
+            </a:r>
+          </a:p>
+          <a:p>
+            <a:pPr marL="0" indent="0">
+              <a:buNone/>
+            </a:pPr>
+            <a:r>
+              <a:rPr lang="en-US" dirty="0"/>
+              <a:t>Fast log truncation means smaller logs</a:t>
+            </a:r>
+          </a:p>
+        </p:txBody>
+      </p:sp>
     </p:spTree>
     <p:extLst>
       <p:ext uri="{BB962C8B-B14F-4D97-AF65-F5344CB8AC3E}">
-        <p14:creationId xmlns:p14="http://schemas.microsoft.com/office/powerpoint/2010/main" val="3285679172"/>
+        <p14:creationId xmlns:p14="http://schemas.microsoft.com/office/powerpoint/2010/main" val="15212116"/>
       </p:ext>
     </p:extLst>
   </p:cSld>
@@ -15868,7 +14542,7 @@
           <a:p>
             <a:r>
               <a:rPr lang="en-US" dirty="0"/>
-              <a:t>AG Failover Demo</a:t>
+              <a:t>Crash Recovery Demo</a:t>
             </a:r>
           </a:p>
         </p:txBody>
@@ -17240,7 +15914,7 @@
     </p:spTree>
     <p:extLst>
       <p:ext uri="{BB962C8B-B14F-4D97-AF65-F5344CB8AC3E}">
-        <p14:creationId xmlns:p14="http://schemas.microsoft.com/office/powerpoint/2010/main" val="3167236336"/>
+        <p14:creationId xmlns:p14="http://schemas.microsoft.com/office/powerpoint/2010/main" val="1029606254"/>
       </p:ext>
     </p:extLst>
   </p:cSld>
@@ -17373,6 +16047,1514 @@
 </file>
 
 <file path=ppt/slides/slide30.xml><?xml version="1.0" encoding="utf-8"?>
+<p:sld xmlns:a="http://schemas.openxmlformats.org/drawingml/2006/main" xmlns:r="http://schemas.openxmlformats.org/officeDocument/2006/relationships" xmlns:p="http://schemas.openxmlformats.org/presentationml/2006/main">
+  <p:cSld>
+    <p:spTree>
+      <p:nvGrpSpPr>
+        <p:cNvPr id="1" name=""/>
+        <p:cNvGrpSpPr/>
+        <p:nvPr/>
+      </p:nvGrpSpPr>
+      <p:grpSpPr>
+        <a:xfrm>
+          <a:off x="0" y="0"/>
+          <a:ext cx="0" cy="0"/>
+          <a:chOff x="0" y="0"/>
+          <a:chExt cx="0" cy="0"/>
+        </a:xfrm>
+      </p:grpSpPr>
+      <p:sp>
+        <p:nvSpPr>
+          <p:cNvPr id="2" name="Title 1">
+            <a:extLst>
+              <a:ext uri="{FF2B5EF4-FFF2-40B4-BE49-F238E27FC236}">
+                <a16:creationId xmlns:a16="http://schemas.microsoft.com/office/drawing/2014/main" id="{E79EC8D3-7E72-40B2-AF87-707FEBCCA938}"/>
+              </a:ext>
+            </a:extLst>
+          </p:cNvPr>
+          <p:cNvSpPr>
+            <a:spLocks noGrp="1"/>
+          </p:cNvSpPr>
+          <p:nvPr>
+            <p:ph type="title"/>
+          </p:nvPr>
+        </p:nvSpPr>
+        <p:spPr/>
+        <p:txBody>
+          <a:bodyPr/>
+          <a:lstStyle/>
+          <a:p>
+            <a:r>
+              <a:rPr lang="en-US" dirty="0"/>
+              <a:t>Crash Recovery Results</a:t>
+            </a:r>
+          </a:p>
+        </p:txBody>
+      </p:sp>
+      <p:pic>
+        <p:nvPicPr>
+          <p:cNvPr id="5" name="Content Placeholder 4">
+            <a:extLst>
+              <a:ext uri="{FF2B5EF4-FFF2-40B4-BE49-F238E27FC236}">
+                <a16:creationId xmlns:a16="http://schemas.microsoft.com/office/drawing/2014/main" id="{26D4F835-A399-47FC-B13C-0E35AA6F4311}"/>
+              </a:ext>
+            </a:extLst>
+          </p:cNvPr>
+          <p:cNvPicPr>
+            <a:picLocks noGrp="1" noChangeAspect="1"/>
+          </p:cNvPicPr>
+          <p:nvPr>
+            <p:ph idx="1"/>
+          </p:nvPr>
+        </p:nvPicPr>
+        <p:blipFill>
+          <a:blip r:embed="rId2"/>
+          <a:srcRect/>
+          <a:stretch/>
+        </p:blipFill>
+        <p:spPr>
+          <a:xfrm>
+            <a:off x="2556608" y="2782486"/>
+            <a:ext cx="7078784" cy="1293028"/>
+          </a:xfrm>
+        </p:spPr>
+      </p:pic>
+    </p:spTree>
+    <p:extLst>
+      <p:ext uri="{BB962C8B-B14F-4D97-AF65-F5344CB8AC3E}">
+        <p14:creationId xmlns:p14="http://schemas.microsoft.com/office/powerpoint/2010/main" val="3285679172"/>
+      </p:ext>
+    </p:extLst>
+  </p:cSld>
+  <p:clrMapOvr>
+    <a:masterClrMapping/>
+  </p:clrMapOvr>
+</p:sld>
+</file>
+
+<file path=ppt/slides/slide31.xml><?xml version="1.0" encoding="utf-8"?>
+<p:sld xmlns:a="http://schemas.openxmlformats.org/drawingml/2006/main" xmlns:r="http://schemas.openxmlformats.org/officeDocument/2006/relationships" xmlns:p="http://schemas.openxmlformats.org/presentationml/2006/main">
+  <p:cSld>
+    <p:spTree>
+      <p:nvGrpSpPr>
+        <p:cNvPr id="1" name=""/>
+        <p:cNvGrpSpPr/>
+        <p:nvPr/>
+      </p:nvGrpSpPr>
+      <p:grpSpPr>
+        <a:xfrm>
+          <a:off x="0" y="0"/>
+          <a:ext cx="0" cy="0"/>
+          <a:chOff x="0" y="0"/>
+          <a:chExt cx="0" cy="0"/>
+        </a:xfrm>
+      </p:grpSpPr>
+      <p:sp>
+        <p:nvSpPr>
+          <p:cNvPr id="2" name="Title 1">
+            <a:extLst>
+              <a:ext uri="{FF2B5EF4-FFF2-40B4-BE49-F238E27FC236}">
+                <a16:creationId xmlns:a16="http://schemas.microsoft.com/office/drawing/2014/main" id="{13D11F34-7E4B-4969-A4AA-61706463E43A}"/>
+              </a:ext>
+            </a:extLst>
+          </p:cNvPr>
+          <p:cNvSpPr>
+            <a:spLocks noGrp="1"/>
+          </p:cNvSpPr>
+          <p:nvPr>
+            <p:ph type="title"/>
+          </p:nvPr>
+        </p:nvSpPr>
+        <p:spPr/>
+        <p:txBody>
+          <a:bodyPr/>
+          <a:lstStyle/>
+          <a:p>
+            <a:r>
+              <a:rPr lang="en-US" dirty="0"/>
+              <a:t>AG Failover Demo</a:t>
+            </a:r>
+          </a:p>
+        </p:txBody>
+      </p:sp>
+      <p:sp>
+        <p:nvSpPr>
+          <p:cNvPr id="3" name="Content Placeholder 2">
+            <a:extLst>
+              <a:ext uri="{FF2B5EF4-FFF2-40B4-BE49-F238E27FC236}">
+                <a16:creationId xmlns:a16="http://schemas.microsoft.com/office/drawing/2014/main" id="{340DFCB8-280E-4684-858C-796C01EBFA5C}"/>
+              </a:ext>
+            </a:extLst>
+          </p:cNvPr>
+          <p:cNvSpPr>
+            <a:spLocks noGrp="1"/>
+          </p:cNvSpPr>
+          <p:nvPr>
+            <p:ph idx="1"/>
+          </p:nvPr>
+        </p:nvSpPr>
+        <p:spPr/>
+        <p:txBody>
+          <a:bodyPr>
+            <a:normAutofit fontScale="70000" lnSpcReduction="20000"/>
+          </a:bodyPr>
+          <a:lstStyle/>
+          <a:p>
+            <a:pPr marL="0" indent="0">
+              <a:buNone/>
+            </a:pPr>
+            <a:r>
+              <a:rPr lang="en-US" sz="2400" dirty="0">
+                <a:solidFill>
+                  <a:srgbClr val="0000FF"/>
+                </a:solidFill>
+                <a:latin typeface="Consolas" panose="020B0609020204030204" pitchFamily="49" charset="0"/>
+              </a:rPr>
+              <a:t>DECLARE</a:t>
+            </a:r>
+            <a:r>
+              <a:rPr lang="en-US" sz="2400" dirty="0">
+                <a:solidFill>
+                  <a:srgbClr val="000000"/>
+                </a:solidFill>
+                <a:latin typeface="Consolas" panose="020B0609020204030204" pitchFamily="49" charset="0"/>
+              </a:rPr>
+              <a:t> @</a:t>
+            </a:r>
+            <a:r>
+              <a:rPr lang="en-US" sz="2400" dirty="0" err="1">
+                <a:solidFill>
+                  <a:srgbClr val="000000"/>
+                </a:solidFill>
+                <a:latin typeface="Consolas" panose="020B0609020204030204" pitchFamily="49" charset="0"/>
+              </a:rPr>
+              <a:t>waitfor</a:t>
+            </a:r>
+            <a:r>
+              <a:rPr lang="en-US" sz="2400" dirty="0">
+                <a:solidFill>
+                  <a:srgbClr val="000000"/>
+                </a:solidFill>
+                <a:latin typeface="Consolas" panose="020B0609020204030204" pitchFamily="49" charset="0"/>
+              </a:rPr>
+              <a:t> </a:t>
+            </a:r>
+            <a:r>
+              <a:rPr lang="en-US" sz="2400" dirty="0">
+                <a:solidFill>
+                  <a:srgbClr val="0000FF"/>
+                </a:solidFill>
+                <a:latin typeface="Consolas" panose="020B0609020204030204" pitchFamily="49" charset="0"/>
+              </a:rPr>
+              <a:t>DATETIME</a:t>
+            </a:r>
+            <a:r>
+              <a:rPr lang="en-US" sz="2400" dirty="0">
+                <a:solidFill>
+                  <a:srgbClr val="808080"/>
+                </a:solidFill>
+                <a:latin typeface="Consolas" panose="020B0609020204030204" pitchFamily="49" charset="0"/>
+              </a:rPr>
+              <a:t>;</a:t>
+            </a:r>
+            <a:endParaRPr lang="en-US" sz="2400" dirty="0">
+              <a:solidFill>
+                <a:srgbClr val="000000"/>
+              </a:solidFill>
+              <a:latin typeface="Consolas" panose="020B0609020204030204" pitchFamily="49" charset="0"/>
+            </a:endParaRPr>
+          </a:p>
+          <a:p>
+            <a:endParaRPr lang="en-US" sz="2400" dirty="0">
+              <a:solidFill>
+                <a:srgbClr val="000000"/>
+              </a:solidFill>
+              <a:latin typeface="Consolas" panose="020B0609020204030204" pitchFamily="49" charset="0"/>
+            </a:endParaRPr>
+          </a:p>
+          <a:p>
+            <a:pPr marL="0" indent="0">
+              <a:buNone/>
+            </a:pPr>
+            <a:r>
+              <a:rPr lang="en-US" sz="2400" dirty="0">
+                <a:solidFill>
+                  <a:srgbClr val="0000FF"/>
+                </a:solidFill>
+                <a:latin typeface="Consolas" panose="020B0609020204030204" pitchFamily="49" charset="0"/>
+              </a:rPr>
+              <a:t>SELECT</a:t>
+            </a:r>
+            <a:r>
+              <a:rPr lang="en-US" sz="2400" dirty="0">
+                <a:solidFill>
+                  <a:srgbClr val="000000"/>
+                </a:solidFill>
+                <a:latin typeface="Consolas" panose="020B0609020204030204" pitchFamily="49" charset="0"/>
+              </a:rPr>
+              <a:t> @</a:t>
+            </a:r>
+            <a:r>
+              <a:rPr lang="en-US" sz="2400" dirty="0" err="1">
+                <a:solidFill>
+                  <a:srgbClr val="000000"/>
+                </a:solidFill>
+                <a:latin typeface="Consolas" panose="020B0609020204030204" pitchFamily="49" charset="0"/>
+              </a:rPr>
+              <a:t>waitfor</a:t>
+            </a:r>
+            <a:r>
+              <a:rPr lang="en-US" sz="2400" dirty="0">
+                <a:solidFill>
+                  <a:srgbClr val="000000"/>
+                </a:solidFill>
+                <a:latin typeface="Consolas" panose="020B0609020204030204" pitchFamily="49" charset="0"/>
+              </a:rPr>
+              <a:t> </a:t>
+            </a:r>
+            <a:r>
+              <a:rPr lang="en-US" sz="2400" dirty="0">
+                <a:solidFill>
+                  <a:srgbClr val="808080"/>
+                </a:solidFill>
+                <a:latin typeface="Consolas" panose="020B0609020204030204" pitchFamily="49" charset="0"/>
+              </a:rPr>
+              <a:t>=</a:t>
+            </a:r>
+            <a:r>
+              <a:rPr lang="en-US" sz="2400" dirty="0">
+                <a:solidFill>
+                  <a:srgbClr val="000000"/>
+                </a:solidFill>
+                <a:latin typeface="Consolas" panose="020B0609020204030204" pitchFamily="49" charset="0"/>
+              </a:rPr>
+              <a:t> </a:t>
+            </a:r>
+            <a:r>
+              <a:rPr lang="en-US" sz="2400" dirty="0">
+                <a:solidFill>
+                  <a:srgbClr val="FF00FF"/>
+                </a:solidFill>
+                <a:latin typeface="Consolas" panose="020B0609020204030204" pitchFamily="49" charset="0"/>
+              </a:rPr>
+              <a:t>CAST</a:t>
+            </a:r>
+            <a:r>
+              <a:rPr lang="en-US" sz="2400" dirty="0">
+                <a:solidFill>
+                  <a:srgbClr val="808080"/>
+                </a:solidFill>
+                <a:latin typeface="Consolas" panose="020B0609020204030204" pitchFamily="49" charset="0"/>
+              </a:rPr>
+              <a:t>(</a:t>
+            </a:r>
+            <a:r>
+              <a:rPr lang="en-US" sz="2400" dirty="0">
+                <a:solidFill>
+                  <a:srgbClr val="FF00FF"/>
+                </a:solidFill>
+                <a:latin typeface="Consolas" panose="020B0609020204030204" pitchFamily="49" charset="0"/>
+              </a:rPr>
+              <a:t>DATEADD</a:t>
+            </a:r>
+            <a:r>
+              <a:rPr lang="en-US" sz="2400" dirty="0">
+                <a:solidFill>
+                  <a:srgbClr val="808080"/>
+                </a:solidFill>
+                <a:latin typeface="Consolas" panose="020B0609020204030204" pitchFamily="49" charset="0"/>
+              </a:rPr>
+              <a:t>(</a:t>
+            </a:r>
+            <a:r>
+              <a:rPr lang="en-US" sz="2400" dirty="0">
+                <a:solidFill>
+                  <a:srgbClr val="FF00FF"/>
+                </a:solidFill>
+                <a:latin typeface="Consolas" panose="020B0609020204030204" pitchFamily="49" charset="0"/>
+              </a:rPr>
+              <a:t>SECOND</a:t>
+            </a:r>
+            <a:r>
+              <a:rPr lang="en-US" sz="2400" dirty="0">
+                <a:solidFill>
+                  <a:srgbClr val="808080"/>
+                </a:solidFill>
+                <a:latin typeface="Consolas" panose="020B0609020204030204" pitchFamily="49" charset="0"/>
+              </a:rPr>
+              <a:t>,</a:t>
+            </a:r>
+            <a:r>
+              <a:rPr lang="en-US" sz="2400" dirty="0">
+                <a:solidFill>
+                  <a:srgbClr val="000000"/>
+                </a:solidFill>
+                <a:latin typeface="Consolas" panose="020B0609020204030204" pitchFamily="49" charset="0"/>
+              </a:rPr>
+              <a:t> 10</a:t>
+            </a:r>
+            <a:r>
+              <a:rPr lang="en-US" sz="2400" dirty="0">
+                <a:solidFill>
+                  <a:srgbClr val="808080"/>
+                </a:solidFill>
+                <a:latin typeface="Consolas" panose="020B0609020204030204" pitchFamily="49" charset="0"/>
+              </a:rPr>
+              <a:t>,</a:t>
+            </a:r>
+            <a:r>
+              <a:rPr lang="en-US" sz="2400" dirty="0">
+                <a:solidFill>
+                  <a:srgbClr val="000000"/>
+                </a:solidFill>
+                <a:latin typeface="Consolas" panose="020B0609020204030204" pitchFamily="49" charset="0"/>
+              </a:rPr>
+              <a:t> </a:t>
+            </a:r>
+            <a:r>
+              <a:rPr lang="en-US" sz="2400" dirty="0">
+                <a:solidFill>
+                  <a:srgbClr val="FF00FF"/>
+                </a:solidFill>
+                <a:latin typeface="Consolas" panose="020B0609020204030204" pitchFamily="49" charset="0"/>
+              </a:rPr>
+              <a:t>CURRENT_TIMESTAMP</a:t>
+            </a:r>
+            <a:r>
+              <a:rPr lang="en-US" sz="2400" dirty="0">
+                <a:solidFill>
+                  <a:srgbClr val="808080"/>
+                </a:solidFill>
+                <a:latin typeface="Consolas" panose="020B0609020204030204" pitchFamily="49" charset="0"/>
+              </a:rPr>
+              <a:t>)</a:t>
+            </a:r>
+            <a:r>
+              <a:rPr lang="en-US" sz="2400" dirty="0">
+                <a:solidFill>
+                  <a:srgbClr val="000000"/>
+                </a:solidFill>
+                <a:latin typeface="Consolas" panose="020B0609020204030204" pitchFamily="49" charset="0"/>
+              </a:rPr>
+              <a:t> </a:t>
+            </a:r>
+            <a:r>
+              <a:rPr lang="en-US" sz="2400" dirty="0">
+                <a:solidFill>
+                  <a:srgbClr val="0000FF"/>
+                </a:solidFill>
+                <a:latin typeface="Consolas" panose="020B0609020204030204" pitchFamily="49" charset="0"/>
+              </a:rPr>
+              <a:t>AS</a:t>
+            </a:r>
+            <a:r>
+              <a:rPr lang="en-US" sz="2400" dirty="0">
+                <a:solidFill>
+                  <a:srgbClr val="000000"/>
+                </a:solidFill>
+                <a:latin typeface="Consolas" panose="020B0609020204030204" pitchFamily="49" charset="0"/>
+              </a:rPr>
+              <a:t> </a:t>
+            </a:r>
+            <a:r>
+              <a:rPr lang="en-US" sz="2400" dirty="0">
+                <a:solidFill>
+                  <a:srgbClr val="0000FF"/>
+                </a:solidFill>
+                <a:latin typeface="Consolas" panose="020B0609020204030204" pitchFamily="49" charset="0"/>
+              </a:rPr>
+              <a:t>TIME</a:t>
+            </a:r>
+            <a:r>
+              <a:rPr lang="en-US" sz="2400" dirty="0">
+                <a:solidFill>
+                  <a:srgbClr val="808080"/>
+                </a:solidFill>
+                <a:latin typeface="Consolas" panose="020B0609020204030204" pitchFamily="49" charset="0"/>
+              </a:rPr>
+              <a:t>);</a:t>
+            </a:r>
+            <a:endParaRPr lang="en-US" sz="2400" dirty="0">
+              <a:solidFill>
+                <a:srgbClr val="000000"/>
+              </a:solidFill>
+              <a:latin typeface="Consolas" panose="020B0609020204030204" pitchFamily="49" charset="0"/>
+            </a:endParaRPr>
+          </a:p>
+          <a:p>
+            <a:endParaRPr lang="en-US" sz="2400" dirty="0">
+              <a:solidFill>
+                <a:srgbClr val="000000"/>
+              </a:solidFill>
+              <a:latin typeface="Consolas" panose="020B0609020204030204" pitchFamily="49" charset="0"/>
+            </a:endParaRPr>
+          </a:p>
+          <a:p>
+            <a:pPr marL="0" indent="0">
+              <a:buNone/>
+            </a:pPr>
+            <a:r>
+              <a:rPr lang="en-US" sz="2400" dirty="0">
+                <a:solidFill>
+                  <a:srgbClr val="0000FF"/>
+                </a:solidFill>
+                <a:latin typeface="Consolas" panose="020B0609020204030204" pitchFamily="49" charset="0"/>
+              </a:rPr>
+              <a:t>WAITFOR</a:t>
+            </a:r>
+            <a:r>
+              <a:rPr lang="en-US" sz="2400" dirty="0">
+                <a:solidFill>
+                  <a:srgbClr val="000000"/>
+                </a:solidFill>
+                <a:latin typeface="Consolas" panose="020B0609020204030204" pitchFamily="49" charset="0"/>
+              </a:rPr>
+              <a:t> </a:t>
+            </a:r>
+            <a:r>
+              <a:rPr lang="en-US" sz="2400" dirty="0">
+                <a:solidFill>
+                  <a:srgbClr val="0000FF"/>
+                </a:solidFill>
+                <a:latin typeface="Consolas" panose="020B0609020204030204" pitchFamily="49" charset="0"/>
+              </a:rPr>
+              <a:t>TIME</a:t>
+            </a:r>
+            <a:r>
+              <a:rPr lang="en-US" sz="2400" dirty="0">
+                <a:solidFill>
+                  <a:srgbClr val="000000"/>
+                </a:solidFill>
+                <a:latin typeface="Consolas" panose="020B0609020204030204" pitchFamily="49" charset="0"/>
+              </a:rPr>
+              <a:t> @</a:t>
+            </a:r>
+            <a:r>
+              <a:rPr lang="en-US" sz="2400" dirty="0" err="1">
+                <a:solidFill>
+                  <a:srgbClr val="000000"/>
+                </a:solidFill>
+                <a:latin typeface="Consolas" panose="020B0609020204030204" pitchFamily="49" charset="0"/>
+              </a:rPr>
+              <a:t>waitfor</a:t>
+            </a:r>
+            <a:r>
+              <a:rPr lang="en-US" sz="2400" dirty="0">
+                <a:solidFill>
+                  <a:srgbClr val="808080"/>
+                </a:solidFill>
+                <a:latin typeface="Consolas" panose="020B0609020204030204" pitchFamily="49" charset="0"/>
+              </a:rPr>
+              <a:t>;</a:t>
+            </a:r>
+            <a:endParaRPr lang="en-US" sz="2400" dirty="0">
+              <a:solidFill>
+                <a:srgbClr val="000000"/>
+              </a:solidFill>
+              <a:latin typeface="Consolas" panose="020B0609020204030204" pitchFamily="49" charset="0"/>
+            </a:endParaRPr>
+          </a:p>
+          <a:p>
+            <a:endParaRPr lang="en-US" sz="2400" dirty="0">
+              <a:solidFill>
+                <a:srgbClr val="000000"/>
+              </a:solidFill>
+              <a:latin typeface="Consolas" panose="020B0609020204030204" pitchFamily="49" charset="0"/>
+            </a:endParaRPr>
+          </a:p>
+          <a:p>
+            <a:pPr marL="0" indent="0">
+              <a:buNone/>
+            </a:pPr>
+            <a:r>
+              <a:rPr lang="en-US" sz="2400" dirty="0">
+                <a:solidFill>
+                  <a:srgbClr val="0000FF"/>
+                </a:solidFill>
+                <a:latin typeface="Consolas" panose="020B0609020204030204" pitchFamily="49" charset="0"/>
+              </a:rPr>
+              <a:t>BEGIN</a:t>
+            </a:r>
+            <a:r>
+              <a:rPr lang="en-US" sz="2400" dirty="0">
+                <a:solidFill>
+                  <a:srgbClr val="000000"/>
+                </a:solidFill>
+                <a:latin typeface="Consolas" panose="020B0609020204030204" pitchFamily="49" charset="0"/>
+              </a:rPr>
+              <a:t> </a:t>
+            </a:r>
+            <a:r>
+              <a:rPr lang="en-US" sz="2400" dirty="0">
+                <a:solidFill>
+                  <a:srgbClr val="0000FF"/>
+                </a:solidFill>
+                <a:latin typeface="Consolas" panose="020B0609020204030204" pitchFamily="49" charset="0"/>
+              </a:rPr>
+              <a:t>TRANSACTION</a:t>
+            </a:r>
+            <a:endParaRPr lang="en-US" sz="2400" dirty="0">
+              <a:solidFill>
+                <a:srgbClr val="000000"/>
+              </a:solidFill>
+              <a:latin typeface="Consolas" panose="020B0609020204030204" pitchFamily="49" charset="0"/>
+            </a:endParaRPr>
+          </a:p>
+          <a:p>
+            <a:pPr marL="0" indent="0">
+              <a:buNone/>
+            </a:pPr>
+            <a:r>
+              <a:rPr lang="en-US" sz="2400" dirty="0">
+                <a:solidFill>
+                  <a:srgbClr val="0000FF"/>
+                </a:solidFill>
+                <a:latin typeface="Consolas" panose="020B0609020204030204" pitchFamily="49" charset="0"/>
+              </a:rPr>
+              <a:t>DROP</a:t>
+            </a:r>
+            <a:r>
+              <a:rPr lang="en-US" sz="2400" dirty="0">
+                <a:solidFill>
+                  <a:srgbClr val="000000"/>
+                </a:solidFill>
+                <a:latin typeface="Consolas" panose="020B0609020204030204" pitchFamily="49" charset="0"/>
+              </a:rPr>
+              <a:t> </a:t>
+            </a:r>
+            <a:r>
+              <a:rPr lang="en-US" sz="2400" dirty="0">
+                <a:solidFill>
+                  <a:srgbClr val="0000FF"/>
+                </a:solidFill>
+                <a:latin typeface="Consolas" panose="020B0609020204030204" pitchFamily="49" charset="0"/>
+              </a:rPr>
+              <a:t>TABLE</a:t>
+            </a:r>
+            <a:r>
+              <a:rPr lang="en-US" sz="2400" dirty="0">
+                <a:solidFill>
+                  <a:srgbClr val="000000"/>
+                </a:solidFill>
+                <a:latin typeface="Consolas" panose="020B0609020204030204" pitchFamily="49" charset="0"/>
+              </a:rPr>
+              <a:t> </a:t>
+            </a:r>
+            <a:r>
+              <a:rPr lang="en-US" sz="2400" dirty="0">
+                <a:solidFill>
+                  <a:srgbClr val="0000FF"/>
+                </a:solidFill>
+                <a:latin typeface="Consolas" panose="020B0609020204030204" pitchFamily="49" charset="0"/>
+              </a:rPr>
+              <a:t>IF</a:t>
+            </a:r>
+            <a:r>
+              <a:rPr lang="en-US" sz="2400" dirty="0">
+                <a:solidFill>
+                  <a:srgbClr val="000000"/>
+                </a:solidFill>
+                <a:latin typeface="Consolas" panose="020B0609020204030204" pitchFamily="49" charset="0"/>
+              </a:rPr>
+              <a:t> </a:t>
+            </a:r>
+            <a:r>
+              <a:rPr lang="en-US" sz="2400" dirty="0">
+                <a:solidFill>
+                  <a:srgbClr val="808080"/>
+                </a:solidFill>
+                <a:latin typeface="Consolas" panose="020B0609020204030204" pitchFamily="49" charset="0"/>
+              </a:rPr>
+              <a:t>EXISTS</a:t>
+            </a:r>
+            <a:r>
+              <a:rPr lang="en-US" sz="2400" dirty="0">
+                <a:solidFill>
+                  <a:srgbClr val="000000"/>
+                </a:solidFill>
+                <a:latin typeface="Consolas" panose="020B0609020204030204" pitchFamily="49" charset="0"/>
+              </a:rPr>
+              <a:t> dbo</a:t>
+            </a:r>
+            <a:r>
+              <a:rPr lang="en-US" sz="2400" dirty="0">
+                <a:solidFill>
+                  <a:srgbClr val="808080"/>
+                </a:solidFill>
+                <a:latin typeface="Consolas" panose="020B0609020204030204" pitchFamily="49" charset="0"/>
+              </a:rPr>
+              <a:t>.</a:t>
+            </a:r>
+            <a:r>
+              <a:rPr lang="en-US" sz="2400" dirty="0">
+                <a:solidFill>
+                  <a:srgbClr val="000000"/>
+                </a:solidFill>
+                <a:latin typeface="Consolas" panose="020B0609020204030204" pitchFamily="49" charset="0"/>
+              </a:rPr>
+              <a:t>fl1</a:t>
+            </a:r>
+            <a:r>
+              <a:rPr lang="en-US" sz="2400" dirty="0">
+                <a:solidFill>
+                  <a:srgbClr val="808080"/>
+                </a:solidFill>
+                <a:latin typeface="Consolas" panose="020B0609020204030204" pitchFamily="49" charset="0"/>
+              </a:rPr>
+              <a:t>,</a:t>
+            </a:r>
+            <a:r>
+              <a:rPr lang="en-US" sz="2400" dirty="0">
+                <a:solidFill>
+                  <a:srgbClr val="000000"/>
+                </a:solidFill>
+                <a:latin typeface="Consolas" panose="020B0609020204030204" pitchFamily="49" charset="0"/>
+              </a:rPr>
+              <a:t> dbo</a:t>
+            </a:r>
+            <a:r>
+              <a:rPr lang="en-US" sz="2400" dirty="0">
+                <a:solidFill>
+                  <a:srgbClr val="808080"/>
+                </a:solidFill>
+                <a:latin typeface="Consolas" panose="020B0609020204030204" pitchFamily="49" charset="0"/>
+              </a:rPr>
+              <a:t>.</a:t>
+            </a:r>
+            <a:r>
+              <a:rPr lang="en-US" sz="2400" dirty="0">
+                <a:solidFill>
+                  <a:srgbClr val="000000"/>
+                </a:solidFill>
+                <a:latin typeface="Consolas" panose="020B0609020204030204" pitchFamily="49" charset="0"/>
+              </a:rPr>
+              <a:t>fl2</a:t>
+            </a:r>
+            <a:r>
+              <a:rPr lang="en-US" sz="2400" dirty="0">
+                <a:solidFill>
+                  <a:srgbClr val="808080"/>
+                </a:solidFill>
+                <a:latin typeface="Consolas" panose="020B0609020204030204" pitchFamily="49" charset="0"/>
+              </a:rPr>
+              <a:t>,</a:t>
+            </a:r>
+            <a:r>
+              <a:rPr lang="en-US" sz="2400" dirty="0">
+                <a:solidFill>
+                  <a:srgbClr val="000000"/>
+                </a:solidFill>
+                <a:latin typeface="Consolas" panose="020B0609020204030204" pitchFamily="49" charset="0"/>
+              </a:rPr>
+              <a:t> dbo</a:t>
+            </a:r>
+            <a:r>
+              <a:rPr lang="en-US" sz="2400" dirty="0">
+                <a:solidFill>
+                  <a:srgbClr val="808080"/>
+                </a:solidFill>
+                <a:latin typeface="Consolas" panose="020B0609020204030204" pitchFamily="49" charset="0"/>
+              </a:rPr>
+              <a:t>.</a:t>
+            </a:r>
+            <a:r>
+              <a:rPr lang="en-US" sz="2400" dirty="0">
+                <a:solidFill>
+                  <a:srgbClr val="000000"/>
+                </a:solidFill>
+                <a:latin typeface="Consolas" panose="020B0609020204030204" pitchFamily="49" charset="0"/>
+              </a:rPr>
+              <a:t>fl3</a:t>
+            </a:r>
+            <a:r>
+              <a:rPr lang="en-US" sz="2400" dirty="0">
+                <a:solidFill>
+                  <a:srgbClr val="808080"/>
+                </a:solidFill>
+                <a:latin typeface="Consolas" panose="020B0609020204030204" pitchFamily="49" charset="0"/>
+              </a:rPr>
+              <a:t>;</a:t>
+            </a:r>
+            <a:endParaRPr lang="en-US" sz="2400" dirty="0">
+              <a:solidFill>
+                <a:srgbClr val="000000"/>
+              </a:solidFill>
+              <a:latin typeface="Consolas" panose="020B0609020204030204" pitchFamily="49" charset="0"/>
+            </a:endParaRPr>
+          </a:p>
+          <a:p>
+            <a:pPr marL="0" indent="0">
+              <a:buNone/>
+            </a:pPr>
+            <a:r>
+              <a:rPr lang="en-US" sz="2400" dirty="0">
+                <a:solidFill>
+                  <a:srgbClr val="0000FF"/>
+                </a:solidFill>
+                <a:latin typeface="Consolas" panose="020B0609020204030204" pitchFamily="49" charset="0"/>
+              </a:rPr>
+              <a:t>SELECT</a:t>
+            </a:r>
+            <a:r>
+              <a:rPr lang="en-US" sz="2400" dirty="0">
+                <a:solidFill>
+                  <a:srgbClr val="000000"/>
+                </a:solidFill>
+                <a:latin typeface="Consolas" panose="020B0609020204030204" pitchFamily="49" charset="0"/>
+              </a:rPr>
+              <a:t> s2</a:t>
+            </a:r>
+            <a:r>
+              <a:rPr lang="en-US" sz="2400" dirty="0">
+                <a:solidFill>
+                  <a:srgbClr val="808080"/>
+                </a:solidFill>
+                <a:latin typeface="Consolas" panose="020B0609020204030204" pitchFamily="49" charset="0"/>
+              </a:rPr>
+              <a:t>.*</a:t>
+            </a:r>
+            <a:r>
+              <a:rPr lang="en-US" sz="2400" dirty="0">
+                <a:solidFill>
+                  <a:srgbClr val="000000"/>
+                </a:solidFill>
+                <a:latin typeface="Consolas" panose="020B0609020204030204" pitchFamily="49" charset="0"/>
+              </a:rPr>
+              <a:t> </a:t>
+            </a:r>
+            <a:r>
+              <a:rPr lang="en-US" sz="2400" dirty="0">
+                <a:solidFill>
+                  <a:srgbClr val="0000FF"/>
+                </a:solidFill>
+                <a:latin typeface="Consolas" panose="020B0609020204030204" pitchFamily="49" charset="0"/>
+              </a:rPr>
+              <a:t>INTO</a:t>
+            </a:r>
+            <a:r>
+              <a:rPr lang="en-US" sz="2400" dirty="0">
+                <a:solidFill>
+                  <a:srgbClr val="000000"/>
+                </a:solidFill>
+                <a:latin typeface="Consolas" panose="020B0609020204030204" pitchFamily="49" charset="0"/>
+              </a:rPr>
+              <a:t> dbo</a:t>
+            </a:r>
+            <a:r>
+              <a:rPr lang="en-US" sz="2400" dirty="0">
+                <a:solidFill>
+                  <a:srgbClr val="808080"/>
+                </a:solidFill>
+                <a:latin typeface="Consolas" panose="020B0609020204030204" pitchFamily="49" charset="0"/>
+              </a:rPr>
+              <a:t>.</a:t>
+            </a:r>
+            <a:r>
+              <a:rPr lang="en-US" sz="2400" dirty="0">
+                <a:solidFill>
+                  <a:srgbClr val="000000"/>
+                </a:solidFill>
+                <a:latin typeface="Consolas" panose="020B0609020204030204" pitchFamily="49" charset="0"/>
+              </a:rPr>
+              <a:t>fl1 </a:t>
+            </a:r>
+            <a:r>
+              <a:rPr lang="en-US" sz="2400" dirty="0">
+                <a:solidFill>
+                  <a:srgbClr val="0000FF"/>
+                </a:solidFill>
+                <a:latin typeface="Consolas" panose="020B0609020204030204" pitchFamily="49" charset="0"/>
+              </a:rPr>
+              <a:t>FROM</a:t>
+            </a:r>
+            <a:r>
+              <a:rPr lang="en-US" sz="2400" dirty="0">
+                <a:solidFill>
+                  <a:srgbClr val="000000"/>
+                </a:solidFill>
+                <a:latin typeface="Consolas" panose="020B0609020204030204" pitchFamily="49" charset="0"/>
+              </a:rPr>
+              <a:t> </a:t>
+            </a:r>
+            <a:r>
+              <a:rPr lang="en-US" sz="2400" dirty="0" err="1">
+                <a:solidFill>
+                  <a:srgbClr val="00FF00"/>
+                </a:solidFill>
+                <a:latin typeface="Consolas" panose="020B0609020204030204" pitchFamily="49" charset="0"/>
+              </a:rPr>
+              <a:t>sys</a:t>
+            </a:r>
+            <a:r>
+              <a:rPr lang="en-US" sz="2400" dirty="0" err="1">
+                <a:solidFill>
+                  <a:srgbClr val="808080"/>
+                </a:solidFill>
+                <a:latin typeface="Consolas" panose="020B0609020204030204" pitchFamily="49" charset="0"/>
+              </a:rPr>
+              <a:t>.</a:t>
+            </a:r>
+            <a:r>
+              <a:rPr lang="en-US" sz="2400" dirty="0" err="1">
+                <a:solidFill>
+                  <a:srgbClr val="00FF00"/>
+                </a:solidFill>
+                <a:latin typeface="Consolas" panose="020B0609020204030204" pitchFamily="49" charset="0"/>
+              </a:rPr>
+              <a:t>all_columns</a:t>
+            </a:r>
+            <a:r>
+              <a:rPr lang="en-US" sz="2400" dirty="0">
+                <a:solidFill>
+                  <a:srgbClr val="000000"/>
+                </a:solidFill>
+                <a:latin typeface="Consolas" panose="020B0609020204030204" pitchFamily="49" charset="0"/>
+              </a:rPr>
+              <a:t> </a:t>
+            </a:r>
+            <a:r>
+              <a:rPr lang="en-US" sz="2400" dirty="0">
+                <a:solidFill>
+                  <a:srgbClr val="0000FF"/>
+                </a:solidFill>
+                <a:latin typeface="Consolas" panose="020B0609020204030204" pitchFamily="49" charset="0"/>
+              </a:rPr>
+              <a:t>AS</a:t>
+            </a:r>
+            <a:r>
+              <a:rPr lang="en-US" sz="2400" dirty="0">
+                <a:solidFill>
+                  <a:srgbClr val="000000"/>
+                </a:solidFill>
+                <a:latin typeface="Consolas" panose="020B0609020204030204" pitchFamily="49" charset="0"/>
+              </a:rPr>
+              <a:t> s1 </a:t>
+            </a:r>
+            <a:r>
+              <a:rPr lang="en-US" sz="2400" dirty="0">
+                <a:solidFill>
+                  <a:srgbClr val="808080"/>
+                </a:solidFill>
+                <a:latin typeface="Consolas" panose="020B0609020204030204" pitchFamily="49" charset="0"/>
+              </a:rPr>
+              <a:t>CROSS</a:t>
+            </a:r>
+            <a:r>
+              <a:rPr lang="en-US" sz="2400" dirty="0">
+                <a:solidFill>
+                  <a:srgbClr val="000000"/>
+                </a:solidFill>
+                <a:latin typeface="Consolas" panose="020B0609020204030204" pitchFamily="49" charset="0"/>
+              </a:rPr>
+              <a:t> </a:t>
+            </a:r>
+            <a:r>
+              <a:rPr lang="en-US" sz="2400" dirty="0">
+                <a:solidFill>
+                  <a:srgbClr val="808080"/>
+                </a:solidFill>
+                <a:latin typeface="Consolas" panose="020B0609020204030204" pitchFamily="49" charset="0"/>
+              </a:rPr>
+              <a:t>JOIN</a:t>
+            </a:r>
+            <a:r>
+              <a:rPr lang="en-US" sz="2400" dirty="0">
+                <a:solidFill>
+                  <a:srgbClr val="000000"/>
+                </a:solidFill>
+                <a:latin typeface="Consolas" panose="020B0609020204030204" pitchFamily="49" charset="0"/>
+              </a:rPr>
+              <a:t> </a:t>
+            </a:r>
+            <a:r>
+              <a:rPr lang="en-US" sz="2400" dirty="0" err="1">
+                <a:solidFill>
+                  <a:srgbClr val="00FF00"/>
+                </a:solidFill>
+                <a:latin typeface="Consolas" panose="020B0609020204030204" pitchFamily="49" charset="0"/>
+              </a:rPr>
+              <a:t>sys</a:t>
+            </a:r>
+            <a:r>
+              <a:rPr lang="en-US" sz="2400" dirty="0" err="1">
+                <a:solidFill>
+                  <a:srgbClr val="808080"/>
+                </a:solidFill>
+                <a:latin typeface="Consolas" panose="020B0609020204030204" pitchFamily="49" charset="0"/>
+              </a:rPr>
+              <a:t>.</a:t>
+            </a:r>
+            <a:r>
+              <a:rPr lang="en-US" sz="2400" dirty="0" err="1">
+                <a:solidFill>
+                  <a:srgbClr val="00FF00"/>
+                </a:solidFill>
+                <a:latin typeface="Consolas" panose="020B0609020204030204" pitchFamily="49" charset="0"/>
+              </a:rPr>
+              <a:t>all_objects</a:t>
+            </a:r>
+            <a:r>
+              <a:rPr lang="en-US" sz="2400" dirty="0">
+                <a:solidFill>
+                  <a:srgbClr val="000000"/>
+                </a:solidFill>
+                <a:latin typeface="Consolas" panose="020B0609020204030204" pitchFamily="49" charset="0"/>
+              </a:rPr>
+              <a:t> </a:t>
+            </a:r>
+            <a:r>
+              <a:rPr lang="en-US" sz="2400" dirty="0">
+                <a:solidFill>
+                  <a:srgbClr val="0000FF"/>
+                </a:solidFill>
+                <a:latin typeface="Consolas" panose="020B0609020204030204" pitchFamily="49" charset="0"/>
+              </a:rPr>
+              <a:t>AS</a:t>
+            </a:r>
+            <a:r>
+              <a:rPr lang="en-US" sz="2400" dirty="0">
+                <a:solidFill>
+                  <a:srgbClr val="000000"/>
+                </a:solidFill>
+                <a:latin typeface="Consolas" panose="020B0609020204030204" pitchFamily="49" charset="0"/>
+              </a:rPr>
+              <a:t> s2</a:t>
+            </a:r>
+            <a:r>
+              <a:rPr lang="en-US" sz="2400" dirty="0">
+                <a:solidFill>
+                  <a:srgbClr val="808080"/>
+                </a:solidFill>
+                <a:latin typeface="Consolas" panose="020B0609020204030204" pitchFamily="49" charset="0"/>
+              </a:rPr>
+              <a:t>;</a:t>
+            </a:r>
+            <a:endParaRPr lang="en-US" sz="2400" dirty="0">
+              <a:solidFill>
+                <a:srgbClr val="000000"/>
+              </a:solidFill>
+              <a:latin typeface="Consolas" panose="020B0609020204030204" pitchFamily="49" charset="0"/>
+            </a:endParaRPr>
+          </a:p>
+          <a:p>
+            <a:pPr marL="0" indent="0">
+              <a:buNone/>
+            </a:pPr>
+            <a:r>
+              <a:rPr lang="en-US" sz="2400" dirty="0">
+                <a:solidFill>
+                  <a:srgbClr val="0000FF"/>
+                </a:solidFill>
+                <a:latin typeface="Consolas" panose="020B0609020204030204" pitchFamily="49" charset="0"/>
+              </a:rPr>
+              <a:t>SELECT</a:t>
+            </a:r>
+            <a:r>
+              <a:rPr lang="en-US" sz="2400" dirty="0">
+                <a:solidFill>
+                  <a:srgbClr val="000000"/>
+                </a:solidFill>
+                <a:latin typeface="Consolas" panose="020B0609020204030204" pitchFamily="49" charset="0"/>
+              </a:rPr>
+              <a:t> s2</a:t>
+            </a:r>
+            <a:r>
+              <a:rPr lang="en-US" sz="2400" dirty="0">
+                <a:solidFill>
+                  <a:srgbClr val="808080"/>
+                </a:solidFill>
+                <a:latin typeface="Consolas" panose="020B0609020204030204" pitchFamily="49" charset="0"/>
+              </a:rPr>
+              <a:t>.*</a:t>
+            </a:r>
+            <a:r>
+              <a:rPr lang="en-US" sz="2400" dirty="0">
+                <a:solidFill>
+                  <a:srgbClr val="000000"/>
+                </a:solidFill>
+                <a:latin typeface="Consolas" panose="020B0609020204030204" pitchFamily="49" charset="0"/>
+              </a:rPr>
+              <a:t> </a:t>
+            </a:r>
+            <a:r>
+              <a:rPr lang="en-US" sz="2400" dirty="0">
+                <a:solidFill>
+                  <a:srgbClr val="0000FF"/>
+                </a:solidFill>
+                <a:latin typeface="Consolas" panose="020B0609020204030204" pitchFamily="49" charset="0"/>
+              </a:rPr>
+              <a:t>INTO</a:t>
+            </a:r>
+            <a:r>
+              <a:rPr lang="en-US" sz="2400" dirty="0">
+                <a:solidFill>
+                  <a:srgbClr val="000000"/>
+                </a:solidFill>
+                <a:latin typeface="Consolas" panose="020B0609020204030204" pitchFamily="49" charset="0"/>
+              </a:rPr>
+              <a:t> dbo</a:t>
+            </a:r>
+            <a:r>
+              <a:rPr lang="en-US" sz="2400" dirty="0">
+                <a:solidFill>
+                  <a:srgbClr val="808080"/>
+                </a:solidFill>
+                <a:latin typeface="Consolas" panose="020B0609020204030204" pitchFamily="49" charset="0"/>
+              </a:rPr>
+              <a:t>.</a:t>
+            </a:r>
+            <a:r>
+              <a:rPr lang="en-US" sz="2400" dirty="0">
+                <a:solidFill>
+                  <a:srgbClr val="000000"/>
+                </a:solidFill>
+                <a:latin typeface="Consolas" panose="020B0609020204030204" pitchFamily="49" charset="0"/>
+              </a:rPr>
+              <a:t>fl2 </a:t>
+            </a:r>
+            <a:r>
+              <a:rPr lang="en-US" sz="2400" dirty="0">
+                <a:solidFill>
+                  <a:srgbClr val="0000FF"/>
+                </a:solidFill>
+                <a:latin typeface="Consolas" panose="020B0609020204030204" pitchFamily="49" charset="0"/>
+              </a:rPr>
+              <a:t>FROM</a:t>
+            </a:r>
+            <a:r>
+              <a:rPr lang="en-US" sz="2400" dirty="0">
+                <a:solidFill>
+                  <a:srgbClr val="000000"/>
+                </a:solidFill>
+                <a:latin typeface="Consolas" panose="020B0609020204030204" pitchFamily="49" charset="0"/>
+              </a:rPr>
+              <a:t> </a:t>
+            </a:r>
+            <a:r>
+              <a:rPr lang="en-US" sz="2400" dirty="0" err="1">
+                <a:solidFill>
+                  <a:srgbClr val="00FF00"/>
+                </a:solidFill>
+                <a:latin typeface="Consolas" panose="020B0609020204030204" pitchFamily="49" charset="0"/>
+              </a:rPr>
+              <a:t>sys</a:t>
+            </a:r>
+            <a:r>
+              <a:rPr lang="en-US" sz="2400" dirty="0" err="1">
+                <a:solidFill>
+                  <a:srgbClr val="808080"/>
+                </a:solidFill>
+                <a:latin typeface="Consolas" panose="020B0609020204030204" pitchFamily="49" charset="0"/>
+              </a:rPr>
+              <a:t>.</a:t>
+            </a:r>
+            <a:r>
+              <a:rPr lang="en-US" sz="2400" dirty="0" err="1">
+                <a:solidFill>
+                  <a:srgbClr val="00FF00"/>
+                </a:solidFill>
+                <a:latin typeface="Consolas" panose="020B0609020204030204" pitchFamily="49" charset="0"/>
+              </a:rPr>
+              <a:t>all_columns</a:t>
+            </a:r>
+            <a:r>
+              <a:rPr lang="en-US" sz="2400" dirty="0">
+                <a:solidFill>
+                  <a:srgbClr val="000000"/>
+                </a:solidFill>
+                <a:latin typeface="Consolas" panose="020B0609020204030204" pitchFamily="49" charset="0"/>
+              </a:rPr>
+              <a:t> </a:t>
+            </a:r>
+            <a:r>
+              <a:rPr lang="en-US" sz="2400" dirty="0">
+                <a:solidFill>
+                  <a:srgbClr val="0000FF"/>
+                </a:solidFill>
+                <a:latin typeface="Consolas" panose="020B0609020204030204" pitchFamily="49" charset="0"/>
+              </a:rPr>
+              <a:t>AS</a:t>
+            </a:r>
+            <a:r>
+              <a:rPr lang="en-US" sz="2400" dirty="0">
+                <a:solidFill>
+                  <a:srgbClr val="000000"/>
+                </a:solidFill>
+                <a:latin typeface="Consolas" panose="020B0609020204030204" pitchFamily="49" charset="0"/>
+              </a:rPr>
+              <a:t> s1 </a:t>
+            </a:r>
+            <a:r>
+              <a:rPr lang="en-US" sz="2400" dirty="0">
+                <a:solidFill>
+                  <a:srgbClr val="808080"/>
+                </a:solidFill>
+                <a:latin typeface="Consolas" panose="020B0609020204030204" pitchFamily="49" charset="0"/>
+              </a:rPr>
+              <a:t>CROSS</a:t>
+            </a:r>
+            <a:r>
+              <a:rPr lang="en-US" sz="2400" dirty="0">
+                <a:solidFill>
+                  <a:srgbClr val="000000"/>
+                </a:solidFill>
+                <a:latin typeface="Consolas" panose="020B0609020204030204" pitchFamily="49" charset="0"/>
+              </a:rPr>
+              <a:t> </a:t>
+            </a:r>
+            <a:r>
+              <a:rPr lang="en-US" sz="2400" dirty="0">
+                <a:solidFill>
+                  <a:srgbClr val="808080"/>
+                </a:solidFill>
+                <a:latin typeface="Consolas" panose="020B0609020204030204" pitchFamily="49" charset="0"/>
+              </a:rPr>
+              <a:t>JOIN</a:t>
+            </a:r>
+            <a:r>
+              <a:rPr lang="en-US" sz="2400" dirty="0">
+                <a:solidFill>
+                  <a:srgbClr val="000000"/>
+                </a:solidFill>
+                <a:latin typeface="Consolas" panose="020B0609020204030204" pitchFamily="49" charset="0"/>
+              </a:rPr>
+              <a:t> </a:t>
+            </a:r>
+            <a:r>
+              <a:rPr lang="en-US" sz="2400" dirty="0" err="1">
+                <a:solidFill>
+                  <a:srgbClr val="00FF00"/>
+                </a:solidFill>
+                <a:latin typeface="Consolas" panose="020B0609020204030204" pitchFamily="49" charset="0"/>
+              </a:rPr>
+              <a:t>sys</a:t>
+            </a:r>
+            <a:r>
+              <a:rPr lang="en-US" sz="2400" dirty="0" err="1">
+                <a:solidFill>
+                  <a:srgbClr val="808080"/>
+                </a:solidFill>
+                <a:latin typeface="Consolas" panose="020B0609020204030204" pitchFamily="49" charset="0"/>
+              </a:rPr>
+              <a:t>.</a:t>
+            </a:r>
+            <a:r>
+              <a:rPr lang="en-US" sz="2400" dirty="0" err="1">
+                <a:solidFill>
+                  <a:srgbClr val="00FF00"/>
+                </a:solidFill>
+                <a:latin typeface="Consolas" panose="020B0609020204030204" pitchFamily="49" charset="0"/>
+              </a:rPr>
+              <a:t>all_objects</a:t>
+            </a:r>
+            <a:r>
+              <a:rPr lang="en-US" sz="2400" dirty="0">
+                <a:solidFill>
+                  <a:srgbClr val="000000"/>
+                </a:solidFill>
+                <a:latin typeface="Consolas" panose="020B0609020204030204" pitchFamily="49" charset="0"/>
+              </a:rPr>
+              <a:t> </a:t>
+            </a:r>
+            <a:r>
+              <a:rPr lang="en-US" sz="2400" dirty="0">
+                <a:solidFill>
+                  <a:srgbClr val="0000FF"/>
+                </a:solidFill>
+                <a:latin typeface="Consolas" panose="020B0609020204030204" pitchFamily="49" charset="0"/>
+              </a:rPr>
+              <a:t>AS</a:t>
+            </a:r>
+            <a:r>
+              <a:rPr lang="en-US" sz="2400" dirty="0">
+                <a:solidFill>
+                  <a:srgbClr val="000000"/>
+                </a:solidFill>
+                <a:latin typeface="Consolas" panose="020B0609020204030204" pitchFamily="49" charset="0"/>
+              </a:rPr>
+              <a:t> s2</a:t>
+            </a:r>
+            <a:r>
+              <a:rPr lang="en-US" sz="2400" dirty="0">
+                <a:solidFill>
+                  <a:srgbClr val="808080"/>
+                </a:solidFill>
+                <a:latin typeface="Consolas" panose="020B0609020204030204" pitchFamily="49" charset="0"/>
+              </a:rPr>
+              <a:t>;</a:t>
+            </a:r>
+            <a:endParaRPr lang="en-US" sz="2400" dirty="0">
+              <a:solidFill>
+                <a:srgbClr val="000000"/>
+              </a:solidFill>
+              <a:latin typeface="Consolas" panose="020B0609020204030204" pitchFamily="49" charset="0"/>
+            </a:endParaRPr>
+          </a:p>
+          <a:p>
+            <a:pPr marL="0" indent="0">
+              <a:buNone/>
+            </a:pPr>
+            <a:r>
+              <a:rPr lang="en-US" sz="2400" dirty="0">
+                <a:solidFill>
+                  <a:srgbClr val="0000FF"/>
+                </a:solidFill>
+                <a:latin typeface="Consolas" panose="020B0609020204030204" pitchFamily="49" charset="0"/>
+              </a:rPr>
+              <a:t>SELECT</a:t>
+            </a:r>
+            <a:r>
+              <a:rPr lang="en-US" sz="2400" dirty="0">
+                <a:solidFill>
+                  <a:srgbClr val="000000"/>
+                </a:solidFill>
+                <a:latin typeface="Consolas" panose="020B0609020204030204" pitchFamily="49" charset="0"/>
+              </a:rPr>
+              <a:t> s2</a:t>
+            </a:r>
+            <a:r>
+              <a:rPr lang="en-US" sz="2400" dirty="0">
+                <a:solidFill>
+                  <a:srgbClr val="808080"/>
+                </a:solidFill>
+                <a:latin typeface="Consolas" panose="020B0609020204030204" pitchFamily="49" charset="0"/>
+              </a:rPr>
+              <a:t>.*</a:t>
+            </a:r>
+            <a:r>
+              <a:rPr lang="en-US" sz="2400" dirty="0">
+                <a:solidFill>
+                  <a:srgbClr val="000000"/>
+                </a:solidFill>
+                <a:latin typeface="Consolas" panose="020B0609020204030204" pitchFamily="49" charset="0"/>
+              </a:rPr>
+              <a:t> </a:t>
+            </a:r>
+            <a:r>
+              <a:rPr lang="en-US" sz="2400" dirty="0">
+                <a:solidFill>
+                  <a:srgbClr val="0000FF"/>
+                </a:solidFill>
+                <a:latin typeface="Consolas" panose="020B0609020204030204" pitchFamily="49" charset="0"/>
+              </a:rPr>
+              <a:t>INTO</a:t>
+            </a:r>
+            <a:r>
+              <a:rPr lang="en-US" sz="2400" dirty="0">
+                <a:solidFill>
+                  <a:srgbClr val="000000"/>
+                </a:solidFill>
+                <a:latin typeface="Consolas" panose="020B0609020204030204" pitchFamily="49" charset="0"/>
+              </a:rPr>
+              <a:t> dbo</a:t>
+            </a:r>
+            <a:r>
+              <a:rPr lang="en-US" sz="2400" dirty="0">
+                <a:solidFill>
+                  <a:srgbClr val="808080"/>
+                </a:solidFill>
+                <a:latin typeface="Consolas" panose="020B0609020204030204" pitchFamily="49" charset="0"/>
+              </a:rPr>
+              <a:t>.</a:t>
+            </a:r>
+            <a:r>
+              <a:rPr lang="en-US" sz="2400" dirty="0">
+                <a:solidFill>
+                  <a:srgbClr val="000000"/>
+                </a:solidFill>
+                <a:latin typeface="Consolas" panose="020B0609020204030204" pitchFamily="49" charset="0"/>
+              </a:rPr>
+              <a:t>fl3 </a:t>
+            </a:r>
+            <a:r>
+              <a:rPr lang="en-US" sz="2400" dirty="0">
+                <a:solidFill>
+                  <a:srgbClr val="0000FF"/>
+                </a:solidFill>
+                <a:latin typeface="Consolas" panose="020B0609020204030204" pitchFamily="49" charset="0"/>
+              </a:rPr>
+              <a:t>FROM</a:t>
+            </a:r>
+            <a:r>
+              <a:rPr lang="en-US" sz="2400" dirty="0">
+                <a:solidFill>
+                  <a:srgbClr val="000000"/>
+                </a:solidFill>
+                <a:latin typeface="Consolas" panose="020B0609020204030204" pitchFamily="49" charset="0"/>
+              </a:rPr>
+              <a:t> </a:t>
+            </a:r>
+            <a:r>
+              <a:rPr lang="en-US" sz="2400" dirty="0" err="1">
+                <a:solidFill>
+                  <a:srgbClr val="00FF00"/>
+                </a:solidFill>
+                <a:latin typeface="Consolas" panose="020B0609020204030204" pitchFamily="49" charset="0"/>
+              </a:rPr>
+              <a:t>sys</a:t>
+            </a:r>
+            <a:r>
+              <a:rPr lang="en-US" sz="2400" dirty="0" err="1">
+                <a:solidFill>
+                  <a:srgbClr val="808080"/>
+                </a:solidFill>
+                <a:latin typeface="Consolas" panose="020B0609020204030204" pitchFamily="49" charset="0"/>
+              </a:rPr>
+              <a:t>.</a:t>
+            </a:r>
+            <a:r>
+              <a:rPr lang="en-US" sz="2400" dirty="0" err="1">
+                <a:solidFill>
+                  <a:srgbClr val="00FF00"/>
+                </a:solidFill>
+                <a:latin typeface="Consolas" panose="020B0609020204030204" pitchFamily="49" charset="0"/>
+              </a:rPr>
+              <a:t>all_columns</a:t>
+            </a:r>
+            <a:r>
+              <a:rPr lang="en-US" sz="2400" dirty="0">
+                <a:solidFill>
+                  <a:srgbClr val="000000"/>
+                </a:solidFill>
+                <a:latin typeface="Consolas" panose="020B0609020204030204" pitchFamily="49" charset="0"/>
+              </a:rPr>
+              <a:t> </a:t>
+            </a:r>
+            <a:r>
+              <a:rPr lang="en-US" sz="2400" dirty="0">
+                <a:solidFill>
+                  <a:srgbClr val="0000FF"/>
+                </a:solidFill>
+                <a:latin typeface="Consolas" panose="020B0609020204030204" pitchFamily="49" charset="0"/>
+              </a:rPr>
+              <a:t>AS</a:t>
+            </a:r>
+            <a:r>
+              <a:rPr lang="en-US" sz="2400" dirty="0">
+                <a:solidFill>
+                  <a:srgbClr val="000000"/>
+                </a:solidFill>
+                <a:latin typeface="Consolas" panose="020B0609020204030204" pitchFamily="49" charset="0"/>
+              </a:rPr>
+              <a:t> s1 </a:t>
+            </a:r>
+            <a:r>
+              <a:rPr lang="en-US" sz="2400" dirty="0">
+                <a:solidFill>
+                  <a:srgbClr val="808080"/>
+                </a:solidFill>
+                <a:latin typeface="Consolas" panose="020B0609020204030204" pitchFamily="49" charset="0"/>
+              </a:rPr>
+              <a:t>CROSS</a:t>
+            </a:r>
+            <a:r>
+              <a:rPr lang="en-US" sz="2400" dirty="0">
+                <a:solidFill>
+                  <a:srgbClr val="000000"/>
+                </a:solidFill>
+                <a:latin typeface="Consolas" panose="020B0609020204030204" pitchFamily="49" charset="0"/>
+              </a:rPr>
+              <a:t> </a:t>
+            </a:r>
+            <a:r>
+              <a:rPr lang="en-US" sz="2400" dirty="0">
+                <a:solidFill>
+                  <a:srgbClr val="808080"/>
+                </a:solidFill>
+                <a:latin typeface="Consolas" panose="020B0609020204030204" pitchFamily="49" charset="0"/>
+              </a:rPr>
+              <a:t>JOIN</a:t>
+            </a:r>
+            <a:r>
+              <a:rPr lang="en-US" sz="2400" dirty="0">
+                <a:solidFill>
+                  <a:srgbClr val="000000"/>
+                </a:solidFill>
+                <a:latin typeface="Consolas" panose="020B0609020204030204" pitchFamily="49" charset="0"/>
+              </a:rPr>
+              <a:t> </a:t>
+            </a:r>
+            <a:r>
+              <a:rPr lang="en-US" sz="2400" dirty="0" err="1">
+                <a:solidFill>
+                  <a:srgbClr val="00FF00"/>
+                </a:solidFill>
+                <a:latin typeface="Consolas" panose="020B0609020204030204" pitchFamily="49" charset="0"/>
+              </a:rPr>
+              <a:t>sys</a:t>
+            </a:r>
+            <a:r>
+              <a:rPr lang="en-US" sz="2400" dirty="0" err="1">
+                <a:solidFill>
+                  <a:srgbClr val="808080"/>
+                </a:solidFill>
+                <a:latin typeface="Consolas" panose="020B0609020204030204" pitchFamily="49" charset="0"/>
+              </a:rPr>
+              <a:t>.</a:t>
+            </a:r>
+            <a:r>
+              <a:rPr lang="en-US" sz="2400" dirty="0" err="1">
+                <a:solidFill>
+                  <a:srgbClr val="00FF00"/>
+                </a:solidFill>
+                <a:latin typeface="Consolas" panose="020B0609020204030204" pitchFamily="49" charset="0"/>
+              </a:rPr>
+              <a:t>all_objects</a:t>
+            </a:r>
+            <a:r>
+              <a:rPr lang="en-US" sz="2400" dirty="0">
+                <a:solidFill>
+                  <a:srgbClr val="000000"/>
+                </a:solidFill>
+                <a:latin typeface="Consolas" panose="020B0609020204030204" pitchFamily="49" charset="0"/>
+              </a:rPr>
+              <a:t> </a:t>
+            </a:r>
+            <a:r>
+              <a:rPr lang="en-US" sz="2400" dirty="0">
+                <a:solidFill>
+                  <a:srgbClr val="0000FF"/>
+                </a:solidFill>
+                <a:latin typeface="Consolas" panose="020B0609020204030204" pitchFamily="49" charset="0"/>
+              </a:rPr>
+              <a:t>AS</a:t>
+            </a:r>
+            <a:r>
+              <a:rPr lang="en-US" sz="2400" dirty="0">
+                <a:solidFill>
+                  <a:srgbClr val="000000"/>
+                </a:solidFill>
+                <a:latin typeface="Consolas" panose="020B0609020204030204" pitchFamily="49" charset="0"/>
+              </a:rPr>
+              <a:t> s2</a:t>
+            </a:r>
+            <a:r>
+              <a:rPr lang="en-US" sz="2400" dirty="0">
+                <a:solidFill>
+                  <a:srgbClr val="808080"/>
+                </a:solidFill>
+                <a:latin typeface="Consolas" panose="020B0609020204030204" pitchFamily="49" charset="0"/>
+              </a:rPr>
+              <a:t>;</a:t>
+            </a:r>
+            <a:endParaRPr lang="en-US" dirty="0"/>
+          </a:p>
+        </p:txBody>
+      </p:sp>
+    </p:spTree>
+    <p:extLst>
+      <p:ext uri="{BB962C8B-B14F-4D97-AF65-F5344CB8AC3E}">
+        <p14:creationId xmlns:p14="http://schemas.microsoft.com/office/powerpoint/2010/main" val="3167236336"/>
+      </p:ext>
+    </p:extLst>
+  </p:cSld>
+  <p:clrMapOvr>
+    <a:masterClrMapping/>
+  </p:clrMapOvr>
+</p:sld>
+</file>
+
+<file path=ppt/slides/slide32.xml><?xml version="1.0" encoding="utf-8"?>
 <p:sld xmlns:a="http://schemas.openxmlformats.org/drawingml/2006/main" xmlns:r="http://schemas.openxmlformats.org/officeDocument/2006/relationships" xmlns:p="http://schemas.openxmlformats.org/presentationml/2006/main">
   <p:cSld>
     <p:spTree>

--- a/AcceleratedDatabaseRecovery/AcceleratedDatabaseRecovery.pptx
+++ b/AcceleratedDatabaseRecovery/AcceleratedDatabaseRecovery.pptx
@@ -37,6 +37,8 @@
     <p:sldId id="287" r:id="rId31"/>
     <p:sldId id="288" r:id="rId32"/>
     <p:sldId id="289" r:id="rId33"/>
+    <p:sldId id="294" r:id="rId34"/>
+    <p:sldId id="295" r:id="rId35"/>
   </p:sldIdLst>
   <p:sldSz cx="12192000" cy="6858000"/>
   <p:notesSz cx="6858000" cy="9144000"/>
@@ -11069,7 +11071,7 @@
           <a:p>
             <a:r>
               <a:rPr lang="en-US" dirty="0"/>
-              <a:t>The Future</a:t>
+              <a:t>The Future!!!</a:t>
             </a:r>
           </a:p>
         </p:txBody>
@@ -17632,6 +17634,278 @@
     <p:extLst>
       <p:ext uri="{BB962C8B-B14F-4D97-AF65-F5344CB8AC3E}">
         <p14:creationId xmlns:p14="http://schemas.microsoft.com/office/powerpoint/2010/main" val="4162714264"/>
+      </p:ext>
+    </p:extLst>
+  </p:cSld>
+  <p:clrMapOvr>
+    <a:masterClrMapping/>
+  </p:clrMapOvr>
+</p:sld>
+</file>
+
+<file path=ppt/slides/slide33.xml><?xml version="1.0" encoding="utf-8"?>
+<p:sld xmlns:a="http://schemas.openxmlformats.org/drawingml/2006/main" xmlns:r="http://schemas.openxmlformats.org/officeDocument/2006/relationships" xmlns:p="http://schemas.openxmlformats.org/presentationml/2006/main">
+  <p:cSld>
+    <p:spTree>
+      <p:nvGrpSpPr>
+        <p:cNvPr id="1" name=""/>
+        <p:cNvGrpSpPr/>
+        <p:nvPr/>
+      </p:nvGrpSpPr>
+      <p:grpSpPr>
+        <a:xfrm>
+          <a:off x="0" y="0"/>
+          <a:ext cx="0" cy="0"/>
+          <a:chOff x="0" y="0"/>
+          <a:chExt cx="0" cy="0"/>
+        </a:xfrm>
+      </p:grpSpPr>
+      <p:sp>
+        <p:nvSpPr>
+          <p:cNvPr id="2" name="Title 1">
+            <a:extLst>
+              <a:ext uri="{FF2B5EF4-FFF2-40B4-BE49-F238E27FC236}">
+                <a16:creationId xmlns:a16="http://schemas.microsoft.com/office/drawing/2014/main" id="{26599BA1-CC99-4CE4-A22E-24E787D5EAEE}"/>
+              </a:ext>
+            </a:extLst>
+          </p:cNvPr>
+          <p:cNvSpPr>
+            <a:spLocks noGrp="1"/>
+          </p:cNvSpPr>
+          <p:nvPr>
+            <p:ph type="title"/>
+          </p:nvPr>
+        </p:nvSpPr>
+        <p:spPr/>
+        <p:txBody>
+          <a:bodyPr/>
+          <a:lstStyle/>
+          <a:p>
+            <a:r>
+              <a:rPr lang="en-US" dirty="0"/>
+              <a:t>What We Have Covered</a:t>
+            </a:r>
+          </a:p>
+        </p:txBody>
+      </p:sp>
+      <p:sp>
+        <p:nvSpPr>
+          <p:cNvPr id="3" name="Content Placeholder 2">
+            <a:extLst>
+              <a:ext uri="{FF2B5EF4-FFF2-40B4-BE49-F238E27FC236}">
+                <a16:creationId xmlns:a16="http://schemas.microsoft.com/office/drawing/2014/main" id="{BB5A33F1-1212-4885-A55A-B2D13FDC9A5E}"/>
+              </a:ext>
+            </a:extLst>
+          </p:cNvPr>
+          <p:cNvSpPr>
+            <a:spLocks noGrp="1"/>
+          </p:cNvSpPr>
+          <p:nvPr>
+            <p:ph idx="1"/>
+          </p:nvPr>
+        </p:nvSpPr>
+        <p:spPr/>
+        <p:txBody>
+          <a:bodyPr/>
+          <a:lstStyle/>
+          <a:p>
+            <a:pPr marL="0" indent="0">
+              <a:buNone/>
+            </a:pPr>
+            <a:r>
+              <a:rPr lang="en-US" dirty="0"/>
+              <a:t>Transactions</a:t>
+            </a:r>
+          </a:p>
+          <a:p>
+            <a:pPr marL="0" indent="0">
+              <a:buNone/>
+            </a:pPr>
+            <a:r>
+              <a:rPr lang="en-US" dirty="0"/>
+              <a:t>Transaction log</a:t>
+            </a:r>
+          </a:p>
+          <a:p>
+            <a:pPr marL="0" indent="0">
+              <a:buNone/>
+            </a:pPr>
+            <a:r>
+              <a:rPr lang="en-US" dirty="0"/>
+              <a:t>Transaction log architecture</a:t>
+            </a:r>
+          </a:p>
+          <a:p>
+            <a:pPr marL="0" indent="0">
+              <a:buNone/>
+            </a:pPr>
+            <a:r>
+              <a:rPr lang="en-US" dirty="0"/>
+              <a:t>Current crash recovery process</a:t>
+            </a:r>
+          </a:p>
+          <a:p>
+            <a:pPr marL="0" indent="0">
+              <a:buNone/>
+            </a:pPr>
+            <a:r>
+              <a:rPr lang="en-US" dirty="0"/>
+              <a:t>Accelerated Database Recovery (ADR)</a:t>
+            </a:r>
+          </a:p>
+          <a:p>
+            <a:pPr marL="0" indent="0">
+              <a:buNone/>
+            </a:pPr>
+            <a:r>
+              <a:rPr lang="en-US" dirty="0"/>
+              <a:t>ADR crash recovery process</a:t>
+            </a:r>
+          </a:p>
+          <a:p>
+            <a:pPr marL="0" indent="0">
+              <a:buNone/>
+            </a:pPr>
+            <a:endParaRPr lang="en-US" dirty="0"/>
+          </a:p>
+        </p:txBody>
+      </p:sp>
+    </p:spTree>
+    <p:extLst>
+      <p:ext uri="{BB962C8B-B14F-4D97-AF65-F5344CB8AC3E}">
+        <p14:creationId xmlns:p14="http://schemas.microsoft.com/office/powerpoint/2010/main" val="2904650705"/>
+      </p:ext>
+    </p:extLst>
+  </p:cSld>
+  <p:clrMapOvr>
+    <a:masterClrMapping/>
+  </p:clrMapOvr>
+</p:sld>
+</file>
+
+<file path=ppt/slides/slide34.xml><?xml version="1.0" encoding="utf-8"?>
+<p:sld xmlns:a="http://schemas.openxmlformats.org/drawingml/2006/main" xmlns:r="http://schemas.openxmlformats.org/officeDocument/2006/relationships" xmlns:p="http://schemas.openxmlformats.org/presentationml/2006/main">
+  <p:cSld>
+    <p:spTree>
+      <p:nvGrpSpPr>
+        <p:cNvPr id="1" name=""/>
+        <p:cNvGrpSpPr/>
+        <p:nvPr/>
+      </p:nvGrpSpPr>
+      <p:grpSpPr>
+        <a:xfrm>
+          <a:off x="0" y="0"/>
+          <a:ext cx="0" cy="0"/>
+          <a:chOff x="0" y="0"/>
+          <a:chExt cx="0" cy="0"/>
+        </a:xfrm>
+      </p:grpSpPr>
+      <p:sp>
+        <p:nvSpPr>
+          <p:cNvPr id="2" name="Title 1">
+            <a:extLst>
+              <a:ext uri="{FF2B5EF4-FFF2-40B4-BE49-F238E27FC236}">
+                <a16:creationId xmlns:a16="http://schemas.microsoft.com/office/drawing/2014/main" id="{8CECAC6E-8E70-4603-842F-E53B3DF20793}"/>
+              </a:ext>
+            </a:extLst>
+          </p:cNvPr>
+          <p:cNvSpPr>
+            <a:spLocks noGrp="1"/>
+          </p:cNvSpPr>
+          <p:nvPr>
+            <p:ph type="title"/>
+          </p:nvPr>
+        </p:nvSpPr>
+        <p:spPr/>
+        <p:txBody>
+          <a:bodyPr/>
+          <a:lstStyle/>
+          <a:p>
+            <a:r>
+              <a:rPr lang="en-US" dirty="0"/>
+              <a:t>Resources</a:t>
+            </a:r>
+          </a:p>
+        </p:txBody>
+      </p:sp>
+      <p:sp>
+        <p:nvSpPr>
+          <p:cNvPr id="3" name="Content Placeholder 2">
+            <a:extLst>
+              <a:ext uri="{FF2B5EF4-FFF2-40B4-BE49-F238E27FC236}">
+                <a16:creationId xmlns:a16="http://schemas.microsoft.com/office/drawing/2014/main" id="{C7E82892-220B-4D53-9DF2-ACEC701E0B1A}"/>
+              </a:ext>
+            </a:extLst>
+          </p:cNvPr>
+          <p:cNvSpPr>
+            <a:spLocks noGrp="1"/>
+          </p:cNvSpPr>
+          <p:nvPr>
+            <p:ph idx="1"/>
+          </p:nvPr>
+        </p:nvSpPr>
+        <p:spPr/>
+        <p:txBody>
+          <a:bodyPr/>
+          <a:lstStyle/>
+          <a:p>
+            <a:pPr marL="0" indent="0">
+              <a:buNone/>
+            </a:pPr>
+            <a:r>
+              <a:rPr lang="en-US" dirty="0"/>
+              <a:t>Accelerated Database Recovery Overview - </a:t>
+            </a:r>
+            <a:r>
+              <a:rPr lang="en-US" dirty="0">
+                <a:hlinkClick r:id="rId2"/>
+              </a:rPr>
+              <a:t>https://docs.microsoft.com/en-us/azure/sql-database/sql-database-accelerated-database-recovery</a:t>
+            </a:r>
+            <a:endParaRPr lang="en-US" dirty="0"/>
+          </a:p>
+          <a:p>
+            <a:pPr marL="0" indent="0">
+              <a:buNone/>
+            </a:pPr>
+            <a:r>
+              <a:rPr lang="en-US" dirty="0"/>
+              <a:t>Aaron Bertrand on ADR (source for the queries used) - </a:t>
+            </a:r>
+            <a:r>
+              <a:rPr lang="en-US" dirty="0">
+                <a:hlinkClick r:id="rId3"/>
+              </a:rPr>
+              <a:t>https://www.mssqltips.com/sqlservertip/5971/accelerated-database-recovery-in-sql-server-2019/</a:t>
+            </a:r>
+            <a:endParaRPr lang="en-US" dirty="0"/>
+          </a:p>
+          <a:p>
+            <a:pPr marL="0" indent="0">
+              <a:buNone/>
+            </a:pPr>
+            <a:r>
+              <a:rPr lang="en-US" dirty="0"/>
+              <a:t>The Future of the Future</a:t>
+            </a:r>
+            <a:r>
+              <a:rPr lang="en-US"/>
+              <a:t>, Hyperscale - </a:t>
+            </a:r>
+            <a:r>
+              <a:rPr lang="en-US">
+                <a:hlinkClick r:id="rId4"/>
+              </a:rPr>
+              <a:t>https://docs.microsoft.com/en-us/azure/sql-database/sql-database-service-tier-hyperscale</a:t>
+            </a:r>
+            <a:endParaRPr lang="en-US" dirty="0"/>
+          </a:p>
+        </p:txBody>
+      </p:sp>
+    </p:spTree>
+    <p:extLst>
+      <p:ext uri="{BB962C8B-B14F-4D97-AF65-F5344CB8AC3E}">
+        <p14:creationId xmlns:p14="http://schemas.microsoft.com/office/powerpoint/2010/main" val="527047520"/>
       </p:ext>
     </p:extLst>
   </p:cSld>

--- a/AcceleratedDatabaseRecovery/AcceleratedDatabaseRecovery.pptx
+++ b/AcceleratedDatabaseRecovery/AcceleratedDatabaseRecovery.pptx
@@ -26,19 +26,20 @@
     <p:sldId id="276" r:id="rId20"/>
     <p:sldId id="291" r:id="rId21"/>
     <p:sldId id="277" r:id="rId22"/>
-    <p:sldId id="278" r:id="rId23"/>
-    <p:sldId id="280" r:id="rId24"/>
-    <p:sldId id="281" r:id="rId25"/>
-    <p:sldId id="283" r:id="rId26"/>
-    <p:sldId id="284" r:id="rId27"/>
-    <p:sldId id="293" r:id="rId28"/>
-    <p:sldId id="286" r:id="rId29"/>
-    <p:sldId id="285" r:id="rId30"/>
-    <p:sldId id="287" r:id="rId31"/>
-    <p:sldId id="288" r:id="rId32"/>
-    <p:sldId id="289" r:id="rId33"/>
-    <p:sldId id="294" r:id="rId34"/>
-    <p:sldId id="295" r:id="rId35"/>
+    <p:sldId id="296" r:id="rId23"/>
+    <p:sldId id="278" r:id="rId24"/>
+    <p:sldId id="280" r:id="rId25"/>
+    <p:sldId id="281" r:id="rId26"/>
+    <p:sldId id="283" r:id="rId27"/>
+    <p:sldId id="284" r:id="rId28"/>
+    <p:sldId id="293" r:id="rId29"/>
+    <p:sldId id="286" r:id="rId30"/>
+    <p:sldId id="285" r:id="rId31"/>
+    <p:sldId id="287" r:id="rId32"/>
+    <p:sldId id="288" r:id="rId33"/>
+    <p:sldId id="289" r:id="rId34"/>
+    <p:sldId id="294" r:id="rId35"/>
+    <p:sldId id="295" r:id="rId36"/>
   </p:sldIdLst>
   <p:sldSz cx="12192000" cy="6858000"/>
   <p:notesSz cx="6858000" cy="9144000"/>
@@ -315,7 +316,7 @@
           <a:p>
             <a:fld id="{48A87A34-81AB-432B-8DAE-1953F412C126}" type="datetimeFigureOut">
               <a:rPr lang="en-US" dirty="0"/>
-              <a:t>6/20/2019</a:t>
+              <a:t>6/22/2019</a:t>
             </a:fld>
             <a:endParaRPr lang="en-US" dirty="0"/>
           </a:p>
@@ -576,7 +577,7 @@
           <a:p>
             <a:fld id="{48A87A34-81AB-432B-8DAE-1953F412C126}" type="datetimeFigureOut">
               <a:rPr lang="en-US" dirty="0"/>
-              <a:t>6/20/2019</a:t>
+              <a:t>6/22/2019</a:t>
             </a:fld>
             <a:endParaRPr lang="en-US" dirty="0"/>
           </a:p>
@@ -803,7 +804,7 @@
             <a:fld id="{48A87A34-81AB-432B-8DAE-1953F412C126}" type="datetimeFigureOut">
               <a:rPr lang="en-US" dirty="0"/>
               <a:pPr/>
-              <a:t>6/20/2019</a:t>
+              <a:t>6/22/2019</a:t>
             </a:fld>
             <a:endParaRPr lang="en-US" dirty="0"/>
           </a:p>
@@ -1109,7 +1110,7 @@
             <a:fld id="{48A87A34-81AB-432B-8DAE-1953F412C126}" type="datetimeFigureOut">
               <a:rPr lang="en-US" dirty="0"/>
               <a:pPr/>
-              <a:t>6/20/2019</a:t>
+              <a:t>6/22/2019</a:t>
             </a:fld>
             <a:endParaRPr lang="en-US" dirty="0"/>
           </a:p>
@@ -1578,7 +1579,7 @@
             <a:fld id="{48A87A34-81AB-432B-8DAE-1953F412C126}" type="datetimeFigureOut">
               <a:rPr lang="en-US" dirty="0"/>
               <a:pPr/>
-              <a:t>6/20/2019</a:t>
+              <a:t>6/22/2019</a:t>
             </a:fld>
             <a:endParaRPr lang="en-US" dirty="0"/>
           </a:p>
@@ -2120,7 +2121,7 @@
           <a:p>
             <a:fld id="{48A87A34-81AB-432B-8DAE-1953F412C126}" type="datetimeFigureOut">
               <a:rPr lang="en-US" dirty="0"/>
-              <a:t>6/20/2019</a:t>
+              <a:t>6/22/2019</a:t>
             </a:fld>
             <a:endParaRPr lang="en-US" dirty="0"/>
           </a:p>
@@ -2886,7 +2887,7 @@
           <a:p>
             <a:fld id="{48A87A34-81AB-432B-8DAE-1953F412C126}" type="datetimeFigureOut">
               <a:rPr lang="en-US" dirty="0"/>
-              <a:t>6/20/2019</a:t>
+              <a:t>6/22/2019</a:t>
             </a:fld>
             <a:endParaRPr lang="en-US" dirty="0"/>
           </a:p>
@@ -3056,7 +3057,7 @@
           <a:p>
             <a:fld id="{48A87A34-81AB-432B-8DAE-1953F412C126}" type="datetimeFigureOut">
               <a:rPr lang="en-US" dirty="0"/>
-              <a:t>6/20/2019</a:t>
+              <a:t>6/22/2019</a:t>
             </a:fld>
             <a:endParaRPr lang="en-US" dirty="0"/>
           </a:p>
@@ -3275,7 +3276,7 @@
             <a:fld id="{48A87A34-81AB-432B-8DAE-1953F412C126}" type="datetimeFigureOut">
               <a:rPr lang="en-US" dirty="0"/>
               <a:pPr/>
-              <a:t>6/20/2019</a:t>
+              <a:t>6/22/2019</a:t>
             </a:fld>
             <a:endParaRPr lang="en-US" dirty="0"/>
           </a:p>
@@ -3450,7 +3451,7 @@
           <a:p>
             <a:fld id="{48A87A34-81AB-432B-8DAE-1953F412C126}" type="datetimeFigureOut">
               <a:rPr lang="en-US" dirty="0"/>
-              <a:t>6/20/2019</a:t>
+              <a:t>6/22/2019</a:t>
             </a:fld>
             <a:endParaRPr lang="en-US" dirty="0"/>
           </a:p>
@@ -3735,7 +3736,7 @@
             <a:fld id="{48A87A34-81AB-432B-8DAE-1953F412C126}" type="datetimeFigureOut">
               <a:rPr lang="en-US" dirty="0"/>
               <a:pPr/>
-              <a:t>6/20/2019</a:t>
+              <a:t>6/22/2019</a:t>
             </a:fld>
             <a:endParaRPr lang="en-US" dirty="0"/>
           </a:p>
@@ -3972,7 +3973,7 @@
           <a:p>
             <a:fld id="{48A87A34-81AB-432B-8DAE-1953F412C126}" type="datetimeFigureOut">
               <a:rPr lang="en-US" dirty="0"/>
-              <a:t>6/20/2019</a:t>
+              <a:t>6/22/2019</a:t>
             </a:fld>
             <a:endParaRPr lang="en-US" dirty="0"/>
           </a:p>
@@ -4346,7 +4347,7 @@
           <a:p>
             <a:fld id="{48A87A34-81AB-432B-8DAE-1953F412C126}" type="datetimeFigureOut">
               <a:rPr lang="en-US" dirty="0"/>
-              <a:t>6/20/2019</a:t>
+              <a:t>6/22/2019</a:t>
             </a:fld>
             <a:endParaRPr lang="en-US" dirty="0"/>
           </a:p>
@@ -4459,7 +4460,7 @@
           <a:p>
             <a:fld id="{48A87A34-81AB-432B-8DAE-1953F412C126}" type="datetimeFigureOut">
               <a:rPr lang="en-US" dirty="0"/>
-              <a:t>6/20/2019</a:t>
+              <a:t>6/22/2019</a:t>
             </a:fld>
             <a:endParaRPr lang="en-US" dirty="0"/>
           </a:p>
@@ -4549,7 +4550,7 @@
           <a:p>
             <a:fld id="{48A87A34-81AB-432B-8DAE-1953F412C126}" type="datetimeFigureOut">
               <a:rPr lang="en-US" dirty="0"/>
-              <a:t>6/20/2019</a:t>
+              <a:t>6/22/2019</a:t>
             </a:fld>
             <a:endParaRPr lang="en-US" dirty="0"/>
           </a:p>
@@ -4793,7 +4794,7 @@
           <a:p>
             <a:fld id="{48A87A34-81AB-432B-8DAE-1953F412C126}" type="datetimeFigureOut">
               <a:rPr lang="en-US" dirty="0"/>
-              <a:t>6/20/2019</a:t>
+              <a:t>6/22/2019</a:t>
             </a:fld>
             <a:endParaRPr lang="en-US" dirty="0"/>
           </a:p>
@@ -5044,7 +5045,7 @@
           <a:p>
             <a:fld id="{48A87A34-81AB-432B-8DAE-1953F412C126}" type="datetimeFigureOut">
               <a:rPr lang="en-US" dirty="0"/>
-              <a:t>6/20/2019</a:t>
+              <a:t>6/22/2019</a:t>
             </a:fld>
             <a:endParaRPr lang="en-US" dirty="0"/>
           </a:p>
@@ -5283,7 +5284,7 @@
             <a:fld id="{48A87A34-81AB-432B-8DAE-1953F412C126}" type="datetimeFigureOut">
               <a:rPr lang="en-US" dirty="0"/>
               <a:pPr/>
-              <a:t>6/20/2019</a:t>
+              <a:t>6/22/2019</a:t>
             </a:fld>
             <a:endParaRPr lang="en-US" dirty="0"/>
           </a:p>
@@ -11152,7 +11153,7 @@
           <p:cNvPr id="2" name="Title 1">
             <a:extLst>
               <a:ext uri="{FF2B5EF4-FFF2-40B4-BE49-F238E27FC236}">
-                <a16:creationId xmlns:a16="http://schemas.microsoft.com/office/drawing/2014/main" id="{D5F93F99-B394-4B74-BA16-EB6D86689D16}"/>
+                <a16:creationId xmlns:a16="http://schemas.microsoft.com/office/drawing/2014/main" id="{87FB2CDA-0F9F-4347-B7CE-7F8D5BABC024}"/>
               </a:ext>
             </a:extLst>
           </p:cNvPr>
@@ -11170,7 +11171,7 @@
           <a:p>
             <a:r>
               <a:rPr lang="en-US" dirty="0"/>
-              <a:t>Accelerated Database Recovery – New Concepts</a:t>
+              <a:t>ACCELERATE DATABASE RECOVERY (ADR)</a:t>
             </a:r>
           </a:p>
         </p:txBody>
@@ -11180,7 +11181,7 @@
           <p:cNvPr id="3" name="Content Placeholder 2">
             <a:extLst>
               <a:ext uri="{FF2B5EF4-FFF2-40B4-BE49-F238E27FC236}">
-                <a16:creationId xmlns:a16="http://schemas.microsoft.com/office/drawing/2014/main" id="{AAB51152-CECE-41CC-A547-F144C28B2EFE}"/>
+                <a16:creationId xmlns:a16="http://schemas.microsoft.com/office/drawing/2014/main" id="{E3D03C19-AFBC-47B1-8E82-91626FA1DAA4}"/>
               </a:ext>
             </a:extLst>
           </p:cNvPr>
@@ -11201,7 +11202,7 @@
             </a:pPr>
             <a:r>
               <a:rPr lang="en-US" dirty="0"/>
-              <a:t>Persisted Version Store (PVS) – contains previous versions of modified rows, stored in the user database</a:t>
+              <a:t>New feature in SQL Server 2019</a:t>
             </a:r>
           </a:p>
           <a:p>
@@ -11210,7 +11211,7 @@
             </a:pPr>
             <a:r>
               <a:rPr lang="en-US" dirty="0"/>
-              <a:t>Logical revert – On rollback, running transactions pull row version from the PVS</a:t>
+              <a:t>Enable with ALTER DATABASE…SET ACCELERATED_DATABASE_RECOVERY = ON</a:t>
             </a:r>
           </a:p>
           <a:p>
@@ -11218,12 +11219,8 @@
               <a:buNone/>
             </a:pPr>
             <a:r>
-              <a:rPr lang="en-US" dirty="0" err="1"/>
-              <a:t>sLog</a:t>
-            </a:r>
-            <a:r>
-              <a:rPr lang="en-US" dirty="0"/>
-              <a:t> – In-memory log stream that stores non-versioned activity (locks for DDL, metadata cache invalidation, and bulk activity)</a:t>
+              <a:rPr lang="en-US" dirty="0"/>
+              <a:t>Currently available in SQL Server 2019 CTP 3.0</a:t>
             </a:r>
           </a:p>
           <a:p>
@@ -11232,15 +11229,21 @@
             </a:pPr>
             <a:r>
               <a:rPr lang="en-US" dirty="0"/>
-              <a:t>Cleaner – periodic process that cleans up unneeded row versions</a:t>
-            </a:r>
+              <a:t>Rumor has it this will be enterprise-only feature</a:t>
+            </a:r>
+          </a:p>
+          <a:p>
+            <a:pPr marL="0" indent="0">
+              <a:buNone/>
+            </a:pPr>
+            <a:endParaRPr lang="en-US" dirty="0"/>
           </a:p>
         </p:txBody>
       </p:sp>
     </p:spTree>
     <p:extLst>
       <p:ext uri="{BB962C8B-B14F-4D97-AF65-F5344CB8AC3E}">
-        <p14:creationId xmlns:p14="http://schemas.microsoft.com/office/powerpoint/2010/main" val="1583242087"/>
+        <p14:creationId xmlns:p14="http://schemas.microsoft.com/office/powerpoint/2010/main" val="34852410"/>
       </p:ext>
     </p:extLst>
   </p:cSld>
@@ -11269,7 +11272,13 @@
       </p:grpSpPr>
       <p:sp>
         <p:nvSpPr>
-          <p:cNvPr id="2" name="Title 1"/>
+          <p:cNvPr id="2" name="Title 1">
+            <a:extLst>
+              <a:ext uri="{FF2B5EF4-FFF2-40B4-BE49-F238E27FC236}">
+                <a16:creationId xmlns:a16="http://schemas.microsoft.com/office/drawing/2014/main" id="{D5F93F99-B394-4B74-BA16-EB6D86689D16}"/>
+              </a:ext>
+            </a:extLst>
+          </p:cNvPr>
           <p:cNvSpPr>
             <a:spLocks noGrp="1"/>
           </p:cNvSpPr>
@@ -11284,14 +11293,20 @@
           <a:p>
             <a:r>
               <a:rPr lang="en-US" dirty="0"/>
-              <a:t>ADR Analysis</a:t>
-            </a:r>
-          </a:p>
-        </p:txBody>
-      </p:sp>
-      <p:sp>
-        <p:nvSpPr>
-          <p:cNvPr id="3" name="Content Placeholder 2"/>
+              <a:t>Accelerated Database Recovery – New Concepts</a:t>
+            </a:r>
+          </a:p>
+        </p:txBody>
+      </p:sp>
+      <p:sp>
+        <p:nvSpPr>
+          <p:cNvPr id="3" name="Content Placeholder 2">
+            <a:extLst>
+              <a:ext uri="{FF2B5EF4-FFF2-40B4-BE49-F238E27FC236}">
+                <a16:creationId xmlns:a16="http://schemas.microsoft.com/office/drawing/2014/main" id="{AAB51152-CECE-41CC-A547-F144C28B2EFE}"/>
+              </a:ext>
+            </a:extLst>
+          </p:cNvPr>
           <p:cNvSpPr>
             <a:spLocks noGrp="1"/>
           </p:cNvSpPr>
@@ -11304,610 +11319,43 @@
           <a:bodyPr/>
           <a:lstStyle/>
           <a:p>
-            <a:endParaRPr lang="en-US" dirty="0"/>
-          </a:p>
-        </p:txBody>
-      </p:sp>
-      <p:sp>
-        <p:nvSpPr>
-          <p:cNvPr id="4" name="Rounded Rectangle 3"/>
-          <p:cNvSpPr/>
-          <p:nvPr/>
-        </p:nvSpPr>
-        <p:spPr>
-          <a:xfrm>
-            <a:off x="1681843" y="3396342"/>
-            <a:ext cx="1877786" cy="1404257"/>
-          </a:xfrm>
-          <a:prstGeom prst="roundRect">
-            <a:avLst/>
-          </a:prstGeom>
-        </p:spPr>
-        <p:style>
-          <a:lnRef idx="2">
-            <a:schemeClr val="accent1">
-              <a:shade val="50000"/>
-            </a:schemeClr>
-          </a:lnRef>
-          <a:fillRef idx="1">
-            <a:schemeClr val="accent1"/>
-          </a:fillRef>
-          <a:effectRef idx="0">
-            <a:schemeClr val="accent1"/>
-          </a:effectRef>
-          <a:fontRef idx="minor">
-            <a:schemeClr val="lt1"/>
-          </a:fontRef>
-        </p:style>
-        <p:txBody>
-          <a:bodyPr rtlCol="0" anchor="ctr"/>
-          <a:lstStyle/>
-          <a:p>
-            <a:pPr algn="ctr"/>
-            <a:endParaRPr lang="en-US"/>
-          </a:p>
-        </p:txBody>
-      </p:sp>
-      <p:sp>
-        <p:nvSpPr>
-          <p:cNvPr id="5" name="TextBox 4"/>
-          <p:cNvSpPr txBox="1"/>
-          <p:nvPr/>
-        </p:nvSpPr>
-        <p:spPr>
-          <a:xfrm>
-            <a:off x="1930854" y="3913805"/>
-            <a:ext cx="1379764" cy="369332"/>
-          </a:xfrm>
-          <a:prstGeom prst="rect">
-            <a:avLst/>
-          </a:prstGeom>
-          <a:noFill/>
-        </p:spPr>
-        <p:txBody>
-          <a:bodyPr wrap="square" rtlCol="0">
-            <a:spAutoFit/>
-          </a:bodyPr>
-          <a:lstStyle/>
-          <a:p>
-            <a:pPr algn="ctr"/>
-            <a:r>
-              <a:rPr lang="en-US" dirty="0"/>
-              <a:t>VLF1</a:t>
-            </a:r>
-          </a:p>
-        </p:txBody>
-      </p:sp>
-      <p:sp>
-        <p:nvSpPr>
-          <p:cNvPr id="6" name="TextBox 5"/>
-          <p:cNvSpPr txBox="1"/>
-          <p:nvPr/>
-        </p:nvSpPr>
-        <p:spPr>
-          <a:xfrm>
-            <a:off x="1930854" y="4880317"/>
-            <a:ext cx="1379764" cy="369332"/>
-          </a:xfrm>
-          <a:prstGeom prst="rect">
-            <a:avLst/>
-          </a:prstGeom>
-          <a:noFill/>
-        </p:spPr>
-        <p:txBody>
-          <a:bodyPr wrap="square" rtlCol="0">
-            <a:spAutoFit/>
-          </a:bodyPr>
-          <a:lstStyle/>
-          <a:p>
-            <a:pPr algn="ctr"/>
-            <a:r>
-              <a:rPr lang="en-US" dirty="0"/>
-              <a:t>Active</a:t>
-            </a:r>
-          </a:p>
-        </p:txBody>
-      </p:sp>
-      <p:sp>
-        <p:nvSpPr>
-          <p:cNvPr id="7" name="Rounded Rectangle 6"/>
-          <p:cNvSpPr/>
-          <p:nvPr/>
-        </p:nvSpPr>
-        <p:spPr>
-          <a:xfrm>
-            <a:off x="3699619" y="3396342"/>
-            <a:ext cx="1877786" cy="1404257"/>
-          </a:xfrm>
-          <a:prstGeom prst="roundRect">
-            <a:avLst/>
-          </a:prstGeom>
-          <a:solidFill>
-            <a:schemeClr val="accent1"/>
-          </a:solidFill>
-        </p:spPr>
-        <p:style>
-          <a:lnRef idx="2">
-            <a:schemeClr val="accent1">
-              <a:shade val="50000"/>
-            </a:schemeClr>
-          </a:lnRef>
-          <a:fillRef idx="1">
-            <a:schemeClr val="accent1"/>
-          </a:fillRef>
-          <a:effectRef idx="0">
-            <a:schemeClr val="accent1"/>
-          </a:effectRef>
-          <a:fontRef idx="minor">
-            <a:schemeClr val="lt1"/>
-          </a:fontRef>
-        </p:style>
-        <p:txBody>
-          <a:bodyPr rtlCol="0" anchor="ctr"/>
-          <a:lstStyle/>
-          <a:p>
-            <a:pPr algn="ctr"/>
-            <a:endParaRPr lang="en-US"/>
-          </a:p>
-        </p:txBody>
-      </p:sp>
-      <p:sp>
-        <p:nvSpPr>
-          <p:cNvPr id="8" name="TextBox 7"/>
-          <p:cNvSpPr txBox="1"/>
-          <p:nvPr/>
-        </p:nvSpPr>
-        <p:spPr>
-          <a:xfrm>
-            <a:off x="3948630" y="3913805"/>
-            <a:ext cx="1379764" cy="369332"/>
-          </a:xfrm>
-          <a:prstGeom prst="rect">
-            <a:avLst/>
-          </a:prstGeom>
-          <a:solidFill>
-            <a:schemeClr val="accent1"/>
-          </a:solidFill>
-        </p:spPr>
-        <p:txBody>
-          <a:bodyPr wrap="square" rtlCol="0">
-            <a:spAutoFit/>
-          </a:bodyPr>
-          <a:lstStyle/>
-          <a:p>
-            <a:pPr algn="ctr"/>
-            <a:r>
-              <a:rPr lang="en-US" dirty="0"/>
-              <a:t>VLF2</a:t>
-            </a:r>
-          </a:p>
-        </p:txBody>
-      </p:sp>
-      <p:sp>
-        <p:nvSpPr>
-          <p:cNvPr id="9" name="TextBox 8"/>
-          <p:cNvSpPr txBox="1"/>
-          <p:nvPr/>
-        </p:nvSpPr>
-        <p:spPr>
-          <a:xfrm>
-            <a:off x="3948630" y="4880317"/>
-            <a:ext cx="1379764" cy="369332"/>
-          </a:xfrm>
-          <a:prstGeom prst="rect">
-            <a:avLst/>
-          </a:prstGeom>
-          <a:noFill/>
-        </p:spPr>
-        <p:txBody>
-          <a:bodyPr wrap="square" rtlCol="0">
-            <a:spAutoFit/>
-          </a:bodyPr>
-          <a:lstStyle/>
-          <a:p>
-            <a:pPr algn="ctr"/>
-            <a:r>
-              <a:rPr lang="en-US" dirty="0"/>
-              <a:t>Free</a:t>
-            </a:r>
-          </a:p>
-        </p:txBody>
-      </p:sp>
-      <p:sp>
-        <p:nvSpPr>
-          <p:cNvPr id="10" name="Rounded Rectangle 9"/>
-          <p:cNvSpPr/>
-          <p:nvPr/>
-        </p:nvSpPr>
-        <p:spPr>
-          <a:xfrm>
-            <a:off x="5717395" y="3396342"/>
-            <a:ext cx="1877786" cy="1404257"/>
-          </a:xfrm>
-          <a:prstGeom prst="roundRect">
-            <a:avLst/>
-          </a:prstGeom>
-          <a:solidFill>
-            <a:schemeClr val="accent1"/>
-          </a:solidFill>
-        </p:spPr>
-        <p:style>
-          <a:lnRef idx="2">
-            <a:schemeClr val="accent1">
-              <a:shade val="50000"/>
-            </a:schemeClr>
-          </a:lnRef>
-          <a:fillRef idx="1">
-            <a:schemeClr val="accent1"/>
-          </a:fillRef>
-          <a:effectRef idx="0">
-            <a:schemeClr val="accent1"/>
-          </a:effectRef>
-          <a:fontRef idx="minor">
-            <a:schemeClr val="lt1"/>
-          </a:fontRef>
-        </p:style>
-        <p:txBody>
-          <a:bodyPr rtlCol="0" anchor="ctr"/>
-          <a:lstStyle/>
-          <a:p>
-            <a:pPr algn="ctr"/>
-            <a:endParaRPr lang="en-US"/>
-          </a:p>
-        </p:txBody>
-      </p:sp>
-      <p:sp>
-        <p:nvSpPr>
-          <p:cNvPr id="11" name="TextBox 10"/>
-          <p:cNvSpPr txBox="1"/>
-          <p:nvPr/>
-        </p:nvSpPr>
-        <p:spPr>
-          <a:xfrm>
-            <a:off x="5966406" y="3913805"/>
-            <a:ext cx="1379764" cy="369332"/>
-          </a:xfrm>
-          <a:prstGeom prst="rect">
-            <a:avLst/>
-          </a:prstGeom>
-          <a:noFill/>
-        </p:spPr>
-        <p:txBody>
-          <a:bodyPr wrap="square" rtlCol="0">
-            <a:spAutoFit/>
-          </a:bodyPr>
-          <a:lstStyle/>
-          <a:p>
-            <a:pPr algn="ctr"/>
-            <a:r>
-              <a:rPr lang="en-US" dirty="0"/>
-              <a:t>VLF3</a:t>
-            </a:r>
-          </a:p>
-        </p:txBody>
-      </p:sp>
-      <p:sp>
-        <p:nvSpPr>
-          <p:cNvPr id="12" name="TextBox 11"/>
-          <p:cNvSpPr txBox="1"/>
-          <p:nvPr/>
-        </p:nvSpPr>
-        <p:spPr>
-          <a:xfrm>
-            <a:off x="5966406" y="4880317"/>
-            <a:ext cx="1379764" cy="369332"/>
-          </a:xfrm>
-          <a:prstGeom prst="rect">
-            <a:avLst/>
-          </a:prstGeom>
-          <a:noFill/>
-        </p:spPr>
-        <p:txBody>
-          <a:bodyPr wrap="square" rtlCol="0">
-            <a:spAutoFit/>
-          </a:bodyPr>
-          <a:lstStyle/>
-          <a:p>
-            <a:pPr algn="ctr"/>
-            <a:r>
-              <a:rPr lang="en-US" dirty="0"/>
-              <a:t>Free</a:t>
-            </a:r>
-          </a:p>
-        </p:txBody>
-      </p:sp>
-      <p:sp>
-        <p:nvSpPr>
-          <p:cNvPr id="13" name="Rounded Rectangle 12"/>
-          <p:cNvSpPr/>
-          <p:nvPr/>
-        </p:nvSpPr>
-        <p:spPr>
-          <a:xfrm>
-            <a:off x="7735171" y="3396342"/>
-            <a:ext cx="1877786" cy="1404257"/>
-          </a:xfrm>
-          <a:prstGeom prst="roundRect">
-            <a:avLst/>
-          </a:prstGeom>
-          <a:solidFill>
-            <a:schemeClr val="accent1"/>
-          </a:solidFill>
-        </p:spPr>
-        <p:style>
-          <a:lnRef idx="2">
-            <a:schemeClr val="accent1">
-              <a:shade val="50000"/>
-            </a:schemeClr>
-          </a:lnRef>
-          <a:fillRef idx="1">
-            <a:schemeClr val="accent1"/>
-          </a:fillRef>
-          <a:effectRef idx="0">
-            <a:schemeClr val="accent1"/>
-          </a:effectRef>
-          <a:fontRef idx="minor">
-            <a:schemeClr val="lt1"/>
-          </a:fontRef>
-        </p:style>
-        <p:txBody>
-          <a:bodyPr rtlCol="0" anchor="ctr"/>
-          <a:lstStyle/>
-          <a:p>
-            <a:pPr algn="ctr"/>
-            <a:endParaRPr lang="en-US"/>
-          </a:p>
-        </p:txBody>
-      </p:sp>
-      <p:sp>
-        <p:nvSpPr>
-          <p:cNvPr id="14" name="TextBox 13"/>
-          <p:cNvSpPr txBox="1"/>
-          <p:nvPr/>
-        </p:nvSpPr>
-        <p:spPr>
-          <a:xfrm>
-            <a:off x="7984182" y="3913805"/>
-            <a:ext cx="1379764" cy="369332"/>
-          </a:xfrm>
-          <a:prstGeom prst="rect">
-            <a:avLst/>
-          </a:prstGeom>
-          <a:solidFill>
-            <a:schemeClr val="accent1"/>
-          </a:solidFill>
-        </p:spPr>
-        <p:txBody>
-          <a:bodyPr wrap="square" rtlCol="0">
-            <a:spAutoFit/>
-          </a:bodyPr>
-          <a:lstStyle/>
-          <a:p>
-            <a:pPr algn="ctr"/>
-            <a:r>
-              <a:rPr lang="en-US" dirty="0"/>
-              <a:t>VLF4</a:t>
-            </a:r>
-          </a:p>
-        </p:txBody>
-      </p:sp>
-      <p:sp>
-        <p:nvSpPr>
-          <p:cNvPr id="15" name="TextBox 14"/>
-          <p:cNvSpPr txBox="1"/>
-          <p:nvPr/>
-        </p:nvSpPr>
-        <p:spPr>
-          <a:xfrm>
-            <a:off x="7984182" y="4880317"/>
-            <a:ext cx="1379764" cy="369332"/>
-          </a:xfrm>
-          <a:prstGeom prst="rect">
-            <a:avLst/>
-          </a:prstGeom>
-          <a:noFill/>
-        </p:spPr>
-        <p:txBody>
-          <a:bodyPr wrap="square" rtlCol="0">
-            <a:spAutoFit/>
-          </a:bodyPr>
-          <a:lstStyle/>
-          <a:p>
-            <a:pPr algn="ctr"/>
-            <a:r>
-              <a:rPr lang="en-US" dirty="0"/>
-              <a:t>Free</a:t>
-            </a:r>
-          </a:p>
-        </p:txBody>
-      </p:sp>
-      <p:cxnSp>
-        <p:nvCxnSpPr>
-          <p:cNvPr id="17" name="Straight Connector 16">
-            <a:extLst>
-              <a:ext uri="{FF2B5EF4-FFF2-40B4-BE49-F238E27FC236}">
-                <a16:creationId xmlns:a16="http://schemas.microsoft.com/office/drawing/2014/main" id="{FE7940C7-DF00-44F2-956B-C22CB644D43E}"/>
-              </a:ext>
-            </a:extLst>
-          </p:cNvPr>
-          <p:cNvCxnSpPr/>
-          <p:nvPr/>
-        </p:nvCxnSpPr>
-        <p:spPr>
-          <a:xfrm>
-            <a:off x="6705600" y="2699084"/>
-            <a:ext cx="0" cy="2662990"/>
-          </a:xfrm>
-          <a:prstGeom prst="line">
-            <a:avLst/>
-          </a:prstGeom>
-        </p:spPr>
-        <p:style>
-          <a:lnRef idx="3">
-            <a:schemeClr val="dk1"/>
-          </a:lnRef>
-          <a:fillRef idx="0">
-            <a:schemeClr val="dk1"/>
-          </a:fillRef>
-          <a:effectRef idx="2">
-            <a:schemeClr val="dk1"/>
-          </a:effectRef>
-          <a:fontRef idx="minor">
-            <a:schemeClr val="tx1"/>
-          </a:fontRef>
-        </p:style>
-      </p:cxnSp>
-      <p:sp>
-        <p:nvSpPr>
-          <p:cNvPr id="18" name="TextBox 17">
-            <a:extLst>
-              <a:ext uri="{FF2B5EF4-FFF2-40B4-BE49-F238E27FC236}">
-                <a16:creationId xmlns:a16="http://schemas.microsoft.com/office/drawing/2014/main" id="{1A60DC22-0E6B-46EC-880F-AD4F3D7F8E65}"/>
-              </a:ext>
-            </a:extLst>
-          </p:cNvPr>
-          <p:cNvSpPr txBox="1"/>
-          <p:nvPr/>
-        </p:nvSpPr>
-        <p:spPr>
-          <a:xfrm>
-            <a:off x="6753576" y="2451753"/>
-            <a:ext cx="1367741" cy="246221"/>
-          </a:xfrm>
-          <a:prstGeom prst="rect">
-            <a:avLst/>
-          </a:prstGeom>
-          <a:noFill/>
-        </p:spPr>
-        <p:txBody>
-          <a:bodyPr wrap="square" rtlCol="0">
-            <a:spAutoFit/>
-          </a:bodyPr>
-          <a:lstStyle/>
-          <a:p>
-            <a:r>
-              <a:rPr lang="en-US" sz="1000" dirty="0"/>
-              <a:t>Oldest Checkpoint</a:t>
-            </a:r>
-          </a:p>
-        </p:txBody>
-      </p:sp>
-      <p:cxnSp>
-        <p:nvCxnSpPr>
-          <p:cNvPr id="19" name="Straight Connector 18">
-            <a:extLst>
-              <a:ext uri="{FF2B5EF4-FFF2-40B4-BE49-F238E27FC236}">
-                <a16:creationId xmlns:a16="http://schemas.microsoft.com/office/drawing/2014/main" id="{029F0678-2723-4A9F-B796-2E5BC7F0B069}"/>
-              </a:ext>
-            </a:extLst>
-          </p:cNvPr>
-          <p:cNvCxnSpPr/>
-          <p:nvPr/>
-        </p:nvCxnSpPr>
-        <p:spPr>
-          <a:xfrm>
-            <a:off x="3328594" y="2699084"/>
-            <a:ext cx="0" cy="2662990"/>
-          </a:xfrm>
-          <a:prstGeom prst="line">
-            <a:avLst/>
-          </a:prstGeom>
-        </p:spPr>
-        <p:style>
-          <a:lnRef idx="3">
-            <a:schemeClr val="dk1"/>
-          </a:lnRef>
-          <a:fillRef idx="0">
-            <a:schemeClr val="dk1"/>
-          </a:fillRef>
-          <a:effectRef idx="2">
-            <a:schemeClr val="dk1"/>
-          </a:effectRef>
-          <a:fontRef idx="minor">
-            <a:schemeClr val="tx1"/>
-          </a:fontRef>
-        </p:style>
-      </p:cxnSp>
-      <p:sp>
-        <p:nvSpPr>
-          <p:cNvPr id="20" name="TextBox 19">
-            <a:extLst>
-              <a:ext uri="{FF2B5EF4-FFF2-40B4-BE49-F238E27FC236}">
-                <a16:creationId xmlns:a16="http://schemas.microsoft.com/office/drawing/2014/main" id="{8F835977-F963-44BE-8D84-0EBCD66776B1}"/>
-              </a:ext>
-            </a:extLst>
-          </p:cNvPr>
-          <p:cNvSpPr txBox="1"/>
-          <p:nvPr/>
-        </p:nvSpPr>
-        <p:spPr>
-          <a:xfrm>
-            <a:off x="3368693" y="2297864"/>
-            <a:ext cx="1596887" cy="400110"/>
-          </a:xfrm>
-          <a:prstGeom prst="rect">
-            <a:avLst/>
-          </a:prstGeom>
-          <a:noFill/>
-        </p:spPr>
-        <p:txBody>
-          <a:bodyPr wrap="square" rtlCol="0">
-            <a:spAutoFit/>
-          </a:bodyPr>
-          <a:lstStyle/>
-          <a:p>
-            <a:r>
-              <a:rPr lang="en-US" sz="1000" dirty="0"/>
-              <a:t>Oldest Uncommitted Transaction</a:t>
-            </a:r>
-          </a:p>
-        </p:txBody>
-      </p:sp>
-      <p:sp>
-        <p:nvSpPr>
-          <p:cNvPr id="21" name="Arrow: Right 20">
-            <a:extLst>
-              <a:ext uri="{FF2B5EF4-FFF2-40B4-BE49-F238E27FC236}">
-                <a16:creationId xmlns:a16="http://schemas.microsoft.com/office/drawing/2014/main" id="{3D88DB94-9337-43DB-A346-293EDAC42EC4}"/>
-              </a:ext>
-            </a:extLst>
-          </p:cNvPr>
-          <p:cNvSpPr/>
-          <p:nvPr/>
-        </p:nvSpPr>
-        <p:spPr>
-          <a:xfrm>
-            <a:off x="6705601" y="2837141"/>
-            <a:ext cx="2825092" cy="422041"/>
-          </a:xfrm>
-          <a:prstGeom prst="rightArrow">
-            <a:avLst/>
-          </a:prstGeom>
-        </p:spPr>
-        <p:style>
-          <a:lnRef idx="2">
-            <a:schemeClr val="accent1">
-              <a:shade val="50000"/>
-            </a:schemeClr>
-          </a:lnRef>
-          <a:fillRef idx="1">
-            <a:schemeClr val="accent1"/>
-          </a:fillRef>
-          <a:effectRef idx="0">
-            <a:schemeClr val="accent1"/>
-          </a:effectRef>
-          <a:fontRef idx="minor">
-            <a:schemeClr val="lt1"/>
-          </a:fontRef>
-        </p:style>
-        <p:txBody>
-          <a:bodyPr rtlCol="0" anchor="ctr"/>
-          <a:lstStyle/>
-          <a:p>
-            <a:pPr algn="ctr"/>
-            <a:r>
-              <a:rPr lang="en-US" sz="1200" dirty="0"/>
-              <a:t>Analysis</a:t>
+            <a:pPr marL="0" indent="0">
+              <a:buNone/>
+            </a:pPr>
+            <a:r>
+              <a:rPr lang="en-US" dirty="0"/>
+              <a:t>Persisted Version Store (PVS) – contains previous versions of modified rows, stored in the user database</a:t>
+            </a:r>
+          </a:p>
+          <a:p>
+            <a:pPr marL="0" indent="0">
+              <a:buNone/>
+            </a:pPr>
+            <a:r>
+              <a:rPr lang="en-US" dirty="0"/>
+              <a:t>Logical revert – On rollback, running transactions pull row version from the PVS</a:t>
+            </a:r>
+          </a:p>
+          <a:p>
+            <a:pPr marL="0" indent="0">
+              <a:buNone/>
+            </a:pPr>
+            <a:r>
+              <a:rPr lang="en-US" dirty="0" err="1"/>
+              <a:t>sLog</a:t>
+            </a:r>
+            <a:r>
+              <a:rPr lang="en-US" dirty="0"/>
+              <a:t> – In-memory log stream that stores non-versioned activity (locks for DDL, metadata cache invalidation, and bulk activity)</a:t>
+            </a:r>
+          </a:p>
+          <a:p>
+            <a:pPr marL="0" indent="0">
+              <a:buNone/>
+            </a:pPr>
+            <a:r>
+              <a:rPr lang="en-US" dirty="0"/>
+              <a:t>Cleaner – periodic process that cleans up unneeded row versions</a:t>
             </a:r>
           </a:p>
         </p:txBody>
@@ -11915,7 +11363,7 @@
     </p:spTree>
     <p:extLst>
       <p:ext uri="{BB962C8B-B14F-4D97-AF65-F5344CB8AC3E}">
-        <p14:creationId xmlns:p14="http://schemas.microsoft.com/office/powerpoint/2010/main" val="114463525"/>
+        <p14:creationId xmlns:p14="http://schemas.microsoft.com/office/powerpoint/2010/main" val="1583242087"/>
       </p:ext>
     </p:extLst>
   </p:cSld>
@@ -11959,13 +11407,8 @@
           <a:p>
             <a:r>
               <a:rPr lang="en-US" dirty="0"/>
-              <a:t>Redo From </a:t>
-            </a:r>
-            <a:r>
-              <a:rPr lang="en-US" dirty="0" err="1"/>
-              <a:t>sLog</a:t>
-            </a:r>
-            <a:endParaRPr lang="en-US" dirty="0"/>
+              <a:t>ADR Analysis</a:t>
+            </a:r>
           </a:p>
         </p:txBody>
       </p:sp>
@@ -12592,64 +12035,10 @@
           </a:p>
         </p:txBody>
       </p:sp>
-      <p:sp>
-        <p:nvSpPr>
-          <p:cNvPr id="22" name="Arrow: Right 21">
-            <a:extLst>
-              <a:ext uri="{FF2B5EF4-FFF2-40B4-BE49-F238E27FC236}">
-                <a16:creationId xmlns:a16="http://schemas.microsoft.com/office/drawing/2014/main" id="{7DADEE8C-17F7-4E89-B5E7-E97F313E2335}"/>
-              </a:ext>
-            </a:extLst>
-          </p:cNvPr>
-          <p:cNvSpPr/>
-          <p:nvPr/>
-        </p:nvSpPr>
-        <p:spPr>
-          <a:xfrm>
-            <a:off x="3310618" y="2995122"/>
-            <a:ext cx="3377006" cy="400110"/>
-          </a:xfrm>
-          <a:prstGeom prst="rightArrow">
-            <a:avLst/>
-          </a:prstGeom>
-        </p:spPr>
-        <p:style>
-          <a:lnRef idx="2">
-            <a:schemeClr val="accent1">
-              <a:shade val="50000"/>
-            </a:schemeClr>
-          </a:lnRef>
-          <a:fillRef idx="1">
-            <a:schemeClr val="accent1"/>
-          </a:fillRef>
-          <a:effectRef idx="0">
-            <a:schemeClr val="accent1"/>
-          </a:effectRef>
-          <a:fontRef idx="minor">
-            <a:schemeClr val="lt1"/>
-          </a:fontRef>
-        </p:style>
-        <p:txBody>
-          <a:bodyPr rtlCol="0" anchor="ctr"/>
-          <a:lstStyle/>
-          <a:p>
-            <a:pPr algn="ctr"/>
-            <a:r>
-              <a:rPr lang="en-US" sz="1200" dirty="0"/>
-              <a:t>Redo from </a:t>
-            </a:r>
-            <a:r>
-              <a:rPr lang="en-US" sz="1200" dirty="0" err="1"/>
-              <a:t>sLog</a:t>
-            </a:r>
-            <a:endParaRPr lang="en-US" sz="1200" dirty="0"/>
-          </a:p>
-        </p:txBody>
-      </p:sp>
     </p:spTree>
     <p:extLst>
       <p:ext uri="{BB962C8B-B14F-4D97-AF65-F5344CB8AC3E}">
-        <p14:creationId xmlns:p14="http://schemas.microsoft.com/office/powerpoint/2010/main" val="4088970748"/>
+        <p14:creationId xmlns:p14="http://schemas.microsoft.com/office/powerpoint/2010/main" val="114463525"/>
       </p:ext>
     </p:extLst>
   </p:cSld>
@@ -12697,7 +12086,7 @@
             </a:r>
             <a:r>
               <a:rPr lang="en-US" dirty="0" err="1"/>
-              <a:t>tLog</a:t>
+              <a:t>sLog</a:t>
             </a:r>
             <a:endParaRPr lang="en-US" dirty="0"/>
           </a:p>
@@ -13291,7 +12680,7 @@
         </p:nvSpPr>
         <p:spPr>
           <a:xfrm>
-            <a:off x="6723577" y="2624112"/>
+            <a:off x="6705601" y="2837141"/>
             <a:ext cx="2825092" cy="422041"/>
           </a:xfrm>
           <a:prstGeom prst="rightArrow">
@@ -13380,64 +12769,10 @@
           </a:p>
         </p:txBody>
       </p:sp>
-      <p:sp>
-        <p:nvSpPr>
-          <p:cNvPr id="23" name="Arrow: Right 22">
-            <a:extLst>
-              <a:ext uri="{FF2B5EF4-FFF2-40B4-BE49-F238E27FC236}">
-                <a16:creationId xmlns:a16="http://schemas.microsoft.com/office/drawing/2014/main" id="{7677EF5D-77B1-4A41-A17F-93EDB0BAC7A4}"/>
-              </a:ext>
-            </a:extLst>
-          </p:cNvPr>
-          <p:cNvSpPr/>
-          <p:nvPr/>
-        </p:nvSpPr>
-        <p:spPr>
-          <a:xfrm>
-            <a:off x="6708771" y="2973191"/>
-            <a:ext cx="2825092" cy="422041"/>
-          </a:xfrm>
-          <a:prstGeom prst="rightArrow">
-            <a:avLst/>
-          </a:prstGeom>
-        </p:spPr>
-        <p:style>
-          <a:lnRef idx="2">
-            <a:schemeClr val="accent1">
-              <a:shade val="50000"/>
-            </a:schemeClr>
-          </a:lnRef>
-          <a:fillRef idx="1">
-            <a:schemeClr val="accent1"/>
-          </a:fillRef>
-          <a:effectRef idx="0">
-            <a:schemeClr val="accent1"/>
-          </a:effectRef>
-          <a:fontRef idx="minor">
-            <a:schemeClr val="lt1"/>
-          </a:fontRef>
-        </p:style>
-        <p:txBody>
-          <a:bodyPr rtlCol="0" anchor="ctr"/>
-          <a:lstStyle/>
-          <a:p>
-            <a:pPr algn="ctr"/>
-            <a:r>
-              <a:rPr lang="en-US" sz="1200" dirty="0"/>
-              <a:t>Redo from </a:t>
-            </a:r>
-            <a:r>
-              <a:rPr lang="en-US" sz="1200" dirty="0" err="1"/>
-              <a:t>tLog</a:t>
-            </a:r>
-            <a:endParaRPr lang="en-US" sz="1200" dirty="0"/>
-          </a:p>
-        </p:txBody>
-      </p:sp>
     </p:spTree>
     <p:extLst>
       <p:ext uri="{BB962C8B-B14F-4D97-AF65-F5344CB8AC3E}">
-        <p14:creationId xmlns:p14="http://schemas.microsoft.com/office/powerpoint/2010/main" val="113444395"/>
+        <p14:creationId xmlns:p14="http://schemas.microsoft.com/office/powerpoint/2010/main" val="4088970748"/>
       </p:ext>
     </p:extLst>
   </p:cSld>
@@ -13485,44 +12820,31 @@
             </a:r>
             <a:r>
               <a:rPr lang="en-US" dirty="0" err="1"/>
-              <a:t>TLog</a:t>
+              <a:t>tLog</a:t>
             </a:r>
             <a:endParaRPr lang="en-US" dirty="0"/>
           </a:p>
         </p:txBody>
       </p:sp>
-      <p:pic>
-        <p:nvPicPr>
-          <p:cNvPr id="16" name="Content Placeholder 15">
-            <a:extLst>
-              <a:ext uri="{FF2B5EF4-FFF2-40B4-BE49-F238E27FC236}">
-                <a16:creationId xmlns:a16="http://schemas.microsoft.com/office/drawing/2014/main" id="{83349D77-62B8-45ED-A0B2-A917DFC06BB7}"/>
-              </a:ext>
-            </a:extLst>
-          </p:cNvPr>
-          <p:cNvPicPr>
-            <a:picLocks noGrp="1" noChangeAspect="1"/>
-          </p:cNvPicPr>
+      <p:sp>
+        <p:nvSpPr>
+          <p:cNvPr id="3" name="Content Placeholder 2"/>
+          <p:cNvSpPr>
+            <a:spLocks noGrp="1"/>
+          </p:cNvSpPr>
           <p:nvPr>
             <p:ph idx="1"/>
           </p:nvPr>
-        </p:nvPicPr>
-        <p:blipFill>
-          <a:blip r:embed="rId2"/>
-          <a:stretch>
-            <a:fillRect/>
-          </a:stretch>
-        </p:blipFill>
-        <p:spPr>
-          <a:xfrm>
-            <a:off x="4410310" y="4014041"/>
-            <a:ext cx="3371380" cy="384081"/>
-          </a:xfrm>
-          <a:prstGeom prst="rect">
-            <a:avLst/>
-          </a:prstGeom>
-        </p:spPr>
-      </p:pic>
+        </p:nvSpPr>
+        <p:spPr/>
+        <p:txBody>
+          <a:bodyPr/>
+          <a:lstStyle/>
+          <a:p>
+            <a:endParaRPr lang="en-US" dirty="0"/>
+          </a:p>
+        </p:txBody>
+      </p:sp>
       <p:sp>
         <p:nvSpPr>
           <p:cNvPr id="4" name="Rounded Rectangle 3"/>
@@ -14235,64 +13557,10 @@
           </a:p>
         </p:txBody>
       </p:sp>
-      <p:sp>
-        <p:nvSpPr>
-          <p:cNvPr id="24" name="Arrow: Left 23">
-            <a:extLst>
-              <a:ext uri="{FF2B5EF4-FFF2-40B4-BE49-F238E27FC236}">
-                <a16:creationId xmlns:a16="http://schemas.microsoft.com/office/drawing/2014/main" id="{2F015FFB-A728-40FD-9918-E3399EB39F9E}"/>
-              </a:ext>
-            </a:extLst>
-          </p:cNvPr>
-          <p:cNvSpPr/>
-          <p:nvPr/>
-        </p:nvSpPr>
-        <p:spPr>
-          <a:xfrm>
-            <a:off x="3337583" y="2651625"/>
-            <a:ext cx="3359029" cy="366484"/>
-          </a:xfrm>
-          <a:prstGeom prst="leftArrow">
-            <a:avLst/>
-          </a:prstGeom>
-        </p:spPr>
-        <p:style>
-          <a:lnRef idx="2">
-            <a:schemeClr val="accent1">
-              <a:shade val="50000"/>
-            </a:schemeClr>
-          </a:lnRef>
-          <a:fillRef idx="1">
-            <a:schemeClr val="accent1"/>
-          </a:fillRef>
-          <a:effectRef idx="0">
-            <a:schemeClr val="accent1"/>
-          </a:effectRef>
-          <a:fontRef idx="minor">
-            <a:schemeClr val="lt1"/>
-          </a:fontRef>
-        </p:style>
-        <p:txBody>
-          <a:bodyPr rtlCol="0" anchor="ctr"/>
-          <a:lstStyle/>
-          <a:p>
-            <a:pPr algn="ctr"/>
-            <a:r>
-              <a:rPr lang="en-US" sz="1200" dirty="0"/>
-              <a:t>Undo from </a:t>
-            </a:r>
-            <a:r>
-              <a:rPr lang="en-US" sz="1200" dirty="0" err="1"/>
-              <a:t>sLog</a:t>
-            </a:r>
-            <a:endParaRPr lang="en-US" sz="1200" dirty="0"/>
-          </a:p>
-        </p:txBody>
-      </p:sp>
     </p:spTree>
     <p:extLst>
       <p:ext uri="{BB962C8B-B14F-4D97-AF65-F5344CB8AC3E}">
-        <p14:creationId xmlns:p14="http://schemas.microsoft.com/office/powerpoint/2010/main" val="135472693"/>
+        <p14:creationId xmlns:p14="http://schemas.microsoft.com/office/powerpoint/2010/main" val="113444395"/>
       </p:ext>
     </p:extLst>
   </p:cSld>
@@ -14321,13 +13589,7 @@
       </p:grpSpPr>
       <p:sp>
         <p:nvSpPr>
-          <p:cNvPr id="2" name="Title 1">
-            <a:extLst>
-              <a:ext uri="{FF2B5EF4-FFF2-40B4-BE49-F238E27FC236}">
-                <a16:creationId xmlns:a16="http://schemas.microsoft.com/office/drawing/2014/main" id="{52BF9599-A513-49D4-A60F-25B49020760F}"/>
-              </a:ext>
-            </a:extLst>
-          </p:cNvPr>
+          <p:cNvPr id="2" name="Title 1"/>
           <p:cNvSpPr>
             <a:spLocks noGrp="1"/>
           </p:cNvSpPr>
@@ -14342,17 +13604,22 @@
           <a:p>
             <a:r>
               <a:rPr lang="en-US" dirty="0"/>
-              <a:t>What It Looks Like in the Error Log</a:t>
-            </a:r>
+              <a:t>Redo From </a:t>
+            </a:r>
+            <a:r>
+              <a:rPr lang="en-US" dirty="0" err="1"/>
+              <a:t>TLog</a:t>
+            </a:r>
+            <a:endParaRPr lang="en-US" dirty="0"/>
           </a:p>
         </p:txBody>
       </p:sp>
       <p:pic>
         <p:nvPicPr>
-          <p:cNvPr id="5" name="Content Placeholder 4">
+          <p:cNvPr id="16" name="Content Placeholder 15">
             <a:extLst>
               <a:ext uri="{FF2B5EF4-FFF2-40B4-BE49-F238E27FC236}">
-                <a16:creationId xmlns:a16="http://schemas.microsoft.com/office/drawing/2014/main" id="{340D66D7-5D47-4E4E-879A-EC6A3D6199CC}"/>
+                <a16:creationId xmlns:a16="http://schemas.microsoft.com/office/drawing/2014/main" id="{83349D77-62B8-45ED-A0B2-A917DFC06BB7}"/>
               </a:ext>
             </a:extLst>
           </p:cNvPr>
@@ -14365,20 +13632,790 @@
         </p:nvPicPr>
         <p:blipFill>
           <a:blip r:embed="rId2"/>
-          <a:srcRect/>
-          <a:stretch/>
+          <a:stretch>
+            <a:fillRect/>
+          </a:stretch>
         </p:blipFill>
         <p:spPr>
           <a:xfrm>
-            <a:off x="1019896" y="3222136"/>
-            <a:ext cx="10152207" cy="413726"/>
-          </a:xfrm>
+            <a:off x="4410310" y="4014041"/>
+            <a:ext cx="3371380" cy="384081"/>
+          </a:xfrm>
+          <a:prstGeom prst="rect">
+            <a:avLst/>
+          </a:prstGeom>
         </p:spPr>
       </p:pic>
+      <p:sp>
+        <p:nvSpPr>
+          <p:cNvPr id="4" name="Rounded Rectangle 3"/>
+          <p:cNvSpPr/>
+          <p:nvPr/>
+        </p:nvSpPr>
+        <p:spPr>
+          <a:xfrm>
+            <a:off x="1681843" y="3396342"/>
+            <a:ext cx="1877786" cy="1404257"/>
+          </a:xfrm>
+          <a:prstGeom prst="roundRect">
+            <a:avLst/>
+          </a:prstGeom>
+        </p:spPr>
+        <p:style>
+          <a:lnRef idx="2">
+            <a:schemeClr val="accent1">
+              <a:shade val="50000"/>
+            </a:schemeClr>
+          </a:lnRef>
+          <a:fillRef idx="1">
+            <a:schemeClr val="accent1"/>
+          </a:fillRef>
+          <a:effectRef idx="0">
+            <a:schemeClr val="accent1"/>
+          </a:effectRef>
+          <a:fontRef idx="minor">
+            <a:schemeClr val="lt1"/>
+          </a:fontRef>
+        </p:style>
+        <p:txBody>
+          <a:bodyPr rtlCol="0" anchor="ctr"/>
+          <a:lstStyle/>
+          <a:p>
+            <a:pPr algn="ctr"/>
+            <a:endParaRPr lang="en-US"/>
+          </a:p>
+        </p:txBody>
+      </p:sp>
+      <p:sp>
+        <p:nvSpPr>
+          <p:cNvPr id="5" name="TextBox 4"/>
+          <p:cNvSpPr txBox="1"/>
+          <p:nvPr/>
+        </p:nvSpPr>
+        <p:spPr>
+          <a:xfrm>
+            <a:off x="1930854" y="3913805"/>
+            <a:ext cx="1379764" cy="369332"/>
+          </a:xfrm>
+          <a:prstGeom prst="rect">
+            <a:avLst/>
+          </a:prstGeom>
+          <a:noFill/>
+        </p:spPr>
+        <p:txBody>
+          <a:bodyPr wrap="square" rtlCol="0">
+            <a:spAutoFit/>
+          </a:bodyPr>
+          <a:lstStyle/>
+          <a:p>
+            <a:pPr algn="ctr"/>
+            <a:r>
+              <a:rPr lang="en-US" dirty="0"/>
+              <a:t>VLF1</a:t>
+            </a:r>
+          </a:p>
+        </p:txBody>
+      </p:sp>
+      <p:sp>
+        <p:nvSpPr>
+          <p:cNvPr id="6" name="TextBox 5"/>
+          <p:cNvSpPr txBox="1"/>
+          <p:nvPr/>
+        </p:nvSpPr>
+        <p:spPr>
+          <a:xfrm>
+            <a:off x="1930854" y="4880317"/>
+            <a:ext cx="1379764" cy="369332"/>
+          </a:xfrm>
+          <a:prstGeom prst="rect">
+            <a:avLst/>
+          </a:prstGeom>
+          <a:noFill/>
+        </p:spPr>
+        <p:txBody>
+          <a:bodyPr wrap="square" rtlCol="0">
+            <a:spAutoFit/>
+          </a:bodyPr>
+          <a:lstStyle/>
+          <a:p>
+            <a:pPr algn="ctr"/>
+            <a:r>
+              <a:rPr lang="en-US" dirty="0"/>
+              <a:t>Active</a:t>
+            </a:r>
+          </a:p>
+        </p:txBody>
+      </p:sp>
+      <p:sp>
+        <p:nvSpPr>
+          <p:cNvPr id="7" name="Rounded Rectangle 6"/>
+          <p:cNvSpPr/>
+          <p:nvPr/>
+        </p:nvSpPr>
+        <p:spPr>
+          <a:xfrm>
+            <a:off x="3699619" y="3396342"/>
+            <a:ext cx="1877786" cy="1404257"/>
+          </a:xfrm>
+          <a:prstGeom prst="roundRect">
+            <a:avLst/>
+          </a:prstGeom>
+          <a:solidFill>
+            <a:schemeClr val="accent1"/>
+          </a:solidFill>
+        </p:spPr>
+        <p:style>
+          <a:lnRef idx="2">
+            <a:schemeClr val="accent1">
+              <a:shade val="50000"/>
+            </a:schemeClr>
+          </a:lnRef>
+          <a:fillRef idx="1">
+            <a:schemeClr val="accent1"/>
+          </a:fillRef>
+          <a:effectRef idx="0">
+            <a:schemeClr val="accent1"/>
+          </a:effectRef>
+          <a:fontRef idx="minor">
+            <a:schemeClr val="lt1"/>
+          </a:fontRef>
+        </p:style>
+        <p:txBody>
+          <a:bodyPr rtlCol="0" anchor="ctr"/>
+          <a:lstStyle/>
+          <a:p>
+            <a:pPr algn="ctr"/>
+            <a:endParaRPr lang="en-US"/>
+          </a:p>
+        </p:txBody>
+      </p:sp>
+      <p:sp>
+        <p:nvSpPr>
+          <p:cNvPr id="8" name="TextBox 7"/>
+          <p:cNvSpPr txBox="1"/>
+          <p:nvPr/>
+        </p:nvSpPr>
+        <p:spPr>
+          <a:xfrm>
+            <a:off x="3948630" y="3913805"/>
+            <a:ext cx="1379764" cy="369332"/>
+          </a:xfrm>
+          <a:prstGeom prst="rect">
+            <a:avLst/>
+          </a:prstGeom>
+          <a:solidFill>
+            <a:schemeClr val="accent1"/>
+          </a:solidFill>
+        </p:spPr>
+        <p:txBody>
+          <a:bodyPr wrap="square" rtlCol="0">
+            <a:spAutoFit/>
+          </a:bodyPr>
+          <a:lstStyle/>
+          <a:p>
+            <a:pPr algn="ctr"/>
+            <a:r>
+              <a:rPr lang="en-US" dirty="0"/>
+              <a:t>VLF2</a:t>
+            </a:r>
+          </a:p>
+        </p:txBody>
+      </p:sp>
+      <p:sp>
+        <p:nvSpPr>
+          <p:cNvPr id="9" name="TextBox 8"/>
+          <p:cNvSpPr txBox="1"/>
+          <p:nvPr/>
+        </p:nvSpPr>
+        <p:spPr>
+          <a:xfrm>
+            <a:off x="3948630" y="4880317"/>
+            <a:ext cx="1379764" cy="369332"/>
+          </a:xfrm>
+          <a:prstGeom prst="rect">
+            <a:avLst/>
+          </a:prstGeom>
+          <a:noFill/>
+        </p:spPr>
+        <p:txBody>
+          <a:bodyPr wrap="square" rtlCol="0">
+            <a:spAutoFit/>
+          </a:bodyPr>
+          <a:lstStyle/>
+          <a:p>
+            <a:pPr algn="ctr"/>
+            <a:r>
+              <a:rPr lang="en-US" dirty="0"/>
+              <a:t>Free</a:t>
+            </a:r>
+          </a:p>
+        </p:txBody>
+      </p:sp>
+      <p:sp>
+        <p:nvSpPr>
+          <p:cNvPr id="10" name="Rounded Rectangle 9"/>
+          <p:cNvSpPr/>
+          <p:nvPr/>
+        </p:nvSpPr>
+        <p:spPr>
+          <a:xfrm>
+            <a:off x="5717395" y="3396342"/>
+            <a:ext cx="1877786" cy="1404257"/>
+          </a:xfrm>
+          <a:prstGeom prst="roundRect">
+            <a:avLst/>
+          </a:prstGeom>
+          <a:solidFill>
+            <a:schemeClr val="accent1"/>
+          </a:solidFill>
+        </p:spPr>
+        <p:style>
+          <a:lnRef idx="2">
+            <a:schemeClr val="accent1">
+              <a:shade val="50000"/>
+            </a:schemeClr>
+          </a:lnRef>
+          <a:fillRef idx="1">
+            <a:schemeClr val="accent1"/>
+          </a:fillRef>
+          <a:effectRef idx="0">
+            <a:schemeClr val="accent1"/>
+          </a:effectRef>
+          <a:fontRef idx="minor">
+            <a:schemeClr val="lt1"/>
+          </a:fontRef>
+        </p:style>
+        <p:txBody>
+          <a:bodyPr rtlCol="0" anchor="ctr"/>
+          <a:lstStyle/>
+          <a:p>
+            <a:pPr algn="ctr"/>
+            <a:endParaRPr lang="en-US"/>
+          </a:p>
+        </p:txBody>
+      </p:sp>
+      <p:sp>
+        <p:nvSpPr>
+          <p:cNvPr id="11" name="TextBox 10"/>
+          <p:cNvSpPr txBox="1"/>
+          <p:nvPr/>
+        </p:nvSpPr>
+        <p:spPr>
+          <a:xfrm>
+            <a:off x="5966406" y="3913805"/>
+            <a:ext cx="1379764" cy="369332"/>
+          </a:xfrm>
+          <a:prstGeom prst="rect">
+            <a:avLst/>
+          </a:prstGeom>
+          <a:noFill/>
+        </p:spPr>
+        <p:txBody>
+          <a:bodyPr wrap="square" rtlCol="0">
+            <a:spAutoFit/>
+          </a:bodyPr>
+          <a:lstStyle/>
+          <a:p>
+            <a:pPr algn="ctr"/>
+            <a:r>
+              <a:rPr lang="en-US" dirty="0"/>
+              <a:t>VLF3</a:t>
+            </a:r>
+          </a:p>
+        </p:txBody>
+      </p:sp>
+      <p:sp>
+        <p:nvSpPr>
+          <p:cNvPr id="12" name="TextBox 11"/>
+          <p:cNvSpPr txBox="1"/>
+          <p:nvPr/>
+        </p:nvSpPr>
+        <p:spPr>
+          <a:xfrm>
+            <a:off x="5966406" y="4880317"/>
+            <a:ext cx="1379764" cy="369332"/>
+          </a:xfrm>
+          <a:prstGeom prst="rect">
+            <a:avLst/>
+          </a:prstGeom>
+          <a:noFill/>
+        </p:spPr>
+        <p:txBody>
+          <a:bodyPr wrap="square" rtlCol="0">
+            <a:spAutoFit/>
+          </a:bodyPr>
+          <a:lstStyle/>
+          <a:p>
+            <a:pPr algn="ctr"/>
+            <a:r>
+              <a:rPr lang="en-US" dirty="0"/>
+              <a:t>Free</a:t>
+            </a:r>
+          </a:p>
+        </p:txBody>
+      </p:sp>
+      <p:sp>
+        <p:nvSpPr>
+          <p:cNvPr id="13" name="Rounded Rectangle 12"/>
+          <p:cNvSpPr/>
+          <p:nvPr/>
+        </p:nvSpPr>
+        <p:spPr>
+          <a:xfrm>
+            <a:off x="7735171" y="3396342"/>
+            <a:ext cx="1877786" cy="1404257"/>
+          </a:xfrm>
+          <a:prstGeom prst="roundRect">
+            <a:avLst/>
+          </a:prstGeom>
+          <a:solidFill>
+            <a:schemeClr val="accent1"/>
+          </a:solidFill>
+        </p:spPr>
+        <p:style>
+          <a:lnRef idx="2">
+            <a:schemeClr val="accent1">
+              <a:shade val="50000"/>
+            </a:schemeClr>
+          </a:lnRef>
+          <a:fillRef idx="1">
+            <a:schemeClr val="accent1"/>
+          </a:fillRef>
+          <a:effectRef idx="0">
+            <a:schemeClr val="accent1"/>
+          </a:effectRef>
+          <a:fontRef idx="minor">
+            <a:schemeClr val="lt1"/>
+          </a:fontRef>
+        </p:style>
+        <p:txBody>
+          <a:bodyPr rtlCol="0" anchor="ctr"/>
+          <a:lstStyle/>
+          <a:p>
+            <a:pPr algn="ctr"/>
+            <a:endParaRPr lang="en-US"/>
+          </a:p>
+        </p:txBody>
+      </p:sp>
+      <p:sp>
+        <p:nvSpPr>
+          <p:cNvPr id="14" name="TextBox 13"/>
+          <p:cNvSpPr txBox="1"/>
+          <p:nvPr/>
+        </p:nvSpPr>
+        <p:spPr>
+          <a:xfrm>
+            <a:off x="7984182" y="3913805"/>
+            <a:ext cx="1379764" cy="369332"/>
+          </a:xfrm>
+          <a:prstGeom prst="rect">
+            <a:avLst/>
+          </a:prstGeom>
+          <a:solidFill>
+            <a:schemeClr val="accent1"/>
+          </a:solidFill>
+        </p:spPr>
+        <p:txBody>
+          <a:bodyPr wrap="square" rtlCol="0">
+            <a:spAutoFit/>
+          </a:bodyPr>
+          <a:lstStyle/>
+          <a:p>
+            <a:pPr algn="ctr"/>
+            <a:r>
+              <a:rPr lang="en-US" dirty="0"/>
+              <a:t>VLF4</a:t>
+            </a:r>
+          </a:p>
+        </p:txBody>
+      </p:sp>
+      <p:sp>
+        <p:nvSpPr>
+          <p:cNvPr id="15" name="TextBox 14"/>
+          <p:cNvSpPr txBox="1"/>
+          <p:nvPr/>
+        </p:nvSpPr>
+        <p:spPr>
+          <a:xfrm>
+            <a:off x="7984182" y="4880317"/>
+            <a:ext cx="1379764" cy="369332"/>
+          </a:xfrm>
+          <a:prstGeom prst="rect">
+            <a:avLst/>
+          </a:prstGeom>
+          <a:noFill/>
+        </p:spPr>
+        <p:txBody>
+          <a:bodyPr wrap="square" rtlCol="0">
+            <a:spAutoFit/>
+          </a:bodyPr>
+          <a:lstStyle/>
+          <a:p>
+            <a:pPr algn="ctr"/>
+            <a:r>
+              <a:rPr lang="en-US" dirty="0"/>
+              <a:t>Free</a:t>
+            </a:r>
+          </a:p>
+        </p:txBody>
+      </p:sp>
+      <p:cxnSp>
+        <p:nvCxnSpPr>
+          <p:cNvPr id="17" name="Straight Connector 16">
+            <a:extLst>
+              <a:ext uri="{FF2B5EF4-FFF2-40B4-BE49-F238E27FC236}">
+                <a16:creationId xmlns:a16="http://schemas.microsoft.com/office/drawing/2014/main" id="{FE7940C7-DF00-44F2-956B-C22CB644D43E}"/>
+              </a:ext>
+            </a:extLst>
+          </p:cNvPr>
+          <p:cNvCxnSpPr/>
+          <p:nvPr/>
+        </p:nvCxnSpPr>
+        <p:spPr>
+          <a:xfrm>
+            <a:off x="6705600" y="2699084"/>
+            <a:ext cx="0" cy="2662990"/>
+          </a:xfrm>
+          <a:prstGeom prst="line">
+            <a:avLst/>
+          </a:prstGeom>
+        </p:spPr>
+        <p:style>
+          <a:lnRef idx="3">
+            <a:schemeClr val="dk1"/>
+          </a:lnRef>
+          <a:fillRef idx="0">
+            <a:schemeClr val="dk1"/>
+          </a:fillRef>
+          <a:effectRef idx="2">
+            <a:schemeClr val="dk1"/>
+          </a:effectRef>
+          <a:fontRef idx="minor">
+            <a:schemeClr val="tx1"/>
+          </a:fontRef>
+        </p:style>
+      </p:cxnSp>
+      <p:sp>
+        <p:nvSpPr>
+          <p:cNvPr id="18" name="TextBox 17">
+            <a:extLst>
+              <a:ext uri="{FF2B5EF4-FFF2-40B4-BE49-F238E27FC236}">
+                <a16:creationId xmlns:a16="http://schemas.microsoft.com/office/drawing/2014/main" id="{1A60DC22-0E6B-46EC-880F-AD4F3D7F8E65}"/>
+              </a:ext>
+            </a:extLst>
+          </p:cNvPr>
+          <p:cNvSpPr txBox="1"/>
+          <p:nvPr/>
+        </p:nvSpPr>
+        <p:spPr>
+          <a:xfrm>
+            <a:off x="6753576" y="2451753"/>
+            <a:ext cx="1367741" cy="246221"/>
+          </a:xfrm>
+          <a:prstGeom prst="rect">
+            <a:avLst/>
+          </a:prstGeom>
+          <a:noFill/>
+        </p:spPr>
+        <p:txBody>
+          <a:bodyPr wrap="square" rtlCol="0">
+            <a:spAutoFit/>
+          </a:bodyPr>
+          <a:lstStyle/>
+          <a:p>
+            <a:r>
+              <a:rPr lang="en-US" sz="1000" dirty="0"/>
+              <a:t>Oldest Checkpoint</a:t>
+            </a:r>
+          </a:p>
+        </p:txBody>
+      </p:sp>
+      <p:cxnSp>
+        <p:nvCxnSpPr>
+          <p:cNvPr id="19" name="Straight Connector 18">
+            <a:extLst>
+              <a:ext uri="{FF2B5EF4-FFF2-40B4-BE49-F238E27FC236}">
+                <a16:creationId xmlns:a16="http://schemas.microsoft.com/office/drawing/2014/main" id="{029F0678-2723-4A9F-B796-2E5BC7F0B069}"/>
+              </a:ext>
+            </a:extLst>
+          </p:cNvPr>
+          <p:cNvCxnSpPr/>
+          <p:nvPr/>
+        </p:nvCxnSpPr>
+        <p:spPr>
+          <a:xfrm>
+            <a:off x="3328594" y="2699084"/>
+            <a:ext cx="0" cy="2662990"/>
+          </a:xfrm>
+          <a:prstGeom prst="line">
+            <a:avLst/>
+          </a:prstGeom>
+        </p:spPr>
+        <p:style>
+          <a:lnRef idx="3">
+            <a:schemeClr val="dk1"/>
+          </a:lnRef>
+          <a:fillRef idx="0">
+            <a:schemeClr val="dk1"/>
+          </a:fillRef>
+          <a:effectRef idx="2">
+            <a:schemeClr val="dk1"/>
+          </a:effectRef>
+          <a:fontRef idx="minor">
+            <a:schemeClr val="tx1"/>
+          </a:fontRef>
+        </p:style>
+      </p:cxnSp>
+      <p:sp>
+        <p:nvSpPr>
+          <p:cNvPr id="20" name="TextBox 19">
+            <a:extLst>
+              <a:ext uri="{FF2B5EF4-FFF2-40B4-BE49-F238E27FC236}">
+                <a16:creationId xmlns:a16="http://schemas.microsoft.com/office/drawing/2014/main" id="{8F835977-F963-44BE-8D84-0EBCD66776B1}"/>
+              </a:ext>
+            </a:extLst>
+          </p:cNvPr>
+          <p:cNvSpPr txBox="1"/>
+          <p:nvPr/>
+        </p:nvSpPr>
+        <p:spPr>
+          <a:xfrm>
+            <a:off x="3368693" y="2297864"/>
+            <a:ext cx="1596887" cy="400110"/>
+          </a:xfrm>
+          <a:prstGeom prst="rect">
+            <a:avLst/>
+          </a:prstGeom>
+          <a:noFill/>
+        </p:spPr>
+        <p:txBody>
+          <a:bodyPr wrap="square" rtlCol="0">
+            <a:spAutoFit/>
+          </a:bodyPr>
+          <a:lstStyle/>
+          <a:p>
+            <a:r>
+              <a:rPr lang="en-US" sz="1000" dirty="0"/>
+              <a:t>Oldest Uncommitted Transaction</a:t>
+            </a:r>
+          </a:p>
+        </p:txBody>
+      </p:sp>
+      <p:sp>
+        <p:nvSpPr>
+          <p:cNvPr id="21" name="Arrow: Right 20">
+            <a:extLst>
+              <a:ext uri="{FF2B5EF4-FFF2-40B4-BE49-F238E27FC236}">
+                <a16:creationId xmlns:a16="http://schemas.microsoft.com/office/drawing/2014/main" id="{3D88DB94-9337-43DB-A346-293EDAC42EC4}"/>
+              </a:ext>
+            </a:extLst>
+          </p:cNvPr>
+          <p:cNvSpPr/>
+          <p:nvPr/>
+        </p:nvSpPr>
+        <p:spPr>
+          <a:xfrm>
+            <a:off x="6723577" y="2624112"/>
+            <a:ext cx="2825092" cy="422041"/>
+          </a:xfrm>
+          <a:prstGeom prst="rightArrow">
+            <a:avLst/>
+          </a:prstGeom>
+        </p:spPr>
+        <p:style>
+          <a:lnRef idx="2">
+            <a:schemeClr val="accent1">
+              <a:shade val="50000"/>
+            </a:schemeClr>
+          </a:lnRef>
+          <a:fillRef idx="1">
+            <a:schemeClr val="accent1"/>
+          </a:fillRef>
+          <a:effectRef idx="0">
+            <a:schemeClr val="accent1"/>
+          </a:effectRef>
+          <a:fontRef idx="minor">
+            <a:schemeClr val="lt1"/>
+          </a:fontRef>
+        </p:style>
+        <p:txBody>
+          <a:bodyPr rtlCol="0" anchor="ctr"/>
+          <a:lstStyle/>
+          <a:p>
+            <a:pPr algn="ctr"/>
+            <a:r>
+              <a:rPr lang="en-US" sz="1200" dirty="0"/>
+              <a:t>Analysis</a:t>
+            </a:r>
+          </a:p>
+        </p:txBody>
+      </p:sp>
+      <p:sp>
+        <p:nvSpPr>
+          <p:cNvPr id="22" name="Arrow: Right 21">
+            <a:extLst>
+              <a:ext uri="{FF2B5EF4-FFF2-40B4-BE49-F238E27FC236}">
+                <a16:creationId xmlns:a16="http://schemas.microsoft.com/office/drawing/2014/main" id="{7DADEE8C-17F7-4E89-B5E7-E97F313E2335}"/>
+              </a:ext>
+            </a:extLst>
+          </p:cNvPr>
+          <p:cNvSpPr/>
+          <p:nvPr/>
+        </p:nvSpPr>
+        <p:spPr>
+          <a:xfrm>
+            <a:off x="3310618" y="2995122"/>
+            <a:ext cx="3377006" cy="400110"/>
+          </a:xfrm>
+          <a:prstGeom prst="rightArrow">
+            <a:avLst/>
+          </a:prstGeom>
+        </p:spPr>
+        <p:style>
+          <a:lnRef idx="2">
+            <a:schemeClr val="accent1">
+              <a:shade val="50000"/>
+            </a:schemeClr>
+          </a:lnRef>
+          <a:fillRef idx="1">
+            <a:schemeClr val="accent1"/>
+          </a:fillRef>
+          <a:effectRef idx="0">
+            <a:schemeClr val="accent1"/>
+          </a:effectRef>
+          <a:fontRef idx="minor">
+            <a:schemeClr val="lt1"/>
+          </a:fontRef>
+        </p:style>
+        <p:txBody>
+          <a:bodyPr rtlCol="0" anchor="ctr"/>
+          <a:lstStyle/>
+          <a:p>
+            <a:pPr algn="ctr"/>
+            <a:r>
+              <a:rPr lang="en-US" sz="1200" dirty="0"/>
+              <a:t>Redo from </a:t>
+            </a:r>
+            <a:r>
+              <a:rPr lang="en-US" sz="1200" dirty="0" err="1"/>
+              <a:t>sLog</a:t>
+            </a:r>
+            <a:endParaRPr lang="en-US" sz="1200" dirty="0"/>
+          </a:p>
+        </p:txBody>
+      </p:sp>
+      <p:sp>
+        <p:nvSpPr>
+          <p:cNvPr id="23" name="Arrow: Right 22">
+            <a:extLst>
+              <a:ext uri="{FF2B5EF4-FFF2-40B4-BE49-F238E27FC236}">
+                <a16:creationId xmlns:a16="http://schemas.microsoft.com/office/drawing/2014/main" id="{7677EF5D-77B1-4A41-A17F-93EDB0BAC7A4}"/>
+              </a:ext>
+            </a:extLst>
+          </p:cNvPr>
+          <p:cNvSpPr/>
+          <p:nvPr/>
+        </p:nvSpPr>
+        <p:spPr>
+          <a:xfrm>
+            <a:off x="6708771" y="2973191"/>
+            <a:ext cx="2825092" cy="422041"/>
+          </a:xfrm>
+          <a:prstGeom prst="rightArrow">
+            <a:avLst/>
+          </a:prstGeom>
+        </p:spPr>
+        <p:style>
+          <a:lnRef idx="2">
+            <a:schemeClr val="accent1">
+              <a:shade val="50000"/>
+            </a:schemeClr>
+          </a:lnRef>
+          <a:fillRef idx="1">
+            <a:schemeClr val="accent1"/>
+          </a:fillRef>
+          <a:effectRef idx="0">
+            <a:schemeClr val="accent1"/>
+          </a:effectRef>
+          <a:fontRef idx="minor">
+            <a:schemeClr val="lt1"/>
+          </a:fontRef>
+        </p:style>
+        <p:txBody>
+          <a:bodyPr rtlCol="0" anchor="ctr"/>
+          <a:lstStyle/>
+          <a:p>
+            <a:pPr algn="ctr"/>
+            <a:r>
+              <a:rPr lang="en-US" sz="1200" dirty="0"/>
+              <a:t>Redo from </a:t>
+            </a:r>
+            <a:r>
+              <a:rPr lang="en-US" sz="1200" dirty="0" err="1"/>
+              <a:t>tLog</a:t>
+            </a:r>
+            <a:endParaRPr lang="en-US" sz="1200" dirty="0"/>
+          </a:p>
+        </p:txBody>
+      </p:sp>
+      <p:sp>
+        <p:nvSpPr>
+          <p:cNvPr id="24" name="Arrow: Left 23">
+            <a:extLst>
+              <a:ext uri="{FF2B5EF4-FFF2-40B4-BE49-F238E27FC236}">
+                <a16:creationId xmlns:a16="http://schemas.microsoft.com/office/drawing/2014/main" id="{2F015FFB-A728-40FD-9918-E3399EB39F9E}"/>
+              </a:ext>
+            </a:extLst>
+          </p:cNvPr>
+          <p:cNvSpPr/>
+          <p:nvPr/>
+        </p:nvSpPr>
+        <p:spPr>
+          <a:xfrm>
+            <a:off x="3337583" y="2651625"/>
+            <a:ext cx="3359029" cy="366484"/>
+          </a:xfrm>
+          <a:prstGeom prst="leftArrow">
+            <a:avLst/>
+          </a:prstGeom>
+        </p:spPr>
+        <p:style>
+          <a:lnRef idx="2">
+            <a:schemeClr val="accent1">
+              <a:shade val="50000"/>
+            </a:schemeClr>
+          </a:lnRef>
+          <a:fillRef idx="1">
+            <a:schemeClr val="accent1"/>
+          </a:fillRef>
+          <a:effectRef idx="0">
+            <a:schemeClr val="accent1"/>
+          </a:effectRef>
+          <a:fontRef idx="minor">
+            <a:schemeClr val="lt1"/>
+          </a:fontRef>
+        </p:style>
+        <p:txBody>
+          <a:bodyPr rtlCol="0" anchor="ctr"/>
+          <a:lstStyle/>
+          <a:p>
+            <a:pPr algn="ctr"/>
+            <a:r>
+              <a:rPr lang="en-US" sz="1200" dirty="0"/>
+              <a:t>Undo from </a:t>
+            </a:r>
+            <a:r>
+              <a:rPr lang="en-US" sz="1200" dirty="0" err="1"/>
+              <a:t>sLog</a:t>
+            </a:r>
+            <a:endParaRPr lang="en-US" sz="1200" dirty="0"/>
+          </a:p>
+        </p:txBody>
+      </p:sp>
     </p:spTree>
     <p:extLst>
       <p:ext uri="{BB962C8B-B14F-4D97-AF65-F5344CB8AC3E}">
-        <p14:creationId xmlns:p14="http://schemas.microsoft.com/office/powerpoint/2010/main" val="3847887652"/>
+        <p14:creationId xmlns:p14="http://schemas.microsoft.com/office/powerpoint/2010/main" val="135472693"/>
       </p:ext>
     </p:extLst>
   </p:cSld>
@@ -14410,7 +14447,7 @@
           <p:cNvPr id="2" name="Title 1">
             <a:extLst>
               <a:ext uri="{FF2B5EF4-FFF2-40B4-BE49-F238E27FC236}">
-                <a16:creationId xmlns:a16="http://schemas.microsoft.com/office/drawing/2014/main" id="{A64FEF82-C56C-4F9F-8CF9-55F1CEF9C42B}"/>
+                <a16:creationId xmlns:a16="http://schemas.microsoft.com/office/drawing/2014/main" id="{52BF9599-A513-49D4-A60F-25B49020760F}"/>
               </a:ext>
             </a:extLst>
           </p:cNvPr>
@@ -14428,73 +14465,43 @@
           <a:p>
             <a:r>
               <a:rPr lang="en-US" dirty="0"/>
-              <a:t>Benefits of ADR</a:t>
-            </a:r>
-          </a:p>
-        </p:txBody>
-      </p:sp>
-      <p:sp>
-        <p:nvSpPr>
-          <p:cNvPr id="3" name="Content Placeholder 2">
+              <a:t>What It Looks Like in the Error Log</a:t>
+            </a:r>
+          </a:p>
+        </p:txBody>
+      </p:sp>
+      <p:pic>
+        <p:nvPicPr>
+          <p:cNvPr id="5" name="Content Placeholder 4">
             <a:extLst>
               <a:ext uri="{FF2B5EF4-FFF2-40B4-BE49-F238E27FC236}">
-                <a16:creationId xmlns:a16="http://schemas.microsoft.com/office/drawing/2014/main" id="{0C96EEF9-9FF9-4BD0-A8E3-552723263F33}"/>
+                <a16:creationId xmlns:a16="http://schemas.microsoft.com/office/drawing/2014/main" id="{340D66D7-5D47-4E4E-879A-EC6A3D6199CC}"/>
               </a:ext>
             </a:extLst>
           </p:cNvPr>
-          <p:cNvSpPr>
-            <a:spLocks noGrp="1"/>
-          </p:cNvSpPr>
+          <p:cNvPicPr>
+            <a:picLocks noGrp="1" noChangeAspect="1"/>
+          </p:cNvPicPr>
           <p:nvPr>
             <p:ph idx="1"/>
           </p:nvPr>
-        </p:nvSpPr>
-        <p:spPr/>
-        <p:txBody>
-          <a:bodyPr/>
-          <a:lstStyle/>
-          <a:p>
-            <a:pPr marL="0" indent="0">
-              <a:buNone/>
-            </a:pPr>
-            <a:r>
-              <a:rPr lang="en-US" dirty="0"/>
-              <a:t>Faster crash recovery</a:t>
-            </a:r>
-          </a:p>
-          <a:p>
-            <a:pPr marL="0" indent="0">
-              <a:buNone/>
-            </a:pPr>
-            <a:r>
-              <a:rPr lang="en-US" dirty="0"/>
-              <a:t>Faster AG failover</a:t>
-            </a:r>
-          </a:p>
-          <a:p>
-            <a:pPr marL="0" indent="0">
-              <a:buNone/>
-            </a:pPr>
-            <a:r>
-              <a:rPr lang="en-US" dirty="0"/>
-              <a:t>Faster rollback</a:t>
-            </a:r>
-          </a:p>
-          <a:p>
-            <a:pPr marL="0" indent="0">
-              <a:buNone/>
-            </a:pPr>
-            <a:r>
-              <a:rPr lang="en-US" dirty="0"/>
-              <a:t>Fast log truncation means smaller logs</a:t>
-            </a:r>
-          </a:p>
-        </p:txBody>
-      </p:sp>
+        </p:nvPicPr>
+        <p:blipFill>
+          <a:blip r:embed="rId2"/>
+          <a:srcRect/>
+          <a:stretch/>
+        </p:blipFill>
+        <p:spPr>
+          <a:xfrm>
+            <a:off x="1019896" y="3222136"/>
+            <a:ext cx="10152207" cy="413726"/>
+          </a:xfrm>
+        </p:spPr>
+      </p:pic>
     </p:spTree>
     <p:extLst>
       <p:ext uri="{BB962C8B-B14F-4D97-AF65-F5344CB8AC3E}">
-        <p14:creationId xmlns:p14="http://schemas.microsoft.com/office/powerpoint/2010/main" val="15212116"/>
+        <p14:creationId xmlns:p14="http://schemas.microsoft.com/office/powerpoint/2010/main" val="3847887652"/>
       </p:ext>
     </p:extLst>
   </p:cSld>
@@ -14526,7 +14533,7 @@
           <p:cNvPr id="2" name="Title 1">
             <a:extLst>
               <a:ext uri="{FF2B5EF4-FFF2-40B4-BE49-F238E27FC236}">
-                <a16:creationId xmlns:a16="http://schemas.microsoft.com/office/drawing/2014/main" id="{13D11F34-7E4B-4969-A4AA-61706463E43A}"/>
+                <a16:creationId xmlns:a16="http://schemas.microsoft.com/office/drawing/2014/main" id="{A64FEF82-C56C-4F9F-8CF9-55F1CEF9C42B}"/>
               </a:ext>
             </a:extLst>
           </p:cNvPr>
@@ -14544,7 +14551,7 @@
           <a:p>
             <a:r>
               <a:rPr lang="en-US" dirty="0"/>
-              <a:t>Crash Recovery Demo</a:t>
+              <a:t>Benefits of ADR</a:t>
             </a:r>
           </a:p>
         </p:txBody>
@@ -14554,7 +14561,7 @@
           <p:cNvPr id="3" name="Content Placeholder 2">
             <a:extLst>
               <a:ext uri="{FF2B5EF4-FFF2-40B4-BE49-F238E27FC236}">
-                <a16:creationId xmlns:a16="http://schemas.microsoft.com/office/drawing/2014/main" id="{340DFCB8-280E-4684-858C-796C01EBFA5C}"/>
+                <a16:creationId xmlns:a16="http://schemas.microsoft.com/office/drawing/2014/main" id="{0C96EEF9-9FF9-4BD0-A8E3-552723263F33}"/>
               </a:ext>
             </a:extLst>
           </p:cNvPr>
@@ -14567,1356 +14574,50 @@
         </p:nvSpPr>
         <p:spPr/>
         <p:txBody>
-          <a:bodyPr>
-            <a:normAutofit fontScale="70000" lnSpcReduction="20000"/>
-          </a:bodyPr>
+          <a:bodyPr/>
           <a:lstStyle/>
           <a:p>
             <a:pPr marL="0" indent="0">
               <a:buNone/>
             </a:pPr>
             <a:r>
-              <a:rPr lang="en-US" sz="2400" dirty="0">
-                <a:solidFill>
-                  <a:srgbClr val="0000FF"/>
-                </a:solidFill>
-                <a:latin typeface="Consolas" panose="020B0609020204030204" pitchFamily="49" charset="0"/>
-              </a:rPr>
-              <a:t>DECLARE</a:t>
-            </a:r>
-            <a:r>
-              <a:rPr lang="en-US" sz="2400" dirty="0">
-                <a:solidFill>
-                  <a:srgbClr val="000000"/>
-                </a:solidFill>
-                <a:latin typeface="Consolas" panose="020B0609020204030204" pitchFamily="49" charset="0"/>
-              </a:rPr>
-              <a:t> @</a:t>
-            </a:r>
-            <a:r>
-              <a:rPr lang="en-US" sz="2400" dirty="0" err="1">
-                <a:solidFill>
-                  <a:srgbClr val="000000"/>
-                </a:solidFill>
-                <a:latin typeface="Consolas" panose="020B0609020204030204" pitchFamily="49" charset="0"/>
-              </a:rPr>
-              <a:t>waitfor</a:t>
-            </a:r>
-            <a:r>
-              <a:rPr lang="en-US" sz="2400" dirty="0">
-                <a:solidFill>
-                  <a:srgbClr val="000000"/>
-                </a:solidFill>
-                <a:latin typeface="Consolas" panose="020B0609020204030204" pitchFamily="49" charset="0"/>
-              </a:rPr>
-              <a:t> </a:t>
-            </a:r>
-            <a:r>
-              <a:rPr lang="en-US" sz="2400" dirty="0">
-                <a:solidFill>
-                  <a:srgbClr val="0000FF"/>
-                </a:solidFill>
-                <a:latin typeface="Consolas" panose="020B0609020204030204" pitchFamily="49" charset="0"/>
-              </a:rPr>
-              <a:t>DATETIME</a:t>
-            </a:r>
-            <a:r>
-              <a:rPr lang="en-US" sz="2400" dirty="0">
-                <a:solidFill>
-                  <a:srgbClr val="808080"/>
-                </a:solidFill>
-                <a:latin typeface="Consolas" panose="020B0609020204030204" pitchFamily="49" charset="0"/>
-              </a:rPr>
-              <a:t>;</a:t>
-            </a:r>
-            <a:endParaRPr lang="en-US" sz="2400" dirty="0">
-              <a:solidFill>
-                <a:srgbClr val="000000"/>
-              </a:solidFill>
-              <a:latin typeface="Consolas" panose="020B0609020204030204" pitchFamily="49" charset="0"/>
-            </a:endParaRPr>
-          </a:p>
-          <a:p>
-            <a:endParaRPr lang="en-US" sz="2400" dirty="0">
-              <a:solidFill>
-                <a:srgbClr val="000000"/>
-              </a:solidFill>
-              <a:latin typeface="Consolas" panose="020B0609020204030204" pitchFamily="49" charset="0"/>
-            </a:endParaRPr>
+              <a:rPr lang="en-US" dirty="0"/>
+              <a:t>Faster crash recovery</a:t>
+            </a:r>
           </a:p>
           <a:p>
             <a:pPr marL="0" indent="0">
               <a:buNone/>
             </a:pPr>
             <a:r>
-              <a:rPr lang="en-US" sz="2400" dirty="0">
-                <a:solidFill>
-                  <a:srgbClr val="0000FF"/>
-                </a:solidFill>
-                <a:latin typeface="Consolas" panose="020B0609020204030204" pitchFamily="49" charset="0"/>
-              </a:rPr>
-              <a:t>SELECT</a:t>
-            </a:r>
-            <a:r>
-              <a:rPr lang="en-US" sz="2400" dirty="0">
-                <a:solidFill>
-                  <a:srgbClr val="000000"/>
-                </a:solidFill>
-                <a:latin typeface="Consolas" panose="020B0609020204030204" pitchFamily="49" charset="0"/>
-              </a:rPr>
-              <a:t> @</a:t>
-            </a:r>
-            <a:r>
-              <a:rPr lang="en-US" sz="2400" dirty="0" err="1">
-                <a:solidFill>
-                  <a:srgbClr val="000000"/>
-                </a:solidFill>
-                <a:latin typeface="Consolas" panose="020B0609020204030204" pitchFamily="49" charset="0"/>
-              </a:rPr>
-              <a:t>waitfor</a:t>
-            </a:r>
-            <a:r>
-              <a:rPr lang="en-US" sz="2400" dirty="0">
-                <a:solidFill>
-                  <a:srgbClr val="000000"/>
-                </a:solidFill>
-                <a:latin typeface="Consolas" panose="020B0609020204030204" pitchFamily="49" charset="0"/>
-              </a:rPr>
-              <a:t> </a:t>
-            </a:r>
-            <a:r>
-              <a:rPr lang="en-US" sz="2400" dirty="0">
-                <a:solidFill>
-                  <a:srgbClr val="808080"/>
-                </a:solidFill>
-                <a:latin typeface="Consolas" panose="020B0609020204030204" pitchFamily="49" charset="0"/>
-              </a:rPr>
-              <a:t>=</a:t>
-            </a:r>
-            <a:r>
-              <a:rPr lang="en-US" sz="2400" dirty="0">
-                <a:solidFill>
-                  <a:srgbClr val="000000"/>
-                </a:solidFill>
-                <a:latin typeface="Consolas" panose="020B0609020204030204" pitchFamily="49" charset="0"/>
-              </a:rPr>
-              <a:t> </a:t>
-            </a:r>
-            <a:r>
-              <a:rPr lang="en-US" sz="2400" dirty="0">
-                <a:solidFill>
-                  <a:srgbClr val="FF00FF"/>
-                </a:solidFill>
-                <a:latin typeface="Consolas" panose="020B0609020204030204" pitchFamily="49" charset="0"/>
-              </a:rPr>
-              <a:t>CAST</a:t>
-            </a:r>
-            <a:r>
-              <a:rPr lang="en-US" sz="2400" dirty="0">
-                <a:solidFill>
-                  <a:srgbClr val="808080"/>
-                </a:solidFill>
-                <a:latin typeface="Consolas" panose="020B0609020204030204" pitchFamily="49" charset="0"/>
-              </a:rPr>
-              <a:t>(</a:t>
-            </a:r>
-            <a:r>
-              <a:rPr lang="en-US" sz="2400" dirty="0">
-                <a:solidFill>
-                  <a:srgbClr val="FF00FF"/>
-                </a:solidFill>
-                <a:latin typeface="Consolas" panose="020B0609020204030204" pitchFamily="49" charset="0"/>
-              </a:rPr>
-              <a:t>DATEADD</a:t>
-            </a:r>
-            <a:r>
-              <a:rPr lang="en-US" sz="2400" dirty="0">
-                <a:solidFill>
-                  <a:srgbClr val="808080"/>
-                </a:solidFill>
-                <a:latin typeface="Consolas" panose="020B0609020204030204" pitchFamily="49" charset="0"/>
-              </a:rPr>
-              <a:t>(</a:t>
-            </a:r>
-            <a:r>
-              <a:rPr lang="en-US" sz="2400" dirty="0">
-                <a:solidFill>
-                  <a:srgbClr val="FF00FF"/>
-                </a:solidFill>
-                <a:latin typeface="Consolas" panose="020B0609020204030204" pitchFamily="49" charset="0"/>
-              </a:rPr>
-              <a:t>SECOND</a:t>
-            </a:r>
-            <a:r>
-              <a:rPr lang="en-US" sz="2400" dirty="0">
-                <a:solidFill>
-                  <a:srgbClr val="808080"/>
-                </a:solidFill>
-                <a:latin typeface="Consolas" panose="020B0609020204030204" pitchFamily="49" charset="0"/>
-              </a:rPr>
-              <a:t>,</a:t>
-            </a:r>
-            <a:r>
-              <a:rPr lang="en-US" sz="2400" dirty="0">
-                <a:solidFill>
-                  <a:srgbClr val="000000"/>
-                </a:solidFill>
-                <a:latin typeface="Consolas" panose="020B0609020204030204" pitchFamily="49" charset="0"/>
-              </a:rPr>
-              <a:t> 10</a:t>
-            </a:r>
-            <a:r>
-              <a:rPr lang="en-US" sz="2400" dirty="0">
-                <a:solidFill>
-                  <a:srgbClr val="808080"/>
-                </a:solidFill>
-                <a:latin typeface="Consolas" panose="020B0609020204030204" pitchFamily="49" charset="0"/>
-              </a:rPr>
-              <a:t>,</a:t>
-            </a:r>
-            <a:r>
-              <a:rPr lang="en-US" sz="2400" dirty="0">
-                <a:solidFill>
-                  <a:srgbClr val="000000"/>
-                </a:solidFill>
-                <a:latin typeface="Consolas" panose="020B0609020204030204" pitchFamily="49" charset="0"/>
-              </a:rPr>
-              <a:t> </a:t>
-            </a:r>
-            <a:r>
-              <a:rPr lang="en-US" sz="2400" dirty="0">
-                <a:solidFill>
-                  <a:srgbClr val="FF00FF"/>
-                </a:solidFill>
-                <a:latin typeface="Consolas" panose="020B0609020204030204" pitchFamily="49" charset="0"/>
-              </a:rPr>
-              <a:t>CURRENT_TIMESTAMP</a:t>
-            </a:r>
-            <a:r>
-              <a:rPr lang="en-US" sz="2400" dirty="0">
-                <a:solidFill>
-                  <a:srgbClr val="808080"/>
-                </a:solidFill>
-                <a:latin typeface="Consolas" panose="020B0609020204030204" pitchFamily="49" charset="0"/>
-              </a:rPr>
-              <a:t>)</a:t>
-            </a:r>
-            <a:r>
-              <a:rPr lang="en-US" sz="2400" dirty="0">
-                <a:solidFill>
-                  <a:srgbClr val="000000"/>
-                </a:solidFill>
-                <a:latin typeface="Consolas" panose="020B0609020204030204" pitchFamily="49" charset="0"/>
-              </a:rPr>
-              <a:t> </a:t>
-            </a:r>
-            <a:r>
-              <a:rPr lang="en-US" sz="2400" dirty="0">
-                <a:solidFill>
-                  <a:srgbClr val="0000FF"/>
-                </a:solidFill>
-                <a:latin typeface="Consolas" panose="020B0609020204030204" pitchFamily="49" charset="0"/>
-              </a:rPr>
-              <a:t>AS</a:t>
-            </a:r>
-            <a:r>
-              <a:rPr lang="en-US" sz="2400" dirty="0">
-                <a:solidFill>
-                  <a:srgbClr val="000000"/>
-                </a:solidFill>
-                <a:latin typeface="Consolas" panose="020B0609020204030204" pitchFamily="49" charset="0"/>
-              </a:rPr>
-              <a:t> </a:t>
-            </a:r>
-            <a:r>
-              <a:rPr lang="en-US" sz="2400" dirty="0">
-                <a:solidFill>
-                  <a:srgbClr val="0000FF"/>
-                </a:solidFill>
-                <a:latin typeface="Consolas" panose="020B0609020204030204" pitchFamily="49" charset="0"/>
-              </a:rPr>
-              <a:t>TIME</a:t>
-            </a:r>
-            <a:r>
-              <a:rPr lang="en-US" sz="2400" dirty="0">
-                <a:solidFill>
-                  <a:srgbClr val="808080"/>
-                </a:solidFill>
-                <a:latin typeface="Consolas" panose="020B0609020204030204" pitchFamily="49" charset="0"/>
-              </a:rPr>
-              <a:t>);</a:t>
-            </a:r>
-            <a:endParaRPr lang="en-US" sz="2400" dirty="0">
-              <a:solidFill>
-                <a:srgbClr val="000000"/>
-              </a:solidFill>
-              <a:latin typeface="Consolas" panose="020B0609020204030204" pitchFamily="49" charset="0"/>
-            </a:endParaRPr>
-          </a:p>
-          <a:p>
-            <a:endParaRPr lang="en-US" sz="2400" dirty="0">
-              <a:solidFill>
-                <a:srgbClr val="000000"/>
-              </a:solidFill>
-              <a:latin typeface="Consolas" panose="020B0609020204030204" pitchFamily="49" charset="0"/>
-            </a:endParaRPr>
+              <a:rPr lang="en-US" dirty="0"/>
+              <a:t>Faster AG failover</a:t>
+            </a:r>
           </a:p>
           <a:p>
             <a:pPr marL="0" indent="0">
               <a:buNone/>
             </a:pPr>
             <a:r>
-              <a:rPr lang="en-US" sz="2400" dirty="0">
-                <a:solidFill>
-                  <a:srgbClr val="0000FF"/>
-                </a:solidFill>
-                <a:latin typeface="Consolas" panose="020B0609020204030204" pitchFamily="49" charset="0"/>
-              </a:rPr>
-              <a:t>WAITFOR</a:t>
-            </a:r>
-            <a:r>
-              <a:rPr lang="en-US" sz="2400" dirty="0">
-                <a:solidFill>
-                  <a:srgbClr val="000000"/>
-                </a:solidFill>
-                <a:latin typeface="Consolas" panose="020B0609020204030204" pitchFamily="49" charset="0"/>
-              </a:rPr>
-              <a:t> </a:t>
-            </a:r>
-            <a:r>
-              <a:rPr lang="en-US" sz="2400" dirty="0">
-                <a:solidFill>
-                  <a:srgbClr val="0000FF"/>
-                </a:solidFill>
-                <a:latin typeface="Consolas" panose="020B0609020204030204" pitchFamily="49" charset="0"/>
-              </a:rPr>
-              <a:t>TIME</a:t>
-            </a:r>
-            <a:r>
-              <a:rPr lang="en-US" sz="2400" dirty="0">
-                <a:solidFill>
-                  <a:srgbClr val="000000"/>
-                </a:solidFill>
-                <a:latin typeface="Consolas" panose="020B0609020204030204" pitchFamily="49" charset="0"/>
-              </a:rPr>
-              <a:t> @</a:t>
-            </a:r>
-            <a:r>
-              <a:rPr lang="en-US" sz="2400" dirty="0" err="1">
-                <a:solidFill>
-                  <a:srgbClr val="000000"/>
-                </a:solidFill>
-                <a:latin typeface="Consolas" panose="020B0609020204030204" pitchFamily="49" charset="0"/>
-              </a:rPr>
-              <a:t>waitfor</a:t>
-            </a:r>
-            <a:r>
-              <a:rPr lang="en-US" sz="2400" dirty="0">
-                <a:solidFill>
-                  <a:srgbClr val="808080"/>
-                </a:solidFill>
-                <a:latin typeface="Consolas" panose="020B0609020204030204" pitchFamily="49" charset="0"/>
-              </a:rPr>
-              <a:t>;</a:t>
-            </a:r>
-            <a:endParaRPr lang="en-US" sz="2400" dirty="0">
-              <a:solidFill>
-                <a:srgbClr val="000000"/>
-              </a:solidFill>
-              <a:latin typeface="Consolas" panose="020B0609020204030204" pitchFamily="49" charset="0"/>
-            </a:endParaRPr>
-          </a:p>
-          <a:p>
-            <a:endParaRPr lang="en-US" sz="2400" dirty="0">
-              <a:solidFill>
-                <a:srgbClr val="000000"/>
-              </a:solidFill>
-              <a:latin typeface="Consolas" panose="020B0609020204030204" pitchFamily="49" charset="0"/>
-            </a:endParaRPr>
+              <a:rPr lang="en-US" dirty="0"/>
+              <a:t>Faster rollback</a:t>
+            </a:r>
           </a:p>
           <a:p>
             <a:pPr marL="0" indent="0">
               <a:buNone/>
             </a:pPr>
             <a:r>
-              <a:rPr lang="en-US" sz="2400" dirty="0">
-                <a:solidFill>
-                  <a:srgbClr val="0000FF"/>
-                </a:solidFill>
-                <a:latin typeface="Consolas" panose="020B0609020204030204" pitchFamily="49" charset="0"/>
-              </a:rPr>
-              <a:t>BEGIN</a:t>
-            </a:r>
-            <a:r>
-              <a:rPr lang="en-US" sz="2400" dirty="0">
-                <a:solidFill>
-                  <a:srgbClr val="000000"/>
-                </a:solidFill>
-                <a:latin typeface="Consolas" panose="020B0609020204030204" pitchFamily="49" charset="0"/>
-              </a:rPr>
-              <a:t> </a:t>
-            </a:r>
-            <a:r>
-              <a:rPr lang="en-US" sz="2400" dirty="0">
-                <a:solidFill>
-                  <a:srgbClr val="0000FF"/>
-                </a:solidFill>
-                <a:latin typeface="Consolas" panose="020B0609020204030204" pitchFamily="49" charset="0"/>
-              </a:rPr>
-              <a:t>TRANSACTION</a:t>
-            </a:r>
-            <a:endParaRPr lang="en-US" sz="2400" dirty="0">
-              <a:solidFill>
-                <a:srgbClr val="000000"/>
-              </a:solidFill>
-              <a:latin typeface="Consolas" panose="020B0609020204030204" pitchFamily="49" charset="0"/>
-            </a:endParaRPr>
-          </a:p>
-          <a:p>
-            <a:pPr marL="0" indent="0">
-              <a:buNone/>
-            </a:pPr>
-            <a:r>
-              <a:rPr lang="en-US" sz="2400" dirty="0">
-                <a:solidFill>
-                  <a:srgbClr val="0000FF"/>
-                </a:solidFill>
-                <a:latin typeface="Consolas" panose="020B0609020204030204" pitchFamily="49" charset="0"/>
-              </a:rPr>
-              <a:t>DROP</a:t>
-            </a:r>
-            <a:r>
-              <a:rPr lang="en-US" sz="2400" dirty="0">
-                <a:solidFill>
-                  <a:srgbClr val="000000"/>
-                </a:solidFill>
-                <a:latin typeface="Consolas" panose="020B0609020204030204" pitchFamily="49" charset="0"/>
-              </a:rPr>
-              <a:t> </a:t>
-            </a:r>
-            <a:r>
-              <a:rPr lang="en-US" sz="2400" dirty="0">
-                <a:solidFill>
-                  <a:srgbClr val="0000FF"/>
-                </a:solidFill>
-                <a:latin typeface="Consolas" panose="020B0609020204030204" pitchFamily="49" charset="0"/>
-              </a:rPr>
-              <a:t>TABLE</a:t>
-            </a:r>
-            <a:r>
-              <a:rPr lang="en-US" sz="2400" dirty="0">
-                <a:solidFill>
-                  <a:srgbClr val="000000"/>
-                </a:solidFill>
-                <a:latin typeface="Consolas" panose="020B0609020204030204" pitchFamily="49" charset="0"/>
-              </a:rPr>
-              <a:t> </a:t>
-            </a:r>
-            <a:r>
-              <a:rPr lang="en-US" sz="2400" dirty="0">
-                <a:solidFill>
-                  <a:srgbClr val="0000FF"/>
-                </a:solidFill>
-                <a:latin typeface="Consolas" panose="020B0609020204030204" pitchFamily="49" charset="0"/>
-              </a:rPr>
-              <a:t>IF</a:t>
-            </a:r>
-            <a:r>
-              <a:rPr lang="en-US" sz="2400" dirty="0">
-                <a:solidFill>
-                  <a:srgbClr val="000000"/>
-                </a:solidFill>
-                <a:latin typeface="Consolas" panose="020B0609020204030204" pitchFamily="49" charset="0"/>
-              </a:rPr>
-              <a:t> </a:t>
-            </a:r>
-            <a:r>
-              <a:rPr lang="en-US" sz="2400" dirty="0">
-                <a:solidFill>
-                  <a:srgbClr val="808080"/>
-                </a:solidFill>
-                <a:latin typeface="Consolas" panose="020B0609020204030204" pitchFamily="49" charset="0"/>
-              </a:rPr>
-              <a:t>EXISTS</a:t>
-            </a:r>
-            <a:r>
-              <a:rPr lang="en-US" sz="2400" dirty="0">
-                <a:solidFill>
-                  <a:srgbClr val="000000"/>
-                </a:solidFill>
-                <a:latin typeface="Consolas" panose="020B0609020204030204" pitchFamily="49" charset="0"/>
-              </a:rPr>
-              <a:t> dbo</a:t>
-            </a:r>
-            <a:r>
-              <a:rPr lang="en-US" sz="2400" dirty="0">
-                <a:solidFill>
-                  <a:srgbClr val="808080"/>
-                </a:solidFill>
-                <a:latin typeface="Consolas" panose="020B0609020204030204" pitchFamily="49" charset="0"/>
-              </a:rPr>
-              <a:t>.</a:t>
-            </a:r>
-            <a:r>
-              <a:rPr lang="en-US" sz="2400" dirty="0">
-                <a:solidFill>
-                  <a:srgbClr val="000000"/>
-                </a:solidFill>
-                <a:latin typeface="Consolas" panose="020B0609020204030204" pitchFamily="49" charset="0"/>
-              </a:rPr>
-              <a:t>fl1</a:t>
-            </a:r>
-            <a:r>
-              <a:rPr lang="en-US" sz="2400" dirty="0">
-                <a:solidFill>
-                  <a:srgbClr val="808080"/>
-                </a:solidFill>
-                <a:latin typeface="Consolas" panose="020B0609020204030204" pitchFamily="49" charset="0"/>
-              </a:rPr>
-              <a:t>,</a:t>
-            </a:r>
-            <a:r>
-              <a:rPr lang="en-US" sz="2400" dirty="0">
-                <a:solidFill>
-                  <a:srgbClr val="000000"/>
-                </a:solidFill>
-                <a:latin typeface="Consolas" panose="020B0609020204030204" pitchFamily="49" charset="0"/>
-              </a:rPr>
-              <a:t> dbo</a:t>
-            </a:r>
-            <a:r>
-              <a:rPr lang="en-US" sz="2400" dirty="0">
-                <a:solidFill>
-                  <a:srgbClr val="808080"/>
-                </a:solidFill>
-                <a:latin typeface="Consolas" panose="020B0609020204030204" pitchFamily="49" charset="0"/>
-              </a:rPr>
-              <a:t>.</a:t>
-            </a:r>
-            <a:r>
-              <a:rPr lang="en-US" sz="2400" dirty="0">
-                <a:solidFill>
-                  <a:srgbClr val="000000"/>
-                </a:solidFill>
-                <a:latin typeface="Consolas" panose="020B0609020204030204" pitchFamily="49" charset="0"/>
-              </a:rPr>
-              <a:t>fl2</a:t>
-            </a:r>
-            <a:r>
-              <a:rPr lang="en-US" sz="2400" dirty="0">
-                <a:solidFill>
-                  <a:srgbClr val="808080"/>
-                </a:solidFill>
-                <a:latin typeface="Consolas" panose="020B0609020204030204" pitchFamily="49" charset="0"/>
-              </a:rPr>
-              <a:t>,</a:t>
-            </a:r>
-            <a:r>
-              <a:rPr lang="en-US" sz="2400" dirty="0">
-                <a:solidFill>
-                  <a:srgbClr val="000000"/>
-                </a:solidFill>
-                <a:latin typeface="Consolas" panose="020B0609020204030204" pitchFamily="49" charset="0"/>
-              </a:rPr>
-              <a:t> dbo</a:t>
-            </a:r>
-            <a:r>
-              <a:rPr lang="en-US" sz="2400" dirty="0">
-                <a:solidFill>
-                  <a:srgbClr val="808080"/>
-                </a:solidFill>
-                <a:latin typeface="Consolas" panose="020B0609020204030204" pitchFamily="49" charset="0"/>
-              </a:rPr>
-              <a:t>.</a:t>
-            </a:r>
-            <a:r>
-              <a:rPr lang="en-US" sz="2400" dirty="0">
-                <a:solidFill>
-                  <a:srgbClr val="000000"/>
-                </a:solidFill>
-                <a:latin typeface="Consolas" panose="020B0609020204030204" pitchFamily="49" charset="0"/>
-              </a:rPr>
-              <a:t>fl3</a:t>
-            </a:r>
-            <a:r>
-              <a:rPr lang="en-US" sz="2400" dirty="0">
-                <a:solidFill>
-                  <a:srgbClr val="808080"/>
-                </a:solidFill>
-                <a:latin typeface="Consolas" panose="020B0609020204030204" pitchFamily="49" charset="0"/>
-              </a:rPr>
-              <a:t>;</a:t>
-            </a:r>
-            <a:endParaRPr lang="en-US" sz="2400" dirty="0">
-              <a:solidFill>
-                <a:srgbClr val="000000"/>
-              </a:solidFill>
-              <a:latin typeface="Consolas" panose="020B0609020204030204" pitchFamily="49" charset="0"/>
-            </a:endParaRPr>
-          </a:p>
-          <a:p>
-            <a:pPr marL="0" indent="0">
-              <a:buNone/>
-            </a:pPr>
-            <a:r>
-              <a:rPr lang="en-US" sz="2400" dirty="0">
-                <a:solidFill>
-                  <a:srgbClr val="0000FF"/>
-                </a:solidFill>
-                <a:latin typeface="Consolas" panose="020B0609020204030204" pitchFamily="49" charset="0"/>
-              </a:rPr>
-              <a:t>SELECT</a:t>
-            </a:r>
-            <a:r>
-              <a:rPr lang="en-US" sz="2400" dirty="0">
-                <a:solidFill>
-                  <a:srgbClr val="000000"/>
-                </a:solidFill>
-                <a:latin typeface="Consolas" panose="020B0609020204030204" pitchFamily="49" charset="0"/>
-              </a:rPr>
-              <a:t> s2</a:t>
-            </a:r>
-            <a:r>
-              <a:rPr lang="en-US" sz="2400" dirty="0">
-                <a:solidFill>
-                  <a:srgbClr val="808080"/>
-                </a:solidFill>
-                <a:latin typeface="Consolas" panose="020B0609020204030204" pitchFamily="49" charset="0"/>
-              </a:rPr>
-              <a:t>.*</a:t>
-            </a:r>
-            <a:r>
-              <a:rPr lang="en-US" sz="2400" dirty="0">
-                <a:solidFill>
-                  <a:srgbClr val="000000"/>
-                </a:solidFill>
-                <a:latin typeface="Consolas" panose="020B0609020204030204" pitchFamily="49" charset="0"/>
-              </a:rPr>
-              <a:t> </a:t>
-            </a:r>
-            <a:r>
-              <a:rPr lang="en-US" sz="2400" dirty="0">
-                <a:solidFill>
-                  <a:srgbClr val="0000FF"/>
-                </a:solidFill>
-                <a:latin typeface="Consolas" panose="020B0609020204030204" pitchFamily="49" charset="0"/>
-              </a:rPr>
-              <a:t>INTO</a:t>
-            </a:r>
-            <a:r>
-              <a:rPr lang="en-US" sz="2400" dirty="0">
-                <a:solidFill>
-                  <a:srgbClr val="000000"/>
-                </a:solidFill>
-                <a:latin typeface="Consolas" panose="020B0609020204030204" pitchFamily="49" charset="0"/>
-              </a:rPr>
-              <a:t> dbo</a:t>
-            </a:r>
-            <a:r>
-              <a:rPr lang="en-US" sz="2400" dirty="0">
-                <a:solidFill>
-                  <a:srgbClr val="808080"/>
-                </a:solidFill>
-                <a:latin typeface="Consolas" panose="020B0609020204030204" pitchFamily="49" charset="0"/>
-              </a:rPr>
-              <a:t>.</a:t>
-            </a:r>
-            <a:r>
-              <a:rPr lang="en-US" sz="2400" dirty="0">
-                <a:solidFill>
-                  <a:srgbClr val="000000"/>
-                </a:solidFill>
-                <a:latin typeface="Consolas" panose="020B0609020204030204" pitchFamily="49" charset="0"/>
-              </a:rPr>
-              <a:t>fl1 </a:t>
-            </a:r>
-            <a:r>
-              <a:rPr lang="en-US" sz="2400" dirty="0">
-                <a:solidFill>
-                  <a:srgbClr val="0000FF"/>
-                </a:solidFill>
-                <a:latin typeface="Consolas" panose="020B0609020204030204" pitchFamily="49" charset="0"/>
-              </a:rPr>
-              <a:t>FROM</a:t>
-            </a:r>
-            <a:r>
-              <a:rPr lang="en-US" sz="2400" dirty="0">
-                <a:solidFill>
-                  <a:srgbClr val="000000"/>
-                </a:solidFill>
-                <a:latin typeface="Consolas" panose="020B0609020204030204" pitchFamily="49" charset="0"/>
-              </a:rPr>
-              <a:t> </a:t>
-            </a:r>
-            <a:r>
-              <a:rPr lang="en-US" sz="2400" dirty="0" err="1">
-                <a:solidFill>
-                  <a:srgbClr val="00FF00"/>
-                </a:solidFill>
-                <a:latin typeface="Consolas" panose="020B0609020204030204" pitchFamily="49" charset="0"/>
-              </a:rPr>
-              <a:t>sys</a:t>
-            </a:r>
-            <a:r>
-              <a:rPr lang="en-US" sz="2400" dirty="0" err="1">
-                <a:solidFill>
-                  <a:srgbClr val="808080"/>
-                </a:solidFill>
-                <a:latin typeface="Consolas" panose="020B0609020204030204" pitchFamily="49" charset="0"/>
-              </a:rPr>
-              <a:t>.</a:t>
-            </a:r>
-            <a:r>
-              <a:rPr lang="en-US" sz="2400" dirty="0" err="1">
-                <a:solidFill>
-                  <a:srgbClr val="00FF00"/>
-                </a:solidFill>
-                <a:latin typeface="Consolas" panose="020B0609020204030204" pitchFamily="49" charset="0"/>
-              </a:rPr>
-              <a:t>all_columns</a:t>
-            </a:r>
-            <a:r>
-              <a:rPr lang="en-US" sz="2400" dirty="0">
-                <a:solidFill>
-                  <a:srgbClr val="000000"/>
-                </a:solidFill>
-                <a:latin typeface="Consolas" panose="020B0609020204030204" pitchFamily="49" charset="0"/>
-              </a:rPr>
-              <a:t> </a:t>
-            </a:r>
-            <a:r>
-              <a:rPr lang="en-US" sz="2400" dirty="0">
-                <a:solidFill>
-                  <a:srgbClr val="0000FF"/>
-                </a:solidFill>
-                <a:latin typeface="Consolas" panose="020B0609020204030204" pitchFamily="49" charset="0"/>
-              </a:rPr>
-              <a:t>AS</a:t>
-            </a:r>
-            <a:r>
-              <a:rPr lang="en-US" sz="2400" dirty="0">
-                <a:solidFill>
-                  <a:srgbClr val="000000"/>
-                </a:solidFill>
-                <a:latin typeface="Consolas" panose="020B0609020204030204" pitchFamily="49" charset="0"/>
-              </a:rPr>
-              <a:t> s1 </a:t>
-            </a:r>
-            <a:r>
-              <a:rPr lang="en-US" sz="2400" dirty="0">
-                <a:solidFill>
-                  <a:srgbClr val="808080"/>
-                </a:solidFill>
-                <a:latin typeface="Consolas" panose="020B0609020204030204" pitchFamily="49" charset="0"/>
-              </a:rPr>
-              <a:t>CROSS</a:t>
-            </a:r>
-            <a:r>
-              <a:rPr lang="en-US" sz="2400" dirty="0">
-                <a:solidFill>
-                  <a:srgbClr val="000000"/>
-                </a:solidFill>
-                <a:latin typeface="Consolas" panose="020B0609020204030204" pitchFamily="49" charset="0"/>
-              </a:rPr>
-              <a:t> </a:t>
-            </a:r>
-            <a:r>
-              <a:rPr lang="en-US" sz="2400" dirty="0">
-                <a:solidFill>
-                  <a:srgbClr val="808080"/>
-                </a:solidFill>
-                <a:latin typeface="Consolas" panose="020B0609020204030204" pitchFamily="49" charset="0"/>
-              </a:rPr>
-              <a:t>JOIN</a:t>
-            </a:r>
-            <a:r>
-              <a:rPr lang="en-US" sz="2400" dirty="0">
-                <a:solidFill>
-                  <a:srgbClr val="000000"/>
-                </a:solidFill>
-                <a:latin typeface="Consolas" panose="020B0609020204030204" pitchFamily="49" charset="0"/>
-              </a:rPr>
-              <a:t> </a:t>
-            </a:r>
-            <a:r>
-              <a:rPr lang="en-US" sz="2400" dirty="0" err="1">
-                <a:solidFill>
-                  <a:srgbClr val="00FF00"/>
-                </a:solidFill>
-                <a:latin typeface="Consolas" panose="020B0609020204030204" pitchFamily="49" charset="0"/>
-              </a:rPr>
-              <a:t>sys</a:t>
-            </a:r>
-            <a:r>
-              <a:rPr lang="en-US" sz="2400" dirty="0" err="1">
-                <a:solidFill>
-                  <a:srgbClr val="808080"/>
-                </a:solidFill>
-                <a:latin typeface="Consolas" panose="020B0609020204030204" pitchFamily="49" charset="0"/>
-              </a:rPr>
-              <a:t>.</a:t>
-            </a:r>
-            <a:r>
-              <a:rPr lang="en-US" sz="2400" dirty="0" err="1">
-                <a:solidFill>
-                  <a:srgbClr val="00FF00"/>
-                </a:solidFill>
-                <a:latin typeface="Consolas" panose="020B0609020204030204" pitchFamily="49" charset="0"/>
-              </a:rPr>
-              <a:t>all_objects</a:t>
-            </a:r>
-            <a:r>
-              <a:rPr lang="en-US" sz="2400" dirty="0">
-                <a:solidFill>
-                  <a:srgbClr val="000000"/>
-                </a:solidFill>
-                <a:latin typeface="Consolas" panose="020B0609020204030204" pitchFamily="49" charset="0"/>
-              </a:rPr>
-              <a:t> </a:t>
-            </a:r>
-            <a:r>
-              <a:rPr lang="en-US" sz="2400" dirty="0">
-                <a:solidFill>
-                  <a:srgbClr val="0000FF"/>
-                </a:solidFill>
-                <a:latin typeface="Consolas" panose="020B0609020204030204" pitchFamily="49" charset="0"/>
-              </a:rPr>
-              <a:t>AS</a:t>
-            </a:r>
-            <a:r>
-              <a:rPr lang="en-US" sz="2400" dirty="0">
-                <a:solidFill>
-                  <a:srgbClr val="000000"/>
-                </a:solidFill>
-                <a:latin typeface="Consolas" panose="020B0609020204030204" pitchFamily="49" charset="0"/>
-              </a:rPr>
-              <a:t> s2</a:t>
-            </a:r>
-            <a:r>
-              <a:rPr lang="en-US" sz="2400" dirty="0">
-                <a:solidFill>
-                  <a:srgbClr val="808080"/>
-                </a:solidFill>
-                <a:latin typeface="Consolas" panose="020B0609020204030204" pitchFamily="49" charset="0"/>
-              </a:rPr>
-              <a:t>;</a:t>
-            </a:r>
-            <a:endParaRPr lang="en-US" sz="2400" dirty="0">
-              <a:solidFill>
-                <a:srgbClr val="000000"/>
-              </a:solidFill>
-              <a:latin typeface="Consolas" panose="020B0609020204030204" pitchFamily="49" charset="0"/>
-            </a:endParaRPr>
-          </a:p>
-          <a:p>
-            <a:pPr marL="0" indent="0">
-              <a:buNone/>
-            </a:pPr>
-            <a:r>
-              <a:rPr lang="en-US" sz="2400" dirty="0">
-                <a:solidFill>
-                  <a:srgbClr val="0000FF"/>
-                </a:solidFill>
-                <a:latin typeface="Consolas" panose="020B0609020204030204" pitchFamily="49" charset="0"/>
-              </a:rPr>
-              <a:t>SELECT</a:t>
-            </a:r>
-            <a:r>
-              <a:rPr lang="en-US" sz="2400" dirty="0">
-                <a:solidFill>
-                  <a:srgbClr val="000000"/>
-                </a:solidFill>
-                <a:latin typeface="Consolas" panose="020B0609020204030204" pitchFamily="49" charset="0"/>
-              </a:rPr>
-              <a:t> s2</a:t>
-            </a:r>
-            <a:r>
-              <a:rPr lang="en-US" sz="2400" dirty="0">
-                <a:solidFill>
-                  <a:srgbClr val="808080"/>
-                </a:solidFill>
-                <a:latin typeface="Consolas" panose="020B0609020204030204" pitchFamily="49" charset="0"/>
-              </a:rPr>
-              <a:t>.*</a:t>
-            </a:r>
-            <a:r>
-              <a:rPr lang="en-US" sz="2400" dirty="0">
-                <a:solidFill>
-                  <a:srgbClr val="000000"/>
-                </a:solidFill>
-                <a:latin typeface="Consolas" panose="020B0609020204030204" pitchFamily="49" charset="0"/>
-              </a:rPr>
-              <a:t> </a:t>
-            </a:r>
-            <a:r>
-              <a:rPr lang="en-US" sz="2400" dirty="0">
-                <a:solidFill>
-                  <a:srgbClr val="0000FF"/>
-                </a:solidFill>
-                <a:latin typeface="Consolas" panose="020B0609020204030204" pitchFamily="49" charset="0"/>
-              </a:rPr>
-              <a:t>INTO</a:t>
-            </a:r>
-            <a:r>
-              <a:rPr lang="en-US" sz="2400" dirty="0">
-                <a:solidFill>
-                  <a:srgbClr val="000000"/>
-                </a:solidFill>
-                <a:latin typeface="Consolas" panose="020B0609020204030204" pitchFamily="49" charset="0"/>
-              </a:rPr>
-              <a:t> dbo</a:t>
-            </a:r>
-            <a:r>
-              <a:rPr lang="en-US" sz="2400" dirty="0">
-                <a:solidFill>
-                  <a:srgbClr val="808080"/>
-                </a:solidFill>
-                <a:latin typeface="Consolas" panose="020B0609020204030204" pitchFamily="49" charset="0"/>
-              </a:rPr>
-              <a:t>.</a:t>
-            </a:r>
-            <a:r>
-              <a:rPr lang="en-US" sz="2400" dirty="0">
-                <a:solidFill>
-                  <a:srgbClr val="000000"/>
-                </a:solidFill>
-                <a:latin typeface="Consolas" panose="020B0609020204030204" pitchFamily="49" charset="0"/>
-              </a:rPr>
-              <a:t>fl2 </a:t>
-            </a:r>
-            <a:r>
-              <a:rPr lang="en-US" sz="2400" dirty="0">
-                <a:solidFill>
-                  <a:srgbClr val="0000FF"/>
-                </a:solidFill>
-                <a:latin typeface="Consolas" panose="020B0609020204030204" pitchFamily="49" charset="0"/>
-              </a:rPr>
-              <a:t>FROM</a:t>
-            </a:r>
-            <a:r>
-              <a:rPr lang="en-US" sz="2400" dirty="0">
-                <a:solidFill>
-                  <a:srgbClr val="000000"/>
-                </a:solidFill>
-                <a:latin typeface="Consolas" panose="020B0609020204030204" pitchFamily="49" charset="0"/>
-              </a:rPr>
-              <a:t> </a:t>
-            </a:r>
-            <a:r>
-              <a:rPr lang="en-US" sz="2400" dirty="0" err="1">
-                <a:solidFill>
-                  <a:srgbClr val="00FF00"/>
-                </a:solidFill>
-                <a:latin typeface="Consolas" panose="020B0609020204030204" pitchFamily="49" charset="0"/>
-              </a:rPr>
-              <a:t>sys</a:t>
-            </a:r>
-            <a:r>
-              <a:rPr lang="en-US" sz="2400" dirty="0" err="1">
-                <a:solidFill>
-                  <a:srgbClr val="808080"/>
-                </a:solidFill>
-                <a:latin typeface="Consolas" panose="020B0609020204030204" pitchFamily="49" charset="0"/>
-              </a:rPr>
-              <a:t>.</a:t>
-            </a:r>
-            <a:r>
-              <a:rPr lang="en-US" sz="2400" dirty="0" err="1">
-                <a:solidFill>
-                  <a:srgbClr val="00FF00"/>
-                </a:solidFill>
-                <a:latin typeface="Consolas" panose="020B0609020204030204" pitchFamily="49" charset="0"/>
-              </a:rPr>
-              <a:t>all_columns</a:t>
-            </a:r>
-            <a:r>
-              <a:rPr lang="en-US" sz="2400" dirty="0">
-                <a:solidFill>
-                  <a:srgbClr val="000000"/>
-                </a:solidFill>
-                <a:latin typeface="Consolas" panose="020B0609020204030204" pitchFamily="49" charset="0"/>
-              </a:rPr>
-              <a:t> </a:t>
-            </a:r>
-            <a:r>
-              <a:rPr lang="en-US" sz="2400" dirty="0">
-                <a:solidFill>
-                  <a:srgbClr val="0000FF"/>
-                </a:solidFill>
-                <a:latin typeface="Consolas" panose="020B0609020204030204" pitchFamily="49" charset="0"/>
-              </a:rPr>
-              <a:t>AS</a:t>
-            </a:r>
-            <a:r>
-              <a:rPr lang="en-US" sz="2400" dirty="0">
-                <a:solidFill>
-                  <a:srgbClr val="000000"/>
-                </a:solidFill>
-                <a:latin typeface="Consolas" panose="020B0609020204030204" pitchFamily="49" charset="0"/>
-              </a:rPr>
-              <a:t> s1 </a:t>
-            </a:r>
-            <a:r>
-              <a:rPr lang="en-US" sz="2400" dirty="0">
-                <a:solidFill>
-                  <a:srgbClr val="808080"/>
-                </a:solidFill>
-                <a:latin typeface="Consolas" panose="020B0609020204030204" pitchFamily="49" charset="0"/>
-              </a:rPr>
-              <a:t>CROSS</a:t>
-            </a:r>
-            <a:r>
-              <a:rPr lang="en-US" sz="2400" dirty="0">
-                <a:solidFill>
-                  <a:srgbClr val="000000"/>
-                </a:solidFill>
-                <a:latin typeface="Consolas" panose="020B0609020204030204" pitchFamily="49" charset="0"/>
-              </a:rPr>
-              <a:t> </a:t>
-            </a:r>
-            <a:r>
-              <a:rPr lang="en-US" sz="2400" dirty="0">
-                <a:solidFill>
-                  <a:srgbClr val="808080"/>
-                </a:solidFill>
-                <a:latin typeface="Consolas" panose="020B0609020204030204" pitchFamily="49" charset="0"/>
-              </a:rPr>
-              <a:t>JOIN</a:t>
-            </a:r>
-            <a:r>
-              <a:rPr lang="en-US" sz="2400" dirty="0">
-                <a:solidFill>
-                  <a:srgbClr val="000000"/>
-                </a:solidFill>
-                <a:latin typeface="Consolas" panose="020B0609020204030204" pitchFamily="49" charset="0"/>
-              </a:rPr>
-              <a:t> </a:t>
-            </a:r>
-            <a:r>
-              <a:rPr lang="en-US" sz="2400" dirty="0" err="1">
-                <a:solidFill>
-                  <a:srgbClr val="00FF00"/>
-                </a:solidFill>
-                <a:latin typeface="Consolas" panose="020B0609020204030204" pitchFamily="49" charset="0"/>
-              </a:rPr>
-              <a:t>sys</a:t>
-            </a:r>
-            <a:r>
-              <a:rPr lang="en-US" sz="2400" dirty="0" err="1">
-                <a:solidFill>
-                  <a:srgbClr val="808080"/>
-                </a:solidFill>
-                <a:latin typeface="Consolas" panose="020B0609020204030204" pitchFamily="49" charset="0"/>
-              </a:rPr>
-              <a:t>.</a:t>
-            </a:r>
-            <a:r>
-              <a:rPr lang="en-US" sz="2400" dirty="0" err="1">
-                <a:solidFill>
-                  <a:srgbClr val="00FF00"/>
-                </a:solidFill>
-                <a:latin typeface="Consolas" panose="020B0609020204030204" pitchFamily="49" charset="0"/>
-              </a:rPr>
-              <a:t>all_objects</a:t>
-            </a:r>
-            <a:r>
-              <a:rPr lang="en-US" sz="2400" dirty="0">
-                <a:solidFill>
-                  <a:srgbClr val="000000"/>
-                </a:solidFill>
-                <a:latin typeface="Consolas" panose="020B0609020204030204" pitchFamily="49" charset="0"/>
-              </a:rPr>
-              <a:t> </a:t>
-            </a:r>
-            <a:r>
-              <a:rPr lang="en-US" sz="2400" dirty="0">
-                <a:solidFill>
-                  <a:srgbClr val="0000FF"/>
-                </a:solidFill>
-                <a:latin typeface="Consolas" panose="020B0609020204030204" pitchFamily="49" charset="0"/>
-              </a:rPr>
-              <a:t>AS</a:t>
-            </a:r>
-            <a:r>
-              <a:rPr lang="en-US" sz="2400" dirty="0">
-                <a:solidFill>
-                  <a:srgbClr val="000000"/>
-                </a:solidFill>
-                <a:latin typeface="Consolas" panose="020B0609020204030204" pitchFamily="49" charset="0"/>
-              </a:rPr>
-              <a:t> s2</a:t>
-            </a:r>
-            <a:r>
-              <a:rPr lang="en-US" sz="2400" dirty="0">
-                <a:solidFill>
-                  <a:srgbClr val="808080"/>
-                </a:solidFill>
-                <a:latin typeface="Consolas" panose="020B0609020204030204" pitchFamily="49" charset="0"/>
-              </a:rPr>
-              <a:t>;</a:t>
-            </a:r>
-            <a:endParaRPr lang="en-US" sz="2400" dirty="0">
-              <a:solidFill>
-                <a:srgbClr val="000000"/>
-              </a:solidFill>
-              <a:latin typeface="Consolas" panose="020B0609020204030204" pitchFamily="49" charset="0"/>
-            </a:endParaRPr>
-          </a:p>
-          <a:p>
-            <a:pPr marL="0" indent="0">
-              <a:buNone/>
-            </a:pPr>
-            <a:r>
-              <a:rPr lang="en-US" sz="2400" dirty="0">
-                <a:solidFill>
-                  <a:srgbClr val="0000FF"/>
-                </a:solidFill>
-                <a:latin typeface="Consolas" panose="020B0609020204030204" pitchFamily="49" charset="0"/>
-              </a:rPr>
-              <a:t>SELECT</a:t>
-            </a:r>
-            <a:r>
-              <a:rPr lang="en-US" sz="2400" dirty="0">
-                <a:solidFill>
-                  <a:srgbClr val="000000"/>
-                </a:solidFill>
-                <a:latin typeface="Consolas" panose="020B0609020204030204" pitchFamily="49" charset="0"/>
-              </a:rPr>
-              <a:t> s2</a:t>
-            </a:r>
-            <a:r>
-              <a:rPr lang="en-US" sz="2400" dirty="0">
-                <a:solidFill>
-                  <a:srgbClr val="808080"/>
-                </a:solidFill>
-                <a:latin typeface="Consolas" panose="020B0609020204030204" pitchFamily="49" charset="0"/>
-              </a:rPr>
-              <a:t>.*</a:t>
-            </a:r>
-            <a:r>
-              <a:rPr lang="en-US" sz="2400" dirty="0">
-                <a:solidFill>
-                  <a:srgbClr val="000000"/>
-                </a:solidFill>
-                <a:latin typeface="Consolas" panose="020B0609020204030204" pitchFamily="49" charset="0"/>
-              </a:rPr>
-              <a:t> </a:t>
-            </a:r>
-            <a:r>
-              <a:rPr lang="en-US" sz="2400" dirty="0">
-                <a:solidFill>
-                  <a:srgbClr val="0000FF"/>
-                </a:solidFill>
-                <a:latin typeface="Consolas" panose="020B0609020204030204" pitchFamily="49" charset="0"/>
-              </a:rPr>
-              <a:t>INTO</a:t>
-            </a:r>
-            <a:r>
-              <a:rPr lang="en-US" sz="2400" dirty="0">
-                <a:solidFill>
-                  <a:srgbClr val="000000"/>
-                </a:solidFill>
-                <a:latin typeface="Consolas" panose="020B0609020204030204" pitchFamily="49" charset="0"/>
-              </a:rPr>
-              <a:t> dbo</a:t>
-            </a:r>
-            <a:r>
-              <a:rPr lang="en-US" sz="2400" dirty="0">
-                <a:solidFill>
-                  <a:srgbClr val="808080"/>
-                </a:solidFill>
-                <a:latin typeface="Consolas" panose="020B0609020204030204" pitchFamily="49" charset="0"/>
-              </a:rPr>
-              <a:t>.</a:t>
-            </a:r>
-            <a:r>
-              <a:rPr lang="en-US" sz="2400" dirty="0">
-                <a:solidFill>
-                  <a:srgbClr val="000000"/>
-                </a:solidFill>
-                <a:latin typeface="Consolas" panose="020B0609020204030204" pitchFamily="49" charset="0"/>
-              </a:rPr>
-              <a:t>fl3 </a:t>
-            </a:r>
-            <a:r>
-              <a:rPr lang="en-US" sz="2400" dirty="0">
-                <a:solidFill>
-                  <a:srgbClr val="0000FF"/>
-                </a:solidFill>
-                <a:latin typeface="Consolas" panose="020B0609020204030204" pitchFamily="49" charset="0"/>
-              </a:rPr>
-              <a:t>FROM</a:t>
-            </a:r>
-            <a:r>
-              <a:rPr lang="en-US" sz="2400" dirty="0">
-                <a:solidFill>
-                  <a:srgbClr val="000000"/>
-                </a:solidFill>
-                <a:latin typeface="Consolas" panose="020B0609020204030204" pitchFamily="49" charset="0"/>
-              </a:rPr>
-              <a:t> </a:t>
-            </a:r>
-            <a:r>
-              <a:rPr lang="en-US" sz="2400" dirty="0" err="1">
-                <a:solidFill>
-                  <a:srgbClr val="00FF00"/>
-                </a:solidFill>
-                <a:latin typeface="Consolas" panose="020B0609020204030204" pitchFamily="49" charset="0"/>
-              </a:rPr>
-              <a:t>sys</a:t>
-            </a:r>
-            <a:r>
-              <a:rPr lang="en-US" sz="2400" dirty="0" err="1">
-                <a:solidFill>
-                  <a:srgbClr val="808080"/>
-                </a:solidFill>
-                <a:latin typeface="Consolas" panose="020B0609020204030204" pitchFamily="49" charset="0"/>
-              </a:rPr>
-              <a:t>.</a:t>
-            </a:r>
-            <a:r>
-              <a:rPr lang="en-US" sz="2400" dirty="0" err="1">
-                <a:solidFill>
-                  <a:srgbClr val="00FF00"/>
-                </a:solidFill>
-                <a:latin typeface="Consolas" panose="020B0609020204030204" pitchFamily="49" charset="0"/>
-              </a:rPr>
-              <a:t>all_columns</a:t>
-            </a:r>
-            <a:r>
-              <a:rPr lang="en-US" sz="2400" dirty="0">
-                <a:solidFill>
-                  <a:srgbClr val="000000"/>
-                </a:solidFill>
-                <a:latin typeface="Consolas" panose="020B0609020204030204" pitchFamily="49" charset="0"/>
-              </a:rPr>
-              <a:t> </a:t>
-            </a:r>
-            <a:r>
-              <a:rPr lang="en-US" sz="2400" dirty="0">
-                <a:solidFill>
-                  <a:srgbClr val="0000FF"/>
-                </a:solidFill>
-                <a:latin typeface="Consolas" panose="020B0609020204030204" pitchFamily="49" charset="0"/>
-              </a:rPr>
-              <a:t>AS</a:t>
-            </a:r>
-            <a:r>
-              <a:rPr lang="en-US" sz="2400" dirty="0">
-                <a:solidFill>
-                  <a:srgbClr val="000000"/>
-                </a:solidFill>
-                <a:latin typeface="Consolas" panose="020B0609020204030204" pitchFamily="49" charset="0"/>
-              </a:rPr>
-              <a:t> s1 </a:t>
-            </a:r>
-            <a:r>
-              <a:rPr lang="en-US" sz="2400" dirty="0">
-                <a:solidFill>
-                  <a:srgbClr val="808080"/>
-                </a:solidFill>
-                <a:latin typeface="Consolas" panose="020B0609020204030204" pitchFamily="49" charset="0"/>
-              </a:rPr>
-              <a:t>CROSS</a:t>
-            </a:r>
-            <a:r>
-              <a:rPr lang="en-US" sz="2400" dirty="0">
-                <a:solidFill>
-                  <a:srgbClr val="000000"/>
-                </a:solidFill>
-                <a:latin typeface="Consolas" panose="020B0609020204030204" pitchFamily="49" charset="0"/>
-              </a:rPr>
-              <a:t> </a:t>
-            </a:r>
-            <a:r>
-              <a:rPr lang="en-US" sz="2400" dirty="0">
-                <a:solidFill>
-                  <a:srgbClr val="808080"/>
-                </a:solidFill>
-                <a:latin typeface="Consolas" panose="020B0609020204030204" pitchFamily="49" charset="0"/>
-              </a:rPr>
-              <a:t>JOIN</a:t>
-            </a:r>
-            <a:r>
-              <a:rPr lang="en-US" sz="2400" dirty="0">
-                <a:solidFill>
-                  <a:srgbClr val="000000"/>
-                </a:solidFill>
-                <a:latin typeface="Consolas" panose="020B0609020204030204" pitchFamily="49" charset="0"/>
-              </a:rPr>
-              <a:t> </a:t>
-            </a:r>
-            <a:r>
-              <a:rPr lang="en-US" sz="2400" dirty="0" err="1">
-                <a:solidFill>
-                  <a:srgbClr val="00FF00"/>
-                </a:solidFill>
-                <a:latin typeface="Consolas" panose="020B0609020204030204" pitchFamily="49" charset="0"/>
-              </a:rPr>
-              <a:t>sys</a:t>
-            </a:r>
-            <a:r>
-              <a:rPr lang="en-US" sz="2400" dirty="0" err="1">
-                <a:solidFill>
-                  <a:srgbClr val="808080"/>
-                </a:solidFill>
-                <a:latin typeface="Consolas" panose="020B0609020204030204" pitchFamily="49" charset="0"/>
-              </a:rPr>
-              <a:t>.</a:t>
-            </a:r>
-            <a:r>
-              <a:rPr lang="en-US" sz="2400" dirty="0" err="1">
-                <a:solidFill>
-                  <a:srgbClr val="00FF00"/>
-                </a:solidFill>
-                <a:latin typeface="Consolas" panose="020B0609020204030204" pitchFamily="49" charset="0"/>
-              </a:rPr>
-              <a:t>all_objects</a:t>
-            </a:r>
-            <a:r>
-              <a:rPr lang="en-US" sz="2400" dirty="0">
-                <a:solidFill>
-                  <a:srgbClr val="000000"/>
-                </a:solidFill>
-                <a:latin typeface="Consolas" panose="020B0609020204030204" pitchFamily="49" charset="0"/>
-              </a:rPr>
-              <a:t> </a:t>
-            </a:r>
-            <a:r>
-              <a:rPr lang="en-US" sz="2400" dirty="0">
-                <a:solidFill>
-                  <a:srgbClr val="0000FF"/>
-                </a:solidFill>
-                <a:latin typeface="Consolas" panose="020B0609020204030204" pitchFamily="49" charset="0"/>
-              </a:rPr>
-              <a:t>AS</a:t>
-            </a:r>
-            <a:r>
-              <a:rPr lang="en-US" sz="2400" dirty="0">
-                <a:solidFill>
-                  <a:srgbClr val="000000"/>
-                </a:solidFill>
-                <a:latin typeface="Consolas" panose="020B0609020204030204" pitchFamily="49" charset="0"/>
-              </a:rPr>
-              <a:t> s2</a:t>
-            </a:r>
-            <a:r>
-              <a:rPr lang="en-US" sz="2400" dirty="0">
-                <a:solidFill>
-                  <a:srgbClr val="808080"/>
-                </a:solidFill>
-                <a:latin typeface="Consolas" panose="020B0609020204030204" pitchFamily="49" charset="0"/>
-              </a:rPr>
-              <a:t>;</a:t>
-            </a:r>
-            <a:endParaRPr lang="en-US" dirty="0"/>
+              <a:rPr lang="en-US" dirty="0"/>
+              <a:t>Fast log truncation means smaller logs</a:t>
+            </a:r>
           </a:p>
         </p:txBody>
       </p:sp>
     </p:spTree>
     <p:extLst>
       <p:ext uri="{BB962C8B-B14F-4D97-AF65-F5344CB8AC3E}">
-        <p14:creationId xmlns:p14="http://schemas.microsoft.com/office/powerpoint/2010/main" val="1029606254"/>
+        <p14:creationId xmlns:p14="http://schemas.microsoft.com/office/powerpoint/2010/main" val="15212116"/>
       </p:ext>
     </p:extLst>
   </p:cSld>
@@ -16070,7 +14771,7 @@
           <p:cNvPr id="2" name="Title 1">
             <a:extLst>
               <a:ext uri="{FF2B5EF4-FFF2-40B4-BE49-F238E27FC236}">
-                <a16:creationId xmlns:a16="http://schemas.microsoft.com/office/drawing/2014/main" id="{E79EC8D3-7E72-40B2-AF87-707FEBCCA938}"/>
+                <a16:creationId xmlns:a16="http://schemas.microsoft.com/office/drawing/2014/main" id="{13D11F34-7E4B-4969-A4AA-61706463E43A}"/>
               </a:ext>
             </a:extLst>
           </p:cNvPr>
@@ -16088,43 +14789,1379 @@
           <a:p>
             <a:r>
               <a:rPr lang="en-US" dirty="0"/>
-              <a:t>Crash Recovery Results</a:t>
-            </a:r>
-          </a:p>
-        </p:txBody>
-      </p:sp>
-      <p:pic>
-        <p:nvPicPr>
-          <p:cNvPr id="5" name="Content Placeholder 4">
+              <a:t>Crash Recovery Demo</a:t>
+            </a:r>
+          </a:p>
+        </p:txBody>
+      </p:sp>
+      <p:sp>
+        <p:nvSpPr>
+          <p:cNvPr id="3" name="Content Placeholder 2">
             <a:extLst>
               <a:ext uri="{FF2B5EF4-FFF2-40B4-BE49-F238E27FC236}">
-                <a16:creationId xmlns:a16="http://schemas.microsoft.com/office/drawing/2014/main" id="{26D4F835-A399-47FC-B13C-0E35AA6F4311}"/>
+                <a16:creationId xmlns:a16="http://schemas.microsoft.com/office/drawing/2014/main" id="{340DFCB8-280E-4684-858C-796C01EBFA5C}"/>
               </a:ext>
             </a:extLst>
           </p:cNvPr>
-          <p:cNvPicPr>
-            <a:picLocks noGrp="1" noChangeAspect="1"/>
-          </p:cNvPicPr>
+          <p:cNvSpPr>
+            <a:spLocks noGrp="1"/>
+          </p:cNvSpPr>
           <p:nvPr>
             <p:ph idx="1"/>
           </p:nvPr>
-        </p:nvPicPr>
-        <p:blipFill>
-          <a:blip r:embed="rId2"/>
-          <a:srcRect/>
-          <a:stretch/>
-        </p:blipFill>
-        <p:spPr>
-          <a:xfrm>
-            <a:off x="2556608" y="2782486"/>
-            <a:ext cx="7078784" cy="1293028"/>
-          </a:xfrm>
-        </p:spPr>
-      </p:pic>
+        </p:nvSpPr>
+        <p:spPr/>
+        <p:txBody>
+          <a:bodyPr>
+            <a:normAutofit fontScale="70000" lnSpcReduction="20000"/>
+          </a:bodyPr>
+          <a:lstStyle/>
+          <a:p>
+            <a:pPr marL="0" indent="0">
+              <a:buNone/>
+            </a:pPr>
+            <a:r>
+              <a:rPr lang="en-US" sz="2400" dirty="0">
+                <a:solidFill>
+                  <a:srgbClr val="0000FF"/>
+                </a:solidFill>
+                <a:latin typeface="Consolas" panose="020B0609020204030204" pitchFamily="49" charset="0"/>
+              </a:rPr>
+              <a:t>DECLARE</a:t>
+            </a:r>
+            <a:r>
+              <a:rPr lang="en-US" sz="2400" dirty="0">
+                <a:solidFill>
+                  <a:srgbClr val="000000"/>
+                </a:solidFill>
+                <a:latin typeface="Consolas" panose="020B0609020204030204" pitchFamily="49" charset="0"/>
+              </a:rPr>
+              <a:t> @</a:t>
+            </a:r>
+            <a:r>
+              <a:rPr lang="en-US" sz="2400" dirty="0" err="1">
+                <a:solidFill>
+                  <a:srgbClr val="000000"/>
+                </a:solidFill>
+                <a:latin typeface="Consolas" panose="020B0609020204030204" pitchFamily="49" charset="0"/>
+              </a:rPr>
+              <a:t>waitfor</a:t>
+            </a:r>
+            <a:r>
+              <a:rPr lang="en-US" sz="2400" dirty="0">
+                <a:solidFill>
+                  <a:srgbClr val="000000"/>
+                </a:solidFill>
+                <a:latin typeface="Consolas" panose="020B0609020204030204" pitchFamily="49" charset="0"/>
+              </a:rPr>
+              <a:t> </a:t>
+            </a:r>
+            <a:r>
+              <a:rPr lang="en-US" sz="2400" dirty="0">
+                <a:solidFill>
+                  <a:srgbClr val="0000FF"/>
+                </a:solidFill>
+                <a:latin typeface="Consolas" panose="020B0609020204030204" pitchFamily="49" charset="0"/>
+              </a:rPr>
+              <a:t>DATETIME</a:t>
+            </a:r>
+            <a:r>
+              <a:rPr lang="en-US" sz="2400" dirty="0">
+                <a:solidFill>
+                  <a:srgbClr val="808080"/>
+                </a:solidFill>
+                <a:latin typeface="Consolas" panose="020B0609020204030204" pitchFamily="49" charset="0"/>
+              </a:rPr>
+              <a:t>;</a:t>
+            </a:r>
+            <a:endParaRPr lang="en-US" sz="2400" dirty="0">
+              <a:solidFill>
+                <a:srgbClr val="000000"/>
+              </a:solidFill>
+              <a:latin typeface="Consolas" panose="020B0609020204030204" pitchFamily="49" charset="0"/>
+            </a:endParaRPr>
+          </a:p>
+          <a:p>
+            <a:endParaRPr lang="en-US" sz="2400" dirty="0">
+              <a:solidFill>
+                <a:srgbClr val="000000"/>
+              </a:solidFill>
+              <a:latin typeface="Consolas" panose="020B0609020204030204" pitchFamily="49" charset="0"/>
+            </a:endParaRPr>
+          </a:p>
+          <a:p>
+            <a:pPr marL="0" indent="0">
+              <a:buNone/>
+            </a:pPr>
+            <a:r>
+              <a:rPr lang="en-US" sz="2400" dirty="0">
+                <a:solidFill>
+                  <a:srgbClr val="0000FF"/>
+                </a:solidFill>
+                <a:latin typeface="Consolas" panose="020B0609020204030204" pitchFamily="49" charset="0"/>
+              </a:rPr>
+              <a:t>SELECT</a:t>
+            </a:r>
+            <a:r>
+              <a:rPr lang="en-US" sz="2400" dirty="0">
+                <a:solidFill>
+                  <a:srgbClr val="000000"/>
+                </a:solidFill>
+                <a:latin typeface="Consolas" panose="020B0609020204030204" pitchFamily="49" charset="0"/>
+              </a:rPr>
+              <a:t> @</a:t>
+            </a:r>
+            <a:r>
+              <a:rPr lang="en-US" sz="2400" dirty="0" err="1">
+                <a:solidFill>
+                  <a:srgbClr val="000000"/>
+                </a:solidFill>
+                <a:latin typeface="Consolas" panose="020B0609020204030204" pitchFamily="49" charset="0"/>
+              </a:rPr>
+              <a:t>waitfor</a:t>
+            </a:r>
+            <a:r>
+              <a:rPr lang="en-US" sz="2400" dirty="0">
+                <a:solidFill>
+                  <a:srgbClr val="000000"/>
+                </a:solidFill>
+                <a:latin typeface="Consolas" panose="020B0609020204030204" pitchFamily="49" charset="0"/>
+              </a:rPr>
+              <a:t> </a:t>
+            </a:r>
+            <a:r>
+              <a:rPr lang="en-US" sz="2400" dirty="0">
+                <a:solidFill>
+                  <a:srgbClr val="808080"/>
+                </a:solidFill>
+                <a:latin typeface="Consolas" panose="020B0609020204030204" pitchFamily="49" charset="0"/>
+              </a:rPr>
+              <a:t>=</a:t>
+            </a:r>
+            <a:r>
+              <a:rPr lang="en-US" sz="2400" dirty="0">
+                <a:solidFill>
+                  <a:srgbClr val="000000"/>
+                </a:solidFill>
+                <a:latin typeface="Consolas" panose="020B0609020204030204" pitchFamily="49" charset="0"/>
+              </a:rPr>
+              <a:t> </a:t>
+            </a:r>
+            <a:r>
+              <a:rPr lang="en-US" sz="2400" dirty="0">
+                <a:solidFill>
+                  <a:srgbClr val="FF00FF"/>
+                </a:solidFill>
+                <a:latin typeface="Consolas" panose="020B0609020204030204" pitchFamily="49" charset="0"/>
+              </a:rPr>
+              <a:t>CAST</a:t>
+            </a:r>
+            <a:r>
+              <a:rPr lang="en-US" sz="2400" dirty="0">
+                <a:solidFill>
+                  <a:srgbClr val="808080"/>
+                </a:solidFill>
+                <a:latin typeface="Consolas" panose="020B0609020204030204" pitchFamily="49" charset="0"/>
+              </a:rPr>
+              <a:t>(</a:t>
+            </a:r>
+            <a:r>
+              <a:rPr lang="en-US" sz="2400" dirty="0">
+                <a:solidFill>
+                  <a:srgbClr val="FF00FF"/>
+                </a:solidFill>
+                <a:latin typeface="Consolas" panose="020B0609020204030204" pitchFamily="49" charset="0"/>
+              </a:rPr>
+              <a:t>DATEADD</a:t>
+            </a:r>
+            <a:r>
+              <a:rPr lang="en-US" sz="2400" dirty="0">
+                <a:solidFill>
+                  <a:srgbClr val="808080"/>
+                </a:solidFill>
+                <a:latin typeface="Consolas" panose="020B0609020204030204" pitchFamily="49" charset="0"/>
+              </a:rPr>
+              <a:t>(</a:t>
+            </a:r>
+            <a:r>
+              <a:rPr lang="en-US" sz="2400" dirty="0">
+                <a:solidFill>
+                  <a:srgbClr val="FF00FF"/>
+                </a:solidFill>
+                <a:latin typeface="Consolas" panose="020B0609020204030204" pitchFamily="49" charset="0"/>
+              </a:rPr>
+              <a:t>SECOND</a:t>
+            </a:r>
+            <a:r>
+              <a:rPr lang="en-US" sz="2400" dirty="0">
+                <a:solidFill>
+                  <a:srgbClr val="808080"/>
+                </a:solidFill>
+                <a:latin typeface="Consolas" panose="020B0609020204030204" pitchFamily="49" charset="0"/>
+              </a:rPr>
+              <a:t>,</a:t>
+            </a:r>
+            <a:r>
+              <a:rPr lang="en-US" sz="2400" dirty="0">
+                <a:solidFill>
+                  <a:srgbClr val="000000"/>
+                </a:solidFill>
+                <a:latin typeface="Consolas" panose="020B0609020204030204" pitchFamily="49" charset="0"/>
+              </a:rPr>
+              <a:t> 10</a:t>
+            </a:r>
+            <a:r>
+              <a:rPr lang="en-US" sz="2400" dirty="0">
+                <a:solidFill>
+                  <a:srgbClr val="808080"/>
+                </a:solidFill>
+                <a:latin typeface="Consolas" panose="020B0609020204030204" pitchFamily="49" charset="0"/>
+              </a:rPr>
+              <a:t>,</a:t>
+            </a:r>
+            <a:r>
+              <a:rPr lang="en-US" sz="2400" dirty="0">
+                <a:solidFill>
+                  <a:srgbClr val="000000"/>
+                </a:solidFill>
+                <a:latin typeface="Consolas" panose="020B0609020204030204" pitchFamily="49" charset="0"/>
+              </a:rPr>
+              <a:t> </a:t>
+            </a:r>
+            <a:r>
+              <a:rPr lang="en-US" sz="2400" dirty="0">
+                <a:solidFill>
+                  <a:srgbClr val="FF00FF"/>
+                </a:solidFill>
+                <a:latin typeface="Consolas" panose="020B0609020204030204" pitchFamily="49" charset="0"/>
+              </a:rPr>
+              <a:t>CURRENT_TIMESTAMP</a:t>
+            </a:r>
+            <a:r>
+              <a:rPr lang="en-US" sz="2400" dirty="0">
+                <a:solidFill>
+                  <a:srgbClr val="808080"/>
+                </a:solidFill>
+                <a:latin typeface="Consolas" panose="020B0609020204030204" pitchFamily="49" charset="0"/>
+              </a:rPr>
+              <a:t>)</a:t>
+            </a:r>
+            <a:r>
+              <a:rPr lang="en-US" sz="2400" dirty="0">
+                <a:solidFill>
+                  <a:srgbClr val="000000"/>
+                </a:solidFill>
+                <a:latin typeface="Consolas" panose="020B0609020204030204" pitchFamily="49" charset="0"/>
+              </a:rPr>
+              <a:t> </a:t>
+            </a:r>
+            <a:r>
+              <a:rPr lang="en-US" sz="2400" dirty="0">
+                <a:solidFill>
+                  <a:srgbClr val="0000FF"/>
+                </a:solidFill>
+                <a:latin typeface="Consolas" panose="020B0609020204030204" pitchFamily="49" charset="0"/>
+              </a:rPr>
+              <a:t>AS</a:t>
+            </a:r>
+            <a:r>
+              <a:rPr lang="en-US" sz="2400" dirty="0">
+                <a:solidFill>
+                  <a:srgbClr val="000000"/>
+                </a:solidFill>
+                <a:latin typeface="Consolas" panose="020B0609020204030204" pitchFamily="49" charset="0"/>
+              </a:rPr>
+              <a:t> </a:t>
+            </a:r>
+            <a:r>
+              <a:rPr lang="en-US" sz="2400" dirty="0">
+                <a:solidFill>
+                  <a:srgbClr val="0000FF"/>
+                </a:solidFill>
+                <a:latin typeface="Consolas" panose="020B0609020204030204" pitchFamily="49" charset="0"/>
+              </a:rPr>
+              <a:t>TIME</a:t>
+            </a:r>
+            <a:r>
+              <a:rPr lang="en-US" sz="2400" dirty="0">
+                <a:solidFill>
+                  <a:srgbClr val="808080"/>
+                </a:solidFill>
+                <a:latin typeface="Consolas" panose="020B0609020204030204" pitchFamily="49" charset="0"/>
+              </a:rPr>
+              <a:t>);</a:t>
+            </a:r>
+            <a:endParaRPr lang="en-US" sz="2400" dirty="0">
+              <a:solidFill>
+                <a:srgbClr val="000000"/>
+              </a:solidFill>
+              <a:latin typeface="Consolas" panose="020B0609020204030204" pitchFamily="49" charset="0"/>
+            </a:endParaRPr>
+          </a:p>
+          <a:p>
+            <a:endParaRPr lang="en-US" sz="2400" dirty="0">
+              <a:solidFill>
+                <a:srgbClr val="000000"/>
+              </a:solidFill>
+              <a:latin typeface="Consolas" panose="020B0609020204030204" pitchFamily="49" charset="0"/>
+            </a:endParaRPr>
+          </a:p>
+          <a:p>
+            <a:pPr marL="0" indent="0">
+              <a:buNone/>
+            </a:pPr>
+            <a:r>
+              <a:rPr lang="en-US" sz="2400" dirty="0">
+                <a:solidFill>
+                  <a:srgbClr val="0000FF"/>
+                </a:solidFill>
+                <a:latin typeface="Consolas" panose="020B0609020204030204" pitchFamily="49" charset="0"/>
+              </a:rPr>
+              <a:t>WAITFOR</a:t>
+            </a:r>
+            <a:r>
+              <a:rPr lang="en-US" sz="2400" dirty="0">
+                <a:solidFill>
+                  <a:srgbClr val="000000"/>
+                </a:solidFill>
+                <a:latin typeface="Consolas" panose="020B0609020204030204" pitchFamily="49" charset="0"/>
+              </a:rPr>
+              <a:t> </a:t>
+            </a:r>
+            <a:r>
+              <a:rPr lang="en-US" sz="2400" dirty="0">
+                <a:solidFill>
+                  <a:srgbClr val="0000FF"/>
+                </a:solidFill>
+                <a:latin typeface="Consolas" panose="020B0609020204030204" pitchFamily="49" charset="0"/>
+              </a:rPr>
+              <a:t>TIME</a:t>
+            </a:r>
+            <a:r>
+              <a:rPr lang="en-US" sz="2400" dirty="0">
+                <a:solidFill>
+                  <a:srgbClr val="000000"/>
+                </a:solidFill>
+                <a:latin typeface="Consolas" panose="020B0609020204030204" pitchFamily="49" charset="0"/>
+              </a:rPr>
+              <a:t> @</a:t>
+            </a:r>
+            <a:r>
+              <a:rPr lang="en-US" sz="2400" dirty="0" err="1">
+                <a:solidFill>
+                  <a:srgbClr val="000000"/>
+                </a:solidFill>
+                <a:latin typeface="Consolas" panose="020B0609020204030204" pitchFamily="49" charset="0"/>
+              </a:rPr>
+              <a:t>waitfor</a:t>
+            </a:r>
+            <a:r>
+              <a:rPr lang="en-US" sz="2400" dirty="0">
+                <a:solidFill>
+                  <a:srgbClr val="808080"/>
+                </a:solidFill>
+                <a:latin typeface="Consolas" panose="020B0609020204030204" pitchFamily="49" charset="0"/>
+              </a:rPr>
+              <a:t>;</a:t>
+            </a:r>
+            <a:endParaRPr lang="en-US" sz="2400" dirty="0">
+              <a:solidFill>
+                <a:srgbClr val="000000"/>
+              </a:solidFill>
+              <a:latin typeface="Consolas" panose="020B0609020204030204" pitchFamily="49" charset="0"/>
+            </a:endParaRPr>
+          </a:p>
+          <a:p>
+            <a:endParaRPr lang="en-US" sz="2400" dirty="0">
+              <a:solidFill>
+                <a:srgbClr val="000000"/>
+              </a:solidFill>
+              <a:latin typeface="Consolas" panose="020B0609020204030204" pitchFamily="49" charset="0"/>
+            </a:endParaRPr>
+          </a:p>
+          <a:p>
+            <a:pPr marL="0" indent="0">
+              <a:buNone/>
+            </a:pPr>
+            <a:r>
+              <a:rPr lang="en-US" sz="2400" dirty="0">
+                <a:solidFill>
+                  <a:srgbClr val="0000FF"/>
+                </a:solidFill>
+                <a:latin typeface="Consolas" panose="020B0609020204030204" pitchFamily="49" charset="0"/>
+              </a:rPr>
+              <a:t>BEGIN</a:t>
+            </a:r>
+            <a:r>
+              <a:rPr lang="en-US" sz="2400" dirty="0">
+                <a:solidFill>
+                  <a:srgbClr val="000000"/>
+                </a:solidFill>
+                <a:latin typeface="Consolas" panose="020B0609020204030204" pitchFamily="49" charset="0"/>
+              </a:rPr>
+              <a:t> </a:t>
+            </a:r>
+            <a:r>
+              <a:rPr lang="en-US" sz="2400" dirty="0">
+                <a:solidFill>
+                  <a:srgbClr val="0000FF"/>
+                </a:solidFill>
+                <a:latin typeface="Consolas" panose="020B0609020204030204" pitchFamily="49" charset="0"/>
+              </a:rPr>
+              <a:t>TRANSACTION</a:t>
+            </a:r>
+            <a:endParaRPr lang="en-US" sz="2400" dirty="0">
+              <a:solidFill>
+                <a:srgbClr val="000000"/>
+              </a:solidFill>
+              <a:latin typeface="Consolas" panose="020B0609020204030204" pitchFamily="49" charset="0"/>
+            </a:endParaRPr>
+          </a:p>
+          <a:p>
+            <a:pPr marL="0" indent="0">
+              <a:buNone/>
+            </a:pPr>
+            <a:r>
+              <a:rPr lang="en-US" sz="2400" dirty="0">
+                <a:solidFill>
+                  <a:srgbClr val="0000FF"/>
+                </a:solidFill>
+                <a:latin typeface="Consolas" panose="020B0609020204030204" pitchFamily="49" charset="0"/>
+              </a:rPr>
+              <a:t>DROP</a:t>
+            </a:r>
+            <a:r>
+              <a:rPr lang="en-US" sz="2400" dirty="0">
+                <a:solidFill>
+                  <a:srgbClr val="000000"/>
+                </a:solidFill>
+                <a:latin typeface="Consolas" panose="020B0609020204030204" pitchFamily="49" charset="0"/>
+              </a:rPr>
+              <a:t> </a:t>
+            </a:r>
+            <a:r>
+              <a:rPr lang="en-US" sz="2400" dirty="0">
+                <a:solidFill>
+                  <a:srgbClr val="0000FF"/>
+                </a:solidFill>
+                <a:latin typeface="Consolas" panose="020B0609020204030204" pitchFamily="49" charset="0"/>
+              </a:rPr>
+              <a:t>TABLE</a:t>
+            </a:r>
+            <a:r>
+              <a:rPr lang="en-US" sz="2400" dirty="0">
+                <a:solidFill>
+                  <a:srgbClr val="000000"/>
+                </a:solidFill>
+                <a:latin typeface="Consolas" panose="020B0609020204030204" pitchFamily="49" charset="0"/>
+              </a:rPr>
+              <a:t> </a:t>
+            </a:r>
+            <a:r>
+              <a:rPr lang="en-US" sz="2400" dirty="0">
+                <a:solidFill>
+                  <a:srgbClr val="0000FF"/>
+                </a:solidFill>
+                <a:latin typeface="Consolas" panose="020B0609020204030204" pitchFamily="49" charset="0"/>
+              </a:rPr>
+              <a:t>IF</a:t>
+            </a:r>
+            <a:r>
+              <a:rPr lang="en-US" sz="2400" dirty="0">
+                <a:solidFill>
+                  <a:srgbClr val="000000"/>
+                </a:solidFill>
+                <a:latin typeface="Consolas" panose="020B0609020204030204" pitchFamily="49" charset="0"/>
+              </a:rPr>
+              <a:t> </a:t>
+            </a:r>
+            <a:r>
+              <a:rPr lang="en-US" sz="2400" dirty="0">
+                <a:solidFill>
+                  <a:srgbClr val="808080"/>
+                </a:solidFill>
+                <a:latin typeface="Consolas" panose="020B0609020204030204" pitchFamily="49" charset="0"/>
+              </a:rPr>
+              <a:t>EXISTS</a:t>
+            </a:r>
+            <a:r>
+              <a:rPr lang="en-US" sz="2400" dirty="0">
+                <a:solidFill>
+                  <a:srgbClr val="000000"/>
+                </a:solidFill>
+                <a:latin typeface="Consolas" panose="020B0609020204030204" pitchFamily="49" charset="0"/>
+              </a:rPr>
+              <a:t> dbo</a:t>
+            </a:r>
+            <a:r>
+              <a:rPr lang="en-US" sz="2400" dirty="0">
+                <a:solidFill>
+                  <a:srgbClr val="808080"/>
+                </a:solidFill>
+                <a:latin typeface="Consolas" panose="020B0609020204030204" pitchFamily="49" charset="0"/>
+              </a:rPr>
+              <a:t>.</a:t>
+            </a:r>
+            <a:r>
+              <a:rPr lang="en-US" sz="2400" dirty="0">
+                <a:solidFill>
+                  <a:srgbClr val="000000"/>
+                </a:solidFill>
+                <a:latin typeface="Consolas" panose="020B0609020204030204" pitchFamily="49" charset="0"/>
+              </a:rPr>
+              <a:t>fl1</a:t>
+            </a:r>
+            <a:r>
+              <a:rPr lang="en-US" sz="2400" dirty="0">
+                <a:solidFill>
+                  <a:srgbClr val="808080"/>
+                </a:solidFill>
+                <a:latin typeface="Consolas" panose="020B0609020204030204" pitchFamily="49" charset="0"/>
+              </a:rPr>
+              <a:t>,</a:t>
+            </a:r>
+            <a:r>
+              <a:rPr lang="en-US" sz="2400" dirty="0">
+                <a:solidFill>
+                  <a:srgbClr val="000000"/>
+                </a:solidFill>
+                <a:latin typeface="Consolas" panose="020B0609020204030204" pitchFamily="49" charset="0"/>
+              </a:rPr>
+              <a:t> dbo</a:t>
+            </a:r>
+            <a:r>
+              <a:rPr lang="en-US" sz="2400" dirty="0">
+                <a:solidFill>
+                  <a:srgbClr val="808080"/>
+                </a:solidFill>
+                <a:latin typeface="Consolas" panose="020B0609020204030204" pitchFamily="49" charset="0"/>
+              </a:rPr>
+              <a:t>.</a:t>
+            </a:r>
+            <a:r>
+              <a:rPr lang="en-US" sz="2400" dirty="0">
+                <a:solidFill>
+                  <a:srgbClr val="000000"/>
+                </a:solidFill>
+                <a:latin typeface="Consolas" panose="020B0609020204030204" pitchFamily="49" charset="0"/>
+              </a:rPr>
+              <a:t>fl2</a:t>
+            </a:r>
+            <a:r>
+              <a:rPr lang="en-US" sz="2400" dirty="0">
+                <a:solidFill>
+                  <a:srgbClr val="808080"/>
+                </a:solidFill>
+                <a:latin typeface="Consolas" panose="020B0609020204030204" pitchFamily="49" charset="0"/>
+              </a:rPr>
+              <a:t>,</a:t>
+            </a:r>
+            <a:r>
+              <a:rPr lang="en-US" sz="2400" dirty="0">
+                <a:solidFill>
+                  <a:srgbClr val="000000"/>
+                </a:solidFill>
+                <a:latin typeface="Consolas" panose="020B0609020204030204" pitchFamily="49" charset="0"/>
+              </a:rPr>
+              <a:t> dbo</a:t>
+            </a:r>
+            <a:r>
+              <a:rPr lang="en-US" sz="2400" dirty="0">
+                <a:solidFill>
+                  <a:srgbClr val="808080"/>
+                </a:solidFill>
+                <a:latin typeface="Consolas" panose="020B0609020204030204" pitchFamily="49" charset="0"/>
+              </a:rPr>
+              <a:t>.</a:t>
+            </a:r>
+            <a:r>
+              <a:rPr lang="en-US" sz="2400" dirty="0">
+                <a:solidFill>
+                  <a:srgbClr val="000000"/>
+                </a:solidFill>
+                <a:latin typeface="Consolas" panose="020B0609020204030204" pitchFamily="49" charset="0"/>
+              </a:rPr>
+              <a:t>fl3</a:t>
+            </a:r>
+            <a:r>
+              <a:rPr lang="en-US" sz="2400" dirty="0">
+                <a:solidFill>
+                  <a:srgbClr val="808080"/>
+                </a:solidFill>
+                <a:latin typeface="Consolas" panose="020B0609020204030204" pitchFamily="49" charset="0"/>
+              </a:rPr>
+              <a:t>;</a:t>
+            </a:r>
+            <a:endParaRPr lang="en-US" sz="2400" dirty="0">
+              <a:solidFill>
+                <a:srgbClr val="000000"/>
+              </a:solidFill>
+              <a:latin typeface="Consolas" panose="020B0609020204030204" pitchFamily="49" charset="0"/>
+            </a:endParaRPr>
+          </a:p>
+          <a:p>
+            <a:pPr marL="0" indent="0">
+              <a:buNone/>
+            </a:pPr>
+            <a:r>
+              <a:rPr lang="en-US" sz="2400" dirty="0">
+                <a:solidFill>
+                  <a:srgbClr val="0000FF"/>
+                </a:solidFill>
+                <a:latin typeface="Consolas" panose="020B0609020204030204" pitchFamily="49" charset="0"/>
+              </a:rPr>
+              <a:t>SELECT</a:t>
+            </a:r>
+            <a:r>
+              <a:rPr lang="en-US" sz="2400" dirty="0">
+                <a:solidFill>
+                  <a:srgbClr val="000000"/>
+                </a:solidFill>
+                <a:latin typeface="Consolas" panose="020B0609020204030204" pitchFamily="49" charset="0"/>
+              </a:rPr>
+              <a:t> s2</a:t>
+            </a:r>
+            <a:r>
+              <a:rPr lang="en-US" sz="2400" dirty="0">
+                <a:solidFill>
+                  <a:srgbClr val="808080"/>
+                </a:solidFill>
+                <a:latin typeface="Consolas" panose="020B0609020204030204" pitchFamily="49" charset="0"/>
+              </a:rPr>
+              <a:t>.*</a:t>
+            </a:r>
+            <a:r>
+              <a:rPr lang="en-US" sz="2400" dirty="0">
+                <a:solidFill>
+                  <a:srgbClr val="000000"/>
+                </a:solidFill>
+                <a:latin typeface="Consolas" panose="020B0609020204030204" pitchFamily="49" charset="0"/>
+              </a:rPr>
+              <a:t> </a:t>
+            </a:r>
+            <a:r>
+              <a:rPr lang="en-US" sz="2400" dirty="0">
+                <a:solidFill>
+                  <a:srgbClr val="0000FF"/>
+                </a:solidFill>
+                <a:latin typeface="Consolas" panose="020B0609020204030204" pitchFamily="49" charset="0"/>
+              </a:rPr>
+              <a:t>INTO</a:t>
+            </a:r>
+            <a:r>
+              <a:rPr lang="en-US" sz="2400" dirty="0">
+                <a:solidFill>
+                  <a:srgbClr val="000000"/>
+                </a:solidFill>
+                <a:latin typeface="Consolas" panose="020B0609020204030204" pitchFamily="49" charset="0"/>
+              </a:rPr>
+              <a:t> dbo</a:t>
+            </a:r>
+            <a:r>
+              <a:rPr lang="en-US" sz="2400" dirty="0">
+                <a:solidFill>
+                  <a:srgbClr val="808080"/>
+                </a:solidFill>
+                <a:latin typeface="Consolas" panose="020B0609020204030204" pitchFamily="49" charset="0"/>
+              </a:rPr>
+              <a:t>.</a:t>
+            </a:r>
+            <a:r>
+              <a:rPr lang="en-US" sz="2400" dirty="0">
+                <a:solidFill>
+                  <a:srgbClr val="000000"/>
+                </a:solidFill>
+                <a:latin typeface="Consolas" panose="020B0609020204030204" pitchFamily="49" charset="0"/>
+              </a:rPr>
+              <a:t>fl1 </a:t>
+            </a:r>
+            <a:r>
+              <a:rPr lang="en-US" sz="2400" dirty="0">
+                <a:solidFill>
+                  <a:srgbClr val="0000FF"/>
+                </a:solidFill>
+                <a:latin typeface="Consolas" panose="020B0609020204030204" pitchFamily="49" charset="0"/>
+              </a:rPr>
+              <a:t>FROM</a:t>
+            </a:r>
+            <a:r>
+              <a:rPr lang="en-US" sz="2400" dirty="0">
+                <a:solidFill>
+                  <a:srgbClr val="000000"/>
+                </a:solidFill>
+                <a:latin typeface="Consolas" panose="020B0609020204030204" pitchFamily="49" charset="0"/>
+              </a:rPr>
+              <a:t> </a:t>
+            </a:r>
+            <a:r>
+              <a:rPr lang="en-US" sz="2400" dirty="0" err="1">
+                <a:solidFill>
+                  <a:srgbClr val="00FF00"/>
+                </a:solidFill>
+                <a:latin typeface="Consolas" panose="020B0609020204030204" pitchFamily="49" charset="0"/>
+              </a:rPr>
+              <a:t>sys</a:t>
+            </a:r>
+            <a:r>
+              <a:rPr lang="en-US" sz="2400" dirty="0" err="1">
+                <a:solidFill>
+                  <a:srgbClr val="808080"/>
+                </a:solidFill>
+                <a:latin typeface="Consolas" panose="020B0609020204030204" pitchFamily="49" charset="0"/>
+              </a:rPr>
+              <a:t>.</a:t>
+            </a:r>
+            <a:r>
+              <a:rPr lang="en-US" sz="2400" dirty="0" err="1">
+                <a:solidFill>
+                  <a:srgbClr val="00FF00"/>
+                </a:solidFill>
+                <a:latin typeface="Consolas" panose="020B0609020204030204" pitchFamily="49" charset="0"/>
+              </a:rPr>
+              <a:t>all_columns</a:t>
+            </a:r>
+            <a:r>
+              <a:rPr lang="en-US" sz="2400" dirty="0">
+                <a:solidFill>
+                  <a:srgbClr val="000000"/>
+                </a:solidFill>
+                <a:latin typeface="Consolas" panose="020B0609020204030204" pitchFamily="49" charset="0"/>
+              </a:rPr>
+              <a:t> </a:t>
+            </a:r>
+            <a:r>
+              <a:rPr lang="en-US" sz="2400" dirty="0">
+                <a:solidFill>
+                  <a:srgbClr val="0000FF"/>
+                </a:solidFill>
+                <a:latin typeface="Consolas" panose="020B0609020204030204" pitchFamily="49" charset="0"/>
+              </a:rPr>
+              <a:t>AS</a:t>
+            </a:r>
+            <a:r>
+              <a:rPr lang="en-US" sz="2400" dirty="0">
+                <a:solidFill>
+                  <a:srgbClr val="000000"/>
+                </a:solidFill>
+                <a:latin typeface="Consolas" panose="020B0609020204030204" pitchFamily="49" charset="0"/>
+              </a:rPr>
+              <a:t> s1 </a:t>
+            </a:r>
+            <a:r>
+              <a:rPr lang="en-US" sz="2400" dirty="0">
+                <a:solidFill>
+                  <a:srgbClr val="808080"/>
+                </a:solidFill>
+                <a:latin typeface="Consolas" panose="020B0609020204030204" pitchFamily="49" charset="0"/>
+              </a:rPr>
+              <a:t>CROSS</a:t>
+            </a:r>
+            <a:r>
+              <a:rPr lang="en-US" sz="2400" dirty="0">
+                <a:solidFill>
+                  <a:srgbClr val="000000"/>
+                </a:solidFill>
+                <a:latin typeface="Consolas" panose="020B0609020204030204" pitchFamily="49" charset="0"/>
+              </a:rPr>
+              <a:t> </a:t>
+            </a:r>
+            <a:r>
+              <a:rPr lang="en-US" sz="2400" dirty="0">
+                <a:solidFill>
+                  <a:srgbClr val="808080"/>
+                </a:solidFill>
+                <a:latin typeface="Consolas" panose="020B0609020204030204" pitchFamily="49" charset="0"/>
+              </a:rPr>
+              <a:t>JOIN</a:t>
+            </a:r>
+            <a:r>
+              <a:rPr lang="en-US" sz="2400" dirty="0">
+                <a:solidFill>
+                  <a:srgbClr val="000000"/>
+                </a:solidFill>
+                <a:latin typeface="Consolas" panose="020B0609020204030204" pitchFamily="49" charset="0"/>
+              </a:rPr>
+              <a:t> </a:t>
+            </a:r>
+            <a:r>
+              <a:rPr lang="en-US" sz="2400" dirty="0" err="1">
+                <a:solidFill>
+                  <a:srgbClr val="00FF00"/>
+                </a:solidFill>
+                <a:latin typeface="Consolas" panose="020B0609020204030204" pitchFamily="49" charset="0"/>
+              </a:rPr>
+              <a:t>sys</a:t>
+            </a:r>
+            <a:r>
+              <a:rPr lang="en-US" sz="2400" dirty="0" err="1">
+                <a:solidFill>
+                  <a:srgbClr val="808080"/>
+                </a:solidFill>
+                <a:latin typeface="Consolas" panose="020B0609020204030204" pitchFamily="49" charset="0"/>
+              </a:rPr>
+              <a:t>.</a:t>
+            </a:r>
+            <a:r>
+              <a:rPr lang="en-US" sz="2400" dirty="0" err="1">
+                <a:solidFill>
+                  <a:srgbClr val="00FF00"/>
+                </a:solidFill>
+                <a:latin typeface="Consolas" panose="020B0609020204030204" pitchFamily="49" charset="0"/>
+              </a:rPr>
+              <a:t>all_objects</a:t>
+            </a:r>
+            <a:r>
+              <a:rPr lang="en-US" sz="2400" dirty="0">
+                <a:solidFill>
+                  <a:srgbClr val="000000"/>
+                </a:solidFill>
+                <a:latin typeface="Consolas" panose="020B0609020204030204" pitchFamily="49" charset="0"/>
+              </a:rPr>
+              <a:t> </a:t>
+            </a:r>
+            <a:r>
+              <a:rPr lang="en-US" sz="2400" dirty="0">
+                <a:solidFill>
+                  <a:srgbClr val="0000FF"/>
+                </a:solidFill>
+                <a:latin typeface="Consolas" panose="020B0609020204030204" pitchFamily="49" charset="0"/>
+              </a:rPr>
+              <a:t>AS</a:t>
+            </a:r>
+            <a:r>
+              <a:rPr lang="en-US" sz="2400" dirty="0">
+                <a:solidFill>
+                  <a:srgbClr val="000000"/>
+                </a:solidFill>
+                <a:latin typeface="Consolas" panose="020B0609020204030204" pitchFamily="49" charset="0"/>
+              </a:rPr>
+              <a:t> s2</a:t>
+            </a:r>
+            <a:r>
+              <a:rPr lang="en-US" sz="2400" dirty="0">
+                <a:solidFill>
+                  <a:srgbClr val="808080"/>
+                </a:solidFill>
+                <a:latin typeface="Consolas" panose="020B0609020204030204" pitchFamily="49" charset="0"/>
+              </a:rPr>
+              <a:t>;</a:t>
+            </a:r>
+            <a:endParaRPr lang="en-US" sz="2400" dirty="0">
+              <a:solidFill>
+                <a:srgbClr val="000000"/>
+              </a:solidFill>
+              <a:latin typeface="Consolas" panose="020B0609020204030204" pitchFamily="49" charset="0"/>
+            </a:endParaRPr>
+          </a:p>
+          <a:p>
+            <a:pPr marL="0" indent="0">
+              <a:buNone/>
+            </a:pPr>
+            <a:r>
+              <a:rPr lang="en-US" sz="2400" dirty="0">
+                <a:solidFill>
+                  <a:srgbClr val="0000FF"/>
+                </a:solidFill>
+                <a:latin typeface="Consolas" panose="020B0609020204030204" pitchFamily="49" charset="0"/>
+              </a:rPr>
+              <a:t>SELECT</a:t>
+            </a:r>
+            <a:r>
+              <a:rPr lang="en-US" sz="2400" dirty="0">
+                <a:solidFill>
+                  <a:srgbClr val="000000"/>
+                </a:solidFill>
+                <a:latin typeface="Consolas" panose="020B0609020204030204" pitchFamily="49" charset="0"/>
+              </a:rPr>
+              <a:t> s2</a:t>
+            </a:r>
+            <a:r>
+              <a:rPr lang="en-US" sz="2400" dirty="0">
+                <a:solidFill>
+                  <a:srgbClr val="808080"/>
+                </a:solidFill>
+                <a:latin typeface="Consolas" panose="020B0609020204030204" pitchFamily="49" charset="0"/>
+              </a:rPr>
+              <a:t>.*</a:t>
+            </a:r>
+            <a:r>
+              <a:rPr lang="en-US" sz="2400" dirty="0">
+                <a:solidFill>
+                  <a:srgbClr val="000000"/>
+                </a:solidFill>
+                <a:latin typeface="Consolas" panose="020B0609020204030204" pitchFamily="49" charset="0"/>
+              </a:rPr>
+              <a:t> </a:t>
+            </a:r>
+            <a:r>
+              <a:rPr lang="en-US" sz="2400" dirty="0">
+                <a:solidFill>
+                  <a:srgbClr val="0000FF"/>
+                </a:solidFill>
+                <a:latin typeface="Consolas" panose="020B0609020204030204" pitchFamily="49" charset="0"/>
+              </a:rPr>
+              <a:t>INTO</a:t>
+            </a:r>
+            <a:r>
+              <a:rPr lang="en-US" sz="2400" dirty="0">
+                <a:solidFill>
+                  <a:srgbClr val="000000"/>
+                </a:solidFill>
+                <a:latin typeface="Consolas" panose="020B0609020204030204" pitchFamily="49" charset="0"/>
+              </a:rPr>
+              <a:t> dbo</a:t>
+            </a:r>
+            <a:r>
+              <a:rPr lang="en-US" sz="2400" dirty="0">
+                <a:solidFill>
+                  <a:srgbClr val="808080"/>
+                </a:solidFill>
+                <a:latin typeface="Consolas" panose="020B0609020204030204" pitchFamily="49" charset="0"/>
+              </a:rPr>
+              <a:t>.</a:t>
+            </a:r>
+            <a:r>
+              <a:rPr lang="en-US" sz="2400" dirty="0">
+                <a:solidFill>
+                  <a:srgbClr val="000000"/>
+                </a:solidFill>
+                <a:latin typeface="Consolas" panose="020B0609020204030204" pitchFamily="49" charset="0"/>
+              </a:rPr>
+              <a:t>fl2 </a:t>
+            </a:r>
+            <a:r>
+              <a:rPr lang="en-US" sz="2400" dirty="0">
+                <a:solidFill>
+                  <a:srgbClr val="0000FF"/>
+                </a:solidFill>
+                <a:latin typeface="Consolas" panose="020B0609020204030204" pitchFamily="49" charset="0"/>
+              </a:rPr>
+              <a:t>FROM</a:t>
+            </a:r>
+            <a:r>
+              <a:rPr lang="en-US" sz="2400" dirty="0">
+                <a:solidFill>
+                  <a:srgbClr val="000000"/>
+                </a:solidFill>
+                <a:latin typeface="Consolas" panose="020B0609020204030204" pitchFamily="49" charset="0"/>
+              </a:rPr>
+              <a:t> </a:t>
+            </a:r>
+            <a:r>
+              <a:rPr lang="en-US" sz="2400" dirty="0" err="1">
+                <a:solidFill>
+                  <a:srgbClr val="00FF00"/>
+                </a:solidFill>
+                <a:latin typeface="Consolas" panose="020B0609020204030204" pitchFamily="49" charset="0"/>
+              </a:rPr>
+              <a:t>sys</a:t>
+            </a:r>
+            <a:r>
+              <a:rPr lang="en-US" sz="2400" dirty="0" err="1">
+                <a:solidFill>
+                  <a:srgbClr val="808080"/>
+                </a:solidFill>
+                <a:latin typeface="Consolas" panose="020B0609020204030204" pitchFamily="49" charset="0"/>
+              </a:rPr>
+              <a:t>.</a:t>
+            </a:r>
+            <a:r>
+              <a:rPr lang="en-US" sz="2400" dirty="0" err="1">
+                <a:solidFill>
+                  <a:srgbClr val="00FF00"/>
+                </a:solidFill>
+                <a:latin typeface="Consolas" panose="020B0609020204030204" pitchFamily="49" charset="0"/>
+              </a:rPr>
+              <a:t>all_columns</a:t>
+            </a:r>
+            <a:r>
+              <a:rPr lang="en-US" sz="2400" dirty="0">
+                <a:solidFill>
+                  <a:srgbClr val="000000"/>
+                </a:solidFill>
+                <a:latin typeface="Consolas" panose="020B0609020204030204" pitchFamily="49" charset="0"/>
+              </a:rPr>
+              <a:t> </a:t>
+            </a:r>
+            <a:r>
+              <a:rPr lang="en-US" sz="2400" dirty="0">
+                <a:solidFill>
+                  <a:srgbClr val="0000FF"/>
+                </a:solidFill>
+                <a:latin typeface="Consolas" panose="020B0609020204030204" pitchFamily="49" charset="0"/>
+              </a:rPr>
+              <a:t>AS</a:t>
+            </a:r>
+            <a:r>
+              <a:rPr lang="en-US" sz="2400" dirty="0">
+                <a:solidFill>
+                  <a:srgbClr val="000000"/>
+                </a:solidFill>
+                <a:latin typeface="Consolas" panose="020B0609020204030204" pitchFamily="49" charset="0"/>
+              </a:rPr>
+              <a:t> s1 </a:t>
+            </a:r>
+            <a:r>
+              <a:rPr lang="en-US" sz="2400" dirty="0">
+                <a:solidFill>
+                  <a:srgbClr val="808080"/>
+                </a:solidFill>
+                <a:latin typeface="Consolas" panose="020B0609020204030204" pitchFamily="49" charset="0"/>
+              </a:rPr>
+              <a:t>CROSS</a:t>
+            </a:r>
+            <a:r>
+              <a:rPr lang="en-US" sz="2400" dirty="0">
+                <a:solidFill>
+                  <a:srgbClr val="000000"/>
+                </a:solidFill>
+                <a:latin typeface="Consolas" panose="020B0609020204030204" pitchFamily="49" charset="0"/>
+              </a:rPr>
+              <a:t> </a:t>
+            </a:r>
+            <a:r>
+              <a:rPr lang="en-US" sz="2400" dirty="0">
+                <a:solidFill>
+                  <a:srgbClr val="808080"/>
+                </a:solidFill>
+                <a:latin typeface="Consolas" panose="020B0609020204030204" pitchFamily="49" charset="0"/>
+              </a:rPr>
+              <a:t>JOIN</a:t>
+            </a:r>
+            <a:r>
+              <a:rPr lang="en-US" sz="2400" dirty="0">
+                <a:solidFill>
+                  <a:srgbClr val="000000"/>
+                </a:solidFill>
+                <a:latin typeface="Consolas" panose="020B0609020204030204" pitchFamily="49" charset="0"/>
+              </a:rPr>
+              <a:t> </a:t>
+            </a:r>
+            <a:r>
+              <a:rPr lang="en-US" sz="2400" dirty="0" err="1">
+                <a:solidFill>
+                  <a:srgbClr val="00FF00"/>
+                </a:solidFill>
+                <a:latin typeface="Consolas" panose="020B0609020204030204" pitchFamily="49" charset="0"/>
+              </a:rPr>
+              <a:t>sys</a:t>
+            </a:r>
+            <a:r>
+              <a:rPr lang="en-US" sz="2400" dirty="0" err="1">
+                <a:solidFill>
+                  <a:srgbClr val="808080"/>
+                </a:solidFill>
+                <a:latin typeface="Consolas" panose="020B0609020204030204" pitchFamily="49" charset="0"/>
+              </a:rPr>
+              <a:t>.</a:t>
+            </a:r>
+            <a:r>
+              <a:rPr lang="en-US" sz="2400" dirty="0" err="1">
+                <a:solidFill>
+                  <a:srgbClr val="00FF00"/>
+                </a:solidFill>
+                <a:latin typeface="Consolas" panose="020B0609020204030204" pitchFamily="49" charset="0"/>
+              </a:rPr>
+              <a:t>all_objects</a:t>
+            </a:r>
+            <a:r>
+              <a:rPr lang="en-US" sz="2400" dirty="0">
+                <a:solidFill>
+                  <a:srgbClr val="000000"/>
+                </a:solidFill>
+                <a:latin typeface="Consolas" panose="020B0609020204030204" pitchFamily="49" charset="0"/>
+              </a:rPr>
+              <a:t> </a:t>
+            </a:r>
+            <a:r>
+              <a:rPr lang="en-US" sz="2400" dirty="0">
+                <a:solidFill>
+                  <a:srgbClr val="0000FF"/>
+                </a:solidFill>
+                <a:latin typeface="Consolas" panose="020B0609020204030204" pitchFamily="49" charset="0"/>
+              </a:rPr>
+              <a:t>AS</a:t>
+            </a:r>
+            <a:r>
+              <a:rPr lang="en-US" sz="2400" dirty="0">
+                <a:solidFill>
+                  <a:srgbClr val="000000"/>
+                </a:solidFill>
+                <a:latin typeface="Consolas" panose="020B0609020204030204" pitchFamily="49" charset="0"/>
+              </a:rPr>
+              <a:t> s2</a:t>
+            </a:r>
+            <a:r>
+              <a:rPr lang="en-US" sz="2400" dirty="0">
+                <a:solidFill>
+                  <a:srgbClr val="808080"/>
+                </a:solidFill>
+                <a:latin typeface="Consolas" panose="020B0609020204030204" pitchFamily="49" charset="0"/>
+              </a:rPr>
+              <a:t>;</a:t>
+            </a:r>
+            <a:endParaRPr lang="en-US" sz="2400" dirty="0">
+              <a:solidFill>
+                <a:srgbClr val="000000"/>
+              </a:solidFill>
+              <a:latin typeface="Consolas" panose="020B0609020204030204" pitchFamily="49" charset="0"/>
+            </a:endParaRPr>
+          </a:p>
+          <a:p>
+            <a:pPr marL="0" indent="0">
+              <a:buNone/>
+            </a:pPr>
+            <a:r>
+              <a:rPr lang="en-US" sz="2400" dirty="0">
+                <a:solidFill>
+                  <a:srgbClr val="0000FF"/>
+                </a:solidFill>
+                <a:latin typeface="Consolas" panose="020B0609020204030204" pitchFamily="49" charset="0"/>
+              </a:rPr>
+              <a:t>SELECT</a:t>
+            </a:r>
+            <a:r>
+              <a:rPr lang="en-US" sz="2400" dirty="0">
+                <a:solidFill>
+                  <a:srgbClr val="000000"/>
+                </a:solidFill>
+                <a:latin typeface="Consolas" panose="020B0609020204030204" pitchFamily="49" charset="0"/>
+              </a:rPr>
+              <a:t> s2</a:t>
+            </a:r>
+            <a:r>
+              <a:rPr lang="en-US" sz="2400" dirty="0">
+                <a:solidFill>
+                  <a:srgbClr val="808080"/>
+                </a:solidFill>
+                <a:latin typeface="Consolas" panose="020B0609020204030204" pitchFamily="49" charset="0"/>
+              </a:rPr>
+              <a:t>.*</a:t>
+            </a:r>
+            <a:r>
+              <a:rPr lang="en-US" sz="2400" dirty="0">
+                <a:solidFill>
+                  <a:srgbClr val="000000"/>
+                </a:solidFill>
+                <a:latin typeface="Consolas" panose="020B0609020204030204" pitchFamily="49" charset="0"/>
+              </a:rPr>
+              <a:t> </a:t>
+            </a:r>
+            <a:r>
+              <a:rPr lang="en-US" sz="2400" dirty="0">
+                <a:solidFill>
+                  <a:srgbClr val="0000FF"/>
+                </a:solidFill>
+                <a:latin typeface="Consolas" panose="020B0609020204030204" pitchFamily="49" charset="0"/>
+              </a:rPr>
+              <a:t>INTO</a:t>
+            </a:r>
+            <a:r>
+              <a:rPr lang="en-US" sz="2400" dirty="0">
+                <a:solidFill>
+                  <a:srgbClr val="000000"/>
+                </a:solidFill>
+                <a:latin typeface="Consolas" panose="020B0609020204030204" pitchFamily="49" charset="0"/>
+              </a:rPr>
+              <a:t> dbo</a:t>
+            </a:r>
+            <a:r>
+              <a:rPr lang="en-US" sz="2400" dirty="0">
+                <a:solidFill>
+                  <a:srgbClr val="808080"/>
+                </a:solidFill>
+                <a:latin typeface="Consolas" panose="020B0609020204030204" pitchFamily="49" charset="0"/>
+              </a:rPr>
+              <a:t>.</a:t>
+            </a:r>
+            <a:r>
+              <a:rPr lang="en-US" sz="2400" dirty="0">
+                <a:solidFill>
+                  <a:srgbClr val="000000"/>
+                </a:solidFill>
+                <a:latin typeface="Consolas" panose="020B0609020204030204" pitchFamily="49" charset="0"/>
+              </a:rPr>
+              <a:t>fl3 </a:t>
+            </a:r>
+            <a:r>
+              <a:rPr lang="en-US" sz="2400" dirty="0">
+                <a:solidFill>
+                  <a:srgbClr val="0000FF"/>
+                </a:solidFill>
+                <a:latin typeface="Consolas" panose="020B0609020204030204" pitchFamily="49" charset="0"/>
+              </a:rPr>
+              <a:t>FROM</a:t>
+            </a:r>
+            <a:r>
+              <a:rPr lang="en-US" sz="2400" dirty="0">
+                <a:solidFill>
+                  <a:srgbClr val="000000"/>
+                </a:solidFill>
+                <a:latin typeface="Consolas" panose="020B0609020204030204" pitchFamily="49" charset="0"/>
+              </a:rPr>
+              <a:t> </a:t>
+            </a:r>
+            <a:r>
+              <a:rPr lang="en-US" sz="2400" dirty="0" err="1">
+                <a:solidFill>
+                  <a:srgbClr val="00FF00"/>
+                </a:solidFill>
+                <a:latin typeface="Consolas" panose="020B0609020204030204" pitchFamily="49" charset="0"/>
+              </a:rPr>
+              <a:t>sys</a:t>
+            </a:r>
+            <a:r>
+              <a:rPr lang="en-US" sz="2400" dirty="0" err="1">
+                <a:solidFill>
+                  <a:srgbClr val="808080"/>
+                </a:solidFill>
+                <a:latin typeface="Consolas" panose="020B0609020204030204" pitchFamily="49" charset="0"/>
+              </a:rPr>
+              <a:t>.</a:t>
+            </a:r>
+            <a:r>
+              <a:rPr lang="en-US" sz="2400" dirty="0" err="1">
+                <a:solidFill>
+                  <a:srgbClr val="00FF00"/>
+                </a:solidFill>
+                <a:latin typeface="Consolas" panose="020B0609020204030204" pitchFamily="49" charset="0"/>
+              </a:rPr>
+              <a:t>all_columns</a:t>
+            </a:r>
+            <a:r>
+              <a:rPr lang="en-US" sz="2400" dirty="0">
+                <a:solidFill>
+                  <a:srgbClr val="000000"/>
+                </a:solidFill>
+                <a:latin typeface="Consolas" panose="020B0609020204030204" pitchFamily="49" charset="0"/>
+              </a:rPr>
+              <a:t> </a:t>
+            </a:r>
+            <a:r>
+              <a:rPr lang="en-US" sz="2400" dirty="0">
+                <a:solidFill>
+                  <a:srgbClr val="0000FF"/>
+                </a:solidFill>
+                <a:latin typeface="Consolas" panose="020B0609020204030204" pitchFamily="49" charset="0"/>
+              </a:rPr>
+              <a:t>AS</a:t>
+            </a:r>
+            <a:r>
+              <a:rPr lang="en-US" sz="2400" dirty="0">
+                <a:solidFill>
+                  <a:srgbClr val="000000"/>
+                </a:solidFill>
+                <a:latin typeface="Consolas" panose="020B0609020204030204" pitchFamily="49" charset="0"/>
+              </a:rPr>
+              <a:t> s1 </a:t>
+            </a:r>
+            <a:r>
+              <a:rPr lang="en-US" sz="2400" dirty="0">
+                <a:solidFill>
+                  <a:srgbClr val="808080"/>
+                </a:solidFill>
+                <a:latin typeface="Consolas" panose="020B0609020204030204" pitchFamily="49" charset="0"/>
+              </a:rPr>
+              <a:t>CROSS</a:t>
+            </a:r>
+            <a:r>
+              <a:rPr lang="en-US" sz="2400" dirty="0">
+                <a:solidFill>
+                  <a:srgbClr val="000000"/>
+                </a:solidFill>
+                <a:latin typeface="Consolas" panose="020B0609020204030204" pitchFamily="49" charset="0"/>
+              </a:rPr>
+              <a:t> </a:t>
+            </a:r>
+            <a:r>
+              <a:rPr lang="en-US" sz="2400" dirty="0">
+                <a:solidFill>
+                  <a:srgbClr val="808080"/>
+                </a:solidFill>
+                <a:latin typeface="Consolas" panose="020B0609020204030204" pitchFamily="49" charset="0"/>
+              </a:rPr>
+              <a:t>JOIN</a:t>
+            </a:r>
+            <a:r>
+              <a:rPr lang="en-US" sz="2400" dirty="0">
+                <a:solidFill>
+                  <a:srgbClr val="000000"/>
+                </a:solidFill>
+                <a:latin typeface="Consolas" panose="020B0609020204030204" pitchFamily="49" charset="0"/>
+              </a:rPr>
+              <a:t> </a:t>
+            </a:r>
+            <a:r>
+              <a:rPr lang="en-US" sz="2400" dirty="0" err="1">
+                <a:solidFill>
+                  <a:srgbClr val="00FF00"/>
+                </a:solidFill>
+                <a:latin typeface="Consolas" panose="020B0609020204030204" pitchFamily="49" charset="0"/>
+              </a:rPr>
+              <a:t>sys</a:t>
+            </a:r>
+            <a:r>
+              <a:rPr lang="en-US" sz="2400" dirty="0" err="1">
+                <a:solidFill>
+                  <a:srgbClr val="808080"/>
+                </a:solidFill>
+                <a:latin typeface="Consolas" panose="020B0609020204030204" pitchFamily="49" charset="0"/>
+              </a:rPr>
+              <a:t>.</a:t>
+            </a:r>
+            <a:r>
+              <a:rPr lang="en-US" sz="2400" dirty="0" err="1">
+                <a:solidFill>
+                  <a:srgbClr val="00FF00"/>
+                </a:solidFill>
+                <a:latin typeface="Consolas" panose="020B0609020204030204" pitchFamily="49" charset="0"/>
+              </a:rPr>
+              <a:t>all_objects</a:t>
+            </a:r>
+            <a:r>
+              <a:rPr lang="en-US" sz="2400" dirty="0">
+                <a:solidFill>
+                  <a:srgbClr val="000000"/>
+                </a:solidFill>
+                <a:latin typeface="Consolas" panose="020B0609020204030204" pitchFamily="49" charset="0"/>
+              </a:rPr>
+              <a:t> </a:t>
+            </a:r>
+            <a:r>
+              <a:rPr lang="en-US" sz="2400" dirty="0">
+                <a:solidFill>
+                  <a:srgbClr val="0000FF"/>
+                </a:solidFill>
+                <a:latin typeface="Consolas" panose="020B0609020204030204" pitchFamily="49" charset="0"/>
+              </a:rPr>
+              <a:t>AS</a:t>
+            </a:r>
+            <a:r>
+              <a:rPr lang="en-US" sz="2400" dirty="0">
+                <a:solidFill>
+                  <a:srgbClr val="000000"/>
+                </a:solidFill>
+                <a:latin typeface="Consolas" panose="020B0609020204030204" pitchFamily="49" charset="0"/>
+              </a:rPr>
+              <a:t> s2</a:t>
+            </a:r>
+            <a:r>
+              <a:rPr lang="en-US" sz="2400" dirty="0">
+                <a:solidFill>
+                  <a:srgbClr val="808080"/>
+                </a:solidFill>
+                <a:latin typeface="Consolas" panose="020B0609020204030204" pitchFamily="49" charset="0"/>
+              </a:rPr>
+              <a:t>;</a:t>
+            </a:r>
+            <a:endParaRPr lang="en-US" dirty="0"/>
+          </a:p>
+        </p:txBody>
+      </p:sp>
     </p:spTree>
     <p:extLst>
       <p:ext uri="{BB962C8B-B14F-4D97-AF65-F5344CB8AC3E}">
-        <p14:creationId xmlns:p14="http://schemas.microsoft.com/office/powerpoint/2010/main" val="3285679172"/>
+        <p14:creationId xmlns:p14="http://schemas.microsoft.com/office/powerpoint/2010/main" val="1029606254"/>
       </p:ext>
     </p:extLst>
   </p:cSld>
@@ -16156,7 +16193,7 @@
           <p:cNvPr id="2" name="Title 1">
             <a:extLst>
               <a:ext uri="{FF2B5EF4-FFF2-40B4-BE49-F238E27FC236}">
-                <a16:creationId xmlns:a16="http://schemas.microsoft.com/office/drawing/2014/main" id="{13D11F34-7E4B-4969-A4AA-61706463E43A}"/>
+                <a16:creationId xmlns:a16="http://schemas.microsoft.com/office/drawing/2014/main" id="{E79EC8D3-7E72-40B2-AF87-707FEBCCA938}"/>
               </a:ext>
             </a:extLst>
           </p:cNvPr>
@@ -16174,1379 +16211,43 @@
           <a:p>
             <a:r>
               <a:rPr lang="en-US" dirty="0"/>
-              <a:t>AG Failover Demo</a:t>
-            </a:r>
-          </a:p>
-        </p:txBody>
-      </p:sp>
-      <p:sp>
-        <p:nvSpPr>
-          <p:cNvPr id="3" name="Content Placeholder 2">
+              <a:t>Crash Recovery Results</a:t>
+            </a:r>
+          </a:p>
+        </p:txBody>
+      </p:sp>
+      <p:pic>
+        <p:nvPicPr>
+          <p:cNvPr id="5" name="Content Placeholder 4">
             <a:extLst>
               <a:ext uri="{FF2B5EF4-FFF2-40B4-BE49-F238E27FC236}">
-                <a16:creationId xmlns:a16="http://schemas.microsoft.com/office/drawing/2014/main" id="{340DFCB8-280E-4684-858C-796C01EBFA5C}"/>
+                <a16:creationId xmlns:a16="http://schemas.microsoft.com/office/drawing/2014/main" id="{26D4F835-A399-47FC-B13C-0E35AA6F4311}"/>
               </a:ext>
             </a:extLst>
           </p:cNvPr>
-          <p:cNvSpPr>
-            <a:spLocks noGrp="1"/>
-          </p:cNvSpPr>
+          <p:cNvPicPr>
+            <a:picLocks noGrp="1" noChangeAspect="1"/>
+          </p:cNvPicPr>
           <p:nvPr>
             <p:ph idx="1"/>
           </p:nvPr>
-        </p:nvSpPr>
-        <p:spPr/>
-        <p:txBody>
-          <a:bodyPr>
-            <a:normAutofit fontScale="70000" lnSpcReduction="20000"/>
-          </a:bodyPr>
-          <a:lstStyle/>
-          <a:p>
-            <a:pPr marL="0" indent="0">
-              <a:buNone/>
-            </a:pPr>
-            <a:r>
-              <a:rPr lang="en-US" sz="2400" dirty="0">
-                <a:solidFill>
-                  <a:srgbClr val="0000FF"/>
-                </a:solidFill>
-                <a:latin typeface="Consolas" panose="020B0609020204030204" pitchFamily="49" charset="0"/>
-              </a:rPr>
-              <a:t>DECLARE</a:t>
-            </a:r>
-            <a:r>
-              <a:rPr lang="en-US" sz="2400" dirty="0">
-                <a:solidFill>
-                  <a:srgbClr val="000000"/>
-                </a:solidFill>
-                <a:latin typeface="Consolas" panose="020B0609020204030204" pitchFamily="49" charset="0"/>
-              </a:rPr>
-              <a:t> @</a:t>
-            </a:r>
-            <a:r>
-              <a:rPr lang="en-US" sz="2400" dirty="0" err="1">
-                <a:solidFill>
-                  <a:srgbClr val="000000"/>
-                </a:solidFill>
-                <a:latin typeface="Consolas" panose="020B0609020204030204" pitchFamily="49" charset="0"/>
-              </a:rPr>
-              <a:t>waitfor</a:t>
-            </a:r>
-            <a:r>
-              <a:rPr lang="en-US" sz="2400" dirty="0">
-                <a:solidFill>
-                  <a:srgbClr val="000000"/>
-                </a:solidFill>
-                <a:latin typeface="Consolas" panose="020B0609020204030204" pitchFamily="49" charset="0"/>
-              </a:rPr>
-              <a:t> </a:t>
-            </a:r>
-            <a:r>
-              <a:rPr lang="en-US" sz="2400" dirty="0">
-                <a:solidFill>
-                  <a:srgbClr val="0000FF"/>
-                </a:solidFill>
-                <a:latin typeface="Consolas" panose="020B0609020204030204" pitchFamily="49" charset="0"/>
-              </a:rPr>
-              <a:t>DATETIME</a:t>
-            </a:r>
-            <a:r>
-              <a:rPr lang="en-US" sz="2400" dirty="0">
-                <a:solidFill>
-                  <a:srgbClr val="808080"/>
-                </a:solidFill>
-                <a:latin typeface="Consolas" panose="020B0609020204030204" pitchFamily="49" charset="0"/>
-              </a:rPr>
-              <a:t>;</a:t>
-            </a:r>
-            <a:endParaRPr lang="en-US" sz="2400" dirty="0">
-              <a:solidFill>
-                <a:srgbClr val="000000"/>
-              </a:solidFill>
-              <a:latin typeface="Consolas" panose="020B0609020204030204" pitchFamily="49" charset="0"/>
-            </a:endParaRPr>
-          </a:p>
-          <a:p>
-            <a:endParaRPr lang="en-US" sz="2400" dirty="0">
-              <a:solidFill>
-                <a:srgbClr val="000000"/>
-              </a:solidFill>
-              <a:latin typeface="Consolas" panose="020B0609020204030204" pitchFamily="49" charset="0"/>
-            </a:endParaRPr>
-          </a:p>
-          <a:p>
-            <a:pPr marL="0" indent="0">
-              <a:buNone/>
-            </a:pPr>
-            <a:r>
-              <a:rPr lang="en-US" sz="2400" dirty="0">
-                <a:solidFill>
-                  <a:srgbClr val="0000FF"/>
-                </a:solidFill>
-                <a:latin typeface="Consolas" panose="020B0609020204030204" pitchFamily="49" charset="0"/>
-              </a:rPr>
-              <a:t>SELECT</a:t>
-            </a:r>
-            <a:r>
-              <a:rPr lang="en-US" sz="2400" dirty="0">
-                <a:solidFill>
-                  <a:srgbClr val="000000"/>
-                </a:solidFill>
-                <a:latin typeface="Consolas" panose="020B0609020204030204" pitchFamily="49" charset="0"/>
-              </a:rPr>
-              <a:t> @</a:t>
-            </a:r>
-            <a:r>
-              <a:rPr lang="en-US" sz="2400" dirty="0" err="1">
-                <a:solidFill>
-                  <a:srgbClr val="000000"/>
-                </a:solidFill>
-                <a:latin typeface="Consolas" panose="020B0609020204030204" pitchFamily="49" charset="0"/>
-              </a:rPr>
-              <a:t>waitfor</a:t>
-            </a:r>
-            <a:r>
-              <a:rPr lang="en-US" sz="2400" dirty="0">
-                <a:solidFill>
-                  <a:srgbClr val="000000"/>
-                </a:solidFill>
-                <a:latin typeface="Consolas" panose="020B0609020204030204" pitchFamily="49" charset="0"/>
-              </a:rPr>
-              <a:t> </a:t>
-            </a:r>
-            <a:r>
-              <a:rPr lang="en-US" sz="2400" dirty="0">
-                <a:solidFill>
-                  <a:srgbClr val="808080"/>
-                </a:solidFill>
-                <a:latin typeface="Consolas" panose="020B0609020204030204" pitchFamily="49" charset="0"/>
-              </a:rPr>
-              <a:t>=</a:t>
-            </a:r>
-            <a:r>
-              <a:rPr lang="en-US" sz="2400" dirty="0">
-                <a:solidFill>
-                  <a:srgbClr val="000000"/>
-                </a:solidFill>
-                <a:latin typeface="Consolas" panose="020B0609020204030204" pitchFamily="49" charset="0"/>
-              </a:rPr>
-              <a:t> </a:t>
-            </a:r>
-            <a:r>
-              <a:rPr lang="en-US" sz="2400" dirty="0">
-                <a:solidFill>
-                  <a:srgbClr val="FF00FF"/>
-                </a:solidFill>
-                <a:latin typeface="Consolas" panose="020B0609020204030204" pitchFamily="49" charset="0"/>
-              </a:rPr>
-              <a:t>CAST</a:t>
-            </a:r>
-            <a:r>
-              <a:rPr lang="en-US" sz="2400" dirty="0">
-                <a:solidFill>
-                  <a:srgbClr val="808080"/>
-                </a:solidFill>
-                <a:latin typeface="Consolas" panose="020B0609020204030204" pitchFamily="49" charset="0"/>
-              </a:rPr>
-              <a:t>(</a:t>
-            </a:r>
-            <a:r>
-              <a:rPr lang="en-US" sz="2400" dirty="0">
-                <a:solidFill>
-                  <a:srgbClr val="FF00FF"/>
-                </a:solidFill>
-                <a:latin typeface="Consolas" panose="020B0609020204030204" pitchFamily="49" charset="0"/>
-              </a:rPr>
-              <a:t>DATEADD</a:t>
-            </a:r>
-            <a:r>
-              <a:rPr lang="en-US" sz="2400" dirty="0">
-                <a:solidFill>
-                  <a:srgbClr val="808080"/>
-                </a:solidFill>
-                <a:latin typeface="Consolas" panose="020B0609020204030204" pitchFamily="49" charset="0"/>
-              </a:rPr>
-              <a:t>(</a:t>
-            </a:r>
-            <a:r>
-              <a:rPr lang="en-US" sz="2400" dirty="0">
-                <a:solidFill>
-                  <a:srgbClr val="FF00FF"/>
-                </a:solidFill>
-                <a:latin typeface="Consolas" panose="020B0609020204030204" pitchFamily="49" charset="0"/>
-              </a:rPr>
-              <a:t>SECOND</a:t>
-            </a:r>
-            <a:r>
-              <a:rPr lang="en-US" sz="2400" dirty="0">
-                <a:solidFill>
-                  <a:srgbClr val="808080"/>
-                </a:solidFill>
-                <a:latin typeface="Consolas" panose="020B0609020204030204" pitchFamily="49" charset="0"/>
-              </a:rPr>
-              <a:t>,</a:t>
-            </a:r>
-            <a:r>
-              <a:rPr lang="en-US" sz="2400" dirty="0">
-                <a:solidFill>
-                  <a:srgbClr val="000000"/>
-                </a:solidFill>
-                <a:latin typeface="Consolas" panose="020B0609020204030204" pitchFamily="49" charset="0"/>
-              </a:rPr>
-              <a:t> 10</a:t>
-            </a:r>
-            <a:r>
-              <a:rPr lang="en-US" sz="2400" dirty="0">
-                <a:solidFill>
-                  <a:srgbClr val="808080"/>
-                </a:solidFill>
-                <a:latin typeface="Consolas" panose="020B0609020204030204" pitchFamily="49" charset="0"/>
-              </a:rPr>
-              <a:t>,</a:t>
-            </a:r>
-            <a:r>
-              <a:rPr lang="en-US" sz="2400" dirty="0">
-                <a:solidFill>
-                  <a:srgbClr val="000000"/>
-                </a:solidFill>
-                <a:latin typeface="Consolas" panose="020B0609020204030204" pitchFamily="49" charset="0"/>
-              </a:rPr>
-              <a:t> </a:t>
-            </a:r>
-            <a:r>
-              <a:rPr lang="en-US" sz="2400" dirty="0">
-                <a:solidFill>
-                  <a:srgbClr val="FF00FF"/>
-                </a:solidFill>
-                <a:latin typeface="Consolas" panose="020B0609020204030204" pitchFamily="49" charset="0"/>
-              </a:rPr>
-              <a:t>CURRENT_TIMESTAMP</a:t>
-            </a:r>
-            <a:r>
-              <a:rPr lang="en-US" sz="2400" dirty="0">
-                <a:solidFill>
-                  <a:srgbClr val="808080"/>
-                </a:solidFill>
-                <a:latin typeface="Consolas" panose="020B0609020204030204" pitchFamily="49" charset="0"/>
-              </a:rPr>
-              <a:t>)</a:t>
-            </a:r>
-            <a:r>
-              <a:rPr lang="en-US" sz="2400" dirty="0">
-                <a:solidFill>
-                  <a:srgbClr val="000000"/>
-                </a:solidFill>
-                <a:latin typeface="Consolas" panose="020B0609020204030204" pitchFamily="49" charset="0"/>
-              </a:rPr>
-              <a:t> </a:t>
-            </a:r>
-            <a:r>
-              <a:rPr lang="en-US" sz="2400" dirty="0">
-                <a:solidFill>
-                  <a:srgbClr val="0000FF"/>
-                </a:solidFill>
-                <a:latin typeface="Consolas" panose="020B0609020204030204" pitchFamily="49" charset="0"/>
-              </a:rPr>
-              <a:t>AS</a:t>
-            </a:r>
-            <a:r>
-              <a:rPr lang="en-US" sz="2400" dirty="0">
-                <a:solidFill>
-                  <a:srgbClr val="000000"/>
-                </a:solidFill>
-                <a:latin typeface="Consolas" panose="020B0609020204030204" pitchFamily="49" charset="0"/>
-              </a:rPr>
-              <a:t> </a:t>
-            </a:r>
-            <a:r>
-              <a:rPr lang="en-US" sz="2400" dirty="0">
-                <a:solidFill>
-                  <a:srgbClr val="0000FF"/>
-                </a:solidFill>
-                <a:latin typeface="Consolas" panose="020B0609020204030204" pitchFamily="49" charset="0"/>
-              </a:rPr>
-              <a:t>TIME</a:t>
-            </a:r>
-            <a:r>
-              <a:rPr lang="en-US" sz="2400" dirty="0">
-                <a:solidFill>
-                  <a:srgbClr val="808080"/>
-                </a:solidFill>
-                <a:latin typeface="Consolas" panose="020B0609020204030204" pitchFamily="49" charset="0"/>
-              </a:rPr>
-              <a:t>);</a:t>
-            </a:r>
-            <a:endParaRPr lang="en-US" sz="2400" dirty="0">
-              <a:solidFill>
-                <a:srgbClr val="000000"/>
-              </a:solidFill>
-              <a:latin typeface="Consolas" panose="020B0609020204030204" pitchFamily="49" charset="0"/>
-            </a:endParaRPr>
-          </a:p>
-          <a:p>
-            <a:endParaRPr lang="en-US" sz="2400" dirty="0">
-              <a:solidFill>
-                <a:srgbClr val="000000"/>
-              </a:solidFill>
-              <a:latin typeface="Consolas" panose="020B0609020204030204" pitchFamily="49" charset="0"/>
-            </a:endParaRPr>
-          </a:p>
-          <a:p>
-            <a:pPr marL="0" indent="0">
-              <a:buNone/>
-            </a:pPr>
-            <a:r>
-              <a:rPr lang="en-US" sz="2400" dirty="0">
-                <a:solidFill>
-                  <a:srgbClr val="0000FF"/>
-                </a:solidFill>
-                <a:latin typeface="Consolas" panose="020B0609020204030204" pitchFamily="49" charset="0"/>
-              </a:rPr>
-              <a:t>WAITFOR</a:t>
-            </a:r>
-            <a:r>
-              <a:rPr lang="en-US" sz="2400" dirty="0">
-                <a:solidFill>
-                  <a:srgbClr val="000000"/>
-                </a:solidFill>
-                <a:latin typeface="Consolas" panose="020B0609020204030204" pitchFamily="49" charset="0"/>
-              </a:rPr>
-              <a:t> </a:t>
-            </a:r>
-            <a:r>
-              <a:rPr lang="en-US" sz="2400" dirty="0">
-                <a:solidFill>
-                  <a:srgbClr val="0000FF"/>
-                </a:solidFill>
-                <a:latin typeface="Consolas" panose="020B0609020204030204" pitchFamily="49" charset="0"/>
-              </a:rPr>
-              <a:t>TIME</a:t>
-            </a:r>
-            <a:r>
-              <a:rPr lang="en-US" sz="2400" dirty="0">
-                <a:solidFill>
-                  <a:srgbClr val="000000"/>
-                </a:solidFill>
-                <a:latin typeface="Consolas" panose="020B0609020204030204" pitchFamily="49" charset="0"/>
-              </a:rPr>
-              <a:t> @</a:t>
-            </a:r>
-            <a:r>
-              <a:rPr lang="en-US" sz="2400" dirty="0" err="1">
-                <a:solidFill>
-                  <a:srgbClr val="000000"/>
-                </a:solidFill>
-                <a:latin typeface="Consolas" panose="020B0609020204030204" pitchFamily="49" charset="0"/>
-              </a:rPr>
-              <a:t>waitfor</a:t>
-            </a:r>
-            <a:r>
-              <a:rPr lang="en-US" sz="2400" dirty="0">
-                <a:solidFill>
-                  <a:srgbClr val="808080"/>
-                </a:solidFill>
-                <a:latin typeface="Consolas" panose="020B0609020204030204" pitchFamily="49" charset="0"/>
-              </a:rPr>
-              <a:t>;</a:t>
-            </a:r>
-            <a:endParaRPr lang="en-US" sz="2400" dirty="0">
-              <a:solidFill>
-                <a:srgbClr val="000000"/>
-              </a:solidFill>
-              <a:latin typeface="Consolas" panose="020B0609020204030204" pitchFamily="49" charset="0"/>
-            </a:endParaRPr>
-          </a:p>
-          <a:p>
-            <a:endParaRPr lang="en-US" sz="2400" dirty="0">
-              <a:solidFill>
-                <a:srgbClr val="000000"/>
-              </a:solidFill>
-              <a:latin typeface="Consolas" panose="020B0609020204030204" pitchFamily="49" charset="0"/>
-            </a:endParaRPr>
-          </a:p>
-          <a:p>
-            <a:pPr marL="0" indent="0">
-              <a:buNone/>
-            </a:pPr>
-            <a:r>
-              <a:rPr lang="en-US" sz="2400" dirty="0">
-                <a:solidFill>
-                  <a:srgbClr val="0000FF"/>
-                </a:solidFill>
-                <a:latin typeface="Consolas" panose="020B0609020204030204" pitchFamily="49" charset="0"/>
-              </a:rPr>
-              <a:t>BEGIN</a:t>
-            </a:r>
-            <a:r>
-              <a:rPr lang="en-US" sz="2400" dirty="0">
-                <a:solidFill>
-                  <a:srgbClr val="000000"/>
-                </a:solidFill>
-                <a:latin typeface="Consolas" panose="020B0609020204030204" pitchFamily="49" charset="0"/>
-              </a:rPr>
-              <a:t> </a:t>
-            </a:r>
-            <a:r>
-              <a:rPr lang="en-US" sz="2400" dirty="0">
-                <a:solidFill>
-                  <a:srgbClr val="0000FF"/>
-                </a:solidFill>
-                <a:latin typeface="Consolas" panose="020B0609020204030204" pitchFamily="49" charset="0"/>
-              </a:rPr>
-              <a:t>TRANSACTION</a:t>
-            </a:r>
-            <a:endParaRPr lang="en-US" sz="2400" dirty="0">
-              <a:solidFill>
-                <a:srgbClr val="000000"/>
-              </a:solidFill>
-              <a:latin typeface="Consolas" panose="020B0609020204030204" pitchFamily="49" charset="0"/>
-            </a:endParaRPr>
-          </a:p>
-          <a:p>
-            <a:pPr marL="0" indent="0">
-              <a:buNone/>
-            </a:pPr>
-            <a:r>
-              <a:rPr lang="en-US" sz="2400" dirty="0">
-                <a:solidFill>
-                  <a:srgbClr val="0000FF"/>
-                </a:solidFill>
-                <a:latin typeface="Consolas" panose="020B0609020204030204" pitchFamily="49" charset="0"/>
-              </a:rPr>
-              <a:t>DROP</a:t>
-            </a:r>
-            <a:r>
-              <a:rPr lang="en-US" sz="2400" dirty="0">
-                <a:solidFill>
-                  <a:srgbClr val="000000"/>
-                </a:solidFill>
-                <a:latin typeface="Consolas" panose="020B0609020204030204" pitchFamily="49" charset="0"/>
-              </a:rPr>
-              <a:t> </a:t>
-            </a:r>
-            <a:r>
-              <a:rPr lang="en-US" sz="2400" dirty="0">
-                <a:solidFill>
-                  <a:srgbClr val="0000FF"/>
-                </a:solidFill>
-                <a:latin typeface="Consolas" panose="020B0609020204030204" pitchFamily="49" charset="0"/>
-              </a:rPr>
-              <a:t>TABLE</a:t>
-            </a:r>
-            <a:r>
-              <a:rPr lang="en-US" sz="2400" dirty="0">
-                <a:solidFill>
-                  <a:srgbClr val="000000"/>
-                </a:solidFill>
-                <a:latin typeface="Consolas" panose="020B0609020204030204" pitchFamily="49" charset="0"/>
-              </a:rPr>
-              <a:t> </a:t>
-            </a:r>
-            <a:r>
-              <a:rPr lang="en-US" sz="2400" dirty="0">
-                <a:solidFill>
-                  <a:srgbClr val="0000FF"/>
-                </a:solidFill>
-                <a:latin typeface="Consolas" panose="020B0609020204030204" pitchFamily="49" charset="0"/>
-              </a:rPr>
-              <a:t>IF</a:t>
-            </a:r>
-            <a:r>
-              <a:rPr lang="en-US" sz="2400" dirty="0">
-                <a:solidFill>
-                  <a:srgbClr val="000000"/>
-                </a:solidFill>
-                <a:latin typeface="Consolas" panose="020B0609020204030204" pitchFamily="49" charset="0"/>
-              </a:rPr>
-              <a:t> </a:t>
-            </a:r>
-            <a:r>
-              <a:rPr lang="en-US" sz="2400" dirty="0">
-                <a:solidFill>
-                  <a:srgbClr val="808080"/>
-                </a:solidFill>
-                <a:latin typeface="Consolas" panose="020B0609020204030204" pitchFamily="49" charset="0"/>
-              </a:rPr>
-              <a:t>EXISTS</a:t>
-            </a:r>
-            <a:r>
-              <a:rPr lang="en-US" sz="2400" dirty="0">
-                <a:solidFill>
-                  <a:srgbClr val="000000"/>
-                </a:solidFill>
-                <a:latin typeface="Consolas" panose="020B0609020204030204" pitchFamily="49" charset="0"/>
-              </a:rPr>
-              <a:t> dbo</a:t>
-            </a:r>
-            <a:r>
-              <a:rPr lang="en-US" sz="2400" dirty="0">
-                <a:solidFill>
-                  <a:srgbClr val="808080"/>
-                </a:solidFill>
-                <a:latin typeface="Consolas" panose="020B0609020204030204" pitchFamily="49" charset="0"/>
-              </a:rPr>
-              <a:t>.</a:t>
-            </a:r>
-            <a:r>
-              <a:rPr lang="en-US" sz="2400" dirty="0">
-                <a:solidFill>
-                  <a:srgbClr val="000000"/>
-                </a:solidFill>
-                <a:latin typeface="Consolas" panose="020B0609020204030204" pitchFamily="49" charset="0"/>
-              </a:rPr>
-              <a:t>fl1</a:t>
-            </a:r>
-            <a:r>
-              <a:rPr lang="en-US" sz="2400" dirty="0">
-                <a:solidFill>
-                  <a:srgbClr val="808080"/>
-                </a:solidFill>
-                <a:latin typeface="Consolas" panose="020B0609020204030204" pitchFamily="49" charset="0"/>
-              </a:rPr>
-              <a:t>,</a:t>
-            </a:r>
-            <a:r>
-              <a:rPr lang="en-US" sz="2400" dirty="0">
-                <a:solidFill>
-                  <a:srgbClr val="000000"/>
-                </a:solidFill>
-                <a:latin typeface="Consolas" panose="020B0609020204030204" pitchFamily="49" charset="0"/>
-              </a:rPr>
-              <a:t> dbo</a:t>
-            </a:r>
-            <a:r>
-              <a:rPr lang="en-US" sz="2400" dirty="0">
-                <a:solidFill>
-                  <a:srgbClr val="808080"/>
-                </a:solidFill>
-                <a:latin typeface="Consolas" panose="020B0609020204030204" pitchFamily="49" charset="0"/>
-              </a:rPr>
-              <a:t>.</a:t>
-            </a:r>
-            <a:r>
-              <a:rPr lang="en-US" sz="2400" dirty="0">
-                <a:solidFill>
-                  <a:srgbClr val="000000"/>
-                </a:solidFill>
-                <a:latin typeface="Consolas" panose="020B0609020204030204" pitchFamily="49" charset="0"/>
-              </a:rPr>
-              <a:t>fl2</a:t>
-            </a:r>
-            <a:r>
-              <a:rPr lang="en-US" sz="2400" dirty="0">
-                <a:solidFill>
-                  <a:srgbClr val="808080"/>
-                </a:solidFill>
-                <a:latin typeface="Consolas" panose="020B0609020204030204" pitchFamily="49" charset="0"/>
-              </a:rPr>
-              <a:t>,</a:t>
-            </a:r>
-            <a:r>
-              <a:rPr lang="en-US" sz="2400" dirty="0">
-                <a:solidFill>
-                  <a:srgbClr val="000000"/>
-                </a:solidFill>
-                <a:latin typeface="Consolas" panose="020B0609020204030204" pitchFamily="49" charset="0"/>
-              </a:rPr>
-              <a:t> dbo</a:t>
-            </a:r>
-            <a:r>
-              <a:rPr lang="en-US" sz="2400" dirty="0">
-                <a:solidFill>
-                  <a:srgbClr val="808080"/>
-                </a:solidFill>
-                <a:latin typeface="Consolas" panose="020B0609020204030204" pitchFamily="49" charset="0"/>
-              </a:rPr>
-              <a:t>.</a:t>
-            </a:r>
-            <a:r>
-              <a:rPr lang="en-US" sz="2400" dirty="0">
-                <a:solidFill>
-                  <a:srgbClr val="000000"/>
-                </a:solidFill>
-                <a:latin typeface="Consolas" panose="020B0609020204030204" pitchFamily="49" charset="0"/>
-              </a:rPr>
-              <a:t>fl3</a:t>
-            </a:r>
-            <a:r>
-              <a:rPr lang="en-US" sz="2400" dirty="0">
-                <a:solidFill>
-                  <a:srgbClr val="808080"/>
-                </a:solidFill>
-                <a:latin typeface="Consolas" panose="020B0609020204030204" pitchFamily="49" charset="0"/>
-              </a:rPr>
-              <a:t>;</a:t>
-            </a:r>
-            <a:endParaRPr lang="en-US" sz="2400" dirty="0">
-              <a:solidFill>
-                <a:srgbClr val="000000"/>
-              </a:solidFill>
-              <a:latin typeface="Consolas" panose="020B0609020204030204" pitchFamily="49" charset="0"/>
-            </a:endParaRPr>
-          </a:p>
-          <a:p>
-            <a:pPr marL="0" indent="0">
-              <a:buNone/>
-            </a:pPr>
-            <a:r>
-              <a:rPr lang="en-US" sz="2400" dirty="0">
-                <a:solidFill>
-                  <a:srgbClr val="0000FF"/>
-                </a:solidFill>
-                <a:latin typeface="Consolas" panose="020B0609020204030204" pitchFamily="49" charset="0"/>
-              </a:rPr>
-              <a:t>SELECT</a:t>
-            </a:r>
-            <a:r>
-              <a:rPr lang="en-US" sz="2400" dirty="0">
-                <a:solidFill>
-                  <a:srgbClr val="000000"/>
-                </a:solidFill>
-                <a:latin typeface="Consolas" panose="020B0609020204030204" pitchFamily="49" charset="0"/>
-              </a:rPr>
-              <a:t> s2</a:t>
-            </a:r>
-            <a:r>
-              <a:rPr lang="en-US" sz="2400" dirty="0">
-                <a:solidFill>
-                  <a:srgbClr val="808080"/>
-                </a:solidFill>
-                <a:latin typeface="Consolas" panose="020B0609020204030204" pitchFamily="49" charset="0"/>
-              </a:rPr>
-              <a:t>.*</a:t>
-            </a:r>
-            <a:r>
-              <a:rPr lang="en-US" sz="2400" dirty="0">
-                <a:solidFill>
-                  <a:srgbClr val="000000"/>
-                </a:solidFill>
-                <a:latin typeface="Consolas" panose="020B0609020204030204" pitchFamily="49" charset="0"/>
-              </a:rPr>
-              <a:t> </a:t>
-            </a:r>
-            <a:r>
-              <a:rPr lang="en-US" sz="2400" dirty="0">
-                <a:solidFill>
-                  <a:srgbClr val="0000FF"/>
-                </a:solidFill>
-                <a:latin typeface="Consolas" panose="020B0609020204030204" pitchFamily="49" charset="0"/>
-              </a:rPr>
-              <a:t>INTO</a:t>
-            </a:r>
-            <a:r>
-              <a:rPr lang="en-US" sz="2400" dirty="0">
-                <a:solidFill>
-                  <a:srgbClr val="000000"/>
-                </a:solidFill>
-                <a:latin typeface="Consolas" panose="020B0609020204030204" pitchFamily="49" charset="0"/>
-              </a:rPr>
-              <a:t> dbo</a:t>
-            </a:r>
-            <a:r>
-              <a:rPr lang="en-US" sz="2400" dirty="0">
-                <a:solidFill>
-                  <a:srgbClr val="808080"/>
-                </a:solidFill>
-                <a:latin typeface="Consolas" panose="020B0609020204030204" pitchFamily="49" charset="0"/>
-              </a:rPr>
-              <a:t>.</a:t>
-            </a:r>
-            <a:r>
-              <a:rPr lang="en-US" sz="2400" dirty="0">
-                <a:solidFill>
-                  <a:srgbClr val="000000"/>
-                </a:solidFill>
-                <a:latin typeface="Consolas" panose="020B0609020204030204" pitchFamily="49" charset="0"/>
-              </a:rPr>
-              <a:t>fl1 </a:t>
-            </a:r>
-            <a:r>
-              <a:rPr lang="en-US" sz="2400" dirty="0">
-                <a:solidFill>
-                  <a:srgbClr val="0000FF"/>
-                </a:solidFill>
-                <a:latin typeface="Consolas" panose="020B0609020204030204" pitchFamily="49" charset="0"/>
-              </a:rPr>
-              <a:t>FROM</a:t>
-            </a:r>
-            <a:r>
-              <a:rPr lang="en-US" sz="2400" dirty="0">
-                <a:solidFill>
-                  <a:srgbClr val="000000"/>
-                </a:solidFill>
-                <a:latin typeface="Consolas" panose="020B0609020204030204" pitchFamily="49" charset="0"/>
-              </a:rPr>
-              <a:t> </a:t>
-            </a:r>
-            <a:r>
-              <a:rPr lang="en-US" sz="2400" dirty="0" err="1">
-                <a:solidFill>
-                  <a:srgbClr val="00FF00"/>
-                </a:solidFill>
-                <a:latin typeface="Consolas" panose="020B0609020204030204" pitchFamily="49" charset="0"/>
-              </a:rPr>
-              <a:t>sys</a:t>
-            </a:r>
-            <a:r>
-              <a:rPr lang="en-US" sz="2400" dirty="0" err="1">
-                <a:solidFill>
-                  <a:srgbClr val="808080"/>
-                </a:solidFill>
-                <a:latin typeface="Consolas" panose="020B0609020204030204" pitchFamily="49" charset="0"/>
-              </a:rPr>
-              <a:t>.</a:t>
-            </a:r>
-            <a:r>
-              <a:rPr lang="en-US" sz="2400" dirty="0" err="1">
-                <a:solidFill>
-                  <a:srgbClr val="00FF00"/>
-                </a:solidFill>
-                <a:latin typeface="Consolas" panose="020B0609020204030204" pitchFamily="49" charset="0"/>
-              </a:rPr>
-              <a:t>all_columns</a:t>
-            </a:r>
-            <a:r>
-              <a:rPr lang="en-US" sz="2400" dirty="0">
-                <a:solidFill>
-                  <a:srgbClr val="000000"/>
-                </a:solidFill>
-                <a:latin typeface="Consolas" panose="020B0609020204030204" pitchFamily="49" charset="0"/>
-              </a:rPr>
-              <a:t> </a:t>
-            </a:r>
-            <a:r>
-              <a:rPr lang="en-US" sz="2400" dirty="0">
-                <a:solidFill>
-                  <a:srgbClr val="0000FF"/>
-                </a:solidFill>
-                <a:latin typeface="Consolas" panose="020B0609020204030204" pitchFamily="49" charset="0"/>
-              </a:rPr>
-              <a:t>AS</a:t>
-            </a:r>
-            <a:r>
-              <a:rPr lang="en-US" sz="2400" dirty="0">
-                <a:solidFill>
-                  <a:srgbClr val="000000"/>
-                </a:solidFill>
-                <a:latin typeface="Consolas" panose="020B0609020204030204" pitchFamily="49" charset="0"/>
-              </a:rPr>
-              <a:t> s1 </a:t>
-            </a:r>
-            <a:r>
-              <a:rPr lang="en-US" sz="2400" dirty="0">
-                <a:solidFill>
-                  <a:srgbClr val="808080"/>
-                </a:solidFill>
-                <a:latin typeface="Consolas" panose="020B0609020204030204" pitchFamily="49" charset="0"/>
-              </a:rPr>
-              <a:t>CROSS</a:t>
-            </a:r>
-            <a:r>
-              <a:rPr lang="en-US" sz="2400" dirty="0">
-                <a:solidFill>
-                  <a:srgbClr val="000000"/>
-                </a:solidFill>
-                <a:latin typeface="Consolas" panose="020B0609020204030204" pitchFamily="49" charset="0"/>
-              </a:rPr>
-              <a:t> </a:t>
-            </a:r>
-            <a:r>
-              <a:rPr lang="en-US" sz="2400" dirty="0">
-                <a:solidFill>
-                  <a:srgbClr val="808080"/>
-                </a:solidFill>
-                <a:latin typeface="Consolas" panose="020B0609020204030204" pitchFamily="49" charset="0"/>
-              </a:rPr>
-              <a:t>JOIN</a:t>
-            </a:r>
-            <a:r>
-              <a:rPr lang="en-US" sz="2400" dirty="0">
-                <a:solidFill>
-                  <a:srgbClr val="000000"/>
-                </a:solidFill>
-                <a:latin typeface="Consolas" panose="020B0609020204030204" pitchFamily="49" charset="0"/>
-              </a:rPr>
-              <a:t> </a:t>
-            </a:r>
-            <a:r>
-              <a:rPr lang="en-US" sz="2400" dirty="0" err="1">
-                <a:solidFill>
-                  <a:srgbClr val="00FF00"/>
-                </a:solidFill>
-                <a:latin typeface="Consolas" panose="020B0609020204030204" pitchFamily="49" charset="0"/>
-              </a:rPr>
-              <a:t>sys</a:t>
-            </a:r>
-            <a:r>
-              <a:rPr lang="en-US" sz="2400" dirty="0" err="1">
-                <a:solidFill>
-                  <a:srgbClr val="808080"/>
-                </a:solidFill>
-                <a:latin typeface="Consolas" panose="020B0609020204030204" pitchFamily="49" charset="0"/>
-              </a:rPr>
-              <a:t>.</a:t>
-            </a:r>
-            <a:r>
-              <a:rPr lang="en-US" sz="2400" dirty="0" err="1">
-                <a:solidFill>
-                  <a:srgbClr val="00FF00"/>
-                </a:solidFill>
-                <a:latin typeface="Consolas" panose="020B0609020204030204" pitchFamily="49" charset="0"/>
-              </a:rPr>
-              <a:t>all_objects</a:t>
-            </a:r>
-            <a:r>
-              <a:rPr lang="en-US" sz="2400" dirty="0">
-                <a:solidFill>
-                  <a:srgbClr val="000000"/>
-                </a:solidFill>
-                <a:latin typeface="Consolas" panose="020B0609020204030204" pitchFamily="49" charset="0"/>
-              </a:rPr>
-              <a:t> </a:t>
-            </a:r>
-            <a:r>
-              <a:rPr lang="en-US" sz="2400" dirty="0">
-                <a:solidFill>
-                  <a:srgbClr val="0000FF"/>
-                </a:solidFill>
-                <a:latin typeface="Consolas" panose="020B0609020204030204" pitchFamily="49" charset="0"/>
-              </a:rPr>
-              <a:t>AS</a:t>
-            </a:r>
-            <a:r>
-              <a:rPr lang="en-US" sz="2400" dirty="0">
-                <a:solidFill>
-                  <a:srgbClr val="000000"/>
-                </a:solidFill>
-                <a:latin typeface="Consolas" panose="020B0609020204030204" pitchFamily="49" charset="0"/>
-              </a:rPr>
-              <a:t> s2</a:t>
-            </a:r>
-            <a:r>
-              <a:rPr lang="en-US" sz="2400" dirty="0">
-                <a:solidFill>
-                  <a:srgbClr val="808080"/>
-                </a:solidFill>
-                <a:latin typeface="Consolas" panose="020B0609020204030204" pitchFamily="49" charset="0"/>
-              </a:rPr>
-              <a:t>;</a:t>
-            </a:r>
-            <a:endParaRPr lang="en-US" sz="2400" dirty="0">
-              <a:solidFill>
-                <a:srgbClr val="000000"/>
-              </a:solidFill>
-              <a:latin typeface="Consolas" panose="020B0609020204030204" pitchFamily="49" charset="0"/>
-            </a:endParaRPr>
-          </a:p>
-          <a:p>
-            <a:pPr marL="0" indent="0">
-              <a:buNone/>
-            </a:pPr>
-            <a:r>
-              <a:rPr lang="en-US" sz="2400" dirty="0">
-                <a:solidFill>
-                  <a:srgbClr val="0000FF"/>
-                </a:solidFill>
-                <a:latin typeface="Consolas" panose="020B0609020204030204" pitchFamily="49" charset="0"/>
-              </a:rPr>
-              <a:t>SELECT</a:t>
-            </a:r>
-            <a:r>
-              <a:rPr lang="en-US" sz="2400" dirty="0">
-                <a:solidFill>
-                  <a:srgbClr val="000000"/>
-                </a:solidFill>
-                <a:latin typeface="Consolas" panose="020B0609020204030204" pitchFamily="49" charset="0"/>
-              </a:rPr>
-              <a:t> s2</a:t>
-            </a:r>
-            <a:r>
-              <a:rPr lang="en-US" sz="2400" dirty="0">
-                <a:solidFill>
-                  <a:srgbClr val="808080"/>
-                </a:solidFill>
-                <a:latin typeface="Consolas" panose="020B0609020204030204" pitchFamily="49" charset="0"/>
-              </a:rPr>
-              <a:t>.*</a:t>
-            </a:r>
-            <a:r>
-              <a:rPr lang="en-US" sz="2400" dirty="0">
-                <a:solidFill>
-                  <a:srgbClr val="000000"/>
-                </a:solidFill>
-                <a:latin typeface="Consolas" panose="020B0609020204030204" pitchFamily="49" charset="0"/>
-              </a:rPr>
-              <a:t> </a:t>
-            </a:r>
-            <a:r>
-              <a:rPr lang="en-US" sz="2400" dirty="0">
-                <a:solidFill>
-                  <a:srgbClr val="0000FF"/>
-                </a:solidFill>
-                <a:latin typeface="Consolas" panose="020B0609020204030204" pitchFamily="49" charset="0"/>
-              </a:rPr>
-              <a:t>INTO</a:t>
-            </a:r>
-            <a:r>
-              <a:rPr lang="en-US" sz="2400" dirty="0">
-                <a:solidFill>
-                  <a:srgbClr val="000000"/>
-                </a:solidFill>
-                <a:latin typeface="Consolas" panose="020B0609020204030204" pitchFamily="49" charset="0"/>
-              </a:rPr>
-              <a:t> dbo</a:t>
-            </a:r>
-            <a:r>
-              <a:rPr lang="en-US" sz="2400" dirty="0">
-                <a:solidFill>
-                  <a:srgbClr val="808080"/>
-                </a:solidFill>
-                <a:latin typeface="Consolas" panose="020B0609020204030204" pitchFamily="49" charset="0"/>
-              </a:rPr>
-              <a:t>.</a:t>
-            </a:r>
-            <a:r>
-              <a:rPr lang="en-US" sz="2400" dirty="0">
-                <a:solidFill>
-                  <a:srgbClr val="000000"/>
-                </a:solidFill>
-                <a:latin typeface="Consolas" panose="020B0609020204030204" pitchFamily="49" charset="0"/>
-              </a:rPr>
-              <a:t>fl2 </a:t>
-            </a:r>
-            <a:r>
-              <a:rPr lang="en-US" sz="2400" dirty="0">
-                <a:solidFill>
-                  <a:srgbClr val="0000FF"/>
-                </a:solidFill>
-                <a:latin typeface="Consolas" panose="020B0609020204030204" pitchFamily="49" charset="0"/>
-              </a:rPr>
-              <a:t>FROM</a:t>
-            </a:r>
-            <a:r>
-              <a:rPr lang="en-US" sz="2400" dirty="0">
-                <a:solidFill>
-                  <a:srgbClr val="000000"/>
-                </a:solidFill>
-                <a:latin typeface="Consolas" panose="020B0609020204030204" pitchFamily="49" charset="0"/>
-              </a:rPr>
-              <a:t> </a:t>
-            </a:r>
-            <a:r>
-              <a:rPr lang="en-US" sz="2400" dirty="0" err="1">
-                <a:solidFill>
-                  <a:srgbClr val="00FF00"/>
-                </a:solidFill>
-                <a:latin typeface="Consolas" panose="020B0609020204030204" pitchFamily="49" charset="0"/>
-              </a:rPr>
-              <a:t>sys</a:t>
-            </a:r>
-            <a:r>
-              <a:rPr lang="en-US" sz="2400" dirty="0" err="1">
-                <a:solidFill>
-                  <a:srgbClr val="808080"/>
-                </a:solidFill>
-                <a:latin typeface="Consolas" panose="020B0609020204030204" pitchFamily="49" charset="0"/>
-              </a:rPr>
-              <a:t>.</a:t>
-            </a:r>
-            <a:r>
-              <a:rPr lang="en-US" sz="2400" dirty="0" err="1">
-                <a:solidFill>
-                  <a:srgbClr val="00FF00"/>
-                </a:solidFill>
-                <a:latin typeface="Consolas" panose="020B0609020204030204" pitchFamily="49" charset="0"/>
-              </a:rPr>
-              <a:t>all_columns</a:t>
-            </a:r>
-            <a:r>
-              <a:rPr lang="en-US" sz="2400" dirty="0">
-                <a:solidFill>
-                  <a:srgbClr val="000000"/>
-                </a:solidFill>
-                <a:latin typeface="Consolas" panose="020B0609020204030204" pitchFamily="49" charset="0"/>
-              </a:rPr>
-              <a:t> </a:t>
-            </a:r>
-            <a:r>
-              <a:rPr lang="en-US" sz="2400" dirty="0">
-                <a:solidFill>
-                  <a:srgbClr val="0000FF"/>
-                </a:solidFill>
-                <a:latin typeface="Consolas" panose="020B0609020204030204" pitchFamily="49" charset="0"/>
-              </a:rPr>
-              <a:t>AS</a:t>
-            </a:r>
-            <a:r>
-              <a:rPr lang="en-US" sz="2400" dirty="0">
-                <a:solidFill>
-                  <a:srgbClr val="000000"/>
-                </a:solidFill>
-                <a:latin typeface="Consolas" panose="020B0609020204030204" pitchFamily="49" charset="0"/>
-              </a:rPr>
-              <a:t> s1 </a:t>
-            </a:r>
-            <a:r>
-              <a:rPr lang="en-US" sz="2400" dirty="0">
-                <a:solidFill>
-                  <a:srgbClr val="808080"/>
-                </a:solidFill>
-                <a:latin typeface="Consolas" panose="020B0609020204030204" pitchFamily="49" charset="0"/>
-              </a:rPr>
-              <a:t>CROSS</a:t>
-            </a:r>
-            <a:r>
-              <a:rPr lang="en-US" sz="2400" dirty="0">
-                <a:solidFill>
-                  <a:srgbClr val="000000"/>
-                </a:solidFill>
-                <a:latin typeface="Consolas" panose="020B0609020204030204" pitchFamily="49" charset="0"/>
-              </a:rPr>
-              <a:t> </a:t>
-            </a:r>
-            <a:r>
-              <a:rPr lang="en-US" sz="2400" dirty="0">
-                <a:solidFill>
-                  <a:srgbClr val="808080"/>
-                </a:solidFill>
-                <a:latin typeface="Consolas" panose="020B0609020204030204" pitchFamily="49" charset="0"/>
-              </a:rPr>
-              <a:t>JOIN</a:t>
-            </a:r>
-            <a:r>
-              <a:rPr lang="en-US" sz="2400" dirty="0">
-                <a:solidFill>
-                  <a:srgbClr val="000000"/>
-                </a:solidFill>
-                <a:latin typeface="Consolas" panose="020B0609020204030204" pitchFamily="49" charset="0"/>
-              </a:rPr>
-              <a:t> </a:t>
-            </a:r>
-            <a:r>
-              <a:rPr lang="en-US" sz="2400" dirty="0" err="1">
-                <a:solidFill>
-                  <a:srgbClr val="00FF00"/>
-                </a:solidFill>
-                <a:latin typeface="Consolas" panose="020B0609020204030204" pitchFamily="49" charset="0"/>
-              </a:rPr>
-              <a:t>sys</a:t>
-            </a:r>
-            <a:r>
-              <a:rPr lang="en-US" sz="2400" dirty="0" err="1">
-                <a:solidFill>
-                  <a:srgbClr val="808080"/>
-                </a:solidFill>
-                <a:latin typeface="Consolas" panose="020B0609020204030204" pitchFamily="49" charset="0"/>
-              </a:rPr>
-              <a:t>.</a:t>
-            </a:r>
-            <a:r>
-              <a:rPr lang="en-US" sz="2400" dirty="0" err="1">
-                <a:solidFill>
-                  <a:srgbClr val="00FF00"/>
-                </a:solidFill>
-                <a:latin typeface="Consolas" panose="020B0609020204030204" pitchFamily="49" charset="0"/>
-              </a:rPr>
-              <a:t>all_objects</a:t>
-            </a:r>
-            <a:r>
-              <a:rPr lang="en-US" sz="2400" dirty="0">
-                <a:solidFill>
-                  <a:srgbClr val="000000"/>
-                </a:solidFill>
-                <a:latin typeface="Consolas" panose="020B0609020204030204" pitchFamily="49" charset="0"/>
-              </a:rPr>
-              <a:t> </a:t>
-            </a:r>
-            <a:r>
-              <a:rPr lang="en-US" sz="2400" dirty="0">
-                <a:solidFill>
-                  <a:srgbClr val="0000FF"/>
-                </a:solidFill>
-                <a:latin typeface="Consolas" panose="020B0609020204030204" pitchFamily="49" charset="0"/>
-              </a:rPr>
-              <a:t>AS</a:t>
-            </a:r>
-            <a:r>
-              <a:rPr lang="en-US" sz="2400" dirty="0">
-                <a:solidFill>
-                  <a:srgbClr val="000000"/>
-                </a:solidFill>
-                <a:latin typeface="Consolas" panose="020B0609020204030204" pitchFamily="49" charset="0"/>
-              </a:rPr>
-              <a:t> s2</a:t>
-            </a:r>
-            <a:r>
-              <a:rPr lang="en-US" sz="2400" dirty="0">
-                <a:solidFill>
-                  <a:srgbClr val="808080"/>
-                </a:solidFill>
-                <a:latin typeface="Consolas" panose="020B0609020204030204" pitchFamily="49" charset="0"/>
-              </a:rPr>
-              <a:t>;</a:t>
-            </a:r>
-            <a:endParaRPr lang="en-US" sz="2400" dirty="0">
-              <a:solidFill>
-                <a:srgbClr val="000000"/>
-              </a:solidFill>
-              <a:latin typeface="Consolas" panose="020B0609020204030204" pitchFamily="49" charset="0"/>
-            </a:endParaRPr>
-          </a:p>
-          <a:p>
-            <a:pPr marL="0" indent="0">
-              <a:buNone/>
-            </a:pPr>
-            <a:r>
-              <a:rPr lang="en-US" sz="2400" dirty="0">
-                <a:solidFill>
-                  <a:srgbClr val="0000FF"/>
-                </a:solidFill>
-                <a:latin typeface="Consolas" panose="020B0609020204030204" pitchFamily="49" charset="0"/>
-              </a:rPr>
-              <a:t>SELECT</a:t>
-            </a:r>
-            <a:r>
-              <a:rPr lang="en-US" sz="2400" dirty="0">
-                <a:solidFill>
-                  <a:srgbClr val="000000"/>
-                </a:solidFill>
-                <a:latin typeface="Consolas" panose="020B0609020204030204" pitchFamily="49" charset="0"/>
-              </a:rPr>
-              <a:t> s2</a:t>
-            </a:r>
-            <a:r>
-              <a:rPr lang="en-US" sz="2400" dirty="0">
-                <a:solidFill>
-                  <a:srgbClr val="808080"/>
-                </a:solidFill>
-                <a:latin typeface="Consolas" panose="020B0609020204030204" pitchFamily="49" charset="0"/>
-              </a:rPr>
-              <a:t>.*</a:t>
-            </a:r>
-            <a:r>
-              <a:rPr lang="en-US" sz="2400" dirty="0">
-                <a:solidFill>
-                  <a:srgbClr val="000000"/>
-                </a:solidFill>
-                <a:latin typeface="Consolas" panose="020B0609020204030204" pitchFamily="49" charset="0"/>
-              </a:rPr>
-              <a:t> </a:t>
-            </a:r>
-            <a:r>
-              <a:rPr lang="en-US" sz="2400" dirty="0">
-                <a:solidFill>
-                  <a:srgbClr val="0000FF"/>
-                </a:solidFill>
-                <a:latin typeface="Consolas" panose="020B0609020204030204" pitchFamily="49" charset="0"/>
-              </a:rPr>
-              <a:t>INTO</a:t>
-            </a:r>
-            <a:r>
-              <a:rPr lang="en-US" sz="2400" dirty="0">
-                <a:solidFill>
-                  <a:srgbClr val="000000"/>
-                </a:solidFill>
-                <a:latin typeface="Consolas" panose="020B0609020204030204" pitchFamily="49" charset="0"/>
-              </a:rPr>
-              <a:t> dbo</a:t>
-            </a:r>
-            <a:r>
-              <a:rPr lang="en-US" sz="2400" dirty="0">
-                <a:solidFill>
-                  <a:srgbClr val="808080"/>
-                </a:solidFill>
-                <a:latin typeface="Consolas" panose="020B0609020204030204" pitchFamily="49" charset="0"/>
-              </a:rPr>
-              <a:t>.</a:t>
-            </a:r>
-            <a:r>
-              <a:rPr lang="en-US" sz="2400" dirty="0">
-                <a:solidFill>
-                  <a:srgbClr val="000000"/>
-                </a:solidFill>
-                <a:latin typeface="Consolas" panose="020B0609020204030204" pitchFamily="49" charset="0"/>
-              </a:rPr>
-              <a:t>fl3 </a:t>
-            </a:r>
-            <a:r>
-              <a:rPr lang="en-US" sz="2400" dirty="0">
-                <a:solidFill>
-                  <a:srgbClr val="0000FF"/>
-                </a:solidFill>
-                <a:latin typeface="Consolas" panose="020B0609020204030204" pitchFamily="49" charset="0"/>
-              </a:rPr>
-              <a:t>FROM</a:t>
-            </a:r>
-            <a:r>
-              <a:rPr lang="en-US" sz="2400" dirty="0">
-                <a:solidFill>
-                  <a:srgbClr val="000000"/>
-                </a:solidFill>
-                <a:latin typeface="Consolas" panose="020B0609020204030204" pitchFamily="49" charset="0"/>
-              </a:rPr>
-              <a:t> </a:t>
-            </a:r>
-            <a:r>
-              <a:rPr lang="en-US" sz="2400" dirty="0" err="1">
-                <a:solidFill>
-                  <a:srgbClr val="00FF00"/>
-                </a:solidFill>
-                <a:latin typeface="Consolas" panose="020B0609020204030204" pitchFamily="49" charset="0"/>
-              </a:rPr>
-              <a:t>sys</a:t>
-            </a:r>
-            <a:r>
-              <a:rPr lang="en-US" sz="2400" dirty="0" err="1">
-                <a:solidFill>
-                  <a:srgbClr val="808080"/>
-                </a:solidFill>
-                <a:latin typeface="Consolas" panose="020B0609020204030204" pitchFamily="49" charset="0"/>
-              </a:rPr>
-              <a:t>.</a:t>
-            </a:r>
-            <a:r>
-              <a:rPr lang="en-US" sz="2400" dirty="0" err="1">
-                <a:solidFill>
-                  <a:srgbClr val="00FF00"/>
-                </a:solidFill>
-                <a:latin typeface="Consolas" panose="020B0609020204030204" pitchFamily="49" charset="0"/>
-              </a:rPr>
-              <a:t>all_columns</a:t>
-            </a:r>
-            <a:r>
-              <a:rPr lang="en-US" sz="2400" dirty="0">
-                <a:solidFill>
-                  <a:srgbClr val="000000"/>
-                </a:solidFill>
-                <a:latin typeface="Consolas" panose="020B0609020204030204" pitchFamily="49" charset="0"/>
-              </a:rPr>
-              <a:t> </a:t>
-            </a:r>
-            <a:r>
-              <a:rPr lang="en-US" sz="2400" dirty="0">
-                <a:solidFill>
-                  <a:srgbClr val="0000FF"/>
-                </a:solidFill>
-                <a:latin typeface="Consolas" panose="020B0609020204030204" pitchFamily="49" charset="0"/>
-              </a:rPr>
-              <a:t>AS</a:t>
-            </a:r>
-            <a:r>
-              <a:rPr lang="en-US" sz="2400" dirty="0">
-                <a:solidFill>
-                  <a:srgbClr val="000000"/>
-                </a:solidFill>
-                <a:latin typeface="Consolas" panose="020B0609020204030204" pitchFamily="49" charset="0"/>
-              </a:rPr>
-              <a:t> s1 </a:t>
-            </a:r>
-            <a:r>
-              <a:rPr lang="en-US" sz="2400" dirty="0">
-                <a:solidFill>
-                  <a:srgbClr val="808080"/>
-                </a:solidFill>
-                <a:latin typeface="Consolas" panose="020B0609020204030204" pitchFamily="49" charset="0"/>
-              </a:rPr>
-              <a:t>CROSS</a:t>
-            </a:r>
-            <a:r>
-              <a:rPr lang="en-US" sz="2400" dirty="0">
-                <a:solidFill>
-                  <a:srgbClr val="000000"/>
-                </a:solidFill>
-                <a:latin typeface="Consolas" panose="020B0609020204030204" pitchFamily="49" charset="0"/>
-              </a:rPr>
-              <a:t> </a:t>
-            </a:r>
-            <a:r>
-              <a:rPr lang="en-US" sz="2400" dirty="0">
-                <a:solidFill>
-                  <a:srgbClr val="808080"/>
-                </a:solidFill>
-                <a:latin typeface="Consolas" panose="020B0609020204030204" pitchFamily="49" charset="0"/>
-              </a:rPr>
-              <a:t>JOIN</a:t>
-            </a:r>
-            <a:r>
-              <a:rPr lang="en-US" sz="2400" dirty="0">
-                <a:solidFill>
-                  <a:srgbClr val="000000"/>
-                </a:solidFill>
-                <a:latin typeface="Consolas" panose="020B0609020204030204" pitchFamily="49" charset="0"/>
-              </a:rPr>
-              <a:t> </a:t>
-            </a:r>
-            <a:r>
-              <a:rPr lang="en-US" sz="2400" dirty="0" err="1">
-                <a:solidFill>
-                  <a:srgbClr val="00FF00"/>
-                </a:solidFill>
-                <a:latin typeface="Consolas" panose="020B0609020204030204" pitchFamily="49" charset="0"/>
-              </a:rPr>
-              <a:t>sys</a:t>
-            </a:r>
-            <a:r>
-              <a:rPr lang="en-US" sz="2400" dirty="0" err="1">
-                <a:solidFill>
-                  <a:srgbClr val="808080"/>
-                </a:solidFill>
-                <a:latin typeface="Consolas" panose="020B0609020204030204" pitchFamily="49" charset="0"/>
-              </a:rPr>
-              <a:t>.</a:t>
-            </a:r>
-            <a:r>
-              <a:rPr lang="en-US" sz="2400" dirty="0" err="1">
-                <a:solidFill>
-                  <a:srgbClr val="00FF00"/>
-                </a:solidFill>
-                <a:latin typeface="Consolas" panose="020B0609020204030204" pitchFamily="49" charset="0"/>
-              </a:rPr>
-              <a:t>all_objects</a:t>
-            </a:r>
-            <a:r>
-              <a:rPr lang="en-US" sz="2400" dirty="0">
-                <a:solidFill>
-                  <a:srgbClr val="000000"/>
-                </a:solidFill>
-                <a:latin typeface="Consolas" panose="020B0609020204030204" pitchFamily="49" charset="0"/>
-              </a:rPr>
-              <a:t> </a:t>
-            </a:r>
-            <a:r>
-              <a:rPr lang="en-US" sz="2400" dirty="0">
-                <a:solidFill>
-                  <a:srgbClr val="0000FF"/>
-                </a:solidFill>
-                <a:latin typeface="Consolas" panose="020B0609020204030204" pitchFamily="49" charset="0"/>
-              </a:rPr>
-              <a:t>AS</a:t>
-            </a:r>
-            <a:r>
-              <a:rPr lang="en-US" sz="2400" dirty="0">
-                <a:solidFill>
-                  <a:srgbClr val="000000"/>
-                </a:solidFill>
-                <a:latin typeface="Consolas" panose="020B0609020204030204" pitchFamily="49" charset="0"/>
-              </a:rPr>
-              <a:t> s2</a:t>
-            </a:r>
-            <a:r>
-              <a:rPr lang="en-US" sz="2400" dirty="0">
-                <a:solidFill>
-                  <a:srgbClr val="808080"/>
-                </a:solidFill>
-                <a:latin typeface="Consolas" panose="020B0609020204030204" pitchFamily="49" charset="0"/>
-              </a:rPr>
-              <a:t>;</a:t>
-            </a:r>
-            <a:endParaRPr lang="en-US" dirty="0"/>
-          </a:p>
-        </p:txBody>
-      </p:sp>
+        </p:nvPicPr>
+        <p:blipFill>
+          <a:blip r:embed="rId2"/>
+          <a:srcRect/>
+          <a:stretch/>
+        </p:blipFill>
+        <p:spPr>
+          <a:xfrm>
+            <a:off x="2556608" y="2782486"/>
+            <a:ext cx="7078784" cy="1293028"/>
+          </a:xfrm>
+        </p:spPr>
+      </p:pic>
     </p:spTree>
     <p:extLst>
       <p:ext uri="{BB962C8B-B14F-4D97-AF65-F5344CB8AC3E}">
-        <p14:creationId xmlns:p14="http://schemas.microsoft.com/office/powerpoint/2010/main" val="3167236336"/>
+        <p14:creationId xmlns:p14="http://schemas.microsoft.com/office/powerpoint/2010/main" val="3285679172"/>
       </p:ext>
     </p:extLst>
   </p:cSld>
@@ -17578,7 +16279,7 @@
           <p:cNvPr id="2" name="Title 1">
             <a:extLst>
               <a:ext uri="{FF2B5EF4-FFF2-40B4-BE49-F238E27FC236}">
-                <a16:creationId xmlns:a16="http://schemas.microsoft.com/office/drawing/2014/main" id="{E79EC8D3-7E72-40B2-AF87-707FEBCCA938}"/>
+                <a16:creationId xmlns:a16="http://schemas.microsoft.com/office/drawing/2014/main" id="{13D11F34-7E4B-4969-A4AA-61706463E43A}"/>
               </a:ext>
             </a:extLst>
           </p:cNvPr>
@@ -17596,44 +16297,1379 @@
           <a:p>
             <a:r>
               <a:rPr lang="en-US" dirty="0"/>
-              <a:t>AG Failover Results</a:t>
-            </a:r>
-          </a:p>
-        </p:txBody>
-      </p:sp>
-      <p:pic>
-        <p:nvPicPr>
-          <p:cNvPr id="5" name="Content Placeholder 4">
+              <a:t>AG Failover Demo</a:t>
+            </a:r>
+          </a:p>
+        </p:txBody>
+      </p:sp>
+      <p:sp>
+        <p:nvSpPr>
+          <p:cNvPr id="3" name="Content Placeholder 2">
             <a:extLst>
               <a:ext uri="{FF2B5EF4-FFF2-40B4-BE49-F238E27FC236}">
-                <a16:creationId xmlns:a16="http://schemas.microsoft.com/office/drawing/2014/main" id="{26D4F835-A399-47FC-B13C-0E35AA6F4311}"/>
+                <a16:creationId xmlns:a16="http://schemas.microsoft.com/office/drawing/2014/main" id="{340DFCB8-280E-4684-858C-796C01EBFA5C}"/>
               </a:ext>
             </a:extLst>
           </p:cNvPr>
-          <p:cNvPicPr>
-            <a:picLocks noGrp="1" noChangeAspect="1"/>
-          </p:cNvPicPr>
+          <p:cNvSpPr>
+            <a:spLocks noGrp="1"/>
+          </p:cNvSpPr>
           <p:nvPr>
             <p:ph idx="1"/>
           </p:nvPr>
-        </p:nvPicPr>
-        <p:blipFill>
-          <a:blip r:embed="rId2"/>
-          <a:stretch>
-            <a:fillRect/>
-          </a:stretch>
-        </p:blipFill>
-        <p:spPr>
-          <a:xfrm>
-            <a:off x="2715979" y="3007098"/>
-            <a:ext cx="6760041" cy="1293028"/>
-          </a:xfrm>
-        </p:spPr>
-      </p:pic>
+        </p:nvSpPr>
+        <p:spPr/>
+        <p:txBody>
+          <a:bodyPr>
+            <a:normAutofit fontScale="70000" lnSpcReduction="20000"/>
+          </a:bodyPr>
+          <a:lstStyle/>
+          <a:p>
+            <a:pPr marL="0" indent="0">
+              <a:buNone/>
+            </a:pPr>
+            <a:r>
+              <a:rPr lang="en-US" sz="2400" dirty="0">
+                <a:solidFill>
+                  <a:srgbClr val="0000FF"/>
+                </a:solidFill>
+                <a:latin typeface="Consolas" panose="020B0609020204030204" pitchFamily="49" charset="0"/>
+              </a:rPr>
+              <a:t>DECLARE</a:t>
+            </a:r>
+            <a:r>
+              <a:rPr lang="en-US" sz="2400" dirty="0">
+                <a:solidFill>
+                  <a:srgbClr val="000000"/>
+                </a:solidFill>
+                <a:latin typeface="Consolas" panose="020B0609020204030204" pitchFamily="49" charset="0"/>
+              </a:rPr>
+              <a:t> @</a:t>
+            </a:r>
+            <a:r>
+              <a:rPr lang="en-US" sz="2400" dirty="0" err="1">
+                <a:solidFill>
+                  <a:srgbClr val="000000"/>
+                </a:solidFill>
+                <a:latin typeface="Consolas" panose="020B0609020204030204" pitchFamily="49" charset="0"/>
+              </a:rPr>
+              <a:t>waitfor</a:t>
+            </a:r>
+            <a:r>
+              <a:rPr lang="en-US" sz="2400" dirty="0">
+                <a:solidFill>
+                  <a:srgbClr val="000000"/>
+                </a:solidFill>
+                <a:latin typeface="Consolas" panose="020B0609020204030204" pitchFamily="49" charset="0"/>
+              </a:rPr>
+              <a:t> </a:t>
+            </a:r>
+            <a:r>
+              <a:rPr lang="en-US" sz="2400" dirty="0">
+                <a:solidFill>
+                  <a:srgbClr val="0000FF"/>
+                </a:solidFill>
+                <a:latin typeface="Consolas" panose="020B0609020204030204" pitchFamily="49" charset="0"/>
+              </a:rPr>
+              <a:t>DATETIME</a:t>
+            </a:r>
+            <a:r>
+              <a:rPr lang="en-US" sz="2400" dirty="0">
+                <a:solidFill>
+                  <a:srgbClr val="808080"/>
+                </a:solidFill>
+                <a:latin typeface="Consolas" panose="020B0609020204030204" pitchFamily="49" charset="0"/>
+              </a:rPr>
+              <a:t>;</a:t>
+            </a:r>
+            <a:endParaRPr lang="en-US" sz="2400" dirty="0">
+              <a:solidFill>
+                <a:srgbClr val="000000"/>
+              </a:solidFill>
+              <a:latin typeface="Consolas" panose="020B0609020204030204" pitchFamily="49" charset="0"/>
+            </a:endParaRPr>
+          </a:p>
+          <a:p>
+            <a:endParaRPr lang="en-US" sz="2400" dirty="0">
+              <a:solidFill>
+                <a:srgbClr val="000000"/>
+              </a:solidFill>
+              <a:latin typeface="Consolas" panose="020B0609020204030204" pitchFamily="49" charset="0"/>
+            </a:endParaRPr>
+          </a:p>
+          <a:p>
+            <a:pPr marL="0" indent="0">
+              <a:buNone/>
+            </a:pPr>
+            <a:r>
+              <a:rPr lang="en-US" sz="2400" dirty="0">
+                <a:solidFill>
+                  <a:srgbClr val="0000FF"/>
+                </a:solidFill>
+                <a:latin typeface="Consolas" panose="020B0609020204030204" pitchFamily="49" charset="0"/>
+              </a:rPr>
+              <a:t>SELECT</a:t>
+            </a:r>
+            <a:r>
+              <a:rPr lang="en-US" sz="2400" dirty="0">
+                <a:solidFill>
+                  <a:srgbClr val="000000"/>
+                </a:solidFill>
+                <a:latin typeface="Consolas" panose="020B0609020204030204" pitchFamily="49" charset="0"/>
+              </a:rPr>
+              <a:t> @</a:t>
+            </a:r>
+            <a:r>
+              <a:rPr lang="en-US" sz="2400" dirty="0" err="1">
+                <a:solidFill>
+                  <a:srgbClr val="000000"/>
+                </a:solidFill>
+                <a:latin typeface="Consolas" panose="020B0609020204030204" pitchFamily="49" charset="0"/>
+              </a:rPr>
+              <a:t>waitfor</a:t>
+            </a:r>
+            <a:r>
+              <a:rPr lang="en-US" sz="2400" dirty="0">
+                <a:solidFill>
+                  <a:srgbClr val="000000"/>
+                </a:solidFill>
+                <a:latin typeface="Consolas" panose="020B0609020204030204" pitchFamily="49" charset="0"/>
+              </a:rPr>
+              <a:t> </a:t>
+            </a:r>
+            <a:r>
+              <a:rPr lang="en-US" sz="2400" dirty="0">
+                <a:solidFill>
+                  <a:srgbClr val="808080"/>
+                </a:solidFill>
+                <a:latin typeface="Consolas" panose="020B0609020204030204" pitchFamily="49" charset="0"/>
+              </a:rPr>
+              <a:t>=</a:t>
+            </a:r>
+            <a:r>
+              <a:rPr lang="en-US" sz="2400" dirty="0">
+                <a:solidFill>
+                  <a:srgbClr val="000000"/>
+                </a:solidFill>
+                <a:latin typeface="Consolas" panose="020B0609020204030204" pitchFamily="49" charset="0"/>
+              </a:rPr>
+              <a:t> </a:t>
+            </a:r>
+            <a:r>
+              <a:rPr lang="en-US" sz="2400" dirty="0">
+                <a:solidFill>
+                  <a:srgbClr val="FF00FF"/>
+                </a:solidFill>
+                <a:latin typeface="Consolas" panose="020B0609020204030204" pitchFamily="49" charset="0"/>
+              </a:rPr>
+              <a:t>CAST</a:t>
+            </a:r>
+            <a:r>
+              <a:rPr lang="en-US" sz="2400" dirty="0">
+                <a:solidFill>
+                  <a:srgbClr val="808080"/>
+                </a:solidFill>
+                <a:latin typeface="Consolas" panose="020B0609020204030204" pitchFamily="49" charset="0"/>
+              </a:rPr>
+              <a:t>(</a:t>
+            </a:r>
+            <a:r>
+              <a:rPr lang="en-US" sz="2400" dirty="0">
+                <a:solidFill>
+                  <a:srgbClr val="FF00FF"/>
+                </a:solidFill>
+                <a:latin typeface="Consolas" panose="020B0609020204030204" pitchFamily="49" charset="0"/>
+              </a:rPr>
+              <a:t>DATEADD</a:t>
+            </a:r>
+            <a:r>
+              <a:rPr lang="en-US" sz="2400" dirty="0">
+                <a:solidFill>
+                  <a:srgbClr val="808080"/>
+                </a:solidFill>
+                <a:latin typeface="Consolas" panose="020B0609020204030204" pitchFamily="49" charset="0"/>
+              </a:rPr>
+              <a:t>(</a:t>
+            </a:r>
+            <a:r>
+              <a:rPr lang="en-US" sz="2400" dirty="0">
+                <a:solidFill>
+                  <a:srgbClr val="FF00FF"/>
+                </a:solidFill>
+                <a:latin typeface="Consolas" panose="020B0609020204030204" pitchFamily="49" charset="0"/>
+              </a:rPr>
+              <a:t>SECOND</a:t>
+            </a:r>
+            <a:r>
+              <a:rPr lang="en-US" sz="2400" dirty="0">
+                <a:solidFill>
+                  <a:srgbClr val="808080"/>
+                </a:solidFill>
+                <a:latin typeface="Consolas" panose="020B0609020204030204" pitchFamily="49" charset="0"/>
+              </a:rPr>
+              <a:t>,</a:t>
+            </a:r>
+            <a:r>
+              <a:rPr lang="en-US" sz="2400" dirty="0">
+                <a:solidFill>
+                  <a:srgbClr val="000000"/>
+                </a:solidFill>
+                <a:latin typeface="Consolas" panose="020B0609020204030204" pitchFamily="49" charset="0"/>
+              </a:rPr>
+              <a:t> 10</a:t>
+            </a:r>
+            <a:r>
+              <a:rPr lang="en-US" sz="2400" dirty="0">
+                <a:solidFill>
+                  <a:srgbClr val="808080"/>
+                </a:solidFill>
+                <a:latin typeface="Consolas" panose="020B0609020204030204" pitchFamily="49" charset="0"/>
+              </a:rPr>
+              <a:t>,</a:t>
+            </a:r>
+            <a:r>
+              <a:rPr lang="en-US" sz="2400" dirty="0">
+                <a:solidFill>
+                  <a:srgbClr val="000000"/>
+                </a:solidFill>
+                <a:latin typeface="Consolas" panose="020B0609020204030204" pitchFamily="49" charset="0"/>
+              </a:rPr>
+              <a:t> </a:t>
+            </a:r>
+            <a:r>
+              <a:rPr lang="en-US" sz="2400" dirty="0">
+                <a:solidFill>
+                  <a:srgbClr val="FF00FF"/>
+                </a:solidFill>
+                <a:latin typeface="Consolas" panose="020B0609020204030204" pitchFamily="49" charset="0"/>
+              </a:rPr>
+              <a:t>CURRENT_TIMESTAMP</a:t>
+            </a:r>
+            <a:r>
+              <a:rPr lang="en-US" sz="2400" dirty="0">
+                <a:solidFill>
+                  <a:srgbClr val="808080"/>
+                </a:solidFill>
+                <a:latin typeface="Consolas" panose="020B0609020204030204" pitchFamily="49" charset="0"/>
+              </a:rPr>
+              <a:t>)</a:t>
+            </a:r>
+            <a:r>
+              <a:rPr lang="en-US" sz="2400" dirty="0">
+                <a:solidFill>
+                  <a:srgbClr val="000000"/>
+                </a:solidFill>
+                <a:latin typeface="Consolas" panose="020B0609020204030204" pitchFamily="49" charset="0"/>
+              </a:rPr>
+              <a:t> </a:t>
+            </a:r>
+            <a:r>
+              <a:rPr lang="en-US" sz="2400" dirty="0">
+                <a:solidFill>
+                  <a:srgbClr val="0000FF"/>
+                </a:solidFill>
+                <a:latin typeface="Consolas" panose="020B0609020204030204" pitchFamily="49" charset="0"/>
+              </a:rPr>
+              <a:t>AS</a:t>
+            </a:r>
+            <a:r>
+              <a:rPr lang="en-US" sz="2400" dirty="0">
+                <a:solidFill>
+                  <a:srgbClr val="000000"/>
+                </a:solidFill>
+                <a:latin typeface="Consolas" panose="020B0609020204030204" pitchFamily="49" charset="0"/>
+              </a:rPr>
+              <a:t> </a:t>
+            </a:r>
+            <a:r>
+              <a:rPr lang="en-US" sz="2400" dirty="0">
+                <a:solidFill>
+                  <a:srgbClr val="0000FF"/>
+                </a:solidFill>
+                <a:latin typeface="Consolas" panose="020B0609020204030204" pitchFamily="49" charset="0"/>
+              </a:rPr>
+              <a:t>TIME</a:t>
+            </a:r>
+            <a:r>
+              <a:rPr lang="en-US" sz="2400" dirty="0">
+                <a:solidFill>
+                  <a:srgbClr val="808080"/>
+                </a:solidFill>
+                <a:latin typeface="Consolas" panose="020B0609020204030204" pitchFamily="49" charset="0"/>
+              </a:rPr>
+              <a:t>);</a:t>
+            </a:r>
+            <a:endParaRPr lang="en-US" sz="2400" dirty="0">
+              <a:solidFill>
+                <a:srgbClr val="000000"/>
+              </a:solidFill>
+              <a:latin typeface="Consolas" panose="020B0609020204030204" pitchFamily="49" charset="0"/>
+            </a:endParaRPr>
+          </a:p>
+          <a:p>
+            <a:endParaRPr lang="en-US" sz="2400" dirty="0">
+              <a:solidFill>
+                <a:srgbClr val="000000"/>
+              </a:solidFill>
+              <a:latin typeface="Consolas" panose="020B0609020204030204" pitchFamily="49" charset="0"/>
+            </a:endParaRPr>
+          </a:p>
+          <a:p>
+            <a:pPr marL="0" indent="0">
+              <a:buNone/>
+            </a:pPr>
+            <a:r>
+              <a:rPr lang="en-US" sz="2400" dirty="0">
+                <a:solidFill>
+                  <a:srgbClr val="0000FF"/>
+                </a:solidFill>
+                <a:latin typeface="Consolas" panose="020B0609020204030204" pitchFamily="49" charset="0"/>
+              </a:rPr>
+              <a:t>WAITFOR</a:t>
+            </a:r>
+            <a:r>
+              <a:rPr lang="en-US" sz="2400" dirty="0">
+                <a:solidFill>
+                  <a:srgbClr val="000000"/>
+                </a:solidFill>
+                <a:latin typeface="Consolas" panose="020B0609020204030204" pitchFamily="49" charset="0"/>
+              </a:rPr>
+              <a:t> </a:t>
+            </a:r>
+            <a:r>
+              <a:rPr lang="en-US" sz="2400" dirty="0">
+                <a:solidFill>
+                  <a:srgbClr val="0000FF"/>
+                </a:solidFill>
+                <a:latin typeface="Consolas" panose="020B0609020204030204" pitchFamily="49" charset="0"/>
+              </a:rPr>
+              <a:t>TIME</a:t>
+            </a:r>
+            <a:r>
+              <a:rPr lang="en-US" sz="2400" dirty="0">
+                <a:solidFill>
+                  <a:srgbClr val="000000"/>
+                </a:solidFill>
+                <a:latin typeface="Consolas" panose="020B0609020204030204" pitchFamily="49" charset="0"/>
+              </a:rPr>
+              <a:t> @</a:t>
+            </a:r>
+            <a:r>
+              <a:rPr lang="en-US" sz="2400" dirty="0" err="1">
+                <a:solidFill>
+                  <a:srgbClr val="000000"/>
+                </a:solidFill>
+                <a:latin typeface="Consolas" panose="020B0609020204030204" pitchFamily="49" charset="0"/>
+              </a:rPr>
+              <a:t>waitfor</a:t>
+            </a:r>
+            <a:r>
+              <a:rPr lang="en-US" sz="2400" dirty="0">
+                <a:solidFill>
+                  <a:srgbClr val="808080"/>
+                </a:solidFill>
+                <a:latin typeface="Consolas" panose="020B0609020204030204" pitchFamily="49" charset="0"/>
+              </a:rPr>
+              <a:t>;</a:t>
+            </a:r>
+            <a:endParaRPr lang="en-US" sz="2400" dirty="0">
+              <a:solidFill>
+                <a:srgbClr val="000000"/>
+              </a:solidFill>
+              <a:latin typeface="Consolas" panose="020B0609020204030204" pitchFamily="49" charset="0"/>
+            </a:endParaRPr>
+          </a:p>
+          <a:p>
+            <a:endParaRPr lang="en-US" sz="2400" dirty="0">
+              <a:solidFill>
+                <a:srgbClr val="000000"/>
+              </a:solidFill>
+              <a:latin typeface="Consolas" panose="020B0609020204030204" pitchFamily="49" charset="0"/>
+            </a:endParaRPr>
+          </a:p>
+          <a:p>
+            <a:pPr marL="0" indent="0">
+              <a:buNone/>
+            </a:pPr>
+            <a:r>
+              <a:rPr lang="en-US" sz="2400" dirty="0">
+                <a:solidFill>
+                  <a:srgbClr val="0000FF"/>
+                </a:solidFill>
+                <a:latin typeface="Consolas" panose="020B0609020204030204" pitchFamily="49" charset="0"/>
+              </a:rPr>
+              <a:t>BEGIN</a:t>
+            </a:r>
+            <a:r>
+              <a:rPr lang="en-US" sz="2400" dirty="0">
+                <a:solidFill>
+                  <a:srgbClr val="000000"/>
+                </a:solidFill>
+                <a:latin typeface="Consolas" panose="020B0609020204030204" pitchFamily="49" charset="0"/>
+              </a:rPr>
+              <a:t> </a:t>
+            </a:r>
+            <a:r>
+              <a:rPr lang="en-US" sz="2400" dirty="0">
+                <a:solidFill>
+                  <a:srgbClr val="0000FF"/>
+                </a:solidFill>
+                <a:latin typeface="Consolas" panose="020B0609020204030204" pitchFamily="49" charset="0"/>
+              </a:rPr>
+              <a:t>TRANSACTION</a:t>
+            </a:r>
+            <a:endParaRPr lang="en-US" sz="2400" dirty="0">
+              <a:solidFill>
+                <a:srgbClr val="000000"/>
+              </a:solidFill>
+              <a:latin typeface="Consolas" panose="020B0609020204030204" pitchFamily="49" charset="0"/>
+            </a:endParaRPr>
+          </a:p>
+          <a:p>
+            <a:pPr marL="0" indent="0">
+              <a:buNone/>
+            </a:pPr>
+            <a:r>
+              <a:rPr lang="en-US" sz="2400" dirty="0">
+                <a:solidFill>
+                  <a:srgbClr val="0000FF"/>
+                </a:solidFill>
+                <a:latin typeface="Consolas" panose="020B0609020204030204" pitchFamily="49" charset="0"/>
+              </a:rPr>
+              <a:t>DROP</a:t>
+            </a:r>
+            <a:r>
+              <a:rPr lang="en-US" sz="2400" dirty="0">
+                <a:solidFill>
+                  <a:srgbClr val="000000"/>
+                </a:solidFill>
+                <a:latin typeface="Consolas" panose="020B0609020204030204" pitchFamily="49" charset="0"/>
+              </a:rPr>
+              <a:t> </a:t>
+            </a:r>
+            <a:r>
+              <a:rPr lang="en-US" sz="2400" dirty="0">
+                <a:solidFill>
+                  <a:srgbClr val="0000FF"/>
+                </a:solidFill>
+                <a:latin typeface="Consolas" panose="020B0609020204030204" pitchFamily="49" charset="0"/>
+              </a:rPr>
+              <a:t>TABLE</a:t>
+            </a:r>
+            <a:r>
+              <a:rPr lang="en-US" sz="2400" dirty="0">
+                <a:solidFill>
+                  <a:srgbClr val="000000"/>
+                </a:solidFill>
+                <a:latin typeface="Consolas" panose="020B0609020204030204" pitchFamily="49" charset="0"/>
+              </a:rPr>
+              <a:t> </a:t>
+            </a:r>
+            <a:r>
+              <a:rPr lang="en-US" sz="2400" dirty="0">
+                <a:solidFill>
+                  <a:srgbClr val="0000FF"/>
+                </a:solidFill>
+                <a:latin typeface="Consolas" panose="020B0609020204030204" pitchFamily="49" charset="0"/>
+              </a:rPr>
+              <a:t>IF</a:t>
+            </a:r>
+            <a:r>
+              <a:rPr lang="en-US" sz="2400" dirty="0">
+                <a:solidFill>
+                  <a:srgbClr val="000000"/>
+                </a:solidFill>
+                <a:latin typeface="Consolas" panose="020B0609020204030204" pitchFamily="49" charset="0"/>
+              </a:rPr>
+              <a:t> </a:t>
+            </a:r>
+            <a:r>
+              <a:rPr lang="en-US" sz="2400" dirty="0">
+                <a:solidFill>
+                  <a:srgbClr val="808080"/>
+                </a:solidFill>
+                <a:latin typeface="Consolas" panose="020B0609020204030204" pitchFamily="49" charset="0"/>
+              </a:rPr>
+              <a:t>EXISTS</a:t>
+            </a:r>
+            <a:r>
+              <a:rPr lang="en-US" sz="2400" dirty="0">
+                <a:solidFill>
+                  <a:srgbClr val="000000"/>
+                </a:solidFill>
+                <a:latin typeface="Consolas" panose="020B0609020204030204" pitchFamily="49" charset="0"/>
+              </a:rPr>
+              <a:t> dbo</a:t>
+            </a:r>
+            <a:r>
+              <a:rPr lang="en-US" sz="2400" dirty="0">
+                <a:solidFill>
+                  <a:srgbClr val="808080"/>
+                </a:solidFill>
+                <a:latin typeface="Consolas" panose="020B0609020204030204" pitchFamily="49" charset="0"/>
+              </a:rPr>
+              <a:t>.</a:t>
+            </a:r>
+            <a:r>
+              <a:rPr lang="en-US" sz="2400" dirty="0">
+                <a:solidFill>
+                  <a:srgbClr val="000000"/>
+                </a:solidFill>
+                <a:latin typeface="Consolas" panose="020B0609020204030204" pitchFamily="49" charset="0"/>
+              </a:rPr>
+              <a:t>fl1</a:t>
+            </a:r>
+            <a:r>
+              <a:rPr lang="en-US" sz="2400" dirty="0">
+                <a:solidFill>
+                  <a:srgbClr val="808080"/>
+                </a:solidFill>
+                <a:latin typeface="Consolas" panose="020B0609020204030204" pitchFamily="49" charset="0"/>
+              </a:rPr>
+              <a:t>,</a:t>
+            </a:r>
+            <a:r>
+              <a:rPr lang="en-US" sz="2400" dirty="0">
+                <a:solidFill>
+                  <a:srgbClr val="000000"/>
+                </a:solidFill>
+                <a:latin typeface="Consolas" panose="020B0609020204030204" pitchFamily="49" charset="0"/>
+              </a:rPr>
+              <a:t> dbo</a:t>
+            </a:r>
+            <a:r>
+              <a:rPr lang="en-US" sz="2400" dirty="0">
+                <a:solidFill>
+                  <a:srgbClr val="808080"/>
+                </a:solidFill>
+                <a:latin typeface="Consolas" panose="020B0609020204030204" pitchFamily="49" charset="0"/>
+              </a:rPr>
+              <a:t>.</a:t>
+            </a:r>
+            <a:r>
+              <a:rPr lang="en-US" sz="2400" dirty="0">
+                <a:solidFill>
+                  <a:srgbClr val="000000"/>
+                </a:solidFill>
+                <a:latin typeface="Consolas" panose="020B0609020204030204" pitchFamily="49" charset="0"/>
+              </a:rPr>
+              <a:t>fl2</a:t>
+            </a:r>
+            <a:r>
+              <a:rPr lang="en-US" sz="2400" dirty="0">
+                <a:solidFill>
+                  <a:srgbClr val="808080"/>
+                </a:solidFill>
+                <a:latin typeface="Consolas" panose="020B0609020204030204" pitchFamily="49" charset="0"/>
+              </a:rPr>
+              <a:t>,</a:t>
+            </a:r>
+            <a:r>
+              <a:rPr lang="en-US" sz="2400" dirty="0">
+                <a:solidFill>
+                  <a:srgbClr val="000000"/>
+                </a:solidFill>
+                <a:latin typeface="Consolas" panose="020B0609020204030204" pitchFamily="49" charset="0"/>
+              </a:rPr>
+              <a:t> dbo</a:t>
+            </a:r>
+            <a:r>
+              <a:rPr lang="en-US" sz="2400" dirty="0">
+                <a:solidFill>
+                  <a:srgbClr val="808080"/>
+                </a:solidFill>
+                <a:latin typeface="Consolas" panose="020B0609020204030204" pitchFamily="49" charset="0"/>
+              </a:rPr>
+              <a:t>.</a:t>
+            </a:r>
+            <a:r>
+              <a:rPr lang="en-US" sz="2400" dirty="0">
+                <a:solidFill>
+                  <a:srgbClr val="000000"/>
+                </a:solidFill>
+                <a:latin typeface="Consolas" panose="020B0609020204030204" pitchFamily="49" charset="0"/>
+              </a:rPr>
+              <a:t>fl3</a:t>
+            </a:r>
+            <a:r>
+              <a:rPr lang="en-US" sz="2400" dirty="0">
+                <a:solidFill>
+                  <a:srgbClr val="808080"/>
+                </a:solidFill>
+                <a:latin typeface="Consolas" panose="020B0609020204030204" pitchFamily="49" charset="0"/>
+              </a:rPr>
+              <a:t>;</a:t>
+            </a:r>
+            <a:endParaRPr lang="en-US" sz="2400" dirty="0">
+              <a:solidFill>
+                <a:srgbClr val="000000"/>
+              </a:solidFill>
+              <a:latin typeface="Consolas" panose="020B0609020204030204" pitchFamily="49" charset="0"/>
+            </a:endParaRPr>
+          </a:p>
+          <a:p>
+            <a:pPr marL="0" indent="0">
+              <a:buNone/>
+            </a:pPr>
+            <a:r>
+              <a:rPr lang="en-US" sz="2400" dirty="0">
+                <a:solidFill>
+                  <a:srgbClr val="0000FF"/>
+                </a:solidFill>
+                <a:latin typeface="Consolas" panose="020B0609020204030204" pitchFamily="49" charset="0"/>
+              </a:rPr>
+              <a:t>SELECT</a:t>
+            </a:r>
+            <a:r>
+              <a:rPr lang="en-US" sz="2400" dirty="0">
+                <a:solidFill>
+                  <a:srgbClr val="000000"/>
+                </a:solidFill>
+                <a:latin typeface="Consolas" panose="020B0609020204030204" pitchFamily="49" charset="0"/>
+              </a:rPr>
+              <a:t> s2</a:t>
+            </a:r>
+            <a:r>
+              <a:rPr lang="en-US" sz="2400" dirty="0">
+                <a:solidFill>
+                  <a:srgbClr val="808080"/>
+                </a:solidFill>
+                <a:latin typeface="Consolas" panose="020B0609020204030204" pitchFamily="49" charset="0"/>
+              </a:rPr>
+              <a:t>.*</a:t>
+            </a:r>
+            <a:r>
+              <a:rPr lang="en-US" sz="2400" dirty="0">
+                <a:solidFill>
+                  <a:srgbClr val="000000"/>
+                </a:solidFill>
+                <a:latin typeface="Consolas" panose="020B0609020204030204" pitchFamily="49" charset="0"/>
+              </a:rPr>
+              <a:t> </a:t>
+            </a:r>
+            <a:r>
+              <a:rPr lang="en-US" sz="2400" dirty="0">
+                <a:solidFill>
+                  <a:srgbClr val="0000FF"/>
+                </a:solidFill>
+                <a:latin typeface="Consolas" panose="020B0609020204030204" pitchFamily="49" charset="0"/>
+              </a:rPr>
+              <a:t>INTO</a:t>
+            </a:r>
+            <a:r>
+              <a:rPr lang="en-US" sz="2400" dirty="0">
+                <a:solidFill>
+                  <a:srgbClr val="000000"/>
+                </a:solidFill>
+                <a:latin typeface="Consolas" panose="020B0609020204030204" pitchFamily="49" charset="0"/>
+              </a:rPr>
+              <a:t> dbo</a:t>
+            </a:r>
+            <a:r>
+              <a:rPr lang="en-US" sz="2400" dirty="0">
+                <a:solidFill>
+                  <a:srgbClr val="808080"/>
+                </a:solidFill>
+                <a:latin typeface="Consolas" panose="020B0609020204030204" pitchFamily="49" charset="0"/>
+              </a:rPr>
+              <a:t>.</a:t>
+            </a:r>
+            <a:r>
+              <a:rPr lang="en-US" sz="2400" dirty="0">
+                <a:solidFill>
+                  <a:srgbClr val="000000"/>
+                </a:solidFill>
+                <a:latin typeface="Consolas" panose="020B0609020204030204" pitchFamily="49" charset="0"/>
+              </a:rPr>
+              <a:t>fl1 </a:t>
+            </a:r>
+            <a:r>
+              <a:rPr lang="en-US" sz="2400" dirty="0">
+                <a:solidFill>
+                  <a:srgbClr val="0000FF"/>
+                </a:solidFill>
+                <a:latin typeface="Consolas" panose="020B0609020204030204" pitchFamily="49" charset="0"/>
+              </a:rPr>
+              <a:t>FROM</a:t>
+            </a:r>
+            <a:r>
+              <a:rPr lang="en-US" sz="2400" dirty="0">
+                <a:solidFill>
+                  <a:srgbClr val="000000"/>
+                </a:solidFill>
+                <a:latin typeface="Consolas" panose="020B0609020204030204" pitchFamily="49" charset="0"/>
+              </a:rPr>
+              <a:t> </a:t>
+            </a:r>
+            <a:r>
+              <a:rPr lang="en-US" sz="2400" dirty="0" err="1">
+                <a:solidFill>
+                  <a:srgbClr val="00FF00"/>
+                </a:solidFill>
+                <a:latin typeface="Consolas" panose="020B0609020204030204" pitchFamily="49" charset="0"/>
+              </a:rPr>
+              <a:t>sys</a:t>
+            </a:r>
+            <a:r>
+              <a:rPr lang="en-US" sz="2400" dirty="0" err="1">
+                <a:solidFill>
+                  <a:srgbClr val="808080"/>
+                </a:solidFill>
+                <a:latin typeface="Consolas" panose="020B0609020204030204" pitchFamily="49" charset="0"/>
+              </a:rPr>
+              <a:t>.</a:t>
+            </a:r>
+            <a:r>
+              <a:rPr lang="en-US" sz="2400" dirty="0" err="1">
+                <a:solidFill>
+                  <a:srgbClr val="00FF00"/>
+                </a:solidFill>
+                <a:latin typeface="Consolas" panose="020B0609020204030204" pitchFamily="49" charset="0"/>
+              </a:rPr>
+              <a:t>all_columns</a:t>
+            </a:r>
+            <a:r>
+              <a:rPr lang="en-US" sz="2400" dirty="0">
+                <a:solidFill>
+                  <a:srgbClr val="000000"/>
+                </a:solidFill>
+                <a:latin typeface="Consolas" panose="020B0609020204030204" pitchFamily="49" charset="0"/>
+              </a:rPr>
+              <a:t> </a:t>
+            </a:r>
+            <a:r>
+              <a:rPr lang="en-US" sz="2400" dirty="0">
+                <a:solidFill>
+                  <a:srgbClr val="0000FF"/>
+                </a:solidFill>
+                <a:latin typeface="Consolas" panose="020B0609020204030204" pitchFamily="49" charset="0"/>
+              </a:rPr>
+              <a:t>AS</a:t>
+            </a:r>
+            <a:r>
+              <a:rPr lang="en-US" sz="2400" dirty="0">
+                <a:solidFill>
+                  <a:srgbClr val="000000"/>
+                </a:solidFill>
+                <a:latin typeface="Consolas" panose="020B0609020204030204" pitchFamily="49" charset="0"/>
+              </a:rPr>
+              <a:t> s1 </a:t>
+            </a:r>
+            <a:r>
+              <a:rPr lang="en-US" sz="2400" dirty="0">
+                <a:solidFill>
+                  <a:srgbClr val="808080"/>
+                </a:solidFill>
+                <a:latin typeface="Consolas" panose="020B0609020204030204" pitchFamily="49" charset="0"/>
+              </a:rPr>
+              <a:t>CROSS</a:t>
+            </a:r>
+            <a:r>
+              <a:rPr lang="en-US" sz="2400" dirty="0">
+                <a:solidFill>
+                  <a:srgbClr val="000000"/>
+                </a:solidFill>
+                <a:latin typeface="Consolas" panose="020B0609020204030204" pitchFamily="49" charset="0"/>
+              </a:rPr>
+              <a:t> </a:t>
+            </a:r>
+            <a:r>
+              <a:rPr lang="en-US" sz="2400" dirty="0">
+                <a:solidFill>
+                  <a:srgbClr val="808080"/>
+                </a:solidFill>
+                <a:latin typeface="Consolas" panose="020B0609020204030204" pitchFamily="49" charset="0"/>
+              </a:rPr>
+              <a:t>JOIN</a:t>
+            </a:r>
+            <a:r>
+              <a:rPr lang="en-US" sz="2400" dirty="0">
+                <a:solidFill>
+                  <a:srgbClr val="000000"/>
+                </a:solidFill>
+                <a:latin typeface="Consolas" panose="020B0609020204030204" pitchFamily="49" charset="0"/>
+              </a:rPr>
+              <a:t> </a:t>
+            </a:r>
+            <a:r>
+              <a:rPr lang="en-US" sz="2400" dirty="0" err="1">
+                <a:solidFill>
+                  <a:srgbClr val="00FF00"/>
+                </a:solidFill>
+                <a:latin typeface="Consolas" panose="020B0609020204030204" pitchFamily="49" charset="0"/>
+              </a:rPr>
+              <a:t>sys</a:t>
+            </a:r>
+            <a:r>
+              <a:rPr lang="en-US" sz="2400" dirty="0" err="1">
+                <a:solidFill>
+                  <a:srgbClr val="808080"/>
+                </a:solidFill>
+                <a:latin typeface="Consolas" panose="020B0609020204030204" pitchFamily="49" charset="0"/>
+              </a:rPr>
+              <a:t>.</a:t>
+            </a:r>
+            <a:r>
+              <a:rPr lang="en-US" sz="2400" dirty="0" err="1">
+                <a:solidFill>
+                  <a:srgbClr val="00FF00"/>
+                </a:solidFill>
+                <a:latin typeface="Consolas" panose="020B0609020204030204" pitchFamily="49" charset="0"/>
+              </a:rPr>
+              <a:t>all_objects</a:t>
+            </a:r>
+            <a:r>
+              <a:rPr lang="en-US" sz="2400" dirty="0">
+                <a:solidFill>
+                  <a:srgbClr val="000000"/>
+                </a:solidFill>
+                <a:latin typeface="Consolas" panose="020B0609020204030204" pitchFamily="49" charset="0"/>
+              </a:rPr>
+              <a:t> </a:t>
+            </a:r>
+            <a:r>
+              <a:rPr lang="en-US" sz="2400" dirty="0">
+                <a:solidFill>
+                  <a:srgbClr val="0000FF"/>
+                </a:solidFill>
+                <a:latin typeface="Consolas" panose="020B0609020204030204" pitchFamily="49" charset="0"/>
+              </a:rPr>
+              <a:t>AS</a:t>
+            </a:r>
+            <a:r>
+              <a:rPr lang="en-US" sz="2400" dirty="0">
+                <a:solidFill>
+                  <a:srgbClr val="000000"/>
+                </a:solidFill>
+                <a:latin typeface="Consolas" panose="020B0609020204030204" pitchFamily="49" charset="0"/>
+              </a:rPr>
+              <a:t> s2</a:t>
+            </a:r>
+            <a:r>
+              <a:rPr lang="en-US" sz="2400" dirty="0">
+                <a:solidFill>
+                  <a:srgbClr val="808080"/>
+                </a:solidFill>
+                <a:latin typeface="Consolas" panose="020B0609020204030204" pitchFamily="49" charset="0"/>
+              </a:rPr>
+              <a:t>;</a:t>
+            </a:r>
+            <a:endParaRPr lang="en-US" sz="2400" dirty="0">
+              <a:solidFill>
+                <a:srgbClr val="000000"/>
+              </a:solidFill>
+              <a:latin typeface="Consolas" panose="020B0609020204030204" pitchFamily="49" charset="0"/>
+            </a:endParaRPr>
+          </a:p>
+          <a:p>
+            <a:pPr marL="0" indent="0">
+              <a:buNone/>
+            </a:pPr>
+            <a:r>
+              <a:rPr lang="en-US" sz="2400" dirty="0">
+                <a:solidFill>
+                  <a:srgbClr val="0000FF"/>
+                </a:solidFill>
+                <a:latin typeface="Consolas" panose="020B0609020204030204" pitchFamily="49" charset="0"/>
+              </a:rPr>
+              <a:t>SELECT</a:t>
+            </a:r>
+            <a:r>
+              <a:rPr lang="en-US" sz="2400" dirty="0">
+                <a:solidFill>
+                  <a:srgbClr val="000000"/>
+                </a:solidFill>
+                <a:latin typeface="Consolas" panose="020B0609020204030204" pitchFamily="49" charset="0"/>
+              </a:rPr>
+              <a:t> s2</a:t>
+            </a:r>
+            <a:r>
+              <a:rPr lang="en-US" sz="2400" dirty="0">
+                <a:solidFill>
+                  <a:srgbClr val="808080"/>
+                </a:solidFill>
+                <a:latin typeface="Consolas" panose="020B0609020204030204" pitchFamily="49" charset="0"/>
+              </a:rPr>
+              <a:t>.*</a:t>
+            </a:r>
+            <a:r>
+              <a:rPr lang="en-US" sz="2400" dirty="0">
+                <a:solidFill>
+                  <a:srgbClr val="000000"/>
+                </a:solidFill>
+                <a:latin typeface="Consolas" panose="020B0609020204030204" pitchFamily="49" charset="0"/>
+              </a:rPr>
+              <a:t> </a:t>
+            </a:r>
+            <a:r>
+              <a:rPr lang="en-US" sz="2400" dirty="0">
+                <a:solidFill>
+                  <a:srgbClr val="0000FF"/>
+                </a:solidFill>
+                <a:latin typeface="Consolas" panose="020B0609020204030204" pitchFamily="49" charset="0"/>
+              </a:rPr>
+              <a:t>INTO</a:t>
+            </a:r>
+            <a:r>
+              <a:rPr lang="en-US" sz="2400" dirty="0">
+                <a:solidFill>
+                  <a:srgbClr val="000000"/>
+                </a:solidFill>
+                <a:latin typeface="Consolas" panose="020B0609020204030204" pitchFamily="49" charset="0"/>
+              </a:rPr>
+              <a:t> dbo</a:t>
+            </a:r>
+            <a:r>
+              <a:rPr lang="en-US" sz="2400" dirty="0">
+                <a:solidFill>
+                  <a:srgbClr val="808080"/>
+                </a:solidFill>
+                <a:latin typeface="Consolas" panose="020B0609020204030204" pitchFamily="49" charset="0"/>
+              </a:rPr>
+              <a:t>.</a:t>
+            </a:r>
+            <a:r>
+              <a:rPr lang="en-US" sz="2400" dirty="0">
+                <a:solidFill>
+                  <a:srgbClr val="000000"/>
+                </a:solidFill>
+                <a:latin typeface="Consolas" panose="020B0609020204030204" pitchFamily="49" charset="0"/>
+              </a:rPr>
+              <a:t>fl2 </a:t>
+            </a:r>
+            <a:r>
+              <a:rPr lang="en-US" sz="2400" dirty="0">
+                <a:solidFill>
+                  <a:srgbClr val="0000FF"/>
+                </a:solidFill>
+                <a:latin typeface="Consolas" panose="020B0609020204030204" pitchFamily="49" charset="0"/>
+              </a:rPr>
+              <a:t>FROM</a:t>
+            </a:r>
+            <a:r>
+              <a:rPr lang="en-US" sz="2400" dirty="0">
+                <a:solidFill>
+                  <a:srgbClr val="000000"/>
+                </a:solidFill>
+                <a:latin typeface="Consolas" panose="020B0609020204030204" pitchFamily="49" charset="0"/>
+              </a:rPr>
+              <a:t> </a:t>
+            </a:r>
+            <a:r>
+              <a:rPr lang="en-US" sz="2400" dirty="0" err="1">
+                <a:solidFill>
+                  <a:srgbClr val="00FF00"/>
+                </a:solidFill>
+                <a:latin typeface="Consolas" panose="020B0609020204030204" pitchFamily="49" charset="0"/>
+              </a:rPr>
+              <a:t>sys</a:t>
+            </a:r>
+            <a:r>
+              <a:rPr lang="en-US" sz="2400" dirty="0" err="1">
+                <a:solidFill>
+                  <a:srgbClr val="808080"/>
+                </a:solidFill>
+                <a:latin typeface="Consolas" panose="020B0609020204030204" pitchFamily="49" charset="0"/>
+              </a:rPr>
+              <a:t>.</a:t>
+            </a:r>
+            <a:r>
+              <a:rPr lang="en-US" sz="2400" dirty="0" err="1">
+                <a:solidFill>
+                  <a:srgbClr val="00FF00"/>
+                </a:solidFill>
+                <a:latin typeface="Consolas" panose="020B0609020204030204" pitchFamily="49" charset="0"/>
+              </a:rPr>
+              <a:t>all_columns</a:t>
+            </a:r>
+            <a:r>
+              <a:rPr lang="en-US" sz="2400" dirty="0">
+                <a:solidFill>
+                  <a:srgbClr val="000000"/>
+                </a:solidFill>
+                <a:latin typeface="Consolas" panose="020B0609020204030204" pitchFamily="49" charset="0"/>
+              </a:rPr>
+              <a:t> </a:t>
+            </a:r>
+            <a:r>
+              <a:rPr lang="en-US" sz="2400" dirty="0">
+                <a:solidFill>
+                  <a:srgbClr val="0000FF"/>
+                </a:solidFill>
+                <a:latin typeface="Consolas" panose="020B0609020204030204" pitchFamily="49" charset="0"/>
+              </a:rPr>
+              <a:t>AS</a:t>
+            </a:r>
+            <a:r>
+              <a:rPr lang="en-US" sz="2400" dirty="0">
+                <a:solidFill>
+                  <a:srgbClr val="000000"/>
+                </a:solidFill>
+                <a:latin typeface="Consolas" panose="020B0609020204030204" pitchFamily="49" charset="0"/>
+              </a:rPr>
+              <a:t> s1 </a:t>
+            </a:r>
+            <a:r>
+              <a:rPr lang="en-US" sz="2400" dirty="0">
+                <a:solidFill>
+                  <a:srgbClr val="808080"/>
+                </a:solidFill>
+                <a:latin typeface="Consolas" panose="020B0609020204030204" pitchFamily="49" charset="0"/>
+              </a:rPr>
+              <a:t>CROSS</a:t>
+            </a:r>
+            <a:r>
+              <a:rPr lang="en-US" sz="2400" dirty="0">
+                <a:solidFill>
+                  <a:srgbClr val="000000"/>
+                </a:solidFill>
+                <a:latin typeface="Consolas" panose="020B0609020204030204" pitchFamily="49" charset="0"/>
+              </a:rPr>
+              <a:t> </a:t>
+            </a:r>
+            <a:r>
+              <a:rPr lang="en-US" sz="2400" dirty="0">
+                <a:solidFill>
+                  <a:srgbClr val="808080"/>
+                </a:solidFill>
+                <a:latin typeface="Consolas" panose="020B0609020204030204" pitchFamily="49" charset="0"/>
+              </a:rPr>
+              <a:t>JOIN</a:t>
+            </a:r>
+            <a:r>
+              <a:rPr lang="en-US" sz="2400" dirty="0">
+                <a:solidFill>
+                  <a:srgbClr val="000000"/>
+                </a:solidFill>
+                <a:latin typeface="Consolas" panose="020B0609020204030204" pitchFamily="49" charset="0"/>
+              </a:rPr>
+              <a:t> </a:t>
+            </a:r>
+            <a:r>
+              <a:rPr lang="en-US" sz="2400" dirty="0" err="1">
+                <a:solidFill>
+                  <a:srgbClr val="00FF00"/>
+                </a:solidFill>
+                <a:latin typeface="Consolas" panose="020B0609020204030204" pitchFamily="49" charset="0"/>
+              </a:rPr>
+              <a:t>sys</a:t>
+            </a:r>
+            <a:r>
+              <a:rPr lang="en-US" sz="2400" dirty="0" err="1">
+                <a:solidFill>
+                  <a:srgbClr val="808080"/>
+                </a:solidFill>
+                <a:latin typeface="Consolas" panose="020B0609020204030204" pitchFamily="49" charset="0"/>
+              </a:rPr>
+              <a:t>.</a:t>
+            </a:r>
+            <a:r>
+              <a:rPr lang="en-US" sz="2400" dirty="0" err="1">
+                <a:solidFill>
+                  <a:srgbClr val="00FF00"/>
+                </a:solidFill>
+                <a:latin typeface="Consolas" panose="020B0609020204030204" pitchFamily="49" charset="0"/>
+              </a:rPr>
+              <a:t>all_objects</a:t>
+            </a:r>
+            <a:r>
+              <a:rPr lang="en-US" sz="2400" dirty="0">
+                <a:solidFill>
+                  <a:srgbClr val="000000"/>
+                </a:solidFill>
+                <a:latin typeface="Consolas" panose="020B0609020204030204" pitchFamily="49" charset="0"/>
+              </a:rPr>
+              <a:t> </a:t>
+            </a:r>
+            <a:r>
+              <a:rPr lang="en-US" sz="2400" dirty="0">
+                <a:solidFill>
+                  <a:srgbClr val="0000FF"/>
+                </a:solidFill>
+                <a:latin typeface="Consolas" panose="020B0609020204030204" pitchFamily="49" charset="0"/>
+              </a:rPr>
+              <a:t>AS</a:t>
+            </a:r>
+            <a:r>
+              <a:rPr lang="en-US" sz="2400" dirty="0">
+                <a:solidFill>
+                  <a:srgbClr val="000000"/>
+                </a:solidFill>
+                <a:latin typeface="Consolas" panose="020B0609020204030204" pitchFamily="49" charset="0"/>
+              </a:rPr>
+              <a:t> s2</a:t>
+            </a:r>
+            <a:r>
+              <a:rPr lang="en-US" sz="2400" dirty="0">
+                <a:solidFill>
+                  <a:srgbClr val="808080"/>
+                </a:solidFill>
+                <a:latin typeface="Consolas" panose="020B0609020204030204" pitchFamily="49" charset="0"/>
+              </a:rPr>
+              <a:t>;</a:t>
+            </a:r>
+            <a:endParaRPr lang="en-US" sz="2400" dirty="0">
+              <a:solidFill>
+                <a:srgbClr val="000000"/>
+              </a:solidFill>
+              <a:latin typeface="Consolas" panose="020B0609020204030204" pitchFamily="49" charset="0"/>
+            </a:endParaRPr>
+          </a:p>
+          <a:p>
+            <a:pPr marL="0" indent="0">
+              <a:buNone/>
+            </a:pPr>
+            <a:r>
+              <a:rPr lang="en-US" sz="2400" dirty="0">
+                <a:solidFill>
+                  <a:srgbClr val="0000FF"/>
+                </a:solidFill>
+                <a:latin typeface="Consolas" panose="020B0609020204030204" pitchFamily="49" charset="0"/>
+              </a:rPr>
+              <a:t>SELECT</a:t>
+            </a:r>
+            <a:r>
+              <a:rPr lang="en-US" sz="2400" dirty="0">
+                <a:solidFill>
+                  <a:srgbClr val="000000"/>
+                </a:solidFill>
+                <a:latin typeface="Consolas" panose="020B0609020204030204" pitchFamily="49" charset="0"/>
+              </a:rPr>
+              <a:t> s2</a:t>
+            </a:r>
+            <a:r>
+              <a:rPr lang="en-US" sz="2400" dirty="0">
+                <a:solidFill>
+                  <a:srgbClr val="808080"/>
+                </a:solidFill>
+                <a:latin typeface="Consolas" panose="020B0609020204030204" pitchFamily="49" charset="0"/>
+              </a:rPr>
+              <a:t>.*</a:t>
+            </a:r>
+            <a:r>
+              <a:rPr lang="en-US" sz="2400" dirty="0">
+                <a:solidFill>
+                  <a:srgbClr val="000000"/>
+                </a:solidFill>
+                <a:latin typeface="Consolas" panose="020B0609020204030204" pitchFamily="49" charset="0"/>
+              </a:rPr>
+              <a:t> </a:t>
+            </a:r>
+            <a:r>
+              <a:rPr lang="en-US" sz="2400" dirty="0">
+                <a:solidFill>
+                  <a:srgbClr val="0000FF"/>
+                </a:solidFill>
+                <a:latin typeface="Consolas" panose="020B0609020204030204" pitchFamily="49" charset="0"/>
+              </a:rPr>
+              <a:t>INTO</a:t>
+            </a:r>
+            <a:r>
+              <a:rPr lang="en-US" sz="2400" dirty="0">
+                <a:solidFill>
+                  <a:srgbClr val="000000"/>
+                </a:solidFill>
+                <a:latin typeface="Consolas" panose="020B0609020204030204" pitchFamily="49" charset="0"/>
+              </a:rPr>
+              <a:t> dbo</a:t>
+            </a:r>
+            <a:r>
+              <a:rPr lang="en-US" sz="2400" dirty="0">
+                <a:solidFill>
+                  <a:srgbClr val="808080"/>
+                </a:solidFill>
+                <a:latin typeface="Consolas" panose="020B0609020204030204" pitchFamily="49" charset="0"/>
+              </a:rPr>
+              <a:t>.</a:t>
+            </a:r>
+            <a:r>
+              <a:rPr lang="en-US" sz="2400" dirty="0">
+                <a:solidFill>
+                  <a:srgbClr val="000000"/>
+                </a:solidFill>
+                <a:latin typeface="Consolas" panose="020B0609020204030204" pitchFamily="49" charset="0"/>
+              </a:rPr>
+              <a:t>fl3 </a:t>
+            </a:r>
+            <a:r>
+              <a:rPr lang="en-US" sz="2400" dirty="0">
+                <a:solidFill>
+                  <a:srgbClr val="0000FF"/>
+                </a:solidFill>
+                <a:latin typeface="Consolas" panose="020B0609020204030204" pitchFamily="49" charset="0"/>
+              </a:rPr>
+              <a:t>FROM</a:t>
+            </a:r>
+            <a:r>
+              <a:rPr lang="en-US" sz="2400" dirty="0">
+                <a:solidFill>
+                  <a:srgbClr val="000000"/>
+                </a:solidFill>
+                <a:latin typeface="Consolas" panose="020B0609020204030204" pitchFamily="49" charset="0"/>
+              </a:rPr>
+              <a:t> </a:t>
+            </a:r>
+            <a:r>
+              <a:rPr lang="en-US" sz="2400" dirty="0" err="1">
+                <a:solidFill>
+                  <a:srgbClr val="00FF00"/>
+                </a:solidFill>
+                <a:latin typeface="Consolas" panose="020B0609020204030204" pitchFamily="49" charset="0"/>
+              </a:rPr>
+              <a:t>sys</a:t>
+            </a:r>
+            <a:r>
+              <a:rPr lang="en-US" sz="2400" dirty="0" err="1">
+                <a:solidFill>
+                  <a:srgbClr val="808080"/>
+                </a:solidFill>
+                <a:latin typeface="Consolas" panose="020B0609020204030204" pitchFamily="49" charset="0"/>
+              </a:rPr>
+              <a:t>.</a:t>
+            </a:r>
+            <a:r>
+              <a:rPr lang="en-US" sz="2400" dirty="0" err="1">
+                <a:solidFill>
+                  <a:srgbClr val="00FF00"/>
+                </a:solidFill>
+                <a:latin typeface="Consolas" panose="020B0609020204030204" pitchFamily="49" charset="0"/>
+              </a:rPr>
+              <a:t>all_columns</a:t>
+            </a:r>
+            <a:r>
+              <a:rPr lang="en-US" sz="2400" dirty="0">
+                <a:solidFill>
+                  <a:srgbClr val="000000"/>
+                </a:solidFill>
+                <a:latin typeface="Consolas" panose="020B0609020204030204" pitchFamily="49" charset="0"/>
+              </a:rPr>
+              <a:t> </a:t>
+            </a:r>
+            <a:r>
+              <a:rPr lang="en-US" sz="2400" dirty="0">
+                <a:solidFill>
+                  <a:srgbClr val="0000FF"/>
+                </a:solidFill>
+                <a:latin typeface="Consolas" panose="020B0609020204030204" pitchFamily="49" charset="0"/>
+              </a:rPr>
+              <a:t>AS</a:t>
+            </a:r>
+            <a:r>
+              <a:rPr lang="en-US" sz="2400" dirty="0">
+                <a:solidFill>
+                  <a:srgbClr val="000000"/>
+                </a:solidFill>
+                <a:latin typeface="Consolas" panose="020B0609020204030204" pitchFamily="49" charset="0"/>
+              </a:rPr>
+              <a:t> s1 </a:t>
+            </a:r>
+            <a:r>
+              <a:rPr lang="en-US" sz="2400" dirty="0">
+                <a:solidFill>
+                  <a:srgbClr val="808080"/>
+                </a:solidFill>
+                <a:latin typeface="Consolas" panose="020B0609020204030204" pitchFamily="49" charset="0"/>
+              </a:rPr>
+              <a:t>CROSS</a:t>
+            </a:r>
+            <a:r>
+              <a:rPr lang="en-US" sz="2400" dirty="0">
+                <a:solidFill>
+                  <a:srgbClr val="000000"/>
+                </a:solidFill>
+                <a:latin typeface="Consolas" panose="020B0609020204030204" pitchFamily="49" charset="0"/>
+              </a:rPr>
+              <a:t> </a:t>
+            </a:r>
+            <a:r>
+              <a:rPr lang="en-US" sz="2400" dirty="0">
+                <a:solidFill>
+                  <a:srgbClr val="808080"/>
+                </a:solidFill>
+                <a:latin typeface="Consolas" panose="020B0609020204030204" pitchFamily="49" charset="0"/>
+              </a:rPr>
+              <a:t>JOIN</a:t>
+            </a:r>
+            <a:r>
+              <a:rPr lang="en-US" sz="2400" dirty="0">
+                <a:solidFill>
+                  <a:srgbClr val="000000"/>
+                </a:solidFill>
+                <a:latin typeface="Consolas" panose="020B0609020204030204" pitchFamily="49" charset="0"/>
+              </a:rPr>
+              <a:t> </a:t>
+            </a:r>
+            <a:r>
+              <a:rPr lang="en-US" sz="2400" dirty="0" err="1">
+                <a:solidFill>
+                  <a:srgbClr val="00FF00"/>
+                </a:solidFill>
+                <a:latin typeface="Consolas" panose="020B0609020204030204" pitchFamily="49" charset="0"/>
+              </a:rPr>
+              <a:t>sys</a:t>
+            </a:r>
+            <a:r>
+              <a:rPr lang="en-US" sz="2400" dirty="0" err="1">
+                <a:solidFill>
+                  <a:srgbClr val="808080"/>
+                </a:solidFill>
+                <a:latin typeface="Consolas" panose="020B0609020204030204" pitchFamily="49" charset="0"/>
+              </a:rPr>
+              <a:t>.</a:t>
+            </a:r>
+            <a:r>
+              <a:rPr lang="en-US" sz="2400" dirty="0" err="1">
+                <a:solidFill>
+                  <a:srgbClr val="00FF00"/>
+                </a:solidFill>
+                <a:latin typeface="Consolas" panose="020B0609020204030204" pitchFamily="49" charset="0"/>
+              </a:rPr>
+              <a:t>all_objects</a:t>
+            </a:r>
+            <a:r>
+              <a:rPr lang="en-US" sz="2400" dirty="0">
+                <a:solidFill>
+                  <a:srgbClr val="000000"/>
+                </a:solidFill>
+                <a:latin typeface="Consolas" panose="020B0609020204030204" pitchFamily="49" charset="0"/>
+              </a:rPr>
+              <a:t> </a:t>
+            </a:r>
+            <a:r>
+              <a:rPr lang="en-US" sz="2400" dirty="0">
+                <a:solidFill>
+                  <a:srgbClr val="0000FF"/>
+                </a:solidFill>
+                <a:latin typeface="Consolas" panose="020B0609020204030204" pitchFamily="49" charset="0"/>
+              </a:rPr>
+              <a:t>AS</a:t>
+            </a:r>
+            <a:r>
+              <a:rPr lang="en-US" sz="2400" dirty="0">
+                <a:solidFill>
+                  <a:srgbClr val="000000"/>
+                </a:solidFill>
+                <a:latin typeface="Consolas" panose="020B0609020204030204" pitchFamily="49" charset="0"/>
+              </a:rPr>
+              <a:t> s2</a:t>
+            </a:r>
+            <a:r>
+              <a:rPr lang="en-US" sz="2400" dirty="0">
+                <a:solidFill>
+                  <a:srgbClr val="808080"/>
+                </a:solidFill>
+                <a:latin typeface="Consolas" panose="020B0609020204030204" pitchFamily="49" charset="0"/>
+              </a:rPr>
+              <a:t>;</a:t>
+            </a:r>
+            <a:endParaRPr lang="en-US" dirty="0"/>
+          </a:p>
+        </p:txBody>
+      </p:sp>
     </p:spTree>
     <p:extLst>
       <p:ext uri="{BB962C8B-B14F-4D97-AF65-F5344CB8AC3E}">
-        <p14:creationId xmlns:p14="http://schemas.microsoft.com/office/powerpoint/2010/main" val="4162714264"/>
+        <p14:creationId xmlns:p14="http://schemas.microsoft.com/office/powerpoint/2010/main" val="3167236336"/>
       </p:ext>
     </p:extLst>
   </p:cSld>
@@ -17665,7 +17701,7 @@
           <p:cNvPr id="2" name="Title 1">
             <a:extLst>
               <a:ext uri="{FF2B5EF4-FFF2-40B4-BE49-F238E27FC236}">
-                <a16:creationId xmlns:a16="http://schemas.microsoft.com/office/drawing/2014/main" id="{26599BA1-CC99-4CE4-A22E-24E787D5EAEE}"/>
+                <a16:creationId xmlns:a16="http://schemas.microsoft.com/office/drawing/2014/main" id="{E79EC8D3-7E72-40B2-AF87-707FEBCCA938}"/>
               </a:ext>
             </a:extLst>
           </p:cNvPr>
@@ -17683,97 +17719,44 @@
           <a:p>
             <a:r>
               <a:rPr lang="en-US" dirty="0"/>
-              <a:t>What We Have Covered</a:t>
-            </a:r>
-          </a:p>
-        </p:txBody>
-      </p:sp>
-      <p:sp>
-        <p:nvSpPr>
-          <p:cNvPr id="3" name="Content Placeholder 2">
+              <a:t>AG Failover Results</a:t>
+            </a:r>
+          </a:p>
+        </p:txBody>
+      </p:sp>
+      <p:pic>
+        <p:nvPicPr>
+          <p:cNvPr id="5" name="Content Placeholder 4">
             <a:extLst>
               <a:ext uri="{FF2B5EF4-FFF2-40B4-BE49-F238E27FC236}">
-                <a16:creationId xmlns:a16="http://schemas.microsoft.com/office/drawing/2014/main" id="{BB5A33F1-1212-4885-A55A-B2D13FDC9A5E}"/>
+                <a16:creationId xmlns:a16="http://schemas.microsoft.com/office/drawing/2014/main" id="{26D4F835-A399-47FC-B13C-0E35AA6F4311}"/>
               </a:ext>
             </a:extLst>
           </p:cNvPr>
-          <p:cNvSpPr>
-            <a:spLocks noGrp="1"/>
-          </p:cNvSpPr>
+          <p:cNvPicPr>
+            <a:picLocks noGrp="1" noChangeAspect="1"/>
+          </p:cNvPicPr>
           <p:nvPr>
             <p:ph idx="1"/>
           </p:nvPr>
-        </p:nvSpPr>
-        <p:spPr/>
-        <p:txBody>
-          <a:bodyPr/>
-          <a:lstStyle/>
-          <a:p>
-            <a:pPr marL="0" indent="0">
-              <a:buNone/>
-            </a:pPr>
-            <a:r>
-              <a:rPr lang="en-US" dirty="0"/>
-              <a:t>Transactions</a:t>
-            </a:r>
-          </a:p>
-          <a:p>
-            <a:pPr marL="0" indent="0">
-              <a:buNone/>
-            </a:pPr>
-            <a:r>
-              <a:rPr lang="en-US" dirty="0"/>
-              <a:t>Transaction log</a:t>
-            </a:r>
-          </a:p>
-          <a:p>
-            <a:pPr marL="0" indent="0">
-              <a:buNone/>
-            </a:pPr>
-            <a:r>
-              <a:rPr lang="en-US" dirty="0"/>
-              <a:t>Transaction log architecture</a:t>
-            </a:r>
-          </a:p>
-          <a:p>
-            <a:pPr marL="0" indent="0">
-              <a:buNone/>
-            </a:pPr>
-            <a:r>
-              <a:rPr lang="en-US" dirty="0"/>
-              <a:t>Current crash recovery process</a:t>
-            </a:r>
-          </a:p>
-          <a:p>
-            <a:pPr marL="0" indent="0">
-              <a:buNone/>
-            </a:pPr>
-            <a:r>
-              <a:rPr lang="en-US" dirty="0"/>
-              <a:t>Accelerated Database Recovery (ADR)</a:t>
-            </a:r>
-          </a:p>
-          <a:p>
-            <a:pPr marL="0" indent="0">
-              <a:buNone/>
-            </a:pPr>
-            <a:r>
-              <a:rPr lang="en-US" dirty="0"/>
-              <a:t>ADR crash recovery process</a:t>
-            </a:r>
-          </a:p>
-          <a:p>
-            <a:pPr marL="0" indent="0">
-              <a:buNone/>
-            </a:pPr>
-            <a:endParaRPr lang="en-US" dirty="0"/>
-          </a:p>
-        </p:txBody>
-      </p:sp>
+        </p:nvPicPr>
+        <p:blipFill>
+          <a:blip r:embed="rId2"/>
+          <a:stretch>
+            <a:fillRect/>
+          </a:stretch>
+        </p:blipFill>
+        <p:spPr>
+          <a:xfrm>
+            <a:off x="2715979" y="3007098"/>
+            <a:ext cx="6760041" cy="1293028"/>
+          </a:xfrm>
+        </p:spPr>
+      </p:pic>
     </p:spTree>
     <p:extLst>
       <p:ext uri="{BB962C8B-B14F-4D97-AF65-F5344CB8AC3E}">
-        <p14:creationId xmlns:p14="http://schemas.microsoft.com/office/powerpoint/2010/main" val="2904650705"/>
+        <p14:creationId xmlns:p14="http://schemas.microsoft.com/office/powerpoint/2010/main" val="4162714264"/>
       </p:ext>
     </p:extLst>
   </p:cSld>
@@ -17805,6 +17788,146 @@
           <p:cNvPr id="2" name="Title 1">
             <a:extLst>
               <a:ext uri="{FF2B5EF4-FFF2-40B4-BE49-F238E27FC236}">
+                <a16:creationId xmlns:a16="http://schemas.microsoft.com/office/drawing/2014/main" id="{26599BA1-CC99-4CE4-A22E-24E787D5EAEE}"/>
+              </a:ext>
+            </a:extLst>
+          </p:cNvPr>
+          <p:cNvSpPr>
+            <a:spLocks noGrp="1"/>
+          </p:cNvSpPr>
+          <p:nvPr>
+            <p:ph type="title"/>
+          </p:nvPr>
+        </p:nvSpPr>
+        <p:spPr/>
+        <p:txBody>
+          <a:bodyPr/>
+          <a:lstStyle/>
+          <a:p>
+            <a:r>
+              <a:rPr lang="en-US" dirty="0"/>
+              <a:t>What We Have Covered</a:t>
+            </a:r>
+          </a:p>
+        </p:txBody>
+      </p:sp>
+      <p:sp>
+        <p:nvSpPr>
+          <p:cNvPr id="3" name="Content Placeholder 2">
+            <a:extLst>
+              <a:ext uri="{FF2B5EF4-FFF2-40B4-BE49-F238E27FC236}">
+                <a16:creationId xmlns:a16="http://schemas.microsoft.com/office/drawing/2014/main" id="{BB5A33F1-1212-4885-A55A-B2D13FDC9A5E}"/>
+              </a:ext>
+            </a:extLst>
+          </p:cNvPr>
+          <p:cNvSpPr>
+            <a:spLocks noGrp="1"/>
+          </p:cNvSpPr>
+          <p:nvPr>
+            <p:ph idx="1"/>
+          </p:nvPr>
+        </p:nvSpPr>
+        <p:spPr/>
+        <p:txBody>
+          <a:bodyPr/>
+          <a:lstStyle/>
+          <a:p>
+            <a:pPr marL="0" indent="0">
+              <a:buNone/>
+            </a:pPr>
+            <a:r>
+              <a:rPr lang="en-US" dirty="0"/>
+              <a:t>Transactions</a:t>
+            </a:r>
+          </a:p>
+          <a:p>
+            <a:pPr marL="0" indent="0">
+              <a:buNone/>
+            </a:pPr>
+            <a:r>
+              <a:rPr lang="en-US" dirty="0"/>
+              <a:t>Transaction log</a:t>
+            </a:r>
+          </a:p>
+          <a:p>
+            <a:pPr marL="0" indent="0">
+              <a:buNone/>
+            </a:pPr>
+            <a:r>
+              <a:rPr lang="en-US" dirty="0"/>
+              <a:t>Transaction log architecture</a:t>
+            </a:r>
+          </a:p>
+          <a:p>
+            <a:pPr marL="0" indent="0">
+              <a:buNone/>
+            </a:pPr>
+            <a:r>
+              <a:rPr lang="en-US" dirty="0"/>
+              <a:t>Current crash recovery process</a:t>
+            </a:r>
+          </a:p>
+          <a:p>
+            <a:pPr marL="0" indent="0">
+              <a:buNone/>
+            </a:pPr>
+            <a:r>
+              <a:rPr lang="en-US" dirty="0"/>
+              <a:t>Accelerated Database Recovery (ADR)</a:t>
+            </a:r>
+          </a:p>
+          <a:p>
+            <a:pPr marL="0" indent="0">
+              <a:buNone/>
+            </a:pPr>
+            <a:r>
+              <a:rPr lang="en-US" dirty="0"/>
+              <a:t>ADR crash recovery process</a:t>
+            </a:r>
+          </a:p>
+          <a:p>
+            <a:pPr marL="0" indent="0">
+              <a:buNone/>
+            </a:pPr>
+            <a:endParaRPr lang="en-US" dirty="0"/>
+          </a:p>
+        </p:txBody>
+      </p:sp>
+    </p:spTree>
+    <p:extLst>
+      <p:ext uri="{BB962C8B-B14F-4D97-AF65-F5344CB8AC3E}">
+        <p14:creationId xmlns:p14="http://schemas.microsoft.com/office/powerpoint/2010/main" val="2904650705"/>
+      </p:ext>
+    </p:extLst>
+  </p:cSld>
+  <p:clrMapOvr>
+    <a:masterClrMapping/>
+  </p:clrMapOvr>
+</p:sld>
+</file>
+
+<file path=ppt/slides/slide35.xml><?xml version="1.0" encoding="utf-8"?>
+<p:sld xmlns:a="http://schemas.openxmlformats.org/drawingml/2006/main" xmlns:r="http://schemas.openxmlformats.org/officeDocument/2006/relationships" xmlns:p="http://schemas.openxmlformats.org/presentationml/2006/main">
+  <p:cSld>
+    <p:spTree>
+      <p:nvGrpSpPr>
+        <p:cNvPr id="1" name=""/>
+        <p:cNvGrpSpPr/>
+        <p:nvPr/>
+      </p:nvGrpSpPr>
+      <p:grpSpPr>
+        <a:xfrm>
+          <a:off x="0" y="0"/>
+          <a:ext cx="0" cy="0"/>
+          <a:chOff x="0" y="0"/>
+          <a:chExt cx="0" cy="0"/>
+        </a:xfrm>
+      </p:grpSpPr>
+      <p:sp>
+        <p:nvSpPr>
+          <p:cNvPr id="2" name="Title 1">
+            <a:extLst>
+              <a:ext uri="{FF2B5EF4-FFF2-40B4-BE49-F238E27FC236}">
                 <a16:creationId xmlns:a16="http://schemas.microsoft.com/office/drawing/2014/main" id="{8CECAC6E-8E70-4603-842F-E53B3DF20793}"/>
               </a:ext>
             </a:extLst>
@@ -17886,17 +18009,33 @@
             </a:pPr>
             <a:r>
               <a:rPr lang="en-US" dirty="0"/>
-              <a:t>The Future of the Future</a:t>
+              <a:t>The Future of the Future, Hyperscale - </a:t>
+            </a:r>
+            <a:r>
+              <a:rPr lang="en-US" dirty="0">
+                <a:hlinkClick r:id="rId4"/>
+              </a:rPr>
+              <a:t>https://docs.microsoft.com/en-us/azure/sql-database/sql-database-service-tier-hyperscale</a:t>
+            </a:r>
+            <a:endParaRPr lang="en-US" dirty="0"/>
+          </a:p>
+          <a:p>
+            <a:pPr marL="0" indent="0">
+              <a:buNone/>
+            </a:pPr>
+            <a:r>
+              <a:rPr lang="en-US" dirty="0"/>
+              <a:t>Link to slides </a:t>
             </a:r>
             <a:r>
               <a:rPr lang="en-US"/>
-              <a:t>, Hyperscale - </a:t>
+              <a:t>and scripts - </a:t>
             </a:r>
             <a:r>
               <a:rPr lang="en-US">
-                <a:hlinkClick r:id="rId4"/>
-              </a:rPr>
-              <a:t>https://docs.microsoft.com/en-us/azure/sql-database/sql-database-service-tier-hyperscale</a:t>
+                <a:hlinkClick r:id="rId5"/>
+              </a:rPr>
+              <a:t>https://github.com/skreebydba/AcceleratedDatabaseRecovery/tree/master/AcceleratedDatabaseRecovery</a:t>
             </a:r>
             <a:endParaRPr lang="en-US" dirty="0"/>
           </a:p>

--- a/AcceleratedDatabaseRecovery/AcceleratedDatabaseRecovery.pptx
+++ b/AcceleratedDatabaseRecovery/AcceleratedDatabaseRecovery.pptx
@@ -16,7 +16,7 @@
     <p:sldId id="267" r:id="rId10"/>
     <p:sldId id="268" r:id="rId11"/>
     <p:sldId id="269" r:id="rId12"/>
-    <p:sldId id="290" r:id="rId13"/>
+    <p:sldId id="298" r:id="rId13"/>
     <p:sldId id="270" r:id="rId14"/>
     <p:sldId id="271" r:id="rId15"/>
     <p:sldId id="272" r:id="rId16"/>
@@ -35,12 +35,14 @@
     <p:sldId id="284" r:id="rId29"/>
     <p:sldId id="293" r:id="rId30"/>
     <p:sldId id="286" r:id="rId31"/>
-    <p:sldId id="285" r:id="rId32"/>
-    <p:sldId id="287" r:id="rId33"/>
-    <p:sldId id="288" r:id="rId34"/>
-    <p:sldId id="289" r:id="rId35"/>
-    <p:sldId id="294" r:id="rId36"/>
-    <p:sldId id="295" r:id="rId37"/>
+    <p:sldId id="299" r:id="rId32"/>
+    <p:sldId id="285" r:id="rId33"/>
+    <p:sldId id="300" r:id="rId34"/>
+    <p:sldId id="287" r:id="rId35"/>
+    <p:sldId id="288" r:id="rId36"/>
+    <p:sldId id="289" r:id="rId37"/>
+    <p:sldId id="294" r:id="rId38"/>
+    <p:sldId id="295" r:id="rId39"/>
   </p:sldIdLst>
   <p:sldSz cx="12192000" cy="6858000"/>
   <p:notesSz cx="6858000" cy="9144000"/>
@@ -317,7 +319,7 @@
           <a:p>
             <a:fld id="{48A87A34-81AB-432B-8DAE-1953F412C126}" type="datetimeFigureOut">
               <a:rPr lang="en-US" dirty="0"/>
-              <a:t>6/22/2019</a:t>
+              <a:t>8/17/2019</a:t>
             </a:fld>
             <a:endParaRPr lang="en-US" dirty="0"/>
           </a:p>
@@ -578,7 +580,7 @@
           <a:p>
             <a:fld id="{48A87A34-81AB-432B-8DAE-1953F412C126}" type="datetimeFigureOut">
               <a:rPr lang="en-US" dirty="0"/>
-              <a:t>6/22/2019</a:t>
+              <a:t>8/17/2019</a:t>
             </a:fld>
             <a:endParaRPr lang="en-US" dirty="0"/>
           </a:p>
@@ -805,7 +807,7 @@
             <a:fld id="{48A87A34-81AB-432B-8DAE-1953F412C126}" type="datetimeFigureOut">
               <a:rPr lang="en-US" dirty="0"/>
               <a:pPr/>
-              <a:t>6/22/2019</a:t>
+              <a:t>8/17/2019</a:t>
             </a:fld>
             <a:endParaRPr lang="en-US" dirty="0"/>
           </a:p>
@@ -1111,7 +1113,7 @@
             <a:fld id="{48A87A34-81AB-432B-8DAE-1953F412C126}" type="datetimeFigureOut">
               <a:rPr lang="en-US" dirty="0"/>
               <a:pPr/>
-              <a:t>6/22/2019</a:t>
+              <a:t>8/17/2019</a:t>
             </a:fld>
             <a:endParaRPr lang="en-US" dirty="0"/>
           </a:p>
@@ -1580,7 +1582,7 @@
             <a:fld id="{48A87A34-81AB-432B-8DAE-1953F412C126}" type="datetimeFigureOut">
               <a:rPr lang="en-US" dirty="0"/>
               <a:pPr/>
-              <a:t>6/22/2019</a:t>
+              <a:t>8/17/2019</a:t>
             </a:fld>
             <a:endParaRPr lang="en-US" dirty="0"/>
           </a:p>
@@ -2122,7 +2124,7 @@
           <a:p>
             <a:fld id="{48A87A34-81AB-432B-8DAE-1953F412C126}" type="datetimeFigureOut">
               <a:rPr lang="en-US" dirty="0"/>
-              <a:t>6/22/2019</a:t>
+              <a:t>8/17/2019</a:t>
             </a:fld>
             <a:endParaRPr lang="en-US" dirty="0"/>
           </a:p>
@@ -2888,7 +2890,7 @@
           <a:p>
             <a:fld id="{48A87A34-81AB-432B-8DAE-1953F412C126}" type="datetimeFigureOut">
               <a:rPr lang="en-US" dirty="0"/>
-              <a:t>6/22/2019</a:t>
+              <a:t>8/17/2019</a:t>
             </a:fld>
             <a:endParaRPr lang="en-US" dirty="0"/>
           </a:p>
@@ -3058,7 +3060,7 @@
           <a:p>
             <a:fld id="{48A87A34-81AB-432B-8DAE-1953F412C126}" type="datetimeFigureOut">
               <a:rPr lang="en-US" dirty="0"/>
-              <a:t>6/22/2019</a:t>
+              <a:t>8/17/2019</a:t>
             </a:fld>
             <a:endParaRPr lang="en-US" dirty="0"/>
           </a:p>
@@ -3277,7 +3279,7 @@
             <a:fld id="{48A87A34-81AB-432B-8DAE-1953F412C126}" type="datetimeFigureOut">
               <a:rPr lang="en-US" dirty="0"/>
               <a:pPr/>
-              <a:t>6/22/2019</a:t>
+              <a:t>8/17/2019</a:t>
             </a:fld>
             <a:endParaRPr lang="en-US" dirty="0"/>
           </a:p>
@@ -3452,7 +3454,7 @@
           <a:p>
             <a:fld id="{48A87A34-81AB-432B-8DAE-1953F412C126}" type="datetimeFigureOut">
               <a:rPr lang="en-US" dirty="0"/>
-              <a:t>6/22/2019</a:t>
+              <a:t>8/17/2019</a:t>
             </a:fld>
             <a:endParaRPr lang="en-US" dirty="0"/>
           </a:p>
@@ -3737,7 +3739,7 @@
             <a:fld id="{48A87A34-81AB-432B-8DAE-1953F412C126}" type="datetimeFigureOut">
               <a:rPr lang="en-US" dirty="0"/>
               <a:pPr/>
-              <a:t>6/22/2019</a:t>
+              <a:t>8/17/2019</a:t>
             </a:fld>
             <a:endParaRPr lang="en-US" dirty="0"/>
           </a:p>
@@ -3974,7 +3976,7 @@
           <a:p>
             <a:fld id="{48A87A34-81AB-432B-8DAE-1953F412C126}" type="datetimeFigureOut">
               <a:rPr lang="en-US" dirty="0"/>
-              <a:t>6/22/2019</a:t>
+              <a:t>8/17/2019</a:t>
             </a:fld>
             <a:endParaRPr lang="en-US" dirty="0"/>
           </a:p>
@@ -4348,7 +4350,7 @@
           <a:p>
             <a:fld id="{48A87A34-81AB-432B-8DAE-1953F412C126}" type="datetimeFigureOut">
               <a:rPr lang="en-US" dirty="0"/>
-              <a:t>6/22/2019</a:t>
+              <a:t>8/17/2019</a:t>
             </a:fld>
             <a:endParaRPr lang="en-US" dirty="0"/>
           </a:p>
@@ -4461,7 +4463,7 @@
           <a:p>
             <a:fld id="{48A87A34-81AB-432B-8DAE-1953F412C126}" type="datetimeFigureOut">
               <a:rPr lang="en-US" dirty="0"/>
-              <a:t>6/22/2019</a:t>
+              <a:t>8/17/2019</a:t>
             </a:fld>
             <a:endParaRPr lang="en-US" dirty="0"/>
           </a:p>
@@ -4551,7 +4553,7 @@
           <a:p>
             <a:fld id="{48A87A34-81AB-432B-8DAE-1953F412C126}" type="datetimeFigureOut">
               <a:rPr lang="en-US" dirty="0"/>
-              <a:t>6/22/2019</a:t>
+              <a:t>8/17/2019</a:t>
             </a:fld>
             <a:endParaRPr lang="en-US" dirty="0"/>
           </a:p>
@@ -4795,7 +4797,7 @@
           <a:p>
             <a:fld id="{48A87A34-81AB-432B-8DAE-1953F412C126}" type="datetimeFigureOut">
               <a:rPr lang="en-US" dirty="0"/>
-              <a:t>6/22/2019</a:t>
+              <a:t>8/17/2019</a:t>
             </a:fld>
             <a:endParaRPr lang="en-US" dirty="0"/>
           </a:p>
@@ -5046,7 +5048,7 @@
           <a:p>
             <a:fld id="{48A87A34-81AB-432B-8DAE-1953F412C126}" type="datetimeFigureOut">
               <a:rPr lang="en-US" dirty="0"/>
-              <a:t>6/22/2019</a:t>
+              <a:t>8/17/2019</a:t>
             </a:fld>
             <a:endParaRPr lang="en-US" dirty="0"/>
           </a:p>
@@ -5285,7 +5287,7 @@
             <a:fld id="{48A87A34-81AB-432B-8DAE-1953F412C126}" type="datetimeFigureOut">
               <a:rPr lang="en-US" dirty="0"/>
               <a:pPr/>
-              <a:t>6/22/2019</a:t>
+              <a:t>8/17/2019</a:t>
             </a:fld>
             <a:endParaRPr lang="en-US" dirty="0"/>
           </a:p>
@@ -5751,7 +5753,7 @@
           <a:p>
             <a:r>
               <a:rPr lang="en-US" dirty="0"/>
-              <a:t>SQL Saturday Iowa City – June 22, 2019</a:t>
+              <a:t>SQL Saturday Indianapolis – August 17, 2019</a:t>
             </a:r>
           </a:p>
         </p:txBody>
@@ -7052,7 +7054,7 @@
           <a:p>
             <a:r>
               <a:rPr lang="en-US" dirty="0"/>
-              <a:t>No Log Backup or Checkpoint</a:t>
+              <a:t>Transaction 3 Continues</a:t>
             </a:r>
           </a:p>
         </p:txBody>
@@ -7090,12 +7092,6 @@
           <a:prstGeom prst="roundRect">
             <a:avLst/>
           </a:prstGeom>
-          <a:solidFill>
-            <a:schemeClr val="accent1">
-              <a:lumMod val="20000"/>
-              <a:lumOff val="80000"/>
-            </a:schemeClr>
-          </a:solidFill>
         </p:spPr>
         <p:style>
           <a:lnRef idx="2">
@@ -7177,7 +7173,7 @@
             <a:pPr algn="ctr"/>
             <a:r>
               <a:rPr lang="en-US" dirty="0"/>
-              <a:t>Free</a:t>
+              <a:t>Active</a:t>
             </a:r>
           </a:p>
         </p:txBody>
@@ -7197,10 +7193,7 @@
             <a:avLst/>
           </a:prstGeom>
           <a:solidFill>
-            <a:schemeClr val="accent1">
-              <a:lumMod val="20000"/>
-              <a:lumOff val="80000"/>
-            </a:schemeClr>
+            <a:schemeClr val="accent1"/>
           </a:solidFill>
         </p:spPr>
         <p:style>
@@ -7283,7 +7276,7 @@
             <a:pPr algn="ctr"/>
             <a:r>
               <a:rPr lang="en-US" dirty="0"/>
-              <a:t>Free</a:t>
+              <a:t>Active</a:t>
             </a:r>
           </a:p>
         </p:txBody>
@@ -7496,16 +7489,16 @@
       </p:sp>
       <p:sp>
         <p:nvSpPr>
-          <p:cNvPr id="20" name="Right Arrow 19"/>
+          <p:cNvPr id="16" name="Rectangle 15"/>
           <p:cNvSpPr/>
           <p:nvPr/>
         </p:nvSpPr>
         <p:spPr>
           <a:xfrm>
-            <a:off x="6475259" y="2277182"/>
-            <a:ext cx="2888687" cy="1313905"/>
-          </a:xfrm>
-          <a:prstGeom prst="rightArrow">
+            <a:off x="1681843" y="2611439"/>
+            <a:ext cx="2266787" cy="645393"/>
+          </a:xfrm>
+          <a:prstGeom prst="rect">
             <a:avLst/>
           </a:prstGeom>
         </p:spPr>
@@ -7536,13 +7529,13 @@
       </p:sp>
       <p:sp>
         <p:nvSpPr>
-          <p:cNvPr id="23" name="TextBox 22"/>
+          <p:cNvPr id="17" name="TextBox 16"/>
           <p:cNvSpPr txBox="1"/>
           <p:nvPr/>
         </p:nvSpPr>
         <p:spPr>
           <a:xfrm>
-            <a:off x="6835304" y="2772589"/>
+            <a:off x="1930854" y="2772589"/>
             <a:ext cx="1768765" cy="369332"/>
           </a:xfrm>
           <a:prstGeom prst="rect">
@@ -7559,6 +7552,146 @@
             <a:pPr algn="ctr"/>
             <a:r>
               <a:rPr lang="en-US" dirty="0"/>
+              <a:t>Tran1</a:t>
+            </a:r>
+          </a:p>
+        </p:txBody>
+      </p:sp>
+      <p:sp>
+        <p:nvSpPr>
+          <p:cNvPr id="18" name="Rectangle 17"/>
+          <p:cNvSpPr/>
+          <p:nvPr/>
+        </p:nvSpPr>
+        <p:spPr>
+          <a:xfrm>
+            <a:off x="4138258" y="2611439"/>
+            <a:ext cx="2266787" cy="645393"/>
+          </a:xfrm>
+          <a:prstGeom prst="rect">
+            <a:avLst/>
+          </a:prstGeom>
+        </p:spPr>
+        <p:style>
+          <a:lnRef idx="2">
+            <a:schemeClr val="accent1">
+              <a:shade val="50000"/>
+            </a:schemeClr>
+          </a:lnRef>
+          <a:fillRef idx="1">
+            <a:schemeClr val="accent1"/>
+          </a:fillRef>
+          <a:effectRef idx="0">
+            <a:schemeClr val="accent1"/>
+          </a:effectRef>
+          <a:fontRef idx="minor">
+            <a:schemeClr val="lt1"/>
+          </a:fontRef>
+        </p:style>
+        <p:txBody>
+          <a:bodyPr rtlCol="0" anchor="ctr"/>
+          <a:lstStyle/>
+          <a:p>
+            <a:pPr algn="ctr"/>
+            <a:endParaRPr lang="en-US"/>
+          </a:p>
+        </p:txBody>
+      </p:sp>
+      <p:sp>
+        <p:nvSpPr>
+          <p:cNvPr id="19" name="TextBox 18"/>
+          <p:cNvSpPr txBox="1"/>
+          <p:nvPr/>
+        </p:nvSpPr>
+        <p:spPr>
+          <a:xfrm>
+            <a:off x="4387269" y="2772589"/>
+            <a:ext cx="1768765" cy="369332"/>
+          </a:xfrm>
+          <a:prstGeom prst="rect">
+            <a:avLst/>
+          </a:prstGeom>
+          <a:noFill/>
+        </p:spPr>
+        <p:txBody>
+          <a:bodyPr wrap="square" rtlCol="0">
+            <a:spAutoFit/>
+          </a:bodyPr>
+          <a:lstStyle/>
+          <a:p>
+            <a:pPr algn="ctr"/>
+            <a:r>
+              <a:rPr lang="en-US" dirty="0"/>
+              <a:t>Tran2</a:t>
+            </a:r>
+          </a:p>
+        </p:txBody>
+      </p:sp>
+      <p:sp>
+        <p:nvSpPr>
+          <p:cNvPr id="20" name="Right Arrow 19"/>
+          <p:cNvSpPr/>
+          <p:nvPr/>
+        </p:nvSpPr>
+        <p:spPr>
+          <a:xfrm>
+            <a:off x="6475259" y="2277182"/>
+            <a:ext cx="2888687" cy="1313905"/>
+          </a:xfrm>
+          <a:prstGeom prst="rightArrow">
+            <a:avLst/>
+          </a:prstGeom>
+        </p:spPr>
+        <p:style>
+          <a:lnRef idx="2">
+            <a:schemeClr val="accent1">
+              <a:shade val="50000"/>
+            </a:schemeClr>
+          </a:lnRef>
+          <a:fillRef idx="1">
+            <a:schemeClr val="accent1"/>
+          </a:fillRef>
+          <a:effectRef idx="0">
+            <a:schemeClr val="accent1"/>
+          </a:effectRef>
+          <a:fontRef idx="minor">
+            <a:schemeClr val="lt1"/>
+          </a:fontRef>
+        </p:style>
+        <p:txBody>
+          <a:bodyPr rtlCol="0" anchor="ctr"/>
+          <a:lstStyle/>
+          <a:p>
+            <a:pPr algn="ctr"/>
+            <a:endParaRPr lang="en-US"/>
+          </a:p>
+        </p:txBody>
+      </p:sp>
+      <p:sp>
+        <p:nvSpPr>
+          <p:cNvPr id="23" name="TextBox 22"/>
+          <p:cNvSpPr txBox="1"/>
+          <p:nvPr/>
+        </p:nvSpPr>
+        <p:spPr>
+          <a:xfrm>
+            <a:off x="6835304" y="2772589"/>
+            <a:ext cx="1768765" cy="369332"/>
+          </a:xfrm>
+          <a:prstGeom prst="rect">
+            <a:avLst/>
+          </a:prstGeom>
+          <a:noFill/>
+        </p:spPr>
+        <p:txBody>
+          <a:bodyPr wrap="square" rtlCol="0">
+            <a:spAutoFit/>
+          </a:bodyPr>
+          <a:lstStyle/>
+          <a:p>
+            <a:pPr algn="ctr"/>
+            <a:r>
+              <a:rPr lang="en-US" dirty="0"/>
               <a:t>Tran3</a:t>
             </a:r>
           </a:p>
@@ -7567,7 +7700,7 @@
     </p:spTree>
     <p:extLst>
       <p:ext uri="{BB962C8B-B14F-4D97-AF65-F5344CB8AC3E}">
-        <p14:creationId xmlns:p14="http://schemas.microsoft.com/office/powerpoint/2010/main" val="988145688"/>
+        <p14:creationId xmlns:p14="http://schemas.microsoft.com/office/powerpoint/2010/main" val="3113344115"/>
       </p:ext>
     </p:extLst>
   </p:cSld>
@@ -7611,7 +7744,7 @@
           <a:p>
             <a:r>
               <a:rPr lang="en-US" dirty="0"/>
-              <a:t>No Log Backup or Checkpoint</a:t>
+              <a:t>Transaction Log Growth</a:t>
             </a:r>
           </a:p>
         </p:txBody>
@@ -11899,7 +12032,7 @@
             </a:pPr>
             <a:r>
               <a:rPr lang="en-US" dirty="0"/>
-              <a:t>Currently available in SQL Server 2019 CTP 3.0</a:t>
+              <a:t>Currently available in SQL Server 2019 CTP 3.2</a:t>
             </a:r>
           </a:p>
           <a:p>
@@ -15468,7 +15601,7 @@
           <p:cNvPr id="2" name="Title 1">
             <a:extLst>
               <a:ext uri="{FF2B5EF4-FFF2-40B4-BE49-F238E27FC236}">
-                <a16:creationId xmlns:a16="http://schemas.microsoft.com/office/drawing/2014/main" id="{13D11F34-7E4B-4969-A4AA-61706463E43A}"/>
+                <a16:creationId xmlns:a16="http://schemas.microsoft.com/office/drawing/2014/main" id="{9F29A663-CBED-42F1-8469-E5310C0B5882}"/>
               </a:ext>
             </a:extLst>
           </p:cNvPr>
@@ -15491,1374 +15624,42 @@
           </a:p>
         </p:txBody>
       </p:sp>
-      <p:sp>
-        <p:nvSpPr>
-          <p:cNvPr id="3" name="Content Placeholder 2">
+      <p:pic>
+        <p:nvPicPr>
+          <p:cNvPr id="4" name="Content Placeholder 3">
             <a:extLst>
               <a:ext uri="{FF2B5EF4-FFF2-40B4-BE49-F238E27FC236}">
-                <a16:creationId xmlns:a16="http://schemas.microsoft.com/office/drawing/2014/main" id="{340DFCB8-280E-4684-858C-796C01EBFA5C}"/>
+                <a16:creationId xmlns:a16="http://schemas.microsoft.com/office/drawing/2014/main" id="{4939EEAC-4A54-45B9-97DE-DD4ADACCEFC8}"/>
               </a:ext>
             </a:extLst>
           </p:cNvPr>
-          <p:cNvSpPr>
-            <a:spLocks noGrp="1"/>
-          </p:cNvSpPr>
+          <p:cNvPicPr>
+            <a:picLocks noGrp="1" noChangeAspect="1"/>
+          </p:cNvPicPr>
           <p:nvPr>
             <p:ph idx="1"/>
           </p:nvPr>
-        </p:nvSpPr>
-        <p:spPr/>
-        <p:txBody>
-          <a:bodyPr>
-            <a:normAutofit fontScale="70000" lnSpcReduction="20000"/>
-          </a:bodyPr>
-          <a:lstStyle/>
-          <a:p>
-            <a:pPr marL="0" indent="0">
-              <a:buNone/>
-            </a:pPr>
-            <a:r>
-              <a:rPr lang="en-US" sz="2400" dirty="0">
-                <a:solidFill>
-                  <a:srgbClr val="0000FF"/>
-                </a:solidFill>
-                <a:latin typeface="Consolas" panose="020B0609020204030204" pitchFamily="49" charset="0"/>
-              </a:rPr>
-              <a:t>DECLARE</a:t>
-            </a:r>
-            <a:r>
-              <a:rPr lang="en-US" sz="2400" dirty="0">
-                <a:solidFill>
-                  <a:srgbClr val="000000"/>
-                </a:solidFill>
-                <a:latin typeface="Consolas" panose="020B0609020204030204" pitchFamily="49" charset="0"/>
-              </a:rPr>
-              <a:t> @</a:t>
-            </a:r>
-            <a:r>
-              <a:rPr lang="en-US" sz="2400" dirty="0" err="1">
-                <a:solidFill>
-                  <a:srgbClr val="000000"/>
-                </a:solidFill>
-                <a:latin typeface="Consolas" panose="020B0609020204030204" pitchFamily="49" charset="0"/>
-              </a:rPr>
-              <a:t>waitfor</a:t>
-            </a:r>
-            <a:r>
-              <a:rPr lang="en-US" sz="2400" dirty="0">
-                <a:solidFill>
-                  <a:srgbClr val="000000"/>
-                </a:solidFill>
-                <a:latin typeface="Consolas" panose="020B0609020204030204" pitchFamily="49" charset="0"/>
-              </a:rPr>
-              <a:t> </a:t>
-            </a:r>
-            <a:r>
-              <a:rPr lang="en-US" sz="2400" dirty="0">
-                <a:solidFill>
-                  <a:srgbClr val="0000FF"/>
-                </a:solidFill>
-                <a:latin typeface="Consolas" panose="020B0609020204030204" pitchFamily="49" charset="0"/>
-              </a:rPr>
-              <a:t>DATETIME</a:t>
-            </a:r>
-            <a:r>
-              <a:rPr lang="en-US" sz="2400" dirty="0">
-                <a:solidFill>
-                  <a:srgbClr val="808080"/>
-                </a:solidFill>
-                <a:latin typeface="Consolas" panose="020B0609020204030204" pitchFamily="49" charset="0"/>
-              </a:rPr>
-              <a:t>;</a:t>
-            </a:r>
-            <a:endParaRPr lang="en-US" sz="2400" dirty="0">
-              <a:solidFill>
-                <a:srgbClr val="000000"/>
-              </a:solidFill>
-              <a:latin typeface="Consolas" panose="020B0609020204030204" pitchFamily="49" charset="0"/>
-            </a:endParaRPr>
-          </a:p>
-          <a:p>
-            <a:endParaRPr lang="en-US" sz="2400" dirty="0">
-              <a:solidFill>
-                <a:srgbClr val="000000"/>
-              </a:solidFill>
-              <a:latin typeface="Consolas" panose="020B0609020204030204" pitchFamily="49" charset="0"/>
-            </a:endParaRPr>
-          </a:p>
-          <a:p>
-            <a:pPr marL="0" indent="0">
-              <a:buNone/>
-            </a:pPr>
-            <a:r>
-              <a:rPr lang="en-US" sz="2400" dirty="0">
-                <a:solidFill>
-                  <a:srgbClr val="0000FF"/>
-                </a:solidFill>
-                <a:latin typeface="Consolas" panose="020B0609020204030204" pitchFamily="49" charset="0"/>
-              </a:rPr>
-              <a:t>SELECT</a:t>
-            </a:r>
-            <a:r>
-              <a:rPr lang="en-US" sz="2400" dirty="0">
-                <a:solidFill>
-                  <a:srgbClr val="000000"/>
-                </a:solidFill>
-                <a:latin typeface="Consolas" panose="020B0609020204030204" pitchFamily="49" charset="0"/>
-              </a:rPr>
-              <a:t> @</a:t>
-            </a:r>
-            <a:r>
-              <a:rPr lang="en-US" sz="2400" dirty="0" err="1">
-                <a:solidFill>
-                  <a:srgbClr val="000000"/>
-                </a:solidFill>
-                <a:latin typeface="Consolas" panose="020B0609020204030204" pitchFamily="49" charset="0"/>
-              </a:rPr>
-              <a:t>waitfor</a:t>
-            </a:r>
-            <a:r>
-              <a:rPr lang="en-US" sz="2400" dirty="0">
-                <a:solidFill>
-                  <a:srgbClr val="000000"/>
-                </a:solidFill>
-                <a:latin typeface="Consolas" panose="020B0609020204030204" pitchFamily="49" charset="0"/>
-              </a:rPr>
-              <a:t> </a:t>
-            </a:r>
-            <a:r>
-              <a:rPr lang="en-US" sz="2400" dirty="0">
-                <a:solidFill>
-                  <a:srgbClr val="808080"/>
-                </a:solidFill>
-                <a:latin typeface="Consolas" panose="020B0609020204030204" pitchFamily="49" charset="0"/>
-              </a:rPr>
-              <a:t>=</a:t>
-            </a:r>
-            <a:r>
-              <a:rPr lang="en-US" sz="2400" dirty="0">
-                <a:solidFill>
-                  <a:srgbClr val="000000"/>
-                </a:solidFill>
-                <a:latin typeface="Consolas" panose="020B0609020204030204" pitchFamily="49" charset="0"/>
-              </a:rPr>
-              <a:t> </a:t>
-            </a:r>
-            <a:r>
-              <a:rPr lang="en-US" sz="2400" dirty="0">
-                <a:solidFill>
-                  <a:srgbClr val="FF00FF"/>
-                </a:solidFill>
-                <a:latin typeface="Consolas" panose="020B0609020204030204" pitchFamily="49" charset="0"/>
-              </a:rPr>
-              <a:t>CAST</a:t>
-            </a:r>
-            <a:r>
-              <a:rPr lang="en-US" sz="2400" dirty="0">
-                <a:solidFill>
-                  <a:srgbClr val="808080"/>
-                </a:solidFill>
-                <a:latin typeface="Consolas" panose="020B0609020204030204" pitchFamily="49" charset="0"/>
-              </a:rPr>
-              <a:t>(</a:t>
-            </a:r>
-            <a:r>
-              <a:rPr lang="en-US" sz="2400" dirty="0">
-                <a:solidFill>
-                  <a:srgbClr val="FF00FF"/>
-                </a:solidFill>
-                <a:latin typeface="Consolas" panose="020B0609020204030204" pitchFamily="49" charset="0"/>
-              </a:rPr>
-              <a:t>DATEADD</a:t>
-            </a:r>
-            <a:r>
-              <a:rPr lang="en-US" sz="2400" dirty="0">
-                <a:solidFill>
-                  <a:srgbClr val="808080"/>
-                </a:solidFill>
-                <a:latin typeface="Consolas" panose="020B0609020204030204" pitchFamily="49" charset="0"/>
-              </a:rPr>
-              <a:t>(</a:t>
-            </a:r>
-            <a:r>
-              <a:rPr lang="en-US" sz="2400" dirty="0">
-                <a:solidFill>
-                  <a:srgbClr val="FF00FF"/>
-                </a:solidFill>
-                <a:latin typeface="Consolas" panose="020B0609020204030204" pitchFamily="49" charset="0"/>
-              </a:rPr>
-              <a:t>SECOND</a:t>
-            </a:r>
-            <a:r>
-              <a:rPr lang="en-US" sz="2400" dirty="0">
-                <a:solidFill>
-                  <a:srgbClr val="808080"/>
-                </a:solidFill>
-                <a:latin typeface="Consolas" panose="020B0609020204030204" pitchFamily="49" charset="0"/>
-              </a:rPr>
-              <a:t>,</a:t>
-            </a:r>
-            <a:r>
-              <a:rPr lang="en-US" sz="2400" dirty="0">
-                <a:solidFill>
-                  <a:srgbClr val="000000"/>
-                </a:solidFill>
-                <a:latin typeface="Consolas" panose="020B0609020204030204" pitchFamily="49" charset="0"/>
-              </a:rPr>
-              <a:t> 10</a:t>
-            </a:r>
-            <a:r>
-              <a:rPr lang="en-US" sz="2400" dirty="0">
-                <a:solidFill>
-                  <a:srgbClr val="808080"/>
-                </a:solidFill>
-                <a:latin typeface="Consolas" panose="020B0609020204030204" pitchFamily="49" charset="0"/>
-              </a:rPr>
-              <a:t>,</a:t>
-            </a:r>
-            <a:r>
-              <a:rPr lang="en-US" sz="2400" dirty="0">
-                <a:solidFill>
-                  <a:srgbClr val="000000"/>
-                </a:solidFill>
-                <a:latin typeface="Consolas" panose="020B0609020204030204" pitchFamily="49" charset="0"/>
-              </a:rPr>
-              <a:t> </a:t>
-            </a:r>
-            <a:r>
-              <a:rPr lang="en-US" sz="2400" dirty="0">
-                <a:solidFill>
-                  <a:srgbClr val="FF00FF"/>
-                </a:solidFill>
-                <a:latin typeface="Consolas" panose="020B0609020204030204" pitchFamily="49" charset="0"/>
-              </a:rPr>
-              <a:t>CURRENT_TIMESTAMP</a:t>
-            </a:r>
-            <a:r>
-              <a:rPr lang="en-US" sz="2400" dirty="0">
-                <a:solidFill>
-                  <a:srgbClr val="808080"/>
-                </a:solidFill>
-                <a:latin typeface="Consolas" panose="020B0609020204030204" pitchFamily="49" charset="0"/>
-              </a:rPr>
-              <a:t>)</a:t>
-            </a:r>
-            <a:r>
-              <a:rPr lang="en-US" sz="2400" dirty="0">
-                <a:solidFill>
-                  <a:srgbClr val="000000"/>
-                </a:solidFill>
-                <a:latin typeface="Consolas" panose="020B0609020204030204" pitchFamily="49" charset="0"/>
-              </a:rPr>
-              <a:t> </a:t>
-            </a:r>
-            <a:r>
-              <a:rPr lang="en-US" sz="2400" dirty="0">
-                <a:solidFill>
-                  <a:srgbClr val="0000FF"/>
-                </a:solidFill>
-                <a:latin typeface="Consolas" panose="020B0609020204030204" pitchFamily="49" charset="0"/>
-              </a:rPr>
-              <a:t>AS</a:t>
-            </a:r>
-            <a:r>
-              <a:rPr lang="en-US" sz="2400" dirty="0">
-                <a:solidFill>
-                  <a:srgbClr val="000000"/>
-                </a:solidFill>
-                <a:latin typeface="Consolas" panose="020B0609020204030204" pitchFamily="49" charset="0"/>
-              </a:rPr>
-              <a:t> </a:t>
-            </a:r>
-            <a:r>
-              <a:rPr lang="en-US" sz="2400" dirty="0">
-                <a:solidFill>
-                  <a:srgbClr val="0000FF"/>
-                </a:solidFill>
-                <a:latin typeface="Consolas" panose="020B0609020204030204" pitchFamily="49" charset="0"/>
-              </a:rPr>
-              <a:t>TIME</a:t>
-            </a:r>
-            <a:r>
-              <a:rPr lang="en-US" sz="2400" dirty="0">
-                <a:solidFill>
-                  <a:srgbClr val="808080"/>
-                </a:solidFill>
-                <a:latin typeface="Consolas" panose="020B0609020204030204" pitchFamily="49" charset="0"/>
-              </a:rPr>
-              <a:t>);</a:t>
-            </a:r>
-            <a:endParaRPr lang="en-US" sz="2400" dirty="0">
-              <a:solidFill>
-                <a:srgbClr val="000000"/>
-              </a:solidFill>
-              <a:latin typeface="Consolas" panose="020B0609020204030204" pitchFamily="49" charset="0"/>
-            </a:endParaRPr>
-          </a:p>
-          <a:p>
-            <a:endParaRPr lang="en-US" sz="2400" dirty="0">
-              <a:solidFill>
-                <a:srgbClr val="000000"/>
-              </a:solidFill>
-              <a:latin typeface="Consolas" panose="020B0609020204030204" pitchFamily="49" charset="0"/>
-            </a:endParaRPr>
-          </a:p>
-          <a:p>
-            <a:pPr marL="0" indent="0">
-              <a:buNone/>
-            </a:pPr>
-            <a:r>
-              <a:rPr lang="en-US" sz="2400" dirty="0">
-                <a:solidFill>
-                  <a:srgbClr val="0000FF"/>
-                </a:solidFill>
-                <a:latin typeface="Consolas" panose="020B0609020204030204" pitchFamily="49" charset="0"/>
-              </a:rPr>
-              <a:t>WAITFOR</a:t>
-            </a:r>
-            <a:r>
-              <a:rPr lang="en-US" sz="2400" dirty="0">
-                <a:solidFill>
-                  <a:srgbClr val="000000"/>
-                </a:solidFill>
-                <a:latin typeface="Consolas" panose="020B0609020204030204" pitchFamily="49" charset="0"/>
-              </a:rPr>
-              <a:t> </a:t>
-            </a:r>
-            <a:r>
-              <a:rPr lang="en-US" sz="2400" dirty="0">
-                <a:solidFill>
-                  <a:srgbClr val="0000FF"/>
-                </a:solidFill>
-                <a:latin typeface="Consolas" panose="020B0609020204030204" pitchFamily="49" charset="0"/>
-              </a:rPr>
-              <a:t>TIME</a:t>
-            </a:r>
-            <a:r>
-              <a:rPr lang="en-US" sz="2400" dirty="0">
-                <a:solidFill>
-                  <a:srgbClr val="000000"/>
-                </a:solidFill>
-                <a:latin typeface="Consolas" panose="020B0609020204030204" pitchFamily="49" charset="0"/>
-              </a:rPr>
-              <a:t> @</a:t>
-            </a:r>
-            <a:r>
-              <a:rPr lang="en-US" sz="2400" dirty="0" err="1">
-                <a:solidFill>
-                  <a:srgbClr val="000000"/>
-                </a:solidFill>
-                <a:latin typeface="Consolas" panose="020B0609020204030204" pitchFamily="49" charset="0"/>
-              </a:rPr>
-              <a:t>waitfor</a:t>
-            </a:r>
-            <a:r>
-              <a:rPr lang="en-US" sz="2400" dirty="0">
-                <a:solidFill>
-                  <a:srgbClr val="808080"/>
-                </a:solidFill>
-                <a:latin typeface="Consolas" panose="020B0609020204030204" pitchFamily="49" charset="0"/>
-              </a:rPr>
-              <a:t>;</a:t>
-            </a:r>
-            <a:endParaRPr lang="en-US" sz="2400" dirty="0">
-              <a:solidFill>
-                <a:srgbClr val="000000"/>
-              </a:solidFill>
-              <a:latin typeface="Consolas" panose="020B0609020204030204" pitchFamily="49" charset="0"/>
-            </a:endParaRPr>
-          </a:p>
-          <a:p>
-            <a:endParaRPr lang="en-US" sz="2400" dirty="0">
-              <a:solidFill>
-                <a:srgbClr val="000000"/>
-              </a:solidFill>
-              <a:latin typeface="Consolas" panose="020B0609020204030204" pitchFamily="49" charset="0"/>
-            </a:endParaRPr>
-          </a:p>
-          <a:p>
-            <a:pPr marL="0" indent="0">
-              <a:buNone/>
-            </a:pPr>
-            <a:r>
-              <a:rPr lang="en-US" sz="2400" dirty="0">
-                <a:solidFill>
-                  <a:srgbClr val="0000FF"/>
-                </a:solidFill>
-                <a:latin typeface="Consolas" panose="020B0609020204030204" pitchFamily="49" charset="0"/>
-              </a:rPr>
-              <a:t>BEGIN</a:t>
-            </a:r>
-            <a:r>
-              <a:rPr lang="en-US" sz="2400" dirty="0">
-                <a:solidFill>
-                  <a:srgbClr val="000000"/>
-                </a:solidFill>
-                <a:latin typeface="Consolas" panose="020B0609020204030204" pitchFamily="49" charset="0"/>
-              </a:rPr>
-              <a:t> </a:t>
-            </a:r>
-            <a:r>
-              <a:rPr lang="en-US" sz="2400" dirty="0">
-                <a:solidFill>
-                  <a:srgbClr val="0000FF"/>
-                </a:solidFill>
-                <a:latin typeface="Consolas" panose="020B0609020204030204" pitchFamily="49" charset="0"/>
-              </a:rPr>
-              <a:t>TRANSACTION</a:t>
-            </a:r>
-            <a:endParaRPr lang="en-US" sz="2400" dirty="0">
-              <a:solidFill>
-                <a:srgbClr val="000000"/>
-              </a:solidFill>
-              <a:latin typeface="Consolas" panose="020B0609020204030204" pitchFamily="49" charset="0"/>
-            </a:endParaRPr>
-          </a:p>
-          <a:p>
-            <a:pPr marL="0" indent="0">
-              <a:buNone/>
-            </a:pPr>
-            <a:r>
-              <a:rPr lang="en-US" sz="2400" dirty="0">
-                <a:solidFill>
-                  <a:srgbClr val="0000FF"/>
-                </a:solidFill>
-                <a:latin typeface="Consolas" panose="020B0609020204030204" pitchFamily="49" charset="0"/>
-              </a:rPr>
-              <a:t>DROP</a:t>
-            </a:r>
-            <a:r>
-              <a:rPr lang="en-US" sz="2400" dirty="0">
-                <a:solidFill>
-                  <a:srgbClr val="000000"/>
-                </a:solidFill>
-                <a:latin typeface="Consolas" panose="020B0609020204030204" pitchFamily="49" charset="0"/>
-              </a:rPr>
-              <a:t> </a:t>
-            </a:r>
-            <a:r>
-              <a:rPr lang="en-US" sz="2400" dirty="0">
-                <a:solidFill>
-                  <a:srgbClr val="0000FF"/>
-                </a:solidFill>
-                <a:latin typeface="Consolas" panose="020B0609020204030204" pitchFamily="49" charset="0"/>
-              </a:rPr>
-              <a:t>TABLE</a:t>
-            </a:r>
-            <a:r>
-              <a:rPr lang="en-US" sz="2400" dirty="0">
-                <a:solidFill>
-                  <a:srgbClr val="000000"/>
-                </a:solidFill>
-                <a:latin typeface="Consolas" panose="020B0609020204030204" pitchFamily="49" charset="0"/>
-              </a:rPr>
-              <a:t> </a:t>
-            </a:r>
-            <a:r>
-              <a:rPr lang="en-US" sz="2400" dirty="0">
-                <a:solidFill>
-                  <a:srgbClr val="0000FF"/>
-                </a:solidFill>
-                <a:latin typeface="Consolas" panose="020B0609020204030204" pitchFamily="49" charset="0"/>
-              </a:rPr>
-              <a:t>IF</a:t>
-            </a:r>
-            <a:r>
-              <a:rPr lang="en-US" sz="2400" dirty="0">
-                <a:solidFill>
-                  <a:srgbClr val="000000"/>
-                </a:solidFill>
-                <a:latin typeface="Consolas" panose="020B0609020204030204" pitchFamily="49" charset="0"/>
-              </a:rPr>
-              <a:t> </a:t>
-            </a:r>
-            <a:r>
-              <a:rPr lang="en-US" sz="2400" dirty="0">
-                <a:solidFill>
-                  <a:srgbClr val="808080"/>
-                </a:solidFill>
-                <a:latin typeface="Consolas" panose="020B0609020204030204" pitchFamily="49" charset="0"/>
-              </a:rPr>
-              <a:t>EXISTS</a:t>
-            </a:r>
-            <a:r>
-              <a:rPr lang="en-US" sz="2400" dirty="0">
-                <a:solidFill>
-                  <a:srgbClr val="000000"/>
-                </a:solidFill>
-                <a:latin typeface="Consolas" panose="020B0609020204030204" pitchFamily="49" charset="0"/>
-              </a:rPr>
-              <a:t> dbo</a:t>
-            </a:r>
-            <a:r>
-              <a:rPr lang="en-US" sz="2400" dirty="0">
-                <a:solidFill>
-                  <a:srgbClr val="808080"/>
-                </a:solidFill>
-                <a:latin typeface="Consolas" panose="020B0609020204030204" pitchFamily="49" charset="0"/>
-              </a:rPr>
-              <a:t>.</a:t>
-            </a:r>
-            <a:r>
-              <a:rPr lang="en-US" sz="2400" dirty="0">
-                <a:solidFill>
-                  <a:srgbClr val="000000"/>
-                </a:solidFill>
-                <a:latin typeface="Consolas" panose="020B0609020204030204" pitchFamily="49" charset="0"/>
-              </a:rPr>
-              <a:t>fl1</a:t>
-            </a:r>
-            <a:r>
-              <a:rPr lang="en-US" sz="2400" dirty="0">
-                <a:solidFill>
-                  <a:srgbClr val="808080"/>
-                </a:solidFill>
-                <a:latin typeface="Consolas" panose="020B0609020204030204" pitchFamily="49" charset="0"/>
-              </a:rPr>
-              <a:t>,</a:t>
-            </a:r>
-            <a:r>
-              <a:rPr lang="en-US" sz="2400" dirty="0">
-                <a:solidFill>
-                  <a:srgbClr val="000000"/>
-                </a:solidFill>
-                <a:latin typeface="Consolas" panose="020B0609020204030204" pitchFamily="49" charset="0"/>
-              </a:rPr>
-              <a:t> dbo</a:t>
-            </a:r>
-            <a:r>
-              <a:rPr lang="en-US" sz="2400" dirty="0">
-                <a:solidFill>
-                  <a:srgbClr val="808080"/>
-                </a:solidFill>
-                <a:latin typeface="Consolas" panose="020B0609020204030204" pitchFamily="49" charset="0"/>
-              </a:rPr>
-              <a:t>.</a:t>
-            </a:r>
-            <a:r>
-              <a:rPr lang="en-US" sz="2400" dirty="0">
-                <a:solidFill>
-                  <a:srgbClr val="000000"/>
-                </a:solidFill>
-                <a:latin typeface="Consolas" panose="020B0609020204030204" pitchFamily="49" charset="0"/>
-              </a:rPr>
-              <a:t>fl2</a:t>
-            </a:r>
-            <a:r>
-              <a:rPr lang="en-US" sz="2400" dirty="0">
-                <a:solidFill>
-                  <a:srgbClr val="808080"/>
-                </a:solidFill>
-                <a:latin typeface="Consolas" panose="020B0609020204030204" pitchFamily="49" charset="0"/>
-              </a:rPr>
-              <a:t>,</a:t>
-            </a:r>
-            <a:r>
-              <a:rPr lang="en-US" sz="2400" dirty="0">
-                <a:solidFill>
-                  <a:srgbClr val="000000"/>
-                </a:solidFill>
-                <a:latin typeface="Consolas" panose="020B0609020204030204" pitchFamily="49" charset="0"/>
-              </a:rPr>
-              <a:t> dbo</a:t>
-            </a:r>
-            <a:r>
-              <a:rPr lang="en-US" sz="2400" dirty="0">
-                <a:solidFill>
-                  <a:srgbClr val="808080"/>
-                </a:solidFill>
-                <a:latin typeface="Consolas" panose="020B0609020204030204" pitchFamily="49" charset="0"/>
-              </a:rPr>
-              <a:t>.</a:t>
-            </a:r>
-            <a:r>
-              <a:rPr lang="en-US" sz="2400" dirty="0">
-                <a:solidFill>
-                  <a:srgbClr val="000000"/>
-                </a:solidFill>
-                <a:latin typeface="Consolas" panose="020B0609020204030204" pitchFamily="49" charset="0"/>
-              </a:rPr>
-              <a:t>fl3</a:t>
-            </a:r>
-            <a:r>
-              <a:rPr lang="en-US" sz="2400" dirty="0">
-                <a:solidFill>
-                  <a:srgbClr val="808080"/>
-                </a:solidFill>
-                <a:latin typeface="Consolas" panose="020B0609020204030204" pitchFamily="49" charset="0"/>
-              </a:rPr>
-              <a:t>;</a:t>
-            </a:r>
-            <a:endParaRPr lang="en-US" sz="2400" dirty="0">
-              <a:solidFill>
-                <a:srgbClr val="000000"/>
-              </a:solidFill>
-              <a:latin typeface="Consolas" panose="020B0609020204030204" pitchFamily="49" charset="0"/>
-            </a:endParaRPr>
-          </a:p>
-          <a:p>
-            <a:pPr marL="0" indent="0">
-              <a:buNone/>
-            </a:pPr>
-            <a:r>
-              <a:rPr lang="en-US" sz="2400" dirty="0">
-                <a:solidFill>
-                  <a:srgbClr val="0000FF"/>
-                </a:solidFill>
-                <a:latin typeface="Consolas" panose="020B0609020204030204" pitchFamily="49" charset="0"/>
-              </a:rPr>
-              <a:t>SELECT</a:t>
-            </a:r>
-            <a:r>
-              <a:rPr lang="en-US" sz="2400" dirty="0">
-                <a:solidFill>
-                  <a:srgbClr val="000000"/>
-                </a:solidFill>
-                <a:latin typeface="Consolas" panose="020B0609020204030204" pitchFamily="49" charset="0"/>
-              </a:rPr>
-              <a:t> s2</a:t>
-            </a:r>
-            <a:r>
-              <a:rPr lang="en-US" sz="2400" dirty="0">
-                <a:solidFill>
-                  <a:srgbClr val="808080"/>
-                </a:solidFill>
-                <a:latin typeface="Consolas" panose="020B0609020204030204" pitchFamily="49" charset="0"/>
-              </a:rPr>
-              <a:t>.*</a:t>
-            </a:r>
-            <a:r>
-              <a:rPr lang="en-US" sz="2400" dirty="0">
-                <a:solidFill>
-                  <a:srgbClr val="000000"/>
-                </a:solidFill>
-                <a:latin typeface="Consolas" panose="020B0609020204030204" pitchFamily="49" charset="0"/>
-              </a:rPr>
-              <a:t> </a:t>
-            </a:r>
-            <a:r>
-              <a:rPr lang="en-US" sz="2400" dirty="0">
-                <a:solidFill>
-                  <a:srgbClr val="0000FF"/>
-                </a:solidFill>
-                <a:latin typeface="Consolas" panose="020B0609020204030204" pitchFamily="49" charset="0"/>
-              </a:rPr>
-              <a:t>INTO</a:t>
-            </a:r>
-            <a:r>
-              <a:rPr lang="en-US" sz="2400" dirty="0">
-                <a:solidFill>
-                  <a:srgbClr val="000000"/>
-                </a:solidFill>
-                <a:latin typeface="Consolas" panose="020B0609020204030204" pitchFamily="49" charset="0"/>
-              </a:rPr>
-              <a:t> dbo</a:t>
-            </a:r>
-            <a:r>
-              <a:rPr lang="en-US" sz="2400" dirty="0">
-                <a:solidFill>
-                  <a:srgbClr val="808080"/>
-                </a:solidFill>
-                <a:latin typeface="Consolas" panose="020B0609020204030204" pitchFamily="49" charset="0"/>
-              </a:rPr>
-              <a:t>.</a:t>
-            </a:r>
-            <a:r>
-              <a:rPr lang="en-US" sz="2400" dirty="0">
-                <a:solidFill>
-                  <a:srgbClr val="000000"/>
-                </a:solidFill>
-                <a:latin typeface="Consolas" panose="020B0609020204030204" pitchFamily="49" charset="0"/>
-              </a:rPr>
-              <a:t>fl1 </a:t>
-            </a:r>
-            <a:r>
-              <a:rPr lang="en-US" sz="2400" dirty="0">
-                <a:solidFill>
-                  <a:srgbClr val="0000FF"/>
-                </a:solidFill>
-                <a:latin typeface="Consolas" panose="020B0609020204030204" pitchFamily="49" charset="0"/>
-              </a:rPr>
-              <a:t>FROM</a:t>
-            </a:r>
-            <a:r>
-              <a:rPr lang="en-US" sz="2400" dirty="0">
-                <a:solidFill>
-                  <a:srgbClr val="000000"/>
-                </a:solidFill>
-                <a:latin typeface="Consolas" panose="020B0609020204030204" pitchFamily="49" charset="0"/>
-              </a:rPr>
-              <a:t> </a:t>
-            </a:r>
-            <a:r>
-              <a:rPr lang="en-US" sz="2400" dirty="0" err="1">
-                <a:solidFill>
-                  <a:srgbClr val="00FF00"/>
-                </a:solidFill>
-                <a:latin typeface="Consolas" panose="020B0609020204030204" pitchFamily="49" charset="0"/>
-              </a:rPr>
-              <a:t>sys</a:t>
-            </a:r>
-            <a:r>
-              <a:rPr lang="en-US" sz="2400" dirty="0" err="1">
-                <a:solidFill>
-                  <a:srgbClr val="808080"/>
-                </a:solidFill>
-                <a:latin typeface="Consolas" panose="020B0609020204030204" pitchFamily="49" charset="0"/>
-              </a:rPr>
-              <a:t>.</a:t>
-            </a:r>
-            <a:r>
-              <a:rPr lang="en-US" sz="2400" dirty="0" err="1">
-                <a:solidFill>
-                  <a:srgbClr val="00FF00"/>
-                </a:solidFill>
-                <a:latin typeface="Consolas" panose="020B0609020204030204" pitchFamily="49" charset="0"/>
-              </a:rPr>
-              <a:t>all_columns</a:t>
-            </a:r>
-            <a:r>
-              <a:rPr lang="en-US" sz="2400" dirty="0">
-                <a:solidFill>
-                  <a:srgbClr val="000000"/>
-                </a:solidFill>
-                <a:latin typeface="Consolas" panose="020B0609020204030204" pitchFamily="49" charset="0"/>
-              </a:rPr>
-              <a:t> </a:t>
-            </a:r>
-            <a:r>
-              <a:rPr lang="en-US" sz="2400" dirty="0">
-                <a:solidFill>
-                  <a:srgbClr val="0000FF"/>
-                </a:solidFill>
-                <a:latin typeface="Consolas" panose="020B0609020204030204" pitchFamily="49" charset="0"/>
-              </a:rPr>
-              <a:t>AS</a:t>
-            </a:r>
-            <a:r>
-              <a:rPr lang="en-US" sz="2400" dirty="0">
-                <a:solidFill>
-                  <a:srgbClr val="000000"/>
-                </a:solidFill>
-                <a:latin typeface="Consolas" panose="020B0609020204030204" pitchFamily="49" charset="0"/>
-              </a:rPr>
-              <a:t> s1 </a:t>
-            </a:r>
-            <a:r>
-              <a:rPr lang="en-US" sz="2400" dirty="0">
-                <a:solidFill>
-                  <a:srgbClr val="808080"/>
-                </a:solidFill>
-                <a:latin typeface="Consolas" panose="020B0609020204030204" pitchFamily="49" charset="0"/>
-              </a:rPr>
-              <a:t>CROSS</a:t>
-            </a:r>
-            <a:r>
-              <a:rPr lang="en-US" sz="2400" dirty="0">
-                <a:solidFill>
-                  <a:srgbClr val="000000"/>
-                </a:solidFill>
-                <a:latin typeface="Consolas" panose="020B0609020204030204" pitchFamily="49" charset="0"/>
-              </a:rPr>
-              <a:t> </a:t>
-            </a:r>
-            <a:r>
-              <a:rPr lang="en-US" sz="2400" dirty="0">
-                <a:solidFill>
-                  <a:srgbClr val="808080"/>
-                </a:solidFill>
-                <a:latin typeface="Consolas" panose="020B0609020204030204" pitchFamily="49" charset="0"/>
-              </a:rPr>
-              <a:t>JOIN</a:t>
-            </a:r>
-            <a:r>
-              <a:rPr lang="en-US" sz="2400" dirty="0">
-                <a:solidFill>
-                  <a:srgbClr val="000000"/>
-                </a:solidFill>
-                <a:latin typeface="Consolas" panose="020B0609020204030204" pitchFamily="49" charset="0"/>
-              </a:rPr>
-              <a:t> </a:t>
-            </a:r>
-            <a:r>
-              <a:rPr lang="en-US" sz="2400" dirty="0" err="1">
-                <a:solidFill>
-                  <a:srgbClr val="00FF00"/>
-                </a:solidFill>
-                <a:latin typeface="Consolas" panose="020B0609020204030204" pitchFamily="49" charset="0"/>
-              </a:rPr>
-              <a:t>sys</a:t>
-            </a:r>
-            <a:r>
-              <a:rPr lang="en-US" sz="2400" dirty="0" err="1">
-                <a:solidFill>
-                  <a:srgbClr val="808080"/>
-                </a:solidFill>
-                <a:latin typeface="Consolas" panose="020B0609020204030204" pitchFamily="49" charset="0"/>
-              </a:rPr>
-              <a:t>.</a:t>
-            </a:r>
-            <a:r>
-              <a:rPr lang="en-US" sz="2400" dirty="0" err="1">
-                <a:solidFill>
-                  <a:srgbClr val="00FF00"/>
-                </a:solidFill>
-                <a:latin typeface="Consolas" panose="020B0609020204030204" pitchFamily="49" charset="0"/>
-              </a:rPr>
-              <a:t>all_objects</a:t>
-            </a:r>
-            <a:r>
-              <a:rPr lang="en-US" sz="2400" dirty="0">
-                <a:solidFill>
-                  <a:srgbClr val="000000"/>
-                </a:solidFill>
-                <a:latin typeface="Consolas" panose="020B0609020204030204" pitchFamily="49" charset="0"/>
-              </a:rPr>
-              <a:t> </a:t>
-            </a:r>
-            <a:r>
-              <a:rPr lang="en-US" sz="2400" dirty="0">
-                <a:solidFill>
-                  <a:srgbClr val="0000FF"/>
-                </a:solidFill>
-                <a:latin typeface="Consolas" panose="020B0609020204030204" pitchFamily="49" charset="0"/>
-              </a:rPr>
-              <a:t>AS</a:t>
-            </a:r>
-            <a:r>
-              <a:rPr lang="en-US" sz="2400" dirty="0">
-                <a:solidFill>
-                  <a:srgbClr val="000000"/>
-                </a:solidFill>
-                <a:latin typeface="Consolas" panose="020B0609020204030204" pitchFamily="49" charset="0"/>
-              </a:rPr>
-              <a:t> s2</a:t>
-            </a:r>
-            <a:r>
-              <a:rPr lang="en-US" sz="2400" dirty="0">
-                <a:solidFill>
-                  <a:srgbClr val="808080"/>
-                </a:solidFill>
-                <a:latin typeface="Consolas" panose="020B0609020204030204" pitchFamily="49" charset="0"/>
-              </a:rPr>
-              <a:t>;</a:t>
-            </a:r>
-            <a:endParaRPr lang="en-US" sz="2400" dirty="0">
-              <a:solidFill>
-                <a:srgbClr val="000000"/>
-              </a:solidFill>
-              <a:latin typeface="Consolas" panose="020B0609020204030204" pitchFamily="49" charset="0"/>
-            </a:endParaRPr>
-          </a:p>
-          <a:p>
-            <a:pPr marL="0" indent="0">
-              <a:buNone/>
-            </a:pPr>
-            <a:r>
-              <a:rPr lang="en-US" sz="2400" dirty="0">
-                <a:solidFill>
-                  <a:srgbClr val="0000FF"/>
-                </a:solidFill>
-                <a:latin typeface="Consolas" panose="020B0609020204030204" pitchFamily="49" charset="0"/>
-              </a:rPr>
-              <a:t>SELECT</a:t>
-            </a:r>
-            <a:r>
-              <a:rPr lang="en-US" sz="2400" dirty="0">
-                <a:solidFill>
-                  <a:srgbClr val="000000"/>
-                </a:solidFill>
-                <a:latin typeface="Consolas" panose="020B0609020204030204" pitchFamily="49" charset="0"/>
-              </a:rPr>
-              <a:t> s2</a:t>
-            </a:r>
-            <a:r>
-              <a:rPr lang="en-US" sz="2400" dirty="0">
-                <a:solidFill>
-                  <a:srgbClr val="808080"/>
-                </a:solidFill>
-                <a:latin typeface="Consolas" panose="020B0609020204030204" pitchFamily="49" charset="0"/>
-              </a:rPr>
-              <a:t>.*</a:t>
-            </a:r>
-            <a:r>
-              <a:rPr lang="en-US" sz="2400" dirty="0">
-                <a:solidFill>
-                  <a:srgbClr val="000000"/>
-                </a:solidFill>
-                <a:latin typeface="Consolas" panose="020B0609020204030204" pitchFamily="49" charset="0"/>
-              </a:rPr>
-              <a:t> </a:t>
-            </a:r>
-            <a:r>
-              <a:rPr lang="en-US" sz="2400" dirty="0">
-                <a:solidFill>
-                  <a:srgbClr val="0000FF"/>
-                </a:solidFill>
-                <a:latin typeface="Consolas" panose="020B0609020204030204" pitchFamily="49" charset="0"/>
-              </a:rPr>
-              <a:t>INTO</a:t>
-            </a:r>
-            <a:r>
-              <a:rPr lang="en-US" sz="2400" dirty="0">
-                <a:solidFill>
-                  <a:srgbClr val="000000"/>
-                </a:solidFill>
-                <a:latin typeface="Consolas" panose="020B0609020204030204" pitchFamily="49" charset="0"/>
-              </a:rPr>
-              <a:t> dbo</a:t>
-            </a:r>
-            <a:r>
-              <a:rPr lang="en-US" sz="2400" dirty="0">
-                <a:solidFill>
-                  <a:srgbClr val="808080"/>
-                </a:solidFill>
-                <a:latin typeface="Consolas" panose="020B0609020204030204" pitchFamily="49" charset="0"/>
-              </a:rPr>
-              <a:t>.</a:t>
-            </a:r>
-            <a:r>
-              <a:rPr lang="en-US" sz="2400" dirty="0">
-                <a:solidFill>
-                  <a:srgbClr val="000000"/>
-                </a:solidFill>
-                <a:latin typeface="Consolas" panose="020B0609020204030204" pitchFamily="49" charset="0"/>
-              </a:rPr>
-              <a:t>fl2 </a:t>
-            </a:r>
-            <a:r>
-              <a:rPr lang="en-US" sz="2400" dirty="0">
-                <a:solidFill>
-                  <a:srgbClr val="0000FF"/>
-                </a:solidFill>
-                <a:latin typeface="Consolas" panose="020B0609020204030204" pitchFamily="49" charset="0"/>
-              </a:rPr>
-              <a:t>FROM</a:t>
-            </a:r>
-            <a:r>
-              <a:rPr lang="en-US" sz="2400" dirty="0">
-                <a:solidFill>
-                  <a:srgbClr val="000000"/>
-                </a:solidFill>
-                <a:latin typeface="Consolas" panose="020B0609020204030204" pitchFamily="49" charset="0"/>
-              </a:rPr>
-              <a:t> </a:t>
-            </a:r>
-            <a:r>
-              <a:rPr lang="en-US" sz="2400" dirty="0" err="1">
-                <a:solidFill>
-                  <a:srgbClr val="00FF00"/>
-                </a:solidFill>
-                <a:latin typeface="Consolas" panose="020B0609020204030204" pitchFamily="49" charset="0"/>
-              </a:rPr>
-              <a:t>sys</a:t>
-            </a:r>
-            <a:r>
-              <a:rPr lang="en-US" sz="2400" dirty="0" err="1">
-                <a:solidFill>
-                  <a:srgbClr val="808080"/>
-                </a:solidFill>
-                <a:latin typeface="Consolas" panose="020B0609020204030204" pitchFamily="49" charset="0"/>
-              </a:rPr>
-              <a:t>.</a:t>
-            </a:r>
-            <a:r>
-              <a:rPr lang="en-US" sz="2400" dirty="0" err="1">
-                <a:solidFill>
-                  <a:srgbClr val="00FF00"/>
-                </a:solidFill>
-                <a:latin typeface="Consolas" panose="020B0609020204030204" pitchFamily="49" charset="0"/>
-              </a:rPr>
-              <a:t>all_columns</a:t>
-            </a:r>
-            <a:r>
-              <a:rPr lang="en-US" sz="2400" dirty="0">
-                <a:solidFill>
-                  <a:srgbClr val="000000"/>
-                </a:solidFill>
-                <a:latin typeface="Consolas" panose="020B0609020204030204" pitchFamily="49" charset="0"/>
-              </a:rPr>
-              <a:t> </a:t>
-            </a:r>
-            <a:r>
-              <a:rPr lang="en-US" sz="2400" dirty="0">
-                <a:solidFill>
-                  <a:srgbClr val="0000FF"/>
-                </a:solidFill>
-                <a:latin typeface="Consolas" panose="020B0609020204030204" pitchFamily="49" charset="0"/>
-              </a:rPr>
-              <a:t>AS</a:t>
-            </a:r>
-            <a:r>
-              <a:rPr lang="en-US" sz="2400" dirty="0">
-                <a:solidFill>
-                  <a:srgbClr val="000000"/>
-                </a:solidFill>
-                <a:latin typeface="Consolas" panose="020B0609020204030204" pitchFamily="49" charset="0"/>
-              </a:rPr>
-              <a:t> s1 </a:t>
-            </a:r>
-            <a:r>
-              <a:rPr lang="en-US" sz="2400" dirty="0">
-                <a:solidFill>
-                  <a:srgbClr val="808080"/>
-                </a:solidFill>
-                <a:latin typeface="Consolas" panose="020B0609020204030204" pitchFamily="49" charset="0"/>
-              </a:rPr>
-              <a:t>CROSS</a:t>
-            </a:r>
-            <a:r>
-              <a:rPr lang="en-US" sz="2400" dirty="0">
-                <a:solidFill>
-                  <a:srgbClr val="000000"/>
-                </a:solidFill>
-                <a:latin typeface="Consolas" panose="020B0609020204030204" pitchFamily="49" charset="0"/>
-              </a:rPr>
-              <a:t> </a:t>
-            </a:r>
-            <a:r>
-              <a:rPr lang="en-US" sz="2400" dirty="0">
-                <a:solidFill>
-                  <a:srgbClr val="808080"/>
-                </a:solidFill>
-                <a:latin typeface="Consolas" panose="020B0609020204030204" pitchFamily="49" charset="0"/>
-              </a:rPr>
-              <a:t>JOIN</a:t>
-            </a:r>
-            <a:r>
-              <a:rPr lang="en-US" sz="2400" dirty="0">
-                <a:solidFill>
-                  <a:srgbClr val="000000"/>
-                </a:solidFill>
-                <a:latin typeface="Consolas" panose="020B0609020204030204" pitchFamily="49" charset="0"/>
-              </a:rPr>
-              <a:t> </a:t>
-            </a:r>
-            <a:r>
-              <a:rPr lang="en-US" sz="2400" dirty="0" err="1">
-                <a:solidFill>
-                  <a:srgbClr val="00FF00"/>
-                </a:solidFill>
-                <a:latin typeface="Consolas" panose="020B0609020204030204" pitchFamily="49" charset="0"/>
-              </a:rPr>
-              <a:t>sys</a:t>
-            </a:r>
-            <a:r>
-              <a:rPr lang="en-US" sz="2400" dirty="0" err="1">
-                <a:solidFill>
-                  <a:srgbClr val="808080"/>
-                </a:solidFill>
-                <a:latin typeface="Consolas" panose="020B0609020204030204" pitchFamily="49" charset="0"/>
-              </a:rPr>
-              <a:t>.</a:t>
-            </a:r>
-            <a:r>
-              <a:rPr lang="en-US" sz="2400" dirty="0" err="1">
-                <a:solidFill>
-                  <a:srgbClr val="00FF00"/>
-                </a:solidFill>
-                <a:latin typeface="Consolas" panose="020B0609020204030204" pitchFamily="49" charset="0"/>
-              </a:rPr>
-              <a:t>all_objects</a:t>
-            </a:r>
-            <a:r>
-              <a:rPr lang="en-US" sz="2400" dirty="0">
-                <a:solidFill>
-                  <a:srgbClr val="000000"/>
-                </a:solidFill>
-                <a:latin typeface="Consolas" panose="020B0609020204030204" pitchFamily="49" charset="0"/>
-              </a:rPr>
-              <a:t> </a:t>
-            </a:r>
-            <a:r>
-              <a:rPr lang="en-US" sz="2400" dirty="0">
-                <a:solidFill>
-                  <a:srgbClr val="0000FF"/>
-                </a:solidFill>
-                <a:latin typeface="Consolas" panose="020B0609020204030204" pitchFamily="49" charset="0"/>
-              </a:rPr>
-              <a:t>AS</a:t>
-            </a:r>
-            <a:r>
-              <a:rPr lang="en-US" sz="2400" dirty="0">
-                <a:solidFill>
-                  <a:srgbClr val="000000"/>
-                </a:solidFill>
-                <a:latin typeface="Consolas" panose="020B0609020204030204" pitchFamily="49" charset="0"/>
-              </a:rPr>
-              <a:t> s2</a:t>
-            </a:r>
-            <a:r>
-              <a:rPr lang="en-US" sz="2400" dirty="0">
-                <a:solidFill>
-                  <a:srgbClr val="808080"/>
-                </a:solidFill>
-                <a:latin typeface="Consolas" panose="020B0609020204030204" pitchFamily="49" charset="0"/>
-              </a:rPr>
-              <a:t>;</a:t>
-            </a:r>
-            <a:endParaRPr lang="en-US" sz="2400" dirty="0">
-              <a:solidFill>
-                <a:srgbClr val="000000"/>
-              </a:solidFill>
-              <a:latin typeface="Consolas" panose="020B0609020204030204" pitchFamily="49" charset="0"/>
-            </a:endParaRPr>
-          </a:p>
-          <a:p>
-            <a:pPr marL="0" indent="0">
-              <a:buNone/>
-            </a:pPr>
-            <a:r>
-              <a:rPr lang="en-US" sz="2400" dirty="0">
-                <a:solidFill>
-                  <a:srgbClr val="0000FF"/>
-                </a:solidFill>
-                <a:latin typeface="Consolas" panose="020B0609020204030204" pitchFamily="49" charset="0"/>
-              </a:rPr>
-              <a:t>SELECT</a:t>
-            </a:r>
-            <a:r>
-              <a:rPr lang="en-US" sz="2400" dirty="0">
-                <a:solidFill>
-                  <a:srgbClr val="000000"/>
-                </a:solidFill>
-                <a:latin typeface="Consolas" panose="020B0609020204030204" pitchFamily="49" charset="0"/>
-              </a:rPr>
-              <a:t> s2</a:t>
-            </a:r>
-            <a:r>
-              <a:rPr lang="en-US" sz="2400" dirty="0">
-                <a:solidFill>
-                  <a:srgbClr val="808080"/>
-                </a:solidFill>
-                <a:latin typeface="Consolas" panose="020B0609020204030204" pitchFamily="49" charset="0"/>
-              </a:rPr>
-              <a:t>.*</a:t>
-            </a:r>
-            <a:r>
-              <a:rPr lang="en-US" sz="2400" dirty="0">
-                <a:solidFill>
-                  <a:srgbClr val="000000"/>
-                </a:solidFill>
-                <a:latin typeface="Consolas" panose="020B0609020204030204" pitchFamily="49" charset="0"/>
-              </a:rPr>
-              <a:t> </a:t>
-            </a:r>
-            <a:r>
-              <a:rPr lang="en-US" sz="2400" dirty="0">
-                <a:solidFill>
-                  <a:srgbClr val="0000FF"/>
-                </a:solidFill>
-                <a:latin typeface="Consolas" panose="020B0609020204030204" pitchFamily="49" charset="0"/>
-              </a:rPr>
-              <a:t>INTO</a:t>
-            </a:r>
-            <a:r>
-              <a:rPr lang="en-US" sz="2400" dirty="0">
-                <a:solidFill>
-                  <a:srgbClr val="000000"/>
-                </a:solidFill>
-                <a:latin typeface="Consolas" panose="020B0609020204030204" pitchFamily="49" charset="0"/>
-              </a:rPr>
-              <a:t> dbo</a:t>
-            </a:r>
-            <a:r>
-              <a:rPr lang="en-US" sz="2400" dirty="0">
-                <a:solidFill>
-                  <a:srgbClr val="808080"/>
-                </a:solidFill>
-                <a:latin typeface="Consolas" panose="020B0609020204030204" pitchFamily="49" charset="0"/>
-              </a:rPr>
-              <a:t>.</a:t>
-            </a:r>
-            <a:r>
-              <a:rPr lang="en-US" sz="2400" dirty="0">
-                <a:solidFill>
-                  <a:srgbClr val="000000"/>
-                </a:solidFill>
-                <a:latin typeface="Consolas" panose="020B0609020204030204" pitchFamily="49" charset="0"/>
-              </a:rPr>
-              <a:t>fl3 </a:t>
-            </a:r>
-            <a:r>
-              <a:rPr lang="en-US" sz="2400" dirty="0">
-                <a:solidFill>
-                  <a:srgbClr val="0000FF"/>
-                </a:solidFill>
-                <a:latin typeface="Consolas" panose="020B0609020204030204" pitchFamily="49" charset="0"/>
-              </a:rPr>
-              <a:t>FROM</a:t>
-            </a:r>
-            <a:r>
-              <a:rPr lang="en-US" sz="2400" dirty="0">
-                <a:solidFill>
-                  <a:srgbClr val="000000"/>
-                </a:solidFill>
-                <a:latin typeface="Consolas" panose="020B0609020204030204" pitchFamily="49" charset="0"/>
-              </a:rPr>
-              <a:t> </a:t>
-            </a:r>
-            <a:r>
-              <a:rPr lang="en-US" sz="2400" dirty="0" err="1">
-                <a:solidFill>
-                  <a:srgbClr val="00FF00"/>
-                </a:solidFill>
-                <a:latin typeface="Consolas" panose="020B0609020204030204" pitchFamily="49" charset="0"/>
-              </a:rPr>
-              <a:t>sys</a:t>
-            </a:r>
-            <a:r>
-              <a:rPr lang="en-US" sz="2400" dirty="0" err="1">
-                <a:solidFill>
-                  <a:srgbClr val="808080"/>
-                </a:solidFill>
-                <a:latin typeface="Consolas" panose="020B0609020204030204" pitchFamily="49" charset="0"/>
-              </a:rPr>
-              <a:t>.</a:t>
-            </a:r>
-            <a:r>
-              <a:rPr lang="en-US" sz="2400" dirty="0" err="1">
-                <a:solidFill>
-                  <a:srgbClr val="00FF00"/>
-                </a:solidFill>
-                <a:latin typeface="Consolas" panose="020B0609020204030204" pitchFamily="49" charset="0"/>
-              </a:rPr>
-              <a:t>all_columns</a:t>
-            </a:r>
-            <a:r>
-              <a:rPr lang="en-US" sz="2400" dirty="0">
-                <a:solidFill>
-                  <a:srgbClr val="000000"/>
-                </a:solidFill>
-                <a:latin typeface="Consolas" panose="020B0609020204030204" pitchFamily="49" charset="0"/>
-              </a:rPr>
-              <a:t> </a:t>
-            </a:r>
-            <a:r>
-              <a:rPr lang="en-US" sz="2400" dirty="0">
-                <a:solidFill>
-                  <a:srgbClr val="0000FF"/>
-                </a:solidFill>
-                <a:latin typeface="Consolas" panose="020B0609020204030204" pitchFamily="49" charset="0"/>
-              </a:rPr>
-              <a:t>AS</a:t>
-            </a:r>
-            <a:r>
-              <a:rPr lang="en-US" sz="2400" dirty="0">
-                <a:solidFill>
-                  <a:srgbClr val="000000"/>
-                </a:solidFill>
-                <a:latin typeface="Consolas" panose="020B0609020204030204" pitchFamily="49" charset="0"/>
-              </a:rPr>
-              <a:t> s1 </a:t>
-            </a:r>
-            <a:r>
-              <a:rPr lang="en-US" sz="2400" dirty="0">
-                <a:solidFill>
-                  <a:srgbClr val="808080"/>
-                </a:solidFill>
-                <a:latin typeface="Consolas" panose="020B0609020204030204" pitchFamily="49" charset="0"/>
-              </a:rPr>
-              <a:t>CROSS</a:t>
-            </a:r>
-            <a:r>
-              <a:rPr lang="en-US" sz="2400" dirty="0">
-                <a:solidFill>
-                  <a:srgbClr val="000000"/>
-                </a:solidFill>
-                <a:latin typeface="Consolas" panose="020B0609020204030204" pitchFamily="49" charset="0"/>
-              </a:rPr>
-              <a:t> </a:t>
-            </a:r>
-            <a:r>
-              <a:rPr lang="en-US" sz="2400" dirty="0">
-                <a:solidFill>
-                  <a:srgbClr val="808080"/>
-                </a:solidFill>
-                <a:latin typeface="Consolas" panose="020B0609020204030204" pitchFamily="49" charset="0"/>
-              </a:rPr>
-              <a:t>JOIN</a:t>
-            </a:r>
-            <a:r>
-              <a:rPr lang="en-US" sz="2400" dirty="0">
-                <a:solidFill>
-                  <a:srgbClr val="000000"/>
-                </a:solidFill>
-                <a:latin typeface="Consolas" panose="020B0609020204030204" pitchFamily="49" charset="0"/>
-              </a:rPr>
-              <a:t> </a:t>
-            </a:r>
-            <a:r>
-              <a:rPr lang="en-US" sz="2400" dirty="0" err="1">
-                <a:solidFill>
-                  <a:srgbClr val="00FF00"/>
-                </a:solidFill>
-                <a:latin typeface="Consolas" panose="020B0609020204030204" pitchFamily="49" charset="0"/>
-              </a:rPr>
-              <a:t>sys</a:t>
-            </a:r>
-            <a:r>
-              <a:rPr lang="en-US" sz="2400" dirty="0" err="1">
-                <a:solidFill>
-                  <a:srgbClr val="808080"/>
-                </a:solidFill>
-                <a:latin typeface="Consolas" panose="020B0609020204030204" pitchFamily="49" charset="0"/>
-              </a:rPr>
-              <a:t>.</a:t>
-            </a:r>
-            <a:r>
-              <a:rPr lang="en-US" sz="2400" dirty="0" err="1">
-                <a:solidFill>
-                  <a:srgbClr val="00FF00"/>
-                </a:solidFill>
-                <a:latin typeface="Consolas" panose="020B0609020204030204" pitchFamily="49" charset="0"/>
-              </a:rPr>
-              <a:t>all_objects</a:t>
-            </a:r>
-            <a:r>
-              <a:rPr lang="en-US" sz="2400" dirty="0">
-                <a:solidFill>
-                  <a:srgbClr val="000000"/>
-                </a:solidFill>
-                <a:latin typeface="Consolas" panose="020B0609020204030204" pitchFamily="49" charset="0"/>
-              </a:rPr>
-              <a:t> </a:t>
-            </a:r>
-            <a:r>
-              <a:rPr lang="en-US" sz="2400" dirty="0">
-                <a:solidFill>
-                  <a:srgbClr val="0000FF"/>
-                </a:solidFill>
-                <a:latin typeface="Consolas" panose="020B0609020204030204" pitchFamily="49" charset="0"/>
-              </a:rPr>
-              <a:t>AS</a:t>
-            </a:r>
-            <a:r>
-              <a:rPr lang="en-US" sz="2400" dirty="0">
-                <a:solidFill>
-                  <a:srgbClr val="000000"/>
-                </a:solidFill>
-                <a:latin typeface="Consolas" panose="020B0609020204030204" pitchFamily="49" charset="0"/>
-              </a:rPr>
-              <a:t> s2</a:t>
-            </a:r>
-            <a:r>
-              <a:rPr lang="en-US" sz="2400" dirty="0">
-                <a:solidFill>
-                  <a:srgbClr val="808080"/>
-                </a:solidFill>
-                <a:latin typeface="Consolas" panose="020B0609020204030204" pitchFamily="49" charset="0"/>
-              </a:rPr>
-              <a:t>;</a:t>
-            </a:r>
-            <a:endParaRPr lang="en-US" dirty="0"/>
-          </a:p>
-        </p:txBody>
-      </p:sp>
+        </p:nvPicPr>
+        <p:blipFill>
+          <a:blip r:embed="rId2"/>
+          <a:stretch>
+            <a:fillRect/>
+          </a:stretch>
+        </p:blipFill>
+        <p:spPr>
+          <a:xfrm>
+            <a:off x="2030009" y="2193925"/>
+            <a:ext cx="8131982" cy="4024313"/>
+          </a:xfrm>
+          <a:prstGeom prst="rect">
+            <a:avLst/>
+          </a:prstGeom>
+        </p:spPr>
+      </p:pic>
     </p:spTree>
     <p:extLst>
       <p:ext uri="{BB962C8B-B14F-4D97-AF65-F5344CB8AC3E}">
-        <p14:creationId xmlns:p14="http://schemas.microsoft.com/office/powerpoint/2010/main" val="1029606254"/>
+        <p14:creationId xmlns:p14="http://schemas.microsoft.com/office/powerpoint/2010/main" val="3691106976"/>
       </p:ext>
     </p:extLst>
   </p:cSld>
@@ -16890,7 +15691,7 @@
           <p:cNvPr id="2" name="Title 1">
             <a:extLst>
               <a:ext uri="{FF2B5EF4-FFF2-40B4-BE49-F238E27FC236}">
-                <a16:creationId xmlns:a16="http://schemas.microsoft.com/office/drawing/2014/main" id="{E79EC8D3-7E72-40B2-AF87-707FEBCCA938}"/>
+                <a16:creationId xmlns:a16="http://schemas.microsoft.com/office/drawing/2014/main" id="{13D11F34-7E4B-4969-A4AA-61706463E43A}"/>
               </a:ext>
             </a:extLst>
           </p:cNvPr>
@@ -16908,43 +15709,1379 @@
           <a:p>
             <a:r>
               <a:rPr lang="en-US" dirty="0"/>
-              <a:t>Crash Recovery Results</a:t>
-            </a:r>
-          </a:p>
-        </p:txBody>
-      </p:sp>
-      <p:pic>
-        <p:nvPicPr>
-          <p:cNvPr id="5" name="Content Placeholder 4">
+              <a:t>Crash Recovery Demo</a:t>
+            </a:r>
+          </a:p>
+        </p:txBody>
+      </p:sp>
+      <p:sp>
+        <p:nvSpPr>
+          <p:cNvPr id="3" name="Content Placeholder 2">
             <a:extLst>
               <a:ext uri="{FF2B5EF4-FFF2-40B4-BE49-F238E27FC236}">
-                <a16:creationId xmlns:a16="http://schemas.microsoft.com/office/drawing/2014/main" id="{26D4F835-A399-47FC-B13C-0E35AA6F4311}"/>
+                <a16:creationId xmlns:a16="http://schemas.microsoft.com/office/drawing/2014/main" id="{340DFCB8-280E-4684-858C-796C01EBFA5C}"/>
               </a:ext>
             </a:extLst>
           </p:cNvPr>
-          <p:cNvPicPr>
-            <a:picLocks noGrp="1" noChangeAspect="1"/>
-          </p:cNvPicPr>
+          <p:cNvSpPr>
+            <a:spLocks noGrp="1"/>
+          </p:cNvSpPr>
           <p:nvPr>
             <p:ph idx="1"/>
           </p:nvPr>
-        </p:nvPicPr>
-        <p:blipFill>
-          <a:blip r:embed="rId2"/>
-          <a:srcRect/>
-          <a:stretch/>
-        </p:blipFill>
-        <p:spPr>
-          <a:xfrm>
-            <a:off x="2556608" y="2782486"/>
-            <a:ext cx="7078784" cy="1293028"/>
-          </a:xfrm>
-        </p:spPr>
-      </p:pic>
+        </p:nvSpPr>
+        <p:spPr/>
+        <p:txBody>
+          <a:bodyPr>
+            <a:normAutofit fontScale="70000" lnSpcReduction="20000"/>
+          </a:bodyPr>
+          <a:lstStyle/>
+          <a:p>
+            <a:pPr marL="0" indent="0">
+              <a:buNone/>
+            </a:pPr>
+            <a:r>
+              <a:rPr lang="en-US" sz="2400" dirty="0">
+                <a:solidFill>
+                  <a:srgbClr val="0000FF"/>
+                </a:solidFill>
+                <a:latin typeface="Consolas" panose="020B0609020204030204" pitchFamily="49" charset="0"/>
+              </a:rPr>
+              <a:t>DECLARE</a:t>
+            </a:r>
+            <a:r>
+              <a:rPr lang="en-US" sz="2400" dirty="0">
+                <a:solidFill>
+                  <a:srgbClr val="000000"/>
+                </a:solidFill>
+                <a:latin typeface="Consolas" panose="020B0609020204030204" pitchFamily="49" charset="0"/>
+              </a:rPr>
+              <a:t> @</a:t>
+            </a:r>
+            <a:r>
+              <a:rPr lang="en-US" sz="2400" dirty="0" err="1">
+                <a:solidFill>
+                  <a:srgbClr val="000000"/>
+                </a:solidFill>
+                <a:latin typeface="Consolas" panose="020B0609020204030204" pitchFamily="49" charset="0"/>
+              </a:rPr>
+              <a:t>waitfor</a:t>
+            </a:r>
+            <a:r>
+              <a:rPr lang="en-US" sz="2400" dirty="0">
+                <a:solidFill>
+                  <a:srgbClr val="000000"/>
+                </a:solidFill>
+                <a:latin typeface="Consolas" panose="020B0609020204030204" pitchFamily="49" charset="0"/>
+              </a:rPr>
+              <a:t> </a:t>
+            </a:r>
+            <a:r>
+              <a:rPr lang="en-US" sz="2400" dirty="0">
+                <a:solidFill>
+                  <a:srgbClr val="0000FF"/>
+                </a:solidFill>
+                <a:latin typeface="Consolas" panose="020B0609020204030204" pitchFamily="49" charset="0"/>
+              </a:rPr>
+              <a:t>DATETIME</a:t>
+            </a:r>
+            <a:r>
+              <a:rPr lang="en-US" sz="2400" dirty="0">
+                <a:solidFill>
+                  <a:srgbClr val="808080"/>
+                </a:solidFill>
+                <a:latin typeface="Consolas" panose="020B0609020204030204" pitchFamily="49" charset="0"/>
+              </a:rPr>
+              <a:t>;</a:t>
+            </a:r>
+            <a:endParaRPr lang="en-US" sz="2400" dirty="0">
+              <a:solidFill>
+                <a:srgbClr val="000000"/>
+              </a:solidFill>
+              <a:latin typeface="Consolas" panose="020B0609020204030204" pitchFamily="49" charset="0"/>
+            </a:endParaRPr>
+          </a:p>
+          <a:p>
+            <a:endParaRPr lang="en-US" sz="2400" dirty="0">
+              <a:solidFill>
+                <a:srgbClr val="000000"/>
+              </a:solidFill>
+              <a:latin typeface="Consolas" panose="020B0609020204030204" pitchFamily="49" charset="0"/>
+            </a:endParaRPr>
+          </a:p>
+          <a:p>
+            <a:pPr marL="0" indent="0">
+              <a:buNone/>
+            </a:pPr>
+            <a:r>
+              <a:rPr lang="en-US" sz="2400" dirty="0">
+                <a:solidFill>
+                  <a:srgbClr val="0000FF"/>
+                </a:solidFill>
+                <a:latin typeface="Consolas" panose="020B0609020204030204" pitchFamily="49" charset="0"/>
+              </a:rPr>
+              <a:t>SELECT</a:t>
+            </a:r>
+            <a:r>
+              <a:rPr lang="en-US" sz="2400" dirty="0">
+                <a:solidFill>
+                  <a:srgbClr val="000000"/>
+                </a:solidFill>
+                <a:latin typeface="Consolas" panose="020B0609020204030204" pitchFamily="49" charset="0"/>
+              </a:rPr>
+              <a:t> @</a:t>
+            </a:r>
+            <a:r>
+              <a:rPr lang="en-US" sz="2400" dirty="0" err="1">
+                <a:solidFill>
+                  <a:srgbClr val="000000"/>
+                </a:solidFill>
+                <a:latin typeface="Consolas" panose="020B0609020204030204" pitchFamily="49" charset="0"/>
+              </a:rPr>
+              <a:t>waitfor</a:t>
+            </a:r>
+            <a:r>
+              <a:rPr lang="en-US" sz="2400" dirty="0">
+                <a:solidFill>
+                  <a:srgbClr val="000000"/>
+                </a:solidFill>
+                <a:latin typeface="Consolas" panose="020B0609020204030204" pitchFamily="49" charset="0"/>
+              </a:rPr>
+              <a:t> </a:t>
+            </a:r>
+            <a:r>
+              <a:rPr lang="en-US" sz="2400" dirty="0">
+                <a:solidFill>
+                  <a:srgbClr val="808080"/>
+                </a:solidFill>
+                <a:latin typeface="Consolas" panose="020B0609020204030204" pitchFamily="49" charset="0"/>
+              </a:rPr>
+              <a:t>=</a:t>
+            </a:r>
+            <a:r>
+              <a:rPr lang="en-US" sz="2400" dirty="0">
+                <a:solidFill>
+                  <a:srgbClr val="000000"/>
+                </a:solidFill>
+                <a:latin typeface="Consolas" panose="020B0609020204030204" pitchFamily="49" charset="0"/>
+              </a:rPr>
+              <a:t> </a:t>
+            </a:r>
+            <a:r>
+              <a:rPr lang="en-US" sz="2400" dirty="0">
+                <a:solidFill>
+                  <a:srgbClr val="FF00FF"/>
+                </a:solidFill>
+                <a:latin typeface="Consolas" panose="020B0609020204030204" pitchFamily="49" charset="0"/>
+              </a:rPr>
+              <a:t>CAST</a:t>
+            </a:r>
+            <a:r>
+              <a:rPr lang="en-US" sz="2400" dirty="0">
+                <a:solidFill>
+                  <a:srgbClr val="808080"/>
+                </a:solidFill>
+                <a:latin typeface="Consolas" panose="020B0609020204030204" pitchFamily="49" charset="0"/>
+              </a:rPr>
+              <a:t>(</a:t>
+            </a:r>
+            <a:r>
+              <a:rPr lang="en-US" sz="2400" dirty="0">
+                <a:solidFill>
+                  <a:srgbClr val="FF00FF"/>
+                </a:solidFill>
+                <a:latin typeface="Consolas" panose="020B0609020204030204" pitchFamily="49" charset="0"/>
+              </a:rPr>
+              <a:t>DATEADD</a:t>
+            </a:r>
+            <a:r>
+              <a:rPr lang="en-US" sz="2400" dirty="0">
+                <a:solidFill>
+                  <a:srgbClr val="808080"/>
+                </a:solidFill>
+                <a:latin typeface="Consolas" panose="020B0609020204030204" pitchFamily="49" charset="0"/>
+              </a:rPr>
+              <a:t>(</a:t>
+            </a:r>
+            <a:r>
+              <a:rPr lang="en-US" sz="2400" dirty="0">
+                <a:solidFill>
+                  <a:srgbClr val="FF00FF"/>
+                </a:solidFill>
+                <a:latin typeface="Consolas" panose="020B0609020204030204" pitchFamily="49" charset="0"/>
+              </a:rPr>
+              <a:t>SECOND</a:t>
+            </a:r>
+            <a:r>
+              <a:rPr lang="en-US" sz="2400" dirty="0">
+                <a:solidFill>
+                  <a:srgbClr val="808080"/>
+                </a:solidFill>
+                <a:latin typeface="Consolas" panose="020B0609020204030204" pitchFamily="49" charset="0"/>
+              </a:rPr>
+              <a:t>,</a:t>
+            </a:r>
+            <a:r>
+              <a:rPr lang="en-US" sz="2400" dirty="0">
+                <a:solidFill>
+                  <a:srgbClr val="000000"/>
+                </a:solidFill>
+                <a:latin typeface="Consolas" panose="020B0609020204030204" pitchFamily="49" charset="0"/>
+              </a:rPr>
+              <a:t> 10</a:t>
+            </a:r>
+            <a:r>
+              <a:rPr lang="en-US" sz="2400" dirty="0">
+                <a:solidFill>
+                  <a:srgbClr val="808080"/>
+                </a:solidFill>
+                <a:latin typeface="Consolas" panose="020B0609020204030204" pitchFamily="49" charset="0"/>
+              </a:rPr>
+              <a:t>,</a:t>
+            </a:r>
+            <a:r>
+              <a:rPr lang="en-US" sz="2400" dirty="0">
+                <a:solidFill>
+                  <a:srgbClr val="000000"/>
+                </a:solidFill>
+                <a:latin typeface="Consolas" panose="020B0609020204030204" pitchFamily="49" charset="0"/>
+              </a:rPr>
+              <a:t> </a:t>
+            </a:r>
+            <a:r>
+              <a:rPr lang="en-US" sz="2400" dirty="0">
+                <a:solidFill>
+                  <a:srgbClr val="FF00FF"/>
+                </a:solidFill>
+                <a:latin typeface="Consolas" panose="020B0609020204030204" pitchFamily="49" charset="0"/>
+              </a:rPr>
+              <a:t>CURRENT_TIMESTAMP</a:t>
+            </a:r>
+            <a:r>
+              <a:rPr lang="en-US" sz="2400" dirty="0">
+                <a:solidFill>
+                  <a:srgbClr val="808080"/>
+                </a:solidFill>
+                <a:latin typeface="Consolas" panose="020B0609020204030204" pitchFamily="49" charset="0"/>
+              </a:rPr>
+              <a:t>)</a:t>
+            </a:r>
+            <a:r>
+              <a:rPr lang="en-US" sz="2400" dirty="0">
+                <a:solidFill>
+                  <a:srgbClr val="000000"/>
+                </a:solidFill>
+                <a:latin typeface="Consolas" panose="020B0609020204030204" pitchFamily="49" charset="0"/>
+              </a:rPr>
+              <a:t> </a:t>
+            </a:r>
+            <a:r>
+              <a:rPr lang="en-US" sz="2400" dirty="0">
+                <a:solidFill>
+                  <a:srgbClr val="0000FF"/>
+                </a:solidFill>
+                <a:latin typeface="Consolas" panose="020B0609020204030204" pitchFamily="49" charset="0"/>
+              </a:rPr>
+              <a:t>AS</a:t>
+            </a:r>
+            <a:r>
+              <a:rPr lang="en-US" sz="2400" dirty="0">
+                <a:solidFill>
+                  <a:srgbClr val="000000"/>
+                </a:solidFill>
+                <a:latin typeface="Consolas" panose="020B0609020204030204" pitchFamily="49" charset="0"/>
+              </a:rPr>
+              <a:t> </a:t>
+            </a:r>
+            <a:r>
+              <a:rPr lang="en-US" sz="2400" dirty="0">
+                <a:solidFill>
+                  <a:srgbClr val="0000FF"/>
+                </a:solidFill>
+                <a:latin typeface="Consolas" panose="020B0609020204030204" pitchFamily="49" charset="0"/>
+              </a:rPr>
+              <a:t>TIME</a:t>
+            </a:r>
+            <a:r>
+              <a:rPr lang="en-US" sz="2400" dirty="0">
+                <a:solidFill>
+                  <a:srgbClr val="808080"/>
+                </a:solidFill>
+                <a:latin typeface="Consolas" panose="020B0609020204030204" pitchFamily="49" charset="0"/>
+              </a:rPr>
+              <a:t>);</a:t>
+            </a:r>
+            <a:endParaRPr lang="en-US" sz="2400" dirty="0">
+              <a:solidFill>
+                <a:srgbClr val="000000"/>
+              </a:solidFill>
+              <a:latin typeface="Consolas" panose="020B0609020204030204" pitchFamily="49" charset="0"/>
+            </a:endParaRPr>
+          </a:p>
+          <a:p>
+            <a:endParaRPr lang="en-US" sz="2400" dirty="0">
+              <a:solidFill>
+                <a:srgbClr val="000000"/>
+              </a:solidFill>
+              <a:latin typeface="Consolas" panose="020B0609020204030204" pitchFamily="49" charset="0"/>
+            </a:endParaRPr>
+          </a:p>
+          <a:p>
+            <a:pPr marL="0" indent="0">
+              <a:buNone/>
+            </a:pPr>
+            <a:r>
+              <a:rPr lang="en-US" sz="2400" dirty="0">
+                <a:solidFill>
+                  <a:srgbClr val="0000FF"/>
+                </a:solidFill>
+                <a:latin typeface="Consolas" panose="020B0609020204030204" pitchFamily="49" charset="0"/>
+              </a:rPr>
+              <a:t>WAITFOR</a:t>
+            </a:r>
+            <a:r>
+              <a:rPr lang="en-US" sz="2400" dirty="0">
+                <a:solidFill>
+                  <a:srgbClr val="000000"/>
+                </a:solidFill>
+                <a:latin typeface="Consolas" panose="020B0609020204030204" pitchFamily="49" charset="0"/>
+              </a:rPr>
+              <a:t> </a:t>
+            </a:r>
+            <a:r>
+              <a:rPr lang="en-US" sz="2400" dirty="0">
+                <a:solidFill>
+                  <a:srgbClr val="0000FF"/>
+                </a:solidFill>
+                <a:latin typeface="Consolas" panose="020B0609020204030204" pitchFamily="49" charset="0"/>
+              </a:rPr>
+              <a:t>TIME</a:t>
+            </a:r>
+            <a:r>
+              <a:rPr lang="en-US" sz="2400" dirty="0">
+                <a:solidFill>
+                  <a:srgbClr val="000000"/>
+                </a:solidFill>
+                <a:latin typeface="Consolas" panose="020B0609020204030204" pitchFamily="49" charset="0"/>
+              </a:rPr>
+              <a:t> @</a:t>
+            </a:r>
+            <a:r>
+              <a:rPr lang="en-US" sz="2400" dirty="0" err="1">
+                <a:solidFill>
+                  <a:srgbClr val="000000"/>
+                </a:solidFill>
+                <a:latin typeface="Consolas" panose="020B0609020204030204" pitchFamily="49" charset="0"/>
+              </a:rPr>
+              <a:t>waitfor</a:t>
+            </a:r>
+            <a:r>
+              <a:rPr lang="en-US" sz="2400" dirty="0">
+                <a:solidFill>
+                  <a:srgbClr val="808080"/>
+                </a:solidFill>
+                <a:latin typeface="Consolas" panose="020B0609020204030204" pitchFamily="49" charset="0"/>
+              </a:rPr>
+              <a:t>;</a:t>
+            </a:r>
+            <a:endParaRPr lang="en-US" sz="2400" dirty="0">
+              <a:solidFill>
+                <a:srgbClr val="000000"/>
+              </a:solidFill>
+              <a:latin typeface="Consolas" panose="020B0609020204030204" pitchFamily="49" charset="0"/>
+            </a:endParaRPr>
+          </a:p>
+          <a:p>
+            <a:endParaRPr lang="en-US" sz="2400" dirty="0">
+              <a:solidFill>
+                <a:srgbClr val="000000"/>
+              </a:solidFill>
+              <a:latin typeface="Consolas" panose="020B0609020204030204" pitchFamily="49" charset="0"/>
+            </a:endParaRPr>
+          </a:p>
+          <a:p>
+            <a:pPr marL="0" indent="0">
+              <a:buNone/>
+            </a:pPr>
+            <a:r>
+              <a:rPr lang="en-US" sz="2400" dirty="0">
+                <a:solidFill>
+                  <a:srgbClr val="0000FF"/>
+                </a:solidFill>
+                <a:latin typeface="Consolas" panose="020B0609020204030204" pitchFamily="49" charset="0"/>
+              </a:rPr>
+              <a:t>BEGIN</a:t>
+            </a:r>
+            <a:r>
+              <a:rPr lang="en-US" sz="2400" dirty="0">
+                <a:solidFill>
+                  <a:srgbClr val="000000"/>
+                </a:solidFill>
+                <a:latin typeface="Consolas" panose="020B0609020204030204" pitchFamily="49" charset="0"/>
+              </a:rPr>
+              <a:t> </a:t>
+            </a:r>
+            <a:r>
+              <a:rPr lang="en-US" sz="2400" dirty="0">
+                <a:solidFill>
+                  <a:srgbClr val="0000FF"/>
+                </a:solidFill>
+                <a:latin typeface="Consolas" panose="020B0609020204030204" pitchFamily="49" charset="0"/>
+              </a:rPr>
+              <a:t>TRANSACTION</a:t>
+            </a:r>
+            <a:endParaRPr lang="en-US" sz="2400" dirty="0">
+              <a:solidFill>
+                <a:srgbClr val="000000"/>
+              </a:solidFill>
+              <a:latin typeface="Consolas" panose="020B0609020204030204" pitchFamily="49" charset="0"/>
+            </a:endParaRPr>
+          </a:p>
+          <a:p>
+            <a:pPr marL="0" indent="0">
+              <a:buNone/>
+            </a:pPr>
+            <a:r>
+              <a:rPr lang="en-US" sz="2400" dirty="0">
+                <a:solidFill>
+                  <a:srgbClr val="0000FF"/>
+                </a:solidFill>
+                <a:latin typeface="Consolas" panose="020B0609020204030204" pitchFamily="49" charset="0"/>
+              </a:rPr>
+              <a:t>DROP</a:t>
+            </a:r>
+            <a:r>
+              <a:rPr lang="en-US" sz="2400" dirty="0">
+                <a:solidFill>
+                  <a:srgbClr val="000000"/>
+                </a:solidFill>
+                <a:latin typeface="Consolas" panose="020B0609020204030204" pitchFamily="49" charset="0"/>
+              </a:rPr>
+              <a:t> </a:t>
+            </a:r>
+            <a:r>
+              <a:rPr lang="en-US" sz="2400" dirty="0">
+                <a:solidFill>
+                  <a:srgbClr val="0000FF"/>
+                </a:solidFill>
+                <a:latin typeface="Consolas" panose="020B0609020204030204" pitchFamily="49" charset="0"/>
+              </a:rPr>
+              <a:t>TABLE</a:t>
+            </a:r>
+            <a:r>
+              <a:rPr lang="en-US" sz="2400" dirty="0">
+                <a:solidFill>
+                  <a:srgbClr val="000000"/>
+                </a:solidFill>
+                <a:latin typeface="Consolas" panose="020B0609020204030204" pitchFamily="49" charset="0"/>
+              </a:rPr>
+              <a:t> </a:t>
+            </a:r>
+            <a:r>
+              <a:rPr lang="en-US" sz="2400" dirty="0">
+                <a:solidFill>
+                  <a:srgbClr val="0000FF"/>
+                </a:solidFill>
+                <a:latin typeface="Consolas" panose="020B0609020204030204" pitchFamily="49" charset="0"/>
+              </a:rPr>
+              <a:t>IF</a:t>
+            </a:r>
+            <a:r>
+              <a:rPr lang="en-US" sz="2400" dirty="0">
+                <a:solidFill>
+                  <a:srgbClr val="000000"/>
+                </a:solidFill>
+                <a:latin typeface="Consolas" panose="020B0609020204030204" pitchFamily="49" charset="0"/>
+              </a:rPr>
+              <a:t> </a:t>
+            </a:r>
+            <a:r>
+              <a:rPr lang="en-US" sz="2400" dirty="0">
+                <a:solidFill>
+                  <a:srgbClr val="808080"/>
+                </a:solidFill>
+                <a:latin typeface="Consolas" panose="020B0609020204030204" pitchFamily="49" charset="0"/>
+              </a:rPr>
+              <a:t>EXISTS</a:t>
+            </a:r>
+            <a:r>
+              <a:rPr lang="en-US" sz="2400" dirty="0">
+                <a:solidFill>
+                  <a:srgbClr val="000000"/>
+                </a:solidFill>
+                <a:latin typeface="Consolas" panose="020B0609020204030204" pitchFamily="49" charset="0"/>
+              </a:rPr>
+              <a:t> dbo</a:t>
+            </a:r>
+            <a:r>
+              <a:rPr lang="en-US" sz="2400" dirty="0">
+                <a:solidFill>
+                  <a:srgbClr val="808080"/>
+                </a:solidFill>
+                <a:latin typeface="Consolas" panose="020B0609020204030204" pitchFamily="49" charset="0"/>
+              </a:rPr>
+              <a:t>.</a:t>
+            </a:r>
+            <a:r>
+              <a:rPr lang="en-US" sz="2400" dirty="0">
+                <a:solidFill>
+                  <a:srgbClr val="000000"/>
+                </a:solidFill>
+                <a:latin typeface="Consolas" panose="020B0609020204030204" pitchFamily="49" charset="0"/>
+              </a:rPr>
+              <a:t>fl1</a:t>
+            </a:r>
+            <a:r>
+              <a:rPr lang="en-US" sz="2400" dirty="0">
+                <a:solidFill>
+                  <a:srgbClr val="808080"/>
+                </a:solidFill>
+                <a:latin typeface="Consolas" panose="020B0609020204030204" pitchFamily="49" charset="0"/>
+              </a:rPr>
+              <a:t>,</a:t>
+            </a:r>
+            <a:r>
+              <a:rPr lang="en-US" sz="2400" dirty="0">
+                <a:solidFill>
+                  <a:srgbClr val="000000"/>
+                </a:solidFill>
+                <a:latin typeface="Consolas" panose="020B0609020204030204" pitchFamily="49" charset="0"/>
+              </a:rPr>
+              <a:t> dbo</a:t>
+            </a:r>
+            <a:r>
+              <a:rPr lang="en-US" sz="2400" dirty="0">
+                <a:solidFill>
+                  <a:srgbClr val="808080"/>
+                </a:solidFill>
+                <a:latin typeface="Consolas" panose="020B0609020204030204" pitchFamily="49" charset="0"/>
+              </a:rPr>
+              <a:t>.</a:t>
+            </a:r>
+            <a:r>
+              <a:rPr lang="en-US" sz="2400" dirty="0">
+                <a:solidFill>
+                  <a:srgbClr val="000000"/>
+                </a:solidFill>
+                <a:latin typeface="Consolas" panose="020B0609020204030204" pitchFamily="49" charset="0"/>
+              </a:rPr>
+              <a:t>fl2</a:t>
+            </a:r>
+            <a:r>
+              <a:rPr lang="en-US" sz="2400" dirty="0">
+                <a:solidFill>
+                  <a:srgbClr val="808080"/>
+                </a:solidFill>
+                <a:latin typeface="Consolas" panose="020B0609020204030204" pitchFamily="49" charset="0"/>
+              </a:rPr>
+              <a:t>,</a:t>
+            </a:r>
+            <a:r>
+              <a:rPr lang="en-US" sz="2400" dirty="0">
+                <a:solidFill>
+                  <a:srgbClr val="000000"/>
+                </a:solidFill>
+                <a:latin typeface="Consolas" panose="020B0609020204030204" pitchFamily="49" charset="0"/>
+              </a:rPr>
+              <a:t> dbo</a:t>
+            </a:r>
+            <a:r>
+              <a:rPr lang="en-US" sz="2400" dirty="0">
+                <a:solidFill>
+                  <a:srgbClr val="808080"/>
+                </a:solidFill>
+                <a:latin typeface="Consolas" panose="020B0609020204030204" pitchFamily="49" charset="0"/>
+              </a:rPr>
+              <a:t>.</a:t>
+            </a:r>
+            <a:r>
+              <a:rPr lang="en-US" sz="2400" dirty="0">
+                <a:solidFill>
+                  <a:srgbClr val="000000"/>
+                </a:solidFill>
+                <a:latin typeface="Consolas" panose="020B0609020204030204" pitchFamily="49" charset="0"/>
+              </a:rPr>
+              <a:t>fl3</a:t>
+            </a:r>
+            <a:r>
+              <a:rPr lang="en-US" sz="2400" dirty="0">
+                <a:solidFill>
+                  <a:srgbClr val="808080"/>
+                </a:solidFill>
+                <a:latin typeface="Consolas" panose="020B0609020204030204" pitchFamily="49" charset="0"/>
+              </a:rPr>
+              <a:t>;</a:t>
+            </a:r>
+            <a:endParaRPr lang="en-US" sz="2400" dirty="0">
+              <a:solidFill>
+                <a:srgbClr val="000000"/>
+              </a:solidFill>
+              <a:latin typeface="Consolas" panose="020B0609020204030204" pitchFamily="49" charset="0"/>
+            </a:endParaRPr>
+          </a:p>
+          <a:p>
+            <a:pPr marL="0" indent="0">
+              <a:buNone/>
+            </a:pPr>
+            <a:r>
+              <a:rPr lang="en-US" sz="2400" dirty="0">
+                <a:solidFill>
+                  <a:srgbClr val="0000FF"/>
+                </a:solidFill>
+                <a:latin typeface="Consolas" panose="020B0609020204030204" pitchFamily="49" charset="0"/>
+              </a:rPr>
+              <a:t>SELECT</a:t>
+            </a:r>
+            <a:r>
+              <a:rPr lang="en-US" sz="2400" dirty="0">
+                <a:solidFill>
+                  <a:srgbClr val="000000"/>
+                </a:solidFill>
+                <a:latin typeface="Consolas" panose="020B0609020204030204" pitchFamily="49" charset="0"/>
+              </a:rPr>
+              <a:t> s2</a:t>
+            </a:r>
+            <a:r>
+              <a:rPr lang="en-US" sz="2400" dirty="0">
+                <a:solidFill>
+                  <a:srgbClr val="808080"/>
+                </a:solidFill>
+                <a:latin typeface="Consolas" panose="020B0609020204030204" pitchFamily="49" charset="0"/>
+              </a:rPr>
+              <a:t>.*</a:t>
+            </a:r>
+            <a:r>
+              <a:rPr lang="en-US" sz="2400" dirty="0">
+                <a:solidFill>
+                  <a:srgbClr val="000000"/>
+                </a:solidFill>
+                <a:latin typeface="Consolas" panose="020B0609020204030204" pitchFamily="49" charset="0"/>
+              </a:rPr>
+              <a:t> </a:t>
+            </a:r>
+            <a:r>
+              <a:rPr lang="en-US" sz="2400" dirty="0">
+                <a:solidFill>
+                  <a:srgbClr val="0000FF"/>
+                </a:solidFill>
+                <a:latin typeface="Consolas" panose="020B0609020204030204" pitchFamily="49" charset="0"/>
+              </a:rPr>
+              <a:t>INTO</a:t>
+            </a:r>
+            <a:r>
+              <a:rPr lang="en-US" sz="2400" dirty="0">
+                <a:solidFill>
+                  <a:srgbClr val="000000"/>
+                </a:solidFill>
+                <a:latin typeface="Consolas" panose="020B0609020204030204" pitchFamily="49" charset="0"/>
+              </a:rPr>
+              <a:t> dbo</a:t>
+            </a:r>
+            <a:r>
+              <a:rPr lang="en-US" sz="2400" dirty="0">
+                <a:solidFill>
+                  <a:srgbClr val="808080"/>
+                </a:solidFill>
+                <a:latin typeface="Consolas" panose="020B0609020204030204" pitchFamily="49" charset="0"/>
+              </a:rPr>
+              <a:t>.</a:t>
+            </a:r>
+            <a:r>
+              <a:rPr lang="en-US" sz="2400" dirty="0">
+                <a:solidFill>
+                  <a:srgbClr val="000000"/>
+                </a:solidFill>
+                <a:latin typeface="Consolas" panose="020B0609020204030204" pitchFamily="49" charset="0"/>
+              </a:rPr>
+              <a:t>fl1 </a:t>
+            </a:r>
+            <a:r>
+              <a:rPr lang="en-US" sz="2400" dirty="0">
+                <a:solidFill>
+                  <a:srgbClr val="0000FF"/>
+                </a:solidFill>
+                <a:latin typeface="Consolas" panose="020B0609020204030204" pitchFamily="49" charset="0"/>
+              </a:rPr>
+              <a:t>FROM</a:t>
+            </a:r>
+            <a:r>
+              <a:rPr lang="en-US" sz="2400" dirty="0">
+                <a:solidFill>
+                  <a:srgbClr val="000000"/>
+                </a:solidFill>
+                <a:latin typeface="Consolas" panose="020B0609020204030204" pitchFamily="49" charset="0"/>
+              </a:rPr>
+              <a:t> </a:t>
+            </a:r>
+            <a:r>
+              <a:rPr lang="en-US" sz="2400" dirty="0" err="1">
+                <a:solidFill>
+                  <a:srgbClr val="00FF00"/>
+                </a:solidFill>
+                <a:latin typeface="Consolas" panose="020B0609020204030204" pitchFamily="49" charset="0"/>
+              </a:rPr>
+              <a:t>sys</a:t>
+            </a:r>
+            <a:r>
+              <a:rPr lang="en-US" sz="2400" dirty="0" err="1">
+                <a:solidFill>
+                  <a:srgbClr val="808080"/>
+                </a:solidFill>
+                <a:latin typeface="Consolas" panose="020B0609020204030204" pitchFamily="49" charset="0"/>
+              </a:rPr>
+              <a:t>.</a:t>
+            </a:r>
+            <a:r>
+              <a:rPr lang="en-US" sz="2400" dirty="0" err="1">
+                <a:solidFill>
+                  <a:srgbClr val="00FF00"/>
+                </a:solidFill>
+                <a:latin typeface="Consolas" panose="020B0609020204030204" pitchFamily="49" charset="0"/>
+              </a:rPr>
+              <a:t>all_columns</a:t>
+            </a:r>
+            <a:r>
+              <a:rPr lang="en-US" sz="2400" dirty="0">
+                <a:solidFill>
+                  <a:srgbClr val="000000"/>
+                </a:solidFill>
+                <a:latin typeface="Consolas" panose="020B0609020204030204" pitchFamily="49" charset="0"/>
+              </a:rPr>
+              <a:t> </a:t>
+            </a:r>
+            <a:r>
+              <a:rPr lang="en-US" sz="2400" dirty="0">
+                <a:solidFill>
+                  <a:srgbClr val="0000FF"/>
+                </a:solidFill>
+                <a:latin typeface="Consolas" panose="020B0609020204030204" pitchFamily="49" charset="0"/>
+              </a:rPr>
+              <a:t>AS</a:t>
+            </a:r>
+            <a:r>
+              <a:rPr lang="en-US" sz="2400" dirty="0">
+                <a:solidFill>
+                  <a:srgbClr val="000000"/>
+                </a:solidFill>
+                <a:latin typeface="Consolas" panose="020B0609020204030204" pitchFamily="49" charset="0"/>
+              </a:rPr>
+              <a:t> s1 </a:t>
+            </a:r>
+            <a:r>
+              <a:rPr lang="en-US" sz="2400" dirty="0">
+                <a:solidFill>
+                  <a:srgbClr val="808080"/>
+                </a:solidFill>
+                <a:latin typeface="Consolas" panose="020B0609020204030204" pitchFamily="49" charset="0"/>
+              </a:rPr>
+              <a:t>CROSS</a:t>
+            </a:r>
+            <a:r>
+              <a:rPr lang="en-US" sz="2400" dirty="0">
+                <a:solidFill>
+                  <a:srgbClr val="000000"/>
+                </a:solidFill>
+                <a:latin typeface="Consolas" panose="020B0609020204030204" pitchFamily="49" charset="0"/>
+              </a:rPr>
+              <a:t> </a:t>
+            </a:r>
+            <a:r>
+              <a:rPr lang="en-US" sz="2400" dirty="0">
+                <a:solidFill>
+                  <a:srgbClr val="808080"/>
+                </a:solidFill>
+                <a:latin typeface="Consolas" panose="020B0609020204030204" pitchFamily="49" charset="0"/>
+              </a:rPr>
+              <a:t>JOIN</a:t>
+            </a:r>
+            <a:r>
+              <a:rPr lang="en-US" sz="2400" dirty="0">
+                <a:solidFill>
+                  <a:srgbClr val="000000"/>
+                </a:solidFill>
+                <a:latin typeface="Consolas" panose="020B0609020204030204" pitchFamily="49" charset="0"/>
+              </a:rPr>
+              <a:t> </a:t>
+            </a:r>
+            <a:r>
+              <a:rPr lang="en-US" sz="2400" dirty="0" err="1">
+                <a:solidFill>
+                  <a:srgbClr val="00FF00"/>
+                </a:solidFill>
+                <a:latin typeface="Consolas" panose="020B0609020204030204" pitchFamily="49" charset="0"/>
+              </a:rPr>
+              <a:t>sys</a:t>
+            </a:r>
+            <a:r>
+              <a:rPr lang="en-US" sz="2400" dirty="0" err="1">
+                <a:solidFill>
+                  <a:srgbClr val="808080"/>
+                </a:solidFill>
+                <a:latin typeface="Consolas" panose="020B0609020204030204" pitchFamily="49" charset="0"/>
+              </a:rPr>
+              <a:t>.</a:t>
+            </a:r>
+            <a:r>
+              <a:rPr lang="en-US" sz="2400" dirty="0" err="1">
+                <a:solidFill>
+                  <a:srgbClr val="00FF00"/>
+                </a:solidFill>
+                <a:latin typeface="Consolas" panose="020B0609020204030204" pitchFamily="49" charset="0"/>
+              </a:rPr>
+              <a:t>all_objects</a:t>
+            </a:r>
+            <a:r>
+              <a:rPr lang="en-US" sz="2400" dirty="0">
+                <a:solidFill>
+                  <a:srgbClr val="000000"/>
+                </a:solidFill>
+                <a:latin typeface="Consolas" panose="020B0609020204030204" pitchFamily="49" charset="0"/>
+              </a:rPr>
+              <a:t> </a:t>
+            </a:r>
+            <a:r>
+              <a:rPr lang="en-US" sz="2400" dirty="0">
+                <a:solidFill>
+                  <a:srgbClr val="0000FF"/>
+                </a:solidFill>
+                <a:latin typeface="Consolas" panose="020B0609020204030204" pitchFamily="49" charset="0"/>
+              </a:rPr>
+              <a:t>AS</a:t>
+            </a:r>
+            <a:r>
+              <a:rPr lang="en-US" sz="2400" dirty="0">
+                <a:solidFill>
+                  <a:srgbClr val="000000"/>
+                </a:solidFill>
+                <a:latin typeface="Consolas" panose="020B0609020204030204" pitchFamily="49" charset="0"/>
+              </a:rPr>
+              <a:t> s2</a:t>
+            </a:r>
+            <a:r>
+              <a:rPr lang="en-US" sz="2400" dirty="0">
+                <a:solidFill>
+                  <a:srgbClr val="808080"/>
+                </a:solidFill>
+                <a:latin typeface="Consolas" panose="020B0609020204030204" pitchFamily="49" charset="0"/>
+              </a:rPr>
+              <a:t>;</a:t>
+            </a:r>
+            <a:endParaRPr lang="en-US" sz="2400" dirty="0">
+              <a:solidFill>
+                <a:srgbClr val="000000"/>
+              </a:solidFill>
+              <a:latin typeface="Consolas" panose="020B0609020204030204" pitchFamily="49" charset="0"/>
+            </a:endParaRPr>
+          </a:p>
+          <a:p>
+            <a:pPr marL="0" indent="0">
+              <a:buNone/>
+            </a:pPr>
+            <a:r>
+              <a:rPr lang="en-US" sz="2400" dirty="0">
+                <a:solidFill>
+                  <a:srgbClr val="0000FF"/>
+                </a:solidFill>
+                <a:latin typeface="Consolas" panose="020B0609020204030204" pitchFamily="49" charset="0"/>
+              </a:rPr>
+              <a:t>SELECT</a:t>
+            </a:r>
+            <a:r>
+              <a:rPr lang="en-US" sz="2400" dirty="0">
+                <a:solidFill>
+                  <a:srgbClr val="000000"/>
+                </a:solidFill>
+                <a:latin typeface="Consolas" panose="020B0609020204030204" pitchFamily="49" charset="0"/>
+              </a:rPr>
+              <a:t> s2</a:t>
+            </a:r>
+            <a:r>
+              <a:rPr lang="en-US" sz="2400" dirty="0">
+                <a:solidFill>
+                  <a:srgbClr val="808080"/>
+                </a:solidFill>
+                <a:latin typeface="Consolas" panose="020B0609020204030204" pitchFamily="49" charset="0"/>
+              </a:rPr>
+              <a:t>.*</a:t>
+            </a:r>
+            <a:r>
+              <a:rPr lang="en-US" sz="2400" dirty="0">
+                <a:solidFill>
+                  <a:srgbClr val="000000"/>
+                </a:solidFill>
+                <a:latin typeface="Consolas" panose="020B0609020204030204" pitchFamily="49" charset="0"/>
+              </a:rPr>
+              <a:t> </a:t>
+            </a:r>
+            <a:r>
+              <a:rPr lang="en-US" sz="2400" dirty="0">
+                <a:solidFill>
+                  <a:srgbClr val="0000FF"/>
+                </a:solidFill>
+                <a:latin typeface="Consolas" panose="020B0609020204030204" pitchFamily="49" charset="0"/>
+              </a:rPr>
+              <a:t>INTO</a:t>
+            </a:r>
+            <a:r>
+              <a:rPr lang="en-US" sz="2400" dirty="0">
+                <a:solidFill>
+                  <a:srgbClr val="000000"/>
+                </a:solidFill>
+                <a:latin typeface="Consolas" panose="020B0609020204030204" pitchFamily="49" charset="0"/>
+              </a:rPr>
+              <a:t> dbo</a:t>
+            </a:r>
+            <a:r>
+              <a:rPr lang="en-US" sz="2400" dirty="0">
+                <a:solidFill>
+                  <a:srgbClr val="808080"/>
+                </a:solidFill>
+                <a:latin typeface="Consolas" panose="020B0609020204030204" pitchFamily="49" charset="0"/>
+              </a:rPr>
+              <a:t>.</a:t>
+            </a:r>
+            <a:r>
+              <a:rPr lang="en-US" sz="2400" dirty="0">
+                <a:solidFill>
+                  <a:srgbClr val="000000"/>
+                </a:solidFill>
+                <a:latin typeface="Consolas" panose="020B0609020204030204" pitchFamily="49" charset="0"/>
+              </a:rPr>
+              <a:t>fl2 </a:t>
+            </a:r>
+            <a:r>
+              <a:rPr lang="en-US" sz="2400" dirty="0">
+                <a:solidFill>
+                  <a:srgbClr val="0000FF"/>
+                </a:solidFill>
+                <a:latin typeface="Consolas" panose="020B0609020204030204" pitchFamily="49" charset="0"/>
+              </a:rPr>
+              <a:t>FROM</a:t>
+            </a:r>
+            <a:r>
+              <a:rPr lang="en-US" sz="2400" dirty="0">
+                <a:solidFill>
+                  <a:srgbClr val="000000"/>
+                </a:solidFill>
+                <a:latin typeface="Consolas" panose="020B0609020204030204" pitchFamily="49" charset="0"/>
+              </a:rPr>
+              <a:t> </a:t>
+            </a:r>
+            <a:r>
+              <a:rPr lang="en-US" sz="2400" dirty="0" err="1">
+                <a:solidFill>
+                  <a:srgbClr val="00FF00"/>
+                </a:solidFill>
+                <a:latin typeface="Consolas" panose="020B0609020204030204" pitchFamily="49" charset="0"/>
+              </a:rPr>
+              <a:t>sys</a:t>
+            </a:r>
+            <a:r>
+              <a:rPr lang="en-US" sz="2400" dirty="0" err="1">
+                <a:solidFill>
+                  <a:srgbClr val="808080"/>
+                </a:solidFill>
+                <a:latin typeface="Consolas" panose="020B0609020204030204" pitchFamily="49" charset="0"/>
+              </a:rPr>
+              <a:t>.</a:t>
+            </a:r>
+            <a:r>
+              <a:rPr lang="en-US" sz="2400" dirty="0" err="1">
+                <a:solidFill>
+                  <a:srgbClr val="00FF00"/>
+                </a:solidFill>
+                <a:latin typeface="Consolas" panose="020B0609020204030204" pitchFamily="49" charset="0"/>
+              </a:rPr>
+              <a:t>all_columns</a:t>
+            </a:r>
+            <a:r>
+              <a:rPr lang="en-US" sz="2400" dirty="0">
+                <a:solidFill>
+                  <a:srgbClr val="000000"/>
+                </a:solidFill>
+                <a:latin typeface="Consolas" panose="020B0609020204030204" pitchFamily="49" charset="0"/>
+              </a:rPr>
+              <a:t> </a:t>
+            </a:r>
+            <a:r>
+              <a:rPr lang="en-US" sz="2400" dirty="0">
+                <a:solidFill>
+                  <a:srgbClr val="0000FF"/>
+                </a:solidFill>
+                <a:latin typeface="Consolas" panose="020B0609020204030204" pitchFamily="49" charset="0"/>
+              </a:rPr>
+              <a:t>AS</a:t>
+            </a:r>
+            <a:r>
+              <a:rPr lang="en-US" sz="2400" dirty="0">
+                <a:solidFill>
+                  <a:srgbClr val="000000"/>
+                </a:solidFill>
+                <a:latin typeface="Consolas" panose="020B0609020204030204" pitchFamily="49" charset="0"/>
+              </a:rPr>
+              <a:t> s1 </a:t>
+            </a:r>
+            <a:r>
+              <a:rPr lang="en-US" sz="2400" dirty="0">
+                <a:solidFill>
+                  <a:srgbClr val="808080"/>
+                </a:solidFill>
+                <a:latin typeface="Consolas" panose="020B0609020204030204" pitchFamily="49" charset="0"/>
+              </a:rPr>
+              <a:t>CROSS</a:t>
+            </a:r>
+            <a:r>
+              <a:rPr lang="en-US" sz="2400" dirty="0">
+                <a:solidFill>
+                  <a:srgbClr val="000000"/>
+                </a:solidFill>
+                <a:latin typeface="Consolas" panose="020B0609020204030204" pitchFamily="49" charset="0"/>
+              </a:rPr>
+              <a:t> </a:t>
+            </a:r>
+            <a:r>
+              <a:rPr lang="en-US" sz="2400" dirty="0">
+                <a:solidFill>
+                  <a:srgbClr val="808080"/>
+                </a:solidFill>
+                <a:latin typeface="Consolas" panose="020B0609020204030204" pitchFamily="49" charset="0"/>
+              </a:rPr>
+              <a:t>JOIN</a:t>
+            </a:r>
+            <a:r>
+              <a:rPr lang="en-US" sz="2400" dirty="0">
+                <a:solidFill>
+                  <a:srgbClr val="000000"/>
+                </a:solidFill>
+                <a:latin typeface="Consolas" panose="020B0609020204030204" pitchFamily="49" charset="0"/>
+              </a:rPr>
+              <a:t> </a:t>
+            </a:r>
+            <a:r>
+              <a:rPr lang="en-US" sz="2400" dirty="0" err="1">
+                <a:solidFill>
+                  <a:srgbClr val="00FF00"/>
+                </a:solidFill>
+                <a:latin typeface="Consolas" panose="020B0609020204030204" pitchFamily="49" charset="0"/>
+              </a:rPr>
+              <a:t>sys</a:t>
+            </a:r>
+            <a:r>
+              <a:rPr lang="en-US" sz="2400" dirty="0" err="1">
+                <a:solidFill>
+                  <a:srgbClr val="808080"/>
+                </a:solidFill>
+                <a:latin typeface="Consolas" panose="020B0609020204030204" pitchFamily="49" charset="0"/>
+              </a:rPr>
+              <a:t>.</a:t>
+            </a:r>
+            <a:r>
+              <a:rPr lang="en-US" sz="2400" dirty="0" err="1">
+                <a:solidFill>
+                  <a:srgbClr val="00FF00"/>
+                </a:solidFill>
+                <a:latin typeface="Consolas" panose="020B0609020204030204" pitchFamily="49" charset="0"/>
+              </a:rPr>
+              <a:t>all_objects</a:t>
+            </a:r>
+            <a:r>
+              <a:rPr lang="en-US" sz="2400" dirty="0">
+                <a:solidFill>
+                  <a:srgbClr val="000000"/>
+                </a:solidFill>
+                <a:latin typeface="Consolas" panose="020B0609020204030204" pitchFamily="49" charset="0"/>
+              </a:rPr>
+              <a:t> </a:t>
+            </a:r>
+            <a:r>
+              <a:rPr lang="en-US" sz="2400" dirty="0">
+                <a:solidFill>
+                  <a:srgbClr val="0000FF"/>
+                </a:solidFill>
+                <a:latin typeface="Consolas" panose="020B0609020204030204" pitchFamily="49" charset="0"/>
+              </a:rPr>
+              <a:t>AS</a:t>
+            </a:r>
+            <a:r>
+              <a:rPr lang="en-US" sz="2400" dirty="0">
+                <a:solidFill>
+                  <a:srgbClr val="000000"/>
+                </a:solidFill>
+                <a:latin typeface="Consolas" panose="020B0609020204030204" pitchFamily="49" charset="0"/>
+              </a:rPr>
+              <a:t> s2</a:t>
+            </a:r>
+            <a:r>
+              <a:rPr lang="en-US" sz="2400" dirty="0">
+                <a:solidFill>
+                  <a:srgbClr val="808080"/>
+                </a:solidFill>
+                <a:latin typeface="Consolas" panose="020B0609020204030204" pitchFamily="49" charset="0"/>
+              </a:rPr>
+              <a:t>;</a:t>
+            </a:r>
+            <a:endParaRPr lang="en-US" sz="2400" dirty="0">
+              <a:solidFill>
+                <a:srgbClr val="000000"/>
+              </a:solidFill>
+              <a:latin typeface="Consolas" panose="020B0609020204030204" pitchFamily="49" charset="0"/>
+            </a:endParaRPr>
+          </a:p>
+          <a:p>
+            <a:pPr marL="0" indent="0">
+              <a:buNone/>
+            </a:pPr>
+            <a:r>
+              <a:rPr lang="en-US" sz="2400" dirty="0">
+                <a:solidFill>
+                  <a:srgbClr val="0000FF"/>
+                </a:solidFill>
+                <a:latin typeface="Consolas" panose="020B0609020204030204" pitchFamily="49" charset="0"/>
+              </a:rPr>
+              <a:t>SELECT</a:t>
+            </a:r>
+            <a:r>
+              <a:rPr lang="en-US" sz="2400" dirty="0">
+                <a:solidFill>
+                  <a:srgbClr val="000000"/>
+                </a:solidFill>
+                <a:latin typeface="Consolas" panose="020B0609020204030204" pitchFamily="49" charset="0"/>
+              </a:rPr>
+              <a:t> s2</a:t>
+            </a:r>
+            <a:r>
+              <a:rPr lang="en-US" sz="2400" dirty="0">
+                <a:solidFill>
+                  <a:srgbClr val="808080"/>
+                </a:solidFill>
+                <a:latin typeface="Consolas" panose="020B0609020204030204" pitchFamily="49" charset="0"/>
+              </a:rPr>
+              <a:t>.*</a:t>
+            </a:r>
+            <a:r>
+              <a:rPr lang="en-US" sz="2400" dirty="0">
+                <a:solidFill>
+                  <a:srgbClr val="000000"/>
+                </a:solidFill>
+                <a:latin typeface="Consolas" panose="020B0609020204030204" pitchFamily="49" charset="0"/>
+              </a:rPr>
+              <a:t> </a:t>
+            </a:r>
+            <a:r>
+              <a:rPr lang="en-US" sz="2400" dirty="0">
+                <a:solidFill>
+                  <a:srgbClr val="0000FF"/>
+                </a:solidFill>
+                <a:latin typeface="Consolas" panose="020B0609020204030204" pitchFamily="49" charset="0"/>
+              </a:rPr>
+              <a:t>INTO</a:t>
+            </a:r>
+            <a:r>
+              <a:rPr lang="en-US" sz="2400" dirty="0">
+                <a:solidFill>
+                  <a:srgbClr val="000000"/>
+                </a:solidFill>
+                <a:latin typeface="Consolas" panose="020B0609020204030204" pitchFamily="49" charset="0"/>
+              </a:rPr>
+              <a:t> dbo</a:t>
+            </a:r>
+            <a:r>
+              <a:rPr lang="en-US" sz="2400" dirty="0">
+                <a:solidFill>
+                  <a:srgbClr val="808080"/>
+                </a:solidFill>
+                <a:latin typeface="Consolas" panose="020B0609020204030204" pitchFamily="49" charset="0"/>
+              </a:rPr>
+              <a:t>.</a:t>
+            </a:r>
+            <a:r>
+              <a:rPr lang="en-US" sz="2400" dirty="0">
+                <a:solidFill>
+                  <a:srgbClr val="000000"/>
+                </a:solidFill>
+                <a:latin typeface="Consolas" panose="020B0609020204030204" pitchFamily="49" charset="0"/>
+              </a:rPr>
+              <a:t>fl3 </a:t>
+            </a:r>
+            <a:r>
+              <a:rPr lang="en-US" sz="2400" dirty="0">
+                <a:solidFill>
+                  <a:srgbClr val="0000FF"/>
+                </a:solidFill>
+                <a:latin typeface="Consolas" panose="020B0609020204030204" pitchFamily="49" charset="0"/>
+              </a:rPr>
+              <a:t>FROM</a:t>
+            </a:r>
+            <a:r>
+              <a:rPr lang="en-US" sz="2400" dirty="0">
+                <a:solidFill>
+                  <a:srgbClr val="000000"/>
+                </a:solidFill>
+                <a:latin typeface="Consolas" panose="020B0609020204030204" pitchFamily="49" charset="0"/>
+              </a:rPr>
+              <a:t> </a:t>
+            </a:r>
+            <a:r>
+              <a:rPr lang="en-US" sz="2400" dirty="0" err="1">
+                <a:solidFill>
+                  <a:srgbClr val="00FF00"/>
+                </a:solidFill>
+                <a:latin typeface="Consolas" panose="020B0609020204030204" pitchFamily="49" charset="0"/>
+              </a:rPr>
+              <a:t>sys</a:t>
+            </a:r>
+            <a:r>
+              <a:rPr lang="en-US" sz="2400" dirty="0" err="1">
+                <a:solidFill>
+                  <a:srgbClr val="808080"/>
+                </a:solidFill>
+                <a:latin typeface="Consolas" panose="020B0609020204030204" pitchFamily="49" charset="0"/>
+              </a:rPr>
+              <a:t>.</a:t>
+            </a:r>
+            <a:r>
+              <a:rPr lang="en-US" sz="2400" dirty="0" err="1">
+                <a:solidFill>
+                  <a:srgbClr val="00FF00"/>
+                </a:solidFill>
+                <a:latin typeface="Consolas" panose="020B0609020204030204" pitchFamily="49" charset="0"/>
+              </a:rPr>
+              <a:t>all_columns</a:t>
+            </a:r>
+            <a:r>
+              <a:rPr lang="en-US" sz="2400" dirty="0">
+                <a:solidFill>
+                  <a:srgbClr val="000000"/>
+                </a:solidFill>
+                <a:latin typeface="Consolas" panose="020B0609020204030204" pitchFamily="49" charset="0"/>
+              </a:rPr>
+              <a:t> </a:t>
+            </a:r>
+            <a:r>
+              <a:rPr lang="en-US" sz="2400" dirty="0">
+                <a:solidFill>
+                  <a:srgbClr val="0000FF"/>
+                </a:solidFill>
+                <a:latin typeface="Consolas" panose="020B0609020204030204" pitchFamily="49" charset="0"/>
+              </a:rPr>
+              <a:t>AS</a:t>
+            </a:r>
+            <a:r>
+              <a:rPr lang="en-US" sz="2400" dirty="0">
+                <a:solidFill>
+                  <a:srgbClr val="000000"/>
+                </a:solidFill>
+                <a:latin typeface="Consolas" panose="020B0609020204030204" pitchFamily="49" charset="0"/>
+              </a:rPr>
+              <a:t> s1 </a:t>
+            </a:r>
+            <a:r>
+              <a:rPr lang="en-US" sz="2400" dirty="0">
+                <a:solidFill>
+                  <a:srgbClr val="808080"/>
+                </a:solidFill>
+                <a:latin typeface="Consolas" panose="020B0609020204030204" pitchFamily="49" charset="0"/>
+              </a:rPr>
+              <a:t>CROSS</a:t>
+            </a:r>
+            <a:r>
+              <a:rPr lang="en-US" sz="2400" dirty="0">
+                <a:solidFill>
+                  <a:srgbClr val="000000"/>
+                </a:solidFill>
+                <a:latin typeface="Consolas" panose="020B0609020204030204" pitchFamily="49" charset="0"/>
+              </a:rPr>
+              <a:t> </a:t>
+            </a:r>
+            <a:r>
+              <a:rPr lang="en-US" sz="2400" dirty="0">
+                <a:solidFill>
+                  <a:srgbClr val="808080"/>
+                </a:solidFill>
+                <a:latin typeface="Consolas" panose="020B0609020204030204" pitchFamily="49" charset="0"/>
+              </a:rPr>
+              <a:t>JOIN</a:t>
+            </a:r>
+            <a:r>
+              <a:rPr lang="en-US" sz="2400" dirty="0">
+                <a:solidFill>
+                  <a:srgbClr val="000000"/>
+                </a:solidFill>
+                <a:latin typeface="Consolas" panose="020B0609020204030204" pitchFamily="49" charset="0"/>
+              </a:rPr>
+              <a:t> </a:t>
+            </a:r>
+            <a:r>
+              <a:rPr lang="en-US" sz="2400" dirty="0" err="1">
+                <a:solidFill>
+                  <a:srgbClr val="00FF00"/>
+                </a:solidFill>
+                <a:latin typeface="Consolas" panose="020B0609020204030204" pitchFamily="49" charset="0"/>
+              </a:rPr>
+              <a:t>sys</a:t>
+            </a:r>
+            <a:r>
+              <a:rPr lang="en-US" sz="2400" dirty="0" err="1">
+                <a:solidFill>
+                  <a:srgbClr val="808080"/>
+                </a:solidFill>
+                <a:latin typeface="Consolas" panose="020B0609020204030204" pitchFamily="49" charset="0"/>
+              </a:rPr>
+              <a:t>.</a:t>
+            </a:r>
+            <a:r>
+              <a:rPr lang="en-US" sz="2400" dirty="0" err="1">
+                <a:solidFill>
+                  <a:srgbClr val="00FF00"/>
+                </a:solidFill>
+                <a:latin typeface="Consolas" panose="020B0609020204030204" pitchFamily="49" charset="0"/>
+              </a:rPr>
+              <a:t>all_objects</a:t>
+            </a:r>
+            <a:r>
+              <a:rPr lang="en-US" sz="2400" dirty="0">
+                <a:solidFill>
+                  <a:srgbClr val="000000"/>
+                </a:solidFill>
+                <a:latin typeface="Consolas" panose="020B0609020204030204" pitchFamily="49" charset="0"/>
+              </a:rPr>
+              <a:t> </a:t>
+            </a:r>
+            <a:r>
+              <a:rPr lang="en-US" sz="2400" dirty="0">
+                <a:solidFill>
+                  <a:srgbClr val="0000FF"/>
+                </a:solidFill>
+                <a:latin typeface="Consolas" panose="020B0609020204030204" pitchFamily="49" charset="0"/>
+              </a:rPr>
+              <a:t>AS</a:t>
+            </a:r>
+            <a:r>
+              <a:rPr lang="en-US" sz="2400" dirty="0">
+                <a:solidFill>
+                  <a:srgbClr val="000000"/>
+                </a:solidFill>
+                <a:latin typeface="Consolas" panose="020B0609020204030204" pitchFamily="49" charset="0"/>
+              </a:rPr>
+              <a:t> s2</a:t>
+            </a:r>
+            <a:r>
+              <a:rPr lang="en-US" sz="2400" dirty="0">
+                <a:solidFill>
+                  <a:srgbClr val="808080"/>
+                </a:solidFill>
+                <a:latin typeface="Consolas" panose="020B0609020204030204" pitchFamily="49" charset="0"/>
+              </a:rPr>
+              <a:t>;</a:t>
+            </a:r>
+            <a:endParaRPr lang="en-US" dirty="0"/>
+          </a:p>
+        </p:txBody>
+      </p:sp>
     </p:spTree>
     <p:extLst>
       <p:ext uri="{BB962C8B-B14F-4D97-AF65-F5344CB8AC3E}">
-        <p14:creationId xmlns:p14="http://schemas.microsoft.com/office/powerpoint/2010/main" val="3285679172"/>
+        <p14:creationId xmlns:p14="http://schemas.microsoft.com/office/powerpoint/2010/main" val="1029606254"/>
       </p:ext>
     </p:extLst>
   </p:cSld>
@@ -16976,7 +17113,7 @@
           <p:cNvPr id="2" name="Title 1">
             <a:extLst>
               <a:ext uri="{FF2B5EF4-FFF2-40B4-BE49-F238E27FC236}">
-                <a16:creationId xmlns:a16="http://schemas.microsoft.com/office/drawing/2014/main" id="{13D11F34-7E4B-4969-A4AA-61706463E43A}"/>
+                <a16:creationId xmlns:a16="http://schemas.microsoft.com/office/drawing/2014/main" id="{EBCEAB70-FA00-4D76-B59D-01E8C1F32A3F}"/>
               </a:ext>
             </a:extLst>
           </p:cNvPr>
@@ -16994,1379 +17131,47 @@
           <a:p>
             <a:r>
               <a:rPr lang="en-US" dirty="0"/>
-              <a:t>AG Failover Demo</a:t>
-            </a:r>
-          </a:p>
-        </p:txBody>
-      </p:sp>
-      <p:sp>
-        <p:nvSpPr>
-          <p:cNvPr id="3" name="Content Placeholder 2">
+              <a:t>Shutdown SQL Server Instance</a:t>
+            </a:r>
+          </a:p>
+        </p:txBody>
+      </p:sp>
+      <p:pic>
+        <p:nvPicPr>
+          <p:cNvPr id="4" name="Content Placeholder 3">
             <a:extLst>
               <a:ext uri="{FF2B5EF4-FFF2-40B4-BE49-F238E27FC236}">
-                <a16:creationId xmlns:a16="http://schemas.microsoft.com/office/drawing/2014/main" id="{340DFCB8-280E-4684-858C-796C01EBFA5C}"/>
+                <a16:creationId xmlns:a16="http://schemas.microsoft.com/office/drawing/2014/main" id="{B1FE8795-1455-4EB1-9FF2-354DB861B308}"/>
               </a:ext>
             </a:extLst>
           </p:cNvPr>
-          <p:cNvSpPr>
-            <a:spLocks noGrp="1"/>
-          </p:cNvSpPr>
+          <p:cNvPicPr>
+            <a:picLocks noGrp="1" noChangeAspect="1"/>
+          </p:cNvPicPr>
           <p:nvPr>
             <p:ph idx="1"/>
           </p:nvPr>
-        </p:nvSpPr>
-        <p:spPr/>
-        <p:txBody>
-          <a:bodyPr>
-            <a:normAutofit fontScale="70000" lnSpcReduction="20000"/>
-          </a:bodyPr>
-          <a:lstStyle/>
-          <a:p>
-            <a:pPr marL="0" indent="0">
-              <a:buNone/>
-            </a:pPr>
-            <a:r>
-              <a:rPr lang="en-US" sz="2400" dirty="0">
-                <a:solidFill>
-                  <a:srgbClr val="0000FF"/>
-                </a:solidFill>
-                <a:latin typeface="Consolas" panose="020B0609020204030204" pitchFamily="49" charset="0"/>
-              </a:rPr>
-              <a:t>DECLARE</a:t>
-            </a:r>
-            <a:r>
-              <a:rPr lang="en-US" sz="2400" dirty="0">
-                <a:solidFill>
-                  <a:srgbClr val="000000"/>
-                </a:solidFill>
-                <a:latin typeface="Consolas" panose="020B0609020204030204" pitchFamily="49" charset="0"/>
-              </a:rPr>
-              <a:t> @</a:t>
-            </a:r>
-            <a:r>
-              <a:rPr lang="en-US" sz="2400" dirty="0" err="1">
-                <a:solidFill>
-                  <a:srgbClr val="000000"/>
-                </a:solidFill>
-                <a:latin typeface="Consolas" panose="020B0609020204030204" pitchFamily="49" charset="0"/>
-              </a:rPr>
-              <a:t>waitfor</a:t>
-            </a:r>
-            <a:r>
-              <a:rPr lang="en-US" sz="2400" dirty="0">
-                <a:solidFill>
-                  <a:srgbClr val="000000"/>
-                </a:solidFill>
-                <a:latin typeface="Consolas" panose="020B0609020204030204" pitchFamily="49" charset="0"/>
-              </a:rPr>
-              <a:t> </a:t>
-            </a:r>
-            <a:r>
-              <a:rPr lang="en-US" sz="2400" dirty="0">
-                <a:solidFill>
-                  <a:srgbClr val="0000FF"/>
-                </a:solidFill>
-                <a:latin typeface="Consolas" panose="020B0609020204030204" pitchFamily="49" charset="0"/>
-              </a:rPr>
-              <a:t>DATETIME</a:t>
-            </a:r>
-            <a:r>
-              <a:rPr lang="en-US" sz="2400" dirty="0">
-                <a:solidFill>
-                  <a:srgbClr val="808080"/>
-                </a:solidFill>
-                <a:latin typeface="Consolas" panose="020B0609020204030204" pitchFamily="49" charset="0"/>
-              </a:rPr>
-              <a:t>;</a:t>
-            </a:r>
-            <a:endParaRPr lang="en-US" sz="2400" dirty="0">
-              <a:solidFill>
-                <a:srgbClr val="000000"/>
-              </a:solidFill>
-              <a:latin typeface="Consolas" panose="020B0609020204030204" pitchFamily="49" charset="0"/>
-            </a:endParaRPr>
-          </a:p>
-          <a:p>
-            <a:endParaRPr lang="en-US" sz="2400" dirty="0">
-              <a:solidFill>
-                <a:srgbClr val="000000"/>
-              </a:solidFill>
-              <a:latin typeface="Consolas" panose="020B0609020204030204" pitchFamily="49" charset="0"/>
-            </a:endParaRPr>
-          </a:p>
-          <a:p>
-            <a:pPr marL="0" indent="0">
-              <a:buNone/>
-            </a:pPr>
-            <a:r>
-              <a:rPr lang="en-US" sz="2400" dirty="0">
-                <a:solidFill>
-                  <a:srgbClr val="0000FF"/>
-                </a:solidFill>
-                <a:latin typeface="Consolas" panose="020B0609020204030204" pitchFamily="49" charset="0"/>
-              </a:rPr>
-              <a:t>SELECT</a:t>
-            </a:r>
-            <a:r>
-              <a:rPr lang="en-US" sz="2400" dirty="0">
-                <a:solidFill>
-                  <a:srgbClr val="000000"/>
-                </a:solidFill>
-                <a:latin typeface="Consolas" panose="020B0609020204030204" pitchFamily="49" charset="0"/>
-              </a:rPr>
-              <a:t> @</a:t>
-            </a:r>
-            <a:r>
-              <a:rPr lang="en-US" sz="2400" dirty="0" err="1">
-                <a:solidFill>
-                  <a:srgbClr val="000000"/>
-                </a:solidFill>
-                <a:latin typeface="Consolas" panose="020B0609020204030204" pitchFamily="49" charset="0"/>
-              </a:rPr>
-              <a:t>waitfor</a:t>
-            </a:r>
-            <a:r>
-              <a:rPr lang="en-US" sz="2400" dirty="0">
-                <a:solidFill>
-                  <a:srgbClr val="000000"/>
-                </a:solidFill>
-                <a:latin typeface="Consolas" panose="020B0609020204030204" pitchFamily="49" charset="0"/>
-              </a:rPr>
-              <a:t> </a:t>
-            </a:r>
-            <a:r>
-              <a:rPr lang="en-US" sz="2400" dirty="0">
-                <a:solidFill>
-                  <a:srgbClr val="808080"/>
-                </a:solidFill>
-                <a:latin typeface="Consolas" panose="020B0609020204030204" pitchFamily="49" charset="0"/>
-              </a:rPr>
-              <a:t>=</a:t>
-            </a:r>
-            <a:r>
-              <a:rPr lang="en-US" sz="2400" dirty="0">
-                <a:solidFill>
-                  <a:srgbClr val="000000"/>
-                </a:solidFill>
-                <a:latin typeface="Consolas" panose="020B0609020204030204" pitchFamily="49" charset="0"/>
-              </a:rPr>
-              <a:t> </a:t>
-            </a:r>
-            <a:r>
-              <a:rPr lang="en-US" sz="2400" dirty="0">
-                <a:solidFill>
-                  <a:srgbClr val="FF00FF"/>
-                </a:solidFill>
-                <a:latin typeface="Consolas" panose="020B0609020204030204" pitchFamily="49" charset="0"/>
-              </a:rPr>
-              <a:t>CAST</a:t>
-            </a:r>
-            <a:r>
-              <a:rPr lang="en-US" sz="2400" dirty="0">
-                <a:solidFill>
-                  <a:srgbClr val="808080"/>
-                </a:solidFill>
-                <a:latin typeface="Consolas" panose="020B0609020204030204" pitchFamily="49" charset="0"/>
-              </a:rPr>
-              <a:t>(</a:t>
-            </a:r>
-            <a:r>
-              <a:rPr lang="en-US" sz="2400" dirty="0">
-                <a:solidFill>
-                  <a:srgbClr val="FF00FF"/>
-                </a:solidFill>
-                <a:latin typeface="Consolas" panose="020B0609020204030204" pitchFamily="49" charset="0"/>
-              </a:rPr>
-              <a:t>DATEADD</a:t>
-            </a:r>
-            <a:r>
-              <a:rPr lang="en-US" sz="2400" dirty="0">
-                <a:solidFill>
-                  <a:srgbClr val="808080"/>
-                </a:solidFill>
-                <a:latin typeface="Consolas" panose="020B0609020204030204" pitchFamily="49" charset="0"/>
-              </a:rPr>
-              <a:t>(</a:t>
-            </a:r>
-            <a:r>
-              <a:rPr lang="en-US" sz="2400" dirty="0">
-                <a:solidFill>
-                  <a:srgbClr val="FF00FF"/>
-                </a:solidFill>
-                <a:latin typeface="Consolas" panose="020B0609020204030204" pitchFamily="49" charset="0"/>
-              </a:rPr>
-              <a:t>SECOND</a:t>
-            </a:r>
-            <a:r>
-              <a:rPr lang="en-US" sz="2400" dirty="0">
-                <a:solidFill>
-                  <a:srgbClr val="808080"/>
-                </a:solidFill>
-                <a:latin typeface="Consolas" panose="020B0609020204030204" pitchFamily="49" charset="0"/>
-              </a:rPr>
-              <a:t>,</a:t>
-            </a:r>
-            <a:r>
-              <a:rPr lang="en-US" sz="2400" dirty="0">
-                <a:solidFill>
-                  <a:srgbClr val="000000"/>
-                </a:solidFill>
-                <a:latin typeface="Consolas" panose="020B0609020204030204" pitchFamily="49" charset="0"/>
-              </a:rPr>
-              <a:t> 10</a:t>
-            </a:r>
-            <a:r>
-              <a:rPr lang="en-US" sz="2400" dirty="0">
-                <a:solidFill>
-                  <a:srgbClr val="808080"/>
-                </a:solidFill>
-                <a:latin typeface="Consolas" panose="020B0609020204030204" pitchFamily="49" charset="0"/>
-              </a:rPr>
-              <a:t>,</a:t>
-            </a:r>
-            <a:r>
-              <a:rPr lang="en-US" sz="2400" dirty="0">
-                <a:solidFill>
-                  <a:srgbClr val="000000"/>
-                </a:solidFill>
-                <a:latin typeface="Consolas" panose="020B0609020204030204" pitchFamily="49" charset="0"/>
-              </a:rPr>
-              <a:t> </a:t>
-            </a:r>
-            <a:r>
-              <a:rPr lang="en-US" sz="2400" dirty="0">
-                <a:solidFill>
-                  <a:srgbClr val="FF00FF"/>
-                </a:solidFill>
-                <a:latin typeface="Consolas" panose="020B0609020204030204" pitchFamily="49" charset="0"/>
-              </a:rPr>
-              <a:t>CURRENT_TIMESTAMP</a:t>
-            </a:r>
-            <a:r>
-              <a:rPr lang="en-US" sz="2400" dirty="0">
-                <a:solidFill>
-                  <a:srgbClr val="808080"/>
-                </a:solidFill>
-                <a:latin typeface="Consolas" panose="020B0609020204030204" pitchFamily="49" charset="0"/>
-              </a:rPr>
-              <a:t>)</a:t>
-            </a:r>
-            <a:r>
-              <a:rPr lang="en-US" sz="2400" dirty="0">
-                <a:solidFill>
-                  <a:srgbClr val="000000"/>
-                </a:solidFill>
-                <a:latin typeface="Consolas" panose="020B0609020204030204" pitchFamily="49" charset="0"/>
-              </a:rPr>
-              <a:t> </a:t>
-            </a:r>
-            <a:r>
-              <a:rPr lang="en-US" sz="2400" dirty="0">
-                <a:solidFill>
-                  <a:srgbClr val="0000FF"/>
-                </a:solidFill>
-                <a:latin typeface="Consolas" panose="020B0609020204030204" pitchFamily="49" charset="0"/>
-              </a:rPr>
-              <a:t>AS</a:t>
-            </a:r>
-            <a:r>
-              <a:rPr lang="en-US" sz="2400" dirty="0">
-                <a:solidFill>
-                  <a:srgbClr val="000000"/>
-                </a:solidFill>
-                <a:latin typeface="Consolas" panose="020B0609020204030204" pitchFamily="49" charset="0"/>
-              </a:rPr>
-              <a:t> </a:t>
-            </a:r>
-            <a:r>
-              <a:rPr lang="en-US" sz="2400" dirty="0">
-                <a:solidFill>
-                  <a:srgbClr val="0000FF"/>
-                </a:solidFill>
-                <a:latin typeface="Consolas" panose="020B0609020204030204" pitchFamily="49" charset="0"/>
-              </a:rPr>
-              <a:t>TIME</a:t>
-            </a:r>
-            <a:r>
-              <a:rPr lang="en-US" sz="2400" dirty="0">
-                <a:solidFill>
-                  <a:srgbClr val="808080"/>
-                </a:solidFill>
-                <a:latin typeface="Consolas" panose="020B0609020204030204" pitchFamily="49" charset="0"/>
-              </a:rPr>
-              <a:t>);</a:t>
-            </a:r>
-            <a:endParaRPr lang="en-US" sz="2400" dirty="0">
-              <a:solidFill>
-                <a:srgbClr val="000000"/>
-              </a:solidFill>
-              <a:latin typeface="Consolas" panose="020B0609020204030204" pitchFamily="49" charset="0"/>
-            </a:endParaRPr>
-          </a:p>
-          <a:p>
-            <a:endParaRPr lang="en-US" sz="2400" dirty="0">
-              <a:solidFill>
-                <a:srgbClr val="000000"/>
-              </a:solidFill>
-              <a:latin typeface="Consolas" panose="020B0609020204030204" pitchFamily="49" charset="0"/>
-            </a:endParaRPr>
-          </a:p>
-          <a:p>
-            <a:pPr marL="0" indent="0">
-              <a:buNone/>
-            </a:pPr>
-            <a:r>
-              <a:rPr lang="en-US" sz="2400" dirty="0">
-                <a:solidFill>
-                  <a:srgbClr val="0000FF"/>
-                </a:solidFill>
-                <a:latin typeface="Consolas" panose="020B0609020204030204" pitchFamily="49" charset="0"/>
-              </a:rPr>
-              <a:t>WAITFOR</a:t>
-            </a:r>
-            <a:r>
-              <a:rPr lang="en-US" sz="2400" dirty="0">
-                <a:solidFill>
-                  <a:srgbClr val="000000"/>
-                </a:solidFill>
-                <a:latin typeface="Consolas" panose="020B0609020204030204" pitchFamily="49" charset="0"/>
-              </a:rPr>
-              <a:t> </a:t>
-            </a:r>
-            <a:r>
-              <a:rPr lang="en-US" sz="2400" dirty="0">
-                <a:solidFill>
-                  <a:srgbClr val="0000FF"/>
-                </a:solidFill>
-                <a:latin typeface="Consolas" panose="020B0609020204030204" pitchFamily="49" charset="0"/>
-              </a:rPr>
-              <a:t>TIME</a:t>
-            </a:r>
-            <a:r>
-              <a:rPr lang="en-US" sz="2400" dirty="0">
-                <a:solidFill>
-                  <a:srgbClr val="000000"/>
-                </a:solidFill>
-                <a:latin typeface="Consolas" panose="020B0609020204030204" pitchFamily="49" charset="0"/>
-              </a:rPr>
-              <a:t> @</a:t>
-            </a:r>
-            <a:r>
-              <a:rPr lang="en-US" sz="2400" dirty="0" err="1">
-                <a:solidFill>
-                  <a:srgbClr val="000000"/>
-                </a:solidFill>
-                <a:latin typeface="Consolas" panose="020B0609020204030204" pitchFamily="49" charset="0"/>
-              </a:rPr>
-              <a:t>waitfor</a:t>
-            </a:r>
-            <a:r>
-              <a:rPr lang="en-US" sz="2400" dirty="0">
-                <a:solidFill>
-                  <a:srgbClr val="808080"/>
-                </a:solidFill>
-                <a:latin typeface="Consolas" panose="020B0609020204030204" pitchFamily="49" charset="0"/>
-              </a:rPr>
-              <a:t>;</a:t>
-            </a:r>
-            <a:endParaRPr lang="en-US" sz="2400" dirty="0">
-              <a:solidFill>
-                <a:srgbClr val="000000"/>
-              </a:solidFill>
-              <a:latin typeface="Consolas" panose="020B0609020204030204" pitchFamily="49" charset="0"/>
-            </a:endParaRPr>
-          </a:p>
-          <a:p>
-            <a:endParaRPr lang="en-US" sz="2400" dirty="0">
-              <a:solidFill>
-                <a:srgbClr val="000000"/>
-              </a:solidFill>
-              <a:latin typeface="Consolas" panose="020B0609020204030204" pitchFamily="49" charset="0"/>
-            </a:endParaRPr>
-          </a:p>
-          <a:p>
-            <a:pPr marL="0" indent="0">
-              <a:buNone/>
-            </a:pPr>
-            <a:r>
-              <a:rPr lang="en-US" sz="2400" dirty="0">
-                <a:solidFill>
-                  <a:srgbClr val="0000FF"/>
-                </a:solidFill>
-                <a:latin typeface="Consolas" panose="020B0609020204030204" pitchFamily="49" charset="0"/>
-              </a:rPr>
-              <a:t>BEGIN</a:t>
-            </a:r>
-            <a:r>
-              <a:rPr lang="en-US" sz="2400" dirty="0">
-                <a:solidFill>
-                  <a:srgbClr val="000000"/>
-                </a:solidFill>
-                <a:latin typeface="Consolas" panose="020B0609020204030204" pitchFamily="49" charset="0"/>
-              </a:rPr>
-              <a:t> </a:t>
-            </a:r>
-            <a:r>
-              <a:rPr lang="en-US" sz="2400" dirty="0">
-                <a:solidFill>
-                  <a:srgbClr val="0000FF"/>
-                </a:solidFill>
-                <a:latin typeface="Consolas" panose="020B0609020204030204" pitchFamily="49" charset="0"/>
-              </a:rPr>
-              <a:t>TRANSACTION</a:t>
-            </a:r>
-            <a:endParaRPr lang="en-US" sz="2400" dirty="0">
-              <a:solidFill>
-                <a:srgbClr val="000000"/>
-              </a:solidFill>
-              <a:latin typeface="Consolas" panose="020B0609020204030204" pitchFamily="49" charset="0"/>
-            </a:endParaRPr>
-          </a:p>
-          <a:p>
-            <a:pPr marL="0" indent="0">
-              <a:buNone/>
-            </a:pPr>
-            <a:r>
-              <a:rPr lang="en-US" sz="2400" dirty="0">
-                <a:solidFill>
-                  <a:srgbClr val="0000FF"/>
-                </a:solidFill>
-                <a:latin typeface="Consolas" panose="020B0609020204030204" pitchFamily="49" charset="0"/>
-              </a:rPr>
-              <a:t>DROP</a:t>
-            </a:r>
-            <a:r>
-              <a:rPr lang="en-US" sz="2400" dirty="0">
-                <a:solidFill>
-                  <a:srgbClr val="000000"/>
-                </a:solidFill>
-                <a:latin typeface="Consolas" panose="020B0609020204030204" pitchFamily="49" charset="0"/>
-              </a:rPr>
-              <a:t> </a:t>
-            </a:r>
-            <a:r>
-              <a:rPr lang="en-US" sz="2400" dirty="0">
-                <a:solidFill>
-                  <a:srgbClr val="0000FF"/>
-                </a:solidFill>
-                <a:latin typeface="Consolas" panose="020B0609020204030204" pitchFamily="49" charset="0"/>
-              </a:rPr>
-              <a:t>TABLE</a:t>
-            </a:r>
-            <a:r>
-              <a:rPr lang="en-US" sz="2400" dirty="0">
-                <a:solidFill>
-                  <a:srgbClr val="000000"/>
-                </a:solidFill>
-                <a:latin typeface="Consolas" panose="020B0609020204030204" pitchFamily="49" charset="0"/>
-              </a:rPr>
-              <a:t> </a:t>
-            </a:r>
-            <a:r>
-              <a:rPr lang="en-US" sz="2400" dirty="0">
-                <a:solidFill>
-                  <a:srgbClr val="0000FF"/>
-                </a:solidFill>
-                <a:latin typeface="Consolas" panose="020B0609020204030204" pitchFamily="49" charset="0"/>
-              </a:rPr>
-              <a:t>IF</a:t>
-            </a:r>
-            <a:r>
-              <a:rPr lang="en-US" sz="2400" dirty="0">
-                <a:solidFill>
-                  <a:srgbClr val="000000"/>
-                </a:solidFill>
-                <a:latin typeface="Consolas" panose="020B0609020204030204" pitchFamily="49" charset="0"/>
-              </a:rPr>
-              <a:t> </a:t>
-            </a:r>
-            <a:r>
-              <a:rPr lang="en-US" sz="2400" dirty="0">
-                <a:solidFill>
-                  <a:srgbClr val="808080"/>
-                </a:solidFill>
-                <a:latin typeface="Consolas" panose="020B0609020204030204" pitchFamily="49" charset="0"/>
-              </a:rPr>
-              <a:t>EXISTS</a:t>
-            </a:r>
-            <a:r>
-              <a:rPr lang="en-US" sz="2400" dirty="0">
-                <a:solidFill>
-                  <a:srgbClr val="000000"/>
-                </a:solidFill>
-                <a:latin typeface="Consolas" panose="020B0609020204030204" pitchFamily="49" charset="0"/>
-              </a:rPr>
-              <a:t> dbo</a:t>
-            </a:r>
-            <a:r>
-              <a:rPr lang="en-US" sz="2400" dirty="0">
-                <a:solidFill>
-                  <a:srgbClr val="808080"/>
-                </a:solidFill>
-                <a:latin typeface="Consolas" panose="020B0609020204030204" pitchFamily="49" charset="0"/>
-              </a:rPr>
-              <a:t>.</a:t>
-            </a:r>
-            <a:r>
-              <a:rPr lang="en-US" sz="2400" dirty="0">
-                <a:solidFill>
-                  <a:srgbClr val="000000"/>
-                </a:solidFill>
-                <a:latin typeface="Consolas" panose="020B0609020204030204" pitchFamily="49" charset="0"/>
-              </a:rPr>
-              <a:t>fl1</a:t>
-            </a:r>
-            <a:r>
-              <a:rPr lang="en-US" sz="2400" dirty="0">
-                <a:solidFill>
-                  <a:srgbClr val="808080"/>
-                </a:solidFill>
-                <a:latin typeface="Consolas" panose="020B0609020204030204" pitchFamily="49" charset="0"/>
-              </a:rPr>
-              <a:t>,</a:t>
-            </a:r>
-            <a:r>
-              <a:rPr lang="en-US" sz="2400" dirty="0">
-                <a:solidFill>
-                  <a:srgbClr val="000000"/>
-                </a:solidFill>
-                <a:latin typeface="Consolas" panose="020B0609020204030204" pitchFamily="49" charset="0"/>
-              </a:rPr>
-              <a:t> dbo</a:t>
-            </a:r>
-            <a:r>
-              <a:rPr lang="en-US" sz="2400" dirty="0">
-                <a:solidFill>
-                  <a:srgbClr val="808080"/>
-                </a:solidFill>
-                <a:latin typeface="Consolas" panose="020B0609020204030204" pitchFamily="49" charset="0"/>
-              </a:rPr>
-              <a:t>.</a:t>
-            </a:r>
-            <a:r>
-              <a:rPr lang="en-US" sz="2400" dirty="0">
-                <a:solidFill>
-                  <a:srgbClr val="000000"/>
-                </a:solidFill>
-                <a:latin typeface="Consolas" panose="020B0609020204030204" pitchFamily="49" charset="0"/>
-              </a:rPr>
-              <a:t>fl2</a:t>
-            </a:r>
-            <a:r>
-              <a:rPr lang="en-US" sz="2400" dirty="0">
-                <a:solidFill>
-                  <a:srgbClr val="808080"/>
-                </a:solidFill>
-                <a:latin typeface="Consolas" panose="020B0609020204030204" pitchFamily="49" charset="0"/>
-              </a:rPr>
-              <a:t>,</a:t>
-            </a:r>
-            <a:r>
-              <a:rPr lang="en-US" sz="2400" dirty="0">
-                <a:solidFill>
-                  <a:srgbClr val="000000"/>
-                </a:solidFill>
-                <a:latin typeface="Consolas" panose="020B0609020204030204" pitchFamily="49" charset="0"/>
-              </a:rPr>
-              <a:t> dbo</a:t>
-            </a:r>
-            <a:r>
-              <a:rPr lang="en-US" sz="2400" dirty="0">
-                <a:solidFill>
-                  <a:srgbClr val="808080"/>
-                </a:solidFill>
-                <a:latin typeface="Consolas" panose="020B0609020204030204" pitchFamily="49" charset="0"/>
-              </a:rPr>
-              <a:t>.</a:t>
-            </a:r>
-            <a:r>
-              <a:rPr lang="en-US" sz="2400" dirty="0">
-                <a:solidFill>
-                  <a:srgbClr val="000000"/>
-                </a:solidFill>
-                <a:latin typeface="Consolas" panose="020B0609020204030204" pitchFamily="49" charset="0"/>
-              </a:rPr>
-              <a:t>fl3</a:t>
-            </a:r>
-            <a:r>
-              <a:rPr lang="en-US" sz="2400" dirty="0">
-                <a:solidFill>
-                  <a:srgbClr val="808080"/>
-                </a:solidFill>
-                <a:latin typeface="Consolas" panose="020B0609020204030204" pitchFamily="49" charset="0"/>
-              </a:rPr>
-              <a:t>;</a:t>
-            </a:r>
-            <a:endParaRPr lang="en-US" sz="2400" dirty="0">
-              <a:solidFill>
-                <a:srgbClr val="000000"/>
-              </a:solidFill>
-              <a:latin typeface="Consolas" panose="020B0609020204030204" pitchFamily="49" charset="0"/>
-            </a:endParaRPr>
-          </a:p>
-          <a:p>
-            <a:pPr marL="0" indent="0">
-              <a:buNone/>
-            </a:pPr>
-            <a:r>
-              <a:rPr lang="en-US" sz="2400" dirty="0">
-                <a:solidFill>
-                  <a:srgbClr val="0000FF"/>
-                </a:solidFill>
-                <a:latin typeface="Consolas" panose="020B0609020204030204" pitchFamily="49" charset="0"/>
-              </a:rPr>
-              <a:t>SELECT</a:t>
-            </a:r>
-            <a:r>
-              <a:rPr lang="en-US" sz="2400" dirty="0">
-                <a:solidFill>
-                  <a:srgbClr val="000000"/>
-                </a:solidFill>
-                <a:latin typeface="Consolas" panose="020B0609020204030204" pitchFamily="49" charset="0"/>
-              </a:rPr>
-              <a:t> s2</a:t>
-            </a:r>
-            <a:r>
-              <a:rPr lang="en-US" sz="2400" dirty="0">
-                <a:solidFill>
-                  <a:srgbClr val="808080"/>
-                </a:solidFill>
-                <a:latin typeface="Consolas" panose="020B0609020204030204" pitchFamily="49" charset="0"/>
-              </a:rPr>
-              <a:t>.*</a:t>
-            </a:r>
-            <a:r>
-              <a:rPr lang="en-US" sz="2400" dirty="0">
-                <a:solidFill>
-                  <a:srgbClr val="000000"/>
-                </a:solidFill>
-                <a:latin typeface="Consolas" panose="020B0609020204030204" pitchFamily="49" charset="0"/>
-              </a:rPr>
-              <a:t> </a:t>
-            </a:r>
-            <a:r>
-              <a:rPr lang="en-US" sz="2400" dirty="0">
-                <a:solidFill>
-                  <a:srgbClr val="0000FF"/>
-                </a:solidFill>
-                <a:latin typeface="Consolas" panose="020B0609020204030204" pitchFamily="49" charset="0"/>
-              </a:rPr>
-              <a:t>INTO</a:t>
-            </a:r>
-            <a:r>
-              <a:rPr lang="en-US" sz="2400" dirty="0">
-                <a:solidFill>
-                  <a:srgbClr val="000000"/>
-                </a:solidFill>
-                <a:latin typeface="Consolas" panose="020B0609020204030204" pitchFamily="49" charset="0"/>
-              </a:rPr>
-              <a:t> dbo</a:t>
-            </a:r>
-            <a:r>
-              <a:rPr lang="en-US" sz="2400" dirty="0">
-                <a:solidFill>
-                  <a:srgbClr val="808080"/>
-                </a:solidFill>
-                <a:latin typeface="Consolas" panose="020B0609020204030204" pitchFamily="49" charset="0"/>
-              </a:rPr>
-              <a:t>.</a:t>
-            </a:r>
-            <a:r>
-              <a:rPr lang="en-US" sz="2400" dirty="0">
-                <a:solidFill>
-                  <a:srgbClr val="000000"/>
-                </a:solidFill>
-                <a:latin typeface="Consolas" panose="020B0609020204030204" pitchFamily="49" charset="0"/>
-              </a:rPr>
-              <a:t>fl1 </a:t>
-            </a:r>
-            <a:r>
-              <a:rPr lang="en-US" sz="2400" dirty="0">
-                <a:solidFill>
-                  <a:srgbClr val="0000FF"/>
-                </a:solidFill>
-                <a:latin typeface="Consolas" panose="020B0609020204030204" pitchFamily="49" charset="0"/>
-              </a:rPr>
-              <a:t>FROM</a:t>
-            </a:r>
-            <a:r>
-              <a:rPr lang="en-US" sz="2400" dirty="0">
-                <a:solidFill>
-                  <a:srgbClr val="000000"/>
-                </a:solidFill>
-                <a:latin typeface="Consolas" panose="020B0609020204030204" pitchFamily="49" charset="0"/>
-              </a:rPr>
-              <a:t> </a:t>
-            </a:r>
-            <a:r>
-              <a:rPr lang="en-US" sz="2400" dirty="0" err="1">
-                <a:solidFill>
-                  <a:srgbClr val="00FF00"/>
-                </a:solidFill>
-                <a:latin typeface="Consolas" panose="020B0609020204030204" pitchFamily="49" charset="0"/>
-              </a:rPr>
-              <a:t>sys</a:t>
-            </a:r>
-            <a:r>
-              <a:rPr lang="en-US" sz="2400" dirty="0" err="1">
-                <a:solidFill>
-                  <a:srgbClr val="808080"/>
-                </a:solidFill>
-                <a:latin typeface="Consolas" panose="020B0609020204030204" pitchFamily="49" charset="0"/>
-              </a:rPr>
-              <a:t>.</a:t>
-            </a:r>
-            <a:r>
-              <a:rPr lang="en-US" sz="2400" dirty="0" err="1">
-                <a:solidFill>
-                  <a:srgbClr val="00FF00"/>
-                </a:solidFill>
-                <a:latin typeface="Consolas" panose="020B0609020204030204" pitchFamily="49" charset="0"/>
-              </a:rPr>
-              <a:t>all_columns</a:t>
-            </a:r>
-            <a:r>
-              <a:rPr lang="en-US" sz="2400" dirty="0">
-                <a:solidFill>
-                  <a:srgbClr val="000000"/>
-                </a:solidFill>
-                <a:latin typeface="Consolas" panose="020B0609020204030204" pitchFamily="49" charset="0"/>
-              </a:rPr>
-              <a:t> </a:t>
-            </a:r>
-            <a:r>
-              <a:rPr lang="en-US" sz="2400" dirty="0">
-                <a:solidFill>
-                  <a:srgbClr val="0000FF"/>
-                </a:solidFill>
-                <a:latin typeface="Consolas" panose="020B0609020204030204" pitchFamily="49" charset="0"/>
-              </a:rPr>
-              <a:t>AS</a:t>
-            </a:r>
-            <a:r>
-              <a:rPr lang="en-US" sz="2400" dirty="0">
-                <a:solidFill>
-                  <a:srgbClr val="000000"/>
-                </a:solidFill>
-                <a:latin typeface="Consolas" panose="020B0609020204030204" pitchFamily="49" charset="0"/>
-              </a:rPr>
-              <a:t> s1 </a:t>
-            </a:r>
-            <a:r>
-              <a:rPr lang="en-US" sz="2400" dirty="0">
-                <a:solidFill>
-                  <a:srgbClr val="808080"/>
-                </a:solidFill>
-                <a:latin typeface="Consolas" panose="020B0609020204030204" pitchFamily="49" charset="0"/>
-              </a:rPr>
-              <a:t>CROSS</a:t>
-            </a:r>
-            <a:r>
-              <a:rPr lang="en-US" sz="2400" dirty="0">
-                <a:solidFill>
-                  <a:srgbClr val="000000"/>
-                </a:solidFill>
-                <a:latin typeface="Consolas" panose="020B0609020204030204" pitchFamily="49" charset="0"/>
-              </a:rPr>
-              <a:t> </a:t>
-            </a:r>
-            <a:r>
-              <a:rPr lang="en-US" sz="2400" dirty="0">
-                <a:solidFill>
-                  <a:srgbClr val="808080"/>
-                </a:solidFill>
-                <a:latin typeface="Consolas" panose="020B0609020204030204" pitchFamily="49" charset="0"/>
-              </a:rPr>
-              <a:t>JOIN</a:t>
-            </a:r>
-            <a:r>
-              <a:rPr lang="en-US" sz="2400" dirty="0">
-                <a:solidFill>
-                  <a:srgbClr val="000000"/>
-                </a:solidFill>
-                <a:latin typeface="Consolas" panose="020B0609020204030204" pitchFamily="49" charset="0"/>
-              </a:rPr>
-              <a:t> </a:t>
-            </a:r>
-            <a:r>
-              <a:rPr lang="en-US" sz="2400" dirty="0" err="1">
-                <a:solidFill>
-                  <a:srgbClr val="00FF00"/>
-                </a:solidFill>
-                <a:latin typeface="Consolas" panose="020B0609020204030204" pitchFamily="49" charset="0"/>
-              </a:rPr>
-              <a:t>sys</a:t>
-            </a:r>
-            <a:r>
-              <a:rPr lang="en-US" sz="2400" dirty="0" err="1">
-                <a:solidFill>
-                  <a:srgbClr val="808080"/>
-                </a:solidFill>
-                <a:latin typeface="Consolas" panose="020B0609020204030204" pitchFamily="49" charset="0"/>
-              </a:rPr>
-              <a:t>.</a:t>
-            </a:r>
-            <a:r>
-              <a:rPr lang="en-US" sz="2400" dirty="0" err="1">
-                <a:solidFill>
-                  <a:srgbClr val="00FF00"/>
-                </a:solidFill>
-                <a:latin typeface="Consolas" panose="020B0609020204030204" pitchFamily="49" charset="0"/>
-              </a:rPr>
-              <a:t>all_objects</a:t>
-            </a:r>
-            <a:r>
-              <a:rPr lang="en-US" sz="2400" dirty="0">
-                <a:solidFill>
-                  <a:srgbClr val="000000"/>
-                </a:solidFill>
-                <a:latin typeface="Consolas" panose="020B0609020204030204" pitchFamily="49" charset="0"/>
-              </a:rPr>
-              <a:t> </a:t>
-            </a:r>
-            <a:r>
-              <a:rPr lang="en-US" sz="2400" dirty="0">
-                <a:solidFill>
-                  <a:srgbClr val="0000FF"/>
-                </a:solidFill>
-                <a:latin typeface="Consolas" panose="020B0609020204030204" pitchFamily="49" charset="0"/>
-              </a:rPr>
-              <a:t>AS</a:t>
-            </a:r>
-            <a:r>
-              <a:rPr lang="en-US" sz="2400" dirty="0">
-                <a:solidFill>
-                  <a:srgbClr val="000000"/>
-                </a:solidFill>
-                <a:latin typeface="Consolas" panose="020B0609020204030204" pitchFamily="49" charset="0"/>
-              </a:rPr>
-              <a:t> s2</a:t>
-            </a:r>
-            <a:r>
-              <a:rPr lang="en-US" sz="2400" dirty="0">
-                <a:solidFill>
-                  <a:srgbClr val="808080"/>
-                </a:solidFill>
-                <a:latin typeface="Consolas" panose="020B0609020204030204" pitchFamily="49" charset="0"/>
-              </a:rPr>
-              <a:t>;</a:t>
-            </a:r>
-            <a:endParaRPr lang="en-US" sz="2400" dirty="0">
-              <a:solidFill>
-                <a:srgbClr val="000000"/>
-              </a:solidFill>
-              <a:latin typeface="Consolas" panose="020B0609020204030204" pitchFamily="49" charset="0"/>
-            </a:endParaRPr>
-          </a:p>
-          <a:p>
-            <a:pPr marL="0" indent="0">
-              <a:buNone/>
-            </a:pPr>
-            <a:r>
-              <a:rPr lang="en-US" sz="2400" dirty="0">
-                <a:solidFill>
-                  <a:srgbClr val="0000FF"/>
-                </a:solidFill>
-                <a:latin typeface="Consolas" panose="020B0609020204030204" pitchFamily="49" charset="0"/>
-              </a:rPr>
-              <a:t>SELECT</a:t>
-            </a:r>
-            <a:r>
-              <a:rPr lang="en-US" sz="2400" dirty="0">
-                <a:solidFill>
-                  <a:srgbClr val="000000"/>
-                </a:solidFill>
-                <a:latin typeface="Consolas" panose="020B0609020204030204" pitchFamily="49" charset="0"/>
-              </a:rPr>
-              <a:t> s2</a:t>
-            </a:r>
-            <a:r>
-              <a:rPr lang="en-US" sz="2400" dirty="0">
-                <a:solidFill>
-                  <a:srgbClr val="808080"/>
-                </a:solidFill>
-                <a:latin typeface="Consolas" panose="020B0609020204030204" pitchFamily="49" charset="0"/>
-              </a:rPr>
-              <a:t>.*</a:t>
-            </a:r>
-            <a:r>
-              <a:rPr lang="en-US" sz="2400" dirty="0">
-                <a:solidFill>
-                  <a:srgbClr val="000000"/>
-                </a:solidFill>
-                <a:latin typeface="Consolas" panose="020B0609020204030204" pitchFamily="49" charset="0"/>
-              </a:rPr>
-              <a:t> </a:t>
-            </a:r>
-            <a:r>
-              <a:rPr lang="en-US" sz="2400" dirty="0">
-                <a:solidFill>
-                  <a:srgbClr val="0000FF"/>
-                </a:solidFill>
-                <a:latin typeface="Consolas" panose="020B0609020204030204" pitchFamily="49" charset="0"/>
-              </a:rPr>
-              <a:t>INTO</a:t>
-            </a:r>
-            <a:r>
-              <a:rPr lang="en-US" sz="2400" dirty="0">
-                <a:solidFill>
-                  <a:srgbClr val="000000"/>
-                </a:solidFill>
-                <a:latin typeface="Consolas" panose="020B0609020204030204" pitchFamily="49" charset="0"/>
-              </a:rPr>
-              <a:t> dbo</a:t>
-            </a:r>
-            <a:r>
-              <a:rPr lang="en-US" sz="2400" dirty="0">
-                <a:solidFill>
-                  <a:srgbClr val="808080"/>
-                </a:solidFill>
-                <a:latin typeface="Consolas" panose="020B0609020204030204" pitchFamily="49" charset="0"/>
-              </a:rPr>
-              <a:t>.</a:t>
-            </a:r>
-            <a:r>
-              <a:rPr lang="en-US" sz="2400" dirty="0">
-                <a:solidFill>
-                  <a:srgbClr val="000000"/>
-                </a:solidFill>
-                <a:latin typeface="Consolas" panose="020B0609020204030204" pitchFamily="49" charset="0"/>
-              </a:rPr>
-              <a:t>fl2 </a:t>
-            </a:r>
-            <a:r>
-              <a:rPr lang="en-US" sz="2400" dirty="0">
-                <a:solidFill>
-                  <a:srgbClr val="0000FF"/>
-                </a:solidFill>
-                <a:latin typeface="Consolas" panose="020B0609020204030204" pitchFamily="49" charset="0"/>
-              </a:rPr>
-              <a:t>FROM</a:t>
-            </a:r>
-            <a:r>
-              <a:rPr lang="en-US" sz="2400" dirty="0">
-                <a:solidFill>
-                  <a:srgbClr val="000000"/>
-                </a:solidFill>
-                <a:latin typeface="Consolas" panose="020B0609020204030204" pitchFamily="49" charset="0"/>
-              </a:rPr>
-              <a:t> </a:t>
-            </a:r>
-            <a:r>
-              <a:rPr lang="en-US" sz="2400" dirty="0" err="1">
-                <a:solidFill>
-                  <a:srgbClr val="00FF00"/>
-                </a:solidFill>
-                <a:latin typeface="Consolas" panose="020B0609020204030204" pitchFamily="49" charset="0"/>
-              </a:rPr>
-              <a:t>sys</a:t>
-            </a:r>
-            <a:r>
-              <a:rPr lang="en-US" sz="2400" dirty="0" err="1">
-                <a:solidFill>
-                  <a:srgbClr val="808080"/>
-                </a:solidFill>
-                <a:latin typeface="Consolas" panose="020B0609020204030204" pitchFamily="49" charset="0"/>
-              </a:rPr>
-              <a:t>.</a:t>
-            </a:r>
-            <a:r>
-              <a:rPr lang="en-US" sz="2400" dirty="0" err="1">
-                <a:solidFill>
-                  <a:srgbClr val="00FF00"/>
-                </a:solidFill>
-                <a:latin typeface="Consolas" panose="020B0609020204030204" pitchFamily="49" charset="0"/>
-              </a:rPr>
-              <a:t>all_columns</a:t>
-            </a:r>
-            <a:r>
-              <a:rPr lang="en-US" sz="2400" dirty="0">
-                <a:solidFill>
-                  <a:srgbClr val="000000"/>
-                </a:solidFill>
-                <a:latin typeface="Consolas" panose="020B0609020204030204" pitchFamily="49" charset="0"/>
-              </a:rPr>
-              <a:t> </a:t>
-            </a:r>
-            <a:r>
-              <a:rPr lang="en-US" sz="2400" dirty="0">
-                <a:solidFill>
-                  <a:srgbClr val="0000FF"/>
-                </a:solidFill>
-                <a:latin typeface="Consolas" panose="020B0609020204030204" pitchFamily="49" charset="0"/>
-              </a:rPr>
-              <a:t>AS</a:t>
-            </a:r>
-            <a:r>
-              <a:rPr lang="en-US" sz="2400" dirty="0">
-                <a:solidFill>
-                  <a:srgbClr val="000000"/>
-                </a:solidFill>
-                <a:latin typeface="Consolas" panose="020B0609020204030204" pitchFamily="49" charset="0"/>
-              </a:rPr>
-              <a:t> s1 </a:t>
-            </a:r>
-            <a:r>
-              <a:rPr lang="en-US" sz="2400" dirty="0">
-                <a:solidFill>
-                  <a:srgbClr val="808080"/>
-                </a:solidFill>
-                <a:latin typeface="Consolas" panose="020B0609020204030204" pitchFamily="49" charset="0"/>
-              </a:rPr>
-              <a:t>CROSS</a:t>
-            </a:r>
-            <a:r>
-              <a:rPr lang="en-US" sz="2400" dirty="0">
-                <a:solidFill>
-                  <a:srgbClr val="000000"/>
-                </a:solidFill>
-                <a:latin typeface="Consolas" panose="020B0609020204030204" pitchFamily="49" charset="0"/>
-              </a:rPr>
-              <a:t> </a:t>
-            </a:r>
-            <a:r>
-              <a:rPr lang="en-US" sz="2400" dirty="0">
-                <a:solidFill>
-                  <a:srgbClr val="808080"/>
-                </a:solidFill>
-                <a:latin typeface="Consolas" panose="020B0609020204030204" pitchFamily="49" charset="0"/>
-              </a:rPr>
-              <a:t>JOIN</a:t>
-            </a:r>
-            <a:r>
-              <a:rPr lang="en-US" sz="2400" dirty="0">
-                <a:solidFill>
-                  <a:srgbClr val="000000"/>
-                </a:solidFill>
-                <a:latin typeface="Consolas" panose="020B0609020204030204" pitchFamily="49" charset="0"/>
-              </a:rPr>
-              <a:t> </a:t>
-            </a:r>
-            <a:r>
-              <a:rPr lang="en-US" sz="2400" dirty="0" err="1">
-                <a:solidFill>
-                  <a:srgbClr val="00FF00"/>
-                </a:solidFill>
-                <a:latin typeface="Consolas" panose="020B0609020204030204" pitchFamily="49" charset="0"/>
-              </a:rPr>
-              <a:t>sys</a:t>
-            </a:r>
-            <a:r>
-              <a:rPr lang="en-US" sz="2400" dirty="0" err="1">
-                <a:solidFill>
-                  <a:srgbClr val="808080"/>
-                </a:solidFill>
-                <a:latin typeface="Consolas" panose="020B0609020204030204" pitchFamily="49" charset="0"/>
-              </a:rPr>
-              <a:t>.</a:t>
-            </a:r>
-            <a:r>
-              <a:rPr lang="en-US" sz="2400" dirty="0" err="1">
-                <a:solidFill>
-                  <a:srgbClr val="00FF00"/>
-                </a:solidFill>
-                <a:latin typeface="Consolas" panose="020B0609020204030204" pitchFamily="49" charset="0"/>
-              </a:rPr>
-              <a:t>all_objects</a:t>
-            </a:r>
-            <a:r>
-              <a:rPr lang="en-US" sz="2400" dirty="0">
-                <a:solidFill>
-                  <a:srgbClr val="000000"/>
-                </a:solidFill>
-                <a:latin typeface="Consolas" panose="020B0609020204030204" pitchFamily="49" charset="0"/>
-              </a:rPr>
-              <a:t> </a:t>
-            </a:r>
-            <a:r>
-              <a:rPr lang="en-US" sz="2400" dirty="0">
-                <a:solidFill>
-                  <a:srgbClr val="0000FF"/>
-                </a:solidFill>
-                <a:latin typeface="Consolas" panose="020B0609020204030204" pitchFamily="49" charset="0"/>
-              </a:rPr>
-              <a:t>AS</a:t>
-            </a:r>
-            <a:r>
-              <a:rPr lang="en-US" sz="2400" dirty="0">
-                <a:solidFill>
-                  <a:srgbClr val="000000"/>
-                </a:solidFill>
-                <a:latin typeface="Consolas" panose="020B0609020204030204" pitchFamily="49" charset="0"/>
-              </a:rPr>
-              <a:t> s2</a:t>
-            </a:r>
-            <a:r>
-              <a:rPr lang="en-US" sz="2400" dirty="0">
-                <a:solidFill>
-                  <a:srgbClr val="808080"/>
-                </a:solidFill>
-                <a:latin typeface="Consolas" panose="020B0609020204030204" pitchFamily="49" charset="0"/>
-              </a:rPr>
-              <a:t>;</a:t>
-            </a:r>
-            <a:endParaRPr lang="en-US" sz="2400" dirty="0">
-              <a:solidFill>
-                <a:srgbClr val="000000"/>
-              </a:solidFill>
-              <a:latin typeface="Consolas" panose="020B0609020204030204" pitchFamily="49" charset="0"/>
-            </a:endParaRPr>
-          </a:p>
-          <a:p>
-            <a:pPr marL="0" indent="0">
-              <a:buNone/>
-            </a:pPr>
-            <a:r>
-              <a:rPr lang="en-US" sz="2400" dirty="0">
-                <a:solidFill>
-                  <a:srgbClr val="0000FF"/>
-                </a:solidFill>
-                <a:latin typeface="Consolas" panose="020B0609020204030204" pitchFamily="49" charset="0"/>
-              </a:rPr>
-              <a:t>SELECT</a:t>
-            </a:r>
-            <a:r>
-              <a:rPr lang="en-US" sz="2400" dirty="0">
-                <a:solidFill>
-                  <a:srgbClr val="000000"/>
-                </a:solidFill>
-                <a:latin typeface="Consolas" panose="020B0609020204030204" pitchFamily="49" charset="0"/>
-              </a:rPr>
-              <a:t> s2</a:t>
-            </a:r>
-            <a:r>
-              <a:rPr lang="en-US" sz="2400" dirty="0">
-                <a:solidFill>
-                  <a:srgbClr val="808080"/>
-                </a:solidFill>
-                <a:latin typeface="Consolas" panose="020B0609020204030204" pitchFamily="49" charset="0"/>
-              </a:rPr>
-              <a:t>.*</a:t>
-            </a:r>
-            <a:r>
-              <a:rPr lang="en-US" sz="2400" dirty="0">
-                <a:solidFill>
-                  <a:srgbClr val="000000"/>
-                </a:solidFill>
-                <a:latin typeface="Consolas" panose="020B0609020204030204" pitchFamily="49" charset="0"/>
-              </a:rPr>
-              <a:t> </a:t>
-            </a:r>
-            <a:r>
-              <a:rPr lang="en-US" sz="2400" dirty="0">
-                <a:solidFill>
-                  <a:srgbClr val="0000FF"/>
-                </a:solidFill>
-                <a:latin typeface="Consolas" panose="020B0609020204030204" pitchFamily="49" charset="0"/>
-              </a:rPr>
-              <a:t>INTO</a:t>
-            </a:r>
-            <a:r>
-              <a:rPr lang="en-US" sz="2400" dirty="0">
-                <a:solidFill>
-                  <a:srgbClr val="000000"/>
-                </a:solidFill>
-                <a:latin typeface="Consolas" panose="020B0609020204030204" pitchFamily="49" charset="0"/>
-              </a:rPr>
-              <a:t> dbo</a:t>
-            </a:r>
-            <a:r>
-              <a:rPr lang="en-US" sz="2400" dirty="0">
-                <a:solidFill>
-                  <a:srgbClr val="808080"/>
-                </a:solidFill>
-                <a:latin typeface="Consolas" panose="020B0609020204030204" pitchFamily="49" charset="0"/>
-              </a:rPr>
-              <a:t>.</a:t>
-            </a:r>
-            <a:r>
-              <a:rPr lang="en-US" sz="2400" dirty="0">
-                <a:solidFill>
-                  <a:srgbClr val="000000"/>
-                </a:solidFill>
-                <a:latin typeface="Consolas" panose="020B0609020204030204" pitchFamily="49" charset="0"/>
-              </a:rPr>
-              <a:t>fl3 </a:t>
-            </a:r>
-            <a:r>
-              <a:rPr lang="en-US" sz="2400" dirty="0">
-                <a:solidFill>
-                  <a:srgbClr val="0000FF"/>
-                </a:solidFill>
-                <a:latin typeface="Consolas" panose="020B0609020204030204" pitchFamily="49" charset="0"/>
-              </a:rPr>
-              <a:t>FROM</a:t>
-            </a:r>
-            <a:r>
-              <a:rPr lang="en-US" sz="2400" dirty="0">
-                <a:solidFill>
-                  <a:srgbClr val="000000"/>
-                </a:solidFill>
-                <a:latin typeface="Consolas" panose="020B0609020204030204" pitchFamily="49" charset="0"/>
-              </a:rPr>
-              <a:t> </a:t>
-            </a:r>
-            <a:r>
-              <a:rPr lang="en-US" sz="2400" dirty="0" err="1">
-                <a:solidFill>
-                  <a:srgbClr val="00FF00"/>
-                </a:solidFill>
-                <a:latin typeface="Consolas" panose="020B0609020204030204" pitchFamily="49" charset="0"/>
-              </a:rPr>
-              <a:t>sys</a:t>
-            </a:r>
-            <a:r>
-              <a:rPr lang="en-US" sz="2400" dirty="0" err="1">
-                <a:solidFill>
-                  <a:srgbClr val="808080"/>
-                </a:solidFill>
-                <a:latin typeface="Consolas" panose="020B0609020204030204" pitchFamily="49" charset="0"/>
-              </a:rPr>
-              <a:t>.</a:t>
-            </a:r>
-            <a:r>
-              <a:rPr lang="en-US" sz="2400" dirty="0" err="1">
-                <a:solidFill>
-                  <a:srgbClr val="00FF00"/>
-                </a:solidFill>
-                <a:latin typeface="Consolas" panose="020B0609020204030204" pitchFamily="49" charset="0"/>
-              </a:rPr>
-              <a:t>all_columns</a:t>
-            </a:r>
-            <a:r>
-              <a:rPr lang="en-US" sz="2400" dirty="0">
-                <a:solidFill>
-                  <a:srgbClr val="000000"/>
-                </a:solidFill>
-                <a:latin typeface="Consolas" panose="020B0609020204030204" pitchFamily="49" charset="0"/>
-              </a:rPr>
-              <a:t> </a:t>
-            </a:r>
-            <a:r>
-              <a:rPr lang="en-US" sz="2400" dirty="0">
-                <a:solidFill>
-                  <a:srgbClr val="0000FF"/>
-                </a:solidFill>
-                <a:latin typeface="Consolas" panose="020B0609020204030204" pitchFamily="49" charset="0"/>
-              </a:rPr>
-              <a:t>AS</a:t>
-            </a:r>
-            <a:r>
-              <a:rPr lang="en-US" sz="2400" dirty="0">
-                <a:solidFill>
-                  <a:srgbClr val="000000"/>
-                </a:solidFill>
-                <a:latin typeface="Consolas" panose="020B0609020204030204" pitchFamily="49" charset="0"/>
-              </a:rPr>
-              <a:t> s1 </a:t>
-            </a:r>
-            <a:r>
-              <a:rPr lang="en-US" sz="2400" dirty="0">
-                <a:solidFill>
-                  <a:srgbClr val="808080"/>
-                </a:solidFill>
-                <a:latin typeface="Consolas" panose="020B0609020204030204" pitchFamily="49" charset="0"/>
-              </a:rPr>
-              <a:t>CROSS</a:t>
-            </a:r>
-            <a:r>
-              <a:rPr lang="en-US" sz="2400" dirty="0">
-                <a:solidFill>
-                  <a:srgbClr val="000000"/>
-                </a:solidFill>
-                <a:latin typeface="Consolas" panose="020B0609020204030204" pitchFamily="49" charset="0"/>
-              </a:rPr>
-              <a:t> </a:t>
-            </a:r>
-            <a:r>
-              <a:rPr lang="en-US" sz="2400" dirty="0">
-                <a:solidFill>
-                  <a:srgbClr val="808080"/>
-                </a:solidFill>
-                <a:latin typeface="Consolas" panose="020B0609020204030204" pitchFamily="49" charset="0"/>
-              </a:rPr>
-              <a:t>JOIN</a:t>
-            </a:r>
-            <a:r>
-              <a:rPr lang="en-US" sz="2400" dirty="0">
-                <a:solidFill>
-                  <a:srgbClr val="000000"/>
-                </a:solidFill>
-                <a:latin typeface="Consolas" panose="020B0609020204030204" pitchFamily="49" charset="0"/>
-              </a:rPr>
-              <a:t> </a:t>
-            </a:r>
-            <a:r>
-              <a:rPr lang="en-US" sz="2400" dirty="0" err="1">
-                <a:solidFill>
-                  <a:srgbClr val="00FF00"/>
-                </a:solidFill>
-                <a:latin typeface="Consolas" panose="020B0609020204030204" pitchFamily="49" charset="0"/>
-              </a:rPr>
-              <a:t>sys</a:t>
-            </a:r>
-            <a:r>
-              <a:rPr lang="en-US" sz="2400" dirty="0" err="1">
-                <a:solidFill>
-                  <a:srgbClr val="808080"/>
-                </a:solidFill>
-                <a:latin typeface="Consolas" panose="020B0609020204030204" pitchFamily="49" charset="0"/>
-              </a:rPr>
-              <a:t>.</a:t>
-            </a:r>
-            <a:r>
-              <a:rPr lang="en-US" sz="2400" dirty="0" err="1">
-                <a:solidFill>
-                  <a:srgbClr val="00FF00"/>
-                </a:solidFill>
-                <a:latin typeface="Consolas" panose="020B0609020204030204" pitchFamily="49" charset="0"/>
-              </a:rPr>
-              <a:t>all_objects</a:t>
-            </a:r>
-            <a:r>
-              <a:rPr lang="en-US" sz="2400" dirty="0">
-                <a:solidFill>
-                  <a:srgbClr val="000000"/>
-                </a:solidFill>
-                <a:latin typeface="Consolas" panose="020B0609020204030204" pitchFamily="49" charset="0"/>
-              </a:rPr>
-              <a:t> </a:t>
-            </a:r>
-            <a:r>
-              <a:rPr lang="en-US" sz="2400" dirty="0">
-                <a:solidFill>
-                  <a:srgbClr val="0000FF"/>
-                </a:solidFill>
-                <a:latin typeface="Consolas" panose="020B0609020204030204" pitchFamily="49" charset="0"/>
-              </a:rPr>
-              <a:t>AS</a:t>
-            </a:r>
-            <a:r>
-              <a:rPr lang="en-US" sz="2400" dirty="0">
-                <a:solidFill>
-                  <a:srgbClr val="000000"/>
-                </a:solidFill>
-                <a:latin typeface="Consolas" panose="020B0609020204030204" pitchFamily="49" charset="0"/>
-              </a:rPr>
-              <a:t> s2</a:t>
-            </a:r>
-            <a:r>
-              <a:rPr lang="en-US" sz="2400" dirty="0">
-                <a:solidFill>
-                  <a:srgbClr val="808080"/>
-                </a:solidFill>
-                <a:latin typeface="Consolas" panose="020B0609020204030204" pitchFamily="49" charset="0"/>
-              </a:rPr>
-              <a:t>;</a:t>
-            </a:r>
-            <a:endParaRPr lang="en-US" dirty="0"/>
-          </a:p>
-        </p:txBody>
-      </p:sp>
+        </p:nvPicPr>
+        <p:blipFill>
+          <a:blip r:embed="rId2"/>
+          <a:stretch>
+            <a:fillRect/>
+          </a:stretch>
+        </p:blipFill>
+        <p:spPr>
+          <a:xfrm>
+            <a:off x="627910" y="1985211"/>
+            <a:ext cx="11231861" cy="3031957"/>
+          </a:xfrm>
+          <a:prstGeom prst="rect">
+            <a:avLst/>
+          </a:prstGeom>
+        </p:spPr>
+      </p:pic>
     </p:spTree>
     <p:extLst>
       <p:ext uri="{BB962C8B-B14F-4D97-AF65-F5344CB8AC3E}">
-        <p14:creationId xmlns:p14="http://schemas.microsoft.com/office/powerpoint/2010/main" val="3167236336"/>
+        <p14:creationId xmlns:p14="http://schemas.microsoft.com/office/powerpoint/2010/main" val="485136482"/>
       </p:ext>
     </p:extLst>
   </p:cSld>
@@ -18416,7 +17221,7 @@
           <a:p>
             <a:r>
               <a:rPr lang="en-US" dirty="0"/>
-              <a:t>AG Failover Results</a:t>
+              <a:t>Crash Recovery Results</a:t>
             </a:r>
           </a:p>
         </p:txBody>
@@ -18439,21 +17244,20 @@
         </p:nvPicPr>
         <p:blipFill>
           <a:blip r:embed="rId2"/>
-          <a:stretch>
-            <a:fillRect/>
-          </a:stretch>
+          <a:srcRect/>
+          <a:stretch/>
         </p:blipFill>
         <p:spPr>
           <a:xfrm>
-            <a:off x="2715979" y="3007098"/>
-            <a:ext cx="6760041" cy="1293028"/>
+            <a:off x="2556608" y="2782486"/>
+            <a:ext cx="7078784" cy="1293028"/>
           </a:xfrm>
         </p:spPr>
       </p:pic>
     </p:spTree>
     <p:extLst>
       <p:ext uri="{BB962C8B-B14F-4D97-AF65-F5344CB8AC3E}">
-        <p14:creationId xmlns:p14="http://schemas.microsoft.com/office/powerpoint/2010/main" val="4162714264"/>
+        <p14:creationId xmlns:p14="http://schemas.microsoft.com/office/powerpoint/2010/main" val="3285679172"/>
       </p:ext>
     </p:extLst>
   </p:cSld>
@@ -18485,6 +17289,1515 @@
           <p:cNvPr id="2" name="Title 1">
             <a:extLst>
               <a:ext uri="{FF2B5EF4-FFF2-40B4-BE49-F238E27FC236}">
+                <a16:creationId xmlns:a16="http://schemas.microsoft.com/office/drawing/2014/main" id="{13D11F34-7E4B-4969-A4AA-61706463E43A}"/>
+              </a:ext>
+            </a:extLst>
+          </p:cNvPr>
+          <p:cNvSpPr>
+            <a:spLocks noGrp="1"/>
+          </p:cNvSpPr>
+          <p:nvPr>
+            <p:ph type="title"/>
+          </p:nvPr>
+        </p:nvSpPr>
+        <p:spPr/>
+        <p:txBody>
+          <a:bodyPr/>
+          <a:lstStyle/>
+          <a:p>
+            <a:r>
+              <a:rPr lang="en-US" dirty="0"/>
+              <a:t>AG Failover Demo</a:t>
+            </a:r>
+          </a:p>
+        </p:txBody>
+      </p:sp>
+      <p:sp>
+        <p:nvSpPr>
+          <p:cNvPr id="3" name="Content Placeholder 2">
+            <a:extLst>
+              <a:ext uri="{FF2B5EF4-FFF2-40B4-BE49-F238E27FC236}">
+                <a16:creationId xmlns:a16="http://schemas.microsoft.com/office/drawing/2014/main" id="{340DFCB8-280E-4684-858C-796C01EBFA5C}"/>
+              </a:ext>
+            </a:extLst>
+          </p:cNvPr>
+          <p:cNvSpPr>
+            <a:spLocks noGrp="1"/>
+          </p:cNvSpPr>
+          <p:nvPr>
+            <p:ph idx="1"/>
+          </p:nvPr>
+        </p:nvSpPr>
+        <p:spPr/>
+        <p:txBody>
+          <a:bodyPr>
+            <a:normAutofit fontScale="70000" lnSpcReduction="20000"/>
+          </a:bodyPr>
+          <a:lstStyle/>
+          <a:p>
+            <a:pPr marL="0" indent="0">
+              <a:buNone/>
+            </a:pPr>
+            <a:r>
+              <a:rPr lang="en-US" sz="2400" dirty="0">
+                <a:solidFill>
+                  <a:srgbClr val="0000FF"/>
+                </a:solidFill>
+                <a:latin typeface="Consolas" panose="020B0609020204030204" pitchFamily="49" charset="0"/>
+              </a:rPr>
+              <a:t>DECLARE</a:t>
+            </a:r>
+            <a:r>
+              <a:rPr lang="en-US" sz="2400" dirty="0">
+                <a:solidFill>
+                  <a:srgbClr val="000000"/>
+                </a:solidFill>
+                <a:latin typeface="Consolas" panose="020B0609020204030204" pitchFamily="49" charset="0"/>
+              </a:rPr>
+              <a:t> @</a:t>
+            </a:r>
+            <a:r>
+              <a:rPr lang="en-US" sz="2400" dirty="0" err="1">
+                <a:solidFill>
+                  <a:srgbClr val="000000"/>
+                </a:solidFill>
+                <a:latin typeface="Consolas" panose="020B0609020204030204" pitchFamily="49" charset="0"/>
+              </a:rPr>
+              <a:t>waitfor</a:t>
+            </a:r>
+            <a:r>
+              <a:rPr lang="en-US" sz="2400" dirty="0">
+                <a:solidFill>
+                  <a:srgbClr val="000000"/>
+                </a:solidFill>
+                <a:latin typeface="Consolas" panose="020B0609020204030204" pitchFamily="49" charset="0"/>
+              </a:rPr>
+              <a:t> </a:t>
+            </a:r>
+            <a:r>
+              <a:rPr lang="en-US" sz="2400" dirty="0">
+                <a:solidFill>
+                  <a:srgbClr val="0000FF"/>
+                </a:solidFill>
+                <a:latin typeface="Consolas" panose="020B0609020204030204" pitchFamily="49" charset="0"/>
+              </a:rPr>
+              <a:t>DATETIME</a:t>
+            </a:r>
+            <a:r>
+              <a:rPr lang="en-US" sz="2400" dirty="0">
+                <a:solidFill>
+                  <a:srgbClr val="808080"/>
+                </a:solidFill>
+                <a:latin typeface="Consolas" panose="020B0609020204030204" pitchFamily="49" charset="0"/>
+              </a:rPr>
+              <a:t>;</a:t>
+            </a:r>
+            <a:endParaRPr lang="en-US" sz="2400" dirty="0">
+              <a:solidFill>
+                <a:srgbClr val="000000"/>
+              </a:solidFill>
+              <a:latin typeface="Consolas" panose="020B0609020204030204" pitchFamily="49" charset="0"/>
+            </a:endParaRPr>
+          </a:p>
+          <a:p>
+            <a:endParaRPr lang="en-US" sz="2400" dirty="0">
+              <a:solidFill>
+                <a:srgbClr val="000000"/>
+              </a:solidFill>
+              <a:latin typeface="Consolas" panose="020B0609020204030204" pitchFamily="49" charset="0"/>
+            </a:endParaRPr>
+          </a:p>
+          <a:p>
+            <a:pPr marL="0" indent="0">
+              <a:buNone/>
+            </a:pPr>
+            <a:r>
+              <a:rPr lang="en-US" sz="2400" dirty="0">
+                <a:solidFill>
+                  <a:srgbClr val="0000FF"/>
+                </a:solidFill>
+                <a:latin typeface="Consolas" panose="020B0609020204030204" pitchFamily="49" charset="0"/>
+              </a:rPr>
+              <a:t>SELECT</a:t>
+            </a:r>
+            <a:r>
+              <a:rPr lang="en-US" sz="2400" dirty="0">
+                <a:solidFill>
+                  <a:srgbClr val="000000"/>
+                </a:solidFill>
+                <a:latin typeface="Consolas" panose="020B0609020204030204" pitchFamily="49" charset="0"/>
+              </a:rPr>
+              <a:t> @</a:t>
+            </a:r>
+            <a:r>
+              <a:rPr lang="en-US" sz="2400" dirty="0" err="1">
+                <a:solidFill>
+                  <a:srgbClr val="000000"/>
+                </a:solidFill>
+                <a:latin typeface="Consolas" panose="020B0609020204030204" pitchFamily="49" charset="0"/>
+              </a:rPr>
+              <a:t>waitfor</a:t>
+            </a:r>
+            <a:r>
+              <a:rPr lang="en-US" sz="2400" dirty="0">
+                <a:solidFill>
+                  <a:srgbClr val="000000"/>
+                </a:solidFill>
+                <a:latin typeface="Consolas" panose="020B0609020204030204" pitchFamily="49" charset="0"/>
+              </a:rPr>
+              <a:t> </a:t>
+            </a:r>
+            <a:r>
+              <a:rPr lang="en-US" sz="2400" dirty="0">
+                <a:solidFill>
+                  <a:srgbClr val="808080"/>
+                </a:solidFill>
+                <a:latin typeface="Consolas" panose="020B0609020204030204" pitchFamily="49" charset="0"/>
+              </a:rPr>
+              <a:t>=</a:t>
+            </a:r>
+            <a:r>
+              <a:rPr lang="en-US" sz="2400" dirty="0">
+                <a:solidFill>
+                  <a:srgbClr val="000000"/>
+                </a:solidFill>
+                <a:latin typeface="Consolas" panose="020B0609020204030204" pitchFamily="49" charset="0"/>
+              </a:rPr>
+              <a:t> </a:t>
+            </a:r>
+            <a:r>
+              <a:rPr lang="en-US" sz="2400" dirty="0">
+                <a:solidFill>
+                  <a:srgbClr val="FF00FF"/>
+                </a:solidFill>
+                <a:latin typeface="Consolas" panose="020B0609020204030204" pitchFamily="49" charset="0"/>
+              </a:rPr>
+              <a:t>CAST</a:t>
+            </a:r>
+            <a:r>
+              <a:rPr lang="en-US" sz="2400" dirty="0">
+                <a:solidFill>
+                  <a:srgbClr val="808080"/>
+                </a:solidFill>
+                <a:latin typeface="Consolas" panose="020B0609020204030204" pitchFamily="49" charset="0"/>
+              </a:rPr>
+              <a:t>(</a:t>
+            </a:r>
+            <a:r>
+              <a:rPr lang="en-US" sz="2400" dirty="0">
+                <a:solidFill>
+                  <a:srgbClr val="FF00FF"/>
+                </a:solidFill>
+                <a:latin typeface="Consolas" panose="020B0609020204030204" pitchFamily="49" charset="0"/>
+              </a:rPr>
+              <a:t>DATEADD</a:t>
+            </a:r>
+            <a:r>
+              <a:rPr lang="en-US" sz="2400" dirty="0">
+                <a:solidFill>
+                  <a:srgbClr val="808080"/>
+                </a:solidFill>
+                <a:latin typeface="Consolas" panose="020B0609020204030204" pitchFamily="49" charset="0"/>
+              </a:rPr>
+              <a:t>(</a:t>
+            </a:r>
+            <a:r>
+              <a:rPr lang="en-US" sz="2400" dirty="0">
+                <a:solidFill>
+                  <a:srgbClr val="FF00FF"/>
+                </a:solidFill>
+                <a:latin typeface="Consolas" panose="020B0609020204030204" pitchFamily="49" charset="0"/>
+              </a:rPr>
+              <a:t>SECOND</a:t>
+            </a:r>
+            <a:r>
+              <a:rPr lang="en-US" sz="2400" dirty="0">
+                <a:solidFill>
+                  <a:srgbClr val="808080"/>
+                </a:solidFill>
+                <a:latin typeface="Consolas" panose="020B0609020204030204" pitchFamily="49" charset="0"/>
+              </a:rPr>
+              <a:t>,</a:t>
+            </a:r>
+            <a:r>
+              <a:rPr lang="en-US" sz="2400" dirty="0">
+                <a:solidFill>
+                  <a:srgbClr val="000000"/>
+                </a:solidFill>
+                <a:latin typeface="Consolas" panose="020B0609020204030204" pitchFamily="49" charset="0"/>
+              </a:rPr>
+              <a:t> 10</a:t>
+            </a:r>
+            <a:r>
+              <a:rPr lang="en-US" sz="2400" dirty="0">
+                <a:solidFill>
+                  <a:srgbClr val="808080"/>
+                </a:solidFill>
+                <a:latin typeface="Consolas" panose="020B0609020204030204" pitchFamily="49" charset="0"/>
+              </a:rPr>
+              <a:t>,</a:t>
+            </a:r>
+            <a:r>
+              <a:rPr lang="en-US" sz="2400" dirty="0">
+                <a:solidFill>
+                  <a:srgbClr val="000000"/>
+                </a:solidFill>
+                <a:latin typeface="Consolas" panose="020B0609020204030204" pitchFamily="49" charset="0"/>
+              </a:rPr>
+              <a:t> </a:t>
+            </a:r>
+            <a:r>
+              <a:rPr lang="en-US" sz="2400" dirty="0">
+                <a:solidFill>
+                  <a:srgbClr val="FF00FF"/>
+                </a:solidFill>
+                <a:latin typeface="Consolas" panose="020B0609020204030204" pitchFamily="49" charset="0"/>
+              </a:rPr>
+              <a:t>CURRENT_TIMESTAMP</a:t>
+            </a:r>
+            <a:r>
+              <a:rPr lang="en-US" sz="2400" dirty="0">
+                <a:solidFill>
+                  <a:srgbClr val="808080"/>
+                </a:solidFill>
+                <a:latin typeface="Consolas" panose="020B0609020204030204" pitchFamily="49" charset="0"/>
+              </a:rPr>
+              <a:t>)</a:t>
+            </a:r>
+            <a:r>
+              <a:rPr lang="en-US" sz="2400" dirty="0">
+                <a:solidFill>
+                  <a:srgbClr val="000000"/>
+                </a:solidFill>
+                <a:latin typeface="Consolas" panose="020B0609020204030204" pitchFamily="49" charset="0"/>
+              </a:rPr>
+              <a:t> </a:t>
+            </a:r>
+            <a:r>
+              <a:rPr lang="en-US" sz="2400" dirty="0">
+                <a:solidFill>
+                  <a:srgbClr val="0000FF"/>
+                </a:solidFill>
+                <a:latin typeface="Consolas" panose="020B0609020204030204" pitchFamily="49" charset="0"/>
+              </a:rPr>
+              <a:t>AS</a:t>
+            </a:r>
+            <a:r>
+              <a:rPr lang="en-US" sz="2400" dirty="0">
+                <a:solidFill>
+                  <a:srgbClr val="000000"/>
+                </a:solidFill>
+                <a:latin typeface="Consolas" panose="020B0609020204030204" pitchFamily="49" charset="0"/>
+              </a:rPr>
+              <a:t> </a:t>
+            </a:r>
+            <a:r>
+              <a:rPr lang="en-US" sz="2400" dirty="0">
+                <a:solidFill>
+                  <a:srgbClr val="0000FF"/>
+                </a:solidFill>
+                <a:latin typeface="Consolas" panose="020B0609020204030204" pitchFamily="49" charset="0"/>
+              </a:rPr>
+              <a:t>TIME</a:t>
+            </a:r>
+            <a:r>
+              <a:rPr lang="en-US" sz="2400" dirty="0">
+                <a:solidFill>
+                  <a:srgbClr val="808080"/>
+                </a:solidFill>
+                <a:latin typeface="Consolas" panose="020B0609020204030204" pitchFamily="49" charset="0"/>
+              </a:rPr>
+              <a:t>);</a:t>
+            </a:r>
+            <a:endParaRPr lang="en-US" sz="2400" dirty="0">
+              <a:solidFill>
+                <a:srgbClr val="000000"/>
+              </a:solidFill>
+              <a:latin typeface="Consolas" panose="020B0609020204030204" pitchFamily="49" charset="0"/>
+            </a:endParaRPr>
+          </a:p>
+          <a:p>
+            <a:endParaRPr lang="en-US" sz="2400" dirty="0">
+              <a:solidFill>
+                <a:srgbClr val="000000"/>
+              </a:solidFill>
+              <a:latin typeface="Consolas" panose="020B0609020204030204" pitchFamily="49" charset="0"/>
+            </a:endParaRPr>
+          </a:p>
+          <a:p>
+            <a:pPr marL="0" indent="0">
+              <a:buNone/>
+            </a:pPr>
+            <a:r>
+              <a:rPr lang="en-US" sz="2400" dirty="0">
+                <a:solidFill>
+                  <a:srgbClr val="0000FF"/>
+                </a:solidFill>
+                <a:latin typeface="Consolas" panose="020B0609020204030204" pitchFamily="49" charset="0"/>
+              </a:rPr>
+              <a:t>WAITFOR</a:t>
+            </a:r>
+            <a:r>
+              <a:rPr lang="en-US" sz="2400" dirty="0">
+                <a:solidFill>
+                  <a:srgbClr val="000000"/>
+                </a:solidFill>
+                <a:latin typeface="Consolas" panose="020B0609020204030204" pitchFamily="49" charset="0"/>
+              </a:rPr>
+              <a:t> </a:t>
+            </a:r>
+            <a:r>
+              <a:rPr lang="en-US" sz="2400" dirty="0">
+                <a:solidFill>
+                  <a:srgbClr val="0000FF"/>
+                </a:solidFill>
+                <a:latin typeface="Consolas" panose="020B0609020204030204" pitchFamily="49" charset="0"/>
+              </a:rPr>
+              <a:t>TIME</a:t>
+            </a:r>
+            <a:r>
+              <a:rPr lang="en-US" sz="2400" dirty="0">
+                <a:solidFill>
+                  <a:srgbClr val="000000"/>
+                </a:solidFill>
+                <a:latin typeface="Consolas" panose="020B0609020204030204" pitchFamily="49" charset="0"/>
+              </a:rPr>
+              <a:t> @</a:t>
+            </a:r>
+            <a:r>
+              <a:rPr lang="en-US" sz="2400" dirty="0" err="1">
+                <a:solidFill>
+                  <a:srgbClr val="000000"/>
+                </a:solidFill>
+                <a:latin typeface="Consolas" panose="020B0609020204030204" pitchFamily="49" charset="0"/>
+              </a:rPr>
+              <a:t>waitfor</a:t>
+            </a:r>
+            <a:r>
+              <a:rPr lang="en-US" sz="2400" dirty="0">
+                <a:solidFill>
+                  <a:srgbClr val="808080"/>
+                </a:solidFill>
+                <a:latin typeface="Consolas" panose="020B0609020204030204" pitchFamily="49" charset="0"/>
+              </a:rPr>
+              <a:t>;</a:t>
+            </a:r>
+            <a:endParaRPr lang="en-US" sz="2400" dirty="0">
+              <a:solidFill>
+                <a:srgbClr val="000000"/>
+              </a:solidFill>
+              <a:latin typeface="Consolas" panose="020B0609020204030204" pitchFamily="49" charset="0"/>
+            </a:endParaRPr>
+          </a:p>
+          <a:p>
+            <a:endParaRPr lang="en-US" sz="2400" dirty="0">
+              <a:solidFill>
+                <a:srgbClr val="000000"/>
+              </a:solidFill>
+              <a:latin typeface="Consolas" panose="020B0609020204030204" pitchFamily="49" charset="0"/>
+            </a:endParaRPr>
+          </a:p>
+          <a:p>
+            <a:pPr marL="0" indent="0">
+              <a:buNone/>
+            </a:pPr>
+            <a:r>
+              <a:rPr lang="en-US" sz="2400" dirty="0">
+                <a:solidFill>
+                  <a:srgbClr val="0000FF"/>
+                </a:solidFill>
+                <a:latin typeface="Consolas" panose="020B0609020204030204" pitchFamily="49" charset="0"/>
+              </a:rPr>
+              <a:t>BEGIN</a:t>
+            </a:r>
+            <a:r>
+              <a:rPr lang="en-US" sz="2400" dirty="0">
+                <a:solidFill>
+                  <a:srgbClr val="000000"/>
+                </a:solidFill>
+                <a:latin typeface="Consolas" panose="020B0609020204030204" pitchFamily="49" charset="0"/>
+              </a:rPr>
+              <a:t> </a:t>
+            </a:r>
+            <a:r>
+              <a:rPr lang="en-US" sz="2400" dirty="0">
+                <a:solidFill>
+                  <a:srgbClr val="0000FF"/>
+                </a:solidFill>
+                <a:latin typeface="Consolas" panose="020B0609020204030204" pitchFamily="49" charset="0"/>
+              </a:rPr>
+              <a:t>TRANSACTION</a:t>
+            </a:r>
+            <a:endParaRPr lang="en-US" sz="2400" dirty="0">
+              <a:solidFill>
+                <a:srgbClr val="000000"/>
+              </a:solidFill>
+              <a:latin typeface="Consolas" panose="020B0609020204030204" pitchFamily="49" charset="0"/>
+            </a:endParaRPr>
+          </a:p>
+          <a:p>
+            <a:pPr marL="0" indent="0">
+              <a:buNone/>
+            </a:pPr>
+            <a:r>
+              <a:rPr lang="en-US" sz="2400" dirty="0">
+                <a:solidFill>
+                  <a:srgbClr val="0000FF"/>
+                </a:solidFill>
+                <a:latin typeface="Consolas" panose="020B0609020204030204" pitchFamily="49" charset="0"/>
+              </a:rPr>
+              <a:t>DROP</a:t>
+            </a:r>
+            <a:r>
+              <a:rPr lang="en-US" sz="2400" dirty="0">
+                <a:solidFill>
+                  <a:srgbClr val="000000"/>
+                </a:solidFill>
+                <a:latin typeface="Consolas" panose="020B0609020204030204" pitchFamily="49" charset="0"/>
+              </a:rPr>
+              <a:t> </a:t>
+            </a:r>
+            <a:r>
+              <a:rPr lang="en-US" sz="2400" dirty="0">
+                <a:solidFill>
+                  <a:srgbClr val="0000FF"/>
+                </a:solidFill>
+                <a:latin typeface="Consolas" panose="020B0609020204030204" pitchFamily="49" charset="0"/>
+              </a:rPr>
+              <a:t>TABLE</a:t>
+            </a:r>
+            <a:r>
+              <a:rPr lang="en-US" sz="2400" dirty="0">
+                <a:solidFill>
+                  <a:srgbClr val="000000"/>
+                </a:solidFill>
+                <a:latin typeface="Consolas" panose="020B0609020204030204" pitchFamily="49" charset="0"/>
+              </a:rPr>
+              <a:t> </a:t>
+            </a:r>
+            <a:r>
+              <a:rPr lang="en-US" sz="2400" dirty="0">
+                <a:solidFill>
+                  <a:srgbClr val="0000FF"/>
+                </a:solidFill>
+                <a:latin typeface="Consolas" panose="020B0609020204030204" pitchFamily="49" charset="0"/>
+              </a:rPr>
+              <a:t>IF</a:t>
+            </a:r>
+            <a:r>
+              <a:rPr lang="en-US" sz="2400" dirty="0">
+                <a:solidFill>
+                  <a:srgbClr val="000000"/>
+                </a:solidFill>
+                <a:latin typeface="Consolas" panose="020B0609020204030204" pitchFamily="49" charset="0"/>
+              </a:rPr>
+              <a:t> </a:t>
+            </a:r>
+            <a:r>
+              <a:rPr lang="en-US" sz="2400" dirty="0">
+                <a:solidFill>
+                  <a:srgbClr val="808080"/>
+                </a:solidFill>
+                <a:latin typeface="Consolas" panose="020B0609020204030204" pitchFamily="49" charset="0"/>
+              </a:rPr>
+              <a:t>EXISTS</a:t>
+            </a:r>
+            <a:r>
+              <a:rPr lang="en-US" sz="2400" dirty="0">
+                <a:solidFill>
+                  <a:srgbClr val="000000"/>
+                </a:solidFill>
+                <a:latin typeface="Consolas" panose="020B0609020204030204" pitchFamily="49" charset="0"/>
+              </a:rPr>
+              <a:t> dbo</a:t>
+            </a:r>
+            <a:r>
+              <a:rPr lang="en-US" sz="2400" dirty="0">
+                <a:solidFill>
+                  <a:srgbClr val="808080"/>
+                </a:solidFill>
+                <a:latin typeface="Consolas" panose="020B0609020204030204" pitchFamily="49" charset="0"/>
+              </a:rPr>
+              <a:t>.</a:t>
+            </a:r>
+            <a:r>
+              <a:rPr lang="en-US" sz="2400" dirty="0">
+                <a:solidFill>
+                  <a:srgbClr val="000000"/>
+                </a:solidFill>
+                <a:latin typeface="Consolas" panose="020B0609020204030204" pitchFamily="49" charset="0"/>
+              </a:rPr>
+              <a:t>fl1</a:t>
+            </a:r>
+            <a:r>
+              <a:rPr lang="en-US" sz="2400" dirty="0">
+                <a:solidFill>
+                  <a:srgbClr val="808080"/>
+                </a:solidFill>
+                <a:latin typeface="Consolas" panose="020B0609020204030204" pitchFamily="49" charset="0"/>
+              </a:rPr>
+              <a:t>,</a:t>
+            </a:r>
+            <a:r>
+              <a:rPr lang="en-US" sz="2400" dirty="0">
+                <a:solidFill>
+                  <a:srgbClr val="000000"/>
+                </a:solidFill>
+                <a:latin typeface="Consolas" panose="020B0609020204030204" pitchFamily="49" charset="0"/>
+              </a:rPr>
+              <a:t> dbo</a:t>
+            </a:r>
+            <a:r>
+              <a:rPr lang="en-US" sz="2400" dirty="0">
+                <a:solidFill>
+                  <a:srgbClr val="808080"/>
+                </a:solidFill>
+                <a:latin typeface="Consolas" panose="020B0609020204030204" pitchFamily="49" charset="0"/>
+              </a:rPr>
+              <a:t>.</a:t>
+            </a:r>
+            <a:r>
+              <a:rPr lang="en-US" sz="2400" dirty="0">
+                <a:solidFill>
+                  <a:srgbClr val="000000"/>
+                </a:solidFill>
+                <a:latin typeface="Consolas" panose="020B0609020204030204" pitchFamily="49" charset="0"/>
+              </a:rPr>
+              <a:t>fl2</a:t>
+            </a:r>
+            <a:r>
+              <a:rPr lang="en-US" sz="2400" dirty="0">
+                <a:solidFill>
+                  <a:srgbClr val="808080"/>
+                </a:solidFill>
+                <a:latin typeface="Consolas" panose="020B0609020204030204" pitchFamily="49" charset="0"/>
+              </a:rPr>
+              <a:t>,</a:t>
+            </a:r>
+            <a:r>
+              <a:rPr lang="en-US" sz="2400" dirty="0">
+                <a:solidFill>
+                  <a:srgbClr val="000000"/>
+                </a:solidFill>
+                <a:latin typeface="Consolas" panose="020B0609020204030204" pitchFamily="49" charset="0"/>
+              </a:rPr>
+              <a:t> dbo</a:t>
+            </a:r>
+            <a:r>
+              <a:rPr lang="en-US" sz="2400" dirty="0">
+                <a:solidFill>
+                  <a:srgbClr val="808080"/>
+                </a:solidFill>
+                <a:latin typeface="Consolas" panose="020B0609020204030204" pitchFamily="49" charset="0"/>
+              </a:rPr>
+              <a:t>.</a:t>
+            </a:r>
+            <a:r>
+              <a:rPr lang="en-US" sz="2400" dirty="0">
+                <a:solidFill>
+                  <a:srgbClr val="000000"/>
+                </a:solidFill>
+                <a:latin typeface="Consolas" panose="020B0609020204030204" pitchFamily="49" charset="0"/>
+              </a:rPr>
+              <a:t>fl3</a:t>
+            </a:r>
+            <a:r>
+              <a:rPr lang="en-US" sz="2400" dirty="0">
+                <a:solidFill>
+                  <a:srgbClr val="808080"/>
+                </a:solidFill>
+                <a:latin typeface="Consolas" panose="020B0609020204030204" pitchFamily="49" charset="0"/>
+              </a:rPr>
+              <a:t>;</a:t>
+            </a:r>
+            <a:endParaRPr lang="en-US" sz="2400" dirty="0">
+              <a:solidFill>
+                <a:srgbClr val="000000"/>
+              </a:solidFill>
+              <a:latin typeface="Consolas" panose="020B0609020204030204" pitchFamily="49" charset="0"/>
+            </a:endParaRPr>
+          </a:p>
+          <a:p>
+            <a:pPr marL="0" indent="0">
+              <a:buNone/>
+            </a:pPr>
+            <a:r>
+              <a:rPr lang="en-US" sz="2400" dirty="0">
+                <a:solidFill>
+                  <a:srgbClr val="0000FF"/>
+                </a:solidFill>
+                <a:latin typeface="Consolas" panose="020B0609020204030204" pitchFamily="49" charset="0"/>
+              </a:rPr>
+              <a:t>SELECT</a:t>
+            </a:r>
+            <a:r>
+              <a:rPr lang="en-US" sz="2400" dirty="0">
+                <a:solidFill>
+                  <a:srgbClr val="000000"/>
+                </a:solidFill>
+                <a:latin typeface="Consolas" panose="020B0609020204030204" pitchFamily="49" charset="0"/>
+              </a:rPr>
+              <a:t> s2</a:t>
+            </a:r>
+            <a:r>
+              <a:rPr lang="en-US" sz="2400" dirty="0">
+                <a:solidFill>
+                  <a:srgbClr val="808080"/>
+                </a:solidFill>
+                <a:latin typeface="Consolas" panose="020B0609020204030204" pitchFamily="49" charset="0"/>
+              </a:rPr>
+              <a:t>.*</a:t>
+            </a:r>
+            <a:r>
+              <a:rPr lang="en-US" sz="2400" dirty="0">
+                <a:solidFill>
+                  <a:srgbClr val="000000"/>
+                </a:solidFill>
+                <a:latin typeface="Consolas" panose="020B0609020204030204" pitchFamily="49" charset="0"/>
+              </a:rPr>
+              <a:t> </a:t>
+            </a:r>
+            <a:r>
+              <a:rPr lang="en-US" sz="2400" dirty="0">
+                <a:solidFill>
+                  <a:srgbClr val="0000FF"/>
+                </a:solidFill>
+                <a:latin typeface="Consolas" panose="020B0609020204030204" pitchFamily="49" charset="0"/>
+              </a:rPr>
+              <a:t>INTO</a:t>
+            </a:r>
+            <a:r>
+              <a:rPr lang="en-US" sz="2400" dirty="0">
+                <a:solidFill>
+                  <a:srgbClr val="000000"/>
+                </a:solidFill>
+                <a:latin typeface="Consolas" panose="020B0609020204030204" pitchFamily="49" charset="0"/>
+              </a:rPr>
+              <a:t> dbo</a:t>
+            </a:r>
+            <a:r>
+              <a:rPr lang="en-US" sz="2400" dirty="0">
+                <a:solidFill>
+                  <a:srgbClr val="808080"/>
+                </a:solidFill>
+                <a:latin typeface="Consolas" panose="020B0609020204030204" pitchFamily="49" charset="0"/>
+              </a:rPr>
+              <a:t>.</a:t>
+            </a:r>
+            <a:r>
+              <a:rPr lang="en-US" sz="2400" dirty="0">
+                <a:solidFill>
+                  <a:srgbClr val="000000"/>
+                </a:solidFill>
+                <a:latin typeface="Consolas" panose="020B0609020204030204" pitchFamily="49" charset="0"/>
+              </a:rPr>
+              <a:t>fl1 </a:t>
+            </a:r>
+            <a:r>
+              <a:rPr lang="en-US" sz="2400" dirty="0">
+                <a:solidFill>
+                  <a:srgbClr val="0000FF"/>
+                </a:solidFill>
+                <a:latin typeface="Consolas" panose="020B0609020204030204" pitchFamily="49" charset="0"/>
+              </a:rPr>
+              <a:t>FROM</a:t>
+            </a:r>
+            <a:r>
+              <a:rPr lang="en-US" sz="2400" dirty="0">
+                <a:solidFill>
+                  <a:srgbClr val="000000"/>
+                </a:solidFill>
+                <a:latin typeface="Consolas" panose="020B0609020204030204" pitchFamily="49" charset="0"/>
+              </a:rPr>
+              <a:t> </a:t>
+            </a:r>
+            <a:r>
+              <a:rPr lang="en-US" sz="2400" dirty="0" err="1">
+                <a:solidFill>
+                  <a:srgbClr val="00FF00"/>
+                </a:solidFill>
+                <a:latin typeface="Consolas" panose="020B0609020204030204" pitchFamily="49" charset="0"/>
+              </a:rPr>
+              <a:t>sys</a:t>
+            </a:r>
+            <a:r>
+              <a:rPr lang="en-US" sz="2400" dirty="0" err="1">
+                <a:solidFill>
+                  <a:srgbClr val="808080"/>
+                </a:solidFill>
+                <a:latin typeface="Consolas" panose="020B0609020204030204" pitchFamily="49" charset="0"/>
+              </a:rPr>
+              <a:t>.</a:t>
+            </a:r>
+            <a:r>
+              <a:rPr lang="en-US" sz="2400" dirty="0" err="1">
+                <a:solidFill>
+                  <a:srgbClr val="00FF00"/>
+                </a:solidFill>
+                <a:latin typeface="Consolas" panose="020B0609020204030204" pitchFamily="49" charset="0"/>
+              </a:rPr>
+              <a:t>all_columns</a:t>
+            </a:r>
+            <a:r>
+              <a:rPr lang="en-US" sz="2400" dirty="0">
+                <a:solidFill>
+                  <a:srgbClr val="000000"/>
+                </a:solidFill>
+                <a:latin typeface="Consolas" panose="020B0609020204030204" pitchFamily="49" charset="0"/>
+              </a:rPr>
+              <a:t> </a:t>
+            </a:r>
+            <a:r>
+              <a:rPr lang="en-US" sz="2400" dirty="0">
+                <a:solidFill>
+                  <a:srgbClr val="0000FF"/>
+                </a:solidFill>
+                <a:latin typeface="Consolas" panose="020B0609020204030204" pitchFamily="49" charset="0"/>
+              </a:rPr>
+              <a:t>AS</a:t>
+            </a:r>
+            <a:r>
+              <a:rPr lang="en-US" sz="2400" dirty="0">
+                <a:solidFill>
+                  <a:srgbClr val="000000"/>
+                </a:solidFill>
+                <a:latin typeface="Consolas" panose="020B0609020204030204" pitchFamily="49" charset="0"/>
+              </a:rPr>
+              <a:t> s1 </a:t>
+            </a:r>
+            <a:r>
+              <a:rPr lang="en-US" sz="2400" dirty="0">
+                <a:solidFill>
+                  <a:srgbClr val="808080"/>
+                </a:solidFill>
+                <a:latin typeface="Consolas" panose="020B0609020204030204" pitchFamily="49" charset="0"/>
+              </a:rPr>
+              <a:t>CROSS</a:t>
+            </a:r>
+            <a:r>
+              <a:rPr lang="en-US" sz="2400" dirty="0">
+                <a:solidFill>
+                  <a:srgbClr val="000000"/>
+                </a:solidFill>
+                <a:latin typeface="Consolas" panose="020B0609020204030204" pitchFamily="49" charset="0"/>
+              </a:rPr>
+              <a:t> </a:t>
+            </a:r>
+            <a:r>
+              <a:rPr lang="en-US" sz="2400" dirty="0">
+                <a:solidFill>
+                  <a:srgbClr val="808080"/>
+                </a:solidFill>
+                <a:latin typeface="Consolas" panose="020B0609020204030204" pitchFamily="49" charset="0"/>
+              </a:rPr>
+              <a:t>JOIN</a:t>
+            </a:r>
+            <a:r>
+              <a:rPr lang="en-US" sz="2400" dirty="0">
+                <a:solidFill>
+                  <a:srgbClr val="000000"/>
+                </a:solidFill>
+                <a:latin typeface="Consolas" panose="020B0609020204030204" pitchFamily="49" charset="0"/>
+              </a:rPr>
+              <a:t> </a:t>
+            </a:r>
+            <a:r>
+              <a:rPr lang="en-US" sz="2400" dirty="0" err="1">
+                <a:solidFill>
+                  <a:srgbClr val="00FF00"/>
+                </a:solidFill>
+                <a:latin typeface="Consolas" panose="020B0609020204030204" pitchFamily="49" charset="0"/>
+              </a:rPr>
+              <a:t>sys</a:t>
+            </a:r>
+            <a:r>
+              <a:rPr lang="en-US" sz="2400" dirty="0" err="1">
+                <a:solidFill>
+                  <a:srgbClr val="808080"/>
+                </a:solidFill>
+                <a:latin typeface="Consolas" panose="020B0609020204030204" pitchFamily="49" charset="0"/>
+              </a:rPr>
+              <a:t>.</a:t>
+            </a:r>
+            <a:r>
+              <a:rPr lang="en-US" sz="2400" dirty="0" err="1">
+                <a:solidFill>
+                  <a:srgbClr val="00FF00"/>
+                </a:solidFill>
+                <a:latin typeface="Consolas" panose="020B0609020204030204" pitchFamily="49" charset="0"/>
+              </a:rPr>
+              <a:t>all_objects</a:t>
+            </a:r>
+            <a:r>
+              <a:rPr lang="en-US" sz="2400" dirty="0">
+                <a:solidFill>
+                  <a:srgbClr val="000000"/>
+                </a:solidFill>
+                <a:latin typeface="Consolas" panose="020B0609020204030204" pitchFamily="49" charset="0"/>
+              </a:rPr>
+              <a:t> </a:t>
+            </a:r>
+            <a:r>
+              <a:rPr lang="en-US" sz="2400" dirty="0">
+                <a:solidFill>
+                  <a:srgbClr val="0000FF"/>
+                </a:solidFill>
+                <a:latin typeface="Consolas" panose="020B0609020204030204" pitchFamily="49" charset="0"/>
+              </a:rPr>
+              <a:t>AS</a:t>
+            </a:r>
+            <a:r>
+              <a:rPr lang="en-US" sz="2400" dirty="0">
+                <a:solidFill>
+                  <a:srgbClr val="000000"/>
+                </a:solidFill>
+                <a:latin typeface="Consolas" panose="020B0609020204030204" pitchFamily="49" charset="0"/>
+              </a:rPr>
+              <a:t> s2</a:t>
+            </a:r>
+            <a:r>
+              <a:rPr lang="en-US" sz="2400" dirty="0">
+                <a:solidFill>
+                  <a:srgbClr val="808080"/>
+                </a:solidFill>
+                <a:latin typeface="Consolas" panose="020B0609020204030204" pitchFamily="49" charset="0"/>
+              </a:rPr>
+              <a:t>;</a:t>
+            </a:r>
+            <a:endParaRPr lang="en-US" sz="2400" dirty="0">
+              <a:solidFill>
+                <a:srgbClr val="000000"/>
+              </a:solidFill>
+              <a:latin typeface="Consolas" panose="020B0609020204030204" pitchFamily="49" charset="0"/>
+            </a:endParaRPr>
+          </a:p>
+          <a:p>
+            <a:pPr marL="0" indent="0">
+              <a:buNone/>
+            </a:pPr>
+            <a:r>
+              <a:rPr lang="en-US" sz="2400" dirty="0">
+                <a:solidFill>
+                  <a:srgbClr val="0000FF"/>
+                </a:solidFill>
+                <a:latin typeface="Consolas" panose="020B0609020204030204" pitchFamily="49" charset="0"/>
+              </a:rPr>
+              <a:t>SELECT</a:t>
+            </a:r>
+            <a:r>
+              <a:rPr lang="en-US" sz="2400" dirty="0">
+                <a:solidFill>
+                  <a:srgbClr val="000000"/>
+                </a:solidFill>
+                <a:latin typeface="Consolas" panose="020B0609020204030204" pitchFamily="49" charset="0"/>
+              </a:rPr>
+              <a:t> s2</a:t>
+            </a:r>
+            <a:r>
+              <a:rPr lang="en-US" sz="2400" dirty="0">
+                <a:solidFill>
+                  <a:srgbClr val="808080"/>
+                </a:solidFill>
+                <a:latin typeface="Consolas" panose="020B0609020204030204" pitchFamily="49" charset="0"/>
+              </a:rPr>
+              <a:t>.*</a:t>
+            </a:r>
+            <a:r>
+              <a:rPr lang="en-US" sz="2400" dirty="0">
+                <a:solidFill>
+                  <a:srgbClr val="000000"/>
+                </a:solidFill>
+                <a:latin typeface="Consolas" panose="020B0609020204030204" pitchFamily="49" charset="0"/>
+              </a:rPr>
+              <a:t> </a:t>
+            </a:r>
+            <a:r>
+              <a:rPr lang="en-US" sz="2400" dirty="0">
+                <a:solidFill>
+                  <a:srgbClr val="0000FF"/>
+                </a:solidFill>
+                <a:latin typeface="Consolas" panose="020B0609020204030204" pitchFamily="49" charset="0"/>
+              </a:rPr>
+              <a:t>INTO</a:t>
+            </a:r>
+            <a:r>
+              <a:rPr lang="en-US" sz="2400" dirty="0">
+                <a:solidFill>
+                  <a:srgbClr val="000000"/>
+                </a:solidFill>
+                <a:latin typeface="Consolas" panose="020B0609020204030204" pitchFamily="49" charset="0"/>
+              </a:rPr>
+              <a:t> dbo</a:t>
+            </a:r>
+            <a:r>
+              <a:rPr lang="en-US" sz="2400" dirty="0">
+                <a:solidFill>
+                  <a:srgbClr val="808080"/>
+                </a:solidFill>
+                <a:latin typeface="Consolas" panose="020B0609020204030204" pitchFamily="49" charset="0"/>
+              </a:rPr>
+              <a:t>.</a:t>
+            </a:r>
+            <a:r>
+              <a:rPr lang="en-US" sz="2400" dirty="0">
+                <a:solidFill>
+                  <a:srgbClr val="000000"/>
+                </a:solidFill>
+                <a:latin typeface="Consolas" panose="020B0609020204030204" pitchFamily="49" charset="0"/>
+              </a:rPr>
+              <a:t>fl2 </a:t>
+            </a:r>
+            <a:r>
+              <a:rPr lang="en-US" sz="2400" dirty="0">
+                <a:solidFill>
+                  <a:srgbClr val="0000FF"/>
+                </a:solidFill>
+                <a:latin typeface="Consolas" panose="020B0609020204030204" pitchFamily="49" charset="0"/>
+              </a:rPr>
+              <a:t>FROM</a:t>
+            </a:r>
+            <a:r>
+              <a:rPr lang="en-US" sz="2400" dirty="0">
+                <a:solidFill>
+                  <a:srgbClr val="000000"/>
+                </a:solidFill>
+                <a:latin typeface="Consolas" panose="020B0609020204030204" pitchFamily="49" charset="0"/>
+              </a:rPr>
+              <a:t> </a:t>
+            </a:r>
+            <a:r>
+              <a:rPr lang="en-US" sz="2400" dirty="0" err="1">
+                <a:solidFill>
+                  <a:srgbClr val="00FF00"/>
+                </a:solidFill>
+                <a:latin typeface="Consolas" panose="020B0609020204030204" pitchFamily="49" charset="0"/>
+              </a:rPr>
+              <a:t>sys</a:t>
+            </a:r>
+            <a:r>
+              <a:rPr lang="en-US" sz="2400" dirty="0" err="1">
+                <a:solidFill>
+                  <a:srgbClr val="808080"/>
+                </a:solidFill>
+                <a:latin typeface="Consolas" panose="020B0609020204030204" pitchFamily="49" charset="0"/>
+              </a:rPr>
+              <a:t>.</a:t>
+            </a:r>
+            <a:r>
+              <a:rPr lang="en-US" sz="2400" dirty="0" err="1">
+                <a:solidFill>
+                  <a:srgbClr val="00FF00"/>
+                </a:solidFill>
+                <a:latin typeface="Consolas" panose="020B0609020204030204" pitchFamily="49" charset="0"/>
+              </a:rPr>
+              <a:t>all_columns</a:t>
+            </a:r>
+            <a:r>
+              <a:rPr lang="en-US" sz="2400" dirty="0">
+                <a:solidFill>
+                  <a:srgbClr val="000000"/>
+                </a:solidFill>
+                <a:latin typeface="Consolas" panose="020B0609020204030204" pitchFamily="49" charset="0"/>
+              </a:rPr>
+              <a:t> </a:t>
+            </a:r>
+            <a:r>
+              <a:rPr lang="en-US" sz="2400" dirty="0">
+                <a:solidFill>
+                  <a:srgbClr val="0000FF"/>
+                </a:solidFill>
+                <a:latin typeface="Consolas" panose="020B0609020204030204" pitchFamily="49" charset="0"/>
+              </a:rPr>
+              <a:t>AS</a:t>
+            </a:r>
+            <a:r>
+              <a:rPr lang="en-US" sz="2400" dirty="0">
+                <a:solidFill>
+                  <a:srgbClr val="000000"/>
+                </a:solidFill>
+                <a:latin typeface="Consolas" panose="020B0609020204030204" pitchFamily="49" charset="0"/>
+              </a:rPr>
+              <a:t> s1 </a:t>
+            </a:r>
+            <a:r>
+              <a:rPr lang="en-US" sz="2400" dirty="0">
+                <a:solidFill>
+                  <a:srgbClr val="808080"/>
+                </a:solidFill>
+                <a:latin typeface="Consolas" panose="020B0609020204030204" pitchFamily="49" charset="0"/>
+              </a:rPr>
+              <a:t>CROSS</a:t>
+            </a:r>
+            <a:r>
+              <a:rPr lang="en-US" sz="2400" dirty="0">
+                <a:solidFill>
+                  <a:srgbClr val="000000"/>
+                </a:solidFill>
+                <a:latin typeface="Consolas" panose="020B0609020204030204" pitchFamily="49" charset="0"/>
+              </a:rPr>
+              <a:t> </a:t>
+            </a:r>
+            <a:r>
+              <a:rPr lang="en-US" sz="2400" dirty="0">
+                <a:solidFill>
+                  <a:srgbClr val="808080"/>
+                </a:solidFill>
+                <a:latin typeface="Consolas" panose="020B0609020204030204" pitchFamily="49" charset="0"/>
+              </a:rPr>
+              <a:t>JOIN</a:t>
+            </a:r>
+            <a:r>
+              <a:rPr lang="en-US" sz="2400" dirty="0">
+                <a:solidFill>
+                  <a:srgbClr val="000000"/>
+                </a:solidFill>
+                <a:latin typeface="Consolas" panose="020B0609020204030204" pitchFamily="49" charset="0"/>
+              </a:rPr>
+              <a:t> </a:t>
+            </a:r>
+            <a:r>
+              <a:rPr lang="en-US" sz="2400" dirty="0" err="1">
+                <a:solidFill>
+                  <a:srgbClr val="00FF00"/>
+                </a:solidFill>
+                <a:latin typeface="Consolas" panose="020B0609020204030204" pitchFamily="49" charset="0"/>
+              </a:rPr>
+              <a:t>sys</a:t>
+            </a:r>
+            <a:r>
+              <a:rPr lang="en-US" sz="2400" dirty="0" err="1">
+                <a:solidFill>
+                  <a:srgbClr val="808080"/>
+                </a:solidFill>
+                <a:latin typeface="Consolas" panose="020B0609020204030204" pitchFamily="49" charset="0"/>
+              </a:rPr>
+              <a:t>.</a:t>
+            </a:r>
+            <a:r>
+              <a:rPr lang="en-US" sz="2400" dirty="0" err="1">
+                <a:solidFill>
+                  <a:srgbClr val="00FF00"/>
+                </a:solidFill>
+                <a:latin typeface="Consolas" panose="020B0609020204030204" pitchFamily="49" charset="0"/>
+              </a:rPr>
+              <a:t>all_objects</a:t>
+            </a:r>
+            <a:r>
+              <a:rPr lang="en-US" sz="2400" dirty="0">
+                <a:solidFill>
+                  <a:srgbClr val="000000"/>
+                </a:solidFill>
+                <a:latin typeface="Consolas" panose="020B0609020204030204" pitchFamily="49" charset="0"/>
+              </a:rPr>
+              <a:t> </a:t>
+            </a:r>
+            <a:r>
+              <a:rPr lang="en-US" sz="2400" dirty="0">
+                <a:solidFill>
+                  <a:srgbClr val="0000FF"/>
+                </a:solidFill>
+                <a:latin typeface="Consolas" panose="020B0609020204030204" pitchFamily="49" charset="0"/>
+              </a:rPr>
+              <a:t>AS</a:t>
+            </a:r>
+            <a:r>
+              <a:rPr lang="en-US" sz="2400" dirty="0">
+                <a:solidFill>
+                  <a:srgbClr val="000000"/>
+                </a:solidFill>
+                <a:latin typeface="Consolas" panose="020B0609020204030204" pitchFamily="49" charset="0"/>
+              </a:rPr>
+              <a:t> s2</a:t>
+            </a:r>
+            <a:r>
+              <a:rPr lang="en-US" sz="2400" dirty="0">
+                <a:solidFill>
+                  <a:srgbClr val="808080"/>
+                </a:solidFill>
+                <a:latin typeface="Consolas" panose="020B0609020204030204" pitchFamily="49" charset="0"/>
+              </a:rPr>
+              <a:t>;</a:t>
+            </a:r>
+            <a:endParaRPr lang="en-US" sz="2400" dirty="0">
+              <a:solidFill>
+                <a:srgbClr val="000000"/>
+              </a:solidFill>
+              <a:latin typeface="Consolas" panose="020B0609020204030204" pitchFamily="49" charset="0"/>
+            </a:endParaRPr>
+          </a:p>
+          <a:p>
+            <a:pPr marL="0" indent="0">
+              <a:buNone/>
+            </a:pPr>
+            <a:r>
+              <a:rPr lang="en-US" sz="2400" dirty="0">
+                <a:solidFill>
+                  <a:srgbClr val="0000FF"/>
+                </a:solidFill>
+                <a:latin typeface="Consolas" panose="020B0609020204030204" pitchFamily="49" charset="0"/>
+              </a:rPr>
+              <a:t>SELECT</a:t>
+            </a:r>
+            <a:r>
+              <a:rPr lang="en-US" sz="2400" dirty="0">
+                <a:solidFill>
+                  <a:srgbClr val="000000"/>
+                </a:solidFill>
+                <a:latin typeface="Consolas" panose="020B0609020204030204" pitchFamily="49" charset="0"/>
+              </a:rPr>
+              <a:t> s2</a:t>
+            </a:r>
+            <a:r>
+              <a:rPr lang="en-US" sz="2400" dirty="0">
+                <a:solidFill>
+                  <a:srgbClr val="808080"/>
+                </a:solidFill>
+                <a:latin typeface="Consolas" panose="020B0609020204030204" pitchFamily="49" charset="0"/>
+              </a:rPr>
+              <a:t>.*</a:t>
+            </a:r>
+            <a:r>
+              <a:rPr lang="en-US" sz="2400" dirty="0">
+                <a:solidFill>
+                  <a:srgbClr val="000000"/>
+                </a:solidFill>
+                <a:latin typeface="Consolas" panose="020B0609020204030204" pitchFamily="49" charset="0"/>
+              </a:rPr>
+              <a:t> </a:t>
+            </a:r>
+            <a:r>
+              <a:rPr lang="en-US" sz="2400" dirty="0">
+                <a:solidFill>
+                  <a:srgbClr val="0000FF"/>
+                </a:solidFill>
+                <a:latin typeface="Consolas" panose="020B0609020204030204" pitchFamily="49" charset="0"/>
+              </a:rPr>
+              <a:t>INTO</a:t>
+            </a:r>
+            <a:r>
+              <a:rPr lang="en-US" sz="2400" dirty="0">
+                <a:solidFill>
+                  <a:srgbClr val="000000"/>
+                </a:solidFill>
+                <a:latin typeface="Consolas" panose="020B0609020204030204" pitchFamily="49" charset="0"/>
+              </a:rPr>
+              <a:t> dbo</a:t>
+            </a:r>
+            <a:r>
+              <a:rPr lang="en-US" sz="2400" dirty="0">
+                <a:solidFill>
+                  <a:srgbClr val="808080"/>
+                </a:solidFill>
+                <a:latin typeface="Consolas" panose="020B0609020204030204" pitchFamily="49" charset="0"/>
+              </a:rPr>
+              <a:t>.</a:t>
+            </a:r>
+            <a:r>
+              <a:rPr lang="en-US" sz="2400" dirty="0">
+                <a:solidFill>
+                  <a:srgbClr val="000000"/>
+                </a:solidFill>
+                <a:latin typeface="Consolas" panose="020B0609020204030204" pitchFamily="49" charset="0"/>
+              </a:rPr>
+              <a:t>fl3 </a:t>
+            </a:r>
+            <a:r>
+              <a:rPr lang="en-US" sz="2400" dirty="0">
+                <a:solidFill>
+                  <a:srgbClr val="0000FF"/>
+                </a:solidFill>
+                <a:latin typeface="Consolas" panose="020B0609020204030204" pitchFamily="49" charset="0"/>
+              </a:rPr>
+              <a:t>FROM</a:t>
+            </a:r>
+            <a:r>
+              <a:rPr lang="en-US" sz="2400" dirty="0">
+                <a:solidFill>
+                  <a:srgbClr val="000000"/>
+                </a:solidFill>
+                <a:latin typeface="Consolas" panose="020B0609020204030204" pitchFamily="49" charset="0"/>
+              </a:rPr>
+              <a:t> </a:t>
+            </a:r>
+            <a:r>
+              <a:rPr lang="en-US" sz="2400" dirty="0" err="1">
+                <a:solidFill>
+                  <a:srgbClr val="00FF00"/>
+                </a:solidFill>
+                <a:latin typeface="Consolas" panose="020B0609020204030204" pitchFamily="49" charset="0"/>
+              </a:rPr>
+              <a:t>sys</a:t>
+            </a:r>
+            <a:r>
+              <a:rPr lang="en-US" sz="2400" dirty="0" err="1">
+                <a:solidFill>
+                  <a:srgbClr val="808080"/>
+                </a:solidFill>
+                <a:latin typeface="Consolas" panose="020B0609020204030204" pitchFamily="49" charset="0"/>
+              </a:rPr>
+              <a:t>.</a:t>
+            </a:r>
+            <a:r>
+              <a:rPr lang="en-US" sz="2400" dirty="0" err="1">
+                <a:solidFill>
+                  <a:srgbClr val="00FF00"/>
+                </a:solidFill>
+                <a:latin typeface="Consolas" panose="020B0609020204030204" pitchFamily="49" charset="0"/>
+              </a:rPr>
+              <a:t>all_columns</a:t>
+            </a:r>
+            <a:r>
+              <a:rPr lang="en-US" sz="2400" dirty="0">
+                <a:solidFill>
+                  <a:srgbClr val="000000"/>
+                </a:solidFill>
+                <a:latin typeface="Consolas" panose="020B0609020204030204" pitchFamily="49" charset="0"/>
+              </a:rPr>
+              <a:t> </a:t>
+            </a:r>
+            <a:r>
+              <a:rPr lang="en-US" sz="2400" dirty="0">
+                <a:solidFill>
+                  <a:srgbClr val="0000FF"/>
+                </a:solidFill>
+                <a:latin typeface="Consolas" panose="020B0609020204030204" pitchFamily="49" charset="0"/>
+              </a:rPr>
+              <a:t>AS</a:t>
+            </a:r>
+            <a:r>
+              <a:rPr lang="en-US" sz="2400" dirty="0">
+                <a:solidFill>
+                  <a:srgbClr val="000000"/>
+                </a:solidFill>
+                <a:latin typeface="Consolas" panose="020B0609020204030204" pitchFamily="49" charset="0"/>
+              </a:rPr>
+              <a:t> s1 </a:t>
+            </a:r>
+            <a:r>
+              <a:rPr lang="en-US" sz="2400" dirty="0">
+                <a:solidFill>
+                  <a:srgbClr val="808080"/>
+                </a:solidFill>
+                <a:latin typeface="Consolas" panose="020B0609020204030204" pitchFamily="49" charset="0"/>
+              </a:rPr>
+              <a:t>CROSS</a:t>
+            </a:r>
+            <a:r>
+              <a:rPr lang="en-US" sz="2400" dirty="0">
+                <a:solidFill>
+                  <a:srgbClr val="000000"/>
+                </a:solidFill>
+                <a:latin typeface="Consolas" panose="020B0609020204030204" pitchFamily="49" charset="0"/>
+              </a:rPr>
+              <a:t> </a:t>
+            </a:r>
+            <a:r>
+              <a:rPr lang="en-US" sz="2400" dirty="0">
+                <a:solidFill>
+                  <a:srgbClr val="808080"/>
+                </a:solidFill>
+                <a:latin typeface="Consolas" panose="020B0609020204030204" pitchFamily="49" charset="0"/>
+              </a:rPr>
+              <a:t>JOIN</a:t>
+            </a:r>
+            <a:r>
+              <a:rPr lang="en-US" sz="2400" dirty="0">
+                <a:solidFill>
+                  <a:srgbClr val="000000"/>
+                </a:solidFill>
+                <a:latin typeface="Consolas" panose="020B0609020204030204" pitchFamily="49" charset="0"/>
+              </a:rPr>
+              <a:t> </a:t>
+            </a:r>
+            <a:r>
+              <a:rPr lang="en-US" sz="2400" dirty="0" err="1">
+                <a:solidFill>
+                  <a:srgbClr val="00FF00"/>
+                </a:solidFill>
+                <a:latin typeface="Consolas" panose="020B0609020204030204" pitchFamily="49" charset="0"/>
+              </a:rPr>
+              <a:t>sys</a:t>
+            </a:r>
+            <a:r>
+              <a:rPr lang="en-US" sz="2400" dirty="0" err="1">
+                <a:solidFill>
+                  <a:srgbClr val="808080"/>
+                </a:solidFill>
+                <a:latin typeface="Consolas" panose="020B0609020204030204" pitchFamily="49" charset="0"/>
+              </a:rPr>
+              <a:t>.</a:t>
+            </a:r>
+            <a:r>
+              <a:rPr lang="en-US" sz="2400" dirty="0" err="1">
+                <a:solidFill>
+                  <a:srgbClr val="00FF00"/>
+                </a:solidFill>
+                <a:latin typeface="Consolas" panose="020B0609020204030204" pitchFamily="49" charset="0"/>
+              </a:rPr>
+              <a:t>all_objects</a:t>
+            </a:r>
+            <a:r>
+              <a:rPr lang="en-US" sz="2400" dirty="0">
+                <a:solidFill>
+                  <a:srgbClr val="000000"/>
+                </a:solidFill>
+                <a:latin typeface="Consolas" panose="020B0609020204030204" pitchFamily="49" charset="0"/>
+              </a:rPr>
+              <a:t> </a:t>
+            </a:r>
+            <a:r>
+              <a:rPr lang="en-US" sz="2400" dirty="0">
+                <a:solidFill>
+                  <a:srgbClr val="0000FF"/>
+                </a:solidFill>
+                <a:latin typeface="Consolas" panose="020B0609020204030204" pitchFamily="49" charset="0"/>
+              </a:rPr>
+              <a:t>AS</a:t>
+            </a:r>
+            <a:r>
+              <a:rPr lang="en-US" sz="2400" dirty="0">
+                <a:solidFill>
+                  <a:srgbClr val="000000"/>
+                </a:solidFill>
+                <a:latin typeface="Consolas" panose="020B0609020204030204" pitchFamily="49" charset="0"/>
+              </a:rPr>
+              <a:t> s2</a:t>
+            </a:r>
+            <a:r>
+              <a:rPr lang="en-US" sz="2400" dirty="0">
+                <a:solidFill>
+                  <a:srgbClr val="808080"/>
+                </a:solidFill>
+                <a:latin typeface="Consolas" panose="020B0609020204030204" pitchFamily="49" charset="0"/>
+              </a:rPr>
+              <a:t>;</a:t>
+            </a:r>
+            <a:endParaRPr lang="en-US" dirty="0"/>
+          </a:p>
+        </p:txBody>
+      </p:sp>
+    </p:spTree>
+    <p:extLst>
+      <p:ext uri="{BB962C8B-B14F-4D97-AF65-F5344CB8AC3E}">
+        <p14:creationId xmlns:p14="http://schemas.microsoft.com/office/powerpoint/2010/main" val="3167236336"/>
+      </p:ext>
+    </p:extLst>
+  </p:cSld>
+  <p:clrMapOvr>
+    <a:masterClrMapping/>
+  </p:clrMapOvr>
+</p:sld>
+</file>
+
+<file path=ppt/slides/slide36.xml><?xml version="1.0" encoding="utf-8"?>
+<p:sld xmlns:a="http://schemas.openxmlformats.org/drawingml/2006/main" xmlns:r="http://schemas.openxmlformats.org/officeDocument/2006/relationships" xmlns:p="http://schemas.openxmlformats.org/presentationml/2006/main">
+  <p:cSld>
+    <p:spTree>
+      <p:nvGrpSpPr>
+        <p:cNvPr id="1" name=""/>
+        <p:cNvGrpSpPr/>
+        <p:nvPr/>
+      </p:nvGrpSpPr>
+      <p:grpSpPr>
+        <a:xfrm>
+          <a:off x="0" y="0"/>
+          <a:ext cx="0" cy="0"/>
+          <a:chOff x="0" y="0"/>
+          <a:chExt cx="0" cy="0"/>
+        </a:xfrm>
+      </p:grpSpPr>
+      <p:sp>
+        <p:nvSpPr>
+          <p:cNvPr id="2" name="Title 1">
+            <a:extLst>
+              <a:ext uri="{FF2B5EF4-FFF2-40B4-BE49-F238E27FC236}">
+                <a16:creationId xmlns:a16="http://schemas.microsoft.com/office/drawing/2014/main" id="{E79EC8D3-7E72-40B2-AF87-707FEBCCA938}"/>
+              </a:ext>
+            </a:extLst>
+          </p:cNvPr>
+          <p:cNvSpPr>
+            <a:spLocks noGrp="1"/>
+          </p:cNvSpPr>
+          <p:nvPr>
+            <p:ph type="title"/>
+          </p:nvPr>
+        </p:nvSpPr>
+        <p:spPr/>
+        <p:txBody>
+          <a:bodyPr/>
+          <a:lstStyle/>
+          <a:p>
+            <a:r>
+              <a:rPr lang="en-US" dirty="0"/>
+              <a:t>AG Failover Results</a:t>
+            </a:r>
+          </a:p>
+        </p:txBody>
+      </p:sp>
+      <p:pic>
+        <p:nvPicPr>
+          <p:cNvPr id="5" name="Content Placeholder 4">
+            <a:extLst>
+              <a:ext uri="{FF2B5EF4-FFF2-40B4-BE49-F238E27FC236}">
+                <a16:creationId xmlns:a16="http://schemas.microsoft.com/office/drawing/2014/main" id="{26D4F835-A399-47FC-B13C-0E35AA6F4311}"/>
+              </a:ext>
+            </a:extLst>
+          </p:cNvPr>
+          <p:cNvPicPr>
+            <a:picLocks noGrp="1" noChangeAspect="1"/>
+          </p:cNvPicPr>
+          <p:nvPr>
+            <p:ph idx="1"/>
+          </p:nvPr>
+        </p:nvPicPr>
+        <p:blipFill>
+          <a:blip r:embed="rId2"/>
+          <a:stretch>
+            <a:fillRect/>
+          </a:stretch>
+        </p:blipFill>
+        <p:spPr>
+          <a:xfrm>
+            <a:off x="2715979" y="3007098"/>
+            <a:ext cx="6760041" cy="1293028"/>
+          </a:xfrm>
+        </p:spPr>
+      </p:pic>
+    </p:spTree>
+    <p:extLst>
+      <p:ext uri="{BB962C8B-B14F-4D97-AF65-F5344CB8AC3E}">
+        <p14:creationId xmlns:p14="http://schemas.microsoft.com/office/powerpoint/2010/main" val="4162714264"/>
+      </p:ext>
+    </p:extLst>
+  </p:cSld>
+  <p:clrMapOvr>
+    <a:masterClrMapping/>
+  </p:clrMapOvr>
+</p:sld>
+</file>
+
+<file path=ppt/slides/slide37.xml><?xml version="1.0" encoding="utf-8"?>
+<p:sld xmlns:a="http://schemas.openxmlformats.org/drawingml/2006/main" xmlns:r="http://schemas.openxmlformats.org/officeDocument/2006/relationships" xmlns:p="http://schemas.openxmlformats.org/presentationml/2006/main">
+  <p:cSld>
+    <p:spTree>
+      <p:nvGrpSpPr>
+        <p:cNvPr id="1" name=""/>
+        <p:cNvGrpSpPr/>
+        <p:nvPr/>
+      </p:nvGrpSpPr>
+      <p:grpSpPr>
+        <a:xfrm>
+          <a:off x="0" y="0"/>
+          <a:ext cx="0" cy="0"/>
+          <a:chOff x="0" y="0"/>
+          <a:chExt cx="0" cy="0"/>
+        </a:xfrm>
+      </p:grpSpPr>
+      <p:sp>
+        <p:nvSpPr>
+          <p:cNvPr id="2" name="Title 1">
+            <a:extLst>
+              <a:ext uri="{FF2B5EF4-FFF2-40B4-BE49-F238E27FC236}">
                 <a16:creationId xmlns:a16="http://schemas.microsoft.com/office/drawing/2014/main" id="{26599BA1-CC99-4CE4-A22E-24E787D5EAEE}"/>
               </a:ext>
             </a:extLst>
@@ -18603,7 +18916,7 @@
 </p:sld>
 </file>
 
-<file path=ppt/slides/slide36.xml><?xml version="1.0" encoding="utf-8"?>
+<file path=ppt/slides/slide38.xml><?xml version="1.0" encoding="utf-8"?>
 <p:sld xmlns:a="http://schemas.openxmlformats.org/drawingml/2006/main" xmlns:r="http://schemas.openxmlformats.org/officeDocument/2006/relationships" xmlns:p="http://schemas.openxmlformats.org/presentationml/2006/main">
   <p:cSld>
     <p:spTree>
